--- a/designs.pptx
+++ b/designs.pptx
@@ -11,6 +11,7 @@
     <p:sldId id="259" r:id="rId5"/>
     <p:sldId id="260" r:id="rId6"/>
     <p:sldId id="261" r:id="rId7"/>
+    <p:sldId id="262" r:id="rId8"/>
   </p:sldIdLst>
   <p:sldSz cx="12192000" cy="6858000"/>
   <p:notesSz cx="6858000" cy="9144000"/>
@@ -109,6 +110,11 @@
       </a:defRPr>
     </a:lvl9pPr>
   </p:defaultTextStyle>
+  <p:extLst>
+    <p:ext uri="{EFAFB233-063F-42B5-8137-9DF3F51BA10A}">
+      <p15:sldGuideLst xmlns:p15="http://schemas.microsoft.com/office/powerpoint/2012/main"/>
+    </p:ext>
+  </p:extLst>
 </p:presentation>
 </file>
 
@@ -261,7 +267,7 @@
           <a:p>
             <a:fld id="{C8AF34AE-9B36-471F-88F2-11C9A132E46D}" type="datetimeFigureOut">
               <a:rPr lang="en-IN" smtClean="0"/>
-              <a:t>19-01-2022</a:t>
+              <a:t>04-02-2022</a:t>
             </a:fld>
             <a:endParaRPr lang="en-IN"/>
           </a:p>
@@ -461,7 +467,7 @@
           <a:p>
             <a:fld id="{C8AF34AE-9B36-471F-88F2-11C9A132E46D}" type="datetimeFigureOut">
               <a:rPr lang="en-IN" smtClean="0"/>
-              <a:t>19-01-2022</a:t>
+              <a:t>04-02-2022</a:t>
             </a:fld>
             <a:endParaRPr lang="en-IN"/>
           </a:p>
@@ -671,7 +677,7 @@
           <a:p>
             <a:fld id="{C8AF34AE-9B36-471F-88F2-11C9A132E46D}" type="datetimeFigureOut">
               <a:rPr lang="en-IN" smtClean="0"/>
-              <a:t>19-01-2022</a:t>
+              <a:t>04-02-2022</a:t>
             </a:fld>
             <a:endParaRPr lang="en-IN"/>
           </a:p>
@@ -871,7 +877,7 @@
           <a:p>
             <a:fld id="{C8AF34AE-9B36-471F-88F2-11C9A132E46D}" type="datetimeFigureOut">
               <a:rPr lang="en-IN" smtClean="0"/>
-              <a:t>19-01-2022</a:t>
+              <a:t>04-02-2022</a:t>
             </a:fld>
             <a:endParaRPr lang="en-IN"/>
           </a:p>
@@ -1147,7 +1153,7 @@
           <a:p>
             <a:fld id="{C8AF34AE-9B36-471F-88F2-11C9A132E46D}" type="datetimeFigureOut">
               <a:rPr lang="en-IN" smtClean="0"/>
-              <a:t>19-01-2022</a:t>
+              <a:t>04-02-2022</a:t>
             </a:fld>
             <a:endParaRPr lang="en-IN"/>
           </a:p>
@@ -1415,7 +1421,7 @@
           <a:p>
             <a:fld id="{C8AF34AE-9B36-471F-88F2-11C9A132E46D}" type="datetimeFigureOut">
               <a:rPr lang="en-IN" smtClean="0"/>
-              <a:t>19-01-2022</a:t>
+              <a:t>04-02-2022</a:t>
             </a:fld>
             <a:endParaRPr lang="en-IN"/>
           </a:p>
@@ -1830,7 +1836,7 @@
           <a:p>
             <a:fld id="{C8AF34AE-9B36-471F-88F2-11C9A132E46D}" type="datetimeFigureOut">
               <a:rPr lang="en-IN" smtClean="0"/>
-              <a:t>19-01-2022</a:t>
+              <a:t>04-02-2022</a:t>
             </a:fld>
             <a:endParaRPr lang="en-IN"/>
           </a:p>
@@ -1972,7 +1978,7 @@
           <a:p>
             <a:fld id="{C8AF34AE-9B36-471F-88F2-11C9A132E46D}" type="datetimeFigureOut">
               <a:rPr lang="en-IN" smtClean="0"/>
-              <a:t>19-01-2022</a:t>
+              <a:t>04-02-2022</a:t>
             </a:fld>
             <a:endParaRPr lang="en-IN"/>
           </a:p>
@@ -2085,7 +2091,7 @@
           <a:p>
             <a:fld id="{C8AF34AE-9B36-471F-88F2-11C9A132E46D}" type="datetimeFigureOut">
               <a:rPr lang="en-IN" smtClean="0"/>
-              <a:t>19-01-2022</a:t>
+              <a:t>04-02-2022</a:t>
             </a:fld>
             <a:endParaRPr lang="en-IN"/>
           </a:p>
@@ -2398,7 +2404,7 @@
           <a:p>
             <a:fld id="{C8AF34AE-9B36-471F-88F2-11C9A132E46D}" type="datetimeFigureOut">
               <a:rPr lang="en-IN" smtClean="0"/>
-              <a:t>19-01-2022</a:t>
+              <a:t>04-02-2022</a:t>
             </a:fld>
             <a:endParaRPr lang="en-IN"/>
           </a:p>
@@ -2687,7 +2693,7 @@
           <a:p>
             <a:fld id="{C8AF34AE-9B36-471F-88F2-11C9A132E46D}" type="datetimeFigureOut">
               <a:rPr lang="en-IN" smtClean="0"/>
-              <a:t>19-01-2022</a:t>
+              <a:t>04-02-2022</a:t>
             </a:fld>
             <a:endParaRPr lang="en-IN"/>
           </a:p>
@@ -2930,7 +2936,7 @@
           <a:p>
             <a:fld id="{C8AF34AE-9B36-471F-88F2-11C9A132E46D}" type="datetimeFigureOut">
               <a:rPr lang="en-IN" smtClean="0"/>
-              <a:t>19-01-2022</a:t>
+              <a:t>04-02-2022</a:t>
             </a:fld>
             <a:endParaRPr lang="en-IN"/>
           </a:p>
@@ -3737,6 +3743,1583 @@
 </p:sld>
 </file>
 
+<file path=ppt/slides/slide7.xml><?xml version="1.0" encoding="utf-8"?>
+<p:sld xmlns:a="http://schemas.openxmlformats.org/drawingml/2006/main" xmlns:r="http://schemas.openxmlformats.org/officeDocument/2006/relationships" xmlns:p="http://schemas.openxmlformats.org/presentationml/2006/main">
+  <p:cSld>
+    <p:spTree>
+      <p:nvGrpSpPr>
+        <p:cNvPr id="1" name=""/>
+        <p:cNvGrpSpPr/>
+        <p:nvPr/>
+      </p:nvGrpSpPr>
+      <p:grpSpPr>
+        <a:xfrm>
+          <a:off x="0" y="0"/>
+          <a:ext cx="0" cy="0"/>
+          <a:chOff x="0" y="0"/>
+          <a:chExt cx="0" cy="0"/>
+        </a:xfrm>
+      </p:grpSpPr>
+      <p:sp>
+        <p:nvSpPr>
+          <p:cNvPr id="10" name="Rectangle: Rounded Corners 9">
+            <a:extLst>
+              <a:ext uri="{FF2B5EF4-FFF2-40B4-BE49-F238E27FC236}">
+                <a16:creationId xmlns:a16="http://schemas.microsoft.com/office/drawing/2014/main" id="{64DC03ED-3E0D-4A1E-A2F7-4547D34BDA11}"/>
+              </a:ext>
+            </a:extLst>
+          </p:cNvPr>
+          <p:cNvSpPr/>
+          <p:nvPr/>
+        </p:nvSpPr>
+        <p:spPr>
+          <a:xfrm>
+            <a:off x="528298" y="1250476"/>
+            <a:ext cx="10962005" cy="5265055"/>
+          </a:xfrm>
+          <a:prstGeom prst="roundRect">
+            <a:avLst/>
+          </a:prstGeom>
+          <a:solidFill>
+            <a:schemeClr val="accent3">
+              <a:lumMod val="20000"/>
+              <a:lumOff val="80000"/>
+            </a:schemeClr>
+          </a:solidFill>
+          <a:ln>
+            <a:noFill/>
+          </a:ln>
+        </p:spPr>
+        <p:style>
+          <a:lnRef idx="2">
+            <a:schemeClr val="accent1">
+              <a:shade val="50000"/>
+            </a:schemeClr>
+          </a:lnRef>
+          <a:fillRef idx="1">
+            <a:schemeClr val="accent1"/>
+          </a:fillRef>
+          <a:effectRef idx="0">
+            <a:schemeClr val="accent1"/>
+          </a:effectRef>
+          <a:fontRef idx="minor">
+            <a:schemeClr val="lt1"/>
+          </a:fontRef>
+        </p:style>
+        <p:txBody>
+          <a:bodyPr rtlCol="0" anchor="ctr"/>
+          <a:lstStyle/>
+          <a:p>
+            <a:pPr algn="ctr"/>
+            <a:endParaRPr lang="en-IN" dirty="0"/>
+          </a:p>
+        </p:txBody>
+      </p:sp>
+      <p:sp>
+        <p:nvSpPr>
+          <p:cNvPr id="4" name="Rectangle: Rounded Corners 3">
+            <a:extLst>
+              <a:ext uri="{FF2B5EF4-FFF2-40B4-BE49-F238E27FC236}">
+                <a16:creationId xmlns:a16="http://schemas.microsoft.com/office/drawing/2014/main" id="{80432144-D0B7-43DC-B0C9-AC8C9C9B5155}"/>
+              </a:ext>
+            </a:extLst>
+          </p:cNvPr>
+          <p:cNvSpPr/>
+          <p:nvPr/>
+        </p:nvSpPr>
+        <p:spPr>
+          <a:xfrm>
+            <a:off x="2242583" y="59851"/>
+            <a:ext cx="911382" cy="793750"/>
+          </a:xfrm>
+          <a:prstGeom prst="roundRect">
+            <a:avLst/>
+          </a:prstGeom>
+          <a:solidFill>
+            <a:schemeClr val="accent6">
+              <a:lumMod val="60000"/>
+              <a:lumOff val="40000"/>
+            </a:schemeClr>
+          </a:solidFill>
+        </p:spPr>
+        <p:style>
+          <a:lnRef idx="0">
+            <a:schemeClr val="accent5"/>
+          </a:lnRef>
+          <a:fillRef idx="3">
+            <a:schemeClr val="accent5"/>
+          </a:fillRef>
+          <a:effectRef idx="3">
+            <a:schemeClr val="accent5"/>
+          </a:effectRef>
+          <a:fontRef idx="minor">
+            <a:schemeClr val="lt1"/>
+          </a:fontRef>
+        </p:style>
+        <p:txBody>
+          <a:bodyPr rtlCol="0" anchor="ctr"/>
+          <a:lstStyle/>
+          <a:p>
+            <a:pPr algn="ctr"/>
+            <a:r>
+              <a:rPr lang="en-IN" dirty="0"/>
+              <a:t>Socket Client</a:t>
+            </a:r>
+          </a:p>
+        </p:txBody>
+      </p:sp>
+      <p:sp>
+        <p:nvSpPr>
+          <p:cNvPr id="5" name="Rectangle: Rounded Corners 4">
+            <a:extLst>
+              <a:ext uri="{FF2B5EF4-FFF2-40B4-BE49-F238E27FC236}">
+                <a16:creationId xmlns:a16="http://schemas.microsoft.com/office/drawing/2014/main" id="{0473BE43-4A8F-4968-A86A-132EBA32E177}"/>
+              </a:ext>
+            </a:extLst>
+          </p:cNvPr>
+          <p:cNvSpPr/>
+          <p:nvPr/>
+        </p:nvSpPr>
+        <p:spPr>
+          <a:xfrm>
+            <a:off x="2013268" y="1643064"/>
+            <a:ext cx="1370012" cy="1209675"/>
+          </a:xfrm>
+          <a:prstGeom prst="roundRect">
+            <a:avLst/>
+          </a:prstGeom>
+          <a:solidFill>
+            <a:schemeClr val="accent2">
+              <a:lumMod val="60000"/>
+              <a:lumOff val="40000"/>
+            </a:schemeClr>
+          </a:solidFill>
+        </p:spPr>
+        <p:style>
+          <a:lnRef idx="0">
+            <a:schemeClr val="accent5"/>
+          </a:lnRef>
+          <a:fillRef idx="3">
+            <a:schemeClr val="accent5"/>
+          </a:fillRef>
+          <a:effectRef idx="3">
+            <a:schemeClr val="accent5"/>
+          </a:effectRef>
+          <a:fontRef idx="minor">
+            <a:schemeClr val="lt1"/>
+          </a:fontRef>
+        </p:style>
+        <p:txBody>
+          <a:bodyPr rtlCol="0" anchor="ctr"/>
+          <a:lstStyle/>
+          <a:p>
+            <a:pPr algn="ctr"/>
+            <a:r>
+              <a:rPr lang="en-IN" dirty="0"/>
+              <a:t>Socket Session</a:t>
+            </a:r>
+          </a:p>
+        </p:txBody>
+      </p:sp>
+      <p:sp>
+        <p:nvSpPr>
+          <p:cNvPr id="7" name="Cylinder 6">
+            <a:extLst>
+              <a:ext uri="{FF2B5EF4-FFF2-40B4-BE49-F238E27FC236}">
+                <a16:creationId xmlns:a16="http://schemas.microsoft.com/office/drawing/2014/main" id="{CA61AFFB-ADDF-462E-8714-2D33425157FF}"/>
+              </a:ext>
+            </a:extLst>
+          </p:cNvPr>
+          <p:cNvSpPr/>
+          <p:nvPr/>
+        </p:nvSpPr>
+        <p:spPr>
+          <a:xfrm rot="5400000">
+            <a:off x="5652841" y="634760"/>
+            <a:ext cx="523875" cy="10400517"/>
+          </a:xfrm>
+          <a:prstGeom prst="can">
+            <a:avLst/>
+          </a:prstGeom>
+        </p:spPr>
+        <p:style>
+          <a:lnRef idx="0">
+            <a:schemeClr val="accent5"/>
+          </a:lnRef>
+          <a:fillRef idx="3">
+            <a:schemeClr val="accent5"/>
+          </a:fillRef>
+          <a:effectRef idx="3">
+            <a:schemeClr val="accent5"/>
+          </a:effectRef>
+          <a:fontRef idx="minor">
+            <a:schemeClr val="lt1"/>
+          </a:fontRef>
+        </p:style>
+        <p:txBody>
+          <a:bodyPr vert="vert270" rtlCol="0" anchor="ctr"/>
+          <a:lstStyle/>
+          <a:p>
+            <a:pPr algn="ctr"/>
+            <a:r>
+              <a:rPr lang="en-IN" dirty="0"/>
+              <a:t>Multicaster  </a:t>
+            </a:r>
+          </a:p>
+        </p:txBody>
+      </p:sp>
+      <p:sp>
+        <p:nvSpPr>
+          <p:cNvPr id="16" name="Rectangle: Rounded Corners 15">
+            <a:extLst>
+              <a:ext uri="{FF2B5EF4-FFF2-40B4-BE49-F238E27FC236}">
+                <a16:creationId xmlns:a16="http://schemas.microsoft.com/office/drawing/2014/main" id="{A96A5840-F1F7-4050-9486-9140C8A1BD32}"/>
+              </a:ext>
+            </a:extLst>
+          </p:cNvPr>
+          <p:cNvSpPr/>
+          <p:nvPr/>
+        </p:nvSpPr>
+        <p:spPr>
+          <a:xfrm>
+            <a:off x="701697" y="3383281"/>
+            <a:ext cx="1654492" cy="616744"/>
+          </a:xfrm>
+          <a:prstGeom prst="roundRect">
+            <a:avLst/>
+          </a:prstGeom>
+        </p:spPr>
+        <p:style>
+          <a:lnRef idx="0">
+            <a:schemeClr val="accent5"/>
+          </a:lnRef>
+          <a:fillRef idx="3">
+            <a:schemeClr val="accent5"/>
+          </a:fillRef>
+          <a:effectRef idx="3">
+            <a:schemeClr val="accent5"/>
+          </a:effectRef>
+          <a:fontRef idx="minor">
+            <a:schemeClr val="lt1"/>
+          </a:fontRef>
+        </p:style>
+        <p:txBody>
+          <a:bodyPr rtlCol="0" anchor="ctr"/>
+          <a:lstStyle/>
+          <a:p>
+            <a:pPr algn="ctr"/>
+            <a:r>
+              <a:rPr lang="en-IN" sz="1100" dirty="0"/>
+              <a:t>Outbound Flux &lt;</a:t>
+            </a:r>
+            <a:r>
+              <a:rPr lang="en-IN" sz="1100" dirty="0" err="1"/>
+              <a:t>WebSocketMessage</a:t>
+            </a:r>
+            <a:r>
+              <a:rPr lang="en-IN" sz="1100" dirty="0"/>
+              <a:t>&gt;</a:t>
+            </a:r>
+          </a:p>
+        </p:txBody>
+      </p:sp>
+      <p:cxnSp>
+        <p:nvCxnSpPr>
+          <p:cNvPr id="43" name="Straight Arrow Connector 42">
+            <a:extLst>
+              <a:ext uri="{FF2B5EF4-FFF2-40B4-BE49-F238E27FC236}">
+                <a16:creationId xmlns:a16="http://schemas.microsoft.com/office/drawing/2014/main" id="{A298E753-97F6-47ED-8AB1-1DE9A333811A}"/>
+              </a:ext>
+            </a:extLst>
+          </p:cNvPr>
+          <p:cNvCxnSpPr>
+            <a:cxnSpLocks/>
+            <a:endCxn id="16" idx="2"/>
+          </p:cNvCxnSpPr>
+          <p:nvPr/>
+        </p:nvCxnSpPr>
+        <p:spPr>
+          <a:xfrm flipV="1">
+            <a:off x="1528943" y="4000025"/>
+            <a:ext cx="0" cy="1590150"/>
+          </a:xfrm>
+          <a:prstGeom prst="straightConnector1">
+            <a:avLst/>
+          </a:prstGeom>
+          <a:ln w="19050">
+            <a:tailEnd type="triangle"/>
+          </a:ln>
+        </p:spPr>
+        <p:style>
+          <a:lnRef idx="1">
+            <a:schemeClr val="accent2"/>
+          </a:lnRef>
+          <a:fillRef idx="0">
+            <a:schemeClr val="accent2"/>
+          </a:fillRef>
+          <a:effectRef idx="0">
+            <a:schemeClr val="accent2"/>
+          </a:effectRef>
+          <a:fontRef idx="minor">
+            <a:schemeClr val="tx1"/>
+          </a:fontRef>
+        </p:style>
+      </p:cxnSp>
+      <p:cxnSp>
+        <p:nvCxnSpPr>
+          <p:cNvPr id="58" name="Straight Arrow Connector 57">
+            <a:extLst>
+              <a:ext uri="{FF2B5EF4-FFF2-40B4-BE49-F238E27FC236}">
+                <a16:creationId xmlns:a16="http://schemas.microsoft.com/office/drawing/2014/main" id="{9948B1C8-578E-43DC-AC7F-F1EBB88286B9}"/>
+              </a:ext>
+            </a:extLst>
+          </p:cNvPr>
+          <p:cNvCxnSpPr>
+            <a:cxnSpLocks/>
+            <a:stCxn id="60" idx="4"/>
+          </p:cNvCxnSpPr>
+          <p:nvPr/>
+        </p:nvCxnSpPr>
+        <p:spPr>
+          <a:xfrm flipH="1">
+            <a:off x="8078711" y="4776726"/>
+            <a:ext cx="12824" cy="796353"/>
+          </a:xfrm>
+          <a:prstGeom prst="straightConnector1">
+            <a:avLst/>
+          </a:prstGeom>
+          <a:ln w="19050">
+            <a:tailEnd type="triangle"/>
+          </a:ln>
+        </p:spPr>
+        <p:style>
+          <a:lnRef idx="1">
+            <a:schemeClr val="accent2"/>
+          </a:lnRef>
+          <a:fillRef idx="0">
+            <a:schemeClr val="accent2"/>
+          </a:fillRef>
+          <a:effectRef idx="0">
+            <a:schemeClr val="accent2"/>
+          </a:effectRef>
+          <a:fontRef idx="minor">
+            <a:schemeClr val="tx1"/>
+          </a:fontRef>
+        </p:style>
+      </p:cxnSp>
+      <p:sp>
+        <p:nvSpPr>
+          <p:cNvPr id="59" name="Oval 58">
+            <a:extLst>
+              <a:ext uri="{FF2B5EF4-FFF2-40B4-BE49-F238E27FC236}">
+                <a16:creationId xmlns:a16="http://schemas.microsoft.com/office/drawing/2014/main" id="{626321BE-B281-46EB-AC93-279F75EF18A0}"/>
+              </a:ext>
+            </a:extLst>
+          </p:cNvPr>
+          <p:cNvSpPr/>
+          <p:nvPr/>
+        </p:nvSpPr>
+        <p:spPr>
+          <a:xfrm>
+            <a:off x="7914011" y="4189137"/>
+            <a:ext cx="334728" cy="203119"/>
+          </a:xfrm>
+          <a:prstGeom prst="ellipse">
+            <a:avLst/>
+          </a:prstGeom>
+        </p:spPr>
+        <p:style>
+          <a:lnRef idx="0">
+            <a:schemeClr val="accent5"/>
+          </a:lnRef>
+          <a:fillRef idx="3">
+            <a:schemeClr val="accent5"/>
+          </a:fillRef>
+          <a:effectRef idx="3">
+            <a:schemeClr val="accent5"/>
+          </a:effectRef>
+          <a:fontRef idx="minor">
+            <a:schemeClr val="lt1"/>
+          </a:fontRef>
+        </p:style>
+        <p:txBody>
+          <a:bodyPr rtlCol="0" anchor="ctr"/>
+          <a:lstStyle/>
+          <a:p>
+            <a:pPr algn="ctr"/>
+            <a:endParaRPr lang="en-IN"/>
+          </a:p>
+        </p:txBody>
+      </p:sp>
+      <p:sp>
+        <p:nvSpPr>
+          <p:cNvPr id="60" name="Oval 59">
+            <a:extLst>
+              <a:ext uri="{FF2B5EF4-FFF2-40B4-BE49-F238E27FC236}">
+                <a16:creationId xmlns:a16="http://schemas.microsoft.com/office/drawing/2014/main" id="{C2EAC74F-F12C-46E2-A9F7-4FE5B6F896C6}"/>
+              </a:ext>
+            </a:extLst>
+          </p:cNvPr>
+          <p:cNvSpPr/>
+          <p:nvPr/>
+        </p:nvSpPr>
+        <p:spPr>
+          <a:xfrm>
+            <a:off x="7924171" y="4573607"/>
+            <a:ext cx="334728" cy="203119"/>
+          </a:xfrm>
+          <a:prstGeom prst="ellipse">
+            <a:avLst/>
+          </a:prstGeom>
+        </p:spPr>
+        <p:style>
+          <a:lnRef idx="0">
+            <a:schemeClr val="accent5"/>
+          </a:lnRef>
+          <a:fillRef idx="3">
+            <a:schemeClr val="accent5"/>
+          </a:fillRef>
+          <a:effectRef idx="3">
+            <a:schemeClr val="accent5"/>
+          </a:effectRef>
+          <a:fontRef idx="minor">
+            <a:schemeClr val="lt1"/>
+          </a:fontRef>
+        </p:style>
+        <p:txBody>
+          <a:bodyPr rtlCol="0" anchor="ctr"/>
+          <a:lstStyle/>
+          <a:p>
+            <a:pPr algn="ctr"/>
+            <a:endParaRPr lang="en-IN"/>
+          </a:p>
+        </p:txBody>
+      </p:sp>
+      <p:sp>
+        <p:nvSpPr>
+          <p:cNvPr id="61" name="Cylinder 60">
+            <a:extLst>
+              <a:ext uri="{FF2B5EF4-FFF2-40B4-BE49-F238E27FC236}">
+                <a16:creationId xmlns:a16="http://schemas.microsoft.com/office/drawing/2014/main" id="{AA1080D0-BCC8-4152-982B-63651F00B963}"/>
+              </a:ext>
+            </a:extLst>
+          </p:cNvPr>
+          <p:cNvSpPr/>
+          <p:nvPr/>
+        </p:nvSpPr>
+        <p:spPr>
+          <a:xfrm>
+            <a:off x="6050643" y="3969099"/>
+            <a:ext cx="898054" cy="643193"/>
+          </a:xfrm>
+          <a:prstGeom prst="can">
+            <a:avLst/>
+          </a:prstGeom>
+        </p:spPr>
+        <p:style>
+          <a:lnRef idx="0">
+            <a:schemeClr val="accent5"/>
+          </a:lnRef>
+          <a:fillRef idx="3">
+            <a:schemeClr val="accent5"/>
+          </a:fillRef>
+          <a:effectRef idx="3">
+            <a:schemeClr val="accent5"/>
+          </a:effectRef>
+          <a:fontRef idx="minor">
+            <a:schemeClr val="lt1"/>
+          </a:fontRef>
+        </p:style>
+        <p:txBody>
+          <a:bodyPr rtlCol="0" anchor="ctr"/>
+          <a:lstStyle/>
+          <a:p>
+            <a:pPr algn="ctr"/>
+            <a:r>
+              <a:rPr lang="en-IN" sz="1100" dirty="0"/>
+              <a:t>Socket Session DB</a:t>
+            </a:r>
+          </a:p>
+        </p:txBody>
+      </p:sp>
+      <p:cxnSp>
+        <p:nvCxnSpPr>
+          <p:cNvPr id="62" name="Straight Arrow Connector 61">
+            <a:extLst>
+              <a:ext uri="{FF2B5EF4-FFF2-40B4-BE49-F238E27FC236}">
+                <a16:creationId xmlns:a16="http://schemas.microsoft.com/office/drawing/2014/main" id="{3093FA57-C721-403A-8AFF-F6B43966E2A9}"/>
+              </a:ext>
+            </a:extLst>
+          </p:cNvPr>
+          <p:cNvCxnSpPr>
+            <a:cxnSpLocks/>
+            <a:stCxn id="59" idx="2"/>
+            <a:endCxn id="61" idx="4"/>
+          </p:cNvCxnSpPr>
+          <p:nvPr/>
+        </p:nvCxnSpPr>
+        <p:spPr>
+          <a:xfrm flipH="1" flipV="1">
+            <a:off x="6948697" y="4290696"/>
+            <a:ext cx="965314" cy="1"/>
+          </a:xfrm>
+          <a:prstGeom prst="straightConnector1">
+            <a:avLst/>
+          </a:prstGeom>
+          <a:ln w="19050">
+            <a:tailEnd type="triangle"/>
+          </a:ln>
+        </p:spPr>
+        <p:style>
+          <a:lnRef idx="1">
+            <a:schemeClr val="accent2"/>
+          </a:lnRef>
+          <a:fillRef idx="0">
+            <a:schemeClr val="accent2"/>
+          </a:fillRef>
+          <a:effectRef idx="0">
+            <a:schemeClr val="accent2"/>
+          </a:effectRef>
+          <a:fontRef idx="minor">
+            <a:schemeClr val="tx1"/>
+          </a:fontRef>
+        </p:style>
+      </p:cxnSp>
+      <p:cxnSp>
+        <p:nvCxnSpPr>
+          <p:cNvPr id="63" name="Straight Arrow Connector 62">
+            <a:extLst>
+              <a:ext uri="{FF2B5EF4-FFF2-40B4-BE49-F238E27FC236}">
+                <a16:creationId xmlns:a16="http://schemas.microsoft.com/office/drawing/2014/main" id="{55D61280-AE32-415F-987C-BF784D4EEF1A}"/>
+              </a:ext>
+            </a:extLst>
+          </p:cNvPr>
+          <p:cNvCxnSpPr>
+            <a:cxnSpLocks/>
+            <a:endCxn id="59" idx="0"/>
+          </p:cNvCxnSpPr>
+          <p:nvPr/>
+        </p:nvCxnSpPr>
+        <p:spPr>
+          <a:xfrm>
+            <a:off x="8078711" y="4045744"/>
+            <a:ext cx="2664" cy="143393"/>
+          </a:xfrm>
+          <a:prstGeom prst="straightConnector1">
+            <a:avLst/>
+          </a:prstGeom>
+          <a:ln w="19050">
+            <a:tailEnd type="triangle"/>
+          </a:ln>
+        </p:spPr>
+        <p:style>
+          <a:lnRef idx="1">
+            <a:schemeClr val="accent2"/>
+          </a:lnRef>
+          <a:fillRef idx="0">
+            <a:schemeClr val="accent2"/>
+          </a:fillRef>
+          <a:effectRef idx="0">
+            <a:schemeClr val="accent2"/>
+          </a:effectRef>
+          <a:fontRef idx="minor">
+            <a:schemeClr val="tx1"/>
+          </a:fontRef>
+        </p:style>
+      </p:cxnSp>
+      <p:cxnSp>
+        <p:nvCxnSpPr>
+          <p:cNvPr id="64" name="Straight Arrow Connector 63">
+            <a:extLst>
+              <a:ext uri="{FF2B5EF4-FFF2-40B4-BE49-F238E27FC236}">
+                <a16:creationId xmlns:a16="http://schemas.microsoft.com/office/drawing/2014/main" id="{6E03D7BA-7990-48DE-990D-8AA0CD59C55A}"/>
+              </a:ext>
+            </a:extLst>
+          </p:cNvPr>
+          <p:cNvCxnSpPr>
+            <a:cxnSpLocks/>
+            <a:stCxn id="59" idx="4"/>
+            <a:endCxn id="60" idx="0"/>
+          </p:cNvCxnSpPr>
+          <p:nvPr/>
+        </p:nvCxnSpPr>
+        <p:spPr>
+          <a:xfrm>
+            <a:off x="8081375" y="4392256"/>
+            <a:ext cx="10160" cy="181351"/>
+          </a:xfrm>
+          <a:prstGeom prst="straightConnector1">
+            <a:avLst/>
+          </a:prstGeom>
+          <a:ln w="19050">
+            <a:tailEnd type="triangle"/>
+          </a:ln>
+        </p:spPr>
+        <p:style>
+          <a:lnRef idx="1">
+            <a:schemeClr val="accent2"/>
+          </a:lnRef>
+          <a:fillRef idx="0">
+            <a:schemeClr val="accent2"/>
+          </a:fillRef>
+          <a:effectRef idx="0">
+            <a:schemeClr val="accent2"/>
+          </a:effectRef>
+          <a:fontRef idx="minor">
+            <a:schemeClr val="tx1"/>
+          </a:fontRef>
+        </p:style>
+      </p:cxnSp>
+      <p:cxnSp>
+        <p:nvCxnSpPr>
+          <p:cNvPr id="65" name="Straight Arrow Connector 64">
+            <a:extLst>
+              <a:ext uri="{FF2B5EF4-FFF2-40B4-BE49-F238E27FC236}">
+                <a16:creationId xmlns:a16="http://schemas.microsoft.com/office/drawing/2014/main" id="{8EC22292-00C4-4ED1-BD0D-4D23CB1D418C}"/>
+              </a:ext>
+            </a:extLst>
+          </p:cNvPr>
+          <p:cNvCxnSpPr>
+            <a:cxnSpLocks/>
+            <a:endCxn id="158" idx="2"/>
+          </p:cNvCxnSpPr>
+          <p:nvPr/>
+        </p:nvCxnSpPr>
+        <p:spPr>
+          <a:xfrm flipV="1">
+            <a:off x="10380859" y="4122132"/>
+            <a:ext cx="12824" cy="1468043"/>
+          </a:xfrm>
+          <a:prstGeom prst="straightConnector1">
+            <a:avLst/>
+          </a:prstGeom>
+          <a:ln w="19050">
+            <a:tailEnd type="triangle"/>
+          </a:ln>
+        </p:spPr>
+        <p:style>
+          <a:lnRef idx="1">
+            <a:schemeClr val="accent2"/>
+          </a:lnRef>
+          <a:fillRef idx="0">
+            <a:schemeClr val="accent2"/>
+          </a:fillRef>
+          <a:effectRef idx="0">
+            <a:schemeClr val="accent2"/>
+          </a:effectRef>
+          <a:fontRef idx="minor">
+            <a:schemeClr val="tx1"/>
+          </a:fontRef>
+        </p:style>
+      </p:cxnSp>
+      <p:sp>
+        <p:nvSpPr>
+          <p:cNvPr id="74" name="Rectangle: Rounded Corners 73">
+            <a:extLst>
+              <a:ext uri="{FF2B5EF4-FFF2-40B4-BE49-F238E27FC236}">
+                <a16:creationId xmlns:a16="http://schemas.microsoft.com/office/drawing/2014/main" id="{86D7ECCF-D162-45E2-826E-3DE4C6FD88DC}"/>
+              </a:ext>
+            </a:extLst>
+          </p:cNvPr>
+          <p:cNvSpPr/>
+          <p:nvPr/>
+        </p:nvSpPr>
+        <p:spPr>
+          <a:xfrm>
+            <a:off x="3077886" y="3446096"/>
+            <a:ext cx="1654492" cy="616744"/>
+          </a:xfrm>
+          <a:prstGeom prst="roundRect">
+            <a:avLst/>
+          </a:prstGeom>
+        </p:spPr>
+        <p:style>
+          <a:lnRef idx="0">
+            <a:schemeClr val="accent5"/>
+          </a:lnRef>
+          <a:fillRef idx="3">
+            <a:schemeClr val="accent5"/>
+          </a:fillRef>
+          <a:effectRef idx="3">
+            <a:schemeClr val="accent5"/>
+          </a:effectRef>
+          <a:fontRef idx="minor">
+            <a:schemeClr val="lt1"/>
+          </a:fontRef>
+        </p:style>
+        <p:txBody>
+          <a:bodyPr rtlCol="0" anchor="ctr"/>
+          <a:lstStyle/>
+          <a:p>
+            <a:pPr algn="ctr"/>
+            <a:r>
+              <a:rPr lang="en-IN" sz="1100" dirty="0"/>
+              <a:t>Inbound Flux &lt;</a:t>
+            </a:r>
+            <a:r>
+              <a:rPr lang="en-IN" sz="1100" dirty="0" err="1"/>
+              <a:t>WebSocketMessage</a:t>
+            </a:r>
+            <a:r>
+              <a:rPr lang="en-IN" sz="1100" dirty="0"/>
+              <a:t>&gt;</a:t>
+            </a:r>
+          </a:p>
+        </p:txBody>
+      </p:sp>
+      <p:cxnSp>
+        <p:nvCxnSpPr>
+          <p:cNvPr id="76" name="Straight Arrow Connector 75">
+            <a:extLst>
+              <a:ext uri="{FF2B5EF4-FFF2-40B4-BE49-F238E27FC236}">
+                <a16:creationId xmlns:a16="http://schemas.microsoft.com/office/drawing/2014/main" id="{4D203AF1-8960-4E83-83F5-4AB7E64F4C39}"/>
+              </a:ext>
+            </a:extLst>
+          </p:cNvPr>
+          <p:cNvCxnSpPr>
+            <a:cxnSpLocks/>
+            <a:stCxn id="78" idx="4"/>
+          </p:cNvCxnSpPr>
+          <p:nvPr/>
+        </p:nvCxnSpPr>
+        <p:spPr>
+          <a:xfrm>
+            <a:off x="3917956" y="4793822"/>
+            <a:ext cx="0" cy="796353"/>
+          </a:xfrm>
+          <a:prstGeom prst="straightConnector1">
+            <a:avLst/>
+          </a:prstGeom>
+          <a:ln w="19050">
+            <a:tailEnd type="triangle"/>
+          </a:ln>
+        </p:spPr>
+        <p:style>
+          <a:lnRef idx="1">
+            <a:schemeClr val="accent2"/>
+          </a:lnRef>
+          <a:fillRef idx="0">
+            <a:schemeClr val="accent2"/>
+          </a:fillRef>
+          <a:effectRef idx="0">
+            <a:schemeClr val="accent2"/>
+          </a:effectRef>
+          <a:fontRef idx="minor">
+            <a:schemeClr val="tx1"/>
+          </a:fontRef>
+        </p:style>
+      </p:cxnSp>
+      <p:sp>
+        <p:nvSpPr>
+          <p:cNvPr id="77" name="Oval 76">
+            <a:extLst>
+              <a:ext uri="{FF2B5EF4-FFF2-40B4-BE49-F238E27FC236}">
+                <a16:creationId xmlns:a16="http://schemas.microsoft.com/office/drawing/2014/main" id="{09F5A7B3-FC21-40B6-BD34-DB13462D0E46}"/>
+              </a:ext>
+            </a:extLst>
+          </p:cNvPr>
+          <p:cNvSpPr/>
+          <p:nvPr/>
+        </p:nvSpPr>
+        <p:spPr>
+          <a:xfrm>
+            <a:off x="3740432" y="4206233"/>
+            <a:ext cx="334728" cy="203119"/>
+          </a:xfrm>
+          <a:prstGeom prst="ellipse">
+            <a:avLst/>
+          </a:prstGeom>
+        </p:spPr>
+        <p:style>
+          <a:lnRef idx="0">
+            <a:schemeClr val="accent5"/>
+          </a:lnRef>
+          <a:fillRef idx="3">
+            <a:schemeClr val="accent5"/>
+          </a:fillRef>
+          <a:effectRef idx="3">
+            <a:schemeClr val="accent5"/>
+          </a:effectRef>
+          <a:fontRef idx="minor">
+            <a:schemeClr val="lt1"/>
+          </a:fontRef>
+        </p:style>
+        <p:txBody>
+          <a:bodyPr rtlCol="0" anchor="ctr"/>
+          <a:lstStyle/>
+          <a:p>
+            <a:pPr algn="ctr"/>
+            <a:endParaRPr lang="en-IN"/>
+          </a:p>
+        </p:txBody>
+      </p:sp>
+      <p:sp>
+        <p:nvSpPr>
+          <p:cNvPr id="78" name="Oval 77">
+            <a:extLst>
+              <a:ext uri="{FF2B5EF4-FFF2-40B4-BE49-F238E27FC236}">
+                <a16:creationId xmlns:a16="http://schemas.microsoft.com/office/drawing/2014/main" id="{2B860D40-658A-41B4-A160-F8B02C3C7BE4}"/>
+              </a:ext>
+            </a:extLst>
+          </p:cNvPr>
+          <p:cNvSpPr/>
+          <p:nvPr/>
+        </p:nvSpPr>
+        <p:spPr>
+          <a:xfrm>
+            <a:off x="3750592" y="4590703"/>
+            <a:ext cx="334728" cy="203119"/>
+          </a:xfrm>
+          <a:prstGeom prst="ellipse">
+            <a:avLst/>
+          </a:prstGeom>
+        </p:spPr>
+        <p:style>
+          <a:lnRef idx="0">
+            <a:schemeClr val="accent5"/>
+          </a:lnRef>
+          <a:fillRef idx="3">
+            <a:schemeClr val="accent5"/>
+          </a:fillRef>
+          <a:effectRef idx="3">
+            <a:schemeClr val="accent5"/>
+          </a:effectRef>
+          <a:fontRef idx="minor">
+            <a:schemeClr val="lt1"/>
+          </a:fontRef>
+        </p:style>
+        <p:txBody>
+          <a:bodyPr rtlCol="0" anchor="ctr"/>
+          <a:lstStyle/>
+          <a:p>
+            <a:pPr algn="ctr"/>
+            <a:endParaRPr lang="en-IN"/>
+          </a:p>
+        </p:txBody>
+      </p:sp>
+      <p:cxnSp>
+        <p:nvCxnSpPr>
+          <p:cNvPr id="80" name="Straight Arrow Connector 79">
+            <a:extLst>
+              <a:ext uri="{FF2B5EF4-FFF2-40B4-BE49-F238E27FC236}">
+                <a16:creationId xmlns:a16="http://schemas.microsoft.com/office/drawing/2014/main" id="{29018953-0A47-4E2D-9298-0D5774852978}"/>
+              </a:ext>
+            </a:extLst>
+          </p:cNvPr>
+          <p:cNvCxnSpPr>
+            <a:cxnSpLocks/>
+            <a:stCxn id="77" idx="6"/>
+            <a:endCxn id="61" idx="2"/>
+          </p:cNvCxnSpPr>
+          <p:nvPr/>
+        </p:nvCxnSpPr>
+        <p:spPr>
+          <a:xfrm flipV="1">
+            <a:off x="4075160" y="4290696"/>
+            <a:ext cx="1975483" cy="17097"/>
+          </a:xfrm>
+          <a:prstGeom prst="straightConnector1">
+            <a:avLst/>
+          </a:prstGeom>
+          <a:ln w="19050">
+            <a:tailEnd type="triangle"/>
+          </a:ln>
+        </p:spPr>
+        <p:style>
+          <a:lnRef idx="1">
+            <a:schemeClr val="accent2"/>
+          </a:lnRef>
+          <a:fillRef idx="0">
+            <a:schemeClr val="accent2"/>
+          </a:fillRef>
+          <a:effectRef idx="0">
+            <a:schemeClr val="accent2"/>
+          </a:effectRef>
+          <a:fontRef idx="minor">
+            <a:schemeClr val="tx1"/>
+          </a:fontRef>
+        </p:style>
+      </p:cxnSp>
+      <p:cxnSp>
+        <p:nvCxnSpPr>
+          <p:cNvPr id="81" name="Straight Arrow Connector 80">
+            <a:extLst>
+              <a:ext uri="{FF2B5EF4-FFF2-40B4-BE49-F238E27FC236}">
+                <a16:creationId xmlns:a16="http://schemas.microsoft.com/office/drawing/2014/main" id="{1EA5CBCD-41FE-4BC4-84B3-DD2B69096672}"/>
+              </a:ext>
+            </a:extLst>
+          </p:cNvPr>
+          <p:cNvCxnSpPr>
+            <a:cxnSpLocks/>
+            <a:stCxn id="74" idx="2"/>
+            <a:endCxn id="77" idx="0"/>
+          </p:cNvCxnSpPr>
+          <p:nvPr/>
+        </p:nvCxnSpPr>
+        <p:spPr>
+          <a:xfrm>
+            <a:off x="3905132" y="4062840"/>
+            <a:ext cx="2664" cy="143393"/>
+          </a:xfrm>
+          <a:prstGeom prst="straightConnector1">
+            <a:avLst/>
+          </a:prstGeom>
+          <a:ln w="19050">
+            <a:tailEnd type="triangle"/>
+          </a:ln>
+        </p:spPr>
+        <p:style>
+          <a:lnRef idx="1">
+            <a:schemeClr val="accent2"/>
+          </a:lnRef>
+          <a:fillRef idx="0">
+            <a:schemeClr val="accent2"/>
+          </a:fillRef>
+          <a:effectRef idx="0">
+            <a:schemeClr val="accent2"/>
+          </a:effectRef>
+          <a:fontRef idx="minor">
+            <a:schemeClr val="tx1"/>
+          </a:fontRef>
+        </p:style>
+      </p:cxnSp>
+      <p:cxnSp>
+        <p:nvCxnSpPr>
+          <p:cNvPr id="82" name="Straight Arrow Connector 81">
+            <a:extLst>
+              <a:ext uri="{FF2B5EF4-FFF2-40B4-BE49-F238E27FC236}">
+                <a16:creationId xmlns:a16="http://schemas.microsoft.com/office/drawing/2014/main" id="{F907522C-BF4B-4234-A1B3-48892DC526E4}"/>
+              </a:ext>
+            </a:extLst>
+          </p:cNvPr>
+          <p:cNvCxnSpPr>
+            <a:cxnSpLocks/>
+            <a:stCxn id="77" idx="4"/>
+            <a:endCxn id="78" idx="0"/>
+          </p:cNvCxnSpPr>
+          <p:nvPr/>
+        </p:nvCxnSpPr>
+        <p:spPr>
+          <a:xfrm>
+            <a:off x="3907796" y="4409352"/>
+            <a:ext cx="10160" cy="181351"/>
+          </a:xfrm>
+          <a:prstGeom prst="straightConnector1">
+            <a:avLst/>
+          </a:prstGeom>
+          <a:ln w="19050">
+            <a:tailEnd type="triangle"/>
+          </a:ln>
+        </p:spPr>
+        <p:style>
+          <a:lnRef idx="1">
+            <a:schemeClr val="accent2"/>
+          </a:lnRef>
+          <a:fillRef idx="0">
+            <a:schemeClr val="accent2"/>
+          </a:fillRef>
+          <a:effectRef idx="0">
+            <a:schemeClr val="accent2"/>
+          </a:effectRef>
+          <a:fontRef idx="minor">
+            <a:schemeClr val="tx1"/>
+          </a:fontRef>
+        </p:style>
+      </p:cxnSp>
+      <p:cxnSp>
+        <p:nvCxnSpPr>
+          <p:cNvPr id="103" name="Connector: Elbow 102">
+            <a:extLst>
+              <a:ext uri="{FF2B5EF4-FFF2-40B4-BE49-F238E27FC236}">
+                <a16:creationId xmlns:a16="http://schemas.microsoft.com/office/drawing/2014/main" id="{7515F49E-5692-44DB-BA97-8ED9554B2D4E}"/>
+              </a:ext>
+            </a:extLst>
+          </p:cNvPr>
+          <p:cNvCxnSpPr>
+            <a:cxnSpLocks/>
+            <a:stCxn id="4" idx="3"/>
+            <a:endCxn id="5" idx="3"/>
+          </p:cNvCxnSpPr>
+          <p:nvPr/>
+        </p:nvCxnSpPr>
+        <p:spPr>
+          <a:xfrm>
+            <a:off x="3153965" y="456726"/>
+            <a:ext cx="229315" cy="1791176"/>
+          </a:xfrm>
+          <a:prstGeom prst="bentConnector3">
+            <a:avLst>
+              <a:gd name="adj1" fmla="val 323745"/>
+            </a:avLst>
+          </a:prstGeom>
+          <a:ln w="19050">
+            <a:tailEnd type="triangle"/>
+          </a:ln>
+        </p:spPr>
+        <p:style>
+          <a:lnRef idx="1">
+            <a:schemeClr val="accent2"/>
+          </a:lnRef>
+          <a:fillRef idx="0">
+            <a:schemeClr val="accent2"/>
+          </a:fillRef>
+          <a:effectRef idx="0">
+            <a:schemeClr val="accent2"/>
+          </a:effectRef>
+          <a:fontRef idx="minor">
+            <a:schemeClr val="tx1"/>
+          </a:fontRef>
+        </p:style>
+      </p:cxnSp>
+      <p:cxnSp>
+        <p:nvCxnSpPr>
+          <p:cNvPr id="105" name="Connector: Elbow 104">
+            <a:extLst>
+              <a:ext uri="{FF2B5EF4-FFF2-40B4-BE49-F238E27FC236}">
+                <a16:creationId xmlns:a16="http://schemas.microsoft.com/office/drawing/2014/main" id="{AEFC444C-CDC3-4C20-B5A1-FD9E822CDB82}"/>
+              </a:ext>
+            </a:extLst>
+          </p:cNvPr>
+          <p:cNvCxnSpPr>
+            <a:cxnSpLocks/>
+            <a:endCxn id="16" idx="0"/>
+          </p:cNvCxnSpPr>
+          <p:nvPr/>
+        </p:nvCxnSpPr>
+        <p:spPr>
+          <a:xfrm rot="5400000">
+            <a:off x="1284698" y="2654707"/>
+            <a:ext cx="972819" cy="484328"/>
+          </a:xfrm>
+          <a:prstGeom prst="bentConnector3">
+            <a:avLst>
+              <a:gd name="adj1" fmla="val -130"/>
+            </a:avLst>
+          </a:prstGeom>
+          <a:ln w="19050">
+            <a:headEnd type="triangle" w="med" len="med"/>
+            <a:tailEnd type="none" w="med" len="med"/>
+          </a:ln>
+        </p:spPr>
+        <p:style>
+          <a:lnRef idx="1">
+            <a:schemeClr val="accent2"/>
+          </a:lnRef>
+          <a:fillRef idx="0">
+            <a:schemeClr val="accent2"/>
+          </a:fillRef>
+          <a:effectRef idx="0">
+            <a:schemeClr val="accent2"/>
+          </a:effectRef>
+          <a:fontRef idx="minor">
+            <a:schemeClr val="tx1"/>
+          </a:fontRef>
+        </p:style>
+      </p:cxnSp>
+      <p:cxnSp>
+        <p:nvCxnSpPr>
+          <p:cNvPr id="114" name="Connector: Elbow 113">
+            <a:extLst>
+              <a:ext uri="{FF2B5EF4-FFF2-40B4-BE49-F238E27FC236}">
+                <a16:creationId xmlns:a16="http://schemas.microsoft.com/office/drawing/2014/main" id="{79B4FC4A-CD43-4AD9-B112-E34A8ACCA3C7}"/>
+              </a:ext>
+            </a:extLst>
+          </p:cNvPr>
+          <p:cNvCxnSpPr>
+            <a:cxnSpLocks/>
+            <a:endCxn id="74" idx="0"/>
+          </p:cNvCxnSpPr>
+          <p:nvPr/>
+        </p:nvCxnSpPr>
+        <p:spPr>
+          <a:xfrm rot="16200000" flipH="1">
+            <a:off x="3090829" y="2631793"/>
+            <a:ext cx="1106754" cy="521852"/>
+          </a:xfrm>
+          <a:prstGeom prst="bentConnector3">
+            <a:avLst>
+              <a:gd name="adj1" fmla="val 7772"/>
+            </a:avLst>
+          </a:prstGeom>
+          <a:ln w="19050">
+            <a:tailEnd type="triangle"/>
+          </a:ln>
+        </p:spPr>
+        <p:style>
+          <a:lnRef idx="1">
+            <a:schemeClr val="accent2"/>
+          </a:lnRef>
+          <a:fillRef idx="0">
+            <a:schemeClr val="accent2"/>
+          </a:fillRef>
+          <a:effectRef idx="0">
+            <a:schemeClr val="accent2"/>
+          </a:effectRef>
+          <a:fontRef idx="minor">
+            <a:schemeClr val="tx1"/>
+          </a:fontRef>
+        </p:style>
+      </p:cxnSp>
+      <p:cxnSp>
+        <p:nvCxnSpPr>
+          <p:cNvPr id="120" name="Connector: Elbow 119">
+            <a:extLst>
+              <a:ext uri="{FF2B5EF4-FFF2-40B4-BE49-F238E27FC236}">
+                <a16:creationId xmlns:a16="http://schemas.microsoft.com/office/drawing/2014/main" id="{4A531A50-5A06-4639-B8BE-C5BE5084D01B}"/>
+              </a:ext>
+            </a:extLst>
+          </p:cNvPr>
+          <p:cNvCxnSpPr>
+            <a:cxnSpLocks/>
+            <a:stCxn id="5" idx="1"/>
+            <a:endCxn id="4" idx="1"/>
+          </p:cNvCxnSpPr>
+          <p:nvPr/>
+        </p:nvCxnSpPr>
+        <p:spPr>
+          <a:xfrm rot="10800000" flipH="1">
+            <a:off x="2013267" y="456726"/>
+            <a:ext cx="229315" cy="1791176"/>
+          </a:xfrm>
+          <a:prstGeom prst="bentConnector3">
+            <a:avLst>
+              <a:gd name="adj1" fmla="val -210453"/>
+            </a:avLst>
+          </a:prstGeom>
+          <a:ln w="19050">
+            <a:tailEnd type="triangle"/>
+          </a:ln>
+        </p:spPr>
+        <p:style>
+          <a:lnRef idx="1">
+            <a:schemeClr val="accent2"/>
+          </a:lnRef>
+          <a:fillRef idx="0">
+            <a:schemeClr val="accent2"/>
+          </a:fillRef>
+          <a:effectRef idx="0">
+            <a:schemeClr val="accent2"/>
+          </a:effectRef>
+          <a:fontRef idx="minor">
+            <a:schemeClr val="tx1"/>
+          </a:fontRef>
+        </p:style>
+      </p:cxnSp>
+      <p:sp>
+        <p:nvSpPr>
+          <p:cNvPr id="155" name="Rectangle: Rounded Corners 154">
+            <a:extLst>
+              <a:ext uri="{FF2B5EF4-FFF2-40B4-BE49-F238E27FC236}">
+                <a16:creationId xmlns:a16="http://schemas.microsoft.com/office/drawing/2014/main" id="{C252D29B-3AB2-4C3C-B907-829BF03533F6}"/>
+              </a:ext>
+            </a:extLst>
+          </p:cNvPr>
+          <p:cNvSpPr/>
+          <p:nvPr/>
+        </p:nvSpPr>
+        <p:spPr>
+          <a:xfrm>
+            <a:off x="8731134" y="119143"/>
+            <a:ext cx="911382" cy="793750"/>
+          </a:xfrm>
+          <a:prstGeom prst="roundRect">
+            <a:avLst/>
+          </a:prstGeom>
+          <a:solidFill>
+            <a:schemeClr val="accent6">
+              <a:lumMod val="60000"/>
+              <a:lumOff val="40000"/>
+            </a:schemeClr>
+          </a:solidFill>
+        </p:spPr>
+        <p:style>
+          <a:lnRef idx="0">
+            <a:schemeClr val="accent5"/>
+          </a:lnRef>
+          <a:fillRef idx="3">
+            <a:schemeClr val="accent5"/>
+          </a:fillRef>
+          <a:effectRef idx="3">
+            <a:schemeClr val="accent5"/>
+          </a:effectRef>
+          <a:fontRef idx="minor">
+            <a:schemeClr val="lt1"/>
+          </a:fontRef>
+        </p:style>
+        <p:txBody>
+          <a:bodyPr rtlCol="0" anchor="ctr"/>
+          <a:lstStyle/>
+          <a:p>
+            <a:pPr algn="ctr"/>
+            <a:r>
+              <a:rPr lang="en-IN" dirty="0"/>
+              <a:t>Socket Client</a:t>
+            </a:r>
+          </a:p>
+        </p:txBody>
+      </p:sp>
+      <p:sp>
+        <p:nvSpPr>
+          <p:cNvPr id="156" name="Rectangle: Rounded Corners 155">
+            <a:extLst>
+              <a:ext uri="{FF2B5EF4-FFF2-40B4-BE49-F238E27FC236}">
+                <a16:creationId xmlns:a16="http://schemas.microsoft.com/office/drawing/2014/main" id="{4F5950D1-F650-42FC-92A5-FA5B526B9F7A}"/>
+              </a:ext>
+            </a:extLst>
+          </p:cNvPr>
+          <p:cNvSpPr/>
+          <p:nvPr/>
+        </p:nvSpPr>
+        <p:spPr>
+          <a:xfrm>
+            <a:off x="8501819" y="1702356"/>
+            <a:ext cx="1370012" cy="1209675"/>
+          </a:xfrm>
+          <a:prstGeom prst="roundRect">
+            <a:avLst/>
+          </a:prstGeom>
+          <a:solidFill>
+            <a:schemeClr val="accent2">
+              <a:lumMod val="60000"/>
+              <a:lumOff val="40000"/>
+            </a:schemeClr>
+          </a:solidFill>
+        </p:spPr>
+        <p:style>
+          <a:lnRef idx="0">
+            <a:schemeClr val="accent5"/>
+          </a:lnRef>
+          <a:fillRef idx="3">
+            <a:schemeClr val="accent5"/>
+          </a:fillRef>
+          <a:effectRef idx="3">
+            <a:schemeClr val="accent5"/>
+          </a:effectRef>
+          <a:fontRef idx="minor">
+            <a:schemeClr val="lt1"/>
+          </a:fontRef>
+        </p:style>
+        <p:txBody>
+          <a:bodyPr rtlCol="0" anchor="ctr"/>
+          <a:lstStyle/>
+          <a:p>
+            <a:pPr algn="ctr"/>
+            <a:r>
+              <a:rPr lang="en-IN" dirty="0"/>
+              <a:t>Socket Session</a:t>
+            </a:r>
+          </a:p>
+        </p:txBody>
+      </p:sp>
+      <p:sp>
+        <p:nvSpPr>
+          <p:cNvPr id="157" name="Rectangle: Rounded Corners 156">
+            <a:extLst>
+              <a:ext uri="{FF2B5EF4-FFF2-40B4-BE49-F238E27FC236}">
+                <a16:creationId xmlns:a16="http://schemas.microsoft.com/office/drawing/2014/main" id="{50B00332-3E41-4256-A448-6C44453F737A}"/>
+              </a:ext>
+            </a:extLst>
+          </p:cNvPr>
+          <p:cNvSpPr/>
+          <p:nvPr/>
+        </p:nvSpPr>
+        <p:spPr>
+          <a:xfrm>
+            <a:off x="7190248" y="3442573"/>
+            <a:ext cx="1654492" cy="616744"/>
+          </a:xfrm>
+          <a:prstGeom prst="roundRect">
+            <a:avLst/>
+          </a:prstGeom>
+        </p:spPr>
+        <p:style>
+          <a:lnRef idx="0">
+            <a:schemeClr val="accent5"/>
+          </a:lnRef>
+          <a:fillRef idx="3">
+            <a:schemeClr val="accent5"/>
+          </a:fillRef>
+          <a:effectRef idx="3">
+            <a:schemeClr val="accent5"/>
+          </a:effectRef>
+          <a:fontRef idx="minor">
+            <a:schemeClr val="lt1"/>
+          </a:fontRef>
+        </p:style>
+        <p:txBody>
+          <a:bodyPr rtlCol="0" anchor="ctr"/>
+          <a:lstStyle/>
+          <a:p>
+            <a:pPr algn="ctr"/>
+            <a:r>
+              <a:rPr lang="en-IN" sz="1100" dirty="0"/>
+              <a:t>Inbound Flux &lt;</a:t>
+            </a:r>
+            <a:r>
+              <a:rPr lang="en-IN" sz="1100" dirty="0" err="1"/>
+              <a:t>WebSocketMessage</a:t>
+            </a:r>
+            <a:r>
+              <a:rPr lang="en-IN" sz="1100" dirty="0"/>
+              <a:t>&gt;</a:t>
+            </a:r>
+          </a:p>
+          <a:p>
+            <a:pPr algn="ctr"/>
+            <a:endParaRPr lang="en-IN" sz="1100" dirty="0"/>
+          </a:p>
+        </p:txBody>
+      </p:sp>
+      <p:sp>
+        <p:nvSpPr>
+          <p:cNvPr id="158" name="Rectangle: Rounded Corners 157">
+            <a:extLst>
+              <a:ext uri="{FF2B5EF4-FFF2-40B4-BE49-F238E27FC236}">
+                <a16:creationId xmlns:a16="http://schemas.microsoft.com/office/drawing/2014/main" id="{7FFAD682-0836-4503-AB3E-6DC251AACC16}"/>
+              </a:ext>
+            </a:extLst>
+          </p:cNvPr>
+          <p:cNvSpPr/>
+          <p:nvPr/>
+        </p:nvSpPr>
+        <p:spPr>
+          <a:xfrm>
+            <a:off x="9566437" y="3505388"/>
+            <a:ext cx="1654492" cy="616744"/>
+          </a:xfrm>
+          <a:prstGeom prst="roundRect">
+            <a:avLst/>
+          </a:prstGeom>
+        </p:spPr>
+        <p:style>
+          <a:lnRef idx="0">
+            <a:schemeClr val="accent5"/>
+          </a:lnRef>
+          <a:fillRef idx="3">
+            <a:schemeClr val="accent5"/>
+          </a:fillRef>
+          <a:effectRef idx="3">
+            <a:schemeClr val="accent5"/>
+          </a:effectRef>
+          <a:fontRef idx="minor">
+            <a:schemeClr val="lt1"/>
+          </a:fontRef>
+        </p:style>
+        <p:txBody>
+          <a:bodyPr rtlCol="0" anchor="ctr"/>
+          <a:lstStyle/>
+          <a:p>
+            <a:pPr algn="ctr"/>
+            <a:r>
+              <a:rPr lang="en-IN" sz="1100" dirty="0"/>
+              <a:t>Outbound Flux &lt;</a:t>
+            </a:r>
+            <a:r>
+              <a:rPr lang="en-IN" sz="1100" dirty="0" err="1"/>
+              <a:t>WebSocketMessage</a:t>
+            </a:r>
+            <a:r>
+              <a:rPr lang="en-IN" sz="1100" dirty="0"/>
+              <a:t>&gt;</a:t>
+            </a:r>
+          </a:p>
+        </p:txBody>
+      </p:sp>
+      <p:cxnSp>
+        <p:nvCxnSpPr>
+          <p:cNvPr id="159" name="Connector: Elbow 158">
+            <a:extLst>
+              <a:ext uri="{FF2B5EF4-FFF2-40B4-BE49-F238E27FC236}">
+                <a16:creationId xmlns:a16="http://schemas.microsoft.com/office/drawing/2014/main" id="{80CB9C3A-5EAB-4E1E-BF1D-46A43D775677}"/>
+              </a:ext>
+            </a:extLst>
+          </p:cNvPr>
+          <p:cNvCxnSpPr>
+            <a:cxnSpLocks/>
+            <a:stCxn id="155" idx="3"/>
+            <a:endCxn id="156" idx="3"/>
+          </p:cNvCxnSpPr>
+          <p:nvPr/>
+        </p:nvCxnSpPr>
+        <p:spPr>
+          <a:xfrm>
+            <a:off x="9642516" y="516018"/>
+            <a:ext cx="229315" cy="1791176"/>
+          </a:xfrm>
+          <a:prstGeom prst="bentConnector3">
+            <a:avLst>
+              <a:gd name="adj1" fmla="val 323745"/>
+            </a:avLst>
+          </a:prstGeom>
+          <a:ln w="19050">
+            <a:headEnd type="triangle" w="med" len="med"/>
+            <a:tailEnd type="none" w="med" len="med"/>
+          </a:ln>
+        </p:spPr>
+        <p:style>
+          <a:lnRef idx="1">
+            <a:schemeClr val="accent2"/>
+          </a:lnRef>
+          <a:fillRef idx="0">
+            <a:schemeClr val="accent2"/>
+          </a:fillRef>
+          <a:effectRef idx="0">
+            <a:schemeClr val="accent2"/>
+          </a:effectRef>
+          <a:fontRef idx="minor">
+            <a:schemeClr val="tx1"/>
+          </a:fontRef>
+        </p:style>
+      </p:cxnSp>
+      <p:cxnSp>
+        <p:nvCxnSpPr>
+          <p:cNvPr id="160" name="Connector: Elbow 159">
+            <a:extLst>
+              <a:ext uri="{FF2B5EF4-FFF2-40B4-BE49-F238E27FC236}">
+                <a16:creationId xmlns:a16="http://schemas.microsoft.com/office/drawing/2014/main" id="{6374CE98-BDB1-4E9A-AC6C-C2CAAA3351E3}"/>
+              </a:ext>
+            </a:extLst>
+          </p:cNvPr>
+          <p:cNvCxnSpPr>
+            <a:cxnSpLocks/>
+            <a:endCxn id="157" idx="0"/>
+          </p:cNvCxnSpPr>
+          <p:nvPr/>
+        </p:nvCxnSpPr>
+        <p:spPr>
+          <a:xfrm rot="5400000">
+            <a:off x="7773249" y="2713999"/>
+            <a:ext cx="972819" cy="484328"/>
+          </a:xfrm>
+          <a:prstGeom prst="bentConnector3">
+            <a:avLst>
+              <a:gd name="adj1" fmla="val -130"/>
+            </a:avLst>
+          </a:prstGeom>
+          <a:ln w="19050">
+            <a:headEnd type="none" w="med" len="med"/>
+            <a:tailEnd type="triangle" w="med" len="med"/>
+          </a:ln>
+        </p:spPr>
+        <p:style>
+          <a:lnRef idx="1">
+            <a:schemeClr val="accent2"/>
+          </a:lnRef>
+          <a:fillRef idx="0">
+            <a:schemeClr val="accent2"/>
+          </a:fillRef>
+          <a:effectRef idx="0">
+            <a:schemeClr val="accent2"/>
+          </a:effectRef>
+          <a:fontRef idx="minor">
+            <a:schemeClr val="tx1"/>
+          </a:fontRef>
+        </p:style>
+      </p:cxnSp>
+      <p:cxnSp>
+        <p:nvCxnSpPr>
+          <p:cNvPr id="161" name="Connector: Elbow 160">
+            <a:extLst>
+              <a:ext uri="{FF2B5EF4-FFF2-40B4-BE49-F238E27FC236}">
+                <a16:creationId xmlns:a16="http://schemas.microsoft.com/office/drawing/2014/main" id="{1A9AC8FB-7800-44C1-B245-81441F067615}"/>
+              </a:ext>
+            </a:extLst>
+          </p:cNvPr>
+          <p:cNvCxnSpPr>
+            <a:cxnSpLocks/>
+            <a:endCxn id="158" idx="0"/>
+          </p:cNvCxnSpPr>
+          <p:nvPr/>
+        </p:nvCxnSpPr>
+        <p:spPr>
+          <a:xfrm rot="16200000" flipH="1">
+            <a:off x="9579380" y="2691085"/>
+            <a:ext cx="1106754" cy="521852"/>
+          </a:xfrm>
+          <a:prstGeom prst="bentConnector3">
+            <a:avLst>
+              <a:gd name="adj1" fmla="val 428"/>
+            </a:avLst>
+          </a:prstGeom>
+          <a:ln w="19050">
+            <a:headEnd type="triangle" w="med" len="med"/>
+            <a:tailEnd type="none" w="med" len="med"/>
+          </a:ln>
+        </p:spPr>
+        <p:style>
+          <a:lnRef idx="1">
+            <a:schemeClr val="accent2"/>
+          </a:lnRef>
+          <a:fillRef idx="0">
+            <a:schemeClr val="accent2"/>
+          </a:fillRef>
+          <a:effectRef idx="0">
+            <a:schemeClr val="accent2"/>
+          </a:effectRef>
+          <a:fontRef idx="minor">
+            <a:schemeClr val="tx1"/>
+          </a:fontRef>
+        </p:style>
+      </p:cxnSp>
+      <p:cxnSp>
+        <p:nvCxnSpPr>
+          <p:cNvPr id="162" name="Connector: Elbow 161">
+            <a:extLst>
+              <a:ext uri="{FF2B5EF4-FFF2-40B4-BE49-F238E27FC236}">
+                <a16:creationId xmlns:a16="http://schemas.microsoft.com/office/drawing/2014/main" id="{30B51B3E-B3ED-4301-8B8B-0592E5DCDB3F}"/>
+              </a:ext>
+            </a:extLst>
+          </p:cNvPr>
+          <p:cNvCxnSpPr>
+            <a:cxnSpLocks/>
+            <a:stCxn id="156" idx="1"/>
+            <a:endCxn id="155" idx="1"/>
+          </p:cNvCxnSpPr>
+          <p:nvPr/>
+        </p:nvCxnSpPr>
+        <p:spPr>
+          <a:xfrm rot="10800000" flipH="1">
+            <a:off x="8501818" y="516018"/>
+            <a:ext cx="229315" cy="1791176"/>
+          </a:xfrm>
+          <a:prstGeom prst="bentConnector3">
+            <a:avLst>
+              <a:gd name="adj1" fmla="val -210453"/>
+            </a:avLst>
+          </a:prstGeom>
+          <a:ln w="19050">
+            <a:headEnd type="triangle" w="med" len="med"/>
+            <a:tailEnd type="none" w="med" len="med"/>
+          </a:ln>
+        </p:spPr>
+        <p:style>
+          <a:lnRef idx="1">
+            <a:schemeClr val="accent2"/>
+          </a:lnRef>
+          <a:fillRef idx="0">
+            <a:schemeClr val="accent2"/>
+          </a:fillRef>
+          <a:effectRef idx="0">
+            <a:schemeClr val="accent2"/>
+          </a:effectRef>
+          <a:fontRef idx="minor">
+            <a:schemeClr val="tx1"/>
+          </a:fontRef>
+        </p:style>
+      </p:cxnSp>
+    </p:spTree>
+    <p:extLst>
+      <p:ext uri="{BB962C8B-B14F-4D97-AF65-F5344CB8AC3E}">
+        <p14:creationId xmlns:p14="http://schemas.microsoft.com/office/powerpoint/2010/main" val="1701211029"/>
+      </p:ext>
+    </p:extLst>
+  </p:cSld>
+  <p:clrMapOvr>
+    <a:masterClrMapping/>
+  </p:clrMapOvr>
+</p:sld>
+</file>
+
 <file path=ppt/theme/theme1.xml><?xml version="1.0" encoding="utf-8"?>
 <a:theme xmlns:a="http://schemas.openxmlformats.org/drawingml/2006/main" name="Office Theme">
   <a:themeElements>

--- a/designs.pptx
+++ b/designs.pptx
@@ -12,6 +12,8 @@
     <p:sldId id="260" r:id="rId6"/>
     <p:sldId id="261" r:id="rId7"/>
     <p:sldId id="262" r:id="rId8"/>
+    <p:sldId id="264" r:id="rId9"/>
+    <p:sldId id="263" r:id="rId10"/>
   </p:sldIdLst>
   <p:sldSz cx="12192000" cy="6858000"/>
   <p:notesSz cx="6858000" cy="9144000"/>
@@ -267,7 +269,7 @@
           <a:p>
             <a:fld id="{C8AF34AE-9B36-471F-88F2-11C9A132E46D}" type="datetimeFigureOut">
               <a:rPr lang="en-IN" smtClean="0"/>
-              <a:t>04-02-2022</a:t>
+              <a:t>06-02-2022</a:t>
             </a:fld>
             <a:endParaRPr lang="en-IN"/>
           </a:p>
@@ -467,7 +469,7 @@
           <a:p>
             <a:fld id="{C8AF34AE-9B36-471F-88F2-11C9A132E46D}" type="datetimeFigureOut">
               <a:rPr lang="en-IN" smtClean="0"/>
-              <a:t>04-02-2022</a:t>
+              <a:t>06-02-2022</a:t>
             </a:fld>
             <a:endParaRPr lang="en-IN"/>
           </a:p>
@@ -677,7 +679,7 @@
           <a:p>
             <a:fld id="{C8AF34AE-9B36-471F-88F2-11C9A132E46D}" type="datetimeFigureOut">
               <a:rPr lang="en-IN" smtClean="0"/>
-              <a:t>04-02-2022</a:t>
+              <a:t>06-02-2022</a:t>
             </a:fld>
             <a:endParaRPr lang="en-IN"/>
           </a:p>
@@ -877,7 +879,7 @@
           <a:p>
             <a:fld id="{C8AF34AE-9B36-471F-88F2-11C9A132E46D}" type="datetimeFigureOut">
               <a:rPr lang="en-IN" smtClean="0"/>
-              <a:t>04-02-2022</a:t>
+              <a:t>06-02-2022</a:t>
             </a:fld>
             <a:endParaRPr lang="en-IN"/>
           </a:p>
@@ -1153,7 +1155,7 @@
           <a:p>
             <a:fld id="{C8AF34AE-9B36-471F-88F2-11C9A132E46D}" type="datetimeFigureOut">
               <a:rPr lang="en-IN" smtClean="0"/>
-              <a:t>04-02-2022</a:t>
+              <a:t>06-02-2022</a:t>
             </a:fld>
             <a:endParaRPr lang="en-IN"/>
           </a:p>
@@ -1421,7 +1423,7 @@
           <a:p>
             <a:fld id="{C8AF34AE-9B36-471F-88F2-11C9A132E46D}" type="datetimeFigureOut">
               <a:rPr lang="en-IN" smtClean="0"/>
-              <a:t>04-02-2022</a:t>
+              <a:t>06-02-2022</a:t>
             </a:fld>
             <a:endParaRPr lang="en-IN"/>
           </a:p>
@@ -1836,7 +1838,7 @@
           <a:p>
             <a:fld id="{C8AF34AE-9B36-471F-88F2-11C9A132E46D}" type="datetimeFigureOut">
               <a:rPr lang="en-IN" smtClean="0"/>
-              <a:t>04-02-2022</a:t>
+              <a:t>06-02-2022</a:t>
             </a:fld>
             <a:endParaRPr lang="en-IN"/>
           </a:p>
@@ -1978,7 +1980,7 @@
           <a:p>
             <a:fld id="{C8AF34AE-9B36-471F-88F2-11C9A132E46D}" type="datetimeFigureOut">
               <a:rPr lang="en-IN" smtClean="0"/>
-              <a:t>04-02-2022</a:t>
+              <a:t>06-02-2022</a:t>
             </a:fld>
             <a:endParaRPr lang="en-IN"/>
           </a:p>
@@ -2091,7 +2093,7 @@
           <a:p>
             <a:fld id="{C8AF34AE-9B36-471F-88F2-11C9A132E46D}" type="datetimeFigureOut">
               <a:rPr lang="en-IN" smtClean="0"/>
-              <a:t>04-02-2022</a:t>
+              <a:t>06-02-2022</a:t>
             </a:fld>
             <a:endParaRPr lang="en-IN"/>
           </a:p>
@@ -2404,7 +2406,7 @@
           <a:p>
             <a:fld id="{C8AF34AE-9B36-471F-88F2-11C9A132E46D}" type="datetimeFigureOut">
               <a:rPr lang="en-IN" smtClean="0"/>
-              <a:t>04-02-2022</a:t>
+              <a:t>06-02-2022</a:t>
             </a:fld>
             <a:endParaRPr lang="en-IN"/>
           </a:p>
@@ -2693,7 +2695,7 @@
           <a:p>
             <a:fld id="{C8AF34AE-9B36-471F-88F2-11C9A132E46D}" type="datetimeFigureOut">
               <a:rPr lang="en-IN" smtClean="0"/>
-              <a:t>04-02-2022</a:t>
+              <a:t>06-02-2022</a:t>
             </a:fld>
             <a:endParaRPr lang="en-IN"/>
           </a:p>
@@ -2936,7 +2938,7 @@
           <a:p>
             <a:fld id="{C8AF34AE-9B36-471F-88F2-11C9A132E46D}" type="datetimeFigureOut">
               <a:rPr lang="en-IN" smtClean="0"/>
-              <a:t>04-02-2022</a:t>
+              <a:t>06-02-2022</a:t>
             </a:fld>
             <a:endParaRPr lang="en-IN"/>
           </a:p>
@@ -5320,6 +5322,3251 @@
 </p:sld>
 </file>
 
+<file path=ppt/slides/slide8.xml><?xml version="1.0" encoding="utf-8"?>
+<p:sld xmlns:a="http://schemas.openxmlformats.org/drawingml/2006/main" xmlns:r="http://schemas.openxmlformats.org/officeDocument/2006/relationships" xmlns:p="http://schemas.openxmlformats.org/presentationml/2006/main">
+  <p:cSld>
+    <p:spTree>
+      <p:nvGrpSpPr>
+        <p:cNvPr id="1" name=""/>
+        <p:cNvGrpSpPr/>
+        <p:nvPr/>
+      </p:nvGrpSpPr>
+      <p:grpSpPr>
+        <a:xfrm>
+          <a:off x="0" y="0"/>
+          <a:ext cx="0" cy="0"/>
+          <a:chOff x="0" y="0"/>
+          <a:chExt cx="0" cy="0"/>
+        </a:xfrm>
+      </p:grpSpPr>
+      <p:sp>
+        <p:nvSpPr>
+          <p:cNvPr id="10" name="Rectangle: Rounded Corners 9">
+            <a:extLst>
+              <a:ext uri="{FF2B5EF4-FFF2-40B4-BE49-F238E27FC236}">
+                <a16:creationId xmlns:a16="http://schemas.microsoft.com/office/drawing/2014/main" id="{64DC03ED-3E0D-4A1E-A2F7-4547D34BDA11}"/>
+              </a:ext>
+            </a:extLst>
+          </p:cNvPr>
+          <p:cNvSpPr/>
+          <p:nvPr/>
+        </p:nvSpPr>
+        <p:spPr>
+          <a:xfrm>
+            <a:off x="528298" y="1250476"/>
+            <a:ext cx="10962005" cy="5265055"/>
+          </a:xfrm>
+          <a:prstGeom prst="roundRect">
+            <a:avLst/>
+          </a:prstGeom>
+          <a:solidFill>
+            <a:schemeClr val="accent3">
+              <a:lumMod val="20000"/>
+              <a:lumOff val="80000"/>
+            </a:schemeClr>
+          </a:solidFill>
+          <a:ln>
+            <a:noFill/>
+          </a:ln>
+        </p:spPr>
+        <p:style>
+          <a:lnRef idx="2">
+            <a:schemeClr val="accent1">
+              <a:shade val="50000"/>
+            </a:schemeClr>
+          </a:lnRef>
+          <a:fillRef idx="1">
+            <a:schemeClr val="accent1"/>
+          </a:fillRef>
+          <a:effectRef idx="0">
+            <a:schemeClr val="accent1"/>
+          </a:effectRef>
+          <a:fontRef idx="minor">
+            <a:schemeClr val="lt1"/>
+          </a:fontRef>
+        </p:style>
+        <p:txBody>
+          <a:bodyPr rtlCol="0" anchor="ctr"/>
+          <a:lstStyle/>
+          <a:p>
+            <a:pPr algn="ctr"/>
+            <a:endParaRPr lang="en-IN" dirty="0"/>
+          </a:p>
+        </p:txBody>
+      </p:sp>
+      <p:sp>
+        <p:nvSpPr>
+          <p:cNvPr id="4" name="Rectangle: Rounded Corners 3">
+            <a:extLst>
+              <a:ext uri="{FF2B5EF4-FFF2-40B4-BE49-F238E27FC236}">
+                <a16:creationId xmlns:a16="http://schemas.microsoft.com/office/drawing/2014/main" id="{80432144-D0B7-43DC-B0C9-AC8C9C9B5155}"/>
+              </a:ext>
+            </a:extLst>
+          </p:cNvPr>
+          <p:cNvSpPr/>
+          <p:nvPr/>
+        </p:nvSpPr>
+        <p:spPr>
+          <a:xfrm>
+            <a:off x="2242583" y="59851"/>
+            <a:ext cx="911382" cy="793750"/>
+          </a:xfrm>
+          <a:prstGeom prst="roundRect">
+            <a:avLst/>
+          </a:prstGeom>
+          <a:solidFill>
+            <a:schemeClr val="accent6">
+              <a:lumMod val="60000"/>
+              <a:lumOff val="40000"/>
+            </a:schemeClr>
+          </a:solidFill>
+        </p:spPr>
+        <p:style>
+          <a:lnRef idx="0">
+            <a:schemeClr val="accent5"/>
+          </a:lnRef>
+          <a:fillRef idx="3">
+            <a:schemeClr val="accent5"/>
+          </a:fillRef>
+          <a:effectRef idx="3">
+            <a:schemeClr val="accent5"/>
+          </a:effectRef>
+          <a:fontRef idx="minor">
+            <a:schemeClr val="lt1"/>
+          </a:fontRef>
+        </p:style>
+        <p:txBody>
+          <a:bodyPr rtlCol="0" anchor="ctr"/>
+          <a:lstStyle/>
+          <a:p>
+            <a:pPr algn="ctr"/>
+            <a:r>
+              <a:rPr lang="en-IN" dirty="0"/>
+              <a:t>Socket Client</a:t>
+            </a:r>
+          </a:p>
+        </p:txBody>
+      </p:sp>
+      <p:sp>
+        <p:nvSpPr>
+          <p:cNvPr id="5" name="Rectangle: Rounded Corners 4">
+            <a:extLst>
+              <a:ext uri="{FF2B5EF4-FFF2-40B4-BE49-F238E27FC236}">
+                <a16:creationId xmlns:a16="http://schemas.microsoft.com/office/drawing/2014/main" id="{0473BE43-4A8F-4968-A86A-132EBA32E177}"/>
+              </a:ext>
+            </a:extLst>
+          </p:cNvPr>
+          <p:cNvSpPr/>
+          <p:nvPr/>
+        </p:nvSpPr>
+        <p:spPr>
+          <a:xfrm>
+            <a:off x="2013268" y="1643064"/>
+            <a:ext cx="1370012" cy="1209675"/>
+          </a:xfrm>
+          <a:prstGeom prst="roundRect">
+            <a:avLst/>
+          </a:prstGeom>
+          <a:solidFill>
+            <a:schemeClr val="accent2">
+              <a:lumMod val="60000"/>
+              <a:lumOff val="40000"/>
+            </a:schemeClr>
+          </a:solidFill>
+        </p:spPr>
+        <p:style>
+          <a:lnRef idx="0">
+            <a:schemeClr val="accent5"/>
+          </a:lnRef>
+          <a:fillRef idx="3">
+            <a:schemeClr val="accent5"/>
+          </a:fillRef>
+          <a:effectRef idx="3">
+            <a:schemeClr val="accent5"/>
+          </a:effectRef>
+          <a:fontRef idx="minor">
+            <a:schemeClr val="lt1"/>
+          </a:fontRef>
+        </p:style>
+        <p:txBody>
+          <a:bodyPr rtlCol="0" anchor="ctr"/>
+          <a:lstStyle/>
+          <a:p>
+            <a:pPr algn="ctr"/>
+            <a:r>
+              <a:rPr lang="en-IN" dirty="0"/>
+              <a:t>Socket Session</a:t>
+            </a:r>
+          </a:p>
+        </p:txBody>
+      </p:sp>
+      <p:sp>
+        <p:nvSpPr>
+          <p:cNvPr id="7" name="Cylinder 6">
+            <a:extLst>
+              <a:ext uri="{FF2B5EF4-FFF2-40B4-BE49-F238E27FC236}">
+                <a16:creationId xmlns:a16="http://schemas.microsoft.com/office/drawing/2014/main" id="{CA61AFFB-ADDF-462E-8714-2D33425157FF}"/>
+              </a:ext>
+            </a:extLst>
+          </p:cNvPr>
+          <p:cNvSpPr/>
+          <p:nvPr/>
+        </p:nvSpPr>
+        <p:spPr>
+          <a:xfrm rot="5400000">
+            <a:off x="5652841" y="634760"/>
+            <a:ext cx="523875" cy="10400517"/>
+          </a:xfrm>
+          <a:prstGeom prst="can">
+            <a:avLst/>
+          </a:prstGeom>
+        </p:spPr>
+        <p:style>
+          <a:lnRef idx="0">
+            <a:schemeClr val="accent5"/>
+          </a:lnRef>
+          <a:fillRef idx="3">
+            <a:schemeClr val="accent5"/>
+          </a:fillRef>
+          <a:effectRef idx="3">
+            <a:schemeClr val="accent5"/>
+          </a:effectRef>
+          <a:fontRef idx="minor">
+            <a:schemeClr val="lt1"/>
+          </a:fontRef>
+        </p:style>
+        <p:txBody>
+          <a:bodyPr vert="vert270" rtlCol="0" anchor="ctr"/>
+          <a:lstStyle/>
+          <a:p>
+            <a:pPr algn="ctr"/>
+            <a:r>
+              <a:rPr lang="en-IN" dirty="0"/>
+              <a:t>PubSubChannel (e.g FluxMessageChannel)  </a:t>
+            </a:r>
+          </a:p>
+        </p:txBody>
+      </p:sp>
+      <p:sp>
+        <p:nvSpPr>
+          <p:cNvPr id="16" name="Rectangle: Rounded Corners 15">
+            <a:extLst>
+              <a:ext uri="{FF2B5EF4-FFF2-40B4-BE49-F238E27FC236}">
+                <a16:creationId xmlns:a16="http://schemas.microsoft.com/office/drawing/2014/main" id="{A96A5840-F1F7-4050-9486-9140C8A1BD32}"/>
+              </a:ext>
+            </a:extLst>
+          </p:cNvPr>
+          <p:cNvSpPr/>
+          <p:nvPr/>
+        </p:nvSpPr>
+        <p:spPr>
+          <a:xfrm>
+            <a:off x="701697" y="3383281"/>
+            <a:ext cx="1654492" cy="616744"/>
+          </a:xfrm>
+          <a:prstGeom prst="roundRect">
+            <a:avLst/>
+          </a:prstGeom>
+        </p:spPr>
+        <p:style>
+          <a:lnRef idx="0">
+            <a:schemeClr val="accent5"/>
+          </a:lnRef>
+          <a:fillRef idx="3">
+            <a:schemeClr val="accent5"/>
+          </a:fillRef>
+          <a:effectRef idx="3">
+            <a:schemeClr val="accent5"/>
+          </a:effectRef>
+          <a:fontRef idx="minor">
+            <a:schemeClr val="lt1"/>
+          </a:fontRef>
+        </p:style>
+        <p:txBody>
+          <a:bodyPr rtlCol="0" anchor="ctr"/>
+          <a:lstStyle/>
+          <a:p>
+            <a:pPr algn="ctr"/>
+            <a:r>
+              <a:rPr lang="en-IN" sz="1100" dirty="0"/>
+              <a:t>Outbound Flux &lt;</a:t>
+            </a:r>
+            <a:r>
+              <a:rPr lang="en-IN" sz="1100" dirty="0" err="1"/>
+              <a:t>WebSocketMessage</a:t>
+            </a:r>
+            <a:r>
+              <a:rPr lang="en-IN" sz="1100" dirty="0"/>
+              <a:t>&gt;</a:t>
+            </a:r>
+          </a:p>
+        </p:txBody>
+      </p:sp>
+      <p:cxnSp>
+        <p:nvCxnSpPr>
+          <p:cNvPr id="43" name="Straight Arrow Connector 42">
+            <a:extLst>
+              <a:ext uri="{FF2B5EF4-FFF2-40B4-BE49-F238E27FC236}">
+                <a16:creationId xmlns:a16="http://schemas.microsoft.com/office/drawing/2014/main" id="{A298E753-97F6-47ED-8AB1-1DE9A333811A}"/>
+              </a:ext>
+            </a:extLst>
+          </p:cNvPr>
+          <p:cNvCxnSpPr>
+            <a:cxnSpLocks/>
+            <a:endCxn id="16" idx="2"/>
+          </p:cNvCxnSpPr>
+          <p:nvPr/>
+        </p:nvCxnSpPr>
+        <p:spPr>
+          <a:xfrm flipV="1">
+            <a:off x="1528943" y="4000025"/>
+            <a:ext cx="0" cy="1590150"/>
+          </a:xfrm>
+          <a:prstGeom prst="straightConnector1">
+            <a:avLst/>
+          </a:prstGeom>
+          <a:ln w="19050">
+            <a:tailEnd type="triangle"/>
+          </a:ln>
+        </p:spPr>
+        <p:style>
+          <a:lnRef idx="1">
+            <a:schemeClr val="accent2"/>
+          </a:lnRef>
+          <a:fillRef idx="0">
+            <a:schemeClr val="accent2"/>
+          </a:fillRef>
+          <a:effectRef idx="0">
+            <a:schemeClr val="accent2"/>
+          </a:effectRef>
+          <a:fontRef idx="minor">
+            <a:schemeClr val="tx1"/>
+          </a:fontRef>
+        </p:style>
+      </p:cxnSp>
+      <p:cxnSp>
+        <p:nvCxnSpPr>
+          <p:cNvPr id="58" name="Straight Arrow Connector 57">
+            <a:extLst>
+              <a:ext uri="{FF2B5EF4-FFF2-40B4-BE49-F238E27FC236}">
+                <a16:creationId xmlns:a16="http://schemas.microsoft.com/office/drawing/2014/main" id="{9948B1C8-578E-43DC-AC7F-F1EBB88286B9}"/>
+              </a:ext>
+            </a:extLst>
+          </p:cNvPr>
+          <p:cNvCxnSpPr>
+            <a:cxnSpLocks/>
+            <a:stCxn id="60" idx="4"/>
+          </p:cNvCxnSpPr>
+          <p:nvPr/>
+        </p:nvCxnSpPr>
+        <p:spPr>
+          <a:xfrm flipH="1">
+            <a:off x="8078711" y="4776726"/>
+            <a:ext cx="12824" cy="796353"/>
+          </a:xfrm>
+          <a:prstGeom prst="straightConnector1">
+            <a:avLst/>
+          </a:prstGeom>
+          <a:ln w="19050">
+            <a:tailEnd type="triangle"/>
+          </a:ln>
+        </p:spPr>
+        <p:style>
+          <a:lnRef idx="1">
+            <a:schemeClr val="accent2"/>
+          </a:lnRef>
+          <a:fillRef idx="0">
+            <a:schemeClr val="accent2"/>
+          </a:fillRef>
+          <a:effectRef idx="0">
+            <a:schemeClr val="accent2"/>
+          </a:effectRef>
+          <a:fontRef idx="minor">
+            <a:schemeClr val="tx1"/>
+          </a:fontRef>
+        </p:style>
+      </p:cxnSp>
+      <p:sp>
+        <p:nvSpPr>
+          <p:cNvPr id="59" name="Oval 58">
+            <a:extLst>
+              <a:ext uri="{FF2B5EF4-FFF2-40B4-BE49-F238E27FC236}">
+                <a16:creationId xmlns:a16="http://schemas.microsoft.com/office/drawing/2014/main" id="{626321BE-B281-46EB-AC93-279F75EF18A0}"/>
+              </a:ext>
+            </a:extLst>
+          </p:cNvPr>
+          <p:cNvSpPr/>
+          <p:nvPr/>
+        </p:nvSpPr>
+        <p:spPr>
+          <a:xfrm>
+            <a:off x="7914011" y="4189137"/>
+            <a:ext cx="334728" cy="203119"/>
+          </a:xfrm>
+          <a:prstGeom prst="ellipse">
+            <a:avLst/>
+          </a:prstGeom>
+        </p:spPr>
+        <p:style>
+          <a:lnRef idx="0">
+            <a:schemeClr val="accent5"/>
+          </a:lnRef>
+          <a:fillRef idx="3">
+            <a:schemeClr val="accent5"/>
+          </a:fillRef>
+          <a:effectRef idx="3">
+            <a:schemeClr val="accent5"/>
+          </a:effectRef>
+          <a:fontRef idx="minor">
+            <a:schemeClr val="lt1"/>
+          </a:fontRef>
+        </p:style>
+        <p:txBody>
+          <a:bodyPr rtlCol="0" anchor="ctr"/>
+          <a:lstStyle/>
+          <a:p>
+            <a:pPr algn="ctr"/>
+            <a:endParaRPr lang="en-IN"/>
+          </a:p>
+        </p:txBody>
+      </p:sp>
+      <p:sp>
+        <p:nvSpPr>
+          <p:cNvPr id="60" name="Oval 59">
+            <a:extLst>
+              <a:ext uri="{FF2B5EF4-FFF2-40B4-BE49-F238E27FC236}">
+                <a16:creationId xmlns:a16="http://schemas.microsoft.com/office/drawing/2014/main" id="{C2EAC74F-F12C-46E2-A9F7-4FE5B6F896C6}"/>
+              </a:ext>
+            </a:extLst>
+          </p:cNvPr>
+          <p:cNvSpPr/>
+          <p:nvPr/>
+        </p:nvSpPr>
+        <p:spPr>
+          <a:xfrm>
+            <a:off x="7924171" y="4573607"/>
+            <a:ext cx="334728" cy="203119"/>
+          </a:xfrm>
+          <a:prstGeom prst="ellipse">
+            <a:avLst/>
+          </a:prstGeom>
+        </p:spPr>
+        <p:style>
+          <a:lnRef idx="0">
+            <a:schemeClr val="accent5"/>
+          </a:lnRef>
+          <a:fillRef idx="3">
+            <a:schemeClr val="accent5"/>
+          </a:fillRef>
+          <a:effectRef idx="3">
+            <a:schemeClr val="accent5"/>
+          </a:effectRef>
+          <a:fontRef idx="minor">
+            <a:schemeClr val="lt1"/>
+          </a:fontRef>
+        </p:style>
+        <p:txBody>
+          <a:bodyPr rtlCol="0" anchor="ctr"/>
+          <a:lstStyle/>
+          <a:p>
+            <a:pPr algn="ctr"/>
+            <a:endParaRPr lang="en-IN"/>
+          </a:p>
+        </p:txBody>
+      </p:sp>
+      <p:sp>
+        <p:nvSpPr>
+          <p:cNvPr id="61" name="Cylinder 60">
+            <a:extLst>
+              <a:ext uri="{FF2B5EF4-FFF2-40B4-BE49-F238E27FC236}">
+                <a16:creationId xmlns:a16="http://schemas.microsoft.com/office/drawing/2014/main" id="{AA1080D0-BCC8-4152-982B-63651F00B963}"/>
+              </a:ext>
+            </a:extLst>
+          </p:cNvPr>
+          <p:cNvSpPr/>
+          <p:nvPr/>
+        </p:nvSpPr>
+        <p:spPr>
+          <a:xfrm>
+            <a:off x="6050643" y="3969099"/>
+            <a:ext cx="898054" cy="643193"/>
+          </a:xfrm>
+          <a:prstGeom prst="can">
+            <a:avLst/>
+          </a:prstGeom>
+        </p:spPr>
+        <p:style>
+          <a:lnRef idx="0">
+            <a:schemeClr val="accent5"/>
+          </a:lnRef>
+          <a:fillRef idx="3">
+            <a:schemeClr val="accent5"/>
+          </a:fillRef>
+          <a:effectRef idx="3">
+            <a:schemeClr val="accent5"/>
+          </a:effectRef>
+          <a:fontRef idx="minor">
+            <a:schemeClr val="lt1"/>
+          </a:fontRef>
+        </p:style>
+        <p:txBody>
+          <a:bodyPr rtlCol="0" anchor="ctr"/>
+          <a:lstStyle/>
+          <a:p>
+            <a:pPr algn="ctr"/>
+            <a:r>
+              <a:rPr lang="en-IN" sz="1100" dirty="0"/>
+              <a:t>Socket Session DB</a:t>
+            </a:r>
+          </a:p>
+        </p:txBody>
+      </p:sp>
+      <p:cxnSp>
+        <p:nvCxnSpPr>
+          <p:cNvPr id="62" name="Straight Arrow Connector 61">
+            <a:extLst>
+              <a:ext uri="{FF2B5EF4-FFF2-40B4-BE49-F238E27FC236}">
+                <a16:creationId xmlns:a16="http://schemas.microsoft.com/office/drawing/2014/main" id="{3093FA57-C721-403A-8AFF-F6B43966E2A9}"/>
+              </a:ext>
+            </a:extLst>
+          </p:cNvPr>
+          <p:cNvCxnSpPr>
+            <a:cxnSpLocks/>
+            <a:stCxn id="59" idx="2"/>
+            <a:endCxn id="61" idx="4"/>
+          </p:cNvCxnSpPr>
+          <p:nvPr/>
+        </p:nvCxnSpPr>
+        <p:spPr>
+          <a:xfrm flipH="1" flipV="1">
+            <a:off x="6948697" y="4290696"/>
+            <a:ext cx="965314" cy="1"/>
+          </a:xfrm>
+          <a:prstGeom prst="straightConnector1">
+            <a:avLst/>
+          </a:prstGeom>
+          <a:ln w="19050">
+            <a:tailEnd type="triangle"/>
+          </a:ln>
+        </p:spPr>
+        <p:style>
+          <a:lnRef idx="1">
+            <a:schemeClr val="accent2"/>
+          </a:lnRef>
+          <a:fillRef idx="0">
+            <a:schemeClr val="accent2"/>
+          </a:fillRef>
+          <a:effectRef idx="0">
+            <a:schemeClr val="accent2"/>
+          </a:effectRef>
+          <a:fontRef idx="minor">
+            <a:schemeClr val="tx1"/>
+          </a:fontRef>
+        </p:style>
+      </p:cxnSp>
+      <p:cxnSp>
+        <p:nvCxnSpPr>
+          <p:cNvPr id="63" name="Straight Arrow Connector 62">
+            <a:extLst>
+              <a:ext uri="{FF2B5EF4-FFF2-40B4-BE49-F238E27FC236}">
+                <a16:creationId xmlns:a16="http://schemas.microsoft.com/office/drawing/2014/main" id="{55D61280-AE32-415F-987C-BF784D4EEF1A}"/>
+              </a:ext>
+            </a:extLst>
+          </p:cNvPr>
+          <p:cNvCxnSpPr>
+            <a:cxnSpLocks/>
+            <a:endCxn id="59" idx="0"/>
+          </p:cNvCxnSpPr>
+          <p:nvPr/>
+        </p:nvCxnSpPr>
+        <p:spPr>
+          <a:xfrm>
+            <a:off x="8078711" y="4045744"/>
+            <a:ext cx="2664" cy="143393"/>
+          </a:xfrm>
+          <a:prstGeom prst="straightConnector1">
+            <a:avLst/>
+          </a:prstGeom>
+          <a:ln w="19050">
+            <a:tailEnd type="triangle"/>
+          </a:ln>
+        </p:spPr>
+        <p:style>
+          <a:lnRef idx="1">
+            <a:schemeClr val="accent2"/>
+          </a:lnRef>
+          <a:fillRef idx="0">
+            <a:schemeClr val="accent2"/>
+          </a:fillRef>
+          <a:effectRef idx="0">
+            <a:schemeClr val="accent2"/>
+          </a:effectRef>
+          <a:fontRef idx="minor">
+            <a:schemeClr val="tx1"/>
+          </a:fontRef>
+        </p:style>
+      </p:cxnSp>
+      <p:cxnSp>
+        <p:nvCxnSpPr>
+          <p:cNvPr id="64" name="Straight Arrow Connector 63">
+            <a:extLst>
+              <a:ext uri="{FF2B5EF4-FFF2-40B4-BE49-F238E27FC236}">
+                <a16:creationId xmlns:a16="http://schemas.microsoft.com/office/drawing/2014/main" id="{6E03D7BA-7990-48DE-990D-8AA0CD59C55A}"/>
+              </a:ext>
+            </a:extLst>
+          </p:cNvPr>
+          <p:cNvCxnSpPr>
+            <a:cxnSpLocks/>
+            <a:stCxn id="59" idx="4"/>
+            <a:endCxn id="60" idx="0"/>
+          </p:cNvCxnSpPr>
+          <p:nvPr/>
+        </p:nvCxnSpPr>
+        <p:spPr>
+          <a:xfrm>
+            <a:off x="8081375" y="4392256"/>
+            <a:ext cx="10160" cy="181351"/>
+          </a:xfrm>
+          <a:prstGeom prst="straightConnector1">
+            <a:avLst/>
+          </a:prstGeom>
+          <a:ln w="19050">
+            <a:tailEnd type="triangle"/>
+          </a:ln>
+        </p:spPr>
+        <p:style>
+          <a:lnRef idx="1">
+            <a:schemeClr val="accent2"/>
+          </a:lnRef>
+          <a:fillRef idx="0">
+            <a:schemeClr val="accent2"/>
+          </a:fillRef>
+          <a:effectRef idx="0">
+            <a:schemeClr val="accent2"/>
+          </a:effectRef>
+          <a:fontRef idx="minor">
+            <a:schemeClr val="tx1"/>
+          </a:fontRef>
+        </p:style>
+      </p:cxnSp>
+      <p:cxnSp>
+        <p:nvCxnSpPr>
+          <p:cNvPr id="65" name="Straight Arrow Connector 64">
+            <a:extLst>
+              <a:ext uri="{FF2B5EF4-FFF2-40B4-BE49-F238E27FC236}">
+                <a16:creationId xmlns:a16="http://schemas.microsoft.com/office/drawing/2014/main" id="{8EC22292-00C4-4ED1-BD0D-4D23CB1D418C}"/>
+              </a:ext>
+            </a:extLst>
+          </p:cNvPr>
+          <p:cNvCxnSpPr>
+            <a:cxnSpLocks/>
+            <a:endCxn id="158" idx="2"/>
+          </p:cNvCxnSpPr>
+          <p:nvPr/>
+        </p:nvCxnSpPr>
+        <p:spPr>
+          <a:xfrm flipV="1">
+            <a:off x="10380859" y="4122132"/>
+            <a:ext cx="12824" cy="1468043"/>
+          </a:xfrm>
+          <a:prstGeom prst="straightConnector1">
+            <a:avLst/>
+          </a:prstGeom>
+          <a:ln w="19050">
+            <a:tailEnd type="triangle"/>
+          </a:ln>
+        </p:spPr>
+        <p:style>
+          <a:lnRef idx="1">
+            <a:schemeClr val="accent2"/>
+          </a:lnRef>
+          <a:fillRef idx="0">
+            <a:schemeClr val="accent2"/>
+          </a:fillRef>
+          <a:effectRef idx="0">
+            <a:schemeClr val="accent2"/>
+          </a:effectRef>
+          <a:fontRef idx="minor">
+            <a:schemeClr val="tx1"/>
+          </a:fontRef>
+        </p:style>
+      </p:cxnSp>
+      <p:sp>
+        <p:nvSpPr>
+          <p:cNvPr id="74" name="Rectangle: Rounded Corners 73">
+            <a:extLst>
+              <a:ext uri="{FF2B5EF4-FFF2-40B4-BE49-F238E27FC236}">
+                <a16:creationId xmlns:a16="http://schemas.microsoft.com/office/drawing/2014/main" id="{86D7ECCF-D162-45E2-826E-3DE4C6FD88DC}"/>
+              </a:ext>
+            </a:extLst>
+          </p:cNvPr>
+          <p:cNvSpPr/>
+          <p:nvPr/>
+        </p:nvSpPr>
+        <p:spPr>
+          <a:xfrm>
+            <a:off x="3077886" y="3446096"/>
+            <a:ext cx="1654492" cy="616744"/>
+          </a:xfrm>
+          <a:prstGeom prst="roundRect">
+            <a:avLst/>
+          </a:prstGeom>
+        </p:spPr>
+        <p:style>
+          <a:lnRef idx="0">
+            <a:schemeClr val="accent5"/>
+          </a:lnRef>
+          <a:fillRef idx="3">
+            <a:schemeClr val="accent5"/>
+          </a:fillRef>
+          <a:effectRef idx="3">
+            <a:schemeClr val="accent5"/>
+          </a:effectRef>
+          <a:fontRef idx="minor">
+            <a:schemeClr val="lt1"/>
+          </a:fontRef>
+        </p:style>
+        <p:txBody>
+          <a:bodyPr rtlCol="0" anchor="ctr"/>
+          <a:lstStyle/>
+          <a:p>
+            <a:pPr algn="ctr"/>
+            <a:r>
+              <a:rPr lang="en-IN" sz="1100" dirty="0"/>
+              <a:t>Inbound Flux &lt;</a:t>
+            </a:r>
+            <a:r>
+              <a:rPr lang="en-IN" sz="1100" dirty="0" err="1"/>
+              <a:t>WebSocketMessage</a:t>
+            </a:r>
+            <a:r>
+              <a:rPr lang="en-IN" sz="1100" dirty="0"/>
+              <a:t>&gt;</a:t>
+            </a:r>
+          </a:p>
+        </p:txBody>
+      </p:sp>
+      <p:cxnSp>
+        <p:nvCxnSpPr>
+          <p:cNvPr id="76" name="Straight Arrow Connector 75">
+            <a:extLst>
+              <a:ext uri="{FF2B5EF4-FFF2-40B4-BE49-F238E27FC236}">
+                <a16:creationId xmlns:a16="http://schemas.microsoft.com/office/drawing/2014/main" id="{4D203AF1-8960-4E83-83F5-4AB7E64F4C39}"/>
+              </a:ext>
+            </a:extLst>
+          </p:cNvPr>
+          <p:cNvCxnSpPr>
+            <a:cxnSpLocks/>
+            <a:stCxn id="78" idx="4"/>
+          </p:cNvCxnSpPr>
+          <p:nvPr/>
+        </p:nvCxnSpPr>
+        <p:spPr>
+          <a:xfrm>
+            <a:off x="3917956" y="4793822"/>
+            <a:ext cx="0" cy="796353"/>
+          </a:xfrm>
+          <a:prstGeom prst="straightConnector1">
+            <a:avLst/>
+          </a:prstGeom>
+          <a:ln w="19050">
+            <a:tailEnd type="triangle"/>
+          </a:ln>
+        </p:spPr>
+        <p:style>
+          <a:lnRef idx="1">
+            <a:schemeClr val="accent2"/>
+          </a:lnRef>
+          <a:fillRef idx="0">
+            <a:schemeClr val="accent2"/>
+          </a:fillRef>
+          <a:effectRef idx="0">
+            <a:schemeClr val="accent2"/>
+          </a:effectRef>
+          <a:fontRef idx="minor">
+            <a:schemeClr val="tx1"/>
+          </a:fontRef>
+        </p:style>
+      </p:cxnSp>
+      <p:sp>
+        <p:nvSpPr>
+          <p:cNvPr id="77" name="Oval 76">
+            <a:extLst>
+              <a:ext uri="{FF2B5EF4-FFF2-40B4-BE49-F238E27FC236}">
+                <a16:creationId xmlns:a16="http://schemas.microsoft.com/office/drawing/2014/main" id="{09F5A7B3-FC21-40B6-BD34-DB13462D0E46}"/>
+              </a:ext>
+            </a:extLst>
+          </p:cNvPr>
+          <p:cNvSpPr/>
+          <p:nvPr/>
+        </p:nvSpPr>
+        <p:spPr>
+          <a:xfrm>
+            <a:off x="3740432" y="4206233"/>
+            <a:ext cx="334728" cy="203119"/>
+          </a:xfrm>
+          <a:prstGeom prst="ellipse">
+            <a:avLst/>
+          </a:prstGeom>
+        </p:spPr>
+        <p:style>
+          <a:lnRef idx="0">
+            <a:schemeClr val="accent5"/>
+          </a:lnRef>
+          <a:fillRef idx="3">
+            <a:schemeClr val="accent5"/>
+          </a:fillRef>
+          <a:effectRef idx="3">
+            <a:schemeClr val="accent5"/>
+          </a:effectRef>
+          <a:fontRef idx="minor">
+            <a:schemeClr val="lt1"/>
+          </a:fontRef>
+        </p:style>
+        <p:txBody>
+          <a:bodyPr rtlCol="0" anchor="ctr"/>
+          <a:lstStyle/>
+          <a:p>
+            <a:pPr algn="ctr"/>
+            <a:endParaRPr lang="en-IN"/>
+          </a:p>
+        </p:txBody>
+      </p:sp>
+      <p:sp>
+        <p:nvSpPr>
+          <p:cNvPr id="78" name="Oval 77">
+            <a:extLst>
+              <a:ext uri="{FF2B5EF4-FFF2-40B4-BE49-F238E27FC236}">
+                <a16:creationId xmlns:a16="http://schemas.microsoft.com/office/drawing/2014/main" id="{2B860D40-658A-41B4-A160-F8B02C3C7BE4}"/>
+              </a:ext>
+            </a:extLst>
+          </p:cNvPr>
+          <p:cNvSpPr/>
+          <p:nvPr/>
+        </p:nvSpPr>
+        <p:spPr>
+          <a:xfrm>
+            <a:off x="3750592" y="4590703"/>
+            <a:ext cx="334728" cy="203119"/>
+          </a:xfrm>
+          <a:prstGeom prst="ellipse">
+            <a:avLst/>
+          </a:prstGeom>
+        </p:spPr>
+        <p:style>
+          <a:lnRef idx="0">
+            <a:schemeClr val="accent5"/>
+          </a:lnRef>
+          <a:fillRef idx="3">
+            <a:schemeClr val="accent5"/>
+          </a:fillRef>
+          <a:effectRef idx="3">
+            <a:schemeClr val="accent5"/>
+          </a:effectRef>
+          <a:fontRef idx="minor">
+            <a:schemeClr val="lt1"/>
+          </a:fontRef>
+        </p:style>
+        <p:txBody>
+          <a:bodyPr rtlCol="0" anchor="ctr"/>
+          <a:lstStyle/>
+          <a:p>
+            <a:pPr algn="ctr"/>
+            <a:endParaRPr lang="en-IN"/>
+          </a:p>
+        </p:txBody>
+      </p:sp>
+      <p:cxnSp>
+        <p:nvCxnSpPr>
+          <p:cNvPr id="80" name="Straight Arrow Connector 79">
+            <a:extLst>
+              <a:ext uri="{FF2B5EF4-FFF2-40B4-BE49-F238E27FC236}">
+                <a16:creationId xmlns:a16="http://schemas.microsoft.com/office/drawing/2014/main" id="{29018953-0A47-4E2D-9298-0D5774852978}"/>
+              </a:ext>
+            </a:extLst>
+          </p:cNvPr>
+          <p:cNvCxnSpPr>
+            <a:cxnSpLocks/>
+            <a:stCxn id="77" idx="6"/>
+            <a:endCxn id="61" idx="2"/>
+          </p:cNvCxnSpPr>
+          <p:nvPr/>
+        </p:nvCxnSpPr>
+        <p:spPr>
+          <a:xfrm flipV="1">
+            <a:off x="4075160" y="4290696"/>
+            <a:ext cx="1975483" cy="17097"/>
+          </a:xfrm>
+          <a:prstGeom prst="straightConnector1">
+            <a:avLst/>
+          </a:prstGeom>
+          <a:ln w="19050">
+            <a:tailEnd type="triangle"/>
+          </a:ln>
+        </p:spPr>
+        <p:style>
+          <a:lnRef idx="1">
+            <a:schemeClr val="accent2"/>
+          </a:lnRef>
+          <a:fillRef idx="0">
+            <a:schemeClr val="accent2"/>
+          </a:fillRef>
+          <a:effectRef idx="0">
+            <a:schemeClr val="accent2"/>
+          </a:effectRef>
+          <a:fontRef idx="minor">
+            <a:schemeClr val="tx1"/>
+          </a:fontRef>
+        </p:style>
+      </p:cxnSp>
+      <p:cxnSp>
+        <p:nvCxnSpPr>
+          <p:cNvPr id="81" name="Straight Arrow Connector 80">
+            <a:extLst>
+              <a:ext uri="{FF2B5EF4-FFF2-40B4-BE49-F238E27FC236}">
+                <a16:creationId xmlns:a16="http://schemas.microsoft.com/office/drawing/2014/main" id="{1EA5CBCD-41FE-4BC4-84B3-DD2B69096672}"/>
+              </a:ext>
+            </a:extLst>
+          </p:cNvPr>
+          <p:cNvCxnSpPr>
+            <a:cxnSpLocks/>
+            <a:stCxn id="74" idx="2"/>
+            <a:endCxn id="77" idx="0"/>
+          </p:cNvCxnSpPr>
+          <p:nvPr/>
+        </p:nvCxnSpPr>
+        <p:spPr>
+          <a:xfrm>
+            <a:off x="3905132" y="4062840"/>
+            <a:ext cx="2664" cy="143393"/>
+          </a:xfrm>
+          <a:prstGeom prst="straightConnector1">
+            <a:avLst/>
+          </a:prstGeom>
+          <a:ln w="19050">
+            <a:tailEnd type="triangle"/>
+          </a:ln>
+        </p:spPr>
+        <p:style>
+          <a:lnRef idx="1">
+            <a:schemeClr val="accent2"/>
+          </a:lnRef>
+          <a:fillRef idx="0">
+            <a:schemeClr val="accent2"/>
+          </a:fillRef>
+          <a:effectRef idx="0">
+            <a:schemeClr val="accent2"/>
+          </a:effectRef>
+          <a:fontRef idx="minor">
+            <a:schemeClr val="tx1"/>
+          </a:fontRef>
+        </p:style>
+      </p:cxnSp>
+      <p:cxnSp>
+        <p:nvCxnSpPr>
+          <p:cNvPr id="82" name="Straight Arrow Connector 81">
+            <a:extLst>
+              <a:ext uri="{FF2B5EF4-FFF2-40B4-BE49-F238E27FC236}">
+                <a16:creationId xmlns:a16="http://schemas.microsoft.com/office/drawing/2014/main" id="{F907522C-BF4B-4234-A1B3-48892DC526E4}"/>
+              </a:ext>
+            </a:extLst>
+          </p:cNvPr>
+          <p:cNvCxnSpPr>
+            <a:cxnSpLocks/>
+            <a:stCxn id="77" idx="4"/>
+            <a:endCxn id="78" idx="0"/>
+          </p:cNvCxnSpPr>
+          <p:nvPr/>
+        </p:nvCxnSpPr>
+        <p:spPr>
+          <a:xfrm>
+            <a:off x="3907796" y="4409352"/>
+            <a:ext cx="10160" cy="181351"/>
+          </a:xfrm>
+          <a:prstGeom prst="straightConnector1">
+            <a:avLst/>
+          </a:prstGeom>
+          <a:ln w="19050">
+            <a:tailEnd type="triangle"/>
+          </a:ln>
+        </p:spPr>
+        <p:style>
+          <a:lnRef idx="1">
+            <a:schemeClr val="accent2"/>
+          </a:lnRef>
+          <a:fillRef idx="0">
+            <a:schemeClr val="accent2"/>
+          </a:fillRef>
+          <a:effectRef idx="0">
+            <a:schemeClr val="accent2"/>
+          </a:effectRef>
+          <a:fontRef idx="minor">
+            <a:schemeClr val="tx1"/>
+          </a:fontRef>
+        </p:style>
+      </p:cxnSp>
+      <p:cxnSp>
+        <p:nvCxnSpPr>
+          <p:cNvPr id="103" name="Connector: Elbow 102">
+            <a:extLst>
+              <a:ext uri="{FF2B5EF4-FFF2-40B4-BE49-F238E27FC236}">
+                <a16:creationId xmlns:a16="http://schemas.microsoft.com/office/drawing/2014/main" id="{7515F49E-5692-44DB-BA97-8ED9554B2D4E}"/>
+              </a:ext>
+            </a:extLst>
+          </p:cNvPr>
+          <p:cNvCxnSpPr>
+            <a:cxnSpLocks/>
+            <a:stCxn id="4" idx="3"/>
+            <a:endCxn id="5" idx="3"/>
+          </p:cNvCxnSpPr>
+          <p:nvPr/>
+        </p:nvCxnSpPr>
+        <p:spPr>
+          <a:xfrm>
+            <a:off x="3153965" y="456726"/>
+            <a:ext cx="229315" cy="1791176"/>
+          </a:xfrm>
+          <a:prstGeom prst="bentConnector3">
+            <a:avLst>
+              <a:gd name="adj1" fmla="val 323745"/>
+            </a:avLst>
+          </a:prstGeom>
+          <a:ln w="19050">
+            <a:tailEnd type="triangle"/>
+          </a:ln>
+        </p:spPr>
+        <p:style>
+          <a:lnRef idx="1">
+            <a:schemeClr val="accent2"/>
+          </a:lnRef>
+          <a:fillRef idx="0">
+            <a:schemeClr val="accent2"/>
+          </a:fillRef>
+          <a:effectRef idx="0">
+            <a:schemeClr val="accent2"/>
+          </a:effectRef>
+          <a:fontRef idx="minor">
+            <a:schemeClr val="tx1"/>
+          </a:fontRef>
+        </p:style>
+      </p:cxnSp>
+      <p:cxnSp>
+        <p:nvCxnSpPr>
+          <p:cNvPr id="105" name="Connector: Elbow 104">
+            <a:extLst>
+              <a:ext uri="{FF2B5EF4-FFF2-40B4-BE49-F238E27FC236}">
+                <a16:creationId xmlns:a16="http://schemas.microsoft.com/office/drawing/2014/main" id="{AEFC444C-CDC3-4C20-B5A1-FD9E822CDB82}"/>
+              </a:ext>
+            </a:extLst>
+          </p:cNvPr>
+          <p:cNvCxnSpPr>
+            <a:cxnSpLocks/>
+            <a:endCxn id="16" idx="0"/>
+          </p:cNvCxnSpPr>
+          <p:nvPr/>
+        </p:nvCxnSpPr>
+        <p:spPr>
+          <a:xfrm rot="5400000">
+            <a:off x="1284698" y="2654707"/>
+            <a:ext cx="972819" cy="484328"/>
+          </a:xfrm>
+          <a:prstGeom prst="bentConnector3">
+            <a:avLst>
+              <a:gd name="adj1" fmla="val -130"/>
+            </a:avLst>
+          </a:prstGeom>
+          <a:ln w="19050">
+            <a:headEnd type="triangle" w="med" len="med"/>
+            <a:tailEnd type="none" w="med" len="med"/>
+          </a:ln>
+        </p:spPr>
+        <p:style>
+          <a:lnRef idx="1">
+            <a:schemeClr val="accent2"/>
+          </a:lnRef>
+          <a:fillRef idx="0">
+            <a:schemeClr val="accent2"/>
+          </a:fillRef>
+          <a:effectRef idx="0">
+            <a:schemeClr val="accent2"/>
+          </a:effectRef>
+          <a:fontRef idx="minor">
+            <a:schemeClr val="tx1"/>
+          </a:fontRef>
+        </p:style>
+      </p:cxnSp>
+      <p:cxnSp>
+        <p:nvCxnSpPr>
+          <p:cNvPr id="114" name="Connector: Elbow 113">
+            <a:extLst>
+              <a:ext uri="{FF2B5EF4-FFF2-40B4-BE49-F238E27FC236}">
+                <a16:creationId xmlns:a16="http://schemas.microsoft.com/office/drawing/2014/main" id="{79B4FC4A-CD43-4AD9-B112-E34A8ACCA3C7}"/>
+              </a:ext>
+            </a:extLst>
+          </p:cNvPr>
+          <p:cNvCxnSpPr>
+            <a:cxnSpLocks/>
+            <a:endCxn id="74" idx="0"/>
+          </p:cNvCxnSpPr>
+          <p:nvPr/>
+        </p:nvCxnSpPr>
+        <p:spPr>
+          <a:xfrm rot="16200000" flipH="1">
+            <a:off x="3090829" y="2631793"/>
+            <a:ext cx="1106754" cy="521852"/>
+          </a:xfrm>
+          <a:prstGeom prst="bentConnector3">
+            <a:avLst>
+              <a:gd name="adj1" fmla="val 7772"/>
+            </a:avLst>
+          </a:prstGeom>
+          <a:ln w="19050">
+            <a:tailEnd type="triangle"/>
+          </a:ln>
+        </p:spPr>
+        <p:style>
+          <a:lnRef idx="1">
+            <a:schemeClr val="accent2"/>
+          </a:lnRef>
+          <a:fillRef idx="0">
+            <a:schemeClr val="accent2"/>
+          </a:fillRef>
+          <a:effectRef idx="0">
+            <a:schemeClr val="accent2"/>
+          </a:effectRef>
+          <a:fontRef idx="minor">
+            <a:schemeClr val="tx1"/>
+          </a:fontRef>
+        </p:style>
+      </p:cxnSp>
+      <p:cxnSp>
+        <p:nvCxnSpPr>
+          <p:cNvPr id="120" name="Connector: Elbow 119">
+            <a:extLst>
+              <a:ext uri="{FF2B5EF4-FFF2-40B4-BE49-F238E27FC236}">
+                <a16:creationId xmlns:a16="http://schemas.microsoft.com/office/drawing/2014/main" id="{4A531A50-5A06-4639-B8BE-C5BE5084D01B}"/>
+              </a:ext>
+            </a:extLst>
+          </p:cNvPr>
+          <p:cNvCxnSpPr>
+            <a:cxnSpLocks/>
+            <a:stCxn id="5" idx="1"/>
+            <a:endCxn id="4" idx="1"/>
+          </p:cNvCxnSpPr>
+          <p:nvPr/>
+        </p:nvCxnSpPr>
+        <p:spPr>
+          <a:xfrm rot="10800000" flipH="1">
+            <a:off x="2013267" y="456726"/>
+            <a:ext cx="229315" cy="1791176"/>
+          </a:xfrm>
+          <a:prstGeom prst="bentConnector3">
+            <a:avLst>
+              <a:gd name="adj1" fmla="val -210453"/>
+            </a:avLst>
+          </a:prstGeom>
+          <a:ln w="19050">
+            <a:tailEnd type="triangle"/>
+          </a:ln>
+        </p:spPr>
+        <p:style>
+          <a:lnRef idx="1">
+            <a:schemeClr val="accent2"/>
+          </a:lnRef>
+          <a:fillRef idx="0">
+            <a:schemeClr val="accent2"/>
+          </a:fillRef>
+          <a:effectRef idx="0">
+            <a:schemeClr val="accent2"/>
+          </a:effectRef>
+          <a:fontRef idx="minor">
+            <a:schemeClr val="tx1"/>
+          </a:fontRef>
+        </p:style>
+      </p:cxnSp>
+      <p:sp>
+        <p:nvSpPr>
+          <p:cNvPr id="155" name="Rectangle: Rounded Corners 154">
+            <a:extLst>
+              <a:ext uri="{FF2B5EF4-FFF2-40B4-BE49-F238E27FC236}">
+                <a16:creationId xmlns:a16="http://schemas.microsoft.com/office/drawing/2014/main" id="{C252D29B-3AB2-4C3C-B907-829BF03533F6}"/>
+              </a:ext>
+            </a:extLst>
+          </p:cNvPr>
+          <p:cNvSpPr/>
+          <p:nvPr/>
+        </p:nvSpPr>
+        <p:spPr>
+          <a:xfrm>
+            <a:off x="8731134" y="119143"/>
+            <a:ext cx="911382" cy="793750"/>
+          </a:xfrm>
+          <a:prstGeom prst="roundRect">
+            <a:avLst/>
+          </a:prstGeom>
+          <a:solidFill>
+            <a:schemeClr val="accent6">
+              <a:lumMod val="60000"/>
+              <a:lumOff val="40000"/>
+            </a:schemeClr>
+          </a:solidFill>
+        </p:spPr>
+        <p:style>
+          <a:lnRef idx="0">
+            <a:schemeClr val="accent5"/>
+          </a:lnRef>
+          <a:fillRef idx="3">
+            <a:schemeClr val="accent5"/>
+          </a:fillRef>
+          <a:effectRef idx="3">
+            <a:schemeClr val="accent5"/>
+          </a:effectRef>
+          <a:fontRef idx="minor">
+            <a:schemeClr val="lt1"/>
+          </a:fontRef>
+        </p:style>
+        <p:txBody>
+          <a:bodyPr rtlCol="0" anchor="ctr"/>
+          <a:lstStyle/>
+          <a:p>
+            <a:pPr algn="ctr"/>
+            <a:r>
+              <a:rPr lang="en-IN" dirty="0"/>
+              <a:t>Socket Client</a:t>
+            </a:r>
+          </a:p>
+        </p:txBody>
+      </p:sp>
+      <p:sp>
+        <p:nvSpPr>
+          <p:cNvPr id="156" name="Rectangle: Rounded Corners 155">
+            <a:extLst>
+              <a:ext uri="{FF2B5EF4-FFF2-40B4-BE49-F238E27FC236}">
+                <a16:creationId xmlns:a16="http://schemas.microsoft.com/office/drawing/2014/main" id="{4F5950D1-F650-42FC-92A5-FA5B526B9F7A}"/>
+              </a:ext>
+            </a:extLst>
+          </p:cNvPr>
+          <p:cNvSpPr/>
+          <p:nvPr/>
+        </p:nvSpPr>
+        <p:spPr>
+          <a:xfrm>
+            <a:off x="8501819" y="1702356"/>
+            <a:ext cx="1370012" cy="1209675"/>
+          </a:xfrm>
+          <a:prstGeom prst="roundRect">
+            <a:avLst/>
+          </a:prstGeom>
+          <a:solidFill>
+            <a:schemeClr val="accent2">
+              <a:lumMod val="60000"/>
+              <a:lumOff val="40000"/>
+            </a:schemeClr>
+          </a:solidFill>
+        </p:spPr>
+        <p:style>
+          <a:lnRef idx="0">
+            <a:schemeClr val="accent5"/>
+          </a:lnRef>
+          <a:fillRef idx="3">
+            <a:schemeClr val="accent5"/>
+          </a:fillRef>
+          <a:effectRef idx="3">
+            <a:schemeClr val="accent5"/>
+          </a:effectRef>
+          <a:fontRef idx="minor">
+            <a:schemeClr val="lt1"/>
+          </a:fontRef>
+        </p:style>
+        <p:txBody>
+          <a:bodyPr rtlCol="0" anchor="ctr"/>
+          <a:lstStyle/>
+          <a:p>
+            <a:pPr algn="ctr"/>
+            <a:r>
+              <a:rPr lang="en-IN" dirty="0"/>
+              <a:t>Socket Session</a:t>
+            </a:r>
+          </a:p>
+        </p:txBody>
+      </p:sp>
+      <p:sp>
+        <p:nvSpPr>
+          <p:cNvPr id="157" name="Rectangle: Rounded Corners 156">
+            <a:extLst>
+              <a:ext uri="{FF2B5EF4-FFF2-40B4-BE49-F238E27FC236}">
+                <a16:creationId xmlns:a16="http://schemas.microsoft.com/office/drawing/2014/main" id="{50B00332-3E41-4256-A448-6C44453F737A}"/>
+              </a:ext>
+            </a:extLst>
+          </p:cNvPr>
+          <p:cNvSpPr/>
+          <p:nvPr/>
+        </p:nvSpPr>
+        <p:spPr>
+          <a:xfrm>
+            <a:off x="7190248" y="3442573"/>
+            <a:ext cx="1654492" cy="616744"/>
+          </a:xfrm>
+          <a:prstGeom prst="roundRect">
+            <a:avLst/>
+          </a:prstGeom>
+        </p:spPr>
+        <p:style>
+          <a:lnRef idx="0">
+            <a:schemeClr val="accent5"/>
+          </a:lnRef>
+          <a:fillRef idx="3">
+            <a:schemeClr val="accent5"/>
+          </a:fillRef>
+          <a:effectRef idx="3">
+            <a:schemeClr val="accent5"/>
+          </a:effectRef>
+          <a:fontRef idx="minor">
+            <a:schemeClr val="lt1"/>
+          </a:fontRef>
+        </p:style>
+        <p:txBody>
+          <a:bodyPr rtlCol="0" anchor="ctr"/>
+          <a:lstStyle/>
+          <a:p>
+            <a:pPr algn="ctr"/>
+            <a:r>
+              <a:rPr lang="en-IN" sz="1100" dirty="0"/>
+              <a:t>Inbound Flux &lt;</a:t>
+            </a:r>
+            <a:r>
+              <a:rPr lang="en-IN" sz="1100" dirty="0" err="1"/>
+              <a:t>WebSocketMessage</a:t>
+            </a:r>
+            <a:r>
+              <a:rPr lang="en-IN" sz="1100" dirty="0"/>
+              <a:t>&gt;</a:t>
+            </a:r>
+          </a:p>
+          <a:p>
+            <a:pPr algn="ctr"/>
+            <a:endParaRPr lang="en-IN" sz="1100" dirty="0"/>
+          </a:p>
+        </p:txBody>
+      </p:sp>
+      <p:sp>
+        <p:nvSpPr>
+          <p:cNvPr id="158" name="Rectangle: Rounded Corners 157">
+            <a:extLst>
+              <a:ext uri="{FF2B5EF4-FFF2-40B4-BE49-F238E27FC236}">
+                <a16:creationId xmlns:a16="http://schemas.microsoft.com/office/drawing/2014/main" id="{7FFAD682-0836-4503-AB3E-6DC251AACC16}"/>
+              </a:ext>
+            </a:extLst>
+          </p:cNvPr>
+          <p:cNvSpPr/>
+          <p:nvPr/>
+        </p:nvSpPr>
+        <p:spPr>
+          <a:xfrm>
+            <a:off x="9566437" y="3505388"/>
+            <a:ext cx="1654492" cy="616744"/>
+          </a:xfrm>
+          <a:prstGeom prst="roundRect">
+            <a:avLst/>
+          </a:prstGeom>
+        </p:spPr>
+        <p:style>
+          <a:lnRef idx="0">
+            <a:schemeClr val="accent5"/>
+          </a:lnRef>
+          <a:fillRef idx="3">
+            <a:schemeClr val="accent5"/>
+          </a:fillRef>
+          <a:effectRef idx="3">
+            <a:schemeClr val="accent5"/>
+          </a:effectRef>
+          <a:fontRef idx="minor">
+            <a:schemeClr val="lt1"/>
+          </a:fontRef>
+        </p:style>
+        <p:txBody>
+          <a:bodyPr rtlCol="0" anchor="ctr"/>
+          <a:lstStyle/>
+          <a:p>
+            <a:pPr algn="ctr"/>
+            <a:r>
+              <a:rPr lang="en-IN" sz="1100" dirty="0"/>
+              <a:t>Outbound Flux &lt;</a:t>
+            </a:r>
+            <a:r>
+              <a:rPr lang="en-IN" sz="1100" dirty="0" err="1"/>
+              <a:t>WebSocketMessage</a:t>
+            </a:r>
+            <a:r>
+              <a:rPr lang="en-IN" sz="1100" dirty="0"/>
+              <a:t>&gt;</a:t>
+            </a:r>
+          </a:p>
+        </p:txBody>
+      </p:sp>
+      <p:cxnSp>
+        <p:nvCxnSpPr>
+          <p:cNvPr id="159" name="Connector: Elbow 158">
+            <a:extLst>
+              <a:ext uri="{FF2B5EF4-FFF2-40B4-BE49-F238E27FC236}">
+                <a16:creationId xmlns:a16="http://schemas.microsoft.com/office/drawing/2014/main" id="{80CB9C3A-5EAB-4E1E-BF1D-46A43D775677}"/>
+              </a:ext>
+            </a:extLst>
+          </p:cNvPr>
+          <p:cNvCxnSpPr>
+            <a:cxnSpLocks/>
+            <a:stCxn id="155" idx="3"/>
+            <a:endCxn id="156" idx="3"/>
+          </p:cNvCxnSpPr>
+          <p:nvPr/>
+        </p:nvCxnSpPr>
+        <p:spPr>
+          <a:xfrm>
+            <a:off x="9642516" y="516018"/>
+            <a:ext cx="229315" cy="1791176"/>
+          </a:xfrm>
+          <a:prstGeom prst="bentConnector3">
+            <a:avLst>
+              <a:gd name="adj1" fmla="val 323745"/>
+            </a:avLst>
+          </a:prstGeom>
+          <a:ln w="19050">
+            <a:headEnd type="triangle" w="med" len="med"/>
+            <a:tailEnd type="none" w="med" len="med"/>
+          </a:ln>
+        </p:spPr>
+        <p:style>
+          <a:lnRef idx="1">
+            <a:schemeClr val="accent2"/>
+          </a:lnRef>
+          <a:fillRef idx="0">
+            <a:schemeClr val="accent2"/>
+          </a:fillRef>
+          <a:effectRef idx="0">
+            <a:schemeClr val="accent2"/>
+          </a:effectRef>
+          <a:fontRef idx="minor">
+            <a:schemeClr val="tx1"/>
+          </a:fontRef>
+        </p:style>
+      </p:cxnSp>
+      <p:cxnSp>
+        <p:nvCxnSpPr>
+          <p:cNvPr id="160" name="Connector: Elbow 159">
+            <a:extLst>
+              <a:ext uri="{FF2B5EF4-FFF2-40B4-BE49-F238E27FC236}">
+                <a16:creationId xmlns:a16="http://schemas.microsoft.com/office/drawing/2014/main" id="{6374CE98-BDB1-4E9A-AC6C-C2CAAA3351E3}"/>
+              </a:ext>
+            </a:extLst>
+          </p:cNvPr>
+          <p:cNvCxnSpPr>
+            <a:cxnSpLocks/>
+            <a:endCxn id="157" idx="0"/>
+          </p:cNvCxnSpPr>
+          <p:nvPr/>
+        </p:nvCxnSpPr>
+        <p:spPr>
+          <a:xfrm rot="5400000">
+            <a:off x="7773249" y="2713999"/>
+            <a:ext cx="972819" cy="484328"/>
+          </a:xfrm>
+          <a:prstGeom prst="bentConnector3">
+            <a:avLst>
+              <a:gd name="adj1" fmla="val -130"/>
+            </a:avLst>
+          </a:prstGeom>
+          <a:ln w="19050">
+            <a:headEnd type="none" w="med" len="med"/>
+            <a:tailEnd type="triangle" w="med" len="med"/>
+          </a:ln>
+        </p:spPr>
+        <p:style>
+          <a:lnRef idx="1">
+            <a:schemeClr val="accent2"/>
+          </a:lnRef>
+          <a:fillRef idx="0">
+            <a:schemeClr val="accent2"/>
+          </a:fillRef>
+          <a:effectRef idx="0">
+            <a:schemeClr val="accent2"/>
+          </a:effectRef>
+          <a:fontRef idx="minor">
+            <a:schemeClr val="tx1"/>
+          </a:fontRef>
+        </p:style>
+      </p:cxnSp>
+      <p:cxnSp>
+        <p:nvCxnSpPr>
+          <p:cNvPr id="161" name="Connector: Elbow 160">
+            <a:extLst>
+              <a:ext uri="{FF2B5EF4-FFF2-40B4-BE49-F238E27FC236}">
+                <a16:creationId xmlns:a16="http://schemas.microsoft.com/office/drawing/2014/main" id="{1A9AC8FB-7800-44C1-B245-81441F067615}"/>
+              </a:ext>
+            </a:extLst>
+          </p:cNvPr>
+          <p:cNvCxnSpPr>
+            <a:cxnSpLocks/>
+            <a:endCxn id="158" idx="0"/>
+          </p:cNvCxnSpPr>
+          <p:nvPr/>
+        </p:nvCxnSpPr>
+        <p:spPr>
+          <a:xfrm rot="16200000" flipH="1">
+            <a:off x="9579380" y="2691085"/>
+            <a:ext cx="1106754" cy="521852"/>
+          </a:xfrm>
+          <a:prstGeom prst="bentConnector3">
+            <a:avLst>
+              <a:gd name="adj1" fmla="val 428"/>
+            </a:avLst>
+          </a:prstGeom>
+          <a:ln w="19050">
+            <a:headEnd type="triangle" w="med" len="med"/>
+            <a:tailEnd type="none" w="med" len="med"/>
+          </a:ln>
+        </p:spPr>
+        <p:style>
+          <a:lnRef idx="1">
+            <a:schemeClr val="accent2"/>
+          </a:lnRef>
+          <a:fillRef idx="0">
+            <a:schemeClr val="accent2"/>
+          </a:fillRef>
+          <a:effectRef idx="0">
+            <a:schemeClr val="accent2"/>
+          </a:effectRef>
+          <a:fontRef idx="minor">
+            <a:schemeClr val="tx1"/>
+          </a:fontRef>
+        </p:style>
+      </p:cxnSp>
+      <p:cxnSp>
+        <p:nvCxnSpPr>
+          <p:cNvPr id="162" name="Connector: Elbow 161">
+            <a:extLst>
+              <a:ext uri="{FF2B5EF4-FFF2-40B4-BE49-F238E27FC236}">
+                <a16:creationId xmlns:a16="http://schemas.microsoft.com/office/drawing/2014/main" id="{30B51B3E-B3ED-4301-8B8B-0592E5DCDB3F}"/>
+              </a:ext>
+            </a:extLst>
+          </p:cNvPr>
+          <p:cNvCxnSpPr>
+            <a:cxnSpLocks/>
+            <a:stCxn id="156" idx="1"/>
+            <a:endCxn id="155" idx="1"/>
+          </p:cNvCxnSpPr>
+          <p:nvPr/>
+        </p:nvCxnSpPr>
+        <p:spPr>
+          <a:xfrm rot="10800000" flipH="1">
+            <a:off x="8501818" y="516018"/>
+            <a:ext cx="229315" cy="1791176"/>
+          </a:xfrm>
+          <a:prstGeom prst="bentConnector3">
+            <a:avLst>
+              <a:gd name="adj1" fmla="val -210453"/>
+            </a:avLst>
+          </a:prstGeom>
+          <a:ln w="19050">
+            <a:headEnd type="triangle" w="med" len="med"/>
+            <a:tailEnd type="none" w="med" len="med"/>
+          </a:ln>
+        </p:spPr>
+        <p:style>
+          <a:lnRef idx="1">
+            <a:schemeClr val="accent2"/>
+          </a:lnRef>
+          <a:fillRef idx="0">
+            <a:schemeClr val="accent2"/>
+          </a:fillRef>
+          <a:effectRef idx="0">
+            <a:schemeClr val="accent2"/>
+          </a:effectRef>
+          <a:fontRef idx="minor">
+            <a:schemeClr val="tx1"/>
+          </a:fontRef>
+        </p:style>
+      </p:cxnSp>
+    </p:spTree>
+    <p:extLst>
+      <p:ext uri="{BB962C8B-B14F-4D97-AF65-F5344CB8AC3E}">
+        <p14:creationId xmlns:p14="http://schemas.microsoft.com/office/powerpoint/2010/main" val="1252245034"/>
+      </p:ext>
+    </p:extLst>
+  </p:cSld>
+  <p:clrMapOvr>
+    <a:masterClrMapping/>
+  </p:clrMapOvr>
+</p:sld>
+</file>
+
+<file path=ppt/slides/slide9.xml><?xml version="1.0" encoding="utf-8"?>
+<p:sld xmlns:a="http://schemas.openxmlformats.org/drawingml/2006/main" xmlns:r="http://schemas.openxmlformats.org/officeDocument/2006/relationships" xmlns:p="http://schemas.openxmlformats.org/presentationml/2006/main">
+  <p:cSld>
+    <p:spTree>
+      <p:nvGrpSpPr>
+        <p:cNvPr id="1" name=""/>
+        <p:cNvGrpSpPr/>
+        <p:nvPr/>
+      </p:nvGrpSpPr>
+      <p:grpSpPr>
+        <a:xfrm>
+          <a:off x="0" y="0"/>
+          <a:ext cx="0" cy="0"/>
+          <a:chOff x="0" y="0"/>
+          <a:chExt cx="0" cy="0"/>
+        </a:xfrm>
+      </p:grpSpPr>
+      <p:sp>
+        <p:nvSpPr>
+          <p:cNvPr id="10" name="Rectangle: Rounded Corners 9">
+            <a:extLst>
+              <a:ext uri="{FF2B5EF4-FFF2-40B4-BE49-F238E27FC236}">
+                <a16:creationId xmlns:a16="http://schemas.microsoft.com/office/drawing/2014/main" id="{64DC03ED-3E0D-4A1E-A2F7-4547D34BDA11}"/>
+              </a:ext>
+            </a:extLst>
+          </p:cNvPr>
+          <p:cNvSpPr/>
+          <p:nvPr/>
+        </p:nvSpPr>
+        <p:spPr>
+          <a:xfrm>
+            <a:off x="528298" y="1250476"/>
+            <a:ext cx="10962005" cy="5265055"/>
+          </a:xfrm>
+          <a:prstGeom prst="roundRect">
+            <a:avLst/>
+          </a:prstGeom>
+          <a:solidFill>
+            <a:schemeClr val="accent3">
+              <a:lumMod val="20000"/>
+              <a:lumOff val="80000"/>
+            </a:schemeClr>
+          </a:solidFill>
+          <a:ln>
+            <a:noFill/>
+          </a:ln>
+        </p:spPr>
+        <p:style>
+          <a:lnRef idx="2">
+            <a:schemeClr val="accent1">
+              <a:shade val="50000"/>
+            </a:schemeClr>
+          </a:lnRef>
+          <a:fillRef idx="1">
+            <a:schemeClr val="accent1"/>
+          </a:fillRef>
+          <a:effectRef idx="0">
+            <a:schemeClr val="accent1"/>
+          </a:effectRef>
+          <a:fontRef idx="minor">
+            <a:schemeClr val="lt1"/>
+          </a:fontRef>
+        </p:style>
+        <p:txBody>
+          <a:bodyPr rtlCol="0" anchor="ctr"/>
+          <a:lstStyle/>
+          <a:p>
+            <a:pPr algn="ctr"/>
+            <a:endParaRPr lang="en-IN" dirty="0"/>
+          </a:p>
+        </p:txBody>
+      </p:sp>
+      <p:sp>
+        <p:nvSpPr>
+          <p:cNvPr id="4" name="Rectangle: Rounded Corners 3">
+            <a:extLst>
+              <a:ext uri="{FF2B5EF4-FFF2-40B4-BE49-F238E27FC236}">
+                <a16:creationId xmlns:a16="http://schemas.microsoft.com/office/drawing/2014/main" id="{80432144-D0B7-43DC-B0C9-AC8C9C9B5155}"/>
+              </a:ext>
+            </a:extLst>
+          </p:cNvPr>
+          <p:cNvSpPr/>
+          <p:nvPr/>
+        </p:nvSpPr>
+        <p:spPr>
+          <a:xfrm>
+            <a:off x="2242583" y="59851"/>
+            <a:ext cx="911382" cy="793750"/>
+          </a:xfrm>
+          <a:prstGeom prst="roundRect">
+            <a:avLst/>
+          </a:prstGeom>
+          <a:solidFill>
+            <a:schemeClr val="accent6">
+              <a:lumMod val="60000"/>
+              <a:lumOff val="40000"/>
+            </a:schemeClr>
+          </a:solidFill>
+        </p:spPr>
+        <p:style>
+          <a:lnRef idx="0">
+            <a:schemeClr val="accent5"/>
+          </a:lnRef>
+          <a:fillRef idx="3">
+            <a:schemeClr val="accent5"/>
+          </a:fillRef>
+          <a:effectRef idx="3">
+            <a:schemeClr val="accent5"/>
+          </a:effectRef>
+          <a:fontRef idx="minor">
+            <a:schemeClr val="lt1"/>
+          </a:fontRef>
+        </p:style>
+        <p:txBody>
+          <a:bodyPr rtlCol="0" anchor="ctr"/>
+          <a:lstStyle/>
+          <a:p>
+            <a:pPr algn="ctr"/>
+            <a:r>
+              <a:rPr lang="en-IN" dirty="0"/>
+              <a:t>Socket Client</a:t>
+            </a:r>
+          </a:p>
+        </p:txBody>
+      </p:sp>
+      <p:sp>
+        <p:nvSpPr>
+          <p:cNvPr id="5" name="Rectangle: Rounded Corners 4">
+            <a:extLst>
+              <a:ext uri="{FF2B5EF4-FFF2-40B4-BE49-F238E27FC236}">
+                <a16:creationId xmlns:a16="http://schemas.microsoft.com/office/drawing/2014/main" id="{0473BE43-4A8F-4968-A86A-132EBA32E177}"/>
+              </a:ext>
+            </a:extLst>
+          </p:cNvPr>
+          <p:cNvSpPr/>
+          <p:nvPr/>
+        </p:nvSpPr>
+        <p:spPr>
+          <a:xfrm>
+            <a:off x="2013268" y="1643064"/>
+            <a:ext cx="1370012" cy="1209675"/>
+          </a:xfrm>
+          <a:prstGeom prst="roundRect">
+            <a:avLst/>
+          </a:prstGeom>
+          <a:solidFill>
+            <a:schemeClr val="accent2">
+              <a:lumMod val="60000"/>
+              <a:lumOff val="40000"/>
+            </a:schemeClr>
+          </a:solidFill>
+        </p:spPr>
+        <p:style>
+          <a:lnRef idx="0">
+            <a:schemeClr val="accent5"/>
+          </a:lnRef>
+          <a:fillRef idx="3">
+            <a:schemeClr val="accent5"/>
+          </a:fillRef>
+          <a:effectRef idx="3">
+            <a:schemeClr val="accent5"/>
+          </a:effectRef>
+          <a:fontRef idx="minor">
+            <a:schemeClr val="lt1"/>
+          </a:fontRef>
+        </p:style>
+        <p:txBody>
+          <a:bodyPr rtlCol="0" anchor="ctr"/>
+          <a:lstStyle/>
+          <a:p>
+            <a:pPr algn="ctr"/>
+            <a:r>
+              <a:rPr lang="en-IN" dirty="0"/>
+              <a:t>Socket Session</a:t>
+            </a:r>
+          </a:p>
+        </p:txBody>
+      </p:sp>
+      <p:sp>
+        <p:nvSpPr>
+          <p:cNvPr id="7" name="Cylinder 6">
+            <a:extLst>
+              <a:ext uri="{FF2B5EF4-FFF2-40B4-BE49-F238E27FC236}">
+                <a16:creationId xmlns:a16="http://schemas.microsoft.com/office/drawing/2014/main" id="{CA61AFFB-ADDF-462E-8714-2D33425157FF}"/>
+              </a:ext>
+            </a:extLst>
+          </p:cNvPr>
+          <p:cNvSpPr/>
+          <p:nvPr/>
+        </p:nvSpPr>
+        <p:spPr>
+          <a:xfrm rot="5400000">
+            <a:off x="2560647" y="3726954"/>
+            <a:ext cx="523875" cy="4216130"/>
+          </a:xfrm>
+          <a:prstGeom prst="can">
+            <a:avLst/>
+          </a:prstGeom>
+        </p:spPr>
+        <p:style>
+          <a:lnRef idx="0">
+            <a:schemeClr val="accent5"/>
+          </a:lnRef>
+          <a:fillRef idx="3">
+            <a:schemeClr val="accent5"/>
+          </a:fillRef>
+          <a:effectRef idx="3">
+            <a:schemeClr val="accent5"/>
+          </a:effectRef>
+          <a:fontRef idx="minor">
+            <a:schemeClr val="lt1"/>
+          </a:fontRef>
+        </p:style>
+        <p:txBody>
+          <a:bodyPr vert="vert270" rtlCol="0" anchor="ctr"/>
+          <a:lstStyle/>
+          <a:p>
+            <a:pPr algn="ctr"/>
+            <a:r>
+              <a:rPr lang="en-IN" dirty="0"/>
+              <a:t>Publish Channel  </a:t>
+            </a:r>
+          </a:p>
+        </p:txBody>
+      </p:sp>
+      <p:sp>
+        <p:nvSpPr>
+          <p:cNvPr id="16" name="Rectangle: Rounded Corners 15">
+            <a:extLst>
+              <a:ext uri="{FF2B5EF4-FFF2-40B4-BE49-F238E27FC236}">
+                <a16:creationId xmlns:a16="http://schemas.microsoft.com/office/drawing/2014/main" id="{A96A5840-F1F7-4050-9486-9140C8A1BD32}"/>
+              </a:ext>
+            </a:extLst>
+          </p:cNvPr>
+          <p:cNvSpPr/>
+          <p:nvPr/>
+        </p:nvSpPr>
+        <p:spPr>
+          <a:xfrm>
+            <a:off x="701697" y="3383281"/>
+            <a:ext cx="1654492" cy="616744"/>
+          </a:xfrm>
+          <a:prstGeom prst="roundRect">
+            <a:avLst/>
+          </a:prstGeom>
+        </p:spPr>
+        <p:style>
+          <a:lnRef idx="0">
+            <a:schemeClr val="accent5"/>
+          </a:lnRef>
+          <a:fillRef idx="3">
+            <a:schemeClr val="accent5"/>
+          </a:fillRef>
+          <a:effectRef idx="3">
+            <a:schemeClr val="accent5"/>
+          </a:effectRef>
+          <a:fontRef idx="minor">
+            <a:schemeClr val="lt1"/>
+          </a:fontRef>
+        </p:style>
+        <p:txBody>
+          <a:bodyPr rtlCol="0" anchor="ctr"/>
+          <a:lstStyle/>
+          <a:p>
+            <a:pPr algn="ctr"/>
+            <a:r>
+              <a:rPr lang="en-IN" sz="1100" dirty="0"/>
+              <a:t>Outbound Flux &lt;</a:t>
+            </a:r>
+            <a:r>
+              <a:rPr lang="en-IN" sz="1100" dirty="0" err="1"/>
+              <a:t>WebSocketMessage</a:t>
+            </a:r>
+            <a:r>
+              <a:rPr lang="en-IN" sz="1100" dirty="0"/>
+              <a:t>&gt;</a:t>
+            </a:r>
+          </a:p>
+        </p:txBody>
+      </p:sp>
+      <p:cxnSp>
+        <p:nvCxnSpPr>
+          <p:cNvPr id="43" name="Straight Arrow Connector 42">
+            <a:extLst>
+              <a:ext uri="{FF2B5EF4-FFF2-40B4-BE49-F238E27FC236}">
+                <a16:creationId xmlns:a16="http://schemas.microsoft.com/office/drawing/2014/main" id="{A298E753-97F6-47ED-8AB1-1DE9A333811A}"/>
+              </a:ext>
+            </a:extLst>
+          </p:cNvPr>
+          <p:cNvCxnSpPr>
+            <a:cxnSpLocks/>
+            <a:endCxn id="16" idx="2"/>
+          </p:cNvCxnSpPr>
+          <p:nvPr/>
+        </p:nvCxnSpPr>
+        <p:spPr>
+          <a:xfrm flipV="1">
+            <a:off x="1528943" y="4000025"/>
+            <a:ext cx="0" cy="1590150"/>
+          </a:xfrm>
+          <a:prstGeom prst="straightConnector1">
+            <a:avLst/>
+          </a:prstGeom>
+          <a:ln w="19050">
+            <a:tailEnd type="triangle"/>
+          </a:ln>
+        </p:spPr>
+        <p:style>
+          <a:lnRef idx="1">
+            <a:schemeClr val="accent2"/>
+          </a:lnRef>
+          <a:fillRef idx="0">
+            <a:schemeClr val="accent2"/>
+          </a:fillRef>
+          <a:effectRef idx="0">
+            <a:schemeClr val="accent2"/>
+          </a:effectRef>
+          <a:fontRef idx="minor">
+            <a:schemeClr val="tx1"/>
+          </a:fontRef>
+        </p:style>
+      </p:cxnSp>
+      <p:cxnSp>
+        <p:nvCxnSpPr>
+          <p:cNvPr id="58" name="Straight Arrow Connector 57">
+            <a:extLst>
+              <a:ext uri="{FF2B5EF4-FFF2-40B4-BE49-F238E27FC236}">
+                <a16:creationId xmlns:a16="http://schemas.microsoft.com/office/drawing/2014/main" id="{9948B1C8-578E-43DC-AC7F-F1EBB88286B9}"/>
+              </a:ext>
+            </a:extLst>
+          </p:cNvPr>
+          <p:cNvCxnSpPr>
+            <a:cxnSpLocks/>
+            <a:stCxn id="60" idx="4"/>
+          </p:cNvCxnSpPr>
+          <p:nvPr/>
+        </p:nvCxnSpPr>
+        <p:spPr>
+          <a:xfrm flipH="1">
+            <a:off x="8078711" y="4776726"/>
+            <a:ext cx="12824" cy="796353"/>
+          </a:xfrm>
+          <a:prstGeom prst="straightConnector1">
+            <a:avLst/>
+          </a:prstGeom>
+          <a:ln w="19050">
+            <a:tailEnd type="triangle"/>
+          </a:ln>
+        </p:spPr>
+        <p:style>
+          <a:lnRef idx="1">
+            <a:schemeClr val="accent2"/>
+          </a:lnRef>
+          <a:fillRef idx="0">
+            <a:schemeClr val="accent2"/>
+          </a:fillRef>
+          <a:effectRef idx="0">
+            <a:schemeClr val="accent2"/>
+          </a:effectRef>
+          <a:fontRef idx="minor">
+            <a:schemeClr val="tx1"/>
+          </a:fontRef>
+        </p:style>
+      </p:cxnSp>
+      <p:sp>
+        <p:nvSpPr>
+          <p:cNvPr id="59" name="Oval 58">
+            <a:extLst>
+              <a:ext uri="{FF2B5EF4-FFF2-40B4-BE49-F238E27FC236}">
+                <a16:creationId xmlns:a16="http://schemas.microsoft.com/office/drawing/2014/main" id="{626321BE-B281-46EB-AC93-279F75EF18A0}"/>
+              </a:ext>
+            </a:extLst>
+          </p:cNvPr>
+          <p:cNvSpPr/>
+          <p:nvPr/>
+        </p:nvSpPr>
+        <p:spPr>
+          <a:xfrm>
+            <a:off x="7914011" y="4189137"/>
+            <a:ext cx="334728" cy="203119"/>
+          </a:xfrm>
+          <a:prstGeom prst="ellipse">
+            <a:avLst/>
+          </a:prstGeom>
+        </p:spPr>
+        <p:style>
+          <a:lnRef idx="0">
+            <a:schemeClr val="accent5"/>
+          </a:lnRef>
+          <a:fillRef idx="3">
+            <a:schemeClr val="accent5"/>
+          </a:fillRef>
+          <a:effectRef idx="3">
+            <a:schemeClr val="accent5"/>
+          </a:effectRef>
+          <a:fontRef idx="minor">
+            <a:schemeClr val="lt1"/>
+          </a:fontRef>
+        </p:style>
+        <p:txBody>
+          <a:bodyPr rtlCol="0" anchor="ctr"/>
+          <a:lstStyle/>
+          <a:p>
+            <a:pPr algn="ctr"/>
+            <a:endParaRPr lang="en-IN"/>
+          </a:p>
+        </p:txBody>
+      </p:sp>
+      <p:sp>
+        <p:nvSpPr>
+          <p:cNvPr id="60" name="Oval 59">
+            <a:extLst>
+              <a:ext uri="{FF2B5EF4-FFF2-40B4-BE49-F238E27FC236}">
+                <a16:creationId xmlns:a16="http://schemas.microsoft.com/office/drawing/2014/main" id="{C2EAC74F-F12C-46E2-A9F7-4FE5B6F896C6}"/>
+              </a:ext>
+            </a:extLst>
+          </p:cNvPr>
+          <p:cNvSpPr/>
+          <p:nvPr/>
+        </p:nvSpPr>
+        <p:spPr>
+          <a:xfrm>
+            <a:off x="7924171" y="4573607"/>
+            <a:ext cx="334728" cy="203119"/>
+          </a:xfrm>
+          <a:prstGeom prst="ellipse">
+            <a:avLst/>
+          </a:prstGeom>
+        </p:spPr>
+        <p:style>
+          <a:lnRef idx="0">
+            <a:schemeClr val="accent5"/>
+          </a:lnRef>
+          <a:fillRef idx="3">
+            <a:schemeClr val="accent5"/>
+          </a:fillRef>
+          <a:effectRef idx="3">
+            <a:schemeClr val="accent5"/>
+          </a:effectRef>
+          <a:fontRef idx="minor">
+            <a:schemeClr val="lt1"/>
+          </a:fontRef>
+        </p:style>
+        <p:txBody>
+          <a:bodyPr rtlCol="0" anchor="ctr"/>
+          <a:lstStyle/>
+          <a:p>
+            <a:pPr algn="ctr"/>
+            <a:endParaRPr lang="en-IN"/>
+          </a:p>
+        </p:txBody>
+      </p:sp>
+      <p:sp>
+        <p:nvSpPr>
+          <p:cNvPr id="61" name="Cylinder 60">
+            <a:extLst>
+              <a:ext uri="{FF2B5EF4-FFF2-40B4-BE49-F238E27FC236}">
+                <a16:creationId xmlns:a16="http://schemas.microsoft.com/office/drawing/2014/main" id="{AA1080D0-BCC8-4152-982B-63651F00B963}"/>
+              </a:ext>
+            </a:extLst>
+          </p:cNvPr>
+          <p:cNvSpPr/>
+          <p:nvPr/>
+        </p:nvSpPr>
+        <p:spPr>
+          <a:xfrm>
+            <a:off x="6050643" y="3969099"/>
+            <a:ext cx="898054" cy="643193"/>
+          </a:xfrm>
+          <a:prstGeom prst="can">
+            <a:avLst/>
+          </a:prstGeom>
+        </p:spPr>
+        <p:style>
+          <a:lnRef idx="0">
+            <a:schemeClr val="accent5"/>
+          </a:lnRef>
+          <a:fillRef idx="3">
+            <a:schemeClr val="accent5"/>
+          </a:fillRef>
+          <a:effectRef idx="3">
+            <a:schemeClr val="accent5"/>
+          </a:effectRef>
+          <a:fontRef idx="minor">
+            <a:schemeClr val="lt1"/>
+          </a:fontRef>
+        </p:style>
+        <p:txBody>
+          <a:bodyPr rtlCol="0" anchor="ctr"/>
+          <a:lstStyle/>
+          <a:p>
+            <a:pPr algn="ctr"/>
+            <a:r>
+              <a:rPr lang="en-IN" sz="1100" dirty="0"/>
+              <a:t>Socket Session DB</a:t>
+            </a:r>
+          </a:p>
+        </p:txBody>
+      </p:sp>
+      <p:cxnSp>
+        <p:nvCxnSpPr>
+          <p:cNvPr id="62" name="Straight Arrow Connector 61">
+            <a:extLst>
+              <a:ext uri="{FF2B5EF4-FFF2-40B4-BE49-F238E27FC236}">
+                <a16:creationId xmlns:a16="http://schemas.microsoft.com/office/drawing/2014/main" id="{3093FA57-C721-403A-8AFF-F6B43966E2A9}"/>
+              </a:ext>
+            </a:extLst>
+          </p:cNvPr>
+          <p:cNvCxnSpPr>
+            <a:cxnSpLocks/>
+            <a:stCxn id="59" idx="2"/>
+            <a:endCxn id="61" idx="4"/>
+          </p:cNvCxnSpPr>
+          <p:nvPr/>
+        </p:nvCxnSpPr>
+        <p:spPr>
+          <a:xfrm flipH="1" flipV="1">
+            <a:off x="6948697" y="4290696"/>
+            <a:ext cx="965314" cy="1"/>
+          </a:xfrm>
+          <a:prstGeom prst="straightConnector1">
+            <a:avLst/>
+          </a:prstGeom>
+          <a:ln w="19050">
+            <a:tailEnd type="triangle"/>
+          </a:ln>
+        </p:spPr>
+        <p:style>
+          <a:lnRef idx="1">
+            <a:schemeClr val="accent2"/>
+          </a:lnRef>
+          <a:fillRef idx="0">
+            <a:schemeClr val="accent2"/>
+          </a:fillRef>
+          <a:effectRef idx="0">
+            <a:schemeClr val="accent2"/>
+          </a:effectRef>
+          <a:fontRef idx="minor">
+            <a:schemeClr val="tx1"/>
+          </a:fontRef>
+        </p:style>
+      </p:cxnSp>
+      <p:cxnSp>
+        <p:nvCxnSpPr>
+          <p:cNvPr id="63" name="Straight Arrow Connector 62">
+            <a:extLst>
+              <a:ext uri="{FF2B5EF4-FFF2-40B4-BE49-F238E27FC236}">
+                <a16:creationId xmlns:a16="http://schemas.microsoft.com/office/drawing/2014/main" id="{55D61280-AE32-415F-987C-BF784D4EEF1A}"/>
+              </a:ext>
+            </a:extLst>
+          </p:cNvPr>
+          <p:cNvCxnSpPr>
+            <a:cxnSpLocks/>
+            <a:endCxn id="59" idx="0"/>
+          </p:cNvCxnSpPr>
+          <p:nvPr/>
+        </p:nvCxnSpPr>
+        <p:spPr>
+          <a:xfrm>
+            <a:off x="8078711" y="4045744"/>
+            <a:ext cx="2664" cy="143393"/>
+          </a:xfrm>
+          <a:prstGeom prst="straightConnector1">
+            <a:avLst/>
+          </a:prstGeom>
+          <a:ln w="19050">
+            <a:tailEnd type="triangle"/>
+          </a:ln>
+        </p:spPr>
+        <p:style>
+          <a:lnRef idx="1">
+            <a:schemeClr val="accent2"/>
+          </a:lnRef>
+          <a:fillRef idx="0">
+            <a:schemeClr val="accent2"/>
+          </a:fillRef>
+          <a:effectRef idx="0">
+            <a:schemeClr val="accent2"/>
+          </a:effectRef>
+          <a:fontRef idx="minor">
+            <a:schemeClr val="tx1"/>
+          </a:fontRef>
+        </p:style>
+      </p:cxnSp>
+      <p:cxnSp>
+        <p:nvCxnSpPr>
+          <p:cNvPr id="64" name="Straight Arrow Connector 63">
+            <a:extLst>
+              <a:ext uri="{FF2B5EF4-FFF2-40B4-BE49-F238E27FC236}">
+                <a16:creationId xmlns:a16="http://schemas.microsoft.com/office/drawing/2014/main" id="{6E03D7BA-7990-48DE-990D-8AA0CD59C55A}"/>
+              </a:ext>
+            </a:extLst>
+          </p:cNvPr>
+          <p:cNvCxnSpPr>
+            <a:cxnSpLocks/>
+            <a:stCxn id="59" idx="4"/>
+            <a:endCxn id="60" idx="0"/>
+          </p:cNvCxnSpPr>
+          <p:nvPr/>
+        </p:nvCxnSpPr>
+        <p:spPr>
+          <a:xfrm>
+            <a:off x="8081375" y="4392256"/>
+            <a:ext cx="10160" cy="181351"/>
+          </a:xfrm>
+          <a:prstGeom prst="straightConnector1">
+            <a:avLst/>
+          </a:prstGeom>
+          <a:ln w="19050">
+            <a:tailEnd type="triangle"/>
+          </a:ln>
+        </p:spPr>
+        <p:style>
+          <a:lnRef idx="1">
+            <a:schemeClr val="accent2"/>
+          </a:lnRef>
+          <a:fillRef idx="0">
+            <a:schemeClr val="accent2"/>
+          </a:fillRef>
+          <a:effectRef idx="0">
+            <a:schemeClr val="accent2"/>
+          </a:effectRef>
+          <a:fontRef idx="minor">
+            <a:schemeClr val="tx1"/>
+          </a:fontRef>
+        </p:style>
+      </p:cxnSp>
+      <p:cxnSp>
+        <p:nvCxnSpPr>
+          <p:cNvPr id="65" name="Straight Arrow Connector 64">
+            <a:extLst>
+              <a:ext uri="{FF2B5EF4-FFF2-40B4-BE49-F238E27FC236}">
+                <a16:creationId xmlns:a16="http://schemas.microsoft.com/office/drawing/2014/main" id="{8EC22292-00C4-4ED1-BD0D-4D23CB1D418C}"/>
+              </a:ext>
+            </a:extLst>
+          </p:cNvPr>
+          <p:cNvCxnSpPr>
+            <a:cxnSpLocks/>
+            <a:endCxn id="158" idx="2"/>
+          </p:cNvCxnSpPr>
+          <p:nvPr/>
+        </p:nvCxnSpPr>
+        <p:spPr>
+          <a:xfrm flipV="1">
+            <a:off x="10380859" y="4122132"/>
+            <a:ext cx="12824" cy="1468043"/>
+          </a:xfrm>
+          <a:prstGeom prst="straightConnector1">
+            <a:avLst/>
+          </a:prstGeom>
+          <a:ln w="19050">
+            <a:tailEnd type="triangle"/>
+          </a:ln>
+        </p:spPr>
+        <p:style>
+          <a:lnRef idx="1">
+            <a:schemeClr val="accent2"/>
+          </a:lnRef>
+          <a:fillRef idx="0">
+            <a:schemeClr val="accent2"/>
+          </a:fillRef>
+          <a:effectRef idx="0">
+            <a:schemeClr val="accent2"/>
+          </a:effectRef>
+          <a:fontRef idx="minor">
+            <a:schemeClr val="tx1"/>
+          </a:fontRef>
+        </p:style>
+      </p:cxnSp>
+      <p:sp>
+        <p:nvSpPr>
+          <p:cNvPr id="74" name="Rectangle: Rounded Corners 73">
+            <a:extLst>
+              <a:ext uri="{FF2B5EF4-FFF2-40B4-BE49-F238E27FC236}">
+                <a16:creationId xmlns:a16="http://schemas.microsoft.com/office/drawing/2014/main" id="{86D7ECCF-D162-45E2-826E-3DE4C6FD88DC}"/>
+              </a:ext>
+            </a:extLst>
+          </p:cNvPr>
+          <p:cNvSpPr/>
+          <p:nvPr/>
+        </p:nvSpPr>
+        <p:spPr>
+          <a:xfrm>
+            <a:off x="3077886" y="3446096"/>
+            <a:ext cx="1654492" cy="616744"/>
+          </a:xfrm>
+          <a:prstGeom prst="roundRect">
+            <a:avLst/>
+          </a:prstGeom>
+        </p:spPr>
+        <p:style>
+          <a:lnRef idx="0">
+            <a:schemeClr val="accent5"/>
+          </a:lnRef>
+          <a:fillRef idx="3">
+            <a:schemeClr val="accent5"/>
+          </a:fillRef>
+          <a:effectRef idx="3">
+            <a:schemeClr val="accent5"/>
+          </a:effectRef>
+          <a:fontRef idx="minor">
+            <a:schemeClr val="lt1"/>
+          </a:fontRef>
+        </p:style>
+        <p:txBody>
+          <a:bodyPr rtlCol="0" anchor="ctr"/>
+          <a:lstStyle/>
+          <a:p>
+            <a:pPr algn="ctr"/>
+            <a:r>
+              <a:rPr lang="en-IN" sz="1100" dirty="0"/>
+              <a:t>Inbound Flux &lt;</a:t>
+            </a:r>
+            <a:r>
+              <a:rPr lang="en-IN" sz="1100" dirty="0" err="1"/>
+              <a:t>WebSocketMessage</a:t>
+            </a:r>
+            <a:r>
+              <a:rPr lang="en-IN" sz="1100" dirty="0"/>
+              <a:t>&gt;</a:t>
+            </a:r>
+          </a:p>
+        </p:txBody>
+      </p:sp>
+      <p:cxnSp>
+        <p:nvCxnSpPr>
+          <p:cNvPr id="76" name="Straight Arrow Connector 75">
+            <a:extLst>
+              <a:ext uri="{FF2B5EF4-FFF2-40B4-BE49-F238E27FC236}">
+                <a16:creationId xmlns:a16="http://schemas.microsoft.com/office/drawing/2014/main" id="{4D203AF1-8960-4E83-83F5-4AB7E64F4C39}"/>
+              </a:ext>
+            </a:extLst>
+          </p:cNvPr>
+          <p:cNvCxnSpPr>
+            <a:cxnSpLocks/>
+            <a:stCxn id="78" idx="4"/>
+          </p:cNvCxnSpPr>
+          <p:nvPr/>
+        </p:nvCxnSpPr>
+        <p:spPr>
+          <a:xfrm>
+            <a:off x="3917956" y="4793822"/>
+            <a:ext cx="0" cy="796353"/>
+          </a:xfrm>
+          <a:prstGeom prst="straightConnector1">
+            <a:avLst/>
+          </a:prstGeom>
+          <a:ln w="19050">
+            <a:tailEnd type="triangle"/>
+          </a:ln>
+        </p:spPr>
+        <p:style>
+          <a:lnRef idx="1">
+            <a:schemeClr val="accent2"/>
+          </a:lnRef>
+          <a:fillRef idx="0">
+            <a:schemeClr val="accent2"/>
+          </a:fillRef>
+          <a:effectRef idx="0">
+            <a:schemeClr val="accent2"/>
+          </a:effectRef>
+          <a:fontRef idx="minor">
+            <a:schemeClr val="tx1"/>
+          </a:fontRef>
+        </p:style>
+      </p:cxnSp>
+      <p:sp>
+        <p:nvSpPr>
+          <p:cNvPr id="77" name="Oval 76">
+            <a:extLst>
+              <a:ext uri="{FF2B5EF4-FFF2-40B4-BE49-F238E27FC236}">
+                <a16:creationId xmlns:a16="http://schemas.microsoft.com/office/drawing/2014/main" id="{09F5A7B3-FC21-40B6-BD34-DB13462D0E46}"/>
+              </a:ext>
+            </a:extLst>
+          </p:cNvPr>
+          <p:cNvSpPr/>
+          <p:nvPr/>
+        </p:nvSpPr>
+        <p:spPr>
+          <a:xfrm>
+            <a:off x="3740432" y="4206233"/>
+            <a:ext cx="334728" cy="203119"/>
+          </a:xfrm>
+          <a:prstGeom prst="ellipse">
+            <a:avLst/>
+          </a:prstGeom>
+        </p:spPr>
+        <p:style>
+          <a:lnRef idx="0">
+            <a:schemeClr val="accent5"/>
+          </a:lnRef>
+          <a:fillRef idx="3">
+            <a:schemeClr val="accent5"/>
+          </a:fillRef>
+          <a:effectRef idx="3">
+            <a:schemeClr val="accent5"/>
+          </a:effectRef>
+          <a:fontRef idx="minor">
+            <a:schemeClr val="lt1"/>
+          </a:fontRef>
+        </p:style>
+        <p:txBody>
+          <a:bodyPr rtlCol="0" anchor="ctr"/>
+          <a:lstStyle/>
+          <a:p>
+            <a:pPr algn="ctr"/>
+            <a:endParaRPr lang="en-IN"/>
+          </a:p>
+        </p:txBody>
+      </p:sp>
+      <p:sp>
+        <p:nvSpPr>
+          <p:cNvPr id="78" name="Oval 77">
+            <a:extLst>
+              <a:ext uri="{FF2B5EF4-FFF2-40B4-BE49-F238E27FC236}">
+                <a16:creationId xmlns:a16="http://schemas.microsoft.com/office/drawing/2014/main" id="{2B860D40-658A-41B4-A160-F8B02C3C7BE4}"/>
+              </a:ext>
+            </a:extLst>
+          </p:cNvPr>
+          <p:cNvSpPr/>
+          <p:nvPr/>
+        </p:nvSpPr>
+        <p:spPr>
+          <a:xfrm>
+            <a:off x="3750592" y="4590703"/>
+            <a:ext cx="334728" cy="203119"/>
+          </a:xfrm>
+          <a:prstGeom prst="ellipse">
+            <a:avLst/>
+          </a:prstGeom>
+        </p:spPr>
+        <p:style>
+          <a:lnRef idx="0">
+            <a:schemeClr val="accent5"/>
+          </a:lnRef>
+          <a:fillRef idx="3">
+            <a:schemeClr val="accent5"/>
+          </a:fillRef>
+          <a:effectRef idx="3">
+            <a:schemeClr val="accent5"/>
+          </a:effectRef>
+          <a:fontRef idx="minor">
+            <a:schemeClr val="lt1"/>
+          </a:fontRef>
+        </p:style>
+        <p:txBody>
+          <a:bodyPr rtlCol="0" anchor="ctr"/>
+          <a:lstStyle/>
+          <a:p>
+            <a:pPr algn="ctr"/>
+            <a:endParaRPr lang="en-IN"/>
+          </a:p>
+        </p:txBody>
+      </p:sp>
+      <p:cxnSp>
+        <p:nvCxnSpPr>
+          <p:cNvPr id="80" name="Straight Arrow Connector 79">
+            <a:extLst>
+              <a:ext uri="{FF2B5EF4-FFF2-40B4-BE49-F238E27FC236}">
+                <a16:creationId xmlns:a16="http://schemas.microsoft.com/office/drawing/2014/main" id="{29018953-0A47-4E2D-9298-0D5774852978}"/>
+              </a:ext>
+            </a:extLst>
+          </p:cNvPr>
+          <p:cNvCxnSpPr>
+            <a:cxnSpLocks/>
+            <a:stCxn id="77" idx="6"/>
+            <a:endCxn id="61" idx="2"/>
+          </p:cNvCxnSpPr>
+          <p:nvPr/>
+        </p:nvCxnSpPr>
+        <p:spPr>
+          <a:xfrm flipV="1">
+            <a:off x="4075160" y="4290696"/>
+            <a:ext cx="1975483" cy="17097"/>
+          </a:xfrm>
+          <a:prstGeom prst="straightConnector1">
+            <a:avLst/>
+          </a:prstGeom>
+          <a:ln w="19050">
+            <a:tailEnd type="triangle"/>
+          </a:ln>
+        </p:spPr>
+        <p:style>
+          <a:lnRef idx="1">
+            <a:schemeClr val="accent2"/>
+          </a:lnRef>
+          <a:fillRef idx="0">
+            <a:schemeClr val="accent2"/>
+          </a:fillRef>
+          <a:effectRef idx="0">
+            <a:schemeClr val="accent2"/>
+          </a:effectRef>
+          <a:fontRef idx="minor">
+            <a:schemeClr val="tx1"/>
+          </a:fontRef>
+        </p:style>
+      </p:cxnSp>
+      <p:cxnSp>
+        <p:nvCxnSpPr>
+          <p:cNvPr id="81" name="Straight Arrow Connector 80">
+            <a:extLst>
+              <a:ext uri="{FF2B5EF4-FFF2-40B4-BE49-F238E27FC236}">
+                <a16:creationId xmlns:a16="http://schemas.microsoft.com/office/drawing/2014/main" id="{1EA5CBCD-41FE-4BC4-84B3-DD2B69096672}"/>
+              </a:ext>
+            </a:extLst>
+          </p:cNvPr>
+          <p:cNvCxnSpPr>
+            <a:cxnSpLocks/>
+            <a:stCxn id="74" idx="2"/>
+            <a:endCxn id="77" idx="0"/>
+          </p:cNvCxnSpPr>
+          <p:nvPr/>
+        </p:nvCxnSpPr>
+        <p:spPr>
+          <a:xfrm>
+            <a:off x="3905132" y="4062840"/>
+            <a:ext cx="2664" cy="143393"/>
+          </a:xfrm>
+          <a:prstGeom prst="straightConnector1">
+            <a:avLst/>
+          </a:prstGeom>
+          <a:ln w="19050">
+            <a:tailEnd type="triangle"/>
+          </a:ln>
+        </p:spPr>
+        <p:style>
+          <a:lnRef idx="1">
+            <a:schemeClr val="accent2"/>
+          </a:lnRef>
+          <a:fillRef idx="0">
+            <a:schemeClr val="accent2"/>
+          </a:fillRef>
+          <a:effectRef idx="0">
+            <a:schemeClr val="accent2"/>
+          </a:effectRef>
+          <a:fontRef idx="minor">
+            <a:schemeClr val="tx1"/>
+          </a:fontRef>
+        </p:style>
+      </p:cxnSp>
+      <p:cxnSp>
+        <p:nvCxnSpPr>
+          <p:cNvPr id="82" name="Straight Arrow Connector 81">
+            <a:extLst>
+              <a:ext uri="{FF2B5EF4-FFF2-40B4-BE49-F238E27FC236}">
+                <a16:creationId xmlns:a16="http://schemas.microsoft.com/office/drawing/2014/main" id="{F907522C-BF4B-4234-A1B3-48892DC526E4}"/>
+              </a:ext>
+            </a:extLst>
+          </p:cNvPr>
+          <p:cNvCxnSpPr>
+            <a:cxnSpLocks/>
+            <a:stCxn id="77" idx="4"/>
+            <a:endCxn id="78" idx="0"/>
+          </p:cNvCxnSpPr>
+          <p:nvPr/>
+        </p:nvCxnSpPr>
+        <p:spPr>
+          <a:xfrm>
+            <a:off x="3907796" y="4409352"/>
+            <a:ext cx="10160" cy="181351"/>
+          </a:xfrm>
+          <a:prstGeom prst="straightConnector1">
+            <a:avLst/>
+          </a:prstGeom>
+          <a:ln w="19050">
+            <a:tailEnd type="triangle"/>
+          </a:ln>
+        </p:spPr>
+        <p:style>
+          <a:lnRef idx="1">
+            <a:schemeClr val="accent2"/>
+          </a:lnRef>
+          <a:fillRef idx="0">
+            <a:schemeClr val="accent2"/>
+          </a:fillRef>
+          <a:effectRef idx="0">
+            <a:schemeClr val="accent2"/>
+          </a:effectRef>
+          <a:fontRef idx="minor">
+            <a:schemeClr val="tx1"/>
+          </a:fontRef>
+        </p:style>
+      </p:cxnSp>
+      <p:cxnSp>
+        <p:nvCxnSpPr>
+          <p:cNvPr id="103" name="Connector: Elbow 102">
+            <a:extLst>
+              <a:ext uri="{FF2B5EF4-FFF2-40B4-BE49-F238E27FC236}">
+                <a16:creationId xmlns:a16="http://schemas.microsoft.com/office/drawing/2014/main" id="{7515F49E-5692-44DB-BA97-8ED9554B2D4E}"/>
+              </a:ext>
+            </a:extLst>
+          </p:cNvPr>
+          <p:cNvCxnSpPr>
+            <a:cxnSpLocks/>
+            <a:stCxn id="4" idx="3"/>
+            <a:endCxn id="5" idx="3"/>
+          </p:cNvCxnSpPr>
+          <p:nvPr/>
+        </p:nvCxnSpPr>
+        <p:spPr>
+          <a:xfrm>
+            <a:off x="3153965" y="456726"/>
+            <a:ext cx="229315" cy="1791176"/>
+          </a:xfrm>
+          <a:prstGeom prst="bentConnector3">
+            <a:avLst>
+              <a:gd name="adj1" fmla="val 323745"/>
+            </a:avLst>
+          </a:prstGeom>
+          <a:ln w="19050">
+            <a:tailEnd type="triangle"/>
+          </a:ln>
+        </p:spPr>
+        <p:style>
+          <a:lnRef idx="1">
+            <a:schemeClr val="accent2"/>
+          </a:lnRef>
+          <a:fillRef idx="0">
+            <a:schemeClr val="accent2"/>
+          </a:fillRef>
+          <a:effectRef idx="0">
+            <a:schemeClr val="accent2"/>
+          </a:effectRef>
+          <a:fontRef idx="minor">
+            <a:schemeClr val="tx1"/>
+          </a:fontRef>
+        </p:style>
+      </p:cxnSp>
+      <p:cxnSp>
+        <p:nvCxnSpPr>
+          <p:cNvPr id="105" name="Connector: Elbow 104">
+            <a:extLst>
+              <a:ext uri="{FF2B5EF4-FFF2-40B4-BE49-F238E27FC236}">
+                <a16:creationId xmlns:a16="http://schemas.microsoft.com/office/drawing/2014/main" id="{AEFC444C-CDC3-4C20-B5A1-FD9E822CDB82}"/>
+              </a:ext>
+            </a:extLst>
+          </p:cNvPr>
+          <p:cNvCxnSpPr>
+            <a:cxnSpLocks/>
+            <a:endCxn id="16" idx="0"/>
+          </p:cNvCxnSpPr>
+          <p:nvPr/>
+        </p:nvCxnSpPr>
+        <p:spPr>
+          <a:xfrm rot="5400000">
+            <a:off x="1284698" y="2654707"/>
+            <a:ext cx="972819" cy="484328"/>
+          </a:xfrm>
+          <a:prstGeom prst="bentConnector3">
+            <a:avLst>
+              <a:gd name="adj1" fmla="val -130"/>
+            </a:avLst>
+          </a:prstGeom>
+          <a:ln w="19050">
+            <a:headEnd type="triangle" w="med" len="med"/>
+            <a:tailEnd type="none" w="med" len="med"/>
+          </a:ln>
+        </p:spPr>
+        <p:style>
+          <a:lnRef idx="1">
+            <a:schemeClr val="accent2"/>
+          </a:lnRef>
+          <a:fillRef idx="0">
+            <a:schemeClr val="accent2"/>
+          </a:fillRef>
+          <a:effectRef idx="0">
+            <a:schemeClr val="accent2"/>
+          </a:effectRef>
+          <a:fontRef idx="minor">
+            <a:schemeClr val="tx1"/>
+          </a:fontRef>
+        </p:style>
+      </p:cxnSp>
+      <p:cxnSp>
+        <p:nvCxnSpPr>
+          <p:cNvPr id="114" name="Connector: Elbow 113">
+            <a:extLst>
+              <a:ext uri="{FF2B5EF4-FFF2-40B4-BE49-F238E27FC236}">
+                <a16:creationId xmlns:a16="http://schemas.microsoft.com/office/drawing/2014/main" id="{79B4FC4A-CD43-4AD9-B112-E34A8ACCA3C7}"/>
+              </a:ext>
+            </a:extLst>
+          </p:cNvPr>
+          <p:cNvCxnSpPr>
+            <a:cxnSpLocks/>
+            <a:endCxn id="74" idx="0"/>
+          </p:cNvCxnSpPr>
+          <p:nvPr/>
+        </p:nvCxnSpPr>
+        <p:spPr>
+          <a:xfrm rot="16200000" flipH="1">
+            <a:off x="3090829" y="2631793"/>
+            <a:ext cx="1106754" cy="521852"/>
+          </a:xfrm>
+          <a:prstGeom prst="bentConnector3">
+            <a:avLst>
+              <a:gd name="adj1" fmla="val 7772"/>
+            </a:avLst>
+          </a:prstGeom>
+          <a:ln w="19050">
+            <a:tailEnd type="triangle"/>
+          </a:ln>
+        </p:spPr>
+        <p:style>
+          <a:lnRef idx="1">
+            <a:schemeClr val="accent2"/>
+          </a:lnRef>
+          <a:fillRef idx="0">
+            <a:schemeClr val="accent2"/>
+          </a:fillRef>
+          <a:effectRef idx="0">
+            <a:schemeClr val="accent2"/>
+          </a:effectRef>
+          <a:fontRef idx="minor">
+            <a:schemeClr val="tx1"/>
+          </a:fontRef>
+        </p:style>
+      </p:cxnSp>
+      <p:cxnSp>
+        <p:nvCxnSpPr>
+          <p:cNvPr id="120" name="Connector: Elbow 119">
+            <a:extLst>
+              <a:ext uri="{FF2B5EF4-FFF2-40B4-BE49-F238E27FC236}">
+                <a16:creationId xmlns:a16="http://schemas.microsoft.com/office/drawing/2014/main" id="{4A531A50-5A06-4639-B8BE-C5BE5084D01B}"/>
+              </a:ext>
+            </a:extLst>
+          </p:cNvPr>
+          <p:cNvCxnSpPr>
+            <a:cxnSpLocks/>
+            <a:stCxn id="5" idx="1"/>
+            <a:endCxn id="4" idx="1"/>
+          </p:cNvCxnSpPr>
+          <p:nvPr/>
+        </p:nvCxnSpPr>
+        <p:spPr>
+          <a:xfrm rot="10800000" flipH="1">
+            <a:off x="2013267" y="456726"/>
+            <a:ext cx="229315" cy="1791176"/>
+          </a:xfrm>
+          <a:prstGeom prst="bentConnector3">
+            <a:avLst>
+              <a:gd name="adj1" fmla="val -210453"/>
+            </a:avLst>
+          </a:prstGeom>
+          <a:ln w="19050">
+            <a:tailEnd type="triangle"/>
+          </a:ln>
+        </p:spPr>
+        <p:style>
+          <a:lnRef idx="1">
+            <a:schemeClr val="accent2"/>
+          </a:lnRef>
+          <a:fillRef idx="0">
+            <a:schemeClr val="accent2"/>
+          </a:fillRef>
+          <a:effectRef idx="0">
+            <a:schemeClr val="accent2"/>
+          </a:effectRef>
+          <a:fontRef idx="minor">
+            <a:schemeClr val="tx1"/>
+          </a:fontRef>
+        </p:style>
+      </p:cxnSp>
+      <p:sp>
+        <p:nvSpPr>
+          <p:cNvPr id="155" name="Rectangle: Rounded Corners 154">
+            <a:extLst>
+              <a:ext uri="{FF2B5EF4-FFF2-40B4-BE49-F238E27FC236}">
+                <a16:creationId xmlns:a16="http://schemas.microsoft.com/office/drawing/2014/main" id="{C252D29B-3AB2-4C3C-B907-829BF03533F6}"/>
+              </a:ext>
+            </a:extLst>
+          </p:cNvPr>
+          <p:cNvSpPr/>
+          <p:nvPr/>
+        </p:nvSpPr>
+        <p:spPr>
+          <a:xfrm>
+            <a:off x="8731134" y="119143"/>
+            <a:ext cx="911382" cy="793750"/>
+          </a:xfrm>
+          <a:prstGeom prst="roundRect">
+            <a:avLst/>
+          </a:prstGeom>
+          <a:solidFill>
+            <a:schemeClr val="accent6">
+              <a:lumMod val="60000"/>
+              <a:lumOff val="40000"/>
+            </a:schemeClr>
+          </a:solidFill>
+        </p:spPr>
+        <p:style>
+          <a:lnRef idx="0">
+            <a:schemeClr val="accent5"/>
+          </a:lnRef>
+          <a:fillRef idx="3">
+            <a:schemeClr val="accent5"/>
+          </a:fillRef>
+          <a:effectRef idx="3">
+            <a:schemeClr val="accent5"/>
+          </a:effectRef>
+          <a:fontRef idx="minor">
+            <a:schemeClr val="lt1"/>
+          </a:fontRef>
+        </p:style>
+        <p:txBody>
+          <a:bodyPr rtlCol="0" anchor="ctr"/>
+          <a:lstStyle/>
+          <a:p>
+            <a:pPr algn="ctr"/>
+            <a:r>
+              <a:rPr lang="en-IN" dirty="0"/>
+              <a:t>Socket Client</a:t>
+            </a:r>
+          </a:p>
+        </p:txBody>
+      </p:sp>
+      <p:sp>
+        <p:nvSpPr>
+          <p:cNvPr id="156" name="Rectangle: Rounded Corners 155">
+            <a:extLst>
+              <a:ext uri="{FF2B5EF4-FFF2-40B4-BE49-F238E27FC236}">
+                <a16:creationId xmlns:a16="http://schemas.microsoft.com/office/drawing/2014/main" id="{4F5950D1-F650-42FC-92A5-FA5B526B9F7A}"/>
+              </a:ext>
+            </a:extLst>
+          </p:cNvPr>
+          <p:cNvSpPr/>
+          <p:nvPr/>
+        </p:nvSpPr>
+        <p:spPr>
+          <a:xfrm>
+            <a:off x="8501819" y="1702356"/>
+            <a:ext cx="1370012" cy="1209675"/>
+          </a:xfrm>
+          <a:prstGeom prst="roundRect">
+            <a:avLst/>
+          </a:prstGeom>
+          <a:solidFill>
+            <a:schemeClr val="accent2">
+              <a:lumMod val="60000"/>
+              <a:lumOff val="40000"/>
+            </a:schemeClr>
+          </a:solidFill>
+        </p:spPr>
+        <p:style>
+          <a:lnRef idx="0">
+            <a:schemeClr val="accent5"/>
+          </a:lnRef>
+          <a:fillRef idx="3">
+            <a:schemeClr val="accent5"/>
+          </a:fillRef>
+          <a:effectRef idx="3">
+            <a:schemeClr val="accent5"/>
+          </a:effectRef>
+          <a:fontRef idx="minor">
+            <a:schemeClr val="lt1"/>
+          </a:fontRef>
+        </p:style>
+        <p:txBody>
+          <a:bodyPr rtlCol="0" anchor="ctr"/>
+          <a:lstStyle/>
+          <a:p>
+            <a:pPr algn="ctr"/>
+            <a:r>
+              <a:rPr lang="en-IN" dirty="0"/>
+              <a:t>Socket Session</a:t>
+            </a:r>
+          </a:p>
+        </p:txBody>
+      </p:sp>
+      <p:sp>
+        <p:nvSpPr>
+          <p:cNvPr id="157" name="Rectangle: Rounded Corners 156">
+            <a:extLst>
+              <a:ext uri="{FF2B5EF4-FFF2-40B4-BE49-F238E27FC236}">
+                <a16:creationId xmlns:a16="http://schemas.microsoft.com/office/drawing/2014/main" id="{50B00332-3E41-4256-A448-6C44453F737A}"/>
+              </a:ext>
+            </a:extLst>
+          </p:cNvPr>
+          <p:cNvSpPr/>
+          <p:nvPr/>
+        </p:nvSpPr>
+        <p:spPr>
+          <a:xfrm>
+            <a:off x="7190248" y="3442573"/>
+            <a:ext cx="1654492" cy="616744"/>
+          </a:xfrm>
+          <a:prstGeom prst="roundRect">
+            <a:avLst/>
+          </a:prstGeom>
+        </p:spPr>
+        <p:style>
+          <a:lnRef idx="0">
+            <a:schemeClr val="accent5"/>
+          </a:lnRef>
+          <a:fillRef idx="3">
+            <a:schemeClr val="accent5"/>
+          </a:fillRef>
+          <a:effectRef idx="3">
+            <a:schemeClr val="accent5"/>
+          </a:effectRef>
+          <a:fontRef idx="minor">
+            <a:schemeClr val="lt1"/>
+          </a:fontRef>
+        </p:style>
+        <p:txBody>
+          <a:bodyPr rtlCol="0" anchor="ctr"/>
+          <a:lstStyle/>
+          <a:p>
+            <a:pPr algn="ctr"/>
+            <a:r>
+              <a:rPr lang="en-IN" sz="1100" dirty="0"/>
+              <a:t>Inbound Flux &lt;</a:t>
+            </a:r>
+            <a:r>
+              <a:rPr lang="en-IN" sz="1100" dirty="0" err="1"/>
+              <a:t>WebSocketMessage</a:t>
+            </a:r>
+            <a:r>
+              <a:rPr lang="en-IN" sz="1100" dirty="0"/>
+              <a:t>&gt;</a:t>
+            </a:r>
+          </a:p>
+          <a:p>
+            <a:pPr algn="ctr"/>
+            <a:endParaRPr lang="en-IN" sz="1100" dirty="0"/>
+          </a:p>
+        </p:txBody>
+      </p:sp>
+      <p:sp>
+        <p:nvSpPr>
+          <p:cNvPr id="158" name="Rectangle: Rounded Corners 157">
+            <a:extLst>
+              <a:ext uri="{FF2B5EF4-FFF2-40B4-BE49-F238E27FC236}">
+                <a16:creationId xmlns:a16="http://schemas.microsoft.com/office/drawing/2014/main" id="{7FFAD682-0836-4503-AB3E-6DC251AACC16}"/>
+              </a:ext>
+            </a:extLst>
+          </p:cNvPr>
+          <p:cNvSpPr/>
+          <p:nvPr/>
+        </p:nvSpPr>
+        <p:spPr>
+          <a:xfrm>
+            <a:off x="9566437" y="3505388"/>
+            <a:ext cx="1654492" cy="616744"/>
+          </a:xfrm>
+          <a:prstGeom prst="roundRect">
+            <a:avLst/>
+          </a:prstGeom>
+        </p:spPr>
+        <p:style>
+          <a:lnRef idx="0">
+            <a:schemeClr val="accent5"/>
+          </a:lnRef>
+          <a:fillRef idx="3">
+            <a:schemeClr val="accent5"/>
+          </a:fillRef>
+          <a:effectRef idx="3">
+            <a:schemeClr val="accent5"/>
+          </a:effectRef>
+          <a:fontRef idx="minor">
+            <a:schemeClr val="lt1"/>
+          </a:fontRef>
+        </p:style>
+        <p:txBody>
+          <a:bodyPr rtlCol="0" anchor="ctr"/>
+          <a:lstStyle/>
+          <a:p>
+            <a:pPr algn="ctr"/>
+            <a:r>
+              <a:rPr lang="en-IN" sz="1100" dirty="0"/>
+              <a:t>Outbound Flux &lt;</a:t>
+            </a:r>
+            <a:r>
+              <a:rPr lang="en-IN" sz="1100" dirty="0" err="1"/>
+              <a:t>WebSocketMessage</a:t>
+            </a:r>
+            <a:r>
+              <a:rPr lang="en-IN" sz="1100" dirty="0"/>
+              <a:t>&gt;</a:t>
+            </a:r>
+          </a:p>
+        </p:txBody>
+      </p:sp>
+      <p:cxnSp>
+        <p:nvCxnSpPr>
+          <p:cNvPr id="159" name="Connector: Elbow 158">
+            <a:extLst>
+              <a:ext uri="{FF2B5EF4-FFF2-40B4-BE49-F238E27FC236}">
+                <a16:creationId xmlns:a16="http://schemas.microsoft.com/office/drawing/2014/main" id="{80CB9C3A-5EAB-4E1E-BF1D-46A43D775677}"/>
+              </a:ext>
+            </a:extLst>
+          </p:cNvPr>
+          <p:cNvCxnSpPr>
+            <a:cxnSpLocks/>
+            <a:stCxn id="155" idx="3"/>
+            <a:endCxn id="156" idx="3"/>
+          </p:cNvCxnSpPr>
+          <p:nvPr/>
+        </p:nvCxnSpPr>
+        <p:spPr>
+          <a:xfrm>
+            <a:off x="9642516" y="516018"/>
+            <a:ext cx="229315" cy="1791176"/>
+          </a:xfrm>
+          <a:prstGeom prst="bentConnector3">
+            <a:avLst>
+              <a:gd name="adj1" fmla="val 323745"/>
+            </a:avLst>
+          </a:prstGeom>
+          <a:ln w="19050">
+            <a:headEnd type="triangle" w="med" len="med"/>
+            <a:tailEnd type="none" w="med" len="med"/>
+          </a:ln>
+        </p:spPr>
+        <p:style>
+          <a:lnRef idx="1">
+            <a:schemeClr val="accent2"/>
+          </a:lnRef>
+          <a:fillRef idx="0">
+            <a:schemeClr val="accent2"/>
+          </a:fillRef>
+          <a:effectRef idx="0">
+            <a:schemeClr val="accent2"/>
+          </a:effectRef>
+          <a:fontRef idx="minor">
+            <a:schemeClr val="tx1"/>
+          </a:fontRef>
+        </p:style>
+      </p:cxnSp>
+      <p:cxnSp>
+        <p:nvCxnSpPr>
+          <p:cNvPr id="160" name="Connector: Elbow 159">
+            <a:extLst>
+              <a:ext uri="{FF2B5EF4-FFF2-40B4-BE49-F238E27FC236}">
+                <a16:creationId xmlns:a16="http://schemas.microsoft.com/office/drawing/2014/main" id="{6374CE98-BDB1-4E9A-AC6C-C2CAAA3351E3}"/>
+              </a:ext>
+            </a:extLst>
+          </p:cNvPr>
+          <p:cNvCxnSpPr>
+            <a:cxnSpLocks/>
+            <a:endCxn id="157" idx="0"/>
+          </p:cNvCxnSpPr>
+          <p:nvPr/>
+        </p:nvCxnSpPr>
+        <p:spPr>
+          <a:xfrm rot="5400000">
+            <a:off x="7773249" y="2713999"/>
+            <a:ext cx="972819" cy="484328"/>
+          </a:xfrm>
+          <a:prstGeom prst="bentConnector3">
+            <a:avLst>
+              <a:gd name="adj1" fmla="val -130"/>
+            </a:avLst>
+          </a:prstGeom>
+          <a:ln w="19050">
+            <a:headEnd type="none" w="med" len="med"/>
+            <a:tailEnd type="triangle" w="med" len="med"/>
+          </a:ln>
+        </p:spPr>
+        <p:style>
+          <a:lnRef idx="1">
+            <a:schemeClr val="accent2"/>
+          </a:lnRef>
+          <a:fillRef idx="0">
+            <a:schemeClr val="accent2"/>
+          </a:fillRef>
+          <a:effectRef idx="0">
+            <a:schemeClr val="accent2"/>
+          </a:effectRef>
+          <a:fontRef idx="minor">
+            <a:schemeClr val="tx1"/>
+          </a:fontRef>
+        </p:style>
+      </p:cxnSp>
+      <p:cxnSp>
+        <p:nvCxnSpPr>
+          <p:cNvPr id="161" name="Connector: Elbow 160">
+            <a:extLst>
+              <a:ext uri="{FF2B5EF4-FFF2-40B4-BE49-F238E27FC236}">
+                <a16:creationId xmlns:a16="http://schemas.microsoft.com/office/drawing/2014/main" id="{1A9AC8FB-7800-44C1-B245-81441F067615}"/>
+              </a:ext>
+            </a:extLst>
+          </p:cNvPr>
+          <p:cNvCxnSpPr>
+            <a:cxnSpLocks/>
+            <a:endCxn id="158" idx="0"/>
+          </p:cNvCxnSpPr>
+          <p:nvPr/>
+        </p:nvCxnSpPr>
+        <p:spPr>
+          <a:xfrm rot="16200000" flipH="1">
+            <a:off x="9579380" y="2691085"/>
+            <a:ext cx="1106754" cy="521852"/>
+          </a:xfrm>
+          <a:prstGeom prst="bentConnector3">
+            <a:avLst>
+              <a:gd name="adj1" fmla="val 428"/>
+            </a:avLst>
+          </a:prstGeom>
+          <a:ln w="19050">
+            <a:headEnd type="triangle" w="med" len="med"/>
+            <a:tailEnd type="none" w="med" len="med"/>
+          </a:ln>
+        </p:spPr>
+        <p:style>
+          <a:lnRef idx="1">
+            <a:schemeClr val="accent2"/>
+          </a:lnRef>
+          <a:fillRef idx="0">
+            <a:schemeClr val="accent2"/>
+          </a:fillRef>
+          <a:effectRef idx="0">
+            <a:schemeClr val="accent2"/>
+          </a:effectRef>
+          <a:fontRef idx="minor">
+            <a:schemeClr val="tx1"/>
+          </a:fontRef>
+        </p:style>
+      </p:cxnSp>
+      <p:cxnSp>
+        <p:nvCxnSpPr>
+          <p:cNvPr id="162" name="Connector: Elbow 161">
+            <a:extLst>
+              <a:ext uri="{FF2B5EF4-FFF2-40B4-BE49-F238E27FC236}">
+                <a16:creationId xmlns:a16="http://schemas.microsoft.com/office/drawing/2014/main" id="{30B51B3E-B3ED-4301-8B8B-0592E5DCDB3F}"/>
+              </a:ext>
+            </a:extLst>
+          </p:cNvPr>
+          <p:cNvCxnSpPr>
+            <a:cxnSpLocks/>
+            <a:stCxn id="156" idx="1"/>
+            <a:endCxn id="155" idx="1"/>
+          </p:cNvCxnSpPr>
+          <p:nvPr/>
+        </p:nvCxnSpPr>
+        <p:spPr>
+          <a:xfrm rot="10800000" flipH="1">
+            <a:off x="8501818" y="516018"/>
+            <a:ext cx="229315" cy="1791176"/>
+          </a:xfrm>
+          <a:prstGeom prst="bentConnector3">
+            <a:avLst>
+              <a:gd name="adj1" fmla="val -210453"/>
+            </a:avLst>
+          </a:prstGeom>
+          <a:ln w="19050">
+            <a:headEnd type="triangle" w="med" len="med"/>
+            <a:tailEnd type="none" w="med" len="med"/>
+          </a:ln>
+        </p:spPr>
+        <p:style>
+          <a:lnRef idx="1">
+            <a:schemeClr val="accent2"/>
+          </a:lnRef>
+          <a:fillRef idx="0">
+            <a:schemeClr val="accent2"/>
+          </a:fillRef>
+          <a:effectRef idx="0">
+            <a:schemeClr val="accent2"/>
+          </a:effectRef>
+          <a:fontRef idx="minor">
+            <a:schemeClr val="tx1"/>
+          </a:fontRef>
+        </p:style>
+      </p:cxnSp>
+      <p:sp>
+        <p:nvSpPr>
+          <p:cNvPr id="35" name="Cylinder 34">
+            <a:extLst>
+              <a:ext uri="{FF2B5EF4-FFF2-40B4-BE49-F238E27FC236}">
+                <a16:creationId xmlns:a16="http://schemas.microsoft.com/office/drawing/2014/main" id="{AF4D9CCC-3B53-49BC-A4F6-94B8CA6F165B}"/>
+              </a:ext>
+            </a:extLst>
+          </p:cNvPr>
+          <p:cNvSpPr/>
+          <p:nvPr/>
+        </p:nvSpPr>
+        <p:spPr>
+          <a:xfrm rot="5400000">
+            <a:off x="8794825" y="3713489"/>
+            <a:ext cx="523875" cy="4216130"/>
+          </a:xfrm>
+          <a:prstGeom prst="can">
+            <a:avLst/>
+          </a:prstGeom>
+        </p:spPr>
+        <p:style>
+          <a:lnRef idx="0">
+            <a:schemeClr val="accent5"/>
+          </a:lnRef>
+          <a:fillRef idx="3">
+            <a:schemeClr val="accent5"/>
+          </a:fillRef>
+          <a:effectRef idx="3">
+            <a:schemeClr val="accent5"/>
+          </a:effectRef>
+          <a:fontRef idx="minor">
+            <a:schemeClr val="lt1"/>
+          </a:fontRef>
+        </p:style>
+        <p:txBody>
+          <a:bodyPr vert="vert270" rtlCol="0" anchor="ctr"/>
+          <a:lstStyle/>
+          <a:p>
+            <a:pPr algn="ctr"/>
+            <a:r>
+              <a:rPr lang="en-IN" dirty="0"/>
+              <a:t>Subscribe Channel  </a:t>
+            </a:r>
+          </a:p>
+        </p:txBody>
+      </p:sp>
+      <p:sp>
+        <p:nvSpPr>
+          <p:cNvPr id="2" name="Arrow: Striped Right 1">
+            <a:extLst>
+              <a:ext uri="{FF2B5EF4-FFF2-40B4-BE49-F238E27FC236}">
+                <a16:creationId xmlns:a16="http://schemas.microsoft.com/office/drawing/2014/main" id="{91848BB8-0614-42CA-81FD-F42D66113481}"/>
+              </a:ext>
+            </a:extLst>
+          </p:cNvPr>
+          <p:cNvSpPr/>
+          <p:nvPr/>
+        </p:nvSpPr>
+        <p:spPr>
+          <a:xfrm>
+            <a:off x="5103879" y="5634515"/>
+            <a:ext cx="1716021" cy="414783"/>
+          </a:xfrm>
+          <a:prstGeom prst="stripedRightArrow">
+            <a:avLst/>
+          </a:prstGeom>
+        </p:spPr>
+        <p:style>
+          <a:lnRef idx="1">
+            <a:schemeClr val="dk1"/>
+          </a:lnRef>
+          <a:fillRef idx="2">
+            <a:schemeClr val="dk1"/>
+          </a:fillRef>
+          <a:effectRef idx="1">
+            <a:schemeClr val="dk1"/>
+          </a:effectRef>
+          <a:fontRef idx="minor">
+            <a:schemeClr val="dk1"/>
+          </a:fontRef>
+        </p:style>
+        <p:txBody>
+          <a:bodyPr rtlCol="0" anchor="ctr"/>
+          <a:lstStyle/>
+          <a:p>
+            <a:pPr algn="ctr"/>
+            <a:endParaRPr lang="en-IN" dirty="0"/>
+          </a:p>
+        </p:txBody>
+      </p:sp>
+    </p:spTree>
+    <p:extLst>
+      <p:ext uri="{BB962C8B-B14F-4D97-AF65-F5344CB8AC3E}">
+        <p14:creationId xmlns:p14="http://schemas.microsoft.com/office/powerpoint/2010/main" val="2510895838"/>
+      </p:ext>
+    </p:extLst>
+  </p:cSld>
+  <p:clrMapOvr>
+    <a:masterClrMapping/>
+  </p:clrMapOvr>
+</p:sld>
+</file>
+
 <file path=ppt/theme/theme1.xml><?xml version="1.0" encoding="utf-8"?>
 <a:theme xmlns:a="http://schemas.openxmlformats.org/drawingml/2006/main" name="Office Theme">
   <a:themeElements>

--- a/designs.pptx
+++ b/designs.pptx
@@ -14,6 +14,7 @@
     <p:sldId id="262" r:id="rId8"/>
     <p:sldId id="264" r:id="rId9"/>
     <p:sldId id="263" r:id="rId10"/>
+    <p:sldId id="265" r:id="rId11"/>
   </p:sldIdLst>
   <p:sldSz cx="12192000" cy="6858000"/>
   <p:notesSz cx="6858000" cy="9144000"/>
@@ -269,7 +270,7 @@
           <a:p>
             <a:fld id="{C8AF34AE-9B36-471F-88F2-11C9A132E46D}" type="datetimeFigureOut">
               <a:rPr lang="en-IN" smtClean="0"/>
-              <a:t>06-02-2022</a:t>
+              <a:t>07-02-2022</a:t>
             </a:fld>
             <a:endParaRPr lang="en-IN"/>
           </a:p>
@@ -469,7 +470,7 @@
           <a:p>
             <a:fld id="{C8AF34AE-9B36-471F-88F2-11C9A132E46D}" type="datetimeFigureOut">
               <a:rPr lang="en-IN" smtClean="0"/>
-              <a:t>06-02-2022</a:t>
+              <a:t>07-02-2022</a:t>
             </a:fld>
             <a:endParaRPr lang="en-IN"/>
           </a:p>
@@ -679,7 +680,7 @@
           <a:p>
             <a:fld id="{C8AF34AE-9B36-471F-88F2-11C9A132E46D}" type="datetimeFigureOut">
               <a:rPr lang="en-IN" smtClean="0"/>
-              <a:t>06-02-2022</a:t>
+              <a:t>07-02-2022</a:t>
             </a:fld>
             <a:endParaRPr lang="en-IN"/>
           </a:p>
@@ -879,7 +880,7 @@
           <a:p>
             <a:fld id="{C8AF34AE-9B36-471F-88F2-11C9A132E46D}" type="datetimeFigureOut">
               <a:rPr lang="en-IN" smtClean="0"/>
-              <a:t>06-02-2022</a:t>
+              <a:t>07-02-2022</a:t>
             </a:fld>
             <a:endParaRPr lang="en-IN"/>
           </a:p>
@@ -1155,7 +1156,7 @@
           <a:p>
             <a:fld id="{C8AF34AE-9B36-471F-88F2-11C9A132E46D}" type="datetimeFigureOut">
               <a:rPr lang="en-IN" smtClean="0"/>
-              <a:t>06-02-2022</a:t>
+              <a:t>07-02-2022</a:t>
             </a:fld>
             <a:endParaRPr lang="en-IN"/>
           </a:p>
@@ -1423,7 +1424,7 @@
           <a:p>
             <a:fld id="{C8AF34AE-9B36-471F-88F2-11C9A132E46D}" type="datetimeFigureOut">
               <a:rPr lang="en-IN" smtClean="0"/>
-              <a:t>06-02-2022</a:t>
+              <a:t>07-02-2022</a:t>
             </a:fld>
             <a:endParaRPr lang="en-IN"/>
           </a:p>
@@ -1838,7 +1839,7 @@
           <a:p>
             <a:fld id="{C8AF34AE-9B36-471F-88F2-11C9A132E46D}" type="datetimeFigureOut">
               <a:rPr lang="en-IN" smtClean="0"/>
-              <a:t>06-02-2022</a:t>
+              <a:t>07-02-2022</a:t>
             </a:fld>
             <a:endParaRPr lang="en-IN"/>
           </a:p>
@@ -1980,7 +1981,7 @@
           <a:p>
             <a:fld id="{C8AF34AE-9B36-471F-88F2-11C9A132E46D}" type="datetimeFigureOut">
               <a:rPr lang="en-IN" smtClean="0"/>
-              <a:t>06-02-2022</a:t>
+              <a:t>07-02-2022</a:t>
             </a:fld>
             <a:endParaRPr lang="en-IN"/>
           </a:p>
@@ -2093,7 +2094,7 @@
           <a:p>
             <a:fld id="{C8AF34AE-9B36-471F-88F2-11C9A132E46D}" type="datetimeFigureOut">
               <a:rPr lang="en-IN" smtClean="0"/>
-              <a:t>06-02-2022</a:t>
+              <a:t>07-02-2022</a:t>
             </a:fld>
             <a:endParaRPr lang="en-IN"/>
           </a:p>
@@ -2406,7 +2407,7 @@
           <a:p>
             <a:fld id="{C8AF34AE-9B36-471F-88F2-11C9A132E46D}" type="datetimeFigureOut">
               <a:rPr lang="en-IN" smtClean="0"/>
-              <a:t>06-02-2022</a:t>
+              <a:t>07-02-2022</a:t>
             </a:fld>
             <a:endParaRPr lang="en-IN"/>
           </a:p>
@@ -2695,7 +2696,7 @@
           <a:p>
             <a:fld id="{C8AF34AE-9B36-471F-88F2-11C9A132E46D}" type="datetimeFigureOut">
               <a:rPr lang="en-IN" smtClean="0"/>
-              <a:t>06-02-2022</a:t>
+              <a:t>07-02-2022</a:t>
             </a:fld>
             <a:endParaRPr lang="en-IN"/>
           </a:p>
@@ -2938,7 +2939,7 @@
           <a:p>
             <a:fld id="{C8AF34AE-9B36-471F-88F2-11C9A132E46D}" type="datetimeFigureOut">
               <a:rPr lang="en-IN" smtClean="0"/>
-              <a:t>06-02-2022</a:t>
+              <a:t>07-02-2022</a:t>
             </a:fld>
             <a:endParaRPr lang="en-IN"/>
           </a:p>
@@ -3428,6 +3429,2159 @@
 </p:sld>
 </file>
 
+<file path=ppt/slides/slide10.xml><?xml version="1.0" encoding="utf-8"?>
+<p:sld xmlns:a="http://schemas.openxmlformats.org/drawingml/2006/main" xmlns:r="http://schemas.openxmlformats.org/officeDocument/2006/relationships" xmlns:p="http://schemas.openxmlformats.org/presentationml/2006/main">
+  <p:cSld>
+    <p:spTree>
+      <p:nvGrpSpPr>
+        <p:cNvPr id="1" name=""/>
+        <p:cNvGrpSpPr/>
+        <p:nvPr/>
+      </p:nvGrpSpPr>
+      <p:grpSpPr>
+        <a:xfrm>
+          <a:off x="0" y="0"/>
+          <a:ext cx="0" cy="0"/>
+          <a:chOff x="0" y="0"/>
+          <a:chExt cx="0" cy="0"/>
+        </a:xfrm>
+      </p:grpSpPr>
+      <p:sp>
+        <p:nvSpPr>
+          <p:cNvPr id="90" name="Rectangle: Rounded Corners 89">
+            <a:extLst>
+              <a:ext uri="{FF2B5EF4-FFF2-40B4-BE49-F238E27FC236}">
+                <a16:creationId xmlns:a16="http://schemas.microsoft.com/office/drawing/2014/main" id="{5E662926-440E-47BB-9409-CA914CF71A5C}"/>
+              </a:ext>
+            </a:extLst>
+          </p:cNvPr>
+          <p:cNvSpPr/>
+          <p:nvPr/>
+        </p:nvSpPr>
+        <p:spPr>
+          <a:xfrm>
+            <a:off x="266700" y="932948"/>
+            <a:ext cx="11487150" cy="4567738"/>
+          </a:xfrm>
+          <a:prstGeom prst="roundRect">
+            <a:avLst/>
+          </a:prstGeom>
+          <a:solidFill>
+            <a:schemeClr val="accent3">
+              <a:lumMod val="40000"/>
+              <a:lumOff val="60000"/>
+            </a:schemeClr>
+          </a:solidFill>
+          <a:ln>
+            <a:noFill/>
+          </a:ln>
+        </p:spPr>
+        <p:style>
+          <a:lnRef idx="2">
+            <a:schemeClr val="accent1">
+              <a:shade val="50000"/>
+            </a:schemeClr>
+          </a:lnRef>
+          <a:fillRef idx="1">
+            <a:schemeClr val="accent1"/>
+          </a:fillRef>
+          <a:effectRef idx="0">
+            <a:schemeClr val="accent1"/>
+          </a:effectRef>
+          <a:fontRef idx="minor">
+            <a:schemeClr val="lt1"/>
+          </a:fontRef>
+        </p:style>
+        <p:txBody>
+          <a:bodyPr rtlCol="0" anchor="ctr"/>
+          <a:lstStyle/>
+          <a:p>
+            <a:pPr algn="ctr"/>
+            <a:endParaRPr lang="en-IN" dirty="0"/>
+          </a:p>
+        </p:txBody>
+      </p:sp>
+      <p:sp>
+        <p:nvSpPr>
+          <p:cNvPr id="89" name="Rectangle: Rounded Corners 88">
+            <a:extLst>
+              <a:ext uri="{FF2B5EF4-FFF2-40B4-BE49-F238E27FC236}">
+                <a16:creationId xmlns:a16="http://schemas.microsoft.com/office/drawing/2014/main" id="{2C29E075-A922-45D5-B997-1E1CFDE53603}"/>
+              </a:ext>
+            </a:extLst>
+          </p:cNvPr>
+          <p:cNvSpPr/>
+          <p:nvPr/>
+        </p:nvSpPr>
+        <p:spPr>
+          <a:xfrm>
+            <a:off x="528299" y="5532407"/>
+            <a:ext cx="10962004" cy="1294318"/>
+          </a:xfrm>
+          <a:prstGeom prst="roundRect">
+            <a:avLst/>
+          </a:prstGeom>
+          <a:solidFill>
+            <a:schemeClr val="accent4">
+              <a:lumMod val="20000"/>
+              <a:lumOff val="80000"/>
+            </a:schemeClr>
+          </a:solidFill>
+          <a:ln>
+            <a:noFill/>
+          </a:ln>
+        </p:spPr>
+        <p:style>
+          <a:lnRef idx="2">
+            <a:schemeClr val="accent1">
+              <a:shade val="50000"/>
+            </a:schemeClr>
+          </a:lnRef>
+          <a:fillRef idx="1">
+            <a:schemeClr val="accent1"/>
+          </a:fillRef>
+          <a:effectRef idx="0">
+            <a:schemeClr val="accent1"/>
+          </a:effectRef>
+          <a:fontRef idx="minor">
+            <a:schemeClr val="lt1"/>
+          </a:fontRef>
+        </p:style>
+        <p:txBody>
+          <a:bodyPr rtlCol="0" anchor="ctr"/>
+          <a:lstStyle/>
+          <a:p>
+            <a:pPr algn="ctr"/>
+            <a:endParaRPr lang="en-IN" dirty="0"/>
+          </a:p>
+        </p:txBody>
+      </p:sp>
+      <p:sp>
+        <p:nvSpPr>
+          <p:cNvPr id="10" name="Rectangle: Rounded Corners 9">
+            <a:extLst>
+              <a:ext uri="{FF2B5EF4-FFF2-40B4-BE49-F238E27FC236}">
+                <a16:creationId xmlns:a16="http://schemas.microsoft.com/office/drawing/2014/main" id="{64DC03ED-3E0D-4A1E-A2F7-4547D34BDA11}"/>
+              </a:ext>
+            </a:extLst>
+          </p:cNvPr>
+          <p:cNvSpPr/>
+          <p:nvPr/>
+        </p:nvSpPr>
+        <p:spPr>
+          <a:xfrm>
+            <a:off x="528298" y="1183802"/>
+            <a:ext cx="10962005" cy="4269259"/>
+          </a:xfrm>
+          <a:prstGeom prst="roundRect">
+            <a:avLst/>
+          </a:prstGeom>
+          <a:solidFill>
+            <a:schemeClr val="accent3">
+              <a:lumMod val="20000"/>
+              <a:lumOff val="80000"/>
+            </a:schemeClr>
+          </a:solidFill>
+          <a:ln>
+            <a:noFill/>
+          </a:ln>
+        </p:spPr>
+        <p:style>
+          <a:lnRef idx="2">
+            <a:schemeClr val="accent1">
+              <a:shade val="50000"/>
+            </a:schemeClr>
+          </a:lnRef>
+          <a:fillRef idx="1">
+            <a:schemeClr val="accent1"/>
+          </a:fillRef>
+          <a:effectRef idx="0">
+            <a:schemeClr val="accent1"/>
+          </a:effectRef>
+          <a:fontRef idx="minor">
+            <a:schemeClr val="lt1"/>
+          </a:fontRef>
+        </p:style>
+        <p:txBody>
+          <a:bodyPr rtlCol="0" anchor="ctr"/>
+          <a:lstStyle/>
+          <a:p>
+            <a:pPr algn="ctr"/>
+            <a:endParaRPr lang="en-IN" dirty="0"/>
+          </a:p>
+        </p:txBody>
+      </p:sp>
+      <p:sp>
+        <p:nvSpPr>
+          <p:cNvPr id="4" name="Rectangle: Rounded Corners 3">
+            <a:extLst>
+              <a:ext uri="{FF2B5EF4-FFF2-40B4-BE49-F238E27FC236}">
+                <a16:creationId xmlns:a16="http://schemas.microsoft.com/office/drawing/2014/main" id="{80432144-D0B7-43DC-B0C9-AC8C9C9B5155}"/>
+              </a:ext>
+            </a:extLst>
+          </p:cNvPr>
+          <p:cNvSpPr/>
+          <p:nvPr/>
+        </p:nvSpPr>
+        <p:spPr>
+          <a:xfrm>
+            <a:off x="2242583" y="59851"/>
+            <a:ext cx="911382" cy="793750"/>
+          </a:xfrm>
+          <a:prstGeom prst="roundRect">
+            <a:avLst/>
+          </a:prstGeom>
+          <a:solidFill>
+            <a:schemeClr val="accent6">
+              <a:lumMod val="60000"/>
+              <a:lumOff val="40000"/>
+            </a:schemeClr>
+          </a:solidFill>
+        </p:spPr>
+        <p:style>
+          <a:lnRef idx="0">
+            <a:schemeClr val="accent5"/>
+          </a:lnRef>
+          <a:fillRef idx="3">
+            <a:schemeClr val="accent5"/>
+          </a:fillRef>
+          <a:effectRef idx="3">
+            <a:schemeClr val="accent5"/>
+          </a:effectRef>
+          <a:fontRef idx="minor">
+            <a:schemeClr val="lt1"/>
+          </a:fontRef>
+        </p:style>
+        <p:txBody>
+          <a:bodyPr rtlCol="0" anchor="ctr"/>
+          <a:lstStyle/>
+          <a:p>
+            <a:pPr algn="ctr"/>
+            <a:r>
+              <a:rPr lang="en-IN" dirty="0"/>
+              <a:t>Socket Client</a:t>
+            </a:r>
+          </a:p>
+        </p:txBody>
+      </p:sp>
+      <p:sp>
+        <p:nvSpPr>
+          <p:cNvPr id="5" name="Rectangle: Rounded Corners 4">
+            <a:extLst>
+              <a:ext uri="{FF2B5EF4-FFF2-40B4-BE49-F238E27FC236}">
+                <a16:creationId xmlns:a16="http://schemas.microsoft.com/office/drawing/2014/main" id="{0473BE43-4A8F-4968-A86A-132EBA32E177}"/>
+              </a:ext>
+            </a:extLst>
+          </p:cNvPr>
+          <p:cNvSpPr/>
+          <p:nvPr/>
+        </p:nvSpPr>
+        <p:spPr>
+          <a:xfrm>
+            <a:off x="2013268" y="1338264"/>
+            <a:ext cx="1370012" cy="1209675"/>
+          </a:xfrm>
+          <a:prstGeom prst="roundRect">
+            <a:avLst/>
+          </a:prstGeom>
+          <a:solidFill>
+            <a:schemeClr val="accent2">
+              <a:lumMod val="60000"/>
+              <a:lumOff val="40000"/>
+            </a:schemeClr>
+          </a:solidFill>
+        </p:spPr>
+        <p:style>
+          <a:lnRef idx="0">
+            <a:schemeClr val="accent5"/>
+          </a:lnRef>
+          <a:fillRef idx="3">
+            <a:schemeClr val="accent5"/>
+          </a:fillRef>
+          <a:effectRef idx="3">
+            <a:schemeClr val="accent5"/>
+          </a:effectRef>
+          <a:fontRef idx="minor">
+            <a:schemeClr val="lt1"/>
+          </a:fontRef>
+        </p:style>
+        <p:txBody>
+          <a:bodyPr rtlCol="0" anchor="ctr"/>
+          <a:lstStyle/>
+          <a:p>
+            <a:pPr algn="ctr"/>
+            <a:r>
+              <a:rPr lang="en-IN" dirty="0"/>
+              <a:t>Socket Session</a:t>
+            </a:r>
+          </a:p>
+        </p:txBody>
+      </p:sp>
+      <p:sp>
+        <p:nvSpPr>
+          <p:cNvPr id="7" name="Cylinder 6">
+            <a:extLst>
+              <a:ext uri="{FF2B5EF4-FFF2-40B4-BE49-F238E27FC236}">
+                <a16:creationId xmlns:a16="http://schemas.microsoft.com/office/drawing/2014/main" id="{CA61AFFB-ADDF-462E-8714-2D33425157FF}"/>
+              </a:ext>
+            </a:extLst>
+          </p:cNvPr>
+          <p:cNvSpPr/>
+          <p:nvPr/>
+        </p:nvSpPr>
+        <p:spPr>
+          <a:xfrm rot="5400000">
+            <a:off x="1414532" y="4092020"/>
+            <a:ext cx="523875" cy="1923900"/>
+          </a:xfrm>
+          <a:prstGeom prst="can">
+            <a:avLst/>
+          </a:prstGeom>
+        </p:spPr>
+        <p:style>
+          <a:lnRef idx="0">
+            <a:schemeClr val="accent5"/>
+          </a:lnRef>
+          <a:fillRef idx="3">
+            <a:schemeClr val="accent5"/>
+          </a:fillRef>
+          <a:effectRef idx="3">
+            <a:schemeClr val="accent5"/>
+          </a:effectRef>
+          <a:fontRef idx="minor">
+            <a:schemeClr val="lt1"/>
+          </a:fontRef>
+        </p:style>
+        <p:txBody>
+          <a:bodyPr vert="vert270" rtlCol="0" anchor="ctr"/>
+          <a:lstStyle/>
+          <a:p>
+            <a:pPr algn="ctr"/>
+            <a:r>
+              <a:rPr lang="en-IN" dirty="0"/>
+              <a:t>Subscribe Channel  </a:t>
+            </a:r>
+          </a:p>
+        </p:txBody>
+      </p:sp>
+      <p:sp>
+        <p:nvSpPr>
+          <p:cNvPr id="16" name="Rectangle: Rounded Corners 15">
+            <a:extLst>
+              <a:ext uri="{FF2B5EF4-FFF2-40B4-BE49-F238E27FC236}">
+                <a16:creationId xmlns:a16="http://schemas.microsoft.com/office/drawing/2014/main" id="{A96A5840-F1F7-4050-9486-9140C8A1BD32}"/>
+              </a:ext>
+            </a:extLst>
+          </p:cNvPr>
+          <p:cNvSpPr/>
+          <p:nvPr/>
+        </p:nvSpPr>
+        <p:spPr>
+          <a:xfrm>
+            <a:off x="701697" y="3078481"/>
+            <a:ext cx="1654492" cy="616744"/>
+          </a:xfrm>
+          <a:prstGeom prst="roundRect">
+            <a:avLst/>
+          </a:prstGeom>
+        </p:spPr>
+        <p:style>
+          <a:lnRef idx="0">
+            <a:schemeClr val="accent5"/>
+          </a:lnRef>
+          <a:fillRef idx="3">
+            <a:schemeClr val="accent5"/>
+          </a:fillRef>
+          <a:effectRef idx="3">
+            <a:schemeClr val="accent5"/>
+          </a:effectRef>
+          <a:fontRef idx="minor">
+            <a:schemeClr val="lt1"/>
+          </a:fontRef>
+        </p:style>
+        <p:txBody>
+          <a:bodyPr rtlCol="0" anchor="ctr"/>
+          <a:lstStyle/>
+          <a:p>
+            <a:pPr algn="ctr"/>
+            <a:r>
+              <a:rPr lang="en-IN" sz="1100" dirty="0"/>
+              <a:t>Outbound Flux &lt;</a:t>
+            </a:r>
+            <a:r>
+              <a:rPr lang="en-IN" sz="1100" dirty="0" err="1"/>
+              <a:t>WebSocketMessage</a:t>
+            </a:r>
+            <a:r>
+              <a:rPr lang="en-IN" sz="1100" dirty="0"/>
+              <a:t>&gt;</a:t>
+            </a:r>
+          </a:p>
+        </p:txBody>
+      </p:sp>
+      <p:cxnSp>
+        <p:nvCxnSpPr>
+          <p:cNvPr id="43" name="Straight Arrow Connector 42">
+            <a:extLst>
+              <a:ext uri="{FF2B5EF4-FFF2-40B4-BE49-F238E27FC236}">
+                <a16:creationId xmlns:a16="http://schemas.microsoft.com/office/drawing/2014/main" id="{A298E753-97F6-47ED-8AB1-1DE9A333811A}"/>
+              </a:ext>
+            </a:extLst>
+          </p:cNvPr>
+          <p:cNvCxnSpPr>
+            <a:cxnSpLocks/>
+            <a:endCxn id="16" idx="2"/>
+          </p:cNvCxnSpPr>
+          <p:nvPr/>
+        </p:nvCxnSpPr>
+        <p:spPr>
+          <a:xfrm flipV="1">
+            <a:off x="1528943" y="3695225"/>
+            <a:ext cx="0" cy="1150016"/>
+          </a:xfrm>
+          <a:prstGeom prst="straightConnector1">
+            <a:avLst/>
+          </a:prstGeom>
+          <a:ln w="19050">
+            <a:tailEnd type="triangle"/>
+          </a:ln>
+        </p:spPr>
+        <p:style>
+          <a:lnRef idx="1">
+            <a:schemeClr val="accent2"/>
+          </a:lnRef>
+          <a:fillRef idx="0">
+            <a:schemeClr val="accent2"/>
+          </a:fillRef>
+          <a:effectRef idx="0">
+            <a:schemeClr val="accent2"/>
+          </a:effectRef>
+          <a:fontRef idx="minor">
+            <a:schemeClr val="tx1"/>
+          </a:fontRef>
+        </p:style>
+      </p:cxnSp>
+      <p:cxnSp>
+        <p:nvCxnSpPr>
+          <p:cNvPr id="58" name="Straight Arrow Connector 57">
+            <a:extLst>
+              <a:ext uri="{FF2B5EF4-FFF2-40B4-BE49-F238E27FC236}">
+                <a16:creationId xmlns:a16="http://schemas.microsoft.com/office/drawing/2014/main" id="{9948B1C8-578E-43DC-AC7F-F1EBB88286B9}"/>
+              </a:ext>
+            </a:extLst>
+          </p:cNvPr>
+          <p:cNvCxnSpPr>
+            <a:cxnSpLocks/>
+          </p:cNvCxnSpPr>
+          <p:nvPr/>
+        </p:nvCxnSpPr>
+        <p:spPr>
+          <a:xfrm>
+            <a:off x="8091535" y="4405251"/>
+            <a:ext cx="0" cy="386780"/>
+          </a:xfrm>
+          <a:prstGeom prst="straightConnector1">
+            <a:avLst/>
+          </a:prstGeom>
+          <a:ln w="19050">
+            <a:tailEnd type="triangle"/>
+          </a:ln>
+        </p:spPr>
+        <p:style>
+          <a:lnRef idx="1">
+            <a:schemeClr val="accent2"/>
+          </a:lnRef>
+          <a:fillRef idx="0">
+            <a:schemeClr val="accent2"/>
+          </a:fillRef>
+          <a:effectRef idx="0">
+            <a:schemeClr val="accent2"/>
+          </a:effectRef>
+          <a:fontRef idx="minor">
+            <a:schemeClr val="tx1"/>
+          </a:fontRef>
+        </p:style>
+      </p:cxnSp>
+      <p:sp>
+        <p:nvSpPr>
+          <p:cNvPr id="59" name="Oval 58">
+            <a:extLst>
+              <a:ext uri="{FF2B5EF4-FFF2-40B4-BE49-F238E27FC236}">
+                <a16:creationId xmlns:a16="http://schemas.microsoft.com/office/drawing/2014/main" id="{626321BE-B281-46EB-AC93-279F75EF18A0}"/>
+              </a:ext>
+            </a:extLst>
+          </p:cNvPr>
+          <p:cNvSpPr/>
+          <p:nvPr/>
+        </p:nvSpPr>
+        <p:spPr>
+          <a:xfrm>
+            <a:off x="7914011" y="3884337"/>
+            <a:ext cx="334728" cy="203119"/>
+          </a:xfrm>
+          <a:prstGeom prst="ellipse">
+            <a:avLst/>
+          </a:prstGeom>
+        </p:spPr>
+        <p:style>
+          <a:lnRef idx="0">
+            <a:schemeClr val="accent5"/>
+          </a:lnRef>
+          <a:fillRef idx="3">
+            <a:schemeClr val="accent5"/>
+          </a:fillRef>
+          <a:effectRef idx="3">
+            <a:schemeClr val="accent5"/>
+          </a:effectRef>
+          <a:fontRef idx="minor">
+            <a:schemeClr val="lt1"/>
+          </a:fontRef>
+        </p:style>
+        <p:txBody>
+          <a:bodyPr rtlCol="0" anchor="ctr"/>
+          <a:lstStyle/>
+          <a:p>
+            <a:pPr algn="ctr"/>
+            <a:endParaRPr lang="en-IN"/>
+          </a:p>
+        </p:txBody>
+      </p:sp>
+      <p:sp>
+        <p:nvSpPr>
+          <p:cNvPr id="60" name="Oval 59">
+            <a:extLst>
+              <a:ext uri="{FF2B5EF4-FFF2-40B4-BE49-F238E27FC236}">
+                <a16:creationId xmlns:a16="http://schemas.microsoft.com/office/drawing/2014/main" id="{C2EAC74F-F12C-46E2-A9F7-4FE5B6F896C6}"/>
+              </a:ext>
+            </a:extLst>
+          </p:cNvPr>
+          <p:cNvSpPr/>
+          <p:nvPr/>
+        </p:nvSpPr>
+        <p:spPr>
+          <a:xfrm>
+            <a:off x="7924171" y="4268807"/>
+            <a:ext cx="334728" cy="203119"/>
+          </a:xfrm>
+          <a:prstGeom prst="ellipse">
+            <a:avLst/>
+          </a:prstGeom>
+        </p:spPr>
+        <p:style>
+          <a:lnRef idx="0">
+            <a:schemeClr val="accent5"/>
+          </a:lnRef>
+          <a:fillRef idx="3">
+            <a:schemeClr val="accent5"/>
+          </a:fillRef>
+          <a:effectRef idx="3">
+            <a:schemeClr val="accent5"/>
+          </a:effectRef>
+          <a:fontRef idx="minor">
+            <a:schemeClr val="lt1"/>
+          </a:fontRef>
+        </p:style>
+        <p:txBody>
+          <a:bodyPr rtlCol="0" anchor="ctr"/>
+          <a:lstStyle/>
+          <a:p>
+            <a:pPr algn="ctr"/>
+            <a:endParaRPr lang="en-IN"/>
+          </a:p>
+        </p:txBody>
+      </p:sp>
+      <p:sp>
+        <p:nvSpPr>
+          <p:cNvPr id="61" name="Cylinder 60">
+            <a:extLst>
+              <a:ext uri="{FF2B5EF4-FFF2-40B4-BE49-F238E27FC236}">
+                <a16:creationId xmlns:a16="http://schemas.microsoft.com/office/drawing/2014/main" id="{AA1080D0-BCC8-4152-982B-63651F00B963}"/>
+              </a:ext>
+            </a:extLst>
+          </p:cNvPr>
+          <p:cNvSpPr/>
+          <p:nvPr/>
+        </p:nvSpPr>
+        <p:spPr>
+          <a:xfrm>
+            <a:off x="6050643" y="3664299"/>
+            <a:ext cx="898054" cy="643193"/>
+          </a:xfrm>
+          <a:prstGeom prst="can">
+            <a:avLst/>
+          </a:prstGeom>
+        </p:spPr>
+        <p:style>
+          <a:lnRef idx="0">
+            <a:schemeClr val="accent5"/>
+          </a:lnRef>
+          <a:fillRef idx="3">
+            <a:schemeClr val="accent5"/>
+          </a:fillRef>
+          <a:effectRef idx="3">
+            <a:schemeClr val="accent5"/>
+          </a:effectRef>
+          <a:fontRef idx="minor">
+            <a:schemeClr val="lt1"/>
+          </a:fontRef>
+        </p:style>
+        <p:txBody>
+          <a:bodyPr rtlCol="0" anchor="ctr"/>
+          <a:lstStyle/>
+          <a:p>
+            <a:pPr algn="ctr"/>
+            <a:r>
+              <a:rPr lang="en-IN" sz="1100" dirty="0"/>
+              <a:t>Socket Session DB</a:t>
+            </a:r>
+          </a:p>
+        </p:txBody>
+      </p:sp>
+      <p:cxnSp>
+        <p:nvCxnSpPr>
+          <p:cNvPr id="62" name="Straight Arrow Connector 61">
+            <a:extLst>
+              <a:ext uri="{FF2B5EF4-FFF2-40B4-BE49-F238E27FC236}">
+                <a16:creationId xmlns:a16="http://schemas.microsoft.com/office/drawing/2014/main" id="{3093FA57-C721-403A-8AFF-F6B43966E2A9}"/>
+              </a:ext>
+            </a:extLst>
+          </p:cNvPr>
+          <p:cNvCxnSpPr>
+            <a:cxnSpLocks/>
+            <a:stCxn id="59" idx="2"/>
+            <a:endCxn id="61" idx="4"/>
+          </p:cNvCxnSpPr>
+          <p:nvPr/>
+        </p:nvCxnSpPr>
+        <p:spPr>
+          <a:xfrm flipH="1" flipV="1">
+            <a:off x="6948697" y="3985896"/>
+            <a:ext cx="965314" cy="1"/>
+          </a:xfrm>
+          <a:prstGeom prst="straightConnector1">
+            <a:avLst/>
+          </a:prstGeom>
+          <a:ln w="19050">
+            <a:tailEnd type="triangle"/>
+          </a:ln>
+        </p:spPr>
+        <p:style>
+          <a:lnRef idx="1">
+            <a:schemeClr val="accent2"/>
+          </a:lnRef>
+          <a:fillRef idx="0">
+            <a:schemeClr val="accent2"/>
+          </a:fillRef>
+          <a:effectRef idx="0">
+            <a:schemeClr val="accent2"/>
+          </a:effectRef>
+          <a:fontRef idx="minor">
+            <a:schemeClr val="tx1"/>
+          </a:fontRef>
+        </p:style>
+      </p:cxnSp>
+      <p:cxnSp>
+        <p:nvCxnSpPr>
+          <p:cNvPr id="63" name="Straight Arrow Connector 62">
+            <a:extLst>
+              <a:ext uri="{FF2B5EF4-FFF2-40B4-BE49-F238E27FC236}">
+                <a16:creationId xmlns:a16="http://schemas.microsoft.com/office/drawing/2014/main" id="{55D61280-AE32-415F-987C-BF784D4EEF1A}"/>
+              </a:ext>
+            </a:extLst>
+          </p:cNvPr>
+          <p:cNvCxnSpPr>
+            <a:cxnSpLocks/>
+            <a:endCxn id="59" idx="0"/>
+          </p:cNvCxnSpPr>
+          <p:nvPr/>
+        </p:nvCxnSpPr>
+        <p:spPr>
+          <a:xfrm>
+            <a:off x="8078711" y="3740944"/>
+            <a:ext cx="2664" cy="143393"/>
+          </a:xfrm>
+          <a:prstGeom prst="straightConnector1">
+            <a:avLst/>
+          </a:prstGeom>
+          <a:ln w="19050">
+            <a:tailEnd type="triangle"/>
+          </a:ln>
+        </p:spPr>
+        <p:style>
+          <a:lnRef idx="1">
+            <a:schemeClr val="accent2"/>
+          </a:lnRef>
+          <a:fillRef idx="0">
+            <a:schemeClr val="accent2"/>
+          </a:fillRef>
+          <a:effectRef idx="0">
+            <a:schemeClr val="accent2"/>
+          </a:effectRef>
+          <a:fontRef idx="minor">
+            <a:schemeClr val="tx1"/>
+          </a:fontRef>
+        </p:style>
+      </p:cxnSp>
+      <p:cxnSp>
+        <p:nvCxnSpPr>
+          <p:cNvPr id="64" name="Straight Arrow Connector 63">
+            <a:extLst>
+              <a:ext uri="{FF2B5EF4-FFF2-40B4-BE49-F238E27FC236}">
+                <a16:creationId xmlns:a16="http://schemas.microsoft.com/office/drawing/2014/main" id="{6E03D7BA-7990-48DE-990D-8AA0CD59C55A}"/>
+              </a:ext>
+            </a:extLst>
+          </p:cNvPr>
+          <p:cNvCxnSpPr>
+            <a:cxnSpLocks/>
+            <a:stCxn id="59" idx="4"/>
+            <a:endCxn id="60" idx="0"/>
+          </p:cNvCxnSpPr>
+          <p:nvPr/>
+        </p:nvCxnSpPr>
+        <p:spPr>
+          <a:xfrm>
+            <a:off x="8081375" y="4087456"/>
+            <a:ext cx="10160" cy="181351"/>
+          </a:xfrm>
+          <a:prstGeom prst="straightConnector1">
+            <a:avLst/>
+          </a:prstGeom>
+          <a:ln w="19050">
+            <a:tailEnd type="triangle"/>
+          </a:ln>
+        </p:spPr>
+        <p:style>
+          <a:lnRef idx="1">
+            <a:schemeClr val="accent2"/>
+          </a:lnRef>
+          <a:fillRef idx="0">
+            <a:schemeClr val="accent2"/>
+          </a:fillRef>
+          <a:effectRef idx="0">
+            <a:schemeClr val="accent2"/>
+          </a:effectRef>
+          <a:fontRef idx="minor">
+            <a:schemeClr val="tx1"/>
+          </a:fontRef>
+        </p:style>
+      </p:cxnSp>
+      <p:cxnSp>
+        <p:nvCxnSpPr>
+          <p:cNvPr id="65" name="Straight Arrow Connector 64">
+            <a:extLst>
+              <a:ext uri="{FF2B5EF4-FFF2-40B4-BE49-F238E27FC236}">
+                <a16:creationId xmlns:a16="http://schemas.microsoft.com/office/drawing/2014/main" id="{8EC22292-00C4-4ED1-BD0D-4D23CB1D418C}"/>
+              </a:ext>
+            </a:extLst>
+          </p:cNvPr>
+          <p:cNvCxnSpPr>
+            <a:cxnSpLocks/>
+            <a:endCxn id="158" idx="2"/>
+          </p:cNvCxnSpPr>
+          <p:nvPr/>
+        </p:nvCxnSpPr>
+        <p:spPr>
+          <a:xfrm flipV="1">
+            <a:off x="10393683" y="3817332"/>
+            <a:ext cx="0" cy="1027909"/>
+          </a:xfrm>
+          <a:prstGeom prst="straightConnector1">
+            <a:avLst/>
+          </a:prstGeom>
+          <a:ln w="19050">
+            <a:tailEnd type="triangle"/>
+          </a:ln>
+        </p:spPr>
+        <p:style>
+          <a:lnRef idx="1">
+            <a:schemeClr val="accent2"/>
+          </a:lnRef>
+          <a:fillRef idx="0">
+            <a:schemeClr val="accent2"/>
+          </a:fillRef>
+          <a:effectRef idx="0">
+            <a:schemeClr val="accent2"/>
+          </a:effectRef>
+          <a:fontRef idx="minor">
+            <a:schemeClr val="tx1"/>
+          </a:fontRef>
+        </p:style>
+      </p:cxnSp>
+      <p:sp>
+        <p:nvSpPr>
+          <p:cNvPr id="74" name="Rectangle: Rounded Corners 73">
+            <a:extLst>
+              <a:ext uri="{FF2B5EF4-FFF2-40B4-BE49-F238E27FC236}">
+                <a16:creationId xmlns:a16="http://schemas.microsoft.com/office/drawing/2014/main" id="{86D7ECCF-D162-45E2-826E-3DE4C6FD88DC}"/>
+              </a:ext>
+            </a:extLst>
+          </p:cNvPr>
+          <p:cNvSpPr/>
+          <p:nvPr/>
+        </p:nvSpPr>
+        <p:spPr>
+          <a:xfrm>
+            <a:off x="3077886" y="3141296"/>
+            <a:ext cx="1654492" cy="616744"/>
+          </a:xfrm>
+          <a:prstGeom prst="roundRect">
+            <a:avLst/>
+          </a:prstGeom>
+        </p:spPr>
+        <p:style>
+          <a:lnRef idx="0">
+            <a:schemeClr val="accent5"/>
+          </a:lnRef>
+          <a:fillRef idx="3">
+            <a:schemeClr val="accent5"/>
+          </a:fillRef>
+          <a:effectRef idx="3">
+            <a:schemeClr val="accent5"/>
+          </a:effectRef>
+          <a:fontRef idx="minor">
+            <a:schemeClr val="lt1"/>
+          </a:fontRef>
+        </p:style>
+        <p:txBody>
+          <a:bodyPr rtlCol="0" anchor="ctr"/>
+          <a:lstStyle/>
+          <a:p>
+            <a:pPr algn="ctr"/>
+            <a:r>
+              <a:rPr lang="en-IN" sz="1100" dirty="0"/>
+              <a:t>Inbound Flux &lt;</a:t>
+            </a:r>
+            <a:r>
+              <a:rPr lang="en-IN" sz="1100" dirty="0" err="1"/>
+              <a:t>WebSocketMessage</a:t>
+            </a:r>
+            <a:r>
+              <a:rPr lang="en-IN" sz="1100" dirty="0"/>
+              <a:t>&gt;</a:t>
+            </a:r>
+          </a:p>
+        </p:txBody>
+      </p:sp>
+      <p:cxnSp>
+        <p:nvCxnSpPr>
+          <p:cNvPr id="76" name="Straight Arrow Connector 75">
+            <a:extLst>
+              <a:ext uri="{FF2B5EF4-FFF2-40B4-BE49-F238E27FC236}">
+                <a16:creationId xmlns:a16="http://schemas.microsoft.com/office/drawing/2014/main" id="{4D203AF1-8960-4E83-83F5-4AB7E64F4C39}"/>
+              </a:ext>
+            </a:extLst>
+          </p:cNvPr>
+          <p:cNvCxnSpPr>
+            <a:cxnSpLocks/>
+          </p:cNvCxnSpPr>
+          <p:nvPr/>
+        </p:nvCxnSpPr>
+        <p:spPr>
+          <a:xfrm>
+            <a:off x="3917956" y="4422347"/>
+            <a:ext cx="0" cy="369684"/>
+          </a:xfrm>
+          <a:prstGeom prst="straightConnector1">
+            <a:avLst/>
+          </a:prstGeom>
+          <a:ln w="19050">
+            <a:tailEnd type="triangle"/>
+          </a:ln>
+        </p:spPr>
+        <p:style>
+          <a:lnRef idx="1">
+            <a:schemeClr val="accent2"/>
+          </a:lnRef>
+          <a:fillRef idx="0">
+            <a:schemeClr val="accent2"/>
+          </a:fillRef>
+          <a:effectRef idx="0">
+            <a:schemeClr val="accent2"/>
+          </a:effectRef>
+          <a:fontRef idx="minor">
+            <a:schemeClr val="tx1"/>
+          </a:fontRef>
+        </p:style>
+      </p:cxnSp>
+      <p:sp>
+        <p:nvSpPr>
+          <p:cNvPr id="77" name="Oval 76">
+            <a:extLst>
+              <a:ext uri="{FF2B5EF4-FFF2-40B4-BE49-F238E27FC236}">
+                <a16:creationId xmlns:a16="http://schemas.microsoft.com/office/drawing/2014/main" id="{09F5A7B3-FC21-40B6-BD34-DB13462D0E46}"/>
+              </a:ext>
+            </a:extLst>
+          </p:cNvPr>
+          <p:cNvSpPr/>
+          <p:nvPr/>
+        </p:nvSpPr>
+        <p:spPr>
+          <a:xfrm>
+            <a:off x="3740432" y="3901433"/>
+            <a:ext cx="334728" cy="203119"/>
+          </a:xfrm>
+          <a:prstGeom prst="ellipse">
+            <a:avLst/>
+          </a:prstGeom>
+        </p:spPr>
+        <p:style>
+          <a:lnRef idx="0">
+            <a:schemeClr val="accent5"/>
+          </a:lnRef>
+          <a:fillRef idx="3">
+            <a:schemeClr val="accent5"/>
+          </a:fillRef>
+          <a:effectRef idx="3">
+            <a:schemeClr val="accent5"/>
+          </a:effectRef>
+          <a:fontRef idx="minor">
+            <a:schemeClr val="lt1"/>
+          </a:fontRef>
+        </p:style>
+        <p:txBody>
+          <a:bodyPr rtlCol="0" anchor="ctr"/>
+          <a:lstStyle/>
+          <a:p>
+            <a:pPr algn="ctr"/>
+            <a:endParaRPr lang="en-IN"/>
+          </a:p>
+        </p:txBody>
+      </p:sp>
+      <p:sp>
+        <p:nvSpPr>
+          <p:cNvPr id="78" name="Oval 77">
+            <a:extLst>
+              <a:ext uri="{FF2B5EF4-FFF2-40B4-BE49-F238E27FC236}">
+                <a16:creationId xmlns:a16="http://schemas.microsoft.com/office/drawing/2014/main" id="{2B860D40-658A-41B4-A160-F8B02C3C7BE4}"/>
+              </a:ext>
+            </a:extLst>
+          </p:cNvPr>
+          <p:cNvSpPr/>
+          <p:nvPr/>
+        </p:nvSpPr>
+        <p:spPr>
+          <a:xfrm>
+            <a:off x="3750592" y="4285903"/>
+            <a:ext cx="334728" cy="203119"/>
+          </a:xfrm>
+          <a:prstGeom prst="ellipse">
+            <a:avLst/>
+          </a:prstGeom>
+        </p:spPr>
+        <p:style>
+          <a:lnRef idx="0">
+            <a:schemeClr val="accent5"/>
+          </a:lnRef>
+          <a:fillRef idx="3">
+            <a:schemeClr val="accent5"/>
+          </a:fillRef>
+          <a:effectRef idx="3">
+            <a:schemeClr val="accent5"/>
+          </a:effectRef>
+          <a:fontRef idx="minor">
+            <a:schemeClr val="lt1"/>
+          </a:fontRef>
+        </p:style>
+        <p:txBody>
+          <a:bodyPr rtlCol="0" anchor="ctr"/>
+          <a:lstStyle/>
+          <a:p>
+            <a:pPr algn="ctr"/>
+            <a:endParaRPr lang="en-IN"/>
+          </a:p>
+        </p:txBody>
+      </p:sp>
+      <p:cxnSp>
+        <p:nvCxnSpPr>
+          <p:cNvPr id="80" name="Straight Arrow Connector 79">
+            <a:extLst>
+              <a:ext uri="{FF2B5EF4-FFF2-40B4-BE49-F238E27FC236}">
+                <a16:creationId xmlns:a16="http://schemas.microsoft.com/office/drawing/2014/main" id="{29018953-0A47-4E2D-9298-0D5774852978}"/>
+              </a:ext>
+            </a:extLst>
+          </p:cNvPr>
+          <p:cNvCxnSpPr>
+            <a:cxnSpLocks/>
+            <a:stCxn id="77" idx="6"/>
+            <a:endCxn id="61" idx="2"/>
+          </p:cNvCxnSpPr>
+          <p:nvPr/>
+        </p:nvCxnSpPr>
+        <p:spPr>
+          <a:xfrm flipV="1">
+            <a:off x="4075160" y="3985896"/>
+            <a:ext cx="1975483" cy="17097"/>
+          </a:xfrm>
+          <a:prstGeom prst="straightConnector1">
+            <a:avLst/>
+          </a:prstGeom>
+          <a:ln w="19050">
+            <a:tailEnd type="triangle"/>
+          </a:ln>
+        </p:spPr>
+        <p:style>
+          <a:lnRef idx="1">
+            <a:schemeClr val="accent2"/>
+          </a:lnRef>
+          <a:fillRef idx="0">
+            <a:schemeClr val="accent2"/>
+          </a:fillRef>
+          <a:effectRef idx="0">
+            <a:schemeClr val="accent2"/>
+          </a:effectRef>
+          <a:fontRef idx="minor">
+            <a:schemeClr val="tx1"/>
+          </a:fontRef>
+        </p:style>
+      </p:cxnSp>
+      <p:cxnSp>
+        <p:nvCxnSpPr>
+          <p:cNvPr id="81" name="Straight Arrow Connector 80">
+            <a:extLst>
+              <a:ext uri="{FF2B5EF4-FFF2-40B4-BE49-F238E27FC236}">
+                <a16:creationId xmlns:a16="http://schemas.microsoft.com/office/drawing/2014/main" id="{1EA5CBCD-41FE-4BC4-84B3-DD2B69096672}"/>
+              </a:ext>
+            </a:extLst>
+          </p:cNvPr>
+          <p:cNvCxnSpPr>
+            <a:cxnSpLocks/>
+            <a:stCxn id="74" idx="2"/>
+            <a:endCxn id="77" idx="0"/>
+          </p:cNvCxnSpPr>
+          <p:nvPr/>
+        </p:nvCxnSpPr>
+        <p:spPr>
+          <a:xfrm>
+            <a:off x="3905132" y="3758040"/>
+            <a:ext cx="2664" cy="143393"/>
+          </a:xfrm>
+          <a:prstGeom prst="straightConnector1">
+            <a:avLst/>
+          </a:prstGeom>
+          <a:ln w="19050">
+            <a:tailEnd type="triangle"/>
+          </a:ln>
+        </p:spPr>
+        <p:style>
+          <a:lnRef idx="1">
+            <a:schemeClr val="accent2"/>
+          </a:lnRef>
+          <a:fillRef idx="0">
+            <a:schemeClr val="accent2"/>
+          </a:fillRef>
+          <a:effectRef idx="0">
+            <a:schemeClr val="accent2"/>
+          </a:effectRef>
+          <a:fontRef idx="minor">
+            <a:schemeClr val="tx1"/>
+          </a:fontRef>
+        </p:style>
+      </p:cxnSp>
+      <p:cxnSp>
+        <p:nvCxnSpPr>
+          <p:cNvPr id="82" name="Straight Arrow Connector 81">
+            <a:extLst>
+              <a:ext uri="{FF2B5EF4-FFF2-40B4-BE49-F238E27FC236}">
+                <a16:creationId xmlns:a16="http://schemas.microsoft.com/office/drawing/2014/main" id="{F907522C-BF4B-4234-A1B3-48892DC526E4}"/>
+              </a:ext>
+            </a:extLst>
+          </p:cNvPr>
+          <p:cNvCxnSpPr>
+            <a:cxnSpLocks/>
+            <a:stCxn id="77" idx="4"/>
+            <a:endCxn id="78" idx="0"/>
+          </p:cNvCxnSpPr>
+          <p:nvPr/>
+        </p:nvCxnSpPr>
+        <p:spPr>
+          <a:xfrm>
+            <a:off x="3907796" y="4104552"/>
+            <a:ext cx="10160" cy="181351"/>
+          </a:xfrm>
+          <a:prstGeom prst="straightConnector1">
+            <a:avLst/>
+          </a:prstGeom>
+          <a:ln w="19050">
+            <a:tailEnd type="triangle"/>
+          </a:ln>
+        </p:spPr>
+        <p:style>
+          <a:lnRef idx="1">
+            <a:schemeClr val="accent2"/>
+          </a:lnRef>
+          <a:fillRef idx="0">
+            <a:schemeClr val="accent2"/>
+          </a:fillRef>
+          <a:effectRef idx="0">
+            <a:schemeClr val="accent2"/>
+          </a:effectRef>
+          <a:fontRef idx="minor">
+            <a:schemeClr val="tx1"/>
+          </a:fontRef>
+        </p:style>
+      </p:cxnSp>
+      <p:cxnSp>
+        <p:nvCxnSpPr>
+          <p:cNvPr id="103" name="Connector: Elbow 102">
+            <a:extLst>
+              <a:ext uri="{FF2B5EF4-FFF2-40B4-BE49-F238E27FC236}">
+                <a16:creationId xmlns:a16="http://schemas.microsoft.com/office/drawing/2014/main" id="{7515F49E-5692-44DB-BA97-8ED9554B2D4E}"/>
+              </a:ext>
+            </a:extLst>
+          </p:cNvPr>
+          <p:cNvCxnSpPr>
+            <a:cxnSpLocks/>
+            <a:stCxn id="4" idx="3"/>
+            <a:endCxn id="5" idx="3"/>
+          </p:cNvCxnSpPr>
+          <p:nvPr/>
+        </p:nvCxnSpPr>
+        <p:spPr>
+          <a:xfrm>
+            <a:off x="3153965" y="456726"/>
+            <a:ext cx="229315" cy="1486376"/>
+          </a:xfrm>
+          <a:prstGeom prst="bentConnector3">
+            <a:avLst>
+              <a:gd name="adj1" fmla="val 199688"/>
+            </a:avLst>
+          </a:prstGeom>
+          <a:ln w="19050">
+            <a:tailEnd type="triangle"/>
+          </a:ln>
+        </p:spPr>
+        <p:style>
+          <a:lnRef idx="1">
+            <a:schemeClr val="accent2"/>
+          </a:lnRef>
+          <a:fillRef idx="0">
+            <a:schemeClr val="accent2"/>
+          </a:fillRef>
+          <a:effectRef idx="0">
+            <a:schemeClr val="accent2"/>
+          </a:effectRef>
+          <a:fontRef idx="minor">
+            <a:schemeClr val="tx1"/>
+          </a:fontRef>
+        </p:style>
+      </p:cxnSp>
+      <p:cxnSp>
+        <p:nvCxnSpPr>
+          <p:cNvPr id="105" name="Connector: Elbow 104">
+            <a:extLst>
+              <a:ext uri="{FF2B5EF4-FFF2-40B4-BE49-F238E27FC236}">
+                <a16:creationId xmlns:a16="http://schemas.microsoft.com/office/drawing/2014/main" id="{AEFC444C-CDC3-4C20-B5A1-FD9E822CDB82}"/>
+              </a:ext>
+            </a:extLst>
+          </p:cNvPr>
+          <p:cNvCxnSpPr>
+            <a:cxnSpLocks/>
+            <a:endCxn id="16" idx="0"/>
+          </p:cNvCxnSpPr>
+          <p:nvPr/>
+        </p:nvCxnSpPr>
+        <p:spPr>
+          <a:xfrm rot="5400000">
+            <a:off x="1284698" y="2349907"/>
+            <a:ext cx="972819" cy="484328"/>
+          </a:xfrm>
+          <a:prstGeom prst="bentConnector3">
+            <a:avLst>
+              <a:gd name="adj1" fmla="val -130"/>
+            </a:avLst>
+          </a:prstGeom>
+          <a:ln w="19050">
+            <a:headEnd type="triangle" w="med" len="med"/>
+            <a:tailEnd type="none" w="med" len="med"/>
+          </a:ln>
+        </p:spPr>
+        <p:style>
+          <a:lnRef idx="1">
+            <a:schemeClr val="accent2"/>
+          </a:lnRef>
+          <a:fillRef idx="0">
+            <a:schemeClr val="accent2"/>
+          </a:fillRef>
+          <a:effectRef idx="0">
+            <a:schemeClr val="accent2"/>
+          </a:effectRef>
+          <a:fontRef idx="minor">
+            <a:schemeClr val="tx1"/>
+          </a:fontRef>
+        </p:style>
+      </p:cxnSp>
+      <p:cxnSp>
+        <p:nvCxnSpPr>
+          <p:cNvPr id="114" name="Connector: Elbow 113">
+            <a:extLst>
+              <a:ext uri="{FF2B5EF4-FFF2-40B4-BE49-F238E27FC236}">
+                <a16:creationId xmlns:a16="http://schemas.microsoft.com/office/drawing/2014/main" id="{79B4FC4A-CD43-4AD9-B112-E34A8ACCA3C7}"/>
+              </a:ext>
+            </a:extLst>
+          </p:cNvPr>
+          <p:cNvCxnSpPr>
+            <a:cxnSpLocks/>
+            <a:endCxn id="74" idx="0"/>
+          </p:cNvCxnSpPr>
+          <p:nvPr/>
+        </p:nvCxnSpPr>
+        <p:spPr>
+          <a:xfrm rot="16200000" flipH="1">
+            <a:off x="3090829" y="2326993"/>
+            <a:ext cx="1106754" cy="521852"/>
+          </a:xfrm>
+          <a:prstGeom prst="bentConnector3">
+            <a:avLst>
+              <a:gd name="adj1" fmla="val 7772"/>
+            </a:avLst>
+          </a:prstGeom>
+          <a:ln w="19050">
+            <a:tailEnd type="triangle"/>
+          </a:ln>
+        </p:spPr>
+        <p:style>
+          <a:lnRef idx="1">
+            <a:schemeClr val="accent2"/>
+          </a:lnRef>
+          <a:fillRef idx="0">
+            <a:schemeClr val="accent2"/>
+          </a:fillRef>
+          <a:effectRef idx="0">
+            <a:schemeClr val="accent2"/>
+          </a:effectRef>
+          <a:fontRef idx="minor">
+            <a:schemeClr val="tx1"/>
+          </a:fontRef>
+        </p:style>
+      </p:cxnSp>
+      <p:cxnSp>
+        <p:nvCxnSpPr>
+          <p:cNvPr id="120" name="Connector: Elbow 119">
+            <a:extLst>
+              <a:ext uri="{FF2B5EF4-FFF2-40B4-BE49-F238E27FC236}">
+                <a16:creationId xmlns:a16="http://schemas.microsoft.com/office/drawing/2014/main" id="{4A531A50-5A06-4639-B8BE-C5BE5084D01B}"/>
+              </a:ext>
+            </a:extLst>
+          </p:cNvPr>
+          <p:cNvCxnSpPr>
+            <a:cxnSpLocks/>
+            <a:stCxn id="5" idx="1"/>
+            <a:endCxn id="4" idx="1"/>
+          </p:cNvCxnSpPr>
+          <p:nvPr/>
+        </p:nvCxnSpPr>
+        <p:spPr>
+          <a:xfrm rot="10800000" flipH="1">
+            <a:off x="2013267" y="456726"/>
+            <a:ext cx="229315" cy="1486376"/>
+          </a:xfrm>
+          <a:prstGeom prst="bentConnector3">
+            <a:avLst>
+              <a:gd name="adj1" fmla="val -99688"/>
+            </a:avLst>
+          </a:prstGeom>
+          <a:ln w="19050">
+            <a:tailEnd type="triangle"/>
+          </a:ln>
+        </p:spPr>
+        <p:style>
+          <a:lnRef idx="1">
+            <a:schemeClr val="accent2"/>
+          </a:lnRef>
+          <a:fillRef idx="0">
+            <a:schemeClr val="accent2"/>
+          </a:fillRef>
+          <a:effectRef idx="0">
+            <a:schemeClr val="accent2"/>
+          </a:effectRef>
+          <a:fontRef idx="minor">
+            <a:schemeClr val="tx1"/>
+          </a:fontRef>
+        </p:style>
+      </p:cxnSp>
+      <p:sp>
+        <p:nvSpPr>
+          <p:cNvPr id="155" name="Rectangle: Rounded Corners 154">
+            <a:extLst>
+              <a:ext uri="{FF2B5EF4-FFF2-40B4-BE49-F238E27FC236}">
+                <a16:creationId xmlns:a16="http://schemas.microsoft.com/office/drawing/2014/main" id="{C252D29B-3AB2-4C3C-B907-829BF03533F6}"/>
+              </a:ext>
+            </a:extLst>
+          </p:cNvPr>
+          <p:cNvSpPr/>
+          <p:nvPr/>
+        </p:nvSpPr>
+        <p:spPr>
+          <a:xfrm>
+            <a:off x="8731134" y="119143"/>
+            <a:ext cx="911382" cy="793750"/>
+          </a:xfrm>
+          <a:prstGeom prst="roundRect">
+            <a:avLst/>
+          </a:prstGeom>
+          <a:solidFill>
+            <a:schemeClr val="accent6">
+              <a:lumMod val="60000"/>
+              <a:lumOff val="40000"/>
+            </a:schemeClr>
+          </a:solidFill>
+        </p:spPr>
+        <p:style>
+          <a:lnRef idx="0">
+            <a:schemeClr val="accent5"/>
+          </a:lnRef>
+          <a:fillRef idx="3">
+            <a:schemeClr val="accent5"/>
+          </a:fillRef>
+          <a:effectRef idx="3">
+            <a:schemeClr val="accent5"/>
+          </a:effectRef>
+          <a:fontRef idx="minor">
+            <a:schemeClr val="lt1"/>
+          </a:fontRef>
+        </p:style>
+        <p:txBody>
+          <a:bodyPr rtlCol="0" anchor="ctr"/>
+          <a:lstStyle/>
+          <a:p>
+            <a:pPr algn="ctr"/>
+            <a:r>
+              <a:rPr lang="en-IN" dirty="0"/>
+              <a:t>Socket Client</a:t>
+            </a:r>
+          </a:p>
+        </p:txBody>
+      </p:sp>
+      <p:sp>
+        <p:nvSpPr>
+          <p:cNvPr id="156" name="Rectangle: Rounded Corners 155">
+            <a:extLst>
+              <a:ext uri="{FF2B5EF4-FFF2-40B4-BE49-F238E27FC236}">
+                <a16:creationId xmlns:a16="http://schemas.microsoft.com/office/drawing/2014/main" id="{4F5950D1-F650-42FC-92A5-FA5B526B9F7A}"/>
+              </a:ext>
+            </a:extLst>
+          </p:cNvPr>
+          <p:cNvSpPr/>
+          <p:nvPr/>
+        </p:nvSpPr>
+        <p:spPr>
+          <a:xfrm>
+            <a:off x="8501819" y="1397556"/>
+            <a:ext cx="1370012" cy="1209675"/>
+          </a:xfrm>
+          <a:prstGeom prst="roundRect">
+            <a:avLst/>
+          </a:prstGeom>
+          <a:solidFill>
+            <a:schemeClr val="accent2">
+              <a:lumMod val="60000"/>
+              <a:lumOff val="40000"/>
+            </a:schemeClr>
+          </a:solidFill>
+        </p:spPr>
+        <p:style>
+          <a:lnRef idx="0">
+            <a:schemeClr val="accent5"/>
+          </a:lnRef>
+          <a:fillRef idx="3">
+            <a:schemeClr val="accent5"/>
+          </a:fillRef>
+          <a:effectRef idx="3">
+            <a:schemeClr val="accent5"/>
+          </a:effectRef>
+          <a:fontRef idx="minor">
+            <a:schemeClr val="lt1"/>
+          </a:fontRef>
+        </p:style>
+        <p:txBody>
+          <a:bodyPr rtlCol="0" anchor="ctr"/>
+          <a:lstStyle/>
+          <a:p>
+            <a:pPr algn="ctr"/>
+            <a:r>
+              <a:rPr lang="en-IN" dirty="0"/>
+              <a:t>Socket Session</a:t>
+            </a:r>
+          </a:p>
+        </p:txBody>
+      </p:sp>
+      <p:sp>
+        <p:nvSpPr>
+          <p:cNvPr id="157" name="Rectangle: Rounded Corners 156">
+            <a:extLst>
+              <a:ext uri="{FF2B5EF4-FFF2-40B4-BE49-F238E27FC236}">
+                <a16:creationId xmlns:a16="http://schemas.microsoft.com/office/drawing/2014/main" id="{50B00332-3E41-4256-A448-6C44453F737A}"/>
+              </a:ext>
+            </a:extLst>
+          </p:cNvPr>
+          <p:cNvSpPr/>
+          <p:nvPr/>
+        </p:nvSpPr>
+        <p:spPr>
+          <a:xfrm>
+            <a:off x="7190248" y="3137773"/>
+            <a:ext cx="1654492" cy="616744"/>
+          </a:xfrm>
+          <a:prstGeom prst="roundRect">
+            <a:avLst/>
+          </a:prstGeom>
+        </p:spPr>
+        <p:style>
+          <a:lnRef idx="0">
+            <a:schemeClr val="accent5"/>
+          </a:lnRef>
+          <a:fillRef idx="3">
+            <a:schemeClr val="accent5"/>
+          </a:fillRef>
+          <a:effectRef idx="3">
+            <a:schemeClr val="accent5"/>
+          </a:effectRef>
+          <a:fontRef idx="minor">
+            <a:schemeClr val="lt1"/>
+          </a:fontRef>
+        </p:style>
+        <p:txBody>
+          <a:bodyPr rtlCol="0" anchor="ctr"/>
+          <a:lstStyle/>
+          <a:p>
+            <a:pPr algn="ctr"/>
+            <a:r>
+              <a:rPr lang="en-IN" sz="1100" dirty="0"/>
+              <a:t>Inbound Flux &lt;</a:t>
+            </a:r>
+            <a:r>
+              <a:rPr lang="en-IN" sz="1100" dirty="0" err="1"/>
+              <a:t>WebSocketMessage</a:t>
+            </a:r>
+            <a:r>
+              <a:rPr lang="en-IN" sz="1100" dirty="0"/>
+              <a:t>&gt;</a:t>
+            </a:r>
+          </a:p>
+          <a:p>
+            <a:pPr algn="ctr"/>
+            <a:endParaRPr lang="en-IN" sz="1100" dirty="0"/>
+          </a:p>
+        </p:txBody>
+      </p:sp>
+      <p:sp>
+        <p:nvSpPr>
+          <p:cNvPr id="158" name="Rectangle: Rounded Corners 157">
+            <a:extLst>
+              <a:ext uri="{FF2B5EF4-FFF2-40B4-BE49-F238E27FC236}">
+                <a16:creationId xmlns:a16="http://schemas.microsoft.com/office/drawing/2014/main" id="{7FFAD682-0836-4503-AB3E-6DC251AACC16}"/>
+              </a:ext>
+            </a:extLst>
+          </p:cNvPr>
+          <p:cNvSpPr/>
+          <p:nvPr/>
+        </p:nvSpPr>
+        <p:spPr>
+          <a:xfrm>
+            <a:off x="9566437" y="3200588"/>
+            <a:ext cx="1654492" cy="616744"/>
+          </a:xfrm>
+          <a:prstGeom prst="roundRect">
+            <a:avLst/>
+          </a:prstGeom>
+        </p:spPr>
+        <p:style>
+          <a:lnRef idx="0">
+            <a:schemeClr val="accent5"/>
+          </a:lnRef>
+          <a:fillRef idx="3">
+            <a:schemeClr val="accent5"/>
+          </a:fillRef>
+          <a:effectRef idx="3">
+            <a:schemeClr val="accent5"/>
+          </a:effectRef>
+          <a:fontRef idx="minor">
+            <a:schemeClr val="lt1"/>
+          </a:fontRef>
+        </p:style>
+        <p:txBody>
+          <a:bodyPr rtlCol="0" anchor="ctr"/>
+          <a:lstStyle/>
+          <a:p>
+            <a:pPr algn="ctr"/>
+            <a:r>
+              <a:rPr lang="en-IN" sz="1100" dirty="0"/>
+              <a:t>Outbound Flux &lt;</a:t>
+            </a:r>
+            <a:r>
+              <a:rPr lang="en-IN" sz="1100" dirty="0" err="1"/>
+              <a:t>WebSocketMessage</a:t>
+            </a:r>
+            <a:r>
+              <a:rPr lang="en-IN" sz="1100" dirty="0"/>
+              <a:t>&gt;</a:t>
+            </a:r>
+          </a:p>
+        </p:txBody>
+      </p:sp>
+      <p:cxnSp>
+        <p:nvCxnSpPr>
+          <p:cNvPr id="159" name="Connector: Elbow 158">
+            <a:extLst>
+              <a:ext uri="{FF2B5EF4-FFF2-40B4-BE49-F238E27FC236}">
+                <a16:creationId xmlns:a16="http://schemas.microsoft.com/office/drawing/2014/main" id="{80CB9C3A-5EAB-4E1E-BF1D-46A43D775677}"/>
+              </a:ext>
+            </a:extLst>
+          </p:cNvPr>
+          <p:cNvCxnSpPr>
+            <a:cxnSpLocks/>
+            <a:stCxn id="155" idx="3"/>
+            <a:endCxn id="156" idx="3"/>
+          </p:cNvCxnSpPr>
+          <p:nvPr/>
+        </p:nvCxnSpPr>
+        <p:spPr>
+          <a:xfrm>
+            <a:off x="9642516" y="516018"/>
+            <a:ext cx="229315" cy="1486376"/>
+          </a:xfrm>
+          <a:prstGeom prst="bentConnector3">
+            <a:avLst>
+              <a:gd name="adj1" fmla="val 199688"/>
+            </a:avLst>
+          </a:prstGeom>
+          <a:ln w="19050">
+            <a:headEnd type="triangle" w="med" len="med"/>
+            <a:tailEnd type="none" w="med" len="med"/>
+          </a:ln>
+        </p:spPr>
+        <p:style>
+          <a:lnRef idx="1">
+            <a:schemeClr val="accent2"/>
+          </a:lnRef>
+          <a:fillRef idx="0">
+            <a:schemeClr val="accent2"/>
+          </a:fillRef>
+          <a:effectRef idx="0">
+            <a:schemeClr val="accent2"/>
+          </a:effectRef>
+          <a:fontRef idx="minor">
+            <a:schemeClr val="tx1"/>
+          </a:fontRef>
+        </p:style>
+      </p:cxnSp>
+      <p:cxnSp>
+        <p:nvCxnSpPr>
+          <p:cNvPr id="160" name="Connector: Elbow 159">
+            <a:extLst>
+              <a:ext uri="{FF2B5EF4-FFF2-40B4-BE49-F238E27FC236}">
+                <a16:creationId xmlns:a16="http://schemas.microsoft.com/office/drawing/2014/main" id="{6374CE98-BDB1-4E9A-AC6C-C2CAAA3351E3}"/>
+              </a:ext>
+            </a:extLst>
+          </p:cNvPr>
+          <p:cNvCxnSpPr>
+            <a:cxnSpLocks/>
+            <a:endCxn id="157" idx="0"/>
+          </p:cNvCxnSpPr>
+          <p:nvPr/>
+        </p:nvCxnSpPr>
+        <p:spPr>
+          <a:xfrm rot="5400000">
+            <a:off x="7773249" y="2409199"/>
+            <a:ext cx="972819" cy="484328"/>
+          </a:xfrm>
+          <a:prstGeom prst="bentConnector3">
+            <a:avLst>
+              <a:gd name="adj1" fmla="val -130"/>
+            </a:avLst>
+          </a:prstGeom>
+          <a:ln w="19050">
+            <a:headEnd type="none" w="med" len="med"/>
+            <a:tailEnd type="triangle" w="med" len="med"/>
+          </a:ln>
+        </p:spPr>
+        <p:style>
+          <a:lnRef idx="1">
+            <a:schemeClr val="accent2"/>
+          </a:lnRef>
+          <a:fillRef idx="0">
+            <a:schemeClr val="accent2"/>
+          </a:fillRef>
+          <a:effectRef idx="0">
+            <a:schemeClr val="accent2"/>
+          </a:effectRef>
+          <a:fontRef idx="minor">
+            <a:schemeClr val="tx1"/>
+          </a:fontRef>
+        </p:style>
+      </p:cxnSp>
+      <p:cxnSp>
+        <p:nvCxnSpPr>
+          <p:cNvPr id="161" name="Connector: Elbow 160">
+            <a:extLst>
+              <a:ext uri="{FF2B5EF4-FFF2-40B4-BE49-F238E27FC236}">
+                <a16:creationId xmlns:a16="http://schemas.microsoft.com/office/drawing/2014/main" id="{1A9AC8FB-7800-44C1-B245-81441F067615}"/>
+              </a:ext>
+            </a:extLst>
+          </p:cNvPr>
+          <p:cNvCxnSpPr>
+            <a:cxnSpLocks/>
+            <a:endCxn id="158" idx="0"/>
+          </p:cNvCxnSpPr>
+          <p:nvPr/>
+        </p:nvCxnSpPr>
+        <p:spPr>
+          <a:xfrm rot="16200000" flipH="1">
+            <a:off x="9579380" y="2386285"/>
+            <a:ext cx="1106754" cy="521852"/>
+          </a:xfrm>
+          <a:prstGeom prst="bentConnector3">
+            <a:avLst>
+              <a:gd name="adj1" fmla="val 428"/>
+            </a:avLst>
+          </a:prstGeom>
+          <a:ln w="19050">
+            <a:headEnd type="triangle" w="med" len="med"/>
+            <a:tailEnd type="none" w="med" len="med"/>
+          </a:ln>
+        </p:spPr>
+        <p:style>
+          <a:lnRef idx="1">
+            <a:schemeClr val="accent2"/>
+          </a:lnRef>
+          <a:fillRef idx="0">
+            <a:schemeClr val="accent2"/>
+          </a:fillRef>
+          <a:effectRef idx="0">
+            <a:schemeClr val="accent2"/>
+          </a:effectRef>
+          <a:fontRef idx="minor">
+            <a:schemeClr val="tx1"/>
+          </a:fontRef>
+        </p:style>
+      </p:cxnSp>
+      <p:cxnSp>
+        <p:nvCxnSpPr>
+          <p:cNvPr id="162" name="Connector: Elbow 161">
+            <a:extLst>
+              <a:ext uri="{FF2B5EF4-FFF2-40B4-BE49-F238E27FC236}">
+                <a16:creationId xmlns:a16="http://schemas.microsoft.com/office/drawing/2014/main" id="{30B51B3E-B3ED-4301-8B8B-0592E5DCDB3F}"/>
+              </a:ext>
+            </a:extLst>
+          </p:cNvPr>
+          <p:cNvCxnSpPr>
+            <a:cxnSpLocks/>
+            <a:stCxn id="156" idx="1"/>
+            <a:endCxn id="155" idx="1"/>
+          </p:cNvCxnSpPr>
+          <p:nvPr/>
+        </p:nvCxnSpPr>
+        <p:spPr>
+          <a:xfrm rot="10800000" flipH="1">
+            <a:off x="8501818" y="516018"/>
+            <a:ext cx="229315" cy="1486376"/>
+          </a:xfrm>
+          <a:prstGeom prst="bentConnector3">
+            <a:avLst>
+              <a:gd name="adj1" fmla="val -99688"/>
+            </a:avLst>
+          </a:prstGeom>
+          <a:ln w="19050">
+            <a:headEnd type="triangle" w="med" len="med"/>
+            <a:tailEnd type="none" w="med" len="med"/>
+          </a:ln>
+        </p:spPr>
+        <p:style>
+          <a:lnRef idx="1">
+            <a:schemeClr val="accent2"/>
+          </a:lnRef>
+          <a:fillRef idx="0">
+            <a:schemeClr val="accent2"/>
+          </a:fillRef>
+          <a:effectRef idx="0">
+            <a:schemeClr val="accent2"/>
+          </a:effectRef>
+          <a:fontRef idx="minor">
+            <a:schemeClr val="tx1"/>
+          </a:fontRef>
+        </p:style>
+      </p:cxnSp>
+      <p:sp>
+        <p:nvSpPr>
+          <p:cNvPr id="35" name="Cylinder 34">
+            <a:extLst>
+              <a:ext uri="{FF2B5EF4-FFF2-40B4-BE49-F238E27FC236}">
+                <a16:creationId xmlns:a16="http://schemas.microsoft.com/office/drawing/2014/main" id="{AF4D9CCC-3B53-49BC-A4F6-94B8CA6F165B}"/>
+              </a:ext>
+            </a:extLst>
+          </p:cNvPr>
+          <p:cNvSpPr/>
+          <p:nvPr/>
+        </p:nvSpPr>
+        <p:spPr>
+          <a:xfrm rot="5400000">
+            <a:off x="10075643" y="4213258"/>
+            <a:ext cx="523875" cy="1654493"/>
+          </a:xfrm>
+          <a:prstGeom prst="can">
+            <a:avLst/>
+          </a:prstGeom>
+        </p:spPr>
+        <p:style>
+          <a:lnRef idx="0">
+            <a:schemeClr val="accent5"/>
+          </a:lnRef>
+          <a:fillRef idx="3">
+            <a:schemeClr val="accent5"/>
+          </a:fillRef>
+          <a:effectRef idx="3">
+            <a:schemeClr val="accent5"/>
+          </a:effectRef>
+          <a:fontRef idx="minor">
+            <a:schemeClr val="lt1"/>
+          </a:fontRef>
+        </p:style>
+        <p:txBody>
+          <a:bodyPr vert="vert270" rtlCol="0" anchor="ctr"/>
+          <a:lstStyle/>
+          <a:p>
+            <a:pPr algn="ctr"/>
+            <a:r>
+              <a:rPr lang="en-IN" dirty="0"/>
+              <a:t>Subscribe Channel  </a:t>
+            </a:r>
+          </a:p>
+        </p:txBody>
+      </p:sp>
+      <p:sp>
+        <p:nvSpPr>
+          <p:cNvPr id="41" name="Cylinder 40">
+            <a:extLst>
+              <a:ext uri="{FF2B5EF4-FFF2-40B4-BE49-F238E27FC236}">
+                <a16:creationId xmlns:a16="http://schemas.microsoft.com/office/drawing/2014/main" id="{6ACC623E-3EA7-4F06-B01D-12BCECD5E5FB}"/>
+              </a:ext>
+            </a:extLst>
+          </p:cNvPr>
+          <p:cNvSpPr/>
+          <p:nvPr/>
+        </p:nvSpPr>
+        <p:spPr>
+          <a:xfrm rot="5400000">
+            <a:off x="5834845" y="5725540"/>
+            <a:ext cx="348908" cy="1706111"/>
+          </a:xfrm>
+          <a:prstGeom prst="can">
+            <a:avLst/>
+          </a:prstGeom>
+          <a:solidFill>
+            <a:schemeClr val="tx1">
+              <a:lumMod val="50000"/>
+              <a:lumOff val="50000"/>
+            </a:schemeClr>
+          </a:solidFill>
+        </p:spPr>
+        <p:style>
+          <a:lnRef idx="0">
+            <a:schemeClr val="accent5"/>
+          </a:lnRef>
+          <a:fillRef idx="3">
+            <a:schemeClr val="accent5"/>
+          </a:fillRef>
+          <a:effectRef idx="3">
+            <a:schemeClr val="accent5"/>
+          </a:effectRef>
+          <a:fontRef idx="minor">
+            <a:schemeClr val="lt1"/>
+          </a:fontRef>
+        </p:style>
+        <p:txBody>
+          <a:bodyPr vert="vert270" rtlCol="0" anchor="ctr"/>
+          <a:lstStyle/>
+          <a:p>
+            <a:pPr algn="ctr"/>
+            <a:r>
+              <a:rPr lang="en-IN" dirty="0"/>
+              <a:t>Queue</a:t>
+            </a:r>
+          </a:p>
+        </p:txBody>
+      </p:sp>
+      <p:sp>
+        <p:nvSpPr>
+          <p:cNvPr id="42" name="Rectangle: Rounded Corners 41">
+            <a:extLst>
+              <a:ext uri="{FF2B5EF4-FFF2-40B4-BE49-F238E27FC236}">
+                <a16:creationId xmlns:a16="http://schemas.microsoft.com/office/drawing/2014/main" id="{3392EE0B-3B8E-4E81-B6CE-7AB4B4097389}"/>
+              </a:ext>
+            </a:extLst>
+          </p:cNvPr>
+          <p:cNvSpPr/>
+          <p:nvPr/>
+        </p:nvSpPr>
+        <p:spPr>
+          <a:xfrm>
+            <a:off x="5171394" y="5583547"/>
+            <a:ext cx="1654492" cy="616744"/>
+          </a:xfrm>
+          <a:prstGeom prst="roundRect">
+            <a:avLst/>
+          </a:prstGeom>
+          <a:solidFill>
+            <a:schemeClr val="tx1">
+              <a:lumMod val="50000"/>
+              <a:lumOff val="50000"/>
+            </a:schemeClr>
+          </a:solidFill>
+        </p:spPr>
+        <p:style>
+          <a:lnRef idx="0">
+            <a:schemeClr val="accent5"/>
+          </a:lnRef>
+          <a:fillRef idx="3">
+            <a:schemeClr val="accent5"/>
+          </a:fillRef>
+          <a:effectRef idx="3">
+            <a:schemeClr val="accent5"/>
+          </a:effectRef>
+          <a:fontRef idx="minor">
+            <a:schemeClr val="lt1"/>
+          </a:fontRef>
+        </p:style>
+        <p:txBody>
+          <a:bodyPr rtlCol="0" anchor="ctr"/>
+          <a:lstStyle/>
+          <a:p>
+            <a:pPr algn="ctr"/>
+            <a:r>
+              <a:rPr lang="en-IN" sz="2000" dirty="0"/>
+              <a:t>Exchange</a:t>
+            </a:r>
+          </a:p>
+        </p:txBody>
+      </p:sp>
+      <p:cxnSp>
+        <p:nvCxnSpPr>
+          <p:cNvPr id="44" name="Connector: Elbow 43">
+            <a:extLst>
+              <a:ext uri="{FF2B5EF4-FFF2-40B4-BE49-F238E27FC236}">
+                <a16:creationId xmlns:a16="http://schemas.microsoft.com/office/drawing/2014/main" id="{3B1F99CF-F154-401B-952C-39DB98E66A05}"/>
+              </a:ext>
+            </a:extLst>
+          </p:cNvPr>
+          <p:cNvCxnSpPr>
+            <a:cxnSpLocks/>
+            <a:stCxn id="57" idx="4"/>
+            <a:endCxn id="42" idx="1"/>
+          </p:cNvCxnSpPr>
+          <p:nvPr/>
+        </p:nvCxnSpPr>
+        <p:spPr>
+          <a:xfrm rot="16200000" flipH="1">
+            <a:off x="4317548" y="5038073"/>
+            <a:ext cx="576012" cy="1131679"/>
+          </a:xfrm>
+          <a:prstGeom prst="bentConnector4">
+            <a:avLst>
+              <a:gd name="adj1" fmla="val 99217"/>
+              <a:gd name="adj2" fmla="val 61573"/>
+            </a:avLst>
+          </a:prstGeom>
+          <a:ln w="19050">
+            <a:tailEnd type="triangle"/>
+          </a:ln>
+        </p:spPr>
+        <p:style>
+          <a:lnRef idx="1">
+            <a:schemeClr val="accent2"/>
+          </a:lnRef>
+          <a:fillRef idx="0">
+            <a:schemeClr val="accent2"/>
+          </a:fillRef>
+          <a:effectRef idx="0">
+            <a:schemeClr val="accent2"/>
+          </a:effectRef>
+          <a:fontRef idx="minor">
+            <a:schemeClr val="tx1"/>
+          </a:fontRef>
+        </p:style>
+      </p:cxnSp>
+      <p:cxnSp>
+        <p:nvCxnSpPr>
+          <p:cNvPr id="53" name="Connector: Elbow 52">
+            <a:extLst>
+              <a:ext uri="{FF2B5EF4-FFF2-40B4-BE49-F238E27FC236}">
+                <a16:creationId xmlns:a16="http://schemas.microsoft.com/office/drawing/2014/main" id="{357FF7CF-1FC8-40BF-83A4-93D132F36009}"/>
+              </a:ext>
+            </a:extLst>
+          </p:cNvPr>
+          <p:cNvCxnSpPr>
+            <a:cxnSpLocks/>
+            <a:stCxn id="41" idx="3"/>
+            <a:endCxn id="7" idx="4"/>
+          </p:cNvCxnSpPr>
+          <p:nvPr/>
+        </p:nvCxnSpPr>
+        <p:spPr>
+          <a:xfrm rot="10800000">
+            <a:off x="1676470" y="5315908"/>
+            <a:ext cx="3479774" cy="1262688"/>
+          </a:xfrm>
+          <a:prstGeom prst="bentConnector2">
+            <a:avLst/>
+          </a:prstGeom>
+          <a:ln w="19050">
+            <a:tailEnd type="triangle"/>
+          </a:ln>
+        </p:spPr>
+        <p:style>
+          <a:lnRef idx="1">
+            <a:schemeClr val="accent2"/>
+          </a:lnRef>
+          <a:fillRef idx="0">
+            <a:schemeClr val="accent2"/>
+          </a:fillRef>
+          <a:effectRef idx="0">
+            <a:schemeClr val="accent2"/>
+          </a:effectRef>
+          <a:fontRef idx="minor">
+            <a:schemeClr val="tx1"/>
+          </a:fontRef>
+        </p:style>
+      </p:cxnSp>
+      <p:sp>
+        <p:nvSpPr>
+          <p:cNvPr id="57" name="Cylinder 56">
+            <a:extLst>
+              <a:ext uri="{FF2B5EF4-FFF2-40B4-BE49-F238E27FC236}">
+                <a16:creationId xmlns:a16="http://schemas.microsoft.com/office/drawing/2014/main" id="{1B6A9227-7004-4D61-94D5-FB425B91491E}"/>
+              </a:ext>
+            </a:extLst>
+          </p:cNvPr>
+          <p:cNvSpPr/>
+          <p:nvPr/>
+        </p:nvSpPr>
+        <p:spPr>
+          <a:xfrm rot="5400000">
+            <a:off x="3777777" y="4030783"/>
+            <a:ext cx="523875" cy="2046372"/>
+          </a:xfrm>
+          <a:prstGeom prst="can">
+            <a:avLst/>
+          </a:prstGeom>
+        </p:spPr>
+        <p:style>
+          <a:lnRef idx="0">
+            <a:schemeClr val="accent5"/>
+          </a:lnRef>
+          <a:fillRef idx="3">
+            <a:schemeClr val="accent5"/>
+          </a:fillRef>
+          <a:effectRef idx="3">
+            <a:schemeClr val="accent5"/>
+          </a:effectRef>
+          <a:fontRef idx="minor">
+            <a:schemeClr val="lt1"/>
+          </a:fontRef>
+        </p:style>
+        <p:txBody>
+          <a:bodyPr vert="vert270" rtlCol="0" anchor="ctr"/>
+          <a:lstStyle/>
+          <a:p>
+            <a:pPr algn="ctr"/>
+            <a:r>
+              <a:rPr lang="en-IN" dirty="0"/>
+              <a:t>Publish Channel  </a:t>
+            </a:r>
+          </a:p>
+        </p:txBody>
+      </p:sp>
+      <p:cxnSp>
+        <p:nvCxnSpPr>
+          <p:cNvPr id="79" name="Straight Arrow Connector 78">
+            <a:extLst>
+              <a:ext uri="{FF2B5EF4-FFF2-40B4-BE49-F238E27FC236}">
+                <a16:creationId xmlns:a16="http://schemas.microsoft.com/office/drawing/2014/main" id="{D387F0F4-BFDE-437B-B1F3-B08B030CDEF4}"/>
+              </a:ext>
+            </a:extLst>
+          </p:cNvPr>
+          <p:cNvCxnSpPr>
+            <a:cxnSpLocks/>
+            <a:stCxn id="42" idx="2"/>
+            <a:endCxn id="41" idx="2"/>
+          </p:cNvCxnSpPr>
+          <p:nvPr/>
+        </p:nvCxnSpPr>
+        <p:spPr>
+          <a:xfrm>
+            <a:off x="5998640" y="6200291"/>
+            <a:ext cx="10659" cy="203851"/>
+          </a:xfrm>
+          <a:prstGeom prst="straightConnector1">
+            <a:avLst/>
+          </a:prstGeom>
+          <a:ln w="19050">
+            <a:tailEnd type="triangle"/>
+          </a:ln>
+        </p:spPr>
+        <p:style>
+          <a:lnRef idx="1">
+            <a:schemeClr val="accent2"/>
+          </a:lnRef>
+          <a:fillRef idx="0">
+            <a:schemeClr val="accent2"/>
+          </a:fillRef>
+          <a:effectRef idx="0">
+            <a:schemeClr val="accent2"/>
+          </a:effectRef>
+          <a:fontRef idx="minor">
+            <a:schemeClr val="tx1"/>
+          </a:fontRef>
+        </p:style>
+      </p:cxnSp>
+      <p:sp>
+        <p:nvSpPr>
+          <p:cNvPr id="83" name="Cylinder 82">
+            <a:extLst>
+              <a:ext uri="{FF2B5EF4-FFF2-40B4-BE49-F238E27FC236}">
+                <a16:creationId xmlns:a16="http://schemas.microsoft.com/office/drawing/2014/main" id="{FD24C65C-FDAF-404A-B3E4-5D6C9AFF8A5C}"/>
+              </a:ext>
+            </a:extLst>
+          </p:cNvPr>
+          <p:cNvSpPr/>
+          <p:nvPr/>
+        </p:nvSpPr>
+        <p:spPr>
+          <a:xfrm rot="5400000">
+            <a:off x="7847101" y="4008078"/>
+            <a:ext cx="523875" cy="2046372"/>
+          </a:xfrm>
+          <a:prstGeom prst="can">
+            <a:avLst/>
+          </a:prstGeom>
+        </p:spPr>
+        <p:style>
+          <a:lnRef idx="0">
+            <a:schemeClr val="accent5"/>
+          </a:lnRef>
+          <a:fillRef idx="3">
+            <a:schemeClr val="accent5"/>
+          </a:fillRef>
+          <a:effectRef idx="3">
+            <a:schemeClr val="accent5"/>
+          </a:effectRef>
+          <a:fontRef idx="minor">
+            <a:schemeClr val="lt1"/>
+          </a:fontRef>
+        </p:style>
+        <p:txBody>
+          <a:bodyPr vert="vert270" rtlCol="0" anchor="ctr"/>
+          <a:lstStyle/>
+          <a:p>
+            <a:pPr algn="ctr"/>
+            <a:r>
+              <a:rPr lang="en-IN" dirty="0"/>
+              <a:t>Publish Channel  </a:t>
+            </a:r>
+          </a:p>
+        </p:txBody>
+      </p:sp>
+      <p:cxnSp>
+        <p:nvCxnSpPr>
+          <p:cNvPr id="84" name="Connector: Elbow 83">
+            <a:extLst>
+              <a:ext uri="{FF2B5EF4-FFF2-40B4-BE49-F238E27FC236}">
+                <a16:creationId xmlns:a16="http://schemas.microsoft.com/office/drawing/2014/main" id="{71F6B040-BCD1-48D5-AF3A-457F3CFA7E5E}"/>
+              </a:ext>
+            </a:extLst>
+          </p:cNvPr>
+          <p:cNvCxnSpPr>
+            <a:cxnSpLocks/>
+            <a:stCxn id="83" idx="4"/>
+            <a:endCxn id="42" idx="3"/>
+          </p:cNvCxnSpPr>
+          <p:nvPr/>
+        </p:nvCxnSpPr>
+        <p:spPr>
+          <a:xfrm rot="5400000">
+            <a:off x="7168105" y="4950984"/>
+            <a:ext cx="598717" cy="1283153"/>
+          </a:xfrm>
+          <a:prstGeom prst="bentConnector4">
+            <a:avLst>
+              <a:gd name="adj1" fmla="val 100227"/>
+              <a:gd name="adj2" fmla="val 60207"/>
+            </a:avLst>
+          </a:prstGeom>
+          <a:ln w="19050">
+            <a:tailEnd type="triangle"/>
+          </a:ln>
+        </p:spPr>
+        <p:style>
+          <a:lnRef idx="1">
+            <a:schemeClr val="accent2"/>
+          </a:lnRef>
+          <a:fillRef idx="0">
+            <a:schemeClr val="accent2"/>
+          </a:fillRef>
+          <a:effectRef idx="0">
+            <a:schemeClr val="accent2"/>
+          </a:effectRef>
+          <a:fontRef idx="minor">
+            <a:schemeClr val="tx1"/>
+          </a:fontRef>
+        </p:style>
+      </p:cxnSp>
+      <p:cxnSp>
+        <p:nvCxnSpPr>
+          <p:cNvPr id="86" name="Connector: Elbow 85">
+            <a:extLst>
+              <a:ext uri="{FF2B5EF4-FFF2-40B4-BE49-F238E27FC236}">
+                <a16:creationId xmlns:a16="http://schemas.microsoft.com/office/drawing/2014/main" id="{9C8D8E79-D097-4BA3-8B6E-6707D8B99393}"/>
+              </a:ext>
+            </a:extLst>
+          </p:cNvPr>
+          <p:cNvCxnSpPr>
+            <a:cxnSpLocks/>
+            <a:stCxn id="41" idx="1"/>
+            <a:endCxn id="35" idx="4"/>
+          </p:cNvCxnSpPr>
+          <p:nvPr/>
+        </p:nvCxnSpPr>
+        <p:spPr>
+          <a:xfrm flipV="1">
+            <a:off x="6862355" y="5302442"/>
+            <a:ext cx="3475225" cy="1276154"/>
+          </a:xfrm>
+          <a:prstGeom prst="bentConnector2">
+            <a:avLst/>
+          </a:prstGeom>
+          <a:ln w="19050">
+            <a:tailEnd type="triangle"/>
+          </a:ln>
+        </p:spPr>
+        <p:style>
+          <a:lnRef idx="1">
+            <a:schemeClr val="accent2"/>
+          </a:lnRef>
+          <a:fillRef idx="0">
+            <a:schemeClr val="accent2"/>
+          </a:fillRef>
+          <a:effectRef idx="0">
+            <a:schemeClr val="accent2"/>
+          </a:effectRef>
+          <a:fontRef idx="minor">
+            <a:schemeClr val="tx1"/>
+          </a:fontRef>
+        </p:style>
+      </p:cxnSp>
+    </p:spTree>
+    <p:extLst>
+      <p:ext uri="{BB962C8B-B14F-4D97-AF65-F5344CB8AC3E}">
+        <p14:creationId xmlns:p14="http://schemas.microsoft.com/office/powerpoint/2010/main" val="4054951635"/>
+      </p:ext>
+    </p:extLst>
+  </p:cSld>
+  <p:clrMapOvr>
+    <a:masterClrMapping/>
+  </p:clrMapOvr>
+</p:sld>
+</file>
+
 <file path=ppt/slides/slide2.xml><?xml version="1.0" encoding="utf-8"?>
 <p:sld xmlns:a="http://schemas.openxmlformats.org/drawingml/2006/main" xmlns:r="http://schemas.openxmlformats.org/officeDocument/2006/relationships" xmlns:p="http://schemas.openxmlformats.org/presentationml/2006/main">
   <p:cSld>
@@ -3764,6 +5918,61 @@
       </p:grpSpPr>
       <p:sp>
         <p:nvSpPr>
+          <p:cNvPr id="35" name="Rectangle: Rounded Corners 34">
+            <a:extLst>
+              <a:ext uri="{FF2B5EF4-FFF2-40B4-BE49-F238E27FC236}">
+                <a16:creationId xmlns:a16="http://schemas.microsoft.com/office/drawing/2014/main" id="{3B94AB0D-395C-4930-98F1-5C66BD441C26}"/>
+              </a:ext>
+            </a:extLst>
+          </p:cNvPr>
+          <p:cNvSpPr/>
+          <p:nvPr/>
+        </p:nvSpPr>
+        <p:spPr>
+          <a:xfrm>
+            <a:off x="266700" y="912893"/>
+            <a:ext cx="11487150" cy="5825964"/>
+          </a:xfrm>
+          <a:prstGeom prst="roundRect">
+            <a:avLst/>
+          </a:prstGeom>
+          <a:solidFill>
+            <a:schemeClr val="accent3">
+              <a:lumMod val="40000"/>
+              <a:lumOff val="60000"/>
+            </a:schemeClr>
+          </a:solidFill>
+          <a:ln>
+            <a:noFill/>
+          </a:ln>
+        </p:spPr>
+        <p:style>
+          <a:lnRef idx="2">
+            <a:schemeClr val="accent1">
+              <a:shade val="50000"/>
+            </a:schemeClr>
+          </a:lnRef>
+          <a:fillRef idx="1">
+            <a:schemeClr val="accent1"/>
+          </a:fillRef>
+          <a:effectRef idx="0">
+            <a:schemeClr val="accent1"/>
+          </a:effectRef>
+          <a:fontRef idx="minor">
+            <a:schemeClr val="lt1"/>
+          </a:fontRef>
+        </p:style>
+        <p:txBody>
+          <a:bodyPr rtlCol="0" anchor="ctr"/>
+          <a:lstStyle/>
+          <a:p>
+            <a:pPr algn="ctr"/>
+            <a:endParaRPr lang="en-IN" dirty="0"/>
+          </a:p>
+        </p:txBody>
+      </p:sp>
+      <p:sp>
+        <p:nvSpPr>
           <p:cNvPr id="10" name="Rectangle: Rounded Corners 9">
             <a:extLst>
               <a:ext uri="{FF2B5EF4-FFF2-40B4-BE49-F238E27FC236}">
@@ -5341,6 +7550,61 @@
       </p:grpSpPr>
       <p:sp>
         <p:nvSpPr>
+          <p:cNvPr id="35" name="Rectangle: Rounded Corners 34">
+            <a:extLst>
+              <a:ext uri="{FF2B5EF4-FFF2-40B4-BE49-F238E27FC236}">
+                <a16:creationId xmlns:a16="http://schemas.microsoft.com/office/drawing/2014/main" id="{CCB93A3A-2E55-49CE-9D59-9F88041609F6}"/>
+              </a:ext>
+            </a:extLst>
+          </p:cNvPr>
+          <p:cNvSpPr/>
+          <p:nvPr/>
+        </p:nvSpPr>
+        <p:spPr>
+          <a:xfrm>
+            <a:off x="266700" y="912893"/>
+            <a:ext cx="11487150" cy="5825964"/>
+          </a:xfrm>
+          <a:prstGeom prst="roundRect">
+            <a:avLst/>
+          </a:prstGeom>
+          <a:solidFill>
+            <a:schemeClr val="accent3">
+              <a:lumMod val="40000"/>
+              <a:lumOff val="60000"/>
+            </a:schemeClr>
+          </a:solidFill>
+          <a:ln>
+            <a:noFill/>
+          </a:ln>
+        </p:spPr>
+        <p:style>
+          <a:lnRef idx="2">
+            <a:schemeClr val="accent1">
+              <a:shade val="50000"/>
+            </a:schemeClr>
+          </a:lnRef>
+          <a:fillRef idx="1">
+            <a:schemeClr val="accent1"/>
+          </a:fillRef>
+          <a:effectRef idx="0">
+            <a:schemeClr val="accent1"/>
+          </a:effectRef>
+          <a:fontRef idx="minor">
+            <a:schemeClr val="lt1"/>
+          </a:fontRef>
+        </p:style>
+        <p:txBody>
+          <a:bodyPr rtlCol="0" anchor="ctr"/>
+          <a:lstStyle/>
+          <a:p>
+            <a:pPr algn="ctr"/>
+            <a:endParaRPr lang="en-IN" dirty="0"/>
+          </a:p>
+        </p:txBody>
+      </p:sp>
+      <p:sp>
+        <p:nvSpPr>
           <p:cNvPr id="10" name="Rectangle: Rounded Corners 9">
             <a:extLst>
               <a:ext uri="{FF2B5EF4-FFF2-40B4-BE49-F238E27FC236}">
@@ -6918,6 +9182,61 @@
       </p:grpSpPr>
       <p:sp>
         <p:nvSpPr>
+          <p:cNvPr id="66" name="Rectangle: Rounded Corners 65">
+            <a:extLst>
+              <a:ext uri="{FF2B5EF4-FFF2-40B4-BE49-F238E27FC236}">
+                <a16:creationId xmlns:a16="http://schemas.microsoft.com/office/drawing/2014/main" id="{3CDE43A4-ADD4-4F24-9A87-1F9A6C3E336C}"/>
+              </a:ext>
+            </a:extLst>
+          </p:cNvPr>
+          <p:cNvSpPr/>
+          <p:nvPr/>
+        </p:nvSpPr>
+        <p:spPr>
+          <a:xfrm>
+            <a:off x="266700" y="912893"/>
+            <a:ext cx="11487150" cy="5825964"/>
+          </a:xfrm>
+          <a:prstGeom prst="roundRect">
+            <a:avLst/>
+          </a:prstGeom>
+          <a:solidFill>
+            <a:schemeClr val="accent3">
+              <a:lumMod val="40000"/>
+              <a:lumOff val="60000"/>
+            </a:schemeClr>
+          </a:solidFill>
+          <a:ln>
+            <a:noFill/>
+          </a:ln>
+        </p:spPr>
+        <p:style>
+          <a:lnRef idx="2">
+            <a:schemeClr val="accent1">
+              <a:shade val="50000"/>
+            </a:schemeClr>
+          </a:lnRef>
+          <a:fillRef idx="1">
+            <a:schemeClr val="accent1"/>
+          </a:fillRef>
+          <a:effectRef idx="0">
+            <a:schemeClr val="accent1"/>
+          </a:effectRef>
+          <a:fontRef idx="minor">
+            <a:schemeClr val="lt1"/>
+          </a:fontRef>
+        </p:style>
+        <p:txBody>
+          <a:bodyPr rtlCol="0" anchor="ctr"/>
+          <a:lstStyle/>
+          <a:p>
+            <a:pPr algn="ctr"/>
+            <a:endParaRPr lang="en-IN" dirty="0"/>
+          </a:p>
+        </p:txBody>
+      </p:sp>
+      <p:sp>
+        <p:nvSpPr>
           <p:cNvPr id="10" name="Rectangle: Rounded Corners 9">
             <a:extLst>
               <a:ext uri="{FF2B5EF4-FFF2-40B4-BE49-F238E27FC236}">
@@ -6930,8 +9249,8 @@
         </p:nvSpPr>
         <p:spPr>
           <a:xfrm>
-            <a:off x="528298" y="1250476"/>
-            <a:ext cx="10962005" cy="5265055"/>
+            <a:off x="528298" y="1107601"/>
+            <a:ext cx="10962005" cy="5547673"/>
           </a:xfrm>
           <a:prstGeom prst="roundRect">
             <a:avLst/>
@@ -7091,8 +9410,8 @@
         </p:nvSpPr>
         <p:spPr>
           <a:xfrm rot="5400000">
-            <a:off x="2560647" y="3726954"/>
-            <a:ext cx="523875" cy="4216130"/>
+            <a:off x="3417824" y="4793682"/>
+            <a:ext cx="523875" cy="2501775"/>
           </a:xfrm>
           <a:prstGeom prst="can">
             <a:avLst/>
@@ -7179,90 +9498,6 @@
           </a:p>
         </p:txBody>
       </p:sp>
-      <p:cxnSp>
-        <p:nvCxnSpPr>
-          <p:cNvPr id="43" name="Straight Arrow Connector 42">
-            <a:extLst>
-              <a:ext uri="{FF2B5EF4-FFF2-40B4-BE49-F238E27FC236}">
-                <a16:creationId xmlns:a16="http://schemas.microsoft.com/office/drawing/2014/main" id="{A298E753-97F6-47ED-8AB1-1DE9A333811A}"/>
-              </a:ext>
-            </a:extLst>
-          </p:cNvPr>
-          <p:cNvCxnSpPr>
-            <a:cxnSpLocks/>
-            <a:endCxn id="16" idx="2"/>
-          </p:cNvCxnSpPr>
-          <p:nvPr/>
-        </p:nvCxnSpPr>
-        <p:spPr>
-          <a:xfrm flipV="1">
-            <a:off x="1528943" y="4000025"/>
-            <a:ext cx="0" cy="1590150"/>
-          </a:xfrm>
-          <a:prstGeom prst="straightConnector1">
-            <a:avLst/>
-          </a:prstGeom>
-          <a:ln w="19050">
-            <a:tailEnd type="triangle"/>
-          </a:ln>
-        </p:spPr>
-        <p:style>
-          <a:lnRef idx="1">
-            <a:schemeClr val="accent2"/>
-          </a:lnRef>
-          <a:fillRef idx="0">
-            <a:schemeClr val="accent2"/>
-          </a:fillRef>
-          <a:effectRef idx="0">
-            <a:schemeClr val="accent2"/>
-          </a:effectRef>
-          <a:fontRef idx="minor">
-            <a:schemeClr val="tx1"/>
-          </a:fontRef>
-        </p:style>
-      </p:cxnSp>
-      <p:cxnSp>
-        <p:nvCxnSpPr>
-          <p:cNvPr id="58" name="Straight Arrow Connector 57">
-            <a:extLst>
-              <a:ext uri="{FF2B5EF4-FFF2-40B4-BE49-F238E27FC236}">
-                <a16:creationId xmlns:a16="http://schemas.microsoft.com/office/drawing/2014/main" id="{9948B1C8-578E-43DC-AC7F-F1EBB88286B9}"/>
-              </a:ext>
-            </a:extLst>
-          </p:cNvPr>
-          <p:cNvCxnSpPr>
-            <a:cxnSpLocks/>
-            <a:stCxn id="60" idx="4"/>
-          </p:cNvCxnSpPr>
-          <p:nvPr/>
-        </p:nvCxnSpPr>
-        <p:spPr>
-          <a:xfrm flipH="1">
-            <a:off x="8078711" y="4776726"/>
-            <a:ext cx="12824" cy="796353"/>
-          </a:xfrm>
-          <a:prstGeom prst="straightConnector1">
-            <a:avLst/>
-          </a:prstGeom>
-          <a:ln w="19050">
-            <a:tailEnd type="triangle"/>
-          </a:ln>
-        </p:spPr>
-        <p:style>
-          <a:lnRef idx="1">
-            <a:schemeClr val="accent2"/>
-          </a:lnRef>
-          <a:fillRef idx="0">
-            <a:schemeClr val="accent2"/>
-          </a:fillRef>
-          <a:effectRef idx="0">
-            <a:schemeClr val="accent2"/>
-          </a:effectRef>
-          <a:fontRef idx="minor">
-            <a:schemeClr val="tx1"/>
-          </a:fontRef>
-        </p:style>
-      </p:cxnSp>
       <p:sp>
         <p:nvSpPr>
           <p:cNvPr id="59" name="Oval 58">
@@ -7526,48 +9761,6 @@
           </a:fontRef>
         </p:style>
       </p:cxnSp>
-      <p:cxnSp>
-        <p:nvCxnSpPr>
-          <p:cNvPr id="65" name="Straight Arrow Connector 64">
-            <a:extLst>
-              <a:ext uri="{FF2B5EF4-FFF2-40B4-BE49-F238E27FC236}">
-                <a16:creationId xmlns:a16="http://schemas.microsoft.com/office/drawing/2014/main" id="{8EC22292-00C4-4ED1-BD0D-4D23CB1D418C}"/>
-              </a:ext>
-            </a:extLst>
-          </p:cNvPr>
-          <p:cNvCxnSpPr>
-            <a:cxnSpLocks/>
-            <a:endCxn id="158" idx="2"/>
-          </p:cNvCxnSpPr>
-          <p:nvPr/>
-        </p:nvCxnSpPr>
-        <p:spPr>
-          <a:xfrm flipV="1">
-            <a:off x="10380859" y="4122132"/>
-            <a:ext cx="12824" cy="1468043"/>
-          </a:xfrm>
-          <a:prstGeom prst="straightConnector1">
-            <a:avLst/>
-          </a:prstGeom>
-          <a:ln w="19050">
-            <a:tailEnd type="triangle"/>
-          </a:ln>
-        </p:spPr>
-        <p:style>
-          <a:lnRef idx="1">
-            <a:schemeClr val="accent2"/>
-          </a:lnRef>
-          <a:fillRef idx="0">
-            <a:schemeClr val="accent2"/>
-          </a:fillRef>
-          <a:effectRef idx="0">
-            <a:schemeClr val="accent2"/>
-          </a:effectRef>
-          <a:fontRef idx="minor">
-            <a:schemeClr val="tx1"/>
-          </a:fontRef>
-        </p:style>
-      </p:cxnSp>
       <p:sp>
         <p:nvSpPr>
           <p:cNvPr id="74" name="Rectangle: Rounded Corners 73">
@@ -7623,48 +9816,6 @@
           </a:p>
         </p:txBody>
       </p:sp>
-      <p:cxnSp>
-        <p:nvCxnSpPr>
-          <p:cNvPr id="76" name="Straight Arrow Connector 75">
-            <a:extLst>
-              <a:ext uri="{FF2B5EF4-FFF2-40B4-BE49-F238E27FC236}">
-                <a16:creationId xmlns:a16="http://schemas.microsoft.com/office/drawing/2014/main" id="{4D203AF1-8960-4E83-83F5-4AB7E64F4C39}"/>
-              </a:ext>
-            </a:extLst>
-          </p:cNvPr>
-          <p:cNvCxnSpPr>
-            <a:cxnSpLocks/>
-            <a:stCxn id="78" idx="4"/>
-          </p:cNvCxnSpPr>
-          <p:nvPr/>
-        </p:nvCxnSpPr>
-        <p:spPr>
-          <a:xfrm>
-            <a:off x="3917956" y="4793822"/>
-            <a:ext cx="0" cy="796353"/>
-          </a:xfrm>
-          <a:prstGeom prst="straightConnector1">
-            <a:avLst/>
-          </a:prstGeom>
-          <a:ln w="19050">
-            <a:tailEnd type="triangle"/>
-          </a:ln>
-        </p:spPr>
-        <p:style>
-          <a:lnRef idx="1">
-            <a:schemeClr val="accent2"/>
-          </a:lnRef>
-          <a:fillRef idx="0">
-            <a:schemeClr val="accent2"/>
-          </a:fillRef>
-          <a:effectRef idx="0">
-            <a:schemeClr val="accent2"/>
-          </a:effectRef>
-          <a:fontRef idx="minor">
-            <a:schemeClr val="tx1"/>
-          </a:fontRef>
-        </p:style>
-      </p:cxnSp>
       <p:sp>
         <p:nvSpPr>
           <p:cNvPr id="77" name="Oval 76">
@@ -8477,8 +10628,8 @@
         </p:nvSpPr>
         <p:spPr>
           <a:xfrm rot="5400000">
-            <a:off x="8794825" y="3713489"/>
-            <a:ext cx="523875" cy="4216130"/>
+            <a:off x="7784225" y="4933640"/>
+            <a:ext cx="523875" cy="2194929"/>
           </a:xfrm>
           <a:prstGeom prst="can">
             <a:avLst/>
@@ -8524,7 +10675,7 @@
         </p:nvSpPr>
         <p:spPr>
           <a:xfrm>
-            <a:off x="5103879" y="5634515"/>
+            <a:off x="5103879" y="5844065"/>
             <a:ext cx="1716021" cy="414783"/>
           </a:xfrm>
           <a:prstGeom prst="stripedRightArrow">
@@ -8554,6 +10705,187 @@
           </a:p>
         </p:txBody>
       </p:sp>
+      <p:cxnSp>
+        <p:nvCxnSpPr>
+          <p:cNvPr id="38" name="Connector: Elbow 37">
+            <a:extLst>
+              <a:ext uri="{FF2B5EF4-FFF2-40B4-BE49-F238E27FC236}">
+                <a16:creationId xmlns:a16="http://schemas.microsoft.com/office/drawing/2014/main" id="{85A5F28B-7791-4356-99B9-6E87D587C97F}"/>
+              </a:ext>
+            </a:extLst>
+          </p:cNvPr>
+          <p:cNvCxnSpPr>
+            <a:cxnSpLocks/>
+            <a:stCxn id="16" idx="2"/>
+            <a:endCxn id="35" idx="4"/>
+          </p:cNvCxnSpPr>
+          <p:nvPr/>
+        </p:nvCxnSpPr>
+        <p:spPr>
+          <a:xfrm rot="16200000" flipH="1">
+            <a:off x="3641044" y="1887923"/>
+            <a:ext cx="2293017" cy="6517219"/>
+          </a:xfrm>
+          <a:prstGeom prst="bentConnector3">
+            <a:avLst>
+              <a:gd name="adj1" fmla="val 112345"/>
+            </a:avLst>
+          </a:prstGeom>
+          <a:ln w="19050">
+            <a:headEnd type="triangle" w="med" len="med"/>
+            <a:tailEnd type="none" w="med" len="med"/>
+          </a:ln>
+        </p:spPr>
+        <p:style>
+          <a:lnRef idx="1">
+            <a:schemeClr val="accent2"/>
+          </a:lnRef>
+          <a:fillRef idx="0">
+            <a:schemeClr val="accent2"/>
+          </a:fillRef>
+          <a:effectRef idx="0">
+            <a:schemeClr val="accent2"/>
+          </a:effectRef>
+          <a:fontRef idx="minor">
+            <a:schemeClr val="tx1"/>
+          </a:fontRef>
+        </p:style>
+      </p:cxnSp>
+      <p:cxnSp>
+        <p:nvCxnSpPr>
+          <p:cNvPr id="42" name="Connector: Elbow 41">
+            <a:extLst>
+              <a:ext uri="{FF2B5EF4-FFF2-40B4-BE49-F238E27FC236}">
+                <a16:creationId xmlns:a16="http://schemas.microsoft.com/office/drawing/2014/main" id="{3669EEAC-0E8C-4940-83BE-C4B838DB6514}"/>
+              </a:ext>
+            </a:extLst>
+          </p:cNvPr>
+          <p:cNvCxnSpPr>
+            <a:cxnSpLocks/>
+            <a:stCxn id="7" idx="2"/>
+            <a:endCxn id="60" idx="4"/>
+          </p:cNvCxnSpPr>
+          <p:nvPr/>
+        </p:nvCxnSpPr>
+        <p:spPr>
+          <a:xfrm rot="5400000" flipH="1" flipV="1">
+            <a:off x="5382695" y="3073792"/>
+            <a:ext cx="1005906" cy="4411774"/>
+          </a:xfrm>
+          <a:prstGeom prst="bentConnector3">
+            <a:avLst>
+              <a:gd name="adj1" fmla="val 50000"/>
+            </a:avLst>
+          </a:prstGeom>
+          <a:ln w="19050">
+            <a:headEnd type="triangle" w="med" len="med"/>
+            <a:tailEnd type="none" w="med" len="med"/>
+          </a:ln>
+        </p:spPr>
+        <p:style>
+          <a:lnRef idx="1">
+            <a:schemeClr val="accent2"/>
+          </a:lnRef>
+          <a:fillRef idx="0">
+            <a:schemeClr val="accent2"/>
+          </a:fillRef>
+          <a:effectRef idx="0">
+            <a:schemeClr val="accent2"/>
+          </a:effectRef>
+          <a:fontRef idx="minor">
+            <a:schemeClr val="tx1"/>
+          </a:fontRef>
+        </p:style>
+      </p:cxnSp>
+      <p:cxnSp>
+        <p:nvCxnSpPr>
+          <p:cNvPr id="47" name="Connector: Elbow 46">
+            <a:extLst>
+              <a:ext uri="{FF2B5EF4-FFF2-40B4-BE49-F238E27FC236}">
+                <a16:creationId xmlns:a16="http://schemas.microsoft.com/office/drawing/2014/main" id="{224D5AA7-832E-46D8-984A-74D4C55EA11E}"/>
+              </a:ext>
+            </a:extLst>
+          </p:cNvPr>
+          <p:cNvCxnSpPr>
+            <a:cxnSpLocks/>
+          </p:cNvCxnSpPr>
+          <p:nvPr/>
+        </p:nvCxnSpPr>
+        <p:spPr>
+          <a:xfrm rot="5400000">
+            <a:off x="8239243" y="4033827"/>
+            <a:ext cx="2170910" cy="2347521"/>
+          </a:xfrm>
+          <a:prstGeom prst="bentConnector3">
+            <a:avLst>
+              <a:gd name="adj1" fmla="val 112601"/>
+            </a:avLst>
+          </a:prstGeom>
+          <a:ln w="19050">
+            <a:headEnd type="triangle" w="med" len="med"/>
+            <a:tailEnd type="none" w="med" len="med"/>
+          </a:ln>
+        </p:spPr>
+        <p:style>
+          <a:lnRef idx="1">
+            <a:schemeClr val="accent2"/>
+          </a:lnRef>
+          <a:fillRef idx="0">
+            <a:schemeClr val="accent2"/>
+          </a:fillRef>
+          <a:effectRef idx="0">
+            <a:schemeClr val="accent2"/>
+          </a:effectRef>
+          <a:fontRef idx="minor">
+            <a:schemeClr val="tx1"/>
+          </a:fontRef>
+        </p:style>
+      </p:cxnSp>
+      <p:cxnSp>
+        <p:nvCxnSpPr>
+          <p:cNvPr id="51" name="Connector: Elbow 50">
+            <a:extLst>
+              <a:ext uri="{FF2B5EF4-FFF2-40B4-BE49-F238E27FC236}">
+                <a16:creationId xmlns:a16="http://schemas.microsoft.com/office/drawing/2014/main" id="{499DA2E9-B85B-4963-A099-8149796F74B7}"/>
+              </a:ext>
+            </a:extLst>
+          </p:cNvPr>
+          <p:cNvCxnSpPr>
+            <a:cxnSpLocks/>
+            <a:endCxn id="78" idx="4"/>
+          </p:cNvCxnSpPr>
+          <p:nvPr/>
+        </p:nvCxnSpPr>
+        <p:spPr>
+          <a:xfrm rot="5400000" flipH="1" flipV="1">
+            <a:off x="3152464" y="5024638"/>
+            <a:ext cx="996307" cy="534677"/>
+          </a:xfrm>
+          <a:prstGeom prst="bentConnector3">
+            <a:avLst>
+              <a:gd name="adj1" fmla="val 71033"/>
+            </a:avLst>
+          </a:prstGeom>
+          <a:ln w="19050">
+            <a:headEnd type="triangle" w="med" len="med"/>
+            <a:tailEnd type="none" w="med" len="med"/>
+          </a:ln>
+        </p:spPr>
+        <p:style>
+          <a:lnRef idx="1">
+            <a:schemeClr val="accent2"/>
+          </a:lnRef>
+          <a:fillRef idx="0">
+            <a:schemeClr val="accent2"/>
+          </a:fillRef>
+          <a:effectRef idx="0">
+            <a:schemeClr val="accent2"/>
+          </a:effectRef>
+          <a:fontRef idx="minor">
+            <a:schemeClr val="tx1"/>
+          </a:fontRef>
+        </p:style>
+      </p:cxnSp>
     </p:spTree>
     <p:extLst>
       <p:ext uri="{BB962C8B-B14F-4D97-AF65-F5344CB8AC3E}">

--- a/designs.pptx
+++ b/designs.pptx
@@ -270,7 +270,7 @@
           <a:p>
             <a:fld id="{C8AF34AE-9B36-471F-88F2-11C9A132E46D}" type="datetimeFigureOut">
               <a:rPr lang="en-IN" smtClean="0"/>
-              <a:t>07-02-2022</a:t>
+              <a:t>08-02-2022</a:t>
             </a:fld>
             <a:endParaRPr lang="en-IN"/>
           </a:p>
@@ -470,7 +470,7 @@
           <a:p>
             <a:fld id="{C8AF34AE-9B36-471F-88F2-11C9A132E46D}" type="datetimeFigureOut">
               <a:rPr lang="en-IN" smtClean="0"/>
-              <a:t>07-02-2022</a:t>
+              <a:t>08-02-2022</a:t>
             </a:fld>
             <a:endParaRPr lang="en-IN"/>
           </a:p>
@@ -680,7 +680,7 @@
           <a:p>
             <a:fld id="{C8AF34AE-9B36-471F-88F2-11C9A132E46D}" type="datetimeFigureOut">
               <a:rPr lang="en-IN" smtClean="0"/>
-              <a:t>07-02-2022</a:t>
+              <a:t>08-02-2022</a:t>
             </a:fld>
             <a:endParaRPr lang="en-IN"/>
           </a:p>
@@ -880,7 +880,7 @@
           <a:p>
             <a:fld id="{C8AF34AE-9B36-471F-88F2-11C9A132E46D}" type="datetimeFigureOut">
               <a:rPr lang="en-IN" smtClean="0"/>
-              <a:t>07-02-2022</a:t>
+              <a:t>08-02-2022</a:t>
             </a:fld>
             <a:endParaRPr lang="en-IN"/>
           </a:p>
@@ -1156,7 +1156,7 @@
           <a:p>
             <a:fld id="{C8AF34AE-9B36-471F-88F2-11C9A132E46D}" type="datetimeFigureOut">
               <a:rPr lang="en-IN" smtClean="0"/>
-              <a:t>07-02-2022</a:t>
+              <a:t>08-02-2022</a:t>
             </a:fld>
             <a:endParaRPr lang="en-IN"/>
           </a:p>
@@ -1424,7 +1424,7 @@
           <a:p>
             <a:fld id="{C8AF34AE-9B36-471F-88F2-11C9A132E46D}" type="datetimeFigureOut">
               <a:rPr lang="en-IN" smtClean="0"/>
-              <a:t>07-02-2022</a:t>
+              <a:t>08-02-2022</a:t>
             </a:fld>
             <a:endParaRPr lang="en-IN"/>
           </a:p>
@@ -1839,7 +1839,7 @@
           <a:p>
             <a:fld id="{C8AF34AE-9B36-471F-88F2-11C9A132E46D}" type="datetimeFigureOut">
               <a:rPr lang="en-IN" smtClean="0"/>
-              <a:t>07-02-2022</a:t>
+              <a:t>08-02-2022</a:t>
             </a:fld>
             <a:endParaRPr lang="en-IN"/>
           </a:p>
@@ -1981,7 +1981,7 @@
           <a:p>
             <a:fld id="{C8AF34AE-9B36-471F-88F2-11C9A132E46D}" type="datetimeFigureOut">
               <a:rPr lang="en-IN" smtClean="0"/>
-              <a:t>07-02-2022</a:t>
+              <a:t>08-02-2022</a:t>
             </a:fld>
             <a:endParaRPr lang="en-IN"/>
           </a:p>
@@ -2094,7 +2094,7 @@
           <a:p>
             <a:fld id="{C8AF34AE-9B36-471F-88F2-11C9A132E46D}" type="datetimeFigureOut">
               <a:rPr lang="en-IN" smtClean="0"/>
-              <a:t>07-02-2022</a:t>
+              <a:t>08-02-2022</a:t>
             </a:fld>
             <a:endParaRPr lang="en-IN"/>
           </a:p>
@@ -2407,7 +2407,7 @@
           <a:p>
             <a:fld id="{C8AF34AE-9B36-471F-88F2-11C9A132E46D}" type="datetimeFigureOut">
               <a:rPr lang="en-IN" smtClean="0"/>
-              <a:t>07-02-2022</a:t>
+              <a:t>08-02-2022</a:t>
             </a:fld>
             <a:endParaRPr lang="en-IN"/>
           </a:p>
@@ -2696,7 +2696,7 @@
           <a:p>
             <a:fld id="{C8AF34AE-9B36-471F-88F2-11C9A132E46D}" type="datetimeFigureOut">
               <a:rPr lang="en-IN" smtClean="0"/>
-              <a:t>07-02-2022</a:t>
+              <a:t>08-02-2022</a:t>
             </a:fld>
             <a:endParaRPr lang="en-IN"/>
           </a:p>
@@ -2939,7 +2939,7 @@
           <a:p>
             <a:fld id="{C8AF34AE-9B36-471F-88F2-11C9A132E46D}" type="datetimeFigureOut">
               <a:rPr lang="en-IN" smtClean="0"/>
-              <a:t>07-02-2022</a:t>
+              <a:t>08-02-2022</a:t>
             </a:fld>
             <a:endParaRPr lang="en-IN"/>
           </a:p>
@@ -3497,7 +3497,10 @@
           <a:lstStyle/>
           <a:p>
             <a:pPr algn="ctr"/>
-            <a:endParaRPr lang="en-IN" dirty="0"/>
+            <a:endParaRPr lang="en-IN" dirty="0">
+              <a:latin typeface="Segoe UI" panose="020B0502040204020203" pitchFamily="34" charset="0"/>
+              <a:cs typeface="Segoe UI" panose="020B0502040204020203" pitchFamily="34" charset="0"/>
+            </a:endParaRPr>
           </a:p>
         </p:txBody>
       </p:sp>
@@ -3552,7 +3555,10 @@
           <a:lstStyle/>
           <a:p>
             <a:pPr algn="ctr"/>
-            <a:endParaRPr lang="en-IN" dirty="0"/>
+            <a:endParaRPr lang="en-IN" dirty="0">
+              <a:latin typeface="Segoe UI" panose="020B0502040204020203" pitchFamily="34" charset="0"/>
+              <a:cs typeface="Segoe UI" panose="020B0502040204020203" pitchFamily="34" charset="0"/>
+            </a:endParaRPr>
           </a:p>
         </p:txBody>
       </p:sp>
@@ -3570,8 +3576,8 @@
         </p:nvSpPr>
         <p:spPr>
           <a:xfrm>
-            <a:off x="528298" y="1183802"/>
-            <a:ext cx="10962005" cy="4269259"/>
+            <a:off x="528298" y="1270531"/>
+            <a:ext cx="10962005" cy="4182530"/>
           </a:xfrm>
           <a:prstGeom prst="roundRect">
             <a:avLst/>
@@ -3607,7 +3613,10 @@
           <a:lstStyle/>
           <a:p>
             <a:pPr algn="ctr"/>
-            <a:endParaRPr lang="en-IN" dirty="0"/>
+            <a:endParaRPr lang="en-IN" dirty="0">
+              <a:latin typeface="Segoe UI" panose="020B0502040204020203" pitchFamily="34" charset="0"/>
+              <a:cs typeface="Segoe UI" panose="020B0502040204020203" pitchFamily="34" charset="0"/>
+            </a:endParaRPr>
           </a:p>
         </p:txBody>
       </p:sp>
@@ -3658,7 +3667,10 @@
           <a:p>
             <a:pPr algn="ctr"/>
             <a:r>
-              <a:rPr lang="en-IN" dirty="0"/>
+              <a:rPr lang="en-IN" sz="1600" dirty="0">
+                <a:latin typeface="Segoe UI" panose="020B0502040204020203" pitchFamily="34" charset="0"/>
+                <a:cs typeface="Segoe UI" panose="020B0502040204020203" pitchFamily="34" charset="0"/>
+              </a:rPr>
               <a:t>Socket Client</a:t>
             </a:r>
           </a:p>
@@ -3711,7 +3723,10 @@
           <a:p>
             <a:pPr algn="ctr"/>
             <a:r>
-              <a:rPr lang="en-IN" dirty="0"/>
+              <a:rPr lang="en-IN" dirty="0">
+                <a:latin typeface="Segoe UI" panose="020B0502040204020203" pitchFamily="34" charset="0"/>
+                <a:cs typeface="Segoe UI" panose="020B0502040204020203" pitchFamily="34" charset="0"/>
+              </a:rPr>
               <a:t>Socket Session</a:t>
             </a:r>
           </a:p>
@@ -3758,7 +3773,10 @@
           <a:p>
             <a:pPr algn="ctr"/>
             <a:r>
-              <a:rPr lang="en-IN" dirty="0"/>
+              <a:rPr lang="en-IN" dirty="0">
+                <a:latin typeface="Segoe UI" panose="020B0502040204020203" pitchFamily="34" charset="0"/>
+                <a:cs typeface="Segoe UI" panose="020B0502040204020203" pitchFamily="34" charset="0"/>
+              </a:rPr>
               <a:t>Subscribe Channel  </a:t>
             </a:r>
           </a:p>
@@ -3805,16 +3823,11 @@
           <a:p>
             <a:pPr algn="ctr"/>
             <a:r>
-              <a:rPr lang="en-IN" sz="1100" dirty="0"/>
-              <a:t>Outbound Flux &lt;</a:t>
-            </a:r>
-            <a:r>
-              <a:rPr lang="en-IN" sz="1100" dirty="0" err="1"/>
-              <a:t>WebSocketMessage</a:t>
-            </a:r>
-            <a:r>
-              <a:rPr lang="en-IN" sz="1100" dirty="0"/>
-              <a:t>&gt;</a:t>
+              <a:rPr lang="en-IN" sz="1600" dirty="0">
+                <a:latin typeface="Segoe UI" panose="020B0502040204020203" pitchFamily="34" charset="0"/>
+                <a:cs typeface="Segoe UI" panose="020B0502040204020203" pitchFamily="34" charset="0"/>
+              </a:rPr>
+              <a:t>Outbound Flux</a:t>
             </a:r>
           </a:p>
         </p:txBody>
@@ -3942,7 +3955,10 @@
           <a:lstStyle/>
           <a:p>
             <a:pPr algn="ctr"/>
-            <a:endParaRPr lang="en-IN"/>
+            <a:endParaRPr lang="en-IN">
+              <a:latin typeface="Segoe UI" panose="020B0502040204020203" pitchFamily="34" charset="0"/>
+              <a:cs typeface="Segoe UI" panose="020B0502040204020203" pitchFamily="34" charset="0"/>
+            </a:endParaRPr>
           </a:p>
         </p:txBody>
       </p:sp>
@@ -3986,7 +4002,10 @@
           <a:lstStyle/>
           <a:p>
             <a:pPr algn="ctr"/>
-            <a:endParaRPr lang="en-IN"/>
+            <a:endParaRPr lang="en-IN">
+              <a:latin typeface="Segoe UI" panose="020B0502040204020203" pitchFamily="34" charset="0"/>
+              <a:cs typeface="Segoe UI" panose="020B0502040204020203" pitchFamily="34" charset="0"/>
+            </a:endParaRPr>
           </a:p>
         </p:txBody>
       </p:sp>
@@ -4004,8 +4023,8 @@
         </p:nvSpPr>
         <p:spPr>
           <a:xfrm>
-            <a:off x="6050643" y="3664299"/>
-            <a:ext cx="898054" cy="643193"/>
+            <a:off x="6003996" y="3664299"/>
+            <a:ext cx="944701" cy="643193"/>
           </a:xfrm>
           <a:prstGeom prst="can">
             <a:avLst/>
@@ -4031,7 +4050,10 @@
           <a:p>
             <a:pPr algn="ctr"/>
             <a:r>
-              <a:rPr lang="en-IN" sz="1100" dirty="0"/>
+              <a:rPr lang="en-IN" sz="1200" dirty="0">
+                <a:latin typeface="Segoe UI" panose="020B0502040204020203" pitchFamily="34" charset="0"/>
+                <a:cs typeface="Segoe UI" panose="020B0502040204020203" pitchFamily="34" charset="0"/>
+              </a:rPr>
               <a:t>Socket Session DB</a:t>
             </a:r>
           </a:p>
@@ -4248,16 +4270,11 @@
           <a:p>
             <a:pPr algn="ctr"/>
             <a:r>
-              <a:rPr lang="en-IN" sz="1100" dirty="0"/>
-              <a:t>Inbound Flux &lt;</a:t>
-            </a:r>
-            <a:r>
-              <a:rPr lang="en-IN" sz="1100" dirty="0" err="1"/>
-              <a:t>WebSocketMessage</a:t>
-            </a:r>
-            <a:r>
-              <a:rPr lang="en-IN" sz="1100" dirty="0"/>
-              <a:t>&gt;</a:t>
+              <a:rPr lang="en-IN" sz="1600" dirty="0">
+                <a:latin typeface="Segoe UI" panose="020B0502040204020203" pitchFamily="34" charset="0"/>
+                <a:cs typeface="Segoe UI" panose="020B0502040204020203" pitchFamily="34" charset="0"/>
+              </a:rPr>
+              <a:t>Inbound Flux</a:t>
             </a:r>
           </a:p>
         </p:txBody>
@@ -4343,7 +4360,10 @@
           <a:lstStyle/>
           <a:p>
             <a:pPr algn="ctr"/>
-            <a:endParaRPr lang="en-IN"/>
+            <a:endParaRPr lang="en-IN">
+              <a:latin typeface="Segoe UI" panose="020B0502040204020203" pitchFamily="34" charset="0"/>
+              <a:cs typeface="Segoe UI" panose="020B0502040204020203" pitchFamily="34" charset="0"/>
+            </a:endParaRPr>
           </a:p>
         </p:txBody>
       </p:sp>
@@ -4387,7 +4407,10 @@
           <a:lstStyle/>
           <a:p>
             <a:pPr algn="ctr"/>
-            <a:endParaRPr lang="en-IN"/>
+            <a:endParaRPr lang="en-IN">
+              <a:latin typeface="Segoe UI" panose="020B0502040204020203" pitchFamily="34" charset="0"/>
+              <a:cs typeface="Segoe UI" panose="020B0502040204020203" pitchFamily="34" charset="0"/>
+            </a:endParaRPr>
           </a:p>
         </p:txBody>
       </p:sp>
@@ -4410,7 +4433,7 @@
         <p:spPr>
           <a:xfrm flipV="1">
             <a:off x="4075160" y="3985896"/>
-            <a:ext cx="1975483" cy="17097"/>
+            <a:ext cx="1928836" cy="17097"/>
           </a:xfrm>
           <a:prstGeom prst="straightConnector1">
             <a:avLst/>
@@ -4746,7 +4769,10 @@
           <a:p>
             <a:pPr algn="ctr"/>
             <a:r>
-              <a:rPr lang="en-IN" dirty="0"/>
+              <a:rPr lang="en-IN" sz="1600" dirty="0">
+                <a:latin typeface="Segoe UI" panose="020B0502040204020203" pitchFamily="34" charset="0"/>
+                <a:cs typeface="Segoe UI" panose="020B0502040204020203" pitchFamily="34" charset="0"/>
+              </a:rPr>
               <a:t>Socket Client</a:t>
             </a:r>
           </a:p>
@@ -4799,7 +4825,10 @@
           <a:p>
             <a:pPr algn="ctr"/>
             <a:r>
-              <a:rPr lang="en-IN" dirty="0"/>
+              <a:rPr lang="en-IN" dirty="0">
+                <a:latin typeface="Segoe UI" panose="020B0502040204020203" pitchFamily="34" charset="0"/>
+                <a:cs typeface="Segoe UI" panose="020B0502040204020203" pitchFamily="34" charset="0"/>
+              </a:rPr>
               <a:t>Socket Session</a:t>
             </a:r>
           </a:p>
@@ -4846,21 +4875,12 @@
           <a:p>
             <a:pPr algn="ctr"/>
             <a:r>
-              <a:rPr lang="en-IN" sz="1100" dirty="0"/>
-              <a:t>Inbound Flux &lt;</a:t>
+              <a:rPr lang="en-IN" sz="1600" dirty="0">
+                <a:latin typeface="Segoe UI" panose="020B0502040204020203" pitchFamily="34" charset="0"/>
+                <a:cs typeface="Segoe UI" panose="020B0502040204020203" pitchFamily="34" charset="0"/>
+              </a:rPr>
+              <a:t>Inbound Flux</a:t>
             </a:r>
-            <a:r>
-              <a:rPr lang="en-IN" sz="1100" dirty="0" err="1"/>
-              <a:t>WebSocketMessage</a:t>
-            </a:r>
-            <a:r>
-              <a:rPr lang="en-IN" sz="1100" dirty="0"/>
-              <a:t>&gt;</a:t>
-            </a:r>
-          </a:p>
-          <a:p>
-            <a:pPr algn="ctr"/>
-            <a:endParaRPr lang="en-IN" sz="1100" dirty="0"/>
           </a:p>
         </p:txBody>
       </p:sp>
@@ -4905,16 +4925,11 @@
           <a:p>
             <a:pPr algn="ctr"/>
             <a:r>
-              <a:rPr lang="en-IN" sz="1100" dirty="0"/>
-              <a:t>Outbound Flux &lt;</a:t>
-            </a:r>
-            <a:r>
-              <a:rPr lang="en-IN" sz="1100" dirty="0" err="1"/>
-              <a:t>WebSocketMessage</a:t>
-            </a:r>
-            <a:r>
-              <a:rPr lang="en-IN" sz="1100" dirty="0"/>
-              <a:t>&gt;</a:t>
+              <a:rPr lang="en-IN" sz="1600" dirty="0">
+                <a:latin typeface="Segoe UI" panose="020B0502040204020203" pitchFamily="34" charset="0"/>
+                <a:cs typeface="Segoe UI" panose="020B0502040204020203" pitchFamily="34" charset="0"/>
+              </a:rPr>
+              <a:t>Outbound Flux</a:t>
             </a:r>
           </a:p>
         </p:txBody>
@@ -5142,7 +5157,10 @@
           <a:p>
             <a:pPr algn="ctr"/>
             <a:r>
-              <a:rPr lang="en-IN" dirty="0"/>
+              <a:rPr lang="en-IN" dirty="0">
+                <a:latin typeface="Segoe UI" panose="020B0502040204020203" pitchFamily="34" charset="0"/>
+                <a:cs typeface="Segoe UI" panose="020B0502040204020203" pitchFamily="34" charset="0"/>
+              </a:rPr>
               <a:t>Subscribe Channel  </a:t>
             </a:r>
           </a:p>
@@ -5195,7 +5213,10 @@
           <a:p>
             <a:pPr algn="ctr"/>
             <a:r>
-              <a:rPr lang="en-IN" dirty="0"/>
+              <a:rPr lang="en-IN" dirty="0">
+                <a:latin typeface="Segoe UI" panose="020B0502040204020203" pitchFamily="34" charset="0"/>
+                <a:cs typeface="Segoe UI" panose="020B0502040204020203" pitchFamily="34" charset="0"/>
+              </a:rPr>
               <a:t>Queue</a:t>
             </a:r>
           </a:p>
@@ -5248,7 +5269,10 @@
           <a:p>
             <a:pPr algn="ctr"/>
             <a:r>
-              <a:rPr lang="en-IN" sz="2000" dirty="0"/>
+              <a:rPr lang="en-IN" sz="2000" dirty="0">
+                <a:latin typeface="Segoe UI" panose="020B0502040204020203" pitchFamily="34" charset="0"/>
+                <a:cs typeface="Segoe UI" panose="020B0502040204020203" pitchFamily="34" charset="0"/>
+              </a:rPr>
               <a:t>Exchange</a:t>
             </a:r>
           </a:p>
@@ -5384,7 +5408,10 @@
           <a:p>
             <a:pPr algn="ctr"/>
             <a:r>
-              <a:rPr lang="en-IN" dirty="0"/>
+              <a:rPr lang="en-IN" dirty="0">
+                <a:latin typeface="Segoe UI" panose="020B0502040204020203" pitchFamily="34" charset="0"/>
+                <a:cs typeface="Segoe UI" panose="020B0502040204020203" pitchFamily="34" charset="0"/>
+              </a:rPr>
               <a:t>Publish Channel  </a:t>
             </a:r>
           </a:p>
@@ -5474,7 +5501,10 @@
           <a:p>
             <a:pPr algn="ctr"/>
             <a:r>
-              <a:rPr lang="en-IN" dirty="0"/>
+              <a:rPr lang="en-IN" dirty="0">
+                <a:latin typeface="Segoe UI" panose="020B0502040204020203" pitchFamily="34" charset="0"/>
+                <a:cs typeface="Segoe UI" panose="020B0502040204020203" pitchFamily="34" charset="0"/>
+              </a:rPr>
               <a:t>Publish Channel  </a:t>
             </a:r>
           </a:p>
@@ -5569,6 +5599,183 @@
           </a:fontRef>
         </p:style>
       </p:cxnSp>
+      <p:sp>
+        <p:nvSpPr>
+          <p:cNvPr id="49" name="Flowchart: Terminator 48">
+            <a:extLst>
+              <a:ext uri="{FF2B5EF4-FFF2-40B4-BE49-F238E27FC236}">
+                <a16:creationId xmlns:a16="http://schemas.microsoft.com/office/drawing/2014/main" id="{C571F7DC-995D-4812-B8DF-68716D48C770}"/>
+              </a:ext>
+            </a:extLst>
+          </p:cNvPr>
+          <p:cNvSpPr/>
+          <p:nvPr/>
+        </p:nvSpPr>
+        <p:spPr>
+          <a:xfrm>
+            <a:off x="5020237" y="934902"/>
+            <a:ext cx="1752038" cy="214015"/>
+          </a:xfrm>
+          <a:prstGeom prst="flowChartTerminator">
+            <a:avLst/>
+          </a:prstGeom>
+          <a:noFill/>
+          <a:ln>
+            <a:noFill/>
+          </a:ln>
+        </p:spPr>
+        <p:style>
+          <a:lnRef idx="2">
+            <a:schemeClr val="accent1">
+              <a:shade val="50000"/>
+            </a:schemeClr>
+          </a:lnRef>
+          <a:fillRef idx="1">
+            <a:schemeClr val="accent1"/>
+          </a:fillRef>
+          <a:effectRef idx="0">
+            <a:schemeClr val="accent1"/>
+          </a:effectRef>
+          <a:fontRef idx="minor">
+            <a:schemeClr val="lt1"/>
+          </a:fontRef>
+        </p:style>
+        <p:txBody>
+          <a:bodyPr rtlCol="0" anchor="ctr"/>
+          <a:lstStyle/>
+          <a:p>
+            <a:pPr algn="ctr"/>
+            <a:r>
+              <a:rPr lang="en-IN" sz="1600" dirty="0">
+                <a:solidFill>
+                  <a:srgbClr val="7030A0"/>
+                </a:solidFill>
+                <a:latin typeface="Segoe UI" panose="020B0502040204020203" pitchFamily="34" charset="0"/>
+                <a:cs typeface="Segoe UI" panose="020B0502040204020203" pitchFamily="34" charset="0"/>
+              </a:rPr>
+              <a:t>HTTP SESSION</a:t>
+            </a:r>
+          </a:p>
+        </p:txBody>
+      </p:sp>
+      <p:sp>
+        <p:nvSpPr>
+          <p:cNvPr id="50" name="Flowchart: Terminator 49">
+            <a:extLst>
+              <a:ext uri="{FF2B5EF4-FFF2-40B4-BE49-F238E27FC236}">
+                <a16:creationId xmlns:a16="http://schemas.microsoft.com/office/drawing/2014/main" id="{EA24BCF5-2C75-49D7-A5A9-BE14175C44F4}"/>
+              </a:ext>
+            </a:extLst>
+          </p:cNvPr>
+          <p:cNvSpPr/>
+          <p:nvPr/>
+        </p:nvSpPr>
+        <p:spPr>
+          <a:xfrm>
+            <a:off x="5008989" y="1405765"/>
+            <a:ext cx="1939707" cy="237299"/>
+          </a:xfrm>
+          <a:prstGeom prst="flowChartTerminator">
+            <a:avLst/>
+          </a:prstGeom>
+          <a:noFill/>
+          <a:ln>
+            <a:noFill/>
+          </a:ln>
+        </p:spPr>
+        <p:style>
+          <a:lnRef idx="2">
+            <a:schemeClr val="accent1">
+              <a:shade val="50000"/>
+            </a:schemeClr>
+          </a:lnRef>
+          <a:fillRef idx="1">
+            <a:schemeClr val="accent1"/>
+          </a:fillRef>
+          <a:effectRef idx="0">
+            <a:schemeClr val="accent1"/>
+          </a:effectRef>
+          <a:fontRef idx="minor">
+            <a:schemeClr val="lt1"/>
+          </a:fontRef>
+        </p:style>
+        <p:txBody>
+          <a:bodyPr rtlCol="0" anchor="ctr"/>
+          <a:lstStyle/>
+          <a:p>
+            <a:pPr algn="ctr"/>
+            <a:r>
+              <a:rPr lang="en-IN" sz="1600" dirty="0">
+                <a:solidFill>
+                  <a:srgbClr val="7030A0"/>
+                </a:solidFill>
+                <a:latin typeface="Segoe UI" panose="020B0502040204020203" pitchFamily="34" charset="0"/>
+                <a:cs typeface="Segoe UI" panose="020B0502040204020203" pitchFamily="34" charset="0"/>
+              </a:rPr>
+              <a:t>SOCKET SESSION</a:t>
+            </a:r>
+          </a:p>
+        </p:txBody>
+      </p:sp>
+      <p:sp>
+        <p:nvSpPr>
+          <p:cNvPr id="51" name="Flowchart: Terminator 50">
+            <a:extLst>
+              <a:ext uri="{FF2B5EF4-FFF2-40B4-BE49-F238E27FC236}">
+                <a16:creationId xmlns:a16="http://schemas.microsoft.com/office/drawing/2014/main" id="{EB5E7744-A08C-4DA7-A639-6D323C1941D5}"/>
+              </a:ext>
+            </a:extLst>
+          </p:cNvPr>
+          <p:cNvSpPr/>
+          <p:nvPr/>
+        </p:nvSpPr>
+        <p:spPr>
+          <a:xfrm>
+            <a:off x="539788" y="6578039"/>
+            <a:ext cx="1136681" cy="196340"/>
+          </a:xfrm>
+          <a:prstGeom prst="flowChartTerminator">
+            <a:avLst/>
+          </a:prstGeom>
+          <a:noFill/>
+          <a:ln>
+            <a:noFill/>
+          </a:ln>
+        </p:spPr>
+        <p:style>
+          <a:lnRef idx="2">
+            <a:schemeClr val="accent1">
+              <a:shade val="50000"/>
+            </a:schemeClr>
+          </a:lnRef>
+          <a:fillRef idx="1">
+            <a:schemeClr val="accent1"/>
+          </a:fillRef>
+          <a:effectRef idx="0">
+            <a:schemeClr val="accent1"/>
+          </a:effectRef>
+          <a:fontRef idx="minor">
+            <a:schemeClr val="lt1"/>
+          </a:fontRef>
+        </p:style>
+        <p:txBody>
+          <a:bodyPr rtlCol="0" anchor="ctr"/>
+          <a:lstStyle/>
+          <a:p>
+            <a:pPr algn="ctr"/>
+            <a:r>
+              <a:rPr lang="en-IN" sz="1600" dirty="0">
+                <a:solidFill>
+                  <a:srgbClr val="7030A0"/>
+                </a:solidFill>
+                <a:latin typeface="Segoe UI" panose="020B0502040204020203" pitchFamily="34" charset="0"/>
+                <a:cs typeface="Segoe UI" panose="020B0502040204020203" pitchFamily="34" charset="0"/>
+              </a:rPr>
+              <a:t>AMQP</a:t>
+            </a:r>
+          </a:p>
+        </p:txBody>
+      </p:sp>
     </p:spTree>
     <p:extLst>
       <p:ext uri="{BB962C8B-B14F-4D97-AF65-F5344CB8AC3E}">
@@ -5967,7 +6174,10 @@
           <a:lstStyle/>
           <a:p>
             <a:pPr algn="ctr"/>
-            <a:endParaRPr lang="en-IN" dirty="0"/>
+            <a:endParaRPr lang="en-IN" dirty="0">
+              <a:latin typeface="Segoe UI" panose="020B0502040204020203" pitchFamily="34" charset="0"/>
+              <a:cs typeface="Segoe UI" panose="020B0502040204020203" pitchFamily="34" charset="0"/>
+            </a:endParaRPr>
           </a:p>
         </p:txBody>
       </p:sp>
@@ -6022,7 +6232,10 @@
           <a:lstStyle/>
           <a:p>
             <a:pPr algn="ctr"/>
-            <a:endParaRPr lang="en-IN" dirty="0"/>
+            <a:endParaRPr lang="en-IN" dirty="0">
+              <a:latin typeface="Segoe UI" panose="020B0502040204020203" pitchFamily="34" charset="0"/>
+              <a:cs typeface="Segoe UI" panose="020B0502040204020203" pitchFamily="34" charset="0"/>
+            </a:endParaRPr>
           </a:p>
         </p:txBody>
       </p:sp>
@@ -6073,7 +6286,10 @@
           <a:p>
             <a:pPr algn="ctr"/>
             <a:r>
-              <a:rPr lang="en-IN" dirty="0"/>
+              <a:rPr lang="en-IN" sz="1600" dirty="0">
+                <a:latin typeface="Segoe UI" panose="020B0502040204020203" pitchFamily="34" charset="0"/>
+                <a:cs typeface="Segoe UI" panose="020B0502040204020203" pitchFamily="34" charset="0"/>
+              </a:rPr>
               <a:t>Socket Client</a:t>
             </a:r>
           </a:p>
@@ -6126,7 +6342,10 @@
           <a:p>
             <a:pPr algn="ctr"/>
             <a:r>
-              <a:rPr lang="en-IN" dirty="0"/>
+              <a:rPr lang="en-IN" dirty="0">
+                <a:latin typeface="Segoe UI" panose="020B0502040204020203" pitchFamily="34" charset="0"/>
+                <a:cs typeface="Segoe UI" panose="020B0502040204020203" pitchFamily="34" charset="0"/>
+              </a:rPr>
               <a:t>Socket Session</a:t>
             </a:r>
           </a:p>
@@ -6173,7 +6392,10 @@
           <a:p>
             <a:pPr algn="ctr"/>
             <a:r>
-              <a:rPr lang="en-IN" dirty="0"/>
+              <a:rPr lang="en-IN" dirty="0">
+                <a:latin typeface="Segoe UI" panose="020B0502040204020203" pitchFamily="34" charset="0"/>
+                <a:cs typeface="Segoe UI" panose="020B0502040204020203" pitchFamily="34" charset="0"/>
+              </a:rPr>
               <a:t>Multicaster  </a:t>
             </a:r>
           </a:p>
@@ -6220,16 +6442,11 @@
           <a:p>
             <a:pPr algn="ctr"/>
             <a:r>
-              <a:rPr lang="en-IN" sz="1100" dirty="0"/>
-              <a:t>Outbound Flux &lt;</a:t>
-            </a:r>
-            <a:r>
-              <a:rPr lang="en-IN" sz="1100" dirty="0" err="1"/>
-              <a:t>WebSocketMessage</a:t>
-            </a:r>
-            <a:r>
-              <a:rPr lang="en-IN" sz="1100" dirty="0"/>
-              <a:t>&gt;</a:t>
+              <a:rPr lang="en-IN" sz="1600" dirty="0">
+                <a:latin typeface="Segoe UI" panose="020B0502040204020203" pitchFamily="34" charset="0"/>
+                <a:cs typeface="Segoe UI" panose="020B0502040204020203" pitchFamily="34" charset="0"/>
+              </a:rPr>
+              <a:t>Outbound Flux</a:t>
             </a:r>
           </a:p>
         </p:txBody>
@@ -6358,7 +6575,10 @@
           <a:lstStyle/>
           <a:p>
             <a:pPr algn="ctr"/>
-            <a:endParaRPr lang="en-IN"/>
+            <a:endParaRPr lang="en-IN">
+              <a:latin typeface="Segoe UI" panose="020B0502040204020203" pitchFamily="34" charset="0"/>
+              <a:cs typeface="Segoe UI" panose="020B0502040204020203" pitchFamily="34" charset="0"/>
+            </a:endParaRPr>
           </a:p>
         </p:txBody>
       </p:sp>
@@ -6402,7 +6622,10 @@
           <a:lstStyle/>
           <a:p>
             <a:pPr algn="ctr"/>
-            <a:endParaRPr lang="en-IN"/>
+            <a:endParaRPr lang="en-IN">
+              <a:latin typeface="Segoe UI" panose="020B0502040204020203" pitchFamily="34" charset="0"/>
+              <a:cs typeface="Segoe UI" panose="020B0502040204020203" pitchFamily="34" charset="0"/>
+            </a:endParaRPr>
           </a:p>
         </p:txBody>
       </p:sp>
@@ -6420,8 +6643,8 @@
         </p:nvSpPr>
         <p:spPr>
           <a:xfrm>
-            <a:off x="6050643" y="3969099"/>
-            <a:ext cx="898054" cy="643193"/>
+            <a:off x="5965314" y="3969099"/>
+            <a:ext cx="983383" cy="643193"/>
           </a:xfrm>
           <a:prstGeom prst="can">
             <a:avLst/>
@@ -6447,7 +6670,10 @@
           <a:p>
             <a:pPr algn="ctr"/>
             <a:r>
-              <a:rPr lang="en-IN" sz="1100" dirty="0"/>
+              <a:rPr lang="en-IN" sz="1200" dirty="0">
+                <a:latin typeface="Segoe UI" panose="020B0502040204020203" pitchFamily="34" charset="0"/>
+                <a:cs typeface="Segoe UI" panose="020B0502040204020203" pitchFamily="34" charset="0"/>
+              </a:rPr>
               <a:t>Socket Session DB</a:t>
             </a:r>
           </a:p>
@@ -6664,16 +6890,11 @@
           <a:p>
             <a:pPr algn="ctr"/>
             <a:r>
-              <a:rPr lang="en-IN" sz="1100" dirty="0"/>
-              <a:t>Inbound Flux &lt;</a:t>
-            </a:r>
-            <a:r>
-              <a:rPr lang="en-IN" sz="1100" dirty="0" err="1"/>
-              <a:t>WebSocketMessage</a:t>
-            </a:r>
-            <a:r>
-              <a:rPr lang="en-IN" sz="1100" dirty="0"/>
-              <a:t>&gt;</a:t>
+              <a:rPr lang="en-IN" sz="1600" dirty="0">
+                <a:latin typeface="Segoe UI" panose="020B0502040204020203" pitchFamily="34" charset="0"/>
+                <a:cs typeface="Segoe UI" panose="020B0502040204020203" pitchFamily="34" charset="0"/>
+              </a:rPr>
+              <a:t>Inbound Flux</a:t>
             </a:r>
           </a:p>
         </p:txBody>
@@ -6760,7 +6981,10 @@
           <a:lstStyle/>
           <a:p>
             <a:pPr algn="ctr"/>
-            <a:endParaRPr lang="en-IN"/>
+            <a:endParaRPr lang="en-IN">
+              <a:latin typeface="Segoe UI" panose="020B0502040204020203" pitchFamily="34" charset="0"/>
+              <a:cs typeface="Segoe UI" panose="020B0502040204020203" pitchFamily="34" charset="0"/>
+            </a:endParaRPr>
           </a:p>
         </p:txBody>
       </p:sp>
@@ -6804,7 +7028,10 @@
           <a:lstStyle/>
           <a:p>
             <a:pPr algn="ctr"/>
-            <a:endParaRPr lang="en-IN"/>
+            <a:endParaRPr lang="en-IN">
+              <a:latin typeface="Segoe UI" panose="020B0502040204020203" pitchFamily="34" charset="0"/>
+              <a:cs typeface="Segoe UI" panose="020B0502040204020203" pitchFamily="34" charset="0"/>
+            </a:endParaRPr>
           </a:p>
         </p:txBody>
       </p:sp>
@@ -6827,7 +7054,7 @@
         <p:spPr>
           <a:xfrm flipV="1">
             <a:off x="4075160" y="4290696"/>
-            <a:ext cx="1975483" cy="17097"/>
+            <a:ext cx="1890154" cy="17097"/>
           </a:xfrm>
           <a:prstGeom prst="straightConnector1">
             <a:avLst/>
@@ -7163,7 +7390,10 @@
           <a:p>
             <a:pPr algn="ctr"/>
             <a:r>
-              <a:rPr lang="en-IN" dirty="0"/>
+              <a:rPr lang="en-IN" sz="1600" dirty="0">
+                <a:latin typeface="Segoe UI" panose="020B0502040204020203" pitchFamily="34" charset="0"/>
+                <a:cs typeface="Segoe UI" panose="020B0502040204020203" pitchFamily="34" charset="0"/>
+              </a:rPr>
               <a:t>Socket Client</a:t>
             </a:r>
           </a:p>
@@ -7216,7 +7446,10 @@
           <a:p>
             <a:pPr algn="ctr"/>
             <a:r>
-              <a:rPr lang="en-IN" dirty="0"/>
+              <a:rPr lang="en-IN" dirty="0">
+                <a:latin typeface="Segoe UI" panose="020B0502040204020203" pitchFamily="34" charset="0"/>
+                <a:cs typeface="Segoe UI" panose="020B0502040204020203" pitchFamily="34" charset="0"/>
+              </a:rPr>
               <a:t>Socket Session</a:t>
             </a:r>
           </a:p>
@@ -7263,21 +7496,12 @@
           <a:p>
             <a:pPr algn="ctr"/>
             <a:r>
-              <a:rPr lang="en-IN" sz="1100" dirty="0"/>
-              <a:t>Inbound Flux &lt;</a:t>
+              <a:rPr lang="en-IN" sz="1600" dirty="0">
+                <a:latin typeface="Segoe UI" panose="020B0502040204020203" pitchFamily="34" charset="0"/>
+                <a:cs typeface="Segoe UI" panose="020B0502040204020203" pitchFamily="34" charset="0"/>
+              </a:rPr>
+              <a:t>Inbound Flux</a:t>
             </a:r>
-            <a:r>
-              <a:rPr lang="en-IN" sz="1100" dirty="0" err="1"/>
-              <a:t>WebSocketMessage</a:t>
-            </a:r>
-            <a:r>
-              <a:rPr lang="en-IN" sz="1100" dirty="0"/>
-              <a:t>&gt;</a:t>
-            </a:r>
-          </a:p>
-          <a:p>
-            <a:pPr algn="ctr"/>
-            <a:endParaRPr lang="en-IN" sz="1100" dirty="0"/>
           </a:p>
         </p:txBody>
       </p:sp>
@@ -7322,16 +7546,11 @@
           <a:p>
             <a:pPr algn="ctr"/>
             <a:r>
-              <a:rPr lang="en-IN" sz="1100" dirty="0"/>
-              <a:t>Outbound Flux &lt;</a:t>
-            </a:r>
-            <a:r>
-              <a:rPr lang="en-IN" sz="1100" dirty="0" err="1"/>
-              <a:t>WebSocketMessage</a:t>
-            </a:r>
-            <a:r>
-              <a:rPr lang="en-IN" sz="1100" dirty="0"/>
-              <a:t>&gt;</a:t>
+              <a:rPr lang="en-IN" sz="1600" dirty="0">
+                <a:latin typeface="Segoe UI" panose="020B0502040204020203" pitchFamily="34" charset="0"/>
+                <a:cs typeface="Segoe UI" panose="020B0502040204020203" pitchFamily="34" charset="0"/>
+              </a:rPr>
+              <a:t>Outbound Flux</a:t>
             </a:r>
           </a:p>
         </p:txBody>
@@ -7518,6 +7737,124 @@
           </a:fontRef>
         </p:style>
       </p:cxnSp>
+      <p:sp>
+        <p:nvSpPr>
+          <p:cNvPr id="9" name="Flowchart: Terminator 8">
+            <a:extLst>
+              <a:ext uri="{FF2B5EF4-FFF2-40B4-BE49-F238E27FC236}">
+                <a16:creationId xmlns:a16="http://schemas.microsoft.com/office/drawing/2014/main" id="{5F777283-F13E-4BC9-A4B6-F77CB38FF0AD}"/>
+              </a:ext>
+            </a:extLst>
+          </p:cNvPr>
+          <p:cNvSpPr/>
+          <p:nvPr/>
+        </p:nvSpPr>
+        <p:spPr>
+          <a:xfrm>
+            <a:off x="5020237" y="934902"/>
+            <a:ext cx="1752038" cy="214015"/>
+          </a:xfrm>
+          <a:prstGeom prst="flowChartTerminator">
+            <a:avLst/>
+          </a:prstGeom>
+          <a:noFill/>
+          <a:ln>
+            <a:noFill/>
+          </a:ln>
+        </p:spPr>
+        <p:style>
+          <a:lnRef idx="2">
+            <a:schemeClr val="accent1">
+              <a:shade val="50000"/>
+            </a:schemeClr>
+          </a:lnRef>
+          <a:fillRef idx="1">
+            <a:schemeClr val="accent1"/>
+          </a:fillRef>
+          <a:effectRef idx="0">
+            <a:schemeClr val="accent1"/>
+          </a:effectRef>
+          <a:fontRef idx="minor">
+            <a:schemeClr val="lt1"/>
+          </a:fontRef>
+        </p:style>
+        <p:txBody>
+          <a:bodyPr rtlCol="0" anchor="ctr"/>
+          <a:lstStyle/>
+          <a:p>
+            <a:pPr algn="ctr"/>
+            <a:r>
+              <a:rPr lang="en-IN" sz="1600" dirty="0">
+                <a:solidFill>
+                  <a:srgbClr val="7030A0"/>
+                </a:solidFill>
+                <a:latin typeface="Segoe UI" panose="020B0502040204020203" pitchFamily="34" charset="0"/>
+                <a:cs typeface="Segoe UI" panose="020B0502040204020203" pitchFamily="34" charset="0"/>
+              </a:rPr>
+              <a:t>HTTP SESSION</a:t>
+            </a:r>
+          </a:p>
+        </p:txBody>
+      </p:sp>
+      <p:sp>
+        <p:nvSpPr>
+          <p:cNvPr id="41" name="Flowchart: Terminator 40">
+            <a:extLst>
+              <a:ext uri="{FF2B5EF4-FFF2-40B4-BE49-F238E27FC236}">
+                <a16:creationId xmlns:a16="http://schemas.microsoft.com/office/drawing/2014/main" id="{1C0D8E0B-18AB-4BB3-B884-77E8C32000B8}"/>
+              </a:ext>
+            </a:extLst>
+          </p:cNvPr>
+          <p:cNvSpPr/>
+          <p:nvPr/>
+        </p:nvSpPr>
+        <p:spPr>
+          <a:xfrm>
+            <a:off x="5008989" y="1405765"/>
+            <a:ext cx="1939707" cy="237299"/>
+          </a:xfrm>
+          <a:prstGeom prst="flowChartTerminator">
+            <a:avLst/>
+          </a:prstGeom>
+          <a:noFill/>
+          <a:ln>
+            <a:noFill/>
+          </a:ln>
+        </p:spPr>
+        <p:style>
+          <a:lnRef idx="2">
+            <a:schemeClr val="accent1">
+              <a:shade val="50000"/>
+            </a:schemeClr>
+          </a:lnRef>
+          <a:fillRef idx="1">
+            <a:schemeClr val="accent1"/>
+          </a:fillRef>
+          <a:effectRef idx="0">
+            <a:schemeClr val="accent1"/>
+          </a:effectRef>
+          <a:fontRef idx="minor">
+            <a:schemeClr val="lt1"/>
+          </a:fontRef>
+        </p:style>
+        <p:txBody>
+          <a:bodyPr rtlCol="0" anchor="ctr"/>
+          <a:lstStyle/>
+          <a:p>
+            <a:pPr algn="ctr"/>
+            <a:r>
+              <a:rPr lang="en-IN" sz="1600" dirty="0">
+                <a:solidFill>
+                  <a:srgbClr val="7030A0"/>
+                </a:solidFill>
+                <a:latin typeface="Segoe UI" panose="020B0502040204020203" pitchFamily="34" charset="0"/>
+                <a:cs typeface="Segoe UI" panose="020B0502040204020203" pitchFamily="34" charset="0"/>
+              </a:rPr>
+              <a:t>SOCKET SESSION</a:t>
+            </a:r>
+          </a:p>
+        </p:txBody>
+      </p:sp>
     </p:spTree>
     <p:extLst>
       <p:ext uri="{BB962C8B-B14F-4D97-AF65-F5344CB8AC3E}">
@@ -7599,7 +7936,10 @@
           <a:lstStyle/>
           <a:p>
             <a:pPr algn="ctr"/>
-            <a:endParaRPr lang="en-IN" dirty="0"/>
+            <a:endParaRPr lang="en-IN" dirty="0">
+              <a:latin typeface="Segoe UI" panose="020B0502040204020203" pitchFamily="34" charset="0"/>
+              <a:cs typeface="Segoe UI" panose="020B0502040204020203" pitchFamily="34" charset="0"/>
+            </a:endParaRPr>
           </a:p>
         </p:txBody>
       </p:sp>
@@ -7654,7 +7994,10 @@
           <a:lstStyle/>
           <a:p>
             <a:pPr algn="ctr"/>
-            <a:endParaRPr lang="en-IN" dirty="0"/>
+            <a:endParaRPr lang="en-IN" dirty="0">
+              <a:latin typeface="Segoe UI" panose="020B0502040204020203" pitchFamily="34" charset="0"/>
+              <a:cs typeface="Segoe UI" panose="020B0502040204020203" pitchFamily="34" charset="0"/>
+            </a:endParaRPr>
           </a:p>
         </p:txBody>
       </p:sp>
@@ -7705,7 +8048,10 @@
           <a:p>
             <a:pPr algn="ctr"/>
             <a:r>
-              <a:rPr lang="en-IN" dirty="0"/>
+              <a:rPr lang="en-IN" sz="1600" dirty="0">
+                <a:latin typeface="Segoe UI" panose="020B0502040204020203" pitchFamily="34" charset="0"/>
+                <a:cs typeface="Segoe UI" panose="020B0502040204020203" pitchFamily="34" charset="0"/>
+              </a:rPr>
               <a:t>Socket Client</a:t>
             </a:r>
           </a:p>
@@ -7758,7 +8104,10 @@
           <a:p>
             <a:pPr algn="ctr"/>
             <a:r>
-              <a:rPr lang="en-IN" dirty="0"/>
+              <a:rPr lang="en-IN" dirty="0">
+                <a:latin typeface="Segoe UI" panose="020B0502040204020203" pitchFamily="34" charset="0"/>
+                <a:cs typeface="Segoe UI" panose="020B0502040204020203" pitchFamily="34" charset="0"/>
+              </a:rPr>
               <a:t>Socket Session</a:t>
             </a:r>
           </a:p>
@@ -7805,7 +8154,10 @@
           <a:p>
             <a:pPr algn="ctr"/>
             <a:r>
-              <a:rPr lang="en-IN" dirty="0"/>
+              <a:rPr lang="en-IN" dirty="0">
+                <a:latin typeface="Segoe UI" panose="020B0502040204020203" pitchFamily="34" charset="0"/>
+                <a:cs typeface="Segoe UI" panose="020B0502040204020203" pitchFamily="34" charset="0"/>
+              </a:rPr>
               <a:t>PubSubChannel (e.g FluxMessageChannel)  </a:t>
             </a:r>
           </a:p>
@@ -7852,16 +8204,11 @@
           <a:p>
             <a:pPr algn="ctr"/>
             <a:r>
-              <a:rPr lang="en-IN" sz="1100" dirty="0"/>
-              <a:t>Outbound Flux &lt;</a:t>
-            </a:r>
-            <a:r>
-              <a:rPr lang="en-IN" sz="1100" dirty="0" err="1"/>
-              <a:t>WebSocketMessage</a:t>
-            </a:r>
-            <a:r>
-              <a:rPr lang="en-IN" sz="1100" dirty="0"/>
-              <a:t>&gt;</a:t>
+              <a:rPr lang="en-IN" sz="1600" dirty="0">
+                <a:latin typeface="Segoe UI" panose="020B0502040204020203" pitchFamily="34" charset="0"/>
+                <a:cs typeface="Segoe UI" panose="020B0502040204020203" pitchFamily="34" charset="0"/>
+              </a:rPr>
+              <a:t>Outbound Flux</a:t>
             </a:r>
           </a:p>
         </p:txBody>
@@ -7990,7 +8337,10 @@
           <a:lstStyle/>
           <a:p>
             <a:pPr algn="ctr"/>
-            <a:endParaRPr lang="en-IN"/>
+            <a:endParaRPr lang="en-IN">
+              <a:latin typeface="Segoe UI" panose="020B0502040204020203" pitchFamily="34" charset="0"/>
+              <a:cs typeface="Segoe UI" panose="020B0502040204020203" pitchFamily="34" charset="0"/>
+            </a:endParaRPr>
           </a:p>
         </p:txBody>
       </p:sp>
@@ -8034,7 +8384,10 @@
           <a:lstStyle/>
           <a:p>
             <a:pPr algn="ctr"/>
-            <a:endParaRPr lang="en-IN"/>
+            <a:endParaRPr lang="en-IN">
+              <a:latin typeface="Segoe UI" panose="020B0502040204020203" pitchFamily="34" charset="0"/>
+              <a:cs typeface="Segoe UI" panose="020B0502040204020203" pitchFamily="34" charset="0"/>
+            </a:endParaRPr>
           </a:p>
         </p:txBody>
       </p:sp>
@@ -8052,8 +8405,8 @@
         </p:nvSpPr>
         <p:spPr>
           <a:xfrm>
-            <a:off x="6050643" y="3969099"/>
-            <a:ext cx="898054" cy="643193"/>
+            <a:off x="5953125" y="3969099"/>
+            <a:ext cx="995572" cy="643193"/>
           </a:xfrm>
           <a:prstGeom prst="can">
             <a:avLst/>
@@ -8079,7 +8432,10 @@
           <a:p>
             <a:pPr algn="ctr"/>
             <a:r>
-              <a:rPr lang="en-IN" sz="1100" dirty="0"/>
+              <a:rPr lang="en-IN" sz="1200" dirty="0">
+                <a:latin typeface="Segoe UI" panose="020B0502040204020203" pitchFamily="34" charset="0"/>
+                <a:cs typeface="Segoe UI" panose="020B0502040204020203" pitchFamily="34" charset="0"/>
+              </a:rPr>
               <a:t>Socket Session DB</a:t>
             </a:r>
           </a:p>
@@ -8296,16 +8652,11 @@
           <a:p>
             <a:pPr algn="ctr"/>
             <a:r>
-              <a:rPr lang="en-IN" sz="1100" dirty="0"/>
-              <a:t>Inbound Flux &lt;</a:t>
-            </a:r>
-            <a:r>
-              <a:rPr lang="en-IN" sz="1100" dirty="0" err="1"/>
-              <a:t>WebSocketMessage</a:t>
-            </a:r>
-            <a:r>
-              <a:rPr lang="en-IN" sz="1100" dirty="0"/>
-              <a:t>&gt;</a:t>
+              <a:rPr lang="en-IN" sz="1600" dirty="0">
+                <a:latin typeface="Segoe UI" panose="020B0502040204020203" pitchFamily="34" charset="0"/>
+                <a:cs typeface="Segoe UI" panose="020B0502040204020203" pitchFamily="34" charset="0"/>
+              </a:rPr>
+              <a:t>Inbound Flux</a:t>
             </a:r>
           </a:p>
         </p:txBody>
@@ -8392,7 +8743,10 @@
           <a:lstStyle/>
           <a:p>
             <a:pPr algn="ctr"/>
-            <a:endParaRPr lang="en-IN"/>
+            <a:endParaRPr lang="en-IN">
+              <a:latin typeface="Segoe UI" panose="020B0502040204020203" pitchFamily="34" charset="0"/>
+              <a:cs typeface="Segoe UI" panose="020B0502040204020203" pitchFamily="34" charset="0"/>
+            </a:endParaRPr>
           </a:p>
         </p:txBody>
       </p:sp>
@@ -8436,7 +8790,10 @@
           <a:lstStyle/>
           <a:p>
             <a:pPr algn="ctr"/>
-            <a:endParaRPr lang="en-IN"/>
+            <a:endParaRPr lang="en-IN">
+              <a:latin typeface="Segoe UI" panose="020B0502040204020203" pitchFamily="34" charset="0"/>
+              <a:cs typeface="Segoe UI" panose="020B0502040204020203" pitchFamily="34" charset="0"/>
+            </a:endParaRPr>
           </a:p>
         </p:txBody>
       </p:sp>
@@ -8459,7 +8816,7 @@
         <p:spPr>
           <a:xfrm flipV="1">
             <a:off x="4075160" y="4290696"/>
-            <a:ext cx="1975483" cy="17097"/>
+            <a:ext cx="1877965" cy="17097"/>
           </a:xfrm>
           <a:prstGeom prst="straightConnector1">
             <a:avLst/>
@@ -8795,7 +9152,10 @@
           <a:p>
             <a:pPr algn="ctr"/>
             <a:r>
-              <a:rPr lang="en-IN" dirty="0"/>
+              <a:rPr lang="en-IN" sz="1600" dirty="0">
+                <a:latin typeface="Segoe UI" panose="020B0502040204020203" pitchFamily="34" charset="0"/>
+                <a:cs typeface="Segoe UI" panose="020B0502040204020203" pitchFamily="34" charset="0"/>
+              </a:rPr>
               <a:t>Socket Client</a:t>
             </a:r>
           </a:p>
@@ -8848,7 +9208,10 @@
           <a:p>
             <a:pPr algn="ctr"/>
             <a:r>
-              <a:rPr lang="en-IN" dirty="0"/>
+              <a:rPr lang="en-IN" dirty="0">
+                <a:latin typeface="Segoe UI" panose="020B0502040204020203" pitchFamily="34" charset="0"/>
+                <a:cs typeface="Segoe UI" panose="020B0502040204020203" pitchFamily="34" charset="0"/>
+              </a:rPr>
               <a:t>Socket Session</a:t>
             </a:r>
           </a:p>
@@ -8895,21 +9258,12 @@
           <a:p>
             <a:pPr algn="ctr"/>
             <a:r>
-              <a:rPr lang="en-IN" sz="1100" dirty="0"/>
-              <a:t>Inbound Flux &lt;</a:t>
+              <a:rPr lang="en-IN" sz="1600" dirty="0">
+                <a:latin typeface="Segoe UI" panose="020B0502040204020203" pitchFamily="34" charset="0"/>
+                <a:cs typeface="Segoe UI" panose="020B0502040204020203" pitchFamily="34" charset="0"/>
+              </a:rPr>
+              <a:t>Inbound Flux</a:t>
             </a:r>
-            <a:r>
-              <a:rPr lang="en-IN" sz="1100" dirty="0" err="1"/>
-              <a:t>WebSocketMessage</a:t>
-            </a:r>
-            <a:r>
-              <a:rPr lang="en-IN" sz="1100" dirty="0"/>
-              <a:t>&gt;</a:t>
-            </a:r>
-          </a:p>
-          <a:p>
-            <a:pPr algn="ctr"/>
-            <a:endParaRPr lang="en-IN" sz="1100" dirty="0"/>
           </a:p>
         </p:txBody>
       </p:sp>
@@ -8954,16 +9308,11 @@
           <a:p>
             <a:pPr algn="ctr"/>
             <a:r>
-              <a:rPr lang="en-IN" sz="1100" dirty="0"/>
-              <a:t>Outbound Flux &lt;</a:t>
-            </a:r>
-            <a:r>
-              <a:rPr lang="en-IN" sz="1100" dirty="0" err="1"/>
-              <a:t>WebSocketMessage</a:t>
-            </a:r>
-            <a:r>
-              <a:rPr lang="en-IN" sz="1100" dirty="0"/>
-              <a:t>&gt;</a:t>
+              <a:rPr lang="en-IN" sz="1600" dirty="0">
+                <a:latin typeface="Segoe UI" panose="020B0502040204020203" pitchFamily="34" charset="0"/>
+                <a:cs typeface="Segoe UI" panose="020B0502040204020203" pitchFamily="34" charset="0"/>
+              </a:rPr>
+              <a:t>Outbound Flux</a:t>
             </a:r>
           </a:p>
         </p:txBody>
@@ -9150,6 +9499,124 @@
           </a:fontRef>
         </p:style>
       </p:cxnSp>
+      <p:sp>
+        <p:nvSpPr>
+          <p:cNvPr id="38" name="Flowchart: Terminator 37">
+            <a:extLst>
+              <a:ext uri="{FF2B5EF4-FFF2-40B4-BE49-F238E27FC236}">
+                <a16:creationId xmlns:a16="http://schemas.microsoft.com/office/drawing/2014/main" id="{411BBBCD-BF9E-45A8-BD85-D56DD03B0FF5}"/>
+              </a:ext>
+            </a:extLst>
+          </p:cNvPr>
+          <p:cNvSpPr/>
+          <p:nvPr/>
+        </p:nvSpPr>
+        <p:spPr>
+          <a:xfrm>
+            <a:off x="5020237" y="934902"/>
+            <a:ext cx="1752038" cy="214015"/>
+          </a:xfrm>
+          <a:prstGeom prst="flowChartTerminator">
+            <a:avLst/>
+          </a:prstGeom>
+          <a:noFill/>
+          <a:ln>
+            <a:noFill/>
+          </a:ln>
+        </p:spPr>
+        <p:style>
+          <a:lnRef idx="2">
+            <a:schemeClr val="accent1">
+              <a:shade val="50000"/>
+            </a:schemeClr>
+          </a:lnRef>
+          <a:fillRef idx="1">
+            <a:schemeClr val="accent1"/>
+          </a:fillRef>
+          <a:effectRef idx="0">
+            <a:schemeClr val="accent1"/>
+          </a:effectRef>
+          <a:fontRef idx="minor">
+            <a:schemeClr val="lt1"/>
+          </a:fontRef>
+        </p:style>
+        <p:txBody>
+          <a:bodyPr rtlCol="0" anchor="ctr"/>
+          <a:lstStyle/>
+          <a:p>
+            <a:pPr algn="ctr"/>
+            <a:r>
+              <a:rPr lang="en-IN" sz="1600" dirty="0">
+                <a:solidFill>
+                  <a:srgbClr val="7030A0"/>
+                </a:solidFill>
+                <a:latin typeface="Segoe UI" panose="020B0502040204020203" pitchFamily="34" charset="0"/>
+                <a:cs typeface="Segoe UI" panose="020B0502040204020203" pitchFamily="34" charset="0"/>
+              </a:rPr>
+              <a:t>HTTP SESSION</a:t>
+            </a:r>
+          </a:p>
+        </p:txBody>
+      </p:sp>
+      <p:sp>
+        <p:nvSpPr>
+          <p:cNvPr id="39" name="Flowchart: Terminator 38">
+            <a:extLst>
+              <a:ext uri="{FF2B5EF4-FFF2-40B4-BE49-F238E27FC236}">
+                <a16:creationId xmlns:a16="http://schemas.microsoft.com/office/drawing/2014/main" id="{E5D05BCA-D94D-491E-A966-1FF82025EE2A}"/>
+              </a:ext>
+            </a:extLst>
+          </p:cNvPr>
+          <p:cNvSpPr/>
+          <p:nvPr/>
+        </p:nvSpPr>
+        <p:spPr>
+          <a:xfrm>
+            <a:off x="5008989" y="1405765"/>
+            <a:ext cx="1939707" cy="237299"/>
+          </a:xfrm>
+          <a:prstGeom prst="flowChartTerminator">
+            <a:avLst/>
+          </a:prstGeom>
+          <a:noFill/>
+          <a:ln>
+            <a:noFill/>
+          </a:ln>
+        </p:spPr>
+        <p:style>
+          <a:lnRef idx="2">
+            <a:schemeClr val="accent1">
+              <a:shade val="50000"/>
+            </a:schemeClr>
+          </a:lnRef>
+          <a:fillRef idx="1">
+            <a:schemeClr val="accent1"/>
+          </a:fillRef>
+          <a:effectRef idx="0">
+            <a:schemeClr val="accent1"/>
+          </a:effectRef>
+          <a:fontRef idx="minor">
+            <a:schemeClr val="lt1"/>
+          </a:fontRef>
+        </p:style>
+        <p:txBody>
+          <a:bodyPr rtlCol="0" anchor="ctr"/>
+          <a:lstStyle/>
+          <a:p>
+            <a:pPr algn="ctr"/>
+            <a:r>
+              <a:rPr lang="en-IN" sz="1600" dirty="0">
+                <a:solidFill>
+                  <a:srgbClr val="7030A0"/>
+                </a:solidFill>
+                <a:latin typeface="Segoe UI" panose="020B0502040204020203" pitchFamily="34" charset="0"/>
+                <a:cs typeface="Segoe UI" panose="020B0502040204020203" pitchFamily="34" charset="0"/>
+              </a:rPr>
+              <a:t>SOCKET SESSION</a:t>
+            </a:r>
+          </a:p>
+        </p:txBody>
+      </p:sp>
     </p:spTree>
     <p:extLst>
       <p:ext uri="{BB962C8B-B14F-4D97-AF65-F5344CB8AC3E}">
@@ -9231,7 +9698,10 @@
           <a:lstStyle/>
           <a:p>
             <a:pPr algn="ctr"/>
-            <a:endParaRPr lang="en-IN" dirty="0"/>
+            <a:endParaRPr lang="en-IN" dirty="0">
+              <a:latin typeface="Segoe UI" panose="020B0502040204020203" pitchFamily="34" charset="0"/>
+              <a:cs typeface="Segoe UI" panose="020B0502040204020203" pitchFamily="34" charset="0"/>
+            </a:endParaRPr>
           </a:p>
         </p:txBody>
       </p:sp>
@@ -9249,8 +9719,8 @@
         </p:nvSpPr>
         <p:spPr>
           <a:xfrm>
-            <a:off x="528298" y="1107601"/>
-            <a:ext cx="10962005" cy="5547673"/>
+            <a:off x="528298" y="1250476"/>
+            <a:ext cx="10962005" cy="5404798"/>
           </a:xfrm>
           <a:prstGeom prst="roundRect">
             <a:avLst/>
@@ -9286,7 +9756,10 @@
           <a:lstStyle/>
           <a:p>
             <a:pPr algn="ctr"/>
-            <a:endParaRPr lang="en-IN" dirty="0"/>
+            <a:endParaRPr lang="en-IN" dirty="0">
+              <a:latin typeface="Segoe UI" panose="020B0502040204020203" pitchFamily="34" charset="0"/>
+              <a:cs typeface="Segoe UI" panose="020B0502040204020203" pitchFamily="34" charset="0"/>
+            </a:endParaRPr>
           </a:p>
         </p:txBody>
       </p:sp>
@@ -9337,7 +9810,10 @@
           <a:p>
             <a:pPr algn="ctr"/>
             <a:r>
-              <a:rPr lang="en-IN" dirty="0"/>
+              <a:rPr lang="en-IN" sz="1600" dirty="0">
+                <a:latin typeface="Segoe UI" panose="020B0502040204020203" pitchFamily="34" charset="0"/>
+                <a:cs typeface="Segoe UI" panose="020B0502040204020203" pitchFamily="34" charset="0"/>
+              </a:rPr>
               <a:t>Socket Client</a:t>
             </a:r>
           </a:p>
@@ -9390,7 +9866,10 @@
           <a:p>
             <a:pPr algn="ctr"/>
             <a:r>
-              <a:rPr lang="en-IN" dirty="0"/>
+              <a:rPr lang="en-IN" dirty="0">
+                <a:latin typeface="Segoe UI" panose="020B0502040204020203" pitchFamily="34" charset="0"/>
+                <a:cs typeface="Segoe UI" panose="020B0502040204020203" pitchFamily="34" charset="0"/>
+              </a:rPr>
               <a:t>Socket Session</a:t>
             </a:r>
           </a:p>
@@ -9437,7 +9916,10 @@
           <a:p>
             <a:pPr algn="ctr"/>
             <a:r>
-              <a:rPr lang="en-IN" dirty="0"/>
+              <a:rPr lang="en-IN" dirty="0">
+                <a:latin typeface="Segoe UI" panose="020B0502040204020203" pitchFamily="34" charset="0"/>
+                <a:cs typeface="Segoe UI" panose="020B0502040204020203" pitchFamily="34" charset="0"/>
+              </a:rPr>
               <a:t>Publish Channel  </a:t>
             </a:r>
           </a:p>
@@ -9484,16 +9966,11 @@
           <a:p>
             <a:pPr algn="ctr"/>
             <a:r>
-              <a:rPr lang="en-IN" sz="1100" dirty="0"/>
-              <a:t>Outbound Flux &lt;</a:t>
-            </a:r>
-            <a:r>
-              <a:rPr lang="en-IN" sz="1100" dirty="0" err="1"/>
-              <a:t>WebSocketMessage</a:t>
-            </a:r>
-            <a:r>
-              <a:rPr lang="en-IN" sz="1100" dirty="0"/>
-              <a:t>&gt;</a:t>
+              <a:rPr lang="en-IN" sz="1600" dirty="0">
+                <a:latin typeface="Segoe UI" panose="020B0502040204020203" pitchFamily="34" charset="0"/>
+                <a:cs typeface="Segoe UI" panose="020B0502040204020203" pitchFamily="34" charset="0"/>
+              </a:rPr>
+              <a:t>Outbound Flux</a:t>
             </a:r>
           </a:p>
         </p:txBody>
@@ -9538,7 +10015,10 @@
           <a:lstStyle/>
           <a:p>
             <a:pPr algn="ctr"/>
-            <a:endParaRPr lang="en-IN"/>
+            <a:endParaRPr lang="en-IN">
+              <a:latin typeface="Segoe UI" panose="020B0502040204020203" pitchFamily="34" charset="0"/>
+              <a:cs typeface="Segoe UI" panose="020B0502040204020203" pitchFamily="34" charset="0"/>
+            </a:endParaRPr>
           </a:p>
         </p:txBody>
       </p:sp>
@@ -9582,7 +10062,10 @@
           <a:lstStyle/>
           <a:p>
             <a:pPr algn="ctr"/>
-            <a:endParaRPr lang="en-IN"/>
+            <a:endParaRPr lang="en-IN">
+              <a:latin typeface="Segoe UI" panose="020B0502040204020203" pitchFamily="34" charset="0"/>
+              <a:cs typeface="Segoe UI" panose="020B0502040204020203" pitchFamily="34" charset="0"/>
+            </a:endParaRPr>
           </a:p>
         </p:txBody>
       </p:sp>
@@ -9600,8 +10083,8 @@
         </p:nvSpPr>
         <p:spPr>
           <a:xfrm>
-            <a:off x="6050643" y="3969099"/>
-            <a:ext cx="898054" cy="643193"/>
+            <a:off x="5934617" y="3969099"/>
+            <a:ext cx="1014080" cy="643193"/>
           </a:xfrm>
           <a:prstGeom prst="can">
             <a:avLst/>
@@ -9627,7 +10110,10 @@
           <a:p>
             <a:pPr algn="ctr"/>
             <a:r>
-              <a:rPr lang="en-IN" sz="1100" dirty="0"/>
+              <a:rPr lang="en-IN" sz="1200" dirty="0">
+                <a:latin typeface="Segoe UI" panose="020B0502040204020203" pitchFamily="34" charset="0"/>
+                <a:cs typeface="Segoe UI" panose="020B0502040204020203" pitchFamily="34" charset="0"/>
+              </a:rPr>
               <a:t>Socket Session DB</a:t>
             </a:r>
           </a:p>
@@ -9802,16 +10288,11 @@
           <a:p>
             <a:pPr algn="ctr"/>
             <a:r>
-              <a:rPr lang="en-IN" sz="1100" dirty="0"/>
-              <a:t>Inbound Flux &lt;</a:t>
-            </a:r>
-            <a:r>
-              <a:rPr lang="en-IN" sz="1100" dirty="0" err="1"/>
-              <a:t>WebSocketMessage</a:t>
-            </a:r>
-            <a:r>
-              <a:rPr lang="en-IN" sz="1100" dirty="0"/>
-              <a:t>&gt;</a:t>
+              <a:rPr lang="en-IN" sz="1600" dirty="0">
+                <a:latin typeface="Segoe UI" panose="020B0502040204020203" pitchFamily="34" charset="0"/>
+                <a:cs typeface="Segoe UI" panose="020B0502040204020203" pitchFamily="34" charset="0"/>
+              </a:rPr>
+              <a:t>Inbound Flux</a:t>
             </a:r>
           </a:p>
         </p:txBody>
@@ -9856,7 +10337,10 @@
           <a:lstStyle/>
           <a:p>
             <a:pPr algn="ctr"/>
-            <a:endParaRPr lang="en-IN"/>
+            <a:endParaRPr lang="en-IN">
+              <a:latin typeface="Segoe UI" panose="020B0502040204020203" pitchFamily="34" charset="0"/>
+              <a:cs typeface="Segoe UI" panose="020B0502040204020203" pitchFamily="34" charset="0"/>
+            </a:endParaRPr>
           </a:p>
         </p:txBody>
       </p:sp>
@@ -9900,7 +10384,10 @@
           <a:lstStyle/>
           <a:p>
             <a:pPr algn="ctr"/>
-            <a:endParaRPr lang="en-IN"/>
+            <a:endParaRPr lang="en-IN">
+              <a:latin typeface="Segoe UI" panose="020B0502040204020203" pitchFamily="34" charset="0"/>
+              <a:cs typeface="Segoe UI" panose="020B0502040204020203" pitchFamily="34" charset="0"/>
+            </a:endParaRPr>
           </a:p>
         </p:txBody>
       </p:sp>
@@ -9923,7 +10410,7 @@
         <p:spPr>
           <a:xfrm flipV="1">
             <a:off x="4075160" y="4290696"/>
-            <a:ext cx="1975483" cy="17097"/>
+            <a:ext cx="1859457" cy="17097"/>
           </a:xfrm>
           <a:prstGeom prst="straightConnector1">
             <a:avLst/>
@@ -10259,7 +10746,10 @@
           <a:p>
             <a:pPr algn="ctr"/>
             <a:r>
-              <a:rPr lang="en-IN" dirty="0"/>
+              <a:rPr lang="en-IN" sz="1600" dirty="0">
+                <a:latin typeface="Segoe UI" panose="020B0502040204020203" pitchFamily="34" charset="0"/>
+                <a:cs typeface="Segoe UI" panose="020B0502040204020203" pitchFamily="34" charset="0"/>
+              </a:rPr>
               <a:t>Socket Client</a:t>
             </a:r>
           </a:p>
@@ -10312,7 +10802,10 @@
           <a:p>
             <a:pPr algn="ctr"/>
             <a:r>
-              <a:rPr lang="en-IN" dirty="0"/>
+              <a:rPr lang="en-IN" dirty="0">
+                <a:latin typeface="Segoe UI" panose="020B0502040204020203" pitchFamily="34" charset="0"/>
+                <a:cs typeface="Segoe UI" panose="020B0502040204020203" pitchFamily="34" charset="0"/>
+              </a:rPr>
               <a:t>Socket Session</a:t>
             </a:r>
           </a:p>
@@ -10359,21 +10852,12 @@
           <a:p>
             <a:pPr algn="ctr"/>
             <a:r>
-              <a:rPr lang="en-IN" sz="1100" dirty="0"/>
-              <a:t>Inbound Flux &lt;</a:t>
+              <a:rPr lang="en-IN" sz="1600" dirty="0">
+                <a:latin typeface="Segoe UI" panose="020B0502040204020203" pitchFamily="34" charset="0"/>
+                <a:cs typeface="Segoe UI" panose="020B0502040204020203" pitchFamily="34" charset="0"/>
+              </a:rPr>
+              <a:t>Inbound Flux</a:t>
             </a:r>
-            <a:r>
-              <a:rPr lang="en-IN" sz="1100" dirty="0" err="1"/>
-              <a:t>WebSocketMessage</a:t>
-            </a:r>
-            <a:r>
-              <a:rPr lang="en-IN" sz="1100" dirty="0"/>
-              <a:t>&gt;</a:t>
-            </a:r>
-          </a:p>
-          <a:p>
-            <a:pPr algn="ctr"/>
-            <a:endParaRPr lang="en-IN" sz="1100" dirty="0"/>
           </a:p>
         </p:txBody>
       </p:sp>
@@ -10418,16 +10902,11 @@
           <a:p>
             <a:pPr algn="ctr"/>
             <a:r>
-              <a:rPr lang="en-IN" sz="1100" dirty="0"/>
-              <a:t>Outbound Flux &lt;</a:t>
-            </a:r>
-            <a:r>
-              <a:rPr lang="en-IN" sz="1100" dirty="0" err="1"/>
-              <a:t>WebSocketMessage</a:t>
-            </a:r>
-            <a:r>
-              <a:rPr lang="en-IN" sz="1100" dirty="0"/>
-              <a:t>&gt;</a:t>
+              <a:rPr lang="en-IN" sz="1600" dirty="0">
+                <a:latin typeface="Segoe UI" panose="020B0502040204020203" pitchFamily="34" charset="0"/>
+                <a:cs typeface="Segoe UI" panose="020B0502040204020203" pitchFamily="34" charset="0"/>
+              </a:rPr>
+              <a:t>Outbound Flux</a:t>
             </a:r>
           </a:p>
         </p:txBody>
@@ -10655,7 +11134,10 @@
           <a:p>
             <a:pPr algn="ctr"/>
             <a:r>
-              <a:rPr lang="en-IN" dirty="0"/>
+              <a:rPr lang="en-IN" dirty="0">
+                <a:latin typeface="Segoe UI" panose="020B0502040204020203" pitchFamily="34" charset="0"/>
+                <a:cs typeface="Segoe UI" panose="020B0502040204020203" pitchFamily="34" charset="0"/>
+              </a:rPr>
               <a:t>Subscribe Channel  </a:t>
             </a:r>
           </a:p>
@@ -10701,7 +11183,10 @@
           <a:lstStyle/>
           <a:p>
             <a:pPr algn="ctr"/>
-            <a:endParaRPr lang="en-IN" dirty="0"/>
+            <a:endParaRPr lang="en-IN" dirty="0">
+              <a:latin typeface="Segoe UI" panose="020B0502040204020203" pitchFamily="34" charset="0"/>
+              <a:cs typeface="Segoe UI" panose="020B0502040204020203" pitchFamily="34" charset="0"/>
+            </a:endParaRPr>
           </a:p>
         </p:txBody>
       </p:sp>
@@ -10886,6 +11371,124 @@
           </a:fontRef>
         </p:style>
       </p:cxnSp>
+      <p:sp>
+        <p:nvSpPr>
+          <p:cNvPr id="40" name="Flowchart: Terminator 39">
+            <a:extLst>
+              <a:ext uri="{FF2B5EF4-FFF2-40B4-BE49-F238E27FC236}">
+                <a16:creationId xmlns:a16="http://schemas.microsoft.com/office/drawing/2014/main" id="{F1F2827F-5CD8-4056-A9AA-30BEC40F188D}"/>
+              </a:ext>
+            </a:extLst>
+          </p:cNvPr>
+          <p:cNvSpPr/>
+          <p:nvPr/>
+        </p:nvSpPr>
+        <p:spPr>
+          <a:xfrm>
+            <a:off x="5020237" y="934902"/>
+            <a:ext cx="1752038" cy="214015"/>
+          </a:xfrm>
+          <a:prstGeom prst="flowChartTerminator">
+            <a:avLst/>
+          </a:prstGeom>
+          <a:noFill/>
+          <a:ln>
+            <a:noFill/>
+          </a:ln>
+        </p:spPr>
+        <p:style>
+          <a:lnRef idx="2">
+            <a:schemeClr val="accent1">
+              <a:shade val="50000"/>
+            </a:schemeClr>
+          </a:lnRef>
+          <a:fillRef idx="1">
+            <a:schemeClr val="accent1"/>
+          </a:fillRef>
+          <a:effectRef idx="0">
+            <a:schemeClr val="accent1"/>
+          </a:effectRef>
+          <a:fontRef idx="minor">
+            <a:schemeClr val="lt1"/>
+          </a:fontRef>
+        </p:style>
+        <p:txBody>
+          <a:bodyPr rtlCol="0" anchor="ctr"/>
+          <a:lstStyle/>
+          <a:p>
+            <a:pPr algn="ctr"/>
+            <a:r>
+              <a:rPr lang="en-IN" sz="1600" dirty="0">
+                <a:solidFill>
+                  <a:srgbClr val="7030A0"/>
+                </a:solidFill>
+                <a:latin typeface="Segoe UI" panose="020B0502040204020203" pitchFamily="34" charset="0"/>
+                <a:cs typeface="Segoe UI" panose="020B0502040204020203" pitchFamily="34" charset="0"/>
+              </a:rPr>
+              <a:t>HTTP SESSION</a:t>
+            </a:r>
+          </a:p>
+        </p:txBody>
+      </p:sp>
+      <p:sp>
+        <p:nvSpPr>
+          <p:cNvPr id="41" name="Flowchart: Terminator 40">
+            <a:extLst>
+              <a:ext uri="{FF2B5EF4-FFF2-40B4-BE49-F238E27FC236}">
+                <a16:creationId xmlns:a16="http://schemas.microsoft.com/office/drawing/2014/main" id="{79C22CE5-DB88-457F-AACE-235209210F25}"/>
+              </a:ext>
+            </a:extLst>
+          </p:cNvPr>
+          <p:cNvSpPr/>
+          <p:nvPr/>
+        </p:nvSpPr>
+        <p:spPr>
+          <a:xfrm>
+            <a:off x="5008989" y="1405765"/>
+            <a:ext cx="1939707" cy="237299"/>
+          </a:xfrm>
+          <a:prstGeom prst="flowChartTerminator">
+            <a:avLst/>
+          </a:prstGeom>
+          <a:noFill/>
+          <a:ln>
+            <a:noFill/>
+          </a:ln>
+        </p:spPr>
+        <p:style>
+          <a:lnRef idx="2">
+            <a:schemeClr val="accent1">
+              <a:shade val="50000"/>
+            </a:schemeClr>
+          </a:lnRef>
+          <a:fillRef idx="1">
+            <a:schemeClr val="accent1"/>
+          </a:fillRef>
+          <a:effectRef idx="0">
+            <a:schemeClr val="accent1"/>
+          </a:effectRef>
+          <a:fontRef idx="minor">
+            <a:schemeClr val="lt1"/>
+          </a:fontRef>
+        </p:style>
+        <p:txBody>
+          <a:bodyPr rtlCol="0" anchor="ctr"/>
+          <a:lstStyle/>
+          <a:p>
+            <a:pPr algn="ctr"/>
+            <a:r>
+              <a:rPr lang="en-IN" sz="1600" dirty="0">
+                <a:solidFill>
+                  <a:srgbClr val="7030A0"/>
+                </a:solidFill>
+                <a:latin typeface="Segoe UI" panose="020B0502040204020203" pitchFamily="34" charset="0"/>
+                <a:cs typeface="Segoe UI" panose="020B0502040204020203" pitchFamily="34" charset="0"/>
+              </a:rPr>
+              <a:t>SOCKET SESSION</a:t>
+            </a:r>
+          </a:p>
+        </p:txBody>
+      </p:sp>
     </p:spTree>
     <p:extLst>
       <p:ext uri="{BB962C8B-B14F-4D97-AF65-F5344CB8AC3E}">

--- a/designs.pptx
+++ b/designs.pptx
@@ -11,10 +11,13 @@
     <p:sldId id="259" r:id="rId5"/>
     <p:sldId id="260" r:id="rId6"/>
     <p:sldId id="261" r:id="rId7"/>
-    <p:sldId id="262" r:id="rId8"/>
-    <p:sldId id="264" r:id="rId9"/>
-    <p:sldId id="263" r:id="rId10"/>
-    <p:sldId id="265" r:id="rId11"/>
+    <p:sldId id="266" r:id="rId8"/>
+    <p:sldId id="262" r:id="rId9"/>
+    <p:sldId id="267" r:id="rId10"/>
+    <p:sldId id="268" r:id="rId11"/>
+    <p:sldId id="269" r:id="rId12"/>
+    <p:sldId id="265" r:id="rId13"/>
+    <p:sldId id="270" r:id="rId14"/>
   </p:sldIdLst>
   <p:sldSz cx="12192000" cy="6858000"/>
   <p:notesSz cx="6858000" cy="9144000"/>
@@ -3448,10 +3451,10 @@
       </p:grpSpPr>
       <p:sp>
         <p:nvSpPr>
-          <p:cNvPr id="90" name="Rectangle: Rounded Corners 89">
-            <a:extLst>
-              <a:ext uri="{FF2B5EF4-FFF2-40B4-BE49-F238E27FC236}">
-                <a16:creationId xmlns:a16="http://schemas.microsoft.com/office/drawing/2014/main" id="{5E662926-440E-47BB-9409-CA914CF71A5C}"/>
+          <p:cNvPr id="51" name="Rectangle: Rounded Corners 50">
+            <a:extLst>
+              <a:ext uri="{FF2B5EF4-FFF2-40B4-BE49-F238E27FC236}">
+                <a16:creationId xmlns:a16="http://schemas.microsoft.com/office/drawing/2014/main" id="{F93D6E1C-8AFB-4238-9290-7188A0EB6D5C}"/>
               </a:ext>
             </a:extLst>
           </p:cNvPr>
@@ -3460,8 +3463,66 @@
         </p:nvSpPr>
         <p:spPr>
           <a:xfrm>
-            <a:off x="266700" y="932948"/>
-            <a:ext cx="11487150" cy="4567738"/>
+            <a:off x="76200" y="685800"/>
+            <a:ext cx="11801475" cy="6193342"/>
+          </a:xfrm>
+          <a:prstGeom prst="roundRect">
+            <a:avLst/>
+          </a:prstGeom>
+          <a:solidFill>
+            <a:schemeClr val="accent3">
+              <a:lumMod val="60000"/>
+              <a:lumOff val="40000"/>
+            </a:schemeClr>
+          </a:solidFill>
+          <a:ln>
+            <a:noFill/>
+          </a:ln>
+        </p:spPr>
+        <p:style>
+          <a:lnRef idx="2">
+            <a:schemeClr val="accent1">
+              <a:shade val="50000"/>
+            </a:schemeClr>
+          </a:lnRef>
+          <a:fillRef idx="1">
+            <a:schemeClr val="accent1"/>
+          </a:fillRef>
+          <a:effectRef idx="0">
+            <a:schemeClr val="accent1"/>
+          </a:effectRef>
+          <a:fontRef idx="minor">
+            <a:schemeClr val="lt1"/>
+          </a:fontRef>
+        </p:style>
+        <p:txBody>
+          <a:bodyPr rtlCol="0" anchor="ctr"/>
+          <a:lstStyle/>
+          <a:p>
+            <a:pPr algn="ctr"/>
+            <a:endParaRPr lang="en-IN" dirty="0">
+              <a:latin typeface="Segoe UI" panose="020B0502040204020203" pitchFamily="34" charset="0"/>
+              <a:cs typeface="Segoe UI" panose="020B0502040204020203" pitchFamily="34" charset="0"/>
+            </a:endParaRPr>
+          </a:p>
+        </p:txBody>
+      </p:sp>
+      <p:sp>
+        <p:nvSpPr>
+          <p:cNvPr id="42" name="Rectangle: Rounded Corners 41">
+            <a:extLst>
+              <a:ext uri="{FF2B5EF4-FFF2-40B4-BE49-F238E27FC236}">
+                <a16:creationId xmlns:a16="http://schemas.microsoft.com/office/drawing/2014/main" id="{117A09F0-24BF-493B-A3CF-448030ACCDBB}"/>
+              </a:ext>
+            </a:extLst>
+          </p:cNvPr>
+          <p:cNvSpPr/>
+          <p:nvPr/>
+        </p:nvSpPr>
+        <p:spPr>
+          <a:xfrm>
+            <a:off x="6461508" y="853601"/>
+            <a:ext cx="5265788" cy="4761191"/>
           </a:xfrm>
           <a:prstGeom prst="roundRect">
             <a:avLst/>
@@ -3506,10 +3567,10 @@
       </p:sp>
       <p:sp>
         <p:nvSpPr>
-          <p:cNvPr id="89" name="Rectangle: Rounded Corners 88">
-            <a:extLst>
-              <a:ext uri="{FF2B5EF4-FFF2-40B4-BE49-F238E27FC236}">
-                <a16:creationId xmlns:a16="http://schemas.microsoft.com/office/drawing/2014/main" id="{2C29E075-A922-45D5-B997-1E1CFDE53603}"/>
+          <p:cNvPr id="35" name="Rectangle: Rounded Corners 34">
+            <a:extLst>
+              <a:ext uri="{FF2B5EF4-FFF2-40B4-BE49-F238E27FC236}">
+                <a16:creationId xmlns:a16="http://schemas.microsoft.com/office/drawing/2014/main" id="{3B94AB0D-395C-4930-98F1-5C66BD441C26}"/>
               </a:ext>
             </a:extLst>
           </p:cNvPr>
@@ -3518,16 +3579,16 @@
         </p:nvSpPr>
         <p:spPr>
           <a:xfrm>
-            <a:off x="528299" y="5532407"/>
-            <a:ext cx="10962004" cy="1294318"/>
+            <a:off x="220418" y="900778"/>
+            <a:ext cx="5637187" cy="4761191"/>
           </a:xfrm>
           <a:prstGeom prst="roundRect">
             <a:avLst/>
           </a:prstGeom>
           <a:solidFill>
-            <a:schemeClr val="accent4">
-              <a:lumMod val="20000"/>
-              <a:lumOff val="80000"/>
+            <a:schemeClr val="accent3">
+              <a:lumMod val="40000"/>
+              <a:lumOff val="60000"/>
             </a:schemeClr>
           </a:solidFill>
           <a:ln>
@@ -3564,10 +3625,10 @@
       </p:sp>
       <p:sp>
         <p:nvSpPr>
-          <p:cNvPr id="10" name="Rectangle: Rounded Corners 9">
-            <a:extLst>
-              <a:ext uri="{FF2B5EF4-FFF2-40B4-BE49-F238E27FC236}">
-                <a16:creationId xmlns:a16="http://schemas.microsoft.com/office/drawing/2014/main" id="{64DC03ED-3E0D-4A1E-A2F7-4547D34BDA11}"/>
+          <p:cNvPr id="39" name="Rectangle: Rounded Corners 38">
+            <a:extLst>
+              <a:ext uri="{FF2B5EF4-FFF2-40B4-BE49-F238E27FC236}">
+                <a16:creationId xmlns:a16="http://schemas.microsoft.com/office/drawing/2014/main" id="{444111FD-334A-4853-B7F2-2D873781FFE4}"/>
               </a:ext>
             </a:extLst>
           </p:cNvPr>
@@ -3576,8 +3637,8 @@
         </p:nvSpPr>
         <p:spPr>
           <a:xfrm>
-            <a:off x="528298" y="1270531"/>
-            <a:ext cx="10962005" cy="4182530"/>
+            <a:off x="6611961" y="1243208"/>
+            <a:ext cx="5010933" cy="4177474"/>
           </a:xfrm>
           <a:prstGeom prst="roundRect">
             <a:avLst/>
@@ -3622,6 +3683,64 @@
       </p:sp>
       <p:sp>
         <p:nvSpPr>
+          <p:cNvPr id="10" name="Rectangle: Rounded Corners 9">
+            <a:extLst>
+              <a:ext uri="{FF2B5EF4-FFF2-40B4-BE49-F238E27FC236}">
+                <a16:creationId xmlns:a16="http://schemas.microsoft.com/office/drawing/2014/main" id="{64DC03ED-3E0D-4A1E-A2F7-4547D34BDA11}"/>
+              </a:ext>
+            </a:extLst>
+          </p:cNvPr>
+          <p:cNvSpPr/>
+          <p:nvPr/>
+        </p:nvSpPr>
+        <p:spPr>
+          <a:xfrm>
+            <a:off x="528298" y="1250476"/>
+            <a:ext cx="4965567" cy="4170205"/>
+          </a:xfrm>
+          <a:prstGeom prst="roundRect">
+            <a:avLst/>
+          </a:prstGeom>
+          <a:solidFill>
+            <a:schemeClr val="accent3">
+              <a:lumMod val="20000"/>
+              <a:lumOff val="80000"/>
+            </a:schemeClr>
+          </a:solidFill>
+          <a:ln>
+            <a:noFill/>
+          </a:ln>
+        </p:spPr>
+        <p:style>
+          <a:lnRef idx="2">
+            <a:schemeClr val="accent1">
+              <a:shade val="50000"/>
+            </a:schemeClr>
+          </a:lnRef>
+          <a:fillRef idx="1">
+            <a:schemeClr val="accent1"/>
+          </a:fillRef>
+          <a:effectRef idx="0">
+            <a:schemeClr val="accent1"/>
+          </a:effectRef>
+          <a:fontRef idx="minor">
+            <a:schemeClr val="lt1"/>
+          </a:fontRef>
+        </p:style>
+        <p:txBody>
+          <a:bodyPr rtlCol="0" anchor="ctr"/>
+          <a:lstStyle/>
+          <a:p>
+            <a:pPr algn="ctr"/>
+            <a:endParaRPr lang="en-IN" dirty="0">
+              <a:latin typeface="Segoe UI" panose="020B0502040204020203" pitchFamily="34" charset="0"/>
+              <a:cs typeface="Segoe UI" panose="020B0502040204020203" pitchFamily="34" charset="0"/>
+            </a:endParaRPr>
+          </a:p>
+        </p:txBody>
+      </p:sp>
+      <p:sp>
+        <p:nvSpPr>
           <p:cNvPr id="4" name="Rectangle: Rounded Corners 3">
             <a:extLst>
               <a:ext uri="{FF2B5EF4-FFF2-40B4-BE49-F238E27FC236}">
@@ -3635,7 +3754,7 @@
         <p:spPr>
           <a:xfrm>
             <a:off x="2242583" y="59851"/>
-            <a:ext cx="911382" cy="793750"/>
+            <a:ext cx="911382" cy="548725"/>
           </a:xfrm>
           <a:prstGeom prst="roundRect">
             <a:avLst/>
@@ -3690,7 +3809,7 @@
         </p:nvSpPr>
         <p:spPr>
           <a:xfrm>
-            <a:off x="2013268" y="1338264"/>
+            <a:off x="2013268" y="1643064"/>
             <a:ext cx="1370012" cy="1209675"/>
           </a:xfrm>
           <a:prstGeom prst="roundRect">
@@ -3727,17 +3846,17 @@
                 <a:latin typeface="Segoe UI" panose="020B0502040204020203" pitchFamily="34" charset="0"/>
                 <a:cs typeface="Segoe UI" panose="020B0502040204020203" pitchFamily="34" charset="0"/>
               </a:rPr>
-              <a:t>Socket Session</a:t>
+              <a:t>Socket Session Handler</a:t>
             </a:r>
           </a:p>
         </p:txBody>
       </p:sp>
       <p:sp>
         <p:nvSpPr>
-          <p:cNvPr id="7" name="Cylinder 6">
-            <a:extLst>
-              <a:ext uri="{FF2B5EF4-FFF2-40B4-BE49-F238E27FC236}">
-                <a16:creationId xmlns:a16="http://schemas.microsoft.com/office/drawing/2014/main" id="{CA61AFFB-ADDF-462E-8714-2D33425157FF}"/>
+          <p:cNvPr id="16" name="Rectangle: Rounded Corners 15">
+            <a:extLst>
+              <a:ext uri="{FF2B5EF4-FFF2-40B4-BE49-F238E27FC236}">
+                <a16:creationId xmlns:a16="http://schemas.microsoft.com/office/drawing/2014/main" id="{A96A5840-F1F7-4050-9486-9140C8A1BD32}"/>
               </a:ext>
             </a:extLst>
           </p:cNvPr>
@@ -3745,58 +3864,8 @@
           <p:nvPr/>
         </p:nvSpPr>
         <p:spPr>
-          <a:xfrm rot="5400000">
-            <a:off x="1414532" y="4092020"/>
-            <a:ext cx="523875" cy="1923900"/>
-          </a:xfrm>
-          <a:prstGeom prst="can">
-            <a:avLst/>
-          </a:prstGeom>
-        </p:spPr>
-        <p:style>
-          <a:lnRef idx="0">
-            <a:schemeClr val="accent5"/>
-          </a:lnRef>
-          <a:fillRef idx="3">
-            <a:schemeClr val="accent5"/>
-          </a:fillRef>
-          <a:effectRef idx="3">
-            <a:schemeClr val="accent5"/>
-          </a:effectRef>
-          <a:fontRef idx="minor">
-            <a:schemeClr val="lt1"/>
-          </a:fontRef>
-        </p:style>
-        <p:txBody>
-          <a:bodyPr vert="vert270" rtlCol="0" anchor="ctr"/>
-          <a:lstStyle/>
-          <a:p>
-            <a:pPr algn="ctr"/>
-            <a:r>
-              <a:rPr lang="en-IN" dirty="0">
-                <a:latin typeface="Segoe UI" panose="020B0502040204020203" pitchFamily="34" charset="0"/>
-                <a:cs typeface="Segoe UI" panose="020B0502040204020203" pitchFamily="34" charset="0"/>
-              </a:rPr>
-              <a:t>Subscribe Channel  </a:t>
-            </a:r>
-          </a:p>
-        </p:txBody>
-      </p:sp>
-      <p:sp>
-        <p:nvSpPr>
-          <p:cNvPr id="16" name="Rectangle: Rounded Corners 15">
-            <a:extLst>
-              <a:ext uri="{FF2B5EF4-FFF2-40B4-BE49-F238E27FC236}">
-                <a16:creationId xmlns:a16="http://schemas.microsoft.com/office/drawing/2014/main" id="{A96A5840-F1F7-4050-9486-9140C8A1BD32}"/>
-              </a:ext>
-            </a:extLst>
-          </p:cNvPr>
-          <p:cNvSpPr/>
-          <p:nvPr/>
-        </p:nvSpPr>
-        <p:spPr>
-          <a:xfrm>
-            <a:off x="701697" y="3078481"/>
+          <a:xfrm>
+            <a:off x="701697" y="3383281"/>
             <a:ext cx="1654492" cy="616744"/>
           </a:xfrm>
           <a:prstGeom prst="roundRect">
@@ -3849,8 +3918,8 @@
         </p:nvCxnSpPr>
         <p:spPr>
           <a:xfrm flipV="1">
-            <a:off x="1528943" y="3695225"/>
-            <a:ext cx="0" cy="1150016"/>
+            <a:off x="1528943" y="4000025"/>
+            <a:ext cx="0" cy="2050853"/>
           </a:xfrm>
           <a:prstGeom prst="straightConnector1">
             <a:avLst/>
@@ -3885,13 +3954,14 @@
           </p:cNvPr>
           <p:cNvCxnSpPr>
             <a:cxnSpLocks/>
+            <a:stCxn id="60" idx="4"/>
           </p:cNvCxnSpPr>
           <p:nvPr/>
         </p:nvCxnSpPr>
         <p:spPr>
           <a:xfrm>
-            <a:off x="8091535" y="4405251"/>
-            <a:ext cx="0" cy="386780"/>
+            <a:off x="8091535" y="4776726"/>
+            <a:ext cx="0" cy="1274152"/>
           </a:xfrm>
           <a:prstGeom prst="straightConnector1">
             <a:avLst/>
@@ -3929,7 +3999,7 @@
         </p:nvSpPr>
         <p:spPr>
           <a:xfrm>
-            <a:off x="7914011" y="3884337"/>
+            <a:off x="7914011" y="4189137"/>
             <a:ext cx="334728" cy="203119"/>
           </a:xfrm>
           <a:prstGeom prst="ellipse">
@@ -3976,7 +4046,7 @@
         </p:nvSpPr>
         <p:spPr>
           <a:xfrm>
-            <a:off x="7924171" y="4268807"/>
+            <a:off x="7924171" y="4573607"/>
             <a:ext cx="334728" cy="203119"/>
           </a:xfrm>
           <a:prstGeom prst="ellipse">
@@ -4023,8 +4093,8 @@
         </p:nvSpPr>
         <p:spPr>
           <a:xfrm>
-            <a:off x="6003996" y="3664299"/>
-            <a:ext cx="944701" cy="643193"/>
+            <a:off x="5653691" y="3969099"/>
+            <a:ext cx="983383" cy="643193"/>
           </a:xfrm>
           <a:prstGeom prst="can">
             <a:avLst/>
@@ -4077,8 +4147,8 @@
         </p:nvCxnSpPr>
         <p:spPr>
           <a:xfrm flipH="1" flipV="1">
-            <a:off x="6948697" y="3985896"/>
-            <a:ext cx="965314" cy="1"/>
+            <a:off x="6637074" y="4290696"/>
+            <a:ext cx="1276937" cy="1"/>
           </a:xfrm>
           <a:prstGeom prst="straightConnector1">
             <a:avLst/>
@@ -4119,7 +4189,7 @@
         </p:nvCxnSpPr>
         <p:spPr>
           <a:xfrm>
-            <a:off x="8078711" y="3740944"/>
+            <a:off x="8078711" y="4045744"/>
             <a:ext cx="2664" cy="143393"/>
           </a:xfrm>
           <a:prstGeom prst="straightConnector1">
@@ -4162,7 +4232,7 @@
         </p:nvCxnSpPr>
         <p:spPr>
           <a:xfrm>
-            <a:off x="8081375" y="4087456"/>
+            <a:off x="8081375" y="4392256"/>
             <a:ext cx="10160" cy="181351"/>
           </a:xfrm>
           <a:prstGeom prst="straightConnector1">
@@ -4204,8 +4274,8 @@
         </p:nvCxnSpPr>
         <p:spPr>
           <a:xfrm flipV="1">
-            <a:off x="10393683" y="3817332"/>
-            <a:ext cx="0" cy="1027909"/>
+            <a:off x="10380860" y="4122132"/>
+            <a:ext cx="12823" cy="1928746"/>
           </a:xfrm>
           <a:prstGeom prst="straightConnector1">
             <a:avLst/>
@@ -4243,7 +4313,7 @@
         </p:nvSpPr>
         <p:spPr>
           <a:xfrm>
-            <a:off x="3077886" y="3141296"/>
+            <a:off x="3077886" y="3446096"/>
             <a:ext cx="1654492" cy="616744"/>
           </a:xfrm>
           <a:prstGeom prst="roundRect">
@@ -4290,13 +4360,14 @@
           </p:cNvPr>
           <p:cNvCxnSpPr>
             <a:cxnSpLocks/>
+            <a:stCxn id="78" idx="4"/>
           </p:cNvCxnSpPr>
           <p:nvPr/>
         </p:nvCxnSpPr>
         <p:spPr>
           <a:xfrm>
-            <a:off x="3917956" y="4422347"/>
-            <a:ext cx="0" cy="369684"/>
+            <a:off x="3917956" y="4793822"/>
+            <a:ext cx="0" cy="1257056"/>
           </a:xfrm>
           <a:prstGeom prst="straightConnector1">
             <a:avLst/>
@@ -4334,7 +4405,7 @@
         </p:nvSpPr>
         <p:spPr>
           <a:xfrm>
-            <a:off x="3740432" y="3901433"/>
+            <a:off x="3740432" y="4206233"/>
             <a:ext cx="334728" cy="203119"/>
           </a:xfrm>
           <a:prstGeom prst="ellipse">
@@ -4381,7 +4452,7 @@
         </p:nvSpPr>
         <p:spPr>
           <a:xfrm>
-            <a:off x="3750592" y="4285903"/>
+            <a:off x="3750592" y="4590703"/>
             <a:ext cx="334728" cy="203119"/>
           </a:xfrm>
           <a:prstGeom prst="ellipse">
@@ -4432,8 +4503,8 @@
         </p:nvCxnSpPr>
         <p:spPr>
           <a:xfrm flipV="1">
-            <a:off x="4075160" y="3985896"/>
-            <a:ext cx="1928836" cy="17097"/>
+            <a:off x="4075160" y="4290696"/>
+            <a:ext cx="1578531" cy="17097"/>
           </a:xfrm>
           <a:prstGeom prst="straightConnector1">
             <a:avLst/>
@@ -4475,7 +4546,7 @@
         </p:nvCxnSpPr>
         <p:spPr>
           <a:xfrm>
-            <a:off x="3905132" y="3758040"/>
+            <a:off x="3905132" y="4062840"/>
             <a:ext cx="2664" cy="143393"/>
           </a:xfrm>
           <a:prstGeom prst="straightConnector1">
@@ -4518,7 +4589,7 @@
         </p:nvCxnSpPr>
         <p:spPr>
           <a:xfrm>
-            <a:off x="3907796" y="4104552"/>
+            <a:off x="3907796" y="4409352"/>
             <a:ext cx="10160" cy="181351"/>
           </a:xfrm>
           <a:prstGeom prst="straightConnector1">
@@ -4561,8 +4632,8 @@
         </p:nvCxnSpPr>
         <p:spPr>
           <a:xfrm>
-            <a:off x="3153965" y="456726"/>
-            <a:ext cx="229315" cy="1486376"/>
+            <a:off x="3153965" y="334214"/>
+            <a:ext cx="229315" cy="1913688"/>
           </a:xfrm>
           <a:prstGeom prst="bentConnector3">
             <a:avLst>
@@ -4605,7 +4676,7 @@
         </p:nvCxnSpPr>
         <p:spPr>
           <a:xfrm rot="5400000">
-            <a:off x="1284698" y="2349907"/>
+            <a:off x="1284698" y="2654707"/>
             <a:ext cx="972819" cy="484328"/>
           </a:xfrm>
           <a:prstGeom prst="bentConnector3">
@@ -4650,7 +4721,7 @@
         </p:nvCxnSpPr>
         <p:spPr>
           <a:xfrm rot="16200000" flipH="1">
-            <a:off x="3090829" y="2326993"/>
+            <a:off x="3090829" y="2631793"/>
             <a:ext cx="1106754" cy="521852"/>
           </a:xfrm>
           <a:prstGeom prst="bentConnector3">
@@ -4695,8 +4766,8 @@
         </p:nvCxnSpPr>
         <p:spPr>
           <a:xfrm rot="10800000" flipH="1">
-            <a:off x="2013267" y="456726"/>
-            <a:ext cx="229315" cy="1486376"/>
+            <a:off x="2013267" y="334214"/>
+            <a:ext cx="229315" cy="1913688"/>
           </a:xfrm>
           <a:prstGeom prst="bentConnector3">
             <a:avLst>
@@ -4736,8 +4807,8 @@
         </p:nvSpPr>
         <p:spPr>
           <a:xfrm>
-            <a:off x="8731134" y="119143"/>
-            <a:ext cx="911382" cy="793750"/>
+            <a:off x="8734470" y="24515"/>
+            <a:ext cx="911382" cy="541456"/>
           </a:xfrm>
           <a:prstGeom prst="roundRect">
             <a:avLst/>
@@ -4792,7 +4863,7 @@
         </p:nvSpPr>
         <p:spPr>
           <a:xfrm>
-            <a:off x="8501819" y="1397556"/>
+            <a:off x="8501819" y="1702356"/>
             <a:ext cx="1370012" cy="1209675"/>
           </a:xfrm>
           <a:prstGeom prst="roundRect">
@@ -4829,7 +4900,7 @@
                 <a:latin typeface="Segoe UI" panose="020B0502040204020203" pitchFamily="34" charset="0"/>
                 <a:cs typeface="Segoe UI" panose="020B0502040204020203" pitchFamily="34" charset="0"/>
               </a:rPr>
-              <a:t>Socket Session</a:t>
+              <a:t>Socket Session Handler</a:t>
             </a:r>
           </a:p>
         </p:txBody>
@@ -4848,7 +4919,7 @@
         </p:nvSpPr>
         <p:spPr>
           <a:xfrm>
-            <a:off x="7190248" y="3137773"/>
+            <a:off x="7190248" y="3442573"/>
             <a:ext cx="1654492" cy="616744"/>
           </a:xfrm>
           <a:prstGeom prst="roundRect">
@@ -4898,7 +4969,7 @@
         </p:nvSpPr>
         <p:spPr>
           <a:xfrm>
-            <a:off x="9566437" y="3200588"/>
+            <a:off x="9566437" y="3505388"/>
             <a:ext cx="1654492" cy="616744"/>
           </a:xfrm>
           <a:prstGeom prst="roundRect">
@@ -4952,12 +5023,12 @@
         </p:nvCxnSpPr>
         <p:spPr>
           <a:xfrm>
-            <a:off x="9642516" y="516018"/>
-            <a:ext cx="229315" cy="1486376"/>
+            <a:off x="9645852" y="295243"/>
+            <a:ext cx="225979" cy="2011951"/>
           </a:xfrm>
           <a:prstGeom prst="bentConnector3">
             <a:avLst>
-              <a:gd name="adj1" fmla="val 199688"/>
+              <a:gd name="adj1" fmla="val 201160"/>
             </a:avLst>
           </a:prstGeom>
           <a:ln w="19050">
@@ -4997,7 +5068,7 @@
         </p:nvCxnSpPr>
         <p:spPr>
           <a:xfrm rot="5400000">
-            <a:off x="7773249" y="2409199"/>
+            <a:off x="7773249" y="2713999"/>
             <a:ext cx="972819" cy="484328"/>
           </a:xfrm>
           <a:prstGeom prst="bentConnector3">
@@ -5042,7 +5113,7 @@
         </p:nvCxnSpPr>
         <p:spPr>
           <a:xfrm rot="16200000" flipH="1">
-            <a:off x="9579380" y="2386285"/>
+            <a:off x="9579380" y="2691085"/>
             <a:ext cx="1106754" cy="521852"/>
           </a:xfrm>
           <a:prstGeom prst="bentConnector3">
@@ -5088,12 +5159,12 @@
         </p:nvCxnSpPr>
         <p:spPr>
           <a:xfrm rot="10800000" flipH="1">
-            <a:off x="8501818" y="516018"/>
-            <a:ext cx="229315" cy="1486376"/>
+            <a:off x="8501818" y="295244"/>
+            <a:ext cx="232651" cy="2011951"/>
           </a:xfrm>
           <a:prstGeom prst="bentConnector3">
             <a:avLst>
-              <a:gd name="adj1" fmla="val -99688"/>
+              <a:gd name="adj1" fmla="val -98259"/>
             </a:avLst>
           </a:prstGeom>
           <a:ln w="19050">
@@ -5118,10 +5189,10 @@
       </p:cxnSp>
       <p:sp>
         <p:nvSpPr>
-          <p:cNvPr id="35" name="Cylinder 34">
-            <a:extLst>
-              <a:ext uri="{FF2B5EF4-FFF2-40B4-BE49-F238E27FC236}">
-                <a16:creationId xmlns:a16="http://schemas.microsoft.com/office/drawing/2014/main" id="{AF4D9CCC-3B53-49BC-A4F6-94B8CA6F165B}"/>
+          <p:cNvPr id="9" name="Flowchart: Terminator 8">
+            <a:extLst>
+              <a:ext uri="{FF2B5EF4-FFF2-40B4-BE49-F238E27FC236}">
+                <a16:creationId xmlns:a16="http://schemas.microsoft.com/office/drawing/2014/main" id="{5F777283-F13E-4BC9-A4B6-F77CB38FF0AD}"/>
               </a:ext>
             </a:extLst>
           </p:cNvPr>
@@ -5129,491 +5200,8 @@
           <p:nvPr/>
         </p:nvSpPr>
         <p:spPr>
-          <a:xfrm rot="5400000">
-            <a:off x="10075643" y="4213258"/>
-            <a:ext cx="523875" cy="1654493"/>
-          </a:xfrm>
-          <a:prstGeom prst="can">
-            <a:avLst/>
-          </a:prstGeom>
-        </p:spPr>
-        <p:style>
-          <a:lnRef idx="0">
-            <a:schemeClr val="accent5"/>
-          </a:lnRef>
-          <a:fillRef idx="3">
-            <a:schemeClr val="accent5"/>
-          </a:fillRef>
-          <a:effectRef idx="3">
-            <a:schemeClr val="accent5"/>
-          </a:effectRef>
-          <a:fontRef idx="minor">
-            <a:schemeClr val="lt1"/>
-          </a:fontRef>
-        </p:style>
-        <p:txBody>
-          <a:bodyPr vert="vert270" rtlCol="0" anchor="ctr"/>
-          <a:lstStyle/>
-          <a:p>
-            <a:pPr algn="ctr"/>
-            <a:r>
-              <a:rPr lang="en-IN" dirty="0">
-                <a:latin typeface="Segoe UI" panose="020B0502040204020203" pitchFamily="34" charset="0"/>
-                <a:cs typeface="Segoe UI" panose="020B0502040204020203" pitchFamily="34" charset="0"/>
-              </a:rPr>
-              <a:t>Subscribe Channel  </a:t>
-            </a:r>
-          </a:p>
-        </p:txBody>
-      </p:sp>
-      <p:sp>
-        <p:nvSpPr>
-          <p:cNvPr id="41" name="Cylinder 40">
-            <a:extLst>
-              <a:ext uri="{FF2B5EF4-FFF2-40B4-BE49-F238E27FC236}">
-                <a16:creationId xmlns:a16="http://schemas.microsoft.com/office/drawing/2014/main" id="{6ACC623E-3EA7-4F06-B01D-12BCECD5E5FB}"/>
-              </a:ext>
-            </a:extLst>
-          </p:cNvPr>
-          <p:cNvSpPr/>
-          <p:nvPr/>
-        </p:nvSpPr>
-        <p:spPr>
-          <a:xfrm rot="5400000">
-            <a:off x="5834845" y="5725540"/>
-            <a:ext cx="348908" cy="1706111"/>
-          </a:xfrm>
-          <a:prstGeom prst="can">
-            <a:avLst/>
-          </a:prstGeom>
-          <a:solidFill>
-            <a:schemeClr val="tx1">
-              <a:lumMod val="50000"/>
-              <a:lumOff val="50000"/>
-            </a:schemeClr>
-          </a:solidFill>
-        </p:spPr>
-        <p:style>
-          <a:lnRef idx="0">
-            <a:schemeClr val="accent5"/>
-          </a:lnRef>
-          <a:fillRef idx="3">
-            <a:schemeClr val="accent5"/>
-          </a:fillRef>
-          <a:effectRef idx="3">
-            <a:schemeClr val="accent5"/>
-          </a:effectRef>
-          <a:fontRef idx="minor">
-            <a:schemeClr val="lt1"/>
-          </a:fontRef>
-        </p:style>
-        <p:txBody>
-          <a:bodyPr vert="vert270" rtlCol="0" anchor="ctr"/>
-          <a:lstStyle/>
-          <a:p>
-            <a:pPr algn="ctr"/>
-            <a:r>
-              <a:rPr lang="en-IN" dirty="0">
-                <a:latin typeface="Segoe UI" panose="020B0502040204020203" pitchFamily="34" charset="0"/>
-                <a:cs typeface="Segoe UI" panose="020B0502040204020203" pitchFamily="34" charset="0"/>
-              </a:rPr>
-              <a:t>Queue</a:t>
-            </a:r>
-          </a:p>
-        </p:txBody>
-      </p:sp>
-      <p:sp>
-        <p:nvSpPr>
-          <p:cNvPr id="42" name="Rectangle: Rounded Corners 41">
-            <a:extLst>
-              <a:ext uri="{FF2B5EF4-FFF2-40B4-BE49-F238E27FC236}">
-                <a16:creationId xmlns:a16="http://schemas.microsoft.com/office/drawing/2014/main" id="{3392EE0B-3B8E-4E81-B6CE-7AB4B4097389}"/>
-              </a:ext>
-            </a:extLst>
-          </p:cNvPr>
-          <p:cNvSpPr/>
-          <p:nvPr/>
-        </p:nvSpPr>
-        <p:spPr>
-          <a:xfrm>
-            <a:off x="5171394" y="5583547"/>
-            <a:ext cx="1654492" cy="616744"/>
-          </a:xfrm>
-          <a:prstGeom prst="roundRect">
-            <a:avLst/>
-          </a:prstGeom>
-          <a:solidFill>
-            <a:schemeClr val="tx1">
-              <a:lumMod val="50000"/>
-              <a:lumOff val="50000"/>
-            </a:schemeClr>
-          </a:solidFill>
-        </p:spPr>
-        <p:style>
-          <a:lnRef idx="0">
-            <a:schemeClr val="accent5"/>
-          </a:lnRef>
-          <a:fillRef idx="3">
-            <a:schemeClr val="accent5"/>
-          </a:fillRef>
-          <a:effectRef idx="3">
-            <a:schemeClr val="accent5"/>
-          </a:effectRef>
-          <a:fontRef idx="minor">
-            <a:schemeClr val="lt1"/>
-          </a:fontRef>
-        </p:style>
-        <p:txBody>
-          <a:bodyPr rtlCol="0" anchor="ctr"/>
-          <a:lstStyle/>
-          <a:p>
-            <a:pPr algn="ctr"/>
-            <a:r>
-              <a:rPr lang="en-IN" sz="2000" dirty="0">
-                <a:latin typeface="Segoe UI" panose="020B0502040204020203" pitchFamily="34" charset="0"/>
-                <a:cs typeface="Segoe UI" panose="020B0502040204020203" pitchFamily="34" charset="0"/>
-              </a:rPr>
-              <a:t>Exchange</a:t>
-            </a:r>
-          </a:p>
-        </p:txBody>
-      </p:sp>
-      <p:cxnSp>
-        <p:nvCxnSpPr>
-          <p:cNvPr id="44" name="Connector: Elbow 43">
-            <a:extLst>
-              <a:ext uri="{FF2B5EF4-FFF2-40B4-BE49-F238E27FC236}">
-                <a16:creationId xmlns:a16="http://schemas.microsoft.com/office/drawing/2014/main" id="{3B1F99CF-F154-401B-952C-39DB98E66A05}"/>
-              </a:ext>
-            </a:extLst>
-          </p:cNvPr>
-          <p:cNvCxnSpPr>
-            <a:cxnSpLocks/>
-            <a:stCxn id="57" idx="4"/>
-            <a:endCxn id="42" idx="1"/>
-          </p:cNvCxnSpPr>
-          <p:nvPr/>
-        </p:nvCxnSpPr>
-        <p:spPr>
-          <a:xfrm rot="16200000" flipH="1">
-            <a:off x="4317548" y="5038073"/>
-            <a:ext cx="576012" cy="1131679"/>
-          </a:xfrm>
-          <a:prstGeom prst="bentConnector4">
-            <a:avLst>
-              <a:gd name="adj1" fmla="val 99217"/>
-              <a:gd name="adj2" fmla="val 61573"/>
-            </a:avLst>
-          </a:prstGeom>
-          <a:ln w="19050">
-            <a:tailEnd type="triangle"/>
-          </a:ln>
-        </p:spPr>
-        <p:style>
-          <a:lnRef idx="1">
-            <a:schemeClr val="accent2"/>
-          </a:lnRef>
-          <a:fillRef idx="0">
-            <a:schemeClr val="accent2"/>
-          </a:fillRef>
-          <a:effectRef idx="0">
-            <a:schemeClr val="accent2"/>
-          </a:effectRef>
-          <a:fontRef idx="minor">
-            <a:schemeClr val="tx1"/>
-          </a:fontRef>
-        </p:style>
-      </p:cxnSp>
-      <p:cxnSp>
-        <p:nvCxnSpPr>
-          <p:cNvPr id="53" name="Connector: Elbow 52">
-            <a:extLst>
-              <a:ext uri="{FF2B5EF4-FFF2-40B4-BE49-F238E27FC236}">
-                <a16:creationId xmlns:a16="http://schemas.microsoft.com/office/drawing/2014/main" id="{357FF7CF-1FC8-40BF-83A4-93D132F36009}"/>
-              </a:ext>
-            </a:extLst>
-          </p:cNvPr>
-          <p:cNvCxnSpPr>
-            <a:cxnSpLocks/>
-            <a:stCxn id="41" idx="3"/>
-            <a:endCxn id="7" idx="4"/>
-          </p:cNvCxnSpPr>
-          <p:nvPr/>
-        </p:nvCxnSpPr>
-        <p:spPr>
-          <a:xfrm rot="10800000">
-            <a:off x="1676470" y="5315908"/>
-            <a:ext cx="3479774" cy="1262688"/>
-          </a:xfrm>
-          <a:prstGeom prst="bentConnector2">
-            <a:avLst/>
-          </a:prstGeom>
-          <a:ln w="19050">
-            <a:tailEnd type="triangle"/>
-          </a:ln>
-        </p:spPr>
-        <p:style>
-          <a:lnRef idx="1">
-            <a:schemeClr val="accent2"/>
-          </a:lnRef>
-          <a:fillRef idx="0">
-            <a:schemeClr val="accent2"/>
-          </a:fillRef>
-          <a:effectRef idx="0">
-            <a:schemeClr val="accent2"/>
-          </a:effectRef>
-          <a:fontRef idx="minor">
-            <a:schemeClr val="tx1"/>
-          </a:fontRef>
-        </p:style>
-      </p:cxnSp>
-      <p:sp>
-        <p:nvSpPr>
-          <p:cNvPr id="57" name="Cylinder 56">
-            <a:extLst>
-              <a:ext uri="{FF2B5EF4-FFF2-40B4-BE49-F238E27FC236}">
-                <a16:creationId xmlns:a16="http://schemas.microsoft.com/office/drawing/2014/main" id="{1B6A9227-7004-4D61-94D5-FB425B91491E}"/>
-              </a:ext>
-            </a:extLst>
-          </p:cNvPr>
-          <p:cNvSpPr/>
-          <p:nvPr/>
-        </p:nvSpPr>
-        <p:spPr>
-          <a:xfrm rot="5400000">
-            <a:off x="3777777" y="4030783"/>
-            <a:ext cx="523875" cy="2046372"/>
-          </a:xfrm>
-          <a:prstGeom prst="can">
-            <a:avLst/>
-          </a:prstGeom>
-        </p:spPr>
-        <p:style>
-          <a:lnRef idx="0">
-            <a:schemeClr val="accent5"/>
-          </a:lnRef>
-          <a:fillRef idx="3">
-            <a:schemeClr val="accent5"/>
-          </a:fillRef>
-          <a:effectRef idx="3">
-            <a:schemeClr val="accent5"/>
-          </a:effectRef>
-          <a:fontRef idx="minor">
-            <a:schemeClr val="lt1"/>
-          </a:fontRef>
-        </p:style>
-        <p:txBody>
-          <a:bodyPr vert="vert270" rtlCol="0" anchor="ctr"/>
-          <a:lstStyle/>
-          <a:p>
-            <a:pPr algn="ctr"/>
-            <a:r>
-              <a:rPr lang="en-IN" dirty="0">
-                <a:latin typeface="Segoe UI" panose="020B0502040204020203" pitchFamily="34" charset="0"/>
-                <a:cs typeface="Segoe UI" panose="020B0502040204020203" pitchFamily="34" charset="0"/>
-              </a:rPr>
-              <a:t>Publish Channel  </a:t>
-            </a:r>
-          </a:p>
-        </p:txBody>
-      </p:sp>
-      <p:cxnSp>
-        <p:nvCxnSpPr>
-          <p:cNvPr id="79" name="Straight Arrow Connector 78">
-            <a:extLst>
-              <a:ext uri="{FF2B5EF4-FFF2-40B4-BE49-F238E27FC236}">
-                <a16:creationId xmlns:a16="http://schemas.microsoft.com/office/drawing/2014/main" id="{D387F0F4-BFDE-437B-B1F3-B08B030CDEF4}"/>
-              </a:ext>
-            </a:extLst>
-          </p:cNvPr>
-          <p:cNvCxnSpPr>
-            <a:cxnSpLocks/>
-            <a:stCxn id="42" idx="2"/>
-            <a:endCxn id="41" idx="2"/>
-          </p:cNvCxnSpPr>
-          <p:nvPr/>
-        </p:nvCxnSpPr>
-        <p:spPr>
-          <a:xfrm>
-            <a:off x="5998640" y="6200291"/>
-            <a:ext cx="10659" cy="203851"/>
-          </a:xfrm>
-          <a:prstGeom prst="straightConnector1">
-            <a:avLst/>
-          </a:prstGeom>
-          <a:ln w="19050">
-            <a:tailEnd type="triangle"/>
-          </a:ln>
-        </p:spPr>
-        <p:style>
-          <a:lnRef idx="1">
-            <a:schemeClr val="accent2"/>
-          </a:lnRef>
-          <a:fillRef idx="0">
-            <a:schemeClr val="accent2"/>
-          </a:fillRef>
-          <a:effectRef idx="0">
-            <a:schemeClr val="accent2"/>
-          </a:effectRef>
-          <a:fontRef idx="minor">
-            <a:schemeClr val="tx1"/>
-          </a:fontRef>
-        </p:style>
-      </p:cxnSp>
-      <p:sp>
-        <p:nvSpPr>
-          <p:cNvPr id="83" name="Cylinder 82">
-            <a:extLst>
-              <a:ext uri="{FF2B5EF4-FFF2-40B4-BE49-F238E27FC236}">
-                <a16:creationId xmlns:a16="http://schemas.microsoft.com/office/drawing/2014/main" id="{FD24C65C-FDAF-404A-B3E4-5D6C9AFF8A5C}"/>
-              </a:ext>
-            </a:extLst>
-          </p:cNvPr>
-          <p:cNvSpPr/>
-          <p:nvPr/>
-        </p:nvSpPr>
-        <p:spPr>
-          <a:xfrm rot="5400000">
-            <a:off x="7847101" y="4008078"/>
-            <a:ext cx="523875" cy="2046372"/>
-          </a:xfrm>
-          <a:prstGeom prst="can">
-            <a:avLst/>
-          </a:prstGeom>
-        </p:spPr>
-        <p:style>
-          <a:lnRef idx="0">
-            <a:schemeClr val="accent5"/>
-          </a:lnRef>
-          <a:fillRef idx="3">
-            <a:schemeClr val="accent5"/>
-          </a:fillRef>
-          <a:effectRef idx="3">
-            <a:schemeClr val="accent5"/>
-          </a:effectRef>
-          <a:fontRef idx="minor">
-            <a:schemeClr val="lt1"/>
-          </a:fontRef>
-        </p:style>
-        <p:txBody>
-          <a:bodyPr vert="vert270" rtlCol="0" anchor="ctr"/>
-          <a:lstStyle/>
-          <a:p>
-            <a:pPr algn="ctr"/>
-            <a:r>
-              <a:rPr lang="en-IN" dirty="0">
-                <a:latin typeface="Segoe UI" panose="020B0502040204020203" pitchFamily="34" charset="0"/>
-                <a:cs typeface="Segoe UI" panose="020B0502040204020203" pitchFamily="34" charset="0"/>
-              </a:rPr>
-              <a:t>Publish Channel  </a:t>
-            </a:r>
-          </a:p>
-        </p:txBody>
-      </p:sp>
-      <p:cxnSp>
-        <p:nvCxnSpPr>
-          <p:cNvPr id="84" name="Connector: Elbow 83">
-            <a:extLst>
-              <a:ext uri="{FF2B5EF4-FFF2-40B4-BE49-F238E27FC236}">
-                <a16:creationId xmlns:a16="http://schemas.microsoft.com/office/drawing/2014/main" id="{71F6B040-BCD1-48D5-AF3A-457F3CFA7E5E}"/>
-              </a:ext>
-            </a:extLst>
-          </p:cNvPr>
-          <p:cNvCxnSpPr>
-            <a:cxnSpLocks/>
-            <a:stCxn id="83" idx="4"/>
-            <a:endCxn id="42" idx="3"/>
-          </p:cNvCxnSpPr>
-          <p:nvPr/>
-        </p:nvCxnSpPr>
-        <p:spPr>
-          <a:xfrm rot="5400000">
-            <a:off x="7168105" y="4950984"/>
-            <a:ext cx="598717" cy="1283153"/>
-          </a:xfrm>
-          <a:prstGeom prst="bentConnector4">
-            <a:avLst>
-              <a:gd name="adj1" fmla="val 100227"/>
-              <a:gd name="adj2" fmla="val 60207"/>
-            </a:avLst>
-          </a:prstGeom>
-          <a:ln w="19050">
-            <a:tailEnd type="triangle"/>
-          </a:ln>
-        </p:spPr>
-        <p:style>
-          <a:lnRef idx="1">
-            <a:schemeClr val="accent2"/>
-          </a:lnRef>
-          <a:fillRef idx="0">
-            <a:schemeClr val="accent2"/>
-          </a:fillRef>
-          <a:effectRef idx="0">
-            <a:schemeClr val="accent2"/>
-          </a:effectRef>
-          <a:fontRef idx="minor">
-            <a:schemeClr val="tx1"/>
-          </a:fontRef>
-        </p:style>
-      </p:cxnSp>
-      <p:cxnSp>
-        <p:nvCxnSpPr>
-          <p:cNvPr id="86" name="Connector: Elbow 85">
-            <a:extLst>
-              <a:ext uri="{FF2B5EF4-FFF2-40B4-BE49-F238E27FC236}">
-                <a16:creationId xmlns:a16="http://schemas.microsoft.com/office/drawing/2014/main" id="{9C8D8E79-D097-4BA3-8B6E-6707D8B99393}"/>
-              </a:ext>
-            </a:extLst>
-          </p:cNvPr>
-          <p:cNvCxnSpPr>
-            <a:cxnSpLocks/>
-            <a:stCxn id="41" idx="1"/>
-            <a:endCxn id="35" idx="4"/>
-          </p:cNvCxnSpPr>
-          <p:nvPr/>
-        </p:nvCxnSpPr>
-        <p:spPr>
-          <a:xfrm flipV="1">
-            <a:off x="6862355" y="5302442"/>
-            <a:ext cx="3475225" cy="1276154"/>
-          </a:xfrm>
-          <a:prstGeom prst="bentConnector2">
-            <a:avLst/>
-          </a:prstGeom>
-          <a:ln w="19050">
-            <a:tailEnd type="triangle"/>
-          </a:ln>
-        </p:spPr>
-        <p:style>
-          <a:lnRef idx="1">
-            <a:schemeClr val="accent2"/>
-          </a:lnRef>
-          <a:fillRef idx="0">
-            <a:schemeClr val="accent2"/>
-          </a:fillRef>
-          <a:effectRef idx="0">
-            <a:schemeClr val="accent2"/>
-          </a:effectRef>
-          <a:fontRef idx="minor">
-            <a:schemeClr val="tx1"/>
-          </a:fontRef>
-        </p:style>
-      </p:cxnSp>
-      <p:sp>
-        <p:nvSpPr>
-          <p:cNvPr id="49" name="Flowchart: Terminator 48">
-            <a:extLst>
-              <a:ext uri="{FF2B5EF4-FFF2-40B4-BE49-F238E27FC236}">
-                <a16:creationId xmlns:a16="http://schemas.microsoft.com/office/drawing/2014/main" id="{C571F7DC-995D-4812-B8DF-68716D48C770}"/>
-              </a:ext>
-            </a:extLst>
-          </p:cNvPr>
-          <p:cNvSpPr/>
-          <p:nvPr/>
-        </p:nvSpPr>
-        <p:spPr>
-          <a:xfrm>
-            <a:off x="5020237" y="934902"/>
+          <a:xfrm>
+            <a:off x="1892167" y="955182"/>
             <a:ext cx="1752038" cy="214015"/>
           </a:xfrm>
           <a:prstGeom prst="flowChartTerminator">
@@ -5660,10 +5248,10 @@
       </p:sp>
       <p:sp>
         <p:nvSpPr>
-          <p:cNvPr id="50" name="Flowchart: Terminator 49">
-            <a:extLst>
-              <a:ext uri="{FF2B5EF4-FFF2-40B4-BE49-F238E27FC236}">
-                <a16:creationId xmlns:a16="http://schemas.microsoft.com/office/drawing/2014/main" id="{EA24BCF5-2C75-49D7-A5A9-BE14175C44F4}"/>
+          <p:cNvPr id="41" name="Flowchart: Terminator 40">
+            <a:extLst>
+              <a:ext uri="{FF2B5EF4-FFF2-40B4-BE49-F238E27FC236}">
+                <a16:creationId xmlns:a16="http://schemas.microsoft.com/office/drawing/2014/main" id="{1C0D8E0B-18AB-4BB3-B884-77E8C32000B8}"/>
               </a:ext>
             </a:extLst>
           </p:cNvPr>
@@ -5672,7 +5260,7 @@
         </p:nvSpPr>
         <p:spPr>
           <a:xfrm>
-            <a:off x="5008989" y="1405765"/>
+            <a:off x="1824666" y="1243207"/>
             <a:ext cx="1939707" cy="237299"/>
           </a:xfrm>
           <a:prstGeom prst="flowChartTerminator">
@@ -5719,6 +5307,4931 @@
       </p:sp>
       <p:sp>
         <p:nvSpPr>
+          <p:cNvPr id="40" name="Flowchart: Terminator 39">
+            <a:extLst>
+              <a:ext uri="{FF2B5EF4-FFF2-40B4-BE49-F238E27FC236}">
+                <a16:creationId xmlns:a16="http://schemas.microsoft.com/office/drawing/2014/main" id="{A94AAE31-CBE3-4AF8-B486-4DBBE3A780AE}"/>
+              </a:ext>
+            </a:extLst>
+          </p:cNvPr>
+          <p:cNvSpPr/>
+          <p:nvPr/>
+        </p:nvSpPr>
+        <p:spPr>
+          <a:xfrm>
+            <a:off x="8280875" y="1265128"/>
+            <a:ext cx="1939707" cy="237299"/>
+          </a:xfrm>
+          <a:prstGeom prst="flowChartTerminator">
+            <a:avLst/>
+          </a:prstGeom>
+          <a:noFill/>
+          <a:ln>
+            <a:noFill/>
+          </a:ln>
+        </p:spPr>
+        <p:style>
+          <a:lnRef idx="2">
+            <a:schemeClr val="accent1">
+              <a:shade val="50000"/>
+            </a:schemeClr>
+          </a:lnRef>
+          <a:fillRef idx="1">
+            <a:schemeClr val="accent1"/>
+          </a:fillRef>
+          <a:effectRef idx="0">
+            <a:schemeClr val="accent1"/>
+          </a:effectRef>
+          <a:fontRef idx="minor">
+            <a:schemeClr val="lt1"/>
+          </a:fontRef>
+        </p:style>
+        <p:txBody>
+          <a:bodyPr rtlCol="0" anchor="ctr"/>
+          <a:lstStyle/>
+          <a:p>
+            <a:pPr algn="ctr"/>
+            <a:r>
+              <a:rPr lang="en-IN" sz="1600" dirty="0">
+                <a:solidFill>
+                  <a:srgbClr val="7030A0"/>
+                </a:solidFill>
+                <a:latin typeface="Segoe UI" panose="020B0502040204020203" pitchFamily="34" charset="0"/>
+                <a:cs typeface="Segoe UI" panose="020B0502040204020203" pitchFamily="34" charset="0"/>
+              </a:rPr>
+              <a:t>SOCKET SESSION</a:t>
+            </a:r>
+          </a:p>
+        </p:txBody>
+      </p:sp>
+      <p:sp>
+        <p:nvSpPr>
+          <p:cNvPr id="44" name="Flowchart: Terminator 43">
+            <a:extLst>
+              <a:ext uri="{FF2B5EF4-FFF2-40B4-BE49-F238E27FC236}">
+                <a16:creationId xmlns:a16="http://schemas.microsoft.com/office/drawing/2014/main" id="{C491C6A2-8E46-40DF-95E5-1F0DEA676661}"/>
+              </a:ext>
+            </a:extLst>
+          </p:cNvPr>
+          <p:cNvSpPr/>
+          <p:nvPr/>
+        </p:nvSpPr>
+        <p:spPr>
+          <a:xfrm>
+            <a:off x="8310806" y="964148"/>
+            <a:ext cx="1752038" cy="214015"/>
+          </a:xfrm>
+          <a:prstGeom prst="flowChartTerminator">
+            <a:avLst/>
+          </a:prstGeom>
+          <a:noFill/>
+          <a:ln>
+            <a:noFill/>
+          </a:ln>
+        </p:spPr>
+        <p:style>
+          <a:lnRef idx="2">
+            <a:schemeClr val="accent1">
+              <a:shade val="50000"/>
+            </a:schemeClr>
+          </a:lnRef>
+          <a:fillRef idx="1">
+            <a:schemeClr val="accent1"/>
+          </a:fillRef>
+          <a:effectRef idx="0">
+            <a:schemeClr val="accent1"/>
+          </a:effectRef>
+          <a:fontRef idx="minor">
+            <a:schemeClr val="lt1"/>
+          </a:fontRef>
+        </p:style>
+        <p:txBody>
+          <a:bodyPr rtlCol="0" anchor="ctr"/>
+          <a:lstStyle/>
+          <a:p>
+            <a:pPr algn="ctr"/>
+            <a:r>
+              <a:rPr lang="en-IN" sz="1600" dirty="0">
+                <a:solidFill>
+                  <a:srgbClr val="7030A0"/>
+                </a:solidFill>
+                <a:latin typeface="Segoe UI" panose="020B0502040204020203" pitchFamily="34" charset="0"/>
+                <a:cs typeface="Segoe UI" panose="020B0502040204020203" pitchFamily="34" charset="0"/>
+              </a:rPr>
+              <a:t>HTTP SESSION</a:t>
+            </a:r>
+          </a:p>
+        </p:txBody>
+      </p:sp>
+      <p:sp>
+        <p:nvSpPr>
+          <p:cNvPr id="56" name="Flowchart: Terminator 55">
+            <a:extLst>
+              <a:ext uri="{FF2B5EF4-FFF2-40B4-BE49-F238E27FC236}">
+                <a16:creationId xmlns:a16="http://schemas.microsoft.com/office/drawing/2014/main" id="{2B3592E2-A8E4-4DCA-82B5-E94CF0CB4E30}"/>
+              </a:ext>
+            </a:extLst>
+          </p:cNvPr>
+          <p:cNvSpPr/>
+          <p:nvPr/>
+        </p:nvSpPr>
+        <p:spPr>
+          <a:xfrm>
+            <a:off x="5202529" y="736223"/>
+            <a:ext cx="1752038" cy="214015"/>
+          </a:xfrm>
+          <a:prstGeom prst="flowChartTerminator">
+            <a:avLst/>
+          </a:prstGeom>
+          <a:noFill/>
+          <a:ln>
+            <a:noFill/>
+          </a:ln>
+        </p:spPr>
+        <p:style>
+          <a:lnRef idx="2">
+            <a:schemeClr val="accent1">
+              <a:shade val="50000"/>
+            </a:schemeClr>
+          </a:lnRef>
+          <a:fillRef idx="1">
+            <a:schemeClr val="accent1"/>
+          </a:fillRef>
+          <a:effectRef idx="0">
+            <a:schemeClr val="accent1"/>
+          </a:effectRef>
+          <a:fontRef idx="minor">
+            <a:schemeClr val="lt1"/>
+          </a:fontRef>
+        </p:style>
+        <p:txBody>
+          <a:bodyPr rtlCol="0" anchor="ctr"/>
+          <a:lstStyle/>
+          <a:p>
+            <a:pPr algn="ctr"/>
+            <a:r>
+              <a:rPr lang="en-IN" sz="1600" dirty="0">
+                <a:solidFill>
+                  <a:srgbClr val="7030A0"/>
+                </a:solidFill>
+                <a:latin typeface="Segoe UI" panose="020B0502040204020203" pitchFamily="34" charset="0"/>
+                <a:cs typeface="Segoe UI" panose="020B0502040204020203" pitchFamily="34" charset="0"/>
+              </a:rPr>
+              <a:t>JVM</a:t>
+            </a:r>
+          </a:p>
+        </p:txBody>
+      </p:sp>
+      <p:sp>
+        <p:nvSpPr>
+          <p:cNvPr id="45" name="Cylinder 44">
+            <a:extLst>
+              <a:ext uri="{FF2B5EF4-FFF2-40B4-BE49-F238E27FC236}">
+                <a16:creationId xmlns:a16="http://schemas.microsoft.com/office/drawing/2014/main" id="{36799E7D-7944-434A-9D37-1A450A2A7C65}"/>
+              </a:ext>
+            </a:extLst>
+          </p:cNvPr>
+          <p:cNvSpPr/>
+          <p:nvPr/>
+        </p:nvSpPr>
+        <p:spPr>
+          <a:xfrm rot="5400000">
+            <a:off x="6014791" y="1133529"/>
+            <a:ext cx="523875" cy="10400517"/>
+          </a:xfrm>
+          <a:prstGeom prst="can">
+            <a:avLst/>
+          </a:prstGeom>
+        </p:spPr>
+        <p:style>
+          <a:lnRef idx="0">
+            <a:schemeClr val="accent5"/>
+          </a:lnRef>
+          <a:fillRef idx="3">
+            <a:schemeClr val="accent5"/>
+          </a:fillRef>
+          <a:effectRef idx="3">
+            <a:schemeClr val="accent5"/>
+          </a:effectRef>
+          <a:fontRef idx="minor">
+            <a:schemeClr val="lt1"/>
+          </a:fontRef>
+        </p:style>
+        <p:txBody>
+          <a:bodyPr vert="vert270" rtlCol="0" anchor="ctr"/>
+          <a:lstStyle/>
+          <a:p>
+            <a:pPr algn="ctr"/>
+            <a:r>
+              <a:rPr lang="en-IN" dirty="0">
+                <a:latin typeface="Segoe UI" panose="020B0502040204020203" pitchFamily="34" charset="0"/>
+                <a:cs typeface="Segoe UI" panose="020B0502040204020203" pitchFamily="34" charset="0"/>
+              </a:rPr>
+              <a:t>PubSubChannel (e.g FluxMessageChannel)  </a:t>
+            </a:r>
+          </a:p>
+        </p:txBody>
+      </p:sp>
+    </p:spTree>
+    <p:extLst>
+      <p:ext uri="{BB962C8B-B14F-4D97-AF65-F5344CB8AC3E}">
+        <p14:creationId xmlns:p14="http://schemas.microsoft.com/office/powerpoint/2010/main" val="4167861553"/>
+      </p:ext>
+    </p:extLst>
+  </p:cSld>
+  <p:clrMapOvr>
+    <a:masterClrMapping/>
+  </p:clrMapOvr>
+</p:sld>
+</file>
+
+<file path=ppt/slides/slide11.xml><?xml version="1.0" encoding="utf-8"?>
+<p:sld xmlns:a="http://schemas.openxmlformats.org/drawingml/2006/main" xmlns:r="http://schemas.openxmlformats.org/officeDocument/2006/relationships" xmlns:p="http://schemas.openxmlformats.org/presentationml/2006/main">
+  <p:cSld>
+    <p:spTree>
+      <p:nvGrpSpPr>
+        <p:cNvPr id="1" name=""/>
+        <p:cNvGrpSpPr/>
+        <p:nvPr/>
+      </p:nvGrpSpPr>
+      <p:grpSpPr>
+        <a:xfrm>
+          <a:off x="0" y="0"/>
+          <a:ext cx="0" cy="0"/>
+          <a:chOff x="0" y="0"/>
+          <a:chExt cx="0" cy="0"/>
+        </a:xfrm>
+      </p:grpSpPr>
+      <p:sp>
+        <p:nvSpPr>
+          <p:cNvPr id="51" name="Rectangle: Rounded Corners 50">
+            <a:extLst>
+              <a:ext uri="{FF2B5EF4-FFF2-40B4-BE49-F238E27FC236}">
+                <a16:creationId xmlns:a16="http://schemas.microsoft.com/office/drawing/2014/main" id="{F93D6E1C-8AFB-4238-9290-7188A0EB6D5C}"/>
+              </a:ext>
+            </a:extLst>
+          </p:cNvPr>
+          <p:cNvSpPr/>
+          <p:nvPr/>
+        </p:nvSpPr>
+        <p:spPr>
+          <a:xfrm>
+            <a:off x="76200" y="685800"/>
+            <a:ext cx="11801475" cy="6193342"/>
+          </a:xfrm>
+          <a:prstGeom prst="roundRect">
+            <a:avLst/>
+          </a:prstGeom>
+          <a:solidFill>
+            <a:schemeClr val="accent3">
+              <a:lumMod val="60000"/>
+              <a:lumOff val="40000"/>
+            </a:schemeClr>
+          </a:solidFill>
+          <a:ln>
+            <a:noFill/>
+          </a:ln>
+        </p:spPr>
+        <p:style>
+          <a:lnRef idx="2">
+            <a:schemeClr val="accent1">
+              <a:shade val="50000"/>
+            </a:schemeClr>
+          </a:lnRef>
+          <a:fillRef idx="1">
+            <a:schemeClr val="accent1"/>
+          </a:fillRef>
+          <a:effectRef idx="0">
+            <a:schemeClr val="accent1"/>
+          </a:effectRef>
+          <a:fontRef idx="minor">
+            <a:schemeClr val="lt1"/>
+          </a:fontRef>
+        </p:style>
+        <p:txBody>
+          <a:bodyPr rtlCol="0" anchor="ctr"/>
+          <a:lstStyle/>
+          <a:p>
+            <a:pPr algn="ctr"/>
+            <a:endParaRPr lang="en-IN" dirty="0">
+              <a:latin typeface="Segoe UI" panose="020B0502040204020203" pitchFamily="34" charset="0"/>
+              <a:cs typeface="Segoe UI" panose="020B0502040204020203" pitchFamily="34" charset="0"/>
+            </a:endParaRPr>
+          </a:p>
+        </p:txBody>
+      </p:sp>
+      <p:sp>
+        <p:nvSpPr>
+          <p:cNvPr id="42" name="Rectangle: Rounded Corners 41">
+            <a:extLst>
+              <a:ext uri="{FF2B5EF4-FFF2-40B4-BE49-F238E27FC236}">
+                <a16:creationId xmlns:a16="http://schemas.microsoft.com/office/drawing/2014/main" id="{117A09F0-24BF-493B-A3CF-448030ACCDBB}"/>
+              </a:ext>
+            </a:extLst>
+          </p:cNvPr>
+          <p:cNvSpPr/>
+          <p:nvPr/>
+        </p:nvSpPr>
+        <p:spPr>
+          <a:xfrm>
+            <a:off x="6461508" y="853601"/>
+            <a:ext cx="5265788" cy="4761191"/>
+          </a:xfrm>
+          <a:prstGeom prst="roundRect">
+            <a:avLst/>
+          </a:prstGeom>
+          <a:solidFill>
+            <a:schemeClr val="accent3">
+              <a:lumMod val="40000"/>
+              <a:lumOff val="60000"/>
+            </a:schemeClr>
+          </a:solidFill>
+          <a:ln>
+            <a:noFill/>
+          </a:ln>
+        </p:spPr>
+        <p:style>
+          <a:lnRef idx="2">
+            <a:schemeClr val="accent1">
+              <a:shade val="50000"/>
+            </a:schemeClr>
+          </a:lnRef>
+          <a:fillRef idx="1">
+            <a:schemeClr val="accent1"/>
+          </a:fillRef>
+          <a:effectRef idx="0">
+            <a:schemeClr val="accent1"/>
+          </a:effectRef>
+          <a:fontRef idx="minor">
+            <a:schemeClr val="lt1"/>
+          </a:fontRef>
+        </p:style>
+        <p:txBody>
+          <a:bodyPr rtlCol="0" anchor="ctr"/>
+          <a:lstStyle/>
+          <a:p>
+            <a:pPr algn="ctr"/>
+            <a:endParaRPr lang="en-IN" dirty="0">
+              <a:latin typeface="Segoe UI" panose="020B0502040204020203" pitchFamily="34" charset="0"/>
+              <a:cs typeface="Segoe UI" panose="020B0502040204020203" pitchFamily="34" charset="0"/>
+            </a:endParaRPr>
+          </a:p>
+        </p:txBody>
+      </p:sp>
+      <p:sp>
+        <p:nvSpPr>
+          <p:cNvPr id="35" name="Rectangle: Rounded Corners 34">
+            <a:extLst>
+              <a:ext uri="{FF2B5EF4-FFF2-40B4-BE49-F238E27FC236}">
+                <a16:creationId xmlns:a16="http://schemas.microsoft.com/office/drawing/2014/main" id="{3B94AB0D-395C-4930-98F1-5C66BD441C26}"/>
+              </a:ext>
+            </a:extLst>
+          </p:cNvPr>
+          <p:cNvSpPr/>
+          <p:nvPr/>
+        </p:nvSpPr>
+        <p:spPr>
+          <a:xfrm>
+            <a:off x="220418" y="900778"/>
+            <a:ext cx="5637187" cy="4761191"/>
+          </a:xfrm>
+          <a:prstGeom prst="roundRect">
+            <a:avLst/>
+          </a:prstGeom>
+          <a:solidFill>
+            <a:schemeClr val="accent3">
+              <a:lumMod val="40000"/>
+              <a:lumOff val="60000"/>
+            </a:schemeClr>
+          </a:solidFill>
+          <a:ln>
+            <a:noFill/>
+          </a:ln>
+        </p:spPr>
+        <p:style>
+          <a:lnRef idx="2">
+            <a:schemeClr val="accent1">
+              <a:shade val="50000"/>
+            </a:schemeClr>
+          </a:lnRef>
+          <a:fillRef idx="1">
+            <a:schemeClr val="accent1"/>
+          </a:fillRef>
+          <a:effectRef idx="0">
+            <a:schemeClr val="accent1"/>
+          </a:effectRef>
+          <a:fontRef idx="minor">
+            <a:schemeClr val="lt1"/>
+          </a:fontRef>
+        </p:style>
+        <p:txBody>
+          <a:bodyPr rtlCol="0" anchor="ctr"/>
+          <a:lstStyle/>
+          <a:p>
+            <a:pPr algn="ctr"/>
+            <a:endParaRPr lang="en-IN" dirty="0">
+              <a:latin typeface="Segoe UI" panose="020B0502040204020203" pitchFamily="34" charset="0"/>
+              <a:cs typeface="Segoe UI" panose="020B0502040204020203" pitchFamily="34" charset="0"/>
+            </a:endParaRPr>
+          </a:p>
+        </p:txBody>
+      </p:sp>
+      <p:sp>
+        <p:nvSpPr>
+          <p:cNvPr id="39" name="Rectangle: Rounded Corners 38">
+            <a:extLst>
+              <a:ext uri="{FF2B5EF4-FFF2-40B4-BE49-F238E27FC236}">
+                <a16:creationId xmlns:a16="http://schemas.microsoft.com/office/drawing/2014/main" id="{444111FD-334A-4853-B7F2-2D873781FFE4}"/>
+              </a:ext>
+            </a:extLst>
+          </p:cNvPr>
+          <p:cNvSpPr/>
+          <p:nvPr/>
+        </p:nvSpPr>
+        <p:spPr>
+          <a:xfrm>
+            <a:off x="6611961" y="1243208"/>
+            <a:ext cx="5010933" cy="4177474"/>
+          </a:xfrm>
+          <a:prstGeom prst="roundRect">
+            <a:avLst/>
+          </a:prstGeom>
+          <a:solidFill>
+            <a:schemeClr val="accent3">
+              <a:lumMod val="20000"/>
+              <a:lumOff val="80000"/>
+            </a:schemeClr>
+          </a:solidFill>
+          <a:ln>
+            <a:noFill/>
+          </a:ln>
+        </p:spPr>
+        <p:style>
+          <a:lnRef idx="2">
+            <a:schemeClr val="accent1">
+              <a:shade val="50000"/>
+            </a:schemeClr>
+          </a:lnRef>
+          <a:fillRef idx="1">
+            <a:schemeClr val="accent1"/>
+          </a:fillRef>
+          <a:effectRef idx="0">
+            <a:schemeClr val="accent1"/>
+          </a:effectRef>
+          <a:fontRef idx="minor">
+            <a:schemeClr val="lt1"/>
+          </a:fontRef>
+        </p:style>
+        <p:txBody>
+          <a:bodyPr rtlCol="0" anchor="ctr"/>
+          <a:lstStyle/>
+          <a:p>
+            <a:pPr algn="ctr"/>
+            <a:endParaRPr lang="en-IN" dirty="0">
+              <a:latin typeface="Segoe UI" panose="020B0502040204020203" pitchFamily="34" charset="0"/>
+              <a:cs typeface="Segoe UI" panose="020B0502040204020203" pitchFamily="34" charset="0"/>
+            </a:endParaRPr>
+          </a:p>
+        </p:txBody>
+      </p:sp>
+      <p:sp>
+        <p:nvSpPr>
+          <p:cNvPr id="10" name="Rectangle: Rounded Corners 9">
+            <a:extLst>
+              <a:ext uri="{FF2B5EF4-FFF2-40B4-BE49-F238E27FC236}">
+                <a16:creationId xmlns:a16="http://schemas.microsoft.com/office/drawing/2014/main" id="{64DC03ED-3E0D-4A1E-A2F7-4547D34BDA11}"/>
+              </a:ext>
+            </a:extLst>
+          </p:cNvPr>
+          <p:cNvSpPr/>
+          <p:nvPr/>
+        </p:nvSpPr>
+        <p:spPr>
+          <a:xfrm>
+            <a:off x="528298" y="1250476"/>
+            <a:ext cx="4965567" cy="4170205"/>
+          </a:xfrm>
+          <a:prstGeom prst="roundRect">
+            <a:avLst/>
+          </a:prstGeom>
+          <a:solidFill>
+            <a:schemeClr val="accent3">
+              <a:lumMod val="20000"/>
+              <a:lumOff val="80000"/>
+            </a:schemeClr>
+          </a:solidFill>
+          <a:ln>
+            <a:noFill/>
+          </a:ln>
+        </p:spPr>
+        <p:style>
+          <a:lnRef idx="2">
+            <a:schemeClr val="accent1">
+              <a:shade val="50000"/>
+            </a:schemeClr>
+          </a:lnRef>
+          <a:fillRef idx="1">
+            <a:schemeClr val="accent1"/>
+          </a:fillRef>
+          <a:effectRef idx="0">
+            <a:schemeClr val="accent1"/>
+          </a:effectRef>
+          <a:fontRef idx="minor">
+            <a:schemeClr val="lt1"/>
+          </a:fontRef>
+        </p:style>
+        <p:txBody>
+          <a:bodyPr rtlCol="0" anchor="ctr"/>
+          <a:lstStyle/>
+          <a:p>
+            <a:pPr algn="ctr"/>
+            <a:endParaRPr lang="en-IN" dirty="0">
+              <a:latin typeface="Segoe UI" panose="020B0502040204020203" pitchFamily="34" charset="0"/>
+              <a:cs typeface="Segoe UI" panose="020B0502040204020203" pitchFamily="34" charset="0"/>
+            </a:endParaRPr>
+          </a:p>
+        </p:txBody>
+      </p:sp>
+      <p:sp>
+        <p:nvSpPr>
+          <p:cNvPr id="4" name="Rectangle: Rounded Corners 3">
+            <a:extLst>
+              <a:ext uri="{FF2B5EF4-FFF2-40B4-BE49-F238E27FC236}">
+                <a16:creationId xmlns:a16="http://schemas.microsoft.com/office/drawing/2014/main" id="{80432144-D0B7-43DC-B0C9-AC8C9C9B5155}"/>
+              </a:ext>
+            </a:extLst>
+          </p:cNvPr>
+          <p:cNvSpPr/>
+          <p:nvPr/>
+        </p:nvSpPr>
+        <p:spPr>
+          <a:xfrm>
+            <a:off x="2242583" y="59851"/>
+            <a:ext cx="911382" cy="548725"/>
+          </a:xfrm>
+          <a:prstGeom prst="roundRect">
+            <a:avLst/>
+          </a:prstGeom>
+          <a:solidFill>
+            <a:schemeClr val="accent6">
+              <a:lumMod val="60000"/>
+              <a:lumOff val="40000"/>
+            </a:schemeClr>
+          </a:solidFill>
+        </p:spPr>
+        <p:style>
+          <a:lnRef idx="0">
+            <a:schemeClr val="accent5"/>
+          </a:lnRef>
+          <a:fillRef idx="3">
+            <a:schemeClr val="accent5"/>
+          </a:fillRef>
+          <a:effectRef idx="3">
+            <a:schemeClr val="accent5"/>
+          </a:effectRef>
+          <a:fontRef idx="minor">
+            <a:schemeClr val="lt1"/>
+          </a:fontRef>
+        </p:style>
+        <p:txBody>
+          <a:bodyPr rtlCol="0" anchor="ctr"/>
+          <a:lstStyle/>
+          <a:p>
+            <a:pPr algn="ctr"/>
+            <a:r>
+              <a:rPr lang="en-IN" sz="1600" dirty="0">
+                <a:latin typeface="Segoe UI" panose="020B0502040204020203" pitchFamily="34" charset="0"/>
+                <a:cs typeface="Segoe UI" panose="020B0502040204020203" pitchFamily="34" charset="0"/>
+              </a:rPr>
+              <a:t>Socket Client</a:t>
+            </a:r>
+          </a:p>
+        </p:txBody>
+      </p:sp>
+      <p:sp>
+        <p:nvSpPr>
+          <p:cNvPr id="5" name="Rectangle: Rounded Corners 4">
+            <a:extLst>
+              <a:ext uri="{FF2B5EF4-FFF2-40B4-BE49-F238E27FC236}">
+                <a16:creationId xmlns:a16="http://schemas.microsoft.com/office/drawing/2014/main" id="{0473BE43-4A8F-4968-A86A-132EBA32E177}"/>
+              </a:ext>
+            </a:extLst>
+          </p:cNvPr>
+          <p:cNvSpPr/>
+          <p:nvPr/>
+        </p:nvSpPr>
+        <p:spPr>
+          <a:xfrm>
+            <a:off x="2013268" y="1643064"/>
+            <a:ext cx="1370012" cy="1209675"/>
+          </a:xfrm>
+          <a:prstGeom prst="roundRect">
+            <a:avLst/>
+          </a:prstGeom>
+          <a:solidFill>
+            <a:schemeClr val="accent2">
+              <a:lumMod val="60000"/>
+              <a:lumOff val="40000"/>
+            </a:schemeClr>
+          </a:solidFill>
+        </p:spPr>
+        <p:style>
+          <a:lnRef idx="0">
+            <a:schemeClr val="accent5"/>
+          </a:lnRef>
+          <a:fillRef idx="3">
+            <a:schemeClr val="accent5"/>
+          </a:fillRef>
+          <a:effectRef idx="3">
+            <a:schemeClr val="accent5"/>
+          </a:effectRef>
+          <a:fontRef idx="minor">
+            <a:schemeClr val="lt1"/>
+          </a:fontRef>
+        </p:style>
+        <p:txBody>
+          <a:bodyPr rtlCol="0" anchor="ctr"/>
+          <a:lstStyle/>
+          <a:p>
+            <a:pPr algn="ctr"/>
+            <a:r>
+              <a:rPr lang="en-IN" dirty="0">
+                <a:latin typeface="Segoe UI" panose="020B0502040204020203" pitchFamily="34" charset="0"/>
+                <a:cs typeface="Segoe UI" panose="020B0502040204020203" pitchFamily="34" charset="0"/>
+              </a:rPr>
+              <a:t>Socket Session Handler</a:t>
+            </a:r>
+          </a:p>
+        </p:txBody>
+      </p:sp>
+      <p:sp>
+        <p:nvSpPr>
+          <p:cNvPr id="16" name="Rectangle: Rounded Corners 15">
+            <a:extLst>
+              <a:ext uri="{FF2B5EF4-FFF2-40B4-BE49-F238E27FC236}">
+                <a16:creationId xmlns:a16="http://schemas.microsoft.com/office/drawing/2014/main" id="{A96A5840-F1F7-4050-9486-9140C8A1BD32}"/>
+              </a:ext>
+            </a:extLst>
+          </p:cNvPr>
+          <p:cNvSpPr/>
+          <p:nvPr/>
+        </p:nvSpPr>
+        <p:spPr>
+          <a:xfrm>
+            <a:off x="701697" y="3383281"/>
+            <a:ext cx="1654492" cy="616744"/>
+          </a:xfrm>
+          <a:prstGeom prst="roundRect">
+            <a:avLst/>
+          </a:prstGeom>
+        </p:spPr>
+        <p:style>
+          <a:lnRef idx="0">
+            <a:schemeClr val="accent5"/>
+          </a:lnRef>
+          <a:fillRef idx="3">
+            <a:schemeClr val="accent5"/>
+          </a:fillRef>
+          <a:effectRef idx="3">
+            <a:schemeClr val="accent5"/>
+          </a:effectRef>
+          <a:fontRef idx="minor">
+            <a:schemeClr val="lt1"/>
+          </a:fontRef>
+        </p:style>
+        <p:txBody>
+          <a:bodyPr rtlCol="0" anchor="ctr"/>
+          <a:lstStyle/>
+          <a:p>
+            <a:pPr algn="ctr"/>
+            <a:r>
+              <a:rPr lang="en-IN" sz="1600" dirty="0">
+                <a:latin typeface="Segoe UI" panose="020B0502040204020203" pitchFamily="34" charset="0"/>
+                <a:cs typeface="Segoe UI" panose="020B0502040204020203" pitchFamily="34" charset="0"/>
+              </a:rPr>
+              <a:t>Outbound Flux</a:t>
+            </a:r>
+          </a:p>
+        </p:txBody>
+      </p:sp>
+      <p:sp>
+        <p:nvSpPr>
+          <p:cNvPr id="59" name="Oval 58">
+            <a:extLst>
+              <a:ext uri="{FF2B5EF4-FFF2-40B4-BE49-F238E27FC236}">
+                <a16:creationId xmlns:a16="http://schemas.microsoft.com/office/drawing/2014/main" id="{626321BE-B281-46EB-AC93-279F75EF18A0}"/>
+              </a:ext>
+            </a:extLst>
+          </p:cNvPr>
+          <p:cNvSpPr/>
+          <p:nvPr/>
+        </p:nvSpPr>
+        <p:spPr>
+          <a:xfrm>
+            <a:off x="7914011" y="4189137"/>
+            <a:ext cx="334728" cy="203119"/>
+          </a:xfrm>
+          <a:prstGeom prst="ellipse">
+            <a:avLst/>
+          </a:prstGeom>
+        </p:spPr>
+        <p:style>
+          <a:lnRef idx="0">
+            <a:schemeClr val="accent5"/>
+          </a:lnRef>
+          <a:fillRef idx="3">
+            <a:schemeClr val="accent5"/>
+          </a:fillRef>
+          <a:effectRef idx="3">
+            <a:schemeClr val="accent5"/>
+          </a:effectRef>
+          <a:fontRef idx="minor">
+            <a:schemeClr val="lt1"/>
+          </a:fontRef>
+        </p:style>
+        <p:txBody>
+          <a:bodyPr rtlCol="0" anchor="ctr"/>
+          <a:lstStyle/>
+          <a:p>
+            <a:pPr algn="ctr"/>
+            <a:endParaRPr lang="en-IN">
+              <a:latin typeface="Segoe UI" panose="020B0502040204020203" pitchFamily="34" charset="0"/>
+              <a:cs typeface="Segoe UI" panose="020B0502040204020203" pitchFamily="34" charset="0"/>
+            </a:endParaRPr>
+          </a:p>
+        </p:txBody>
+      </p:sp>
+      <p:sp>
+        <p:nvSpPr>
+          <p:cNvPr id="60" name="Oval 59">
+            <a:extLst>
+              <a:ext uri="{FF2B5EF4-FFF2-40B4-BE49-F238E27FC236}">
+                <a16:creationId xmlns:a16="http://schemas.microsoft.com/office/drawing/2014/main" id="{C2EAC74F-F12C-46E2-A9F7-4FE5B6F896C6}"/>
+              </a:ext>
+            </a:extLst>
+          </p:cNvPr>
+          <p:cNvSpPr/>
+          <p:nvPr/>
+        </p:nvSpPr>
+        <p:spPr>
+          <a:xfrm>
+            <a:off x="7924171" y="4573607"/>
+            <a:ext cx="334728" cy="203119"/>
+          </a:xfrm>
+          <a:prstGeom prst="ellipse">
+            <a:avLst/>
+          </a:prstGeom>
+        </p:spPr>
+        <p:style>
+          <a:lnRef idx="0">
+            <a:schemeClr val="accent5"/>
+          </a:lnRef>
+          <a:fillRef idx="3">
+            <a:schemeClr val="accent5"/>
+          </a:fillRef>
+          <a:effectRef idx="3">
+            <a:schemeClr val="accent5"/>
+          </a:effectRef>
+          <a:fontRef idx="minor">
+            <a:schemeClr val="lt1"/>
+          </a:fontRef>
+        </p:style>
+        <p:txBody>
+          <a:bodyPr rtlCol="0" anchor="ctr"/>
+          <a:lstStyle/>
+          <a:p>
+            <a:pPr algn="ctr"/>
+            <a:endParaRPr lang="en-IN">
+              <a:latin typeface="Segoe UI" panose="020B0502040204020203" pitchFamily="34" charset="0"/>
+              <a:cs typeface="Segoe UI" panose="020B0502040204020203" pitchFamily="34" charset="0"/>
+            </a:endParaRPr>
+          </a:p>
+        </p:txBody>
+      </p:sp>
+      <p:sp>
+        <p:nvSpPr>
+          <p:cNvPr id="61" name="Cylinder 60">
+            <a:extLst>
+              <a:ext uri="{FF2B5EF4-FFF2-40B4-BE49-F238E27FC236}">
+                <a16:creationId xmlns:a16="http://schemas.microsoft.com/office/drawing/2014/main" id="{AA1080D0-BCC8-4152-982B-63651F00B963}"/>
+              </a:ext>
+            </a:extLst>
+          </p:cNvPr>
+          <p:cNvSpPr/>
+          <p:nvPr/>
+        </p:nvSpPr>
+        <p:spPr>
+          <a:xfrm>
+            <a:off x="5653691" y="3969099"/>
+            <a:ext cx="983383" cy="643193"/>
+          </a:xfrm>
+          <a:prstGeom prst="can">
+            <a:avLst/>
+          </a:prstGeom>
+        </p:spPr>
+        <p:style>
+          <a:lnRef idx="0">
+            <a:schemeClr val="accent5"/>
+          </a:lnRef>
+          <a:fillRef idx="3">
+            <a:schemeClr val="accent5"/>
+          </a:fillRef>
+          <a:effectRef idx="3">
+            <a:schemeClr val="accent5"/>
+          </a:effectRef>
+          <a:fontRef idx="minor">
+            <a:schemeClr val="lt1"/>
+          </a:fontRef>
+        </p:style>
+        <p:txBody>
+          <a:bodyPr rtlCol="0" anchor="ctr"/>
+          <a:lstStyle/>
+          <a:p>
+            <a:pPr algn="ctr"/>
+            <a:r>
+              <a:rPr lang="en-IN" sz="1200" dirty="0">
+                <a:latin typeface="Segoe UI" panose="020B0502040204020203" pitchFamily="34" charset="0"/>
+                <a:cs typeface="Segoe UI" panose="020B0502040204020203" pitchFamily="34" charset="0"/>
+              </a:rPr>
+              <a:t>Socket Session DB</a:t>
+            </a:r>
+          </a:p>
+        </p:txBody>
+      </p:sp>
+      <p:cxnSp>
+        <p:nvCxnSpPr>
+          <p:cNvPr id="62" name="Straight Arrow Connector 61">
+            <a:extLst>
+              <a:ext uri="{FF2B5EF4-FFF2-40B4-BE49-F238E27FC236}">
+                <a16:creationId xmlns:a16="http://schemas.microsoft.com/office/drawing/2014/main" id="{3093FA57-C721-403A-8AFF-F6B43966E2A9}"/>
+              </a:ext>
+            </a:extLst>
+          </p:cNvPr>
+          <p:cNvCxnSpPr>
+            <a:cxnSpLocks/>
+            <a:stCxn id="59" idx="2"/>
+            <a:endCxn id="61" idx="4"/>
+          </p:cNvCxnSpPr>
+          <p:nvPr/>
+        </p:nvCxnSpPr>
+        <p:spPr>
+          <a:xfrm flipH="1" flipV="1">
+            <a:off x="6637074" y="4290696"/>
+            <a:ext cx="1276937" cy="1"/>
+          </a:xfrm>
+          <a:prstGeom prst="straightConnector1">
+            <a:avLst/>
+          </a:prstGeom>
+          <a:ln w="19050">
+            <a:tailEnd type="triangle"/>
+          </a:ln>
+        </p:spPr>
+        <p:style>
+          <a:lnRef idx="1">
+            <a:schemeClr val="accent2"/>
+          </a:lnRef>
+          <a:fillRef idx="0">
+            <a:schemeClr val="accent2"/>
+          </a:fillRef>
+          <a:effectRef idx="0">
+            <a:schemeClr val="accent2"/>
+          </a:effectRef>
+          <a:fontRef idx="minor">
+            <a:schemeClr val="tx1"/>
+          </a:fontRef>
+        </p:style>
+      </p:cxnSp>
+      <p:cxnSp>
+        <p:nvCxnSpPr>
+          <p:cNvPr id="63" name="Straight Arrow Connector 62">
+            <a:extLst>
+              <a:ext uri="{FF2B5EF4-FFF2-40B4-BE49-F238E27FC236}">
+                <a16:creationId xmlns:a16="http://schemas.microsoft.com/office/drawing/2014/main" id="{55D61280-AE32-415F-987C-BF784D4EEF1A}"/>
+              </a:ext>
+            </a:extLst>
+          </p:cNvPr>
+          <p:cNvCxnSpPr>
+            <a:cxnSpLocks/>
+            <a:endCxn id="59" idx="0"/>
+          </p:cNvCxnSpPr>
+          <p:nvPr/>
+        </p:nvCxnSpPr>
+        <p:spPr>
+          <a:xfrm>
+            <a:off x="8078711" y="4045744"/>
+            <a:ext cx="2664" cy="143393"/>
+          </a:xfrm>
+          <a:prstGeom prst="straightConnector1">
+            <a:avLst/>
+          </a:prstGeom>
+          <a:ln w="19050">
+            <a:tailEnd type="triangle"/>
+          </a:ln>
+        </p:spPr>
+        <p:style>
+          <a:lnRef idx="1">
+            <a:schemeClr val="accent2"/>
+          </a:lnRef>
+          <a:fillRef idx="0">
+            <a:schemeClr val="accent2"/>
+          </a:fillRef>
+          <a:effectRef idx="0">
+            <a:schemeClr val="accent2"/>
+          </a:effectRef>
+          <a:fontRef idx="minor">
+            <a:schemeClr val="tx1"/>
+          </a:fontRef>
+        </p:style>
+      </p:cxnSp>
+      <p:cxnSp>
+        <p:nvCxnSpPr>
+          <p:cNvPr id="64" name="Straight Arrow Connector 63">
+            <a:extLst>
+              <a:ext uri="{FF2B5EF4-FFF2-40B4-BE49-F238E27FC236}">
+                <a16:creationId xmlns:a16="http://schemas.microsoft.com/office/drawing/2014/main" id="{6E03D7BA-7990-48DE-990D-8AA0CD59C55A}"/>
+              </a:ext>
+            </a:extLst>
+          </p:cNvPr>
+          <p:cNvCxnSpPr>
+            <a:cxnSpLocks/>
+            <a:stCxn id="59" idx="4"/>
+            <a:endCxn id="60" idx="0"/>
+          </p:cNvCxnSpPr>
+          <p:nvPr/>
+        </p:nvCxnSpPr>
+        <p:spPr>
+          <a:xfrm>
+            <a:off x="8081375" y="4392256"/>
+            <a:ext cx="10160" cy="181351"/>
+          </a:xfrm>
+          <a:prstGeom prst="straightConnector1">
+            <a:avLst/>
+          </a:prstGeom>
+          <a:ln w="19050">
+            <a:tailEnd type="triangle"/>
+          </a:ln>
+        </p:spPr>
+        <p:style>
+          <a:lnRef idx="1">
+            <a:schemeClr val="accent2"/>
+          </a:lnRef>
+          <a:fillRef idx="0">
+            <a:schemeClr val="accent2"/>
+          </a:fillRef>
+          <a:effectRef idx="0">
+            <a:schemeClr val="accent2"/>
+          </a:effectRef>
+          <a:fontRef idx="minor">
+            <a:schemeClr val="tx1"/>
+          </a:fontRef>
+        </p:style>
+      </p:cxnSp>
+      <p:sp>
+        <p:nvSpPr>
+          <p:cNvPr id="74" name="Rectangle: Rounded Corners 73">
+            <a:extLst>
+              <a:ext uri="{FF2B5EF4-FFF2-40B4-BE49-F238E27FC236}">
+                <a16:creationId xmlns:a16="http://schemas.microsoft.com/office/drawing/2014/main" id="{86D7ECCF-D162-45E2-826E-3DE4C6FD88DC}"/>
+              </a:ext>
+            </a:extLst>
+          </p:cNvPr>
+          <p:cNvSpPr/>
+          <p:nvPr/>
+        </p:nvSpPr>
+        <p:spPr>
+          <a:xfrm>
+            <a:off x="3077886" y="3446096"/>
+            <a:ext cx="1654492" cy="616744"/>
+          </a:xfrm>
+          <a:prstGeom prst="roundRect">
+            <a:avLst/>
+          </a:prstGeom>
+        </p:spPr>
+        <p:style>
+          <a:lnRef idx="0">
+            <a:schemeClr val="accent5"/>
+          </a:lnRef>
+          <a:fillRef idx="3">
+            <a:schemeClr val="accent5"/>
+          </a:fillRef>
+          <a:effectRef idx="3">
+            <a:schemeClr val="accent5"/>
+          </a:effectRef>
+          <a:fontRef idx="minor">
+            <a:schemeClr val="lt1"/>
+          </a:fontRef>
+        </p:style>
+        <p:txBody>
+          <a:bodyPr rtlCol="0" anchor="ctr"/>
+          <a:lstStyle/>
+          <a:p>
+            <a:pPr algn="ctr"/>
+            <a:r>
+              <a:rPr lang="en-IN" sz="1600" dirty="0">
+                <a:latin typeface="Segoe UI" panose="020B0502040204020203" pitchFamily="34" charset="0"/>
+                <a:cs typeface="Segoe UI" panose="020B0502040204020203" pitchFamily="34" charset="0"/>
+              </a:rPr>
+              <a:t>Inbound Flux</a:t>
+            </a:r>
+          </a:p>
+        </p:txBody>
+      </p:sp>
+      <p:sp>
+        <p:nvSpPr>
+          <p:cNvPr id="77" name="Oval 76">
+            <a:extLst>
+              <a:ext uri="{FF2B5EF4-FFF2-40B4-BE49-F238E27FC236}">
+                <a16:creationId xmlns:a16="http://schemas.microsoft.com/office/drawing/2014/main" id="{09F5A7B3-FC21-40B6-BD34-DB13462D0E46}"/>
+              </a:ext>
+            </a:extLst>
+          </p:cNvPr>
+          <p:cNvSpPr/>
+          <p:nvPr/>
+        </p:nvSpPr>
+        <p:spPr>
+          <a:xfrm>
+            <a:off x="3740432" y="4206233"/>
+            <a:ext cx="334728" cy="203119"/>
+          </a:xfrm>
+          <a:prstGeom prst="ellipse">
+            <a:avLst/>
+          </a:prstGeom>
+        </p:spPr>
+        <p:style>
+          <a:lnRef idx="0">
+            <a:schemeClr val="accent5"/>
+          </a:lnRef>
+          <a:fillRef idx="3">
+            <a:schemeClr val="accent5"/>
+          </a:fillRef>
+          <a:effectRef idx="3">
+            <a:schemeClr val="accent5"/>
+          </a:effectRef>
+          <a:fontRef idx="minor">
+            <a:schemeClr val="lt1"/>
+          </a:fontRef>
+        </p:style>
+        <p:txBody>
+          <a:bodyPr rtlCol="0" anchor="ctr"/>
+          <a:lstStyle/>
+          <a:p>
+            <a:pPr algn="ctr"/>
+            <a:endParaRPr lang="en-IN">
+              <a:latin typeface="Segoe UI" panose="020B0502040204020203" pitchFamily="34" charset="0"/>
+              <a:cs typeface="Segoe UI" panose="020B0502040204020203" pitchFamily="34" charset="0"/>
+            </a:endParaRPr>
+          </a:p>
+        </p:txBody>
+      </p:sp>
+      <p:sp>
+        <p:nvSpPr>
+          <p:cNvPr id="78" name="Oval 77">
+            <a:extLst>
+              <a:ext uri="{FF2B5EF4-FFF2-40B4-BE49-F238E27FC236}">
+                <a16:creationId xmlns:a16="http://schemas.microsoft.com/office/drawing/2014/main" id="{2B860D40-658A-41B4-A160-F8B02C3C7BE4}"/>
+              </a:ext>
+            </a:extLst>
+          </p:cNvPr>
+          <p:cNvSpPr/>
+          <p:nvPr/>
+        </p:nvSpPr>
+        <p:spPr>
+          <a:xfrm>
+            <a:off x="3750592" y="4590703"/>
+            <a:ext cx="334728" cy="203119"/>
+          </a:xfrm>
+          <a:prstGeom prst="ellipse">
+            <a:avLst/>
+          </a:prstGeom>
+        </p:spPr>
+        <p:style>
+          <a:lnRef idx="0">
+            <a:schemeClr val="accent5"/>
+          </a:lnRef>
+          <a:fillRef idx="3">
+            <a:schemeClr val="accent5"/>
+          </a:fillRef>
+          <a:effectRef idx="3">
+            <a:schemeClr val="accent5"/>
+          </a:effectRef>
+          <a:fontRef idx="minor">
+            <a:schemeClr val="lt1"/>
+          </a:fontRef>
+        </p:style>
+        <p:txBody>
+          <a:bodyPr rtlCol="0" anchor="ctr"/>
+          <a:lstStyle/>
+          <a:p>
+            <a:pPr algn="ctr"/>
+            <a:endParaRPr lang="en-IN">
+              <a:latin typeface="Segoe UI" panose="020B0502040204020203" pitchFamily="34" charset="0"/>
+              <a:cs typeface="Segoe UI" panose="020B0502040204020203" pitchFamily="34" charset="0"/>
+            </a:endParaRPr>
+          </a:p>
+        </p:txBody>
+      </p:sp>
+      <p:cxnSp>
+        <p:nvCxnSpPr>
+          <p:cNvPr id="80" name="Straight Arrow Connector 79">
+            <a:extLst>
+              <a:ext uri="{FF2B5EF4-FFF2-40B4-BE49-F238E27FC236}">
+                <a16:creationId xmlns:a16="http://schemas.microsoft.com/office/drawing/2014/main" id="{29018953-0A47-4E2D-9298-0D5774852978}"/>
+              </a:ext>
+            </a:extLst>
+          </p:cNvPr>
+          <p:cNvCxnSpPr>
+            <a:cxnSpLocks/>
+            <a:stCxn id="77" idx="6"/>
+            <a:endCxn id="61" idx="2"/>
+          </p:cNvCxnSpPr>
+          <p:nvPr/>
+        </p:nvCxnSpPr>
+        <p:spPr>
+          <a:xfrm flipV="1">
+            <a:off x="4075160" y="4290696"/>
+            <a:ext cx="1578531" cy="17097"/>
+          </a:xfrm>
+          <a:prstGeom prst="straightConnector1">
+            <a:avLst/>
+          </a:prstGeom>
+          <a:ln w="19050">
+            <a:tailEnd type="triangle"/>
+          </a:ln>
+        </p:spPr>
+        <p:style>
+          <a:lnRef idx="1">
+            <a:schemeClr val="accent2"/>
+          </a:lnRef>
+          <a:fillRef idx="0">
+            <a:schemeClr val="accent2"/>
+          </a:fillRef>
+          <a:effectRef idx="0">
+            <a:schemeClr val="accent2"/>
+          </a:effectRef>
+          <a:fontRef idx="minor">
+            <a:schemeClr val="tx1"/>
+          </a:fontRef>
+        </p:style>
+      </p:cxnSp>
+      <p:cxnSp>
+        <p:nvCxnSpPr>
+          <p:cNvPr id="81" name="Straight Arrow Connector 80">
+            <a:extLst>
+              <a:ext uri="{FF2B5EF4-FFF2-40B4-BE49-F238E27FC236}">
+                <a16:creationId xmlns:a16="http://schemas.microsoft.com/office/drawing/2014/main" id="{1EA5CBCD-41FE-4BC4-84B3-DD2B69096672}"/>
+              </a:ext>
+            </a:extLst>
+          </p:cNvPr>
+          <p:cNvCxnSpPr>
+            <a:cxnSpLocks/>
+            <a:stCxn id="74" idx="2"/>
+            <a:endCxn id="77" idx="0"/>
+          </p:cNvCxnSpPr>
+          <p:nvPr/>
+        </p:nvCxnSpPr>
+        <p:spPr>
+          <a:xfrm>
+            <a:off x="3905132" y="4062840"/>
+            <a:ext cx="2664" cy="143393"/>
+          </a:xfrm>
+          <a:prstGeom prst="straightConnector1">
+            <a:avLst/>
+          </a:prstGeom>
+          <a:ln w="19050">
+            <a:tailEnd type="triangle"/>
+          </a:ln>
+        </p:spPr>
+        <p:style>
+          <a:lnRef idx="1">
+            <a:schemeClr val="accent2"/>
+          </a:lnRef>
+          <a:fillRef idx="0">
+            <a:schemeClr val="accent2"/>
+          </a:fillRef>
+          <a:effectRef idx="0">
+            <a:schemeClr val="accent2"/>
+          </a:effectRef>
+          <a:fontRef idx="minor">
+            <a:schemeClr val="tx1"/>
+          </a:fontRef>
+        </p:style>
+      </p:cxnSp>
+      <p:cxnSp>
+        <p:nvCxnSpPr>
+          <p:cNvPr id="82" name="Straight Arrow Connector 81">
+            <a:extLst>
+              <a:ext uri="{FF2B5EF4-FFF2-40B4-BE49-F238E27FC236}">
+                <a16:creationId xmlns:a16="http://schemas.microsoft.com/office/drawing/2014/main" id="{F907522C-BF4B-4234-A1B3-48892DC526E4}"/>
+              </a:ext>
+            </a:extLst>
+          </p:cNvPr>
+          <p:cNvCxnSpPr>
+            <a:cxnSpLocks/>
+            <a:stCxn id="77" idx="4"/>
+            <a:endCxn id="78" idx="0"/>
+          </p:cNvCxnSpPr>
+          <p:nvPr/>
+        </p:nvCxnSpPr>
+        <p:spPr>
+          <a:xfrm>
+            <a:off x="3907796" y="4409352"/>
+            <a:ext cx="10160" cy="181351"/>
+          </a:xfrm>
+          <a:prstGeom prst="straightConnector1">
+            <a:avLst/>
+          </a:prstGeom>
+          <a:ln w="19050">
+            <a:tailEnd type="triangle"/>
+          </a:ln>
+        </p:spPr>
+        <p:style>
+          <a:lnRef idx="1">
+            <a:schemeClr val="accent2"/>
+          </a:lnRef>
+          <a:fillRef idx="0">
+            <a:schemeClr val="accent2"/>
+          </a:fillRef>
+          <a:effectRef idx="0">
+            <a:schemeClr val="accent2"/>
+          </a:effectRef>
+          <a:fontRef idx="minor">
+            <a:schemeClr val="tx1"/>
+          </a:fontRef>
+        </p:style>
+      </p:cxnSp>
+      <p:cxnSp>
+        <p:nvCxnSpPr>
+          <p:cNvPr id="103" name="Connector: Elbow 102">
+            <a:extLst>
+              <a:ext uri="{FF2B5EF4-FFF2-40B4-BE49-F238E27FC236}">
+                <a16:creationId xmlns:a16="http://schemas.microsoft.com/office/drawing/2014/main" id="{7515F49E-5692-44DB-BA97-8ED9554B2D4E}"/>
+              </a:ext>
+            </a:extLst>
+          </p:cNvPr>
+          <p:cNvCxnSpPr>
+            <a:cxnSpLocks/>
+            <a:stCxn id="4" idx="3"/>
+            <a:endCxn id="5" idx="3"/>
+          </p:cNvCxnSpPr>
+          <p:nvPr/>
+        </p:nvCxnSpPr>
+        <p:spPr>
+          <a:xfrm>
+            <a:off x="3153965" y="334214"/>
+            <a:ext cx="229315" cy="1913688"/>
+          </a:xfrm>
+          <a:prstGeom prst="bentConnector3">
+            <a:avLst>
+              <a:gd name="adj1" fmla="val 199688"/>
+            </a:avLst>
+          </a:prstGeom>
+          <a:ln w="19050">
+            <a:tailEnd type="triangle"/>
+          </a:ln>
+        </p:spPr>
+        <p:style>
+          <a:lnRef idx="1">
+            <a:schemeClr val="accent2"/>
+          </a:lnRef>
+          <a:fillRef idx="0">
+            <a:schemeClr val="accent2"/>
+          </a:fillRef>
+          <a:effectRef idx="0">
+            <a:schemeClr val="accent2"/>
+          </a:effectRef>
+          <a:fontRef idx="minor">
+            <a:schemeClr val="tx1"/>
+          </a:fontRef>
+        </p:style>
+      </p:cxnSp>
+      <p:cxnSp>
+        <p:nvCxnSpPr>
+          <p:cNvPr id="105" name="Connector: Elbow 104">
+            <a:extLst>
+              <a:ext uri="{FF2B5EF4-FFF2-40B4-BE49-F238E27FC236}">
+                <a16:creationId xmlns:a16="http://schemas.microsoft.com/office/drawing/2014/main" id="{AEFC444C-CDC3-4C20-B5A1-FD9E822CDB82}"/>
+              </a:ext>
+            </a:extLst>
+          </p:cNvPr>
+          <p:cNvCxnSpPr>
+            <a:cxnSpLocks/>
+            <a:endCxn id="16" idx="0"/>
+          </p:cNvCxnSpPr>
+          <p:nvPr/>
+        </p:nvCxnSpPr>
+        <p:spPr>
+          <a:xfrm rot="5400000">
+            <a:off x="1284698" y="2654707"/>
+            <a:ext cx="972819" cy="484328"/>
+          </a:xfrm>
+          <a:prstGeom prst="bentConnector3">
+            <a:avLst>
+              <a:gd name="adj1" fmla="val -130"/>
+            </a:avLst>
+          </a:prstGeom>
+          <a:ln w="19050">
+            <a:headEnd type="triangle" w="med" len="med"/>
+            <a:tailEnd type="none" w="med" len="med"/>
+          </a:ln>
+        </p:spPr>
+        <p:style>
+          <a:lnRef idx="1">
+            <a:schemeClr val="accent2"/>
+          </a:lnRef>
+          <a:fillRef idx="0">
+            <a:schemeClr val="accent2"/>
+          </a:fillRef>
+          <a:effectRef idx="0">
+            <a:schemeClr val="accent2"/>
+          </a:effectRef>
+          <a:fontRef idx="minor">
+            <a:schemeClr val="tx1"/>
+          </a:fontRef>
+        </p:style>
+      </p:cxnSp>
+      <p:cxnSp>
+        <p:nvCxnSpPr>
+          <p:cNvPr id="114" name="Connector: Elbow 113">
+            <a:extLst>
+              <a:ext uri="{FF2B5EF4-FFF2-40B4-BE49-F238E27FC236}">
+                <a16:creationId xmlns:a16="http://schemas.microsoft.com/office/drawing/2014/main" id="{79B4FC4A-CD43-4AD9-B112-E34A8ACCA3C7}"/>
+              </a:ext>
+            </a:extLst>
+          </p:cNvPr>
+          <p:cNvCxnSpPr>
+            <a:cxnSpLocks/>
+            <a:endCxn id="74" idx="0"/>
+          </p:cNvCxnSpPr>
+          <p:nvPr/>
+        </p:nvCxnSpPr>
+        <p:spPr>
+          <a:xfrm rot="16200000" flipH="1">
+            <a:off x="3090829" y="2631793"/>
+            <a:ext cx="1106754" cy="521852"/>
+          </a:xfrm>
+          <a:prstGeom prst="bentConnector3">
+            <a:avLst>
+              <a:gd name="adj1" fmla="val 7772"/>
+            </a:avLst>
+          </a:prstGeom>
+          <a:ln w="19050">
+            <a:tailEnd type="triangle"/>
+          </a:ln>
+        </p:spPr>
+        <p:style>
+          <a:lnRef idx="1">
+            <a:schemeClr val="accent2"/>
+          </a:lnRef>
+          <a:fillRef idx="0">
+            <a:schemeClr val="accent2"/>
+          </a:fillRef>
+          <a:effectRef idx="0">
+            <a:schemeClr val="accent2"/>
+          </a:effectRef>
+          <a:fontRef idx="minor">
+            <a:schemeClr val="tx1"/>
+          </a:fontRef>
+        </p:style>
+      </p:cxnSp>
+      <p:cxnSp>
+        <p:nvCxnSpPr>
+          <p:cNvPr id="120" name="Connector: Elbow 119">
+            <a:extLst>
+              <a:ext uri="{FF2B5EF4-FFF2-40B4-BE49-F238E27FC236}">
+                <a16:creationId xmlns:a16="http://schemas.microsoft.com/office/drawing/2014/main" id="{4A531A50-5A06-4639-B8BE-C5BE5084D01B}"/>
+              </a:ext>
+            </a:extLst>
+          </p:cNvPr>
+          <p:cNvCxnSpPr>
+            <a:cxnSpLocks/>
+            <a:stCxn id="5" idx="1"/>
+            <a:endCxn id="4" idx="1"/>
+          </p:cNvCxnSpPr>
+          <p:nvPr/>
+        </p:nvCxnSpPr>
+        <p:spPr>
+          <a:xfrm rot="10800000" flipH="1">
+            <a:off x="2013267" y="334214"/>
+            <a:ext cx="229315" cy="1913688"/>
+          </a:xfrm>
+          <a:prstGeom prst="bentConnector3">
+            <a:avLst>
+              <a:gd name="adj1" fmla="val -99688"/>
+            </a:avLst>
+          </a:prstGeom>
+          <a:ln w="19050">
+            <a:tailEnd type="triangle"/>
+          </a:ln>
+        </p:spPr>
+        <p:style>
+          <a:lnRef idx="1">
+            <a:schemeClr val="accent2"/>
+          </a:lnRef>
+          <a:fillRef idx="0">
+            <a:schemeClr val="accent2"/>
+          </a:fillRef>
+          <a:effectRef idx="0">
+            <a:schemeClr val="accent2"/>
+          </a:effectRef>
+          <a:fontRef idx="minor">
+            <a:schemeClr val="tx1"/>
+          </a:fontRef>
+        </p:style>
+      </p:cxnSp>
+      <p:sp>
+        <p:nvSpPr>
+          <p:cNvPr id="155" name="Rectangle: Rounded Corners 154">
+            <a:extLst>
+              <a:ext uri="{FF2B5EF4-FFF2-40B4-BE49-F238E27FC236}">
+                <a16:creationId xmlns:a16="http://schemas.microsoft.com/office/drawing/2014/main" id="{C252D29B-3AB2-4C3C-B907-829BF03533F6}"/>
+              </a:ext>
+            </a:extLst>
+          </p:cNvPr>
+          <p:cNvSpPr/>
+          <p:nvPr/>
+        </p:nvSpPr>
+        <p:spPr>
+          <a:xfrm>
+            <a:off x="8734470" y="24515"/>
+            <a:ext cx="911382" cy="541456"/>
+          </a:xfrm>
+          <a:prstGeom prst="roundRect">
+            <a:avLst/>
+          </a:prstGeom>
+          <a:solidFill>
+            <a:schemeClr val="accent6">
+              <a:lumMod val="60000"/>
+              <a:lumOff val="40000"/>
+            </a:schemeClr>
+          </a:solidFill>
+        </p:spPr>
+        <p:style>
+          <a:lnRef idx="0">
+            <a:schemeClr val="accent5"/>
+          </a:lnRef>
+          <a:fillRef idx="3">
+            <a:schemeClr val="accent5"/>
+          </a:fillRef>
+          <a:effectRef idx="3">
+            <a:schemeClr val="accent5"/>
+          </a:effectRef>
+          <a:fontRef idx="minor">
+            <a:schemeClr val="lt1"/>
+          </a:fontRef>
+        </p:style>
+        <p:txBody>
+          <a:bodyPr rtlCol="0" anchor="ctr"/>
+          <a:lstStyle/>
+          <a:p>
+            <a:pPr algn="ctr"/>
+            <a:r>
+              <a:rPr lang="en-IN" sz="1600" dirty="0">
+                <a:latin typeface="Segoe UI" panose="020B0502040204020203" pitchFamily="34" charset="0"/>
+                <a:cs typeface="Segoe UI" panose="020B0502040204020203" pitchFamily="34" charset="0"/>
+              </a:rPr>
+              <a:t>Socket Client</a:t>
+            </a:r>
+          </a:p>
+        </p:txBody>
+      </p:sp>
+      <p:sp>
+        <p:nvSpPr>
+          <p:cNvPr id="156" name="Rectangle: Rounded Corners 155">
+            <a:extLst>
+              <a:ext uri="{FF2B5EF4-FFF2-40B4-BE49-F238E27FC236}">
+                <a16:creationId xmlns:a16="http://schemas.microsoft.com/office/drawing/2014/main" id="{4F5950D1-F650-42FC-92A5-FA5B526B9F7A}"/>
+              </a:ext>
+            </a:extLst>
+          </p:cNvPr>
+          <p:cNvSpPr/>
+          <p:nvPr/>
+        </p:nvSpPr>
+        <p:spPr>
+          <a:xfrm>
+            <a:off x="8501819" y="1702356"/>
+            <a:ext cx="1370012" cy="1209675"/>
+          </a:xfrm>
+          <a:prstGeom prst="roundRect">
+            <a:avLst/>
+          </a:prstGeom>
+          <a:solidFill>
+            <a:schemeClr val="accent2">
+              <a:lumMod val="60000"/>
+              <a:lumOff val="40000"/>
+            </a:schemeClr>
+          </a:solidFill>
+        </p:spPr>
+        <p:style>
+          <a:lnRef idx="0">
+            <a:schemeClr val="accent5"/>
+          </a:lnRef>
+          <a:fillRef idx="3">
+            <a:schemeClr val="accent5"/>
+          </a:fillRef>
+          <a:effectRef idx="3">
+            <a:schemeClr val="accent5"/>
+          </a:effectRef>
+          <a:fontRef idx="minor">
+            <a:schemeClr val="lt1"/>
+          </a:fontRef>
+        </p:style>
+        <p:txBody>
+          <a:bodyPr rtlCol="0" anchor="ctr"/>
+          <a:lstStyle/>
+          <a:p>
+            <a:pPr algn="ctr"/>
+            <a:r>
+              <a:rPr lang="en-IN" dirty="0">
+                <a:latin typeface="Segoe UI" panose="020B0502040204020203" pitchFamily="34" charset="0"/>
+                <a:cs typeface="Segoe UI" panose="020B0502040204020203" pitchFamily="34" charset="0"/>
+              </a:rPr>
+              <a:t>Socket Session Handler</a:t>
+            </a:r>
+          </a:p>
+        </p:txBody>
+      </p:sp>
+      <p:sp>
+        <p:nvSpPr>
+          <p:cNvPr id="157" name="Rectangle: Rounded Corners 156">
+            <a:extLst>
+              <a:ext uri="{FF2B5EF4-FFF2-40B4-BE49-F238E27FC236}">
+                <a16:creationId xmlns:a16="http://schemas.microsoft.com/office/drawing/2014/main" id="{50B00332-3E41-4256-A448-6C44453F737A}"/>
+              </a:ext>
+            </a:extLst>
+          </p:cNvPr>
+          <p:cNvSpPr/>
+          <p:nvPr/>
+        </p:nvSpPr>
+        <p:spPr>
+          <a:xfrm>
+            <a:off x="7190248" y="3442573"/>
+            <a:ext cx="1654492" cy="616744"/>
+          </a:xfrm>
+          <a:prstGeom prst="roundRect">
+            <a:avLst/>
+          </a:prstGeom>
+        </p:spPr>
+        <p:style>
+          <a:lnRef idx="0">
+            <a:schemeClr val="accent5"/>
+          </a:lnRef>
+          <a:fillRef idx="3">
+            <a:schemeClr val="accent5"/>
+          </a:fillRef>
+          <a:effectRef idx="3">
+            <a:schemeClr val="accent5"/>
+          </a:effectRef>
+          <a:fontRef idx="minor">
+            <a:schemeClr val="lt1"/>
+          </a:fontRef>
+        </p:style>
+        <p:txBody>
+          <a:bodyPr rtlCol="0" anchor="ctr"/>
+          <a:lstStyle/>
+          <a:p>
+            <a:pPr algn="ctr"/>
+            <a:r>
+              <a:rPr lang="en-IN" sz="1600" dirty="0">
+                <a:latin typeface="Segoe UI" panose="020B0502040204020203" pitchFamily="34" charset="0"/>
+                <a:cs typeface="Segoe UI" panose="020B0502040204020203" pitchFamily="34" charset="0"/>
+              </a:rPr>
+              <a:t>Inbound Flux</a:t>
+            </a:r>
+          </a:p>
+        </p:txBody>
+      </p:sp>
+      <p:sp>
+        <p:nvSpPr>
+          <p:cNvPr id="158" name="Rectangle: Rounded Corners 157">
+            <a:extLst>
+              <a:ext uri="{FF2B5EF4-FFF2-40B4-BE49-F238E27FC236}">
+                <a16:creationId xmlns:a16="http://schemas.microsoft.com/office/drawing/2014/main" id="{7FFAD682-0836-4503-AB3E-6DC251AACC16}"/>
+              </a:ext>
+            </a:extLst>
+          </p:cNvPr>
+          <p:cNvSpPr/>
+          <p:nvPr/>
+        </p:nvSpPr>
+        <p:spPr>
+          <a:xfrm>
+            <a:off x="9566437" y="3505388"/>
+            <a:ext cx="1654492" cy="616744"/>
+          </a:xfrm>
+          <a:prstGeom prst="roundRect">
+            <a:avLst/>
+          </a:prstGeom>
+        </p:spPr>
+        <p:style>
+          <a:lnRef idx="0">
+            <a:schemeClr val="accent5"/>
+          </a:lnRef>
+          <a:fillRef idx="3">
+            <a:schemeClr val="accent5"/>
+          </a:fillRef>
+          <a:effectRef idx="3">
+            <a:schemeClr val="accent5"/>
+          </a:effectRef>
+          <a:fontRef idx="minor">
+            <a:schemeClr val="lt1"/>
+          </a:fontRef>
+        </p:style>
+        <p:txBody>
+          <a:bodyPr rtlCol="0" anchor="ctr"/>
+          <a:lstStyle/>
+          <a:p>
+            <a:pPr algn="ctr"/>
+            <a:r>
+              <a:rPr lang="en-IN" sz="1600" dirty="0">
+                <a:latin typeface="Segoe UI" panose="020B0502040204020203" pitchFamily="34" charset="0"/>
+                <a:cs typeface="Segoe UI" panose="020B0502040204020203" pitchFamily="34" charset="0"/>
+              </a:rPr>
+              <a:t>Outbound Flux</a:t>
+            </a:r>
+          </a:p>
+        </p:txBody>
+      </p:sp>
+      <p:cxnSp>
+        <p:nvCxnSpPr>
+          <p:cNvPr id="159" name="Connector: Elbow 158">
+            <a:extLst>
+              <a:ext uri="{FF2B5EF4-FFF2-40B4-BE49-F238E27FC236}">
+                <a16:creationId xmlns:a16="http://schemas.microsoft.com/office/drawing/2014/main" id="{80CB9C3A-5EAB-4E1E-BF1D-46A43D775677}"/>
+              </a:ext>
+            </a:extLst>
+          </p:cNvPr>
+          <p:cNvCxnSpPr>
+            <a:cxnSpLocks/>
+            <a:stCxn id="155" idx="3"/>
+            <a:endCxn id="156" idx="3"/>
+          </p:cNvCxnSpPr>
+          <p:nvPr/>
+        </p:nvCxnSpPr>
+        <p:spPr>
+          <a:xfrm>
+            <a:off x="9645852" y="295243"/>
+            <a:ext cx="225979" cy="2011951"/>
+          </a:xfrm>
+          <a:prstGeom prst="bentConnector3">
+            <a:avLst>
+              <a:gd name="adj1" fmla="val 201160"/>
+            </a:avLst>
+          </a:prstGeom>
+          <a:ln w="19050">
+            <a:headEnd type="triangle" w="med" len="med"/>
+            <a:tailEnd type="none" w="med" len="med"/>
+          </a:ln>
+        </p:spPr>
+        <p:style>
+          <a:lnRef idx="1">
+            <a:schemeClr val="accent2"/>
+          </a:lnRef>
+          <a:fillRef idx="0">
+            <a:schemeClr val="accent2"/>
+          </a:fillRef>
+          <a:effectRef idx="0">
+            <a:schemeClr val="accent2"/>
+          </a:effectRef>
+          <a:fontRef idx="minor">
+            <a:schemeClr val="tx1"/>
+          </a:fontRef>
+        </p:style>
+      </p:cxnSp>
+      <p:cxnSp>
+        <p:nvCxnSpPr>
+          <p:cNvPr id="160" name="Connector: Elbow 159">
+            <a:extLst>
+              <a:ext uri="{FF2B5EF4-FFF2-40B4-BE49-F238E27FC236}">
+                <a16:creationId xmlns:a16="http://schemas.microsoft.com/office/drawing/2014/main" id="{6374CE98-BDB1-4E9A-AC6C-C2CAAA3351E3}"/>
+              </a:ext>
+            </a:extLst>
+          </p:cNvPr>
+          <p:cNvCxnSpPr>
+            <a:cxnSpLocks/>
+            <a:endCxn id="157" idx="0"/>
+          </p:cNvCxnSpPr>
+          <p:nvPr/>
+        </p:nvCxnSpPr>
+        <p:spPr>
+          <a:xfrm rot="5400000">
+            <a:off x="7773249" y="2713999"/>
+            <a:ext cx="972819" cy="484328"/>
+          </a:xfrm>
+          <a:prstGeom prst="bentConnector3">
+            <a:avLst>
+              <a:gd name="adj1" fmla="val -130"/>
+            </a:avLst>
+          </a:prstGeom>
+          <a:ln w="19050">
+            <a:headEnd type="none" w="med" len="med"/>
+            <a:tailEnd type="triangle" w="med" len="med"/>
+          </a:ln>
+        </p:spPr>
+        <p:style>
+          <a:lnRef idx="1">
+            <a:schemeClr val="accent2"/>
+          </a:lnRef>
+          <a:fillRef idx="0">
+            <a:schemeClr val="accent2"/>
+          </a:fillRef>
+          <a:effectRef idx="0">
+            <a:schemeClr val="accent2"/>
+          </a:effectRef>
+          <a:fontRef idx="minor">
+            <a:schemeClr val="tx1"/>
+          </a:fontRef>
+        </p:style>
+      </p:cxnSp>
+      <p:cxnSp>
+        <p:nvCxnSpPr>
+          <p:cNvPr id="161" name="Connector: Elbow 160">
+            <a:extLst>
+              <a:ext uri="{FF2B5EF4-FFF2-40B4-BE49-F238E27FC236}">
+                <a16:creationId xmlns:a16="http://schemas.microsoft.com/office/drawing/2014/main" id="{1A9AC8FB-7800-44C1-B245-81441F067615}"/>
+              </a:ext>
+            </a:extLst>
+          </p:cNvPr>
+          <p:cNvCxnSpPr>
+            <a:cxnSpLocks/>
+            <a:endCxn id="158" idx="0"/>
+          </p:cNvCxnSpPr>
+          <p:nvPr/>
+        </p:nvCxnSpPr>
+        <p:spPr>
+          <a:xfrm rot="16200000" flipH="1">
+            <a:off x="9579380" y="2691085"/>
+            <a:ext cx="1106754" cy="521852"/>
+          </a:xfrm>
+          <a:prstGeom prst="bentConnector3">
+            <a:avLst>
+              <a:gd name="adj1" fmla="val 428"/>
+            </a:avLst>
+          </a:prstGeom>
+          <a:ln w="19050">
+            <a:headEnd type="triangle" w="med" len="med"/>
+            <a:tailEnd type="none" w="med" len="med"/>
+          </a:ln>
+        </p:spPr>
+        <p:style>
+          <a:lnRef idx="1">
+            <a:schemeClr val="accent2"/>
+          </a:lnRef>
+          <a:fillRef idx="0">
+            <a:schemeClr val="accent2"/>
+          </a:fillRef>
+          <a:effectRef idx="0">
+            <a:schemeClr val="accent2"/>
+          </a:effectRef>
+          <a:fontRef idx="minor">
+            <a:schemeClr val="tx1"/>
+          </a:fontRef>
+        </p:style>
+      </p:cxnSp>
+      <p:cxnSp>
+        <p:nvCxnSpPr>
+          <p:cNvPr id="162" name="Connector: Elbow 161">
+            <a:extLst>
+              <a:ext uri="{FF2B5EF4-FFF2-40B4-BE49-F238E27FC236}">
+                <a16:creationId xmlns:a16="http://schemas.microsoft.com/office/drawing/2014/main" id="{30B51B3E-B3ED-4301-8B8B-0592E5DCDB3F}"/>
+              </a:ext>
+            </a:extLst>
+          </p:cNvPr>
+          <p:cNvCxnSpPr>
+            <a:cxnSpLocks/>
+            <a:stCxn id="156" idx="1"/>
+            <a:endCxn id="155" idx="1"/>
+          </p:cNvCxnSpPr>
+          <p:nvPr/>
+        </p:nvCxnSpPr>
+        <p:spPr>
+          <a:xfrm rot="10800000" flipH="1">
+            <a:off x="8501818" y="295244"/>
+            <a:ext cx="232651" cy="2011951"/>
+          </a:xfrm>
+          <a:prstGeom prst="bentConnector3">
+            <a:avLst>
+              <a:gd name="adj1" fmla="val -98259"/>
+            </a:avLst>
+          </a:prstGeom>
+          <a:ln w="19050">
+            <a:headEnd type="triangle" w="med" len="med"/>
+            <a:tailEnd type="none" w="med" len="med"/>
+          </a:ln>
+        </p:spPr>
+        <p:style>
+          <a:lnRef idx="1">
+            <a:schemeClr val="accent2"/>
+          </a:lnRef>
+          <a:fillRef idx="0">
+            <a:schemeClr val="accent2"/>
+          </a:fillRef>
+          <a:effectRef idx="0">
+            <a:schemeClr val="accent2"/>
+          </a:effectRef>
+          <a:fontRef idx="minor">
+            <a:schemeClr val="tx1"/>
+          </a:fontRef>
+        </p:style>
+      </p:cxnSp>
+      <p:sp>
+        <p:nvSpPr>
+          <p:cNvPr id="9" name="Flowchart: Terminator 8">
+            <a:extLst>
+              <a:ext uri="{FF2B5EF4-FFF2-40B4-BE49-F238E27FC236}">
+                <a16:creationId xmlns:a16="http://schemas.microsoft.com/office/drawing/2014/main" id="{5F777283-F13E-4BC9-A4B6-F77CB38FF0AD}"/>
+              </a:ext>
+            </a:extLst>
+          </p:cNvPr>
+          <p:cNvSpPr/>
+          <p:nvPr/>
+        </p:nvSpPr>
+        <p:spPr>
+          <a:xfrm>
+            <a:off x="1892167" y="955182"/>
+            <a:ext cx="1752038" cy="214015"/>
+          </a:xfrm>
+          <a:prstGeom prst="flowChartTerminator">
+            <a:avLst/>
+          </a:prstGeom>
+          <a:noFill/>
+          <a:ln>
+            <a:noFill/>
+          </a:ln>
+        </p:spPr>
+        <p:style>
+          <a:lnRef idx="2">
+            <a:schemeClr val="accent1">
+              <a:shade val="50000"/>
+            </a:schemeClr>
+          </a:lnRef>
+          <a:fillRef idx="1">
+            <a:schemeClr val="accent1"/>
+          </a:fillRef>
+          <a:effectRef idx="0">
+            <a:schemeClr val="accent1"/>
+          </a:effectRef>
+          <a:fontRef idx="minor">
+            <a:schemeClr val="lt1"/>
+          </a:fontRef>
+        </p:style>
+        <p:txBody>
+          <a:bodyPr rtlCol="0" anchor="ctr"/>
+          <a:lstStyle/>
+          <a:p>
+            <a:pPr algn="ctr"/>
+            <a:r>
+              <a:rPr lang="en-IN" sz="1600" dirty="0">
+                <a:solidFill>
+                  <a:srgbClr val="7030A0"/>
+                </a:solidFill>
+                <a:latin typeface="Segoe UI" panose="020B0502040204020203" pitchFamily="34" charset="0"/>
+                <a:cs typeface="Segoe UI" panose="020B0502040204020203" pitchFamily="34" charset="0"/>
+              </a:rPr>
+              <a:t>HTTP SESSION</a:t>
+            </a:r>
+          </a:p>
+        </p:txBody>
+      </p:sp>
+      <p:sp>
+        <p:nvSpPr>
+          <p:cNvPr id="41" name="Flowchart: Terminator 40">
+            <a:extLst>
+              <a:ext uri="{FF2B5EF4-FFF2-40B4-BE49-F238E27FC236}">
+                <a16:creationId xmlns:a16="http://schemas.microsoft.com/office/drawing/2014/main" id="{1C0D8E0B-18AB-4BB3-B884-77E8C32000B8}"/>
+              </a:ext>
+            </a:extLst>
+          </p:cNvPr>
+          <p:cNvSpPr/>
+          <p:nvPr/>
+        </p:nvSpPr>
+        <p:spPr>
+          <a:xfrm>
+            <a:off x="1824666" y="1243207"/>
+            <a:ext cx="1939707" cy="237299"/>
+          </a:xfrm>
+          <a:prstGeom prst="flowChartTerminator">
+            <a:avLst/>
+          </a:prstGeom>
+          <a:noFill/>
+          <a:ln>
+            <a:noFill/>
+          </a:ln>
+        </p:spPr>
+        <p:style>
+          <a:lnRef idx="2">
+            <a:schemeClr val="accent1">
+              <a:shade val="50000"/>
+            </a:schemeClr>
+          </a:lnRef>
+          <a:fillRef idx="1">
+            <a:schemeClr val="accent1"/>
+          </a:fillRef>
+          <a:effectRef idx="0">
+            <a:schemeClr val="accent1"/>
+          </a:effectRef>
+          <a:fontRef idx="minor">
+            <a:schemeClr val="lt1"/>
+          </a:fontRef>
+        </p:style>
+        <p:txBody>
+          <a:bodyPr rtlCol="0" anchor="ctr"/>
+          <a:lstStyle/>
+          <a:p>
+            <a:pPr algn="ctr"/>
+            <a:r>
+              <a:rPr lang="en-IN" sz="1600" dirty="0">
+                <a:solidFill>
+                  <a:srgbClr val="7030A0"/>
+                </a:solidFill>
+                <a:latin typeface="Segoe UI" panose="020B0502040204020203" pitchFamily="34" charset="0"/>
+                <a:cs typeface="Segoe UI" panose="020B0502040204020203" pitchFamily="34" charset="0"/>
+              </a:rPr>
+              <a:t>SOCKET SESSION</a:t>
+            </a:r>
+          </a:p>
+        </p:txBody>
+      </p:sp>
+      <p:sp>
+        <p:nvSpPr>
+          <p:cNvPr id="40" name="Flowchart: Terminator 39">
+            <a:extLst>
+              <a:ext uri="{FF2B5EF4-FFF2-40B4-BE49-F238E27FC236}">
+                <a16:creationId xmlns:a16="http://schemas.microsoft.com/office/drawing/2014/main" id="{A94AAE31-CBE3-4AF8-B486-4DBBE3A780AE}"/>
+              </a:ext>
+            </a:extLst>
+          </p:cNvPr>
+          <p:cNvSpPr/>
+          <p:nvPr/>
+        </p:nvSpPr>
+        <p:spPr>
+          <a:xfrm>
+            <a:off x="8280875" y="1265128"/>
+            <a:ext cx="1939707" cy="237299"/>
+          </a:xfrm>
+          <a:prstGeom prst="flowChartTerminator">
+            <a:avLst/>
+          </a:prstGeom>
+          <a:noFill/>
+          <a:ln>
+            <a:noFill/>
+          </a:ln>
+        </p:spPr>
+        <p:style>
+          <a:lnRef idx="2">
+            <a:schemeClr val="accent1">
+              <a:shade val="50000"/>
+            </a:schemeClr>
+          </a:lnRef>
+          <a:fillRef idx="1">
+            <a:schemeClr val="accent1"/>
+          </a:fillRef>
+          <a:effectRef idx="0">
+            <a:schemeClr val="accent1"/>
+          </a:effectRef>
+          <a:fontRef idx="minor">
+            <a:schemeClr val="lt1"/>
+          </a:fontRef>
+        </p:style>
+        <p:txBody>
+          <a:bodyPr rtlCol="0" anchor="ctr"/>
+          <a:lstStyle/>
+          <a:p>
+            <a:pPr algn="ctr"/>
+            <a:r>
+              <a:rPr lang="en-IN" sz="1600" dirty="0">
+                <a:solidFill>
+                  <a:srgbClr val="7030A0"/>
+                </a:solidFill>
+                <a:latin typeface="Segoe UI" panose="020B0502040204020203" pitchFamily="34" charset="0"/>
+                <a:cs typeface="Segoe UI" panose="020B0502040204020203" pitchFamily="34" charset="0"/>
+              </a:rPr>
+              <a:t>SOCKET SESSION</a:t>
+            </a:r>
+          </a:p>
+        </p:txBody>
+      </p:sp>
+      <p:sp>
+        <p:nvSpPr>
+          <p:cNvPr id="44" name="Flowchart: Terminator 43">
+            <a:extLst>
+              <a:ext uri="{FF2B5EF4-FFF2-40B4-BE49-F238E27FC236}">
+                <a16:creationId xmlns:a16="http://schemas.microsoft.com/office/drawing/2014/main" id="{C491C6A2-8E46-40DF-95E5-1F0DEA676661}"/>
+              </a:ext>
+            </a:extLst>
+          </p:cNvPr>
+          <p:cNvSpPr/>
+          <p:nvPr/>
+        </p:nvSpPr>
+        <p:spPr>
+          <a:xfrm>
+            <a:off x="8310806" y="964148"/>
+            <a:ext cx="1752038" cy="214015"/>
+          </a:xfrm>
+          <a:prstGeom prst="flowChartTerminator">
+            <a:avLst/>
+          </a:prstGeom>
+          <a:noFill/>
+          <a:ln>
+            <a:noFill/>
+          </a:ln>
+        </p:spPr>
+        <p:style>
+          <a:lnRef idx="2">
+            <a:schemeClr val="accent1">
+              <a:shade val="50000"/>
+            </a:schemeClr>
+          </a:lnRef>
+          <a:fillRef idx="1">
+            <a:schemeClr val="accent1"/>
+          </a:fillRef>
+          <a:effectRef idx="0">
+            <a:schemeClr val="accent1"/>
+          </a:effectRef>
+          <a:fontRef idx="minor">
+            <a:schemeClr val="lt1"/>
+          </a:fontRef>
+        </p:style>
+        <p:txBody>
+          <a:bodyPr rtlCol="0" anchor="ctr"/>
+          <a:lstStyle/>
+          <a:p>
+            <a:pPr algn="ctr"/>
+            <a:r>
+              <a:rPr lang="en-IN" sz="1600" dirty="0">
+                <a:solidFill>
+                  <a:srgbClr val="7030A0"/>
+                </a:solidFill>
+                <a:latin typeface="Segoe UI" panose="020B0502040204020203" pitchFamily="34" charset="0"/>
+                <a:cs typeface="Segoe UI" panose="020B0502040204020203" pitchFamily="34" charset="0"/>
+              </a:rPr>
+              <a:t>HTTP SESSION</a:t>
+            </a:r>
+          </a:p>
+        </p:txBody>
+      </p:sp>
+      <p:sp>
+        <p:nvSpPr>
+          <p:cNvPr id="56" name="Flowchart: Terminator 55">
+            <a:extLst>
+              <a:ext uri="{FF2B5EF4-FFF2-40B4-BE49-F238E27FC236}">
+                <a16:creationId xmlns:a16="http://schemas.microsoft.com/office/drawing/2014/main" id="{2B3592E2-A8E4-4DCA-82B5-E94CF0CB4E30}"/>
+              </a:ext>
+            </a:extLst>
+          </p:cNvPr>
+          <p:cNvSpPr/>
+          <p:nvPr/>
+        </p:nvSpPr>
+        <p:spPr>
+          <a:xfrm>
+            <a:off x="5202529" y="736223"/>
+            <a:ext cx="1752038" cy="214015"/>
+          </a:xfrm>
+          <a:prstGeom prst="flowChartTerminator">
+            <a:avLst/>
+          </a:prstGeom>
+          <a:noFill/>
+          <a:ln>
+            <a:noFill/>
+          </a:ln>
+        </p:spPr>
+        <p:style>
+          <a:lnRef idx="2">
+            <a:schemeClr val="accent1">
+              <a:shade val="50000"/>
+            </a:schemeClr>
+          </a:lnRef>
+          <a:fillRef idx="1">
+            <a:schemeClr val="accent1"/>
+          </a:fillRef>
+          <a:effectRef idx="0">
+            <a:schemeClr val="accent1"/>
+          </a:effectRef>
+          <a:fontRef idx="minor">
+            <a:schemeClr val="lt1"/>
+          </a:fontRef>
+        </p:style>
+        <p:txBody>
+          <a:bodyPr rtlCol="0" anchor="ctr"/>
+          <a:lstStyle/>
+          <a:p>
+            <a:pPr algn="ctr"/>
+            <a:r>
+              <a:rPr lang="en-IN" sz="1600" dirty="0">
+                <a:solidFill>
+                  <a:srgbClr val="7030A0"/>
+                </a:solidFill>
+                <a:latin typeface="Segoe UI" panose="020B0502040204020203" pitchFamily="34" charset="0"/>
+                <a:cs typeface="Segoe UI" panose="020B0502040204020203" pitchFamily="34" charset="0"/>
+              </a:rPr>
+              <a:t>JVM</a:t>
+            </a:r>
+          </a:p>
+        </p:txBody>
+      </p:sp>
+      <p:sp>
+        <p:nvSpPr>
+          <p:cNvPr id="46" name="Cylinder 45">
+            <a:extLst>
+              <a:ext uri="{FF2B5EF4-FFF2-40B4-BE49-F238E27FC236}">
+                <a16:creationId xmlns:a16="http://schemas.microsoft.com/office/drawing/2014/main" id="{50E52622-4FFB-473E-9B07-1D79A7568A96}"/>
+              </a:ext>
+            </a:extLst>
+          </p:cNvPr>
+          <p:cNvSpPr/>
+          <p:nvPr/>
+        </p:nvSpPr>
+        <p:spPr>
+          <a:xfrm rot="5400000">
+            <a:off x="3570224" y="5095578"/>
+            <a:ext cx="523875" cy="2501775"/>
+          </a:xfrm>
+          <a:prstGeom prst="can">
+            <a:avLst/>
+          </a:prstGeom>
+        </p:spPr>
+        <p:style>
+          <a:lnRef idx="0">
+            <a:schemeClr val="accent5"/>
+          </a:lnRef>
+          <a:fillRef idx="3">
+            <a:schemeClr val="accent5"/>
+          </a:fillRef>
+          <a:effectRef idx="3">
+            <a:schemeClr val="accent5"/>
+          </a:effectRef>
+          <a:fontRef idx="minor">
+            <a:schemeClr val="lt1"/>
+          </a:fontRef>
+        </p:style>
+        <p:txBody>
+          <a:bodyPr vert="vert270" rtlCol="0" anchor="ctr"/>
+          <a:lstStyle/>
+          <a:p>
+            <a:pPr algn="ctr"/>
+            <a:r>
+              <a:rPr lang="en-IN" dirty="0">
+                <a:latin typeface="Segoe UI" panose="020B0502040204020203" pitchFamily="34" charset="0"/>
+                <a:cs typeface="Segoe UI" panose="020B0502040204020203" pitchFamily="34" charset="0"/>
+              </a:rPr>
+              <a:t>Publish Channel  </a:t>
+            </a:r>
+          </a:p>
+        </p:txBody>
+      </p:sp>
+      <p:sp>
+        <p:nvSpPr>
+          <p:cNvPr id="47" name="Cylinder 46">
+            <a:extLst>
+              <a:ext uri="{FF2B5EF4-FFF2-40B4-BE49-F238E27FC236}">
+                <a16:creationId xmlns:a16="http://schemas.microsoft.com/office/drawing/2014/main" id="{F18AD8C4-275E-4BA8-A92B-8B9036E977FB}"/>
+              </a:ext>
+            </a:extLst>
+          </p:cNvPr>
+          <p:cNvSpPr/>
+          <p:nvPr/>
+        </p:nvSpPr>
+        <p:spPr>
+          <a:xfrm rot="5400000">
+            <a:off x="7936625" y="5235536"/>
+            <a:ext cx="523875" cy="2194929"/>
+          </a:xfrm>
+          <a:prstGeom prst="can">
+            <a:avLst/>
+          </a:prstGeom>
+        </p:spPr>
+        <p:style>
+          <a:lnRef idx="0">
+            <a:schemeClr val="accent5"/>
+          </a:lnRef>
+          <a:fillRef idx="3">
+            <a:schemeClr val="accent5"/>
+          </a:fillRef>
+          <a:effectRef idx="3">
+            <a:schemeClr val="accent5"/>
+          </a:effectRef>
+          <a:fontRef idx="minor">
+            <a:schemeClr val="lt1"/>
+          </a:fontRef>
+        </p:style>
+        <p:txBody>
+          <a:bodyPr vert="vert270" rtlCol="0" anchor="ctr"/>
+          <a:lstStyle/>
+          <a:p>
+            <a:pPr algn="ctr"/>
+            <a:r>
+              <a:rPr lang="en-IN" dirty="0">
+                <a:latin typeface="Segoe UI" panose="020B0502040204020203" pitchFamily="34" charset="0"/>
+                <a:cs typeface="Segoe UI" panose="020B0502040204020203" pitchFamily="34" charset="0"/>
+              </a:rPr>
+              <a:t>Subscribe Channel  </a:t>
+            </a:r>
+          </a:p>
+        </p:txBody>
+      </p:sp>
+      <p:sp>
+        <p:nvSpPr>
+          <p:cNvPr id="48" name="Arrow: Striped Right 47">
+            <a:extLst>
+              <a:ext uri="{FF2B5EF4-FFF2-40B4-BE49-F238E27FC236}">
+                <a16:creationId xmlns:a16="http://schemas.microsoft.com/office/drawing/2014/main" id="{122D04A4-C068-4591-8A82-F4FF68D88B68}"/>
+              </a:ext>
+            </a:extLst>
+          </p:cNvPr>
+          <p:cNvSpPr/>
+          <p:nvPr/>
+        </p:nvSpPr>
+        <p:spPr>
+          <a:xfrm>
+            <a:off x="5256279" y="6145961"/>
+            <a:ext cx="1716021" cy="414783"/>
+          </a:xfrm>
+          <a:prstGeom prst="stripedRightArrow">
+            <a:avLst/>
+          </a:prstGeom>
+        </p:spPr>
+        <p:style>
+          <a:lnRef idx="1">
+            <a:schemeClr val="dk1"/>
+          </a:lnRef>
+          <a:fillRef idx="2">
+            <a:schemeClr val="dk1"/>
+          </a:fillRef>
+          <a:effectRef idx="1">
+            <a:schemeClr val="dk1"/>
+          </a:effectRef>
+          <a:fontRef idx="minor">
+            <a:schemeClr val="dk1"/>
+          </a:fontRef>
+        </p:style>
+        <p:txBody>
+          <a:bodyPr rtlCol="0" anchor="ctr"/>
+          <a:lstStyle/>
+          <a:p>
+            <a:pPr algn="ctr"/>
+            <a:endParaRPr lang="en-IN" dirty="0">
+              <a:latin typeface="Segoe UI" panose="020B0502040204020203" pitchFamily="34" charset="0"/>
+              <a:cs typeface="Segoe UI" panose="020B0502040204020203" pitchFamily="34" charset="0"/>
+            </a:endParaRPr>
+          </a:p>
+        </p:txBody>
+      </p:sp>
+      <p:cxnSp>
+        <p:nvCxnSpPr>
+          <p:cNvPr id="49" name="Connector: Elbow 48">
+            <a:extLst>
+              <a:ext uri="{FF2B5EF4-FFF2-40B4-BE49-F238E27FC236}">
+                <a16:creationId xmlns:a16="http://schemas.microsoft.com/office/drawing/2014/main" id="{57D9D2CF-99AB-458A-B845-A4243D00C0FB}"/>
+              </a:ext>
+            </a:extLst>
+          </p:cNvPr>
+          <p:cNvCxnSpPr>
+            <a:cxnSpLocks/>
+            <a:endCxn id="47" idx="4"/>
+          </p:cNvCxnSpPr>
+          <p:nvPr/>
+        </p:nvCxnSpPr>
+        <p:spPr>
+          <a:xfrm>
+            <a:off x="1528943" y="4000024"/>
+            <a:ext cx="6669619" cy="2594914"/>
+          </a:xfrm>
+          <a:prstGeom prst="bentConnector4">
+            <a:avLst>
+              <a:gd name="adj1" fmla="val 51"/>
+              <a:gd name="adj2" fmla="val 108810"/>
+            </a:avLst>
+          </a:prstGeom>
+          <a:ln w="19050">
+            <a:headEnd type="triangle" w="med" len="med"/>
+            <a:tailEnd type="none" w="med" len="med"/>
+          </a:ln>
+        </p:spPr>
+        <p:style>
+          <a:lnRef idx="1">
+            <a:schemeClr val="accent2"/>
+          </a:lnRef>
+          <a:fillRef idx="0">
+            <a:schemeClr val="accent2"/>
+          </a:fillRef>
+          <a:effectRef idx="0">
+            <a:schemeClr val="accent2"/>
+          </a:effectRef>
+          <a:fontRef idx="minor">
+            <a:schemeClr val="tx1"/>
+          </a:fontRef>
+        </p:style>
+      </p:cxnSp>
+      <p:cxnSp>
+        <p:nvCxnSpPr>
+          <p:cNvPr id="52" name="Connector: Elbow 51">
+            <a:extLst>
+              <a:ext uri="{FF2B5EF4-FFF2-40B4-BE49-F238E27FC236}">
+                <a16:creationId xmlns:a16="http://schemas.microsoft.com/office/drawing/2014/main" id="{001679F7-952C-40EF-BAEB-65F90155B5F7}"/>
+              </a:ext>
+            </a:extLst>
+          </p:cNvPr>
+          <p:cNvCxnSpPr>
+            <a:cxnSpLocks/>
+            <a:stCxn id="60" idx="4"/>
+            <a:endCxn id="46" idx="2"/>
+          </p:cNvCxnSpPr>
+          <p:nvPr/>
+        </p:nvCxnSpPr>
+        <p:spPr>
+          <a:xfrm rot="5400000">
+            <a:off x="5307947" y="3300940"/>
+            <a:ext cx="1307802" cy="4259374"/>
+          </a:xfrm>
+          <a:prstGeom prst="bentConnector3">
+            <a:avLst>
+              <a:gd name="adj1" fmla="val 76948"/>
+            </a:avLst>
+          </a:prstGeom>
+          <a:ln w="19050">
+            <a:headEnd type="none" w="med" len="med"/>
+            <a:tailEnd type="triangle" w="med" len="med"/>
+          </a:ln>
+        </p:spPr>
+        <p:style>
+          <a:lnRef idx="1">
+            <a:schemeClr val="accent2"/>
+          </a:lnRef>
+          <a:fillRef idx="0">
+            <a:schemeClr val="accent2"/>
+          </a:fillRef>
+          <a:effectRef idx="0">
+            <a:schemeClr val="accent2"/>
+          </a:effectRef>
+          <a:fontRef idx="minor">
+            <a:schemeClr val="tx1"/>
+          </a:fontRef>
+        </p:style>
+      </p:cxnSp>
+      <p:cxnSp>
+        <p:nvCxnSpPr>
+          <p:cNvPr id="55" name="Connector: Elbow 54">
+            <a:extLst>
+              <a:ext uri="{FF2B5EF4-FFF2-40B4-BE49-F238E27FC236}">
+                <a16:creationId xmlns:a16="http://schemas.microsoft.com/office/drawing/2014/main" id="{D860A77D-5643-4970-8D96-02CB26E2E383}"/>
+              </a:ext>
+            </a:extLst>
+          </p:cNvPr>
+          <p:cNvCxnSpPr>
+            <a:cxnSpLocks/>
+            <a:stCxn id="78" idx="4"/>
+          </p:cNvCxnSpPr>
+          <p:nvPr/>
+        </p:nvCxnSpPr>
+        <p:spPr>
+          <a:xfrm rot="5400000">
+            <a:off x="3135728" y="5302302"/>
+            <a:ext cx="1290708" cy="273749"/>
+          </a:xfrm>
+          <a:prstGeom prst="bentConnector3">
+            <a:avLst>
+              <a:gd name="adj1" fmla="val 50000"/>
+            </a:avLst>
+          </a:prstGeom>
+          <a:ln w="19050">
+            <a:headEnd type="none" w="med" len="med"/>
+            <a:tailEnd type="triangle" w="med" len="med"/>
+          </a:ln>
+        </p:spPr>
+        <p:style>
+          <a:lnRef idx="1">
+            <a:schemeClr val="accent2"/>
+          </a:lnRef>
+          <a:fillRef idx="0">
+            <a:schemeClr val="accent2"/>
+          </a:fillRef>
+          <a:effectRef idx="0">
+            <a:schemeClr val="accent2"/>
+          </a:effectRef>
+          <a:fontRef idx="minor">
+            <a:schemeClr val="tx1"/>
+          </a:fontRef>
+        </p:style>
+      </p:cxnSp>
+      <p:cxnSp>
+        <p:nvCxnSpPr>
+          <p:cNvPr id="66" name="Connector: Elbow 65">
+            <a:extLst>
+              <a:ext uri="{FF2B5EF4-FFF2-40B4-BE49-F238E27FC236}">
+                <a16:creationId xmlns:a16="http://schemas.microsoft.com/office/drawing/2014/main" id="{D4C01B76-68C0-4274-91F2-A1942F699194}"/>
+              </a:ext>
+            </a:extLst>
+          </p:cNvPr>
+          <p:cNvCxnSpPr>
+            <a:cxnSpLocks/>
+          </p:cNvCxnSpPr>
+          <p:nvPr/>
+        </p:nvCxnSpPr>
+        <p:spPr>
+          <a:xfrm rot="5400000">
+            <a:off x="8135920" y="4260975"/>
+            <a:ext cx="2472806" cy="2195121"/>
+          </a:xfrm>
+          <a:prstGeom prst="bentConnector3">
+            <a:avLst>
+              <a:gd name="adj1" fmla="val 108366"/>
+            </a:avLst>
+          </a:prstGeom>
+          <a:ln w="19050">
+            <a:headEnd type="triangle" w="med" len="med"/>
+            <a:tailEnd type="none" w="med" len="med"/>
+          </a:ln>
+        </p:spPr>
+        <p:style>
+          <a:lnRef idx="1">
+            <a:schemeClr val="accent2"/>
+          </a:lnRef>
+          <a:fillRef idx="0">
+            <a:schemeClr val="accent2"/>
+          </a:fillRef>
+          <a:effectRef idx="0">
+            <a:schemeClr val="accent2"/>
+          </a:effectRef>
+          <a:fontRef idx="minor">
+            <a:schemeClr val="tx1"/>
+          </a:fontRef>
+        </p:style>
+      </p:cxnSp>
+    </p:spTree>
+    <p:extLst>
+      <p:ext uri="{BB962C8B-B14F-4D97-AF65-F5344CB8AC3E}">
+        <p14:creationId xmlns:p14="http://schemas.microsoft.com/office/powerpoint/2010/main" val="764383943"/>
+      </p:ext>
+    </p:extLst>
+  </p:cSld>
+  <p:clrMapOvr>
+    <a:masterClrMapping/>
+  </p:clrMapOvr>
+</p:sld>
+</file>
+
+<file path=ppt/slides/slide12.xml><?xml version="1.0" encoding="utf-8"?>
+<p:sld xmlns:a="http://schemas.openxmlformats.org/drawingml/2006/main" xmlns:r="http://schemas.openxmlformats.org/officeDocument/2006/relationships" xmlns:p="http://schemas.openxmlformats.org/presentationml/2006/main">
+  <p:cSld>
+    <p:spTree>
+      <p:nvGrpSpPr>
+        <p:cNvPr id="1" name=""/>
+        <p:cNvGrpSpPr/>
+        <p:nvPr/>
+      </p:nvGrpSpPr>
+      <p:grpSpPr>
+        <a:xfrm>
+          <a:off x="0" y="0"/>
+          <a:ext cx="0" cy="0"/>
+          <a:chOff x="0" y="0"/>
+          <a:chExt cx="0" cy="0"/>
+        </a:xfrm>
+      </p:grpSpPr>
+      <p:sp>
+        <p:nvSpPr>
+          <p:cNvPr id="52" name="Rectangle: Rounded Corners 51">
+            <a:extLst>
+              <a:ext uri="{FF2B5EF4-FFF2-40B4-BE49-F238E27FC236}">
+                <a16:creationId xmlns:a16="http://schemas.microsoft.com/office/drawing/2014/main" id="{463BB116-A28A-4992-B8A5-DD95A19A08CD}"/>
+              </a:ext>
+            </a:extLst>
+          </p:cNvPr>
+          <p:cNvSpPr/>
+          <p:nvPr/>
+        </p:nvSpPr>
+        <p:spPr>
+          <a:xfrm>
+            <a:off x="76200" y="685799"/>
+            <a:ext cx="11801475" cy="4906397"/>
+          </a:xfrm>
+          <a:prstGeom prst="roundRect">
+            <a:avLst/>
+          </a:prstGeom>
+          <a:solidFill>
+            <a:schemeClr val="accent3">
+              <a:lumMod val="60000"/>
+              <a:lumOff val="40000"/>
+            </a:schemeClr>
+          </a:solidFill>
+          <a:ln>
+            <a:noFill/>
+          </a:ln>
+        </p:spPr>
+        <p:style>
+          <a:lnRef idx="2">
+            <a:schemeClr val="accent1">
+              <a:shade val="50000"/>
+            </a:schemeClr>
+          </a:lnRef>
+          <a:fillRef idx="1">
+            <a:schemeClr val="accent1"/>
+          </a:fillRef>
+          <a:effectRef idx="0">
+            <a:schemeClr val="accent1"/>
+          </a:effectRef>
+          <a:fontRef idx="minor">
+            <a:schemeClr val="lt1"/>
+          </a:fontRef>
+        </p:style>
+        <p:txBody>
+          <a:bodyPr rtlCol="0" anchor="ctr"/>
+          <a:lstStyle/>
+          <a:p>
+            <a:pPr algn="ctr"/>
+            <a:endParaRPr lang="en-IN" dirty="0">
+              <a:latin typeface="Segoe UI" panose="020B0502040204020203" pitchFamily="34" charset="0"/>
+              <a:cs typeface="Segoe UI" panose="020B0502040204020203" pitchFamily="34" charset="0"/>
+            </a:endParaRPr>
+          </a:p>
+        </p:txBody>
+      </p:sp>
+      <p:sp>
+        <p:nvSpPr>
+          <p:cNvPr id="54" name="Rectangle: Rounded Corners 53">
+            <a:extLst>
+              <a:ext uri="{FF2B5EF4-FFF2-40B4-BE49-F238E27FC236}">
+                <a16:creationId xmlns:a16="http://schemas.microsoft.com/office/drawing/2014/main" id="{720AAA10-F57F-4A47-97C9-721231148DDB}"/>
+              </a:ext>
+            </a:extLst>
+          </p:cNvPr>
+          <p:cNvSpPr/>
+          <p:nvPr/>
+        </p:nvSpPr>
+        <p:spPr>
+          <a:xfrm>
+            <a:off x="6733429" y="1015219"/>
+            <a:ext cx="5394379" cy="4567738"/>
+          </a:xfrm>
+          <a:prstGeom prst="roundRect">
+            <a:avLst/>
+          </a:prstGeom>
+          <a:solidFill>
+            <a:schemeClr val="accent3">
+              <a:lumMod val="40000"/>
+              <a:lumOff val="60000"/>
+            </a:schemeClr>
+          </a:solidFill>
+          <a:ln>
+            <a:noFill/>
+          </a:ln>
+        </p:spPr>
+        <p:style>
+          <a:lnRef idx="2">
+            <a:schemeClr val="accent1">
+              <a:shade val="50000"/>
+            </a:schemeClr>
+          </a:lnRef>
+          <a:fillRef idx="1">
+            <a:schemeClr val="accent1"/>
+          </a:fillRef>
+          <a:effectRef idx="0">
+            <a:schemeClr val="accent1"/>
+          </a:effectRef>
+          <a:fontRef idx="minor">
+            <a:schemeClr val="lt1"/>
+          </a:fontRef>
+        </p:style>
+        <p:txBody>
+          <a:bodyPr rtlCol="0" anchor="ctr"/>
+          <a:lstStyle/>
+          <a:p>
+            <a:pPr algn="ctr"/>
+            <a:endParaRPr lang="en-IN" dirty="0">
+              <a:latin typeface="Segoe UI" panose="020B0502040204020203" pitchFamily="34" charset="0"/>
+              <a:cs typeface="Segoe UI" panose="020B0502040204020203" pitchFamily="34" charset="0"/>
+            </a:endParaRPr>
+          </a:p>
+        </p:txBody>
+      </p:sp>
+      <p:sp>
+        <p:nvSpPr>
+          <p:cNvPr id="55" name="Rectangle: Rounded Corners 54">
+            <a:extLst>
+              <a:ext uri="{FF2B5EF4-FFF2-40B4-BE49-F238E27FC236}">
+                <a16:creationId xmlns:a16="http://schemas.microsoft.com/office/drawing/2014/main" id="{76A31B8A-363E-4555-93AD-CCB1D7C25881}"/>
+              </a:ext>
+            </a:extLst>
+          </p:cNvPr>
+          <p:cNvSpPr/>
+          <p:nvPr/>
+        </p:nvSpPr>
+        <p:spPr>
+          <a:xfrm>
+            <a:off x="6995027" y="1352802"/>
+            <a:ext cx="4917787" cy="4182530"/>
+          </a:xfrm>
+          <a:prstGeom prst="roundRect">
+            <a:avLst/>
+          </a:prstGeom>
+          <a:solidFill>
+            <a:schemeClr val="accent3">
+              <a:lumMod val="20000"/>
+              <a:lumOff val="80000"/>
+            </a:schemeClr>
+          </a:solidFill>
+          <a:ln>
+            <a:noFill/>
+          </a:ln>
+        </p:spPr>
+        <p:style>
+          <a:lnRef idx="2">
+            <a:schemeClr val="accent1">
+              <a:shade val="50000"/>
+            </a:schemeClr>
+          </a:lnRef>
+          <a:fillRef idx="1">
+            <a:schemeClr val="accent1"/>
+          </a:fillRef>
+          <a:effectRef idx="0">
+            <a:schemeClr val="accent1"/>
+          </a:effectRef>
+          <a:fontRef idx="minor">
+            <a:schemeClr val="lt1"/>
+          </a:fontRef>
+        </p:style>
+        <p:txBody>
+          <a:bodyPr rtlCol="0" anchor="ctr"/>
+          <a:lstStyle/>
+          <a:p>
+            <a:pPr algn="ctr"/>
+            <a:endParaRPr lang="en-IN" dirty="0">
+              <a:latin typeface="Segoe UI" panose="020B0502040204020203" pitchFamily="34" charset="0"/>
+              <a:cs typeface="Segoe UI" panose="020B0502040204020203" pitchFamily="34" charset="0"/>
+            </a:endParaRPr>
+          </a:p>
+        </p:txBody>
+      </p:sp>
+      <p:sp>
+        <p:nvSpPr>
+          <p:cNvPr id="90" name="Rectangle: Rounded Corners 89">
+            <a:extLst>
+              <a:ext uri="{FF2B5EF4-FFF2-40B4-BE49-F238E27FC236}">
+                <a16:creationId xmlns:a16="http://schemas.microsoft.com/office/drawing/2014/main" id="{5E662926-440E-47BB-9409-CA914CF71A5C}"/>
+              </a:ext>
+            </a:extLst>
+          </p:cNvPr>
+          <p:cNvSpPr/>
+          <p:nvPr/>
+        </p:nvSpPr>
+        <p:spPr>
+          <a:xfrm>
+            <a:off x="266700" y="932948"/>
+            <a:ext cx="5394379" cy="4567738"/>
+          </a:xfrm>
+          <a:prstGeom prst="roundRect">
+            <a:avLst/>
+          </a:prstGeom>
+          <a:solidFill>
+            <a:schemeClr val="accent3">
+              <a:lumMod val="40000"/>
+              <a:lumOff val="60000"/>
+            </a:schemeClr>
+          </a:solidFill>
+          <a:ln>
+            <a:noFill/>
+          </a:ln>
+        </p:spPr>
+        <p:style>
+          <a:lnRef idx="2">
+            <a:schemeClr val="accent1">
+              <a:shade val="50000"/>
+            </a:schemeClr>
+          </a:lnRef>
+          <a:fillRef idx="1">
+            <a:schemeClr val="accent1"/>
+          </a:fillRef>
+          <a:effectRef idx="0">
+            <a:schemeClr val="accent1"/>
+          </a:effectRef>
+          <a:fontRef idx="minor">
+            <a:schemeClr val="lt1"/>
+          </a:fontRef>
+        </p:style>
+        <p:txBody>
+          <a:bodyPr rtlCol="0" anchor="ctr"/>
+          <a:lstStyle/>
+          <a:p>
+            <a:pPr algn="ctr"/>
+            <a:endParaRPr lang="en-IN" dirty="0">
+              <a:latin typeface="Segoe UI" panose="020B0502040204020203" pitchFamily="34" charset="0"/>
+              <a:cs typeface="Segoe UI" panose="020B0502040204020203" pitchFamily="34" charset="0"/>
+            </a:endParaRPr>
+          </a:p>
+        </p:txBody>
+      </p:sp>
+      <p:sp>
+        <p:nvSpPr>
+          <p:cNvPr id="89" name="Rectangle: Rounded Corners 88">
+            <a:extLst>
+              <a:ext uri="{FF2B5EF4-FFF2-40B4-BE49-F238E27FC236}">
+                <a16:creationId xmlns:a16="http://schemas.microsoft.com/office/drawing/2014/main" id="{2C29E075-A922-45D5-B997-1E1CFDE53603}"/>
+              </a:ext>
+            </a:extLst>
+          </p:cNvPr>
+          <p:cNvSpPr/>
+          <p:nvPr/>
+        </p:nvSpPr>
+        <p:spPr>
+          <a:xfrm>
+            <a:off x="528299" y="5760595"/>
+            <a:ext cx="10962004" cy="1066129"/>
+          </a:xfrm>
+          <a:prstGeom prst="roundRect">
+            <a:avLst/>
+          </a:prstGeom>
+          <a:solidFill>
+            <a:schemeClr val="accent4">
+              <a:lumMod val="20000"/>
+              <a:lumOff val="80000"/>
+            </a:schemeClr>
+          </a:solidFill>
+          <a:ln>
+            <a:noFill/>
+          </a:ln>
+        </p:spPr>
+        <p:style>
+          <a:lnRef idx="2">
+            <a:schemeClr val="accent1">
+              <a:shade val="50000"/>
+            </a:schemeClr>
+          </a:lnRef>
+          <a:fillRef idx="1">
+            <a:schemeClr val="accent1"/>
+          </a:fillRef>
+          <a:effectRef idx="0">
+            <a:schemeClr val="accent1"/>
+          </a:effectRef>
+          <a:fontRef idx="minor">
+            <a:schemeClr val="lt1"/>
+          </a:fontRef>
+        </p:style>
+        <p:txBody>
+          <a:bodyPr rtlCol="0" anchor="ctr"/>
+          <a:lstStyle/>
+          <a:p>
+            <a:pPr algn="ctr"/>
+            <a:endParaRPr lang="en-IN" dirty="0">
+              <a:latin typeface="Segoe UI" panose="020B0502040204020203" pitchFamily="34" charset="0"/>
+              <a:cs typeface="Segoe UI" panose="020B0502040204020203" pitchFamily="34" charset="0"/>
+            </a:endParaRPr>
+          </a:p>
+        </p:txBody>
+      </p:sp>
+      <p:sp>
+        <p:nvSpPr>
+          <p:cNvPr id="10" name="Rectangle: Rounded Corners 9">
+            <a:extLst>
+              <a:ext uri="{FF2B5EF4-FFF2-40B4-BE49-F238E27FC236}">
+                <a16:creationId xmlns:a16="http://schemas.microsoft.com/office/drawing/2014/main" id="{64DC03ED-3E0D-4A1E-A2F7-4547D34BDA11}"/>
+              </a:ext>
+            </a:extLst>
+          </p:cNvPr>
+          <p:cNvSpPr/>
+          <p:nvPr/>
+        </p:nvSpPr>
+        <p:spPr>
+          <a:xfrm>
+            <a:off x="528298" y="1270531"/>
+            <a:ext cx="4917787" cy="4182530"/>
+          </a:xfrm>
+          <a:prstGeom prst="roundRect">
+            <a:avLst/>
+          </a:prstGeom>
+          <a:solidFill>
+            <a:schemeClr val="accent3">
+              <a:lumMod val="20000"/>
+              <a:lumOff val="80000"/>
+            </a:schemeClr>
+          </a:solidFill>
+          <a:ln>
+            <a:noFill/>
+          </a:ln>
+        </p:spPr>
+        <p:style>
+          <a:lnRef idx="2">
+            <a:schemeClr val="accent1">
+              <a:shade val="50000"/>
+            </a:schemeClr>
+          </a:lnRef>
+          <a:fillRef idx="1">
+            <a:schemeClr val="accent1"/>
+          </a:fillRef>
+          <a:effectRef idx="0">
+            <a:schemeClr val="accent1"/>
+          </a:effectRef>
+          <a:fontRef idx="minor">
+            <a:schemeClr val="lt1"/>
+          </a:fontRef>
+        </p:style>
+        <p:txBody>
+          <a:bodyPr rtlCol="0" anchor="ctr"/>
+          <a:lstStyle/>
+          <a:p>
+            <a:pPr algn="ctr"/>
+            <a:endParaRPr lang="en-IN" dirty="0">
+              <a:latin typeface="Segoe UI" panose="020B0502040204020203" pitchFamily="34" charset="0"/>
+              <a:cs typeface="Segoe UI" panose="020B0502040204020203" pitchFamily="34" charset="0"/>
+            </a:endParaRPr>
+          </a:p>
+        </p:txBody>
+      </p:sp>
+      <p:sp>
+        <p:nvSpPr>
+          <p:cNvPr id="4" name="Rectangle: Rounded Corners 3">
+            <a:extLst>
+              <a:ext uri="{FF2B5EF4-FFF2-40B4-BE49-F238E27FC236}">
+                <a16:creationId xmlns:a16="http://schemas.microsoft.com/office/drawing/2014/main" id="{80432144-D0B7-43DC-B0C9-AC8C9C9B5155}"/>
+              </a:ext>
+            </a:extLst>
+          </p:cNvPr>
+          <p:cNvSpPr/>
+          <p:nvPr/>
+        </p:nvSpPr>
+        <p:spPr>
+          <a:xfrm>
+            <a:off x="2242583" y="59851"/>
+            <a:ext cx="911382" cy="793750"/>
+          </a:xfrm>
+          <a:prstGeom prst="roundRect">
+            <a:avLst/>
+          </a:prstGeom>
+          <a:solidFill>
+            <a:schemeClr val="accent6">
+              <a:lumMod val="60000"/>
+              <a:lumOff val="40000"/>
+            </a:schemeClr>
+          </a:solidFill>
+        </p:spPr>
+        <p:style>
+          <a:lnRef idx="0">
+            <a:schemeClr val="accent5"/>
+          </a:lnRef>
+          <a:fillRef idx="3">
+            <a:schemeClr val="accent5"/>
+          </a:fillRef>
+          <a:effectRef idx="3">
+            <a:schemeClr val="accent5"/>
+          </a:effectRef>
+          <a:fontRef idx="minor">
+            <a:schemeClr val="lt1"/>
+          </a:fontRef>
+        </p:style>
+        <p:txBody>
+          <a:bodyPr rtlCol="0" anchor="ctr"/>
+          <a:lstStyle/>
+          <a:p>
+            <a:pPr algn="ctr"/>
+            <a:r>
+              <a:rPr lang="en-IN" sz="1600" dirty="0">
+                <a:latin typeface="Segoe UI" panose="020B0502040204020203" pitchFamily="34" charset="0"/>
+                <a:cs typeface="Segoe UI" panose="020B0502040204020203" pitchFamily="34" charset="0"/>
+              </a:rPr>
+              <a:t>Socket Client</a:t>
+            </a:r>
+          </a:p>
+        </p:txBody>
+      </p:sp>
+      <p:sp>
+        <p:nvSpPr>
+          <p:cNvPr id="5" name="Rectangle: Rounded Corners 4">
+            <a:extLst>
+              <a:ext uri="{FF2B5EF4-FFF2-40B4-BE49-F238E27FC236}">
+                <a16:creationId xmlns:a16="http://schemas.microsoft.com/office/drawing/2014/main" id="{0473BE43-4A8F-4968-A86A-132EBA32E177}"/>
+              </a:ext>
+            </a:extLst>
+          </p:cNvPr>
+          <p:cNvSpPr/>
+          <p:nvPr/>
+        </p:nvSpPr>
+        <p:spPr>
+          <a:xfrm>
+            <a:off x="2013268" y="1338264"/>
+            <a:ext cx="1370012" cy="1209675"/>
+          </a:xfrm>
+          <a:prstGeom prst="roundRect">
+            <a:avLst/>
+          </a:prstGeom>
+          <a:solidFill>
+            <a:schemeClr val="accent2">
+              <a:lumMod val="60000"/>
+              <a:lumOff val="40000"/>
+            </a:schemeClr>
+          </a:solidFill>
+        </p:spPr>
+        <p:style>
+          <a:lnRef idx="0">
+            <a:schemeClr val="accent5"/>
+          </a:lnRef>
+          <a:fillRef idx="3">
+            <a:schemeClr val="accent5"/>
+          </a:fillRef>
+          <a:effectRef idx="3">
+            <a:schemeClr val="accent5"/>
+          </a:effectRef>
+          <a:fontRef idx="minor">
+            <a:schemeClr val="lt1"/>
+          </a:fontRef>
+        </p:style>
+        <p:txBody>
+          <a:bodyPr rtlCol="0" anchor="ctr"/>
+          <a:lstStyle/>
+          <a:p>
+            <a:pPr algn="ctr"/>
+            <a:r>
+              <a:rPr lang="en-IN" dirty="0">
+                <a:latin typeface="Segoe UI" panose="020B0502040204020203" pitchFamily="34" charset="0"/>
+                <a:cs typeface="Segoe UI" panose="020B0502040204020203" pitchFamily="34" charset="0"/>
+              </a:rPr>
+              <a:t>Socket Session</a:t>
+            </a:r>
+          </a:p>
+        </p:txBody>
+      </p:sp>
+      <p:sp>
+        <p:nvSpPr>
+          <p:cNvPr id="7" name="Cylinder 6">
+            <a:extLst>
+              <a:ext uri="{FF2B5EF4-FFF2-40B4-BE49-F238E27FC236}">
+                <a16:creationId xmlns:a16="http://schemas.microsoft.com/office/drawing/2014/main" id="{CA61AFFB-ADDF-462E-8714-2D33425157FF}"/>
+              </a:ext>
+            </a:extLst>
+          </p:cNvPr>
+          <p:cNvSpPr/>
+          <p:nvPr/>
+        </p:nvSpPr>
+        <p:spPr>
+          <a:xfrm rot="5400000">
+            <a:off x="1414532" y="4092020"/>
+            <a:ext cx="523875" cy="1923900"/>
+          </a:xfrm>
+          <a:prstGeom prst="can">
+            <a:avLst/>
+          </a:prstGeom>
+        </p:spPr>
+        <p:style>
+          <a:lnRef idx="0">
+            <a:schemeClr val="accent5"/>
+          </a:lnRef>
+          <a:fillRef idx="3">
+            <a:schemeClr val="accent5"/>
+          </a:fillRef>
+          <a:effectRef idx="3">
+            <a:schemeClr val="accent5"/>
+          </a:effectRef>
+          <a:fontRef idx="minor">
+            <a:schemeClr val="lt1"/>
+          </a:fontRef>
+        </p:style>
+        <p:txBody>
+          <a:bodyPr vert="vert270" rtlCol="0" anchor="ctr"/>
+          <a:lstStyle/>
+          <a:p>
+            <a:pPr algn="ctr"/>
+            <a:r>
+              <a:rPr lang="en-IN" dirty="0">
+                <a:latin typeface="Segoe UI" panose="020B0502040204020203" pitchFamily="34" charset="0"/>
+                <a:cs typeface="Segoe UI" panose="020B0502040204020203" pitchFamily="34" charset="0"/>
+              </a:rPr>
+              <a:t>Subscribe Channel  </a:t>
+            </a:r>
+          </a:p>
+        </p:txBody>
+      </p:sp>
+      <p:sp>
+        <p:nvSpPr>
+          <p:cNvPr id="16" name="Rectangle: Rounded Corners 15">
+            <a:extLst>
+              <a:ext uri="{FF2B5EF4-FFF2-40B4-BE49-F238E27FC236}">
+                <a16:creationId xmlns:a16="http://schemas.microsoft.com/office/drawing/2014/main" id="{A96A5840-F1F7-4050-9486-9140C8A1BD32}"/>
+              </a:ext>
+            </a:extLst>
+          </p:cNvPr>
+          <p:cNvSpPr/>
+          <p:nvPr/>
+        </p:nvSpPr>
+        <p:spPr>
+          <a:xfrm>
+            <a:off x="701697" y="3078481"/>
+            <a:ext cx="1654492" cy="616744"/>
+          </a:xfrm>
+          <a:prstGeom prst="roundRect">
+            <a:avLst/>
+          </a:prstGeom>
+        </p:spPr>
+        <p:style>
+          <a:lnRef idx="0">
+            <a:schemeClr val="accent5"/>
+          </a:lnRef>
+          <a:fillRef idx="3">
+            <a:schemeClr val="accent5"/>
+          </a:fillRef>
+          <a:effectRef idx="3">
+            <a:schemeClr val="accent5"/>
+          </a:effectRef>
+          <a:fontRef idx="minor">
+            <a:schemeClr val="lt1"/>
+          </a:fontRef>
+        </p:style>
+        <p:txBody>
+          <a:bodyPr rtlCol="0" anchor="ctr"/>
+          <a:lstStyle/>
+          <a:p>
+            <a:pPr algn="ctr"/>
+            <a:r>
+              <a:rPr lang="en-IN" sz="1600" dirty="0">
+                <a:latin typeface="Segoe UI" panose="020B0502040204020203" pitchFamily="34" charset="0"/>
+                <a:cs typeface="Segoe UI" panose="020B0502040204020203" pitchFamily="34" charset="0"/>
+              </a:rPr>
+              <a:t>Outbound Flux</a:t>
+            </a:r>
+          </a:p>
+        </p:txBody>
+      </p:sp>
+      <p:cxnSp>
+        <p:nvCxnSpPr>
+          <p:cNvPr id="43" name="Straight Arrow Connector 42">
+            <a:extLst>
+              <a:ext uri="{FF2B5EF4-FFF2-40B4-BE49-F238E27FC236}">
+                <a16:creationId xmlns:a16="http://schemas.microsoft.com/office/drawing/2014/main" id="{A298E753-97F6-47ED-8AB1-1DE9A333811A}"/>
+              </a:ext>
+            </a:extLst>
+          </p:cNvPr>
+          <p:cNvCxnSpPr>
+            <a:cxnSpLocks/>
+            <a:endCxn id="16" idx="2"/>
+          </p:cNvCxnSpPr>
+          <p:nvPr/>
+        </p:nvCxnSpPr>
+        <p:spPr>
+          <a:xfrm flipV="1">
+            <a:off x="1528943" y="3695225"/>
+            <a:ext cx="0" cy="1150016"/>
+          </a:xfrm>
+          <a:prstGeom prst="straightConnector1">
+            <a:avLst/>
+          </a:prstGeom>
+          <a:ln w="19050">
+            <a:tailEnd type="triangle"/>
+          </a:ln>
+        </p:spPr>
+        <p:style>
+          <a:lnRef idx="1">
+            <a:schemeClr val="accent2"/>
+          </a:lnRef>
+          <a:fillRef idx="0">
+            <a:schemeClr val="accent2"/>
+          </a:fillRef>
+          <a:effectRef idx="0">
+            <a:schemeClr val="accent2"/>
+          </a:effectRef>
+          <a:fontRef idx="minor">
+            <a:schemeClr val="tx1"/>
+          </a:fontRef>
+        </p:style>
+      </p:cxnSp>
+      <p:cxnSp>
+        <p:nvCxnSpPr>
+          <p:cNvPr id="58" name="Straight Arrow Connector 57">
+            <a:extLst>
+              <a:ext uri="{FF2B5EF4-FFF2-40B4-BE49-F238E27FC236}">
+                <a16:creationId xmlns:a16="http://schemas.microsoft.com/office/drawing/2014/main" id="{9948B1C8-578E-43DC-AC7F-F1EBB88286B9}"/>
+              </a:ext>
+            </a:extLst>
+          </p:cNvPr>
+          <p:cNvCxnSpPr>
+            <a:cxnSpLocks/>
+          </p:cNvCxnSpPr>
+          <p:nvPr/>
+        </p:nvCxnSpPr>
+        <p:spPr>
+          <a:xfrm>
+            <a:off x="8091535" y="4405251"/>
+            <a:ext cx="0" cy="386780"/>
+          </a:xfrm>
+          <a:prstGeom prst="straightConnector1">
+            <a:avLst/>
+          </a:prstGeom>
+          <a:ln w="19050">
+            <a:tailEnd type="triangle"/>
+          </a:ln>
+        </p:spPr>
+        <p:style>
+          <a:lnRef idx="1">
+            <a:schemeClr val="accent2"/>
+          </a:lnRef>
+          <a:fillRef idx="0">
+            <a:schemeClr val="accent2"/>
+          </a:fillRef>
+          <a:effectRef idx="0">
+            <a:schemeClr val="accent2"/>
+          </a:effectRef>
+          <a:fontRef idx="minor">
+            <a:schemeClr val="tx1"/>
+          </a:fontRef>
+        </p:style>
+      </p:cxnSp>
+      <p:sp>
+        <p:nvSpPr>
+          <p:cNvPr id="59" name="Oval 58">
+            <a:extLst>
+              <a:ext uri="{FF2B5EF4-FFF2-40B4-BE49-F238E27FC236}">
+                <a16:creationId xmlns:a16="http://schemas.microsoft.com/office/drawing/2014/main" id="{626321BE-B281-46EB-AC93-279F75EF18A0}"/>
+              </a:ext>
+            </a:extLst>
+          </p:cNvPr>
+          <p:cNvSpPr/>
+          <p:nvPr/>
+        </p:nvSpPr>
+        <p:spPr>
+          <a:xfrm>
+            <a:off x="7914011" y="3884337"/>
+            <a:ext cx="334728" cy="203119"/>
+          </a:xfrm>
+          <a:prstGeom prst="ellipse">
+            <a:avLst/>
+          </a:prstGeom>
+        </p:spPr>
+        <p:style>
+          <a:lnRef idx="0">
+            <a:schemeClr val="accent5"/>
+          </a:lnRef>
+          <a:fillRef idx="3">
+            <a:schemeClr val="accent5"/>
+          </a:fillRef>
+          <a:effectRef idx="3">
+            <a:schemeClr val="accent5"/>
+          </a:effectRef>
+          <a:fontRef idx="minor">
+            <a:schemeClr val="lt1"/>
+          </a:fontRef>
+        </p:style>
+        <p:txBody>
+          <a:bodyPr rtlCol="0" anchor="ctr"/>
+          <a:lstStyle/>
+          <a:p>
+            <a:pPr algn="ctr"/>
+            <a:endParaRPr lang="en-IN">
+              <a:latin typeface="Segoe UI" panose="020B0502040204020203" pitchFamily="34" charset="0"/>
+              <a:cs typeface="Segoe UI" panose="020B0502040204020203" pitchFamily="34" charset="0"/>
+            </a:endParaRPr>
+          </a:p>
+        </p:txBody>
+      </p:sp>
+      <p:sp>
+        <p:nvSpPr>
+          <p:cNvPr id="60" name="Oval 59">
+            <a:extLst>
+              <a:ext uri="{FF2B5EF4-FFF2-40B4-BE49-F238E27FC236}">
+                <a16:creationId xmlns:a16="http://schemas.microsoft.com/office/drawing/2014/main" id="{C2EAC74F-F12C-46E2-A9F7-4FE5B6F896C6}"/>
+              </a:ext>
+            </a:extLst>
+          </p:cNvPr>
+          <p:cNvSpPr/>
+          <p:nvPr/>
+        </p:nvSpPr>
+        <p:spPr>
+          <a:xfrm>
+            <a:off x="7924171" y="4268807"/>
+            <a:ext cx="334728" cy="203119"/>
+          </a:xfrm>
+          <a:prstGeom prst="ellipse">
+            <a:avLst/>
+          </a:prstGeom>
+        </p:spPr>
+        <p:style>
+          <a:lnRef idx="0">
+            <a:schemeClr val="accent5"/>
+          </a:lnRef>
+          <a:fillRef idx="3">
+            <a:schemeClr val="accent5"/>
+          </a:fillRef>
+          <a:effectRef idx="3">
+            <a:schemeClr val="accent5"/>
+          </a:effectRef>
+          <a:fontRef idx="minor">
+            <a:schemeClr val="lt1"/>
+          </a:fontRef>
+        </p:style>
+        <p:txBody>
+          <a:bodyPr rtlCol="0" anchor="ctr"/>
+          <a:lstStyle/>
+          <a:p>
+            <a:pPr algn="ctr"/>
+            <a:endParaRPr lang="en-IN">
+              <a:latin typeface="Segoe UI" panose="020B0502040204020203" pitchFamily="34" charset="0"/>
+              <a:cs typeface="Segoe UI" panose="020B0502040204020203" pitchFamily="34" charset="0"/>
+            </a:endParaRPr>
+          </a:p>
+        </p:txBody>
+      </p:sp>
+      <p:sp>
+        <p:nvSpPr>
+          <p:cNvPr id="61" name="Cylinder 60">
+            <a:extLst>
+              <a:ext uri="{FF2B5EF4-FFF2-40B4-BE49-F238E27FC236}">
+                <a16:creationId xmlns:a16="http://schemas.microsoft.com/office/drawing/2014/main" id="{AA1080D0-BCC8-4152-982B-63651F00B963}"/>
+              </a:ext>
+            </a:extLst>
+          </p:cNvPr>
+          <p:cNvSpPr/>
+          <p:nvPr/>
+        </p:nvSpPr>
+        <p:spPr>
+          <a:xfrm>
+            <a:off x="6003996" y="3664299"/>
+            <a:ext cx="944701" cy="643193"/>
+          </a:xfrm>
+          <a:prstGeom prst="can">
+            <a:avLst/>
+          </a:prstGeom>
+        </p:spPr>
+        <p:style>
+          <a:lnRef idx="0">
+            <a:schemeClr val="accent5"/>
+          </a:lnRef>
+          <a:fillRef idx="3">
+            <a:schemeClr val="accent5"/>
+          </a:fillRef>
+          <a:effectRef idx="3">
+            <a:schemeClr val="accent5"/>
+          </a:effectRef>
+          <a:fontRef idx="minor">
+            <a:schemeClr val="lt1"/>
+          </a:fontRef>
+        </p:style>
+        <p:txBody>
+          <a:bodyPr rtlCol="0" anchor="ctr"/>
+          <a:lstStyle/>
+          <a:p>
+            <a:pPr algn="ctr"/>
+            <a:r>
+              <a:rPr lang="en-IN" sz="1200" dirty="0">
+                <a:latin typeface="Segoe UI" panose="020B0502040204020203" pitchFamily="34" charset="0"/>
+                <a:cs typeface="Segoe UI" panose="020B0502040204020203" pitchFamily="34" charset="0"/>
+              </a:rPr>
+              <a:t>Socket Session DB</a:t>
+            </a:r>
+          </a:p>
+        </p:txBody>
+      </p:sp>
+      <p:cxnSp>
+        <p:nvCxnSpPr>
+          <p:cNvPr id="62" name="Straight Arrow Connector 61">
+            <a:extLst>
+              <a:ext uri="{FF2B5EF4-FFF2-40B4-BE49-F238E27FC236}">
+                <a16:creationId xmlns:a16="http://schemas.microsoft.com/office/drawing/2014/main" id="{3093FA57-C721-403A-8AFF-F6B43966E2A9}"/>
+              </a:ext>
+            </a:extLst>
+          </p:cNvPr>
+          <p:cNvCxnSpPr>
+            <a:cxnSpLocks/>
+            <a:stCxn id="59" idx="2"/>
+            <a:endCxn id="61" idx="4"/>
+          </p:cNvCxnSpPr>
+          <p:nvPr/>
+        </p:nvCxnSpPr>
+        <p:spPr>
+          <a:xfrm flipH="1" flipV="1">
+            <a:off x="6948697" y="3985896"/>
+            <a:ext cx="965314" cy="1"/>
+          </a:xfrm>
+          <a:prstGeom prst="straightConnector1">
+            <a:avLst/>
+          </a:prstGeom>
+          <a:ln w="19050">
+            <a:tailEnd type="triangle"/>
+          </a:ln>
+        </p:spPr>
+        <p:style>
+          <a:lnRef idx="1">
+            <a:schemeClr val="accent2"/>
+          </a:lnRef>
+          <a:fillRef idx="0">
+            <a:schemeClr val="accent2"/>
+          </a:fillRef>
+          <a:effectRef idx="0">
+            <a:schemeClr val="accent2"/>
+          </a:effectRef>
+          <a:fontRef idx="minor">
+            <a:schemeClr val="tx1"/>
+          </a:fontRef>
+        </p:style>
+      </p:cxnSp>
+      <p:cxnSp>
+        <p:nvCxnSpPr>
+          <p:cNvPr id="63" name="Straight Arrow Connector 62">
+            <a:extLst>
+              <a:ext uri="{FF2B5EF4-FFF2-40B4-BE49-F238E27FC236}">
+                <a16:creationId xmlns:a16="http://schemas.microsoft.com/office/drawing/2014/main" id="{55D61280-AE32-415F-987C-BF784D4EEF1A}"/>
+              </a:ext>
+            </a:extLst>
+          </p:cNvPr>
+          <p:cNvCxnSpPr>
+            <a:cxnSpLocks/>
+            <a:endCxn id="59" idx="0"/>
+          </p:cNvCxnSpPr>
+          <p:nvPr/>
+        </p:nvCxnSpPr>
+        <p:spPr>
+          <a:xfrm>
+            <a:off x="8078711" y="3740944"/>
+            <a:ext cx="2664" cy="143393"/>
+          </a:xfrm>
+          <a:prstGeom prst="straightConnector1">
+            <a:avLst/>
+          </a:prstGeom>
+          <a:ln w="19050">
+            <a:tailEnd type="triangle"/>
+          </a:ln>
+        </p:spPr>
+        <p:style>
+          <a:lnRef idx="1">
+            <a:schemeClr val="accent2"/>
+          </a:lnRef>
+          <a:fillRef idx="0">
+            <a:schemeClr val="accent2"/>
+          </a:fillRef>
+          <a:effectRef idx="0">
+            <a:schemeClr val="accent2"/>
+          </a:effectRef>
+          <a:fontRef idx="minor">
+            <a:schemeClr val="tx1"/>
+          </a:fontRef>
+        </p:style>
+      </p:cxnSp>
+      <p:cxnSp>
+        <p:nvCxnSpPr>
+          <p:cNvPr id="64" name="Straight Arrow Connector 63">
+            <a:extLst>
+              <a:ext uri="{FF2B5EF4-FFF2-40B4-BE49-F238E27FC236}">
+                <a16:creationId xmlns:a16="http://schemas.microsoft.com/office/drawing/2014/main" id="{6E03D7BA-7990-48DE-990D-8AA0CD59C55A}"/>
+              </a:ext>
+            </a:extLst>
+          </p:cNvPr>
+          <p:cNvCxnSpPr>
+            <a:cxnSpLocks/>
+            <a:stCxn id="59" idx="4"/>
+            <a:endCxn id="60" idx="0"/>
+          </p:cNvCxnSpPr>
+          <p:nvPr/>
+        </p:nvCxnSpPr>
+        <p:spPr>
+          <a:xfrm>
+            <a:off x="8081375" y="4087456"/>
+            <a:ext cx="10160" cy="181351"/>
+          </a:xfrm>
+          <a:prstGeom prst="straightConnector1">
+            <a:avLst/>
+          </a:prstGeom>
+          <a:ln w="19050">
+            <a:tailEnd type="triangle"/>
+          </a:ln>
+        </p:spPr>
+        <p:style>
+          <a:lnRef idx="1">
+            <a:schemeClr val="accent2"/>
+          </a:lnRef>
+          <a:fillRef idx="0">
+            <a:schemeClr val="accent2"/>
+          </a:fillRef>
+          <a:effectRef idx="0">
+            <a:schemeClr val="accent2"/>
+          </a:effectRef>
+          <a:fontRef idx="minor">
+            <a:schemeClr val="tx1"/>
+          </a:fontRef>
+        </p:style>
+      </p:cxnSp>
+      <p:cxnSp>
+        <p:nvCxnSpPr>
+          <p:cNvPr id="65" name="Straight Arrow Connector 64">
+            <a:extLst>
+              <a:ext uri="{FF2B5EF4-FFF2-40B4-BE49-F238E27FC236}">
+                <a16:creationId xmlns:a16="http://schemas.microsoft.com/office/drawing/2014/main" id="{8EC22292-00C4-4ED1-BD0D-4D23CB1D418C}"/>
+              </a:ext>
+            </a:extLst>
+          </p:cNvPr>
+          <p:cNvCxnSpPr>
+            <a:cxnSpLocks/>
+            <a:endCxn id="158" idx="2"/>
+          </p:cNvCxnSpPr>
+          <p:nvPr/>
+        </p:nvCxnSpPr>
+        <p:spPr>
+          <a:xfrm flipV="1">
+            <a:off x="10393683" y="3817332"/>
+            <a:ext cx="0" cy="1027909"/>
+          </a:xfrm>
+          <a:prstGeom prst="straightConnector1">
+            <a:avLst/>
+          </a:prstGeom>
+          <a:ln w="19050">
+            <a:tailEnd type="triangle"/>
+          </a:ln>
+        </p:spPr>
+        <p:style>
+          <a:lnRef idx="1">
+            <a:schemeClr val="accent2"/>
+          </a:lnRef>
+          <a:fillRef idx="0">
+            <a:schemeClr val="accent2"/>
+          </a:fillRef>
+          <a:effectRef idx="0">
+            <a:schemeClr val="accent2"/>
+          </a:effectRef>
+          <a:fontRef idx="minor">
+            <a:schemeClr val="tx1"/>
+          </a:fontRef>
+        </p:style>
+      </p:cxnSp>
+      <p:sp>
+        <p:nvSpPr>
+          <p:cNvPr id="74" name="Rectangle: Rounded Corners 73">
+            <a:extLst>
+              <a:ext uri="{FF2B5EF4-FFF2-40B4-BE49-F238E27FC236}">
+                <a16:creationId xmlns:a16="http://schemas.microsoft.com/office/drawing/2014/main" id="{86D7ECCF-D162-45E2-826E-3DE4C6FD88DC}"/>
+              </a:ext>
+            </a:extLst>
+          </p:cNvPr>
+          <p:cNvSpPr/>
+          <p:nvPr/>
+        </p:nvSpPr>
+        <p:spPr>
+          <a:xfrm>
+            <a:off x="3077886" y="3141296"/>
+            <a:ext cx="1654492" cy="616744"/>
+          </a:xfrm>
+          <a:prstGeom prst="roundRect">
+            <a:avLst/>
+          </a:prstGeom>
+        </p:spPr>
+        <p:style>
+          <a:lnRef idx="0">
+            <a:schemeClr val="accent5"/>
+          </a:lnRef>
+          <a:fillRef idx="3">
+            <a:schemeClr val="accent5"/>
+          </a:fillRef>
+          <a:effectRef idx="3">
+            <a:schemeClr val="accent5"/>
+          </a:effectRef>
+          <a:fontRef idx="minor">
+            <a:schemeClr val="lt1"/>
+          </a:fontRef>
+        </p:style>
+        <p:txBody>
+          <a:bodyPr rtlCol="0" anchor="ctr"/>
+          <a:lstStyle/>
+          <a:p>
+            <a:pPr algn="ctr"/>
+            <a:r>
+              <a:rPr lang="en-IN" sz="1600" dirty="0">
+                <a:latin typeface="Segoe UI" panose="020B0502040204020203" pitchFamily="34" charset="0"/>
+                <a:cs typeface="Segoe UI" panose="020B0502040204020203" pitchFamily="34" charset="0"/>
+              </a:rPr>
+              <a:t>Inbound Flux</a:t>
+            </a:r>
+          </a:p>
+        </p:txBody>
+      </p:sp>
+      <p:cxnSp>
+        <p:nvCxnSpPr>
+          <p:cNvPr id="76" name="Straight Arrow Connector 75">
+            <a:extLst>
+              <a:ext uri="{FF2B5EF4-FFF2-40B4-BE49-F238E27FC236}">
+                <a16:creationId xmlns:a16="http://schemas.microsoft.com/office/drawing/2014/main" id="{4D203AF1-8960-4E83-83F5-4AB7E64F4C39}"/>
+              </a:ext>
+            </a:extLst>
+          </p:cNvPr>
+          <p:cNvCxnSpPr>
+            <a:cxnSpLocks/>
+          </p:cNvCxnSpPr>
+          <p:nvPr/>
+        </p:nvCxnSpPr>
+        <p:spPr>
+          <a:xfrm>
+            <a:off x="3917956" y="4422347"/>
+            <a:ext cx="0" cy="369684"/>
+          </a:xfrm>
+          <a:prstGeom prst="straightConnector1">
+            <a:avLst/>
+          </a:prstGeom>
+          <a:ln w="19050">
+            <a:tailEnd type="triangle"/>
+          </a:ln>
+        </p:spPr>
+        <p:style>
+          <a:lnRef idx="1">
+            <a:schemeClr val="accent2"/>
+          </a:lnRef>
+          <a:fillRef idx="0">
+            <a:schemeClr val="accent2"/>
+          </a:fillRef>
+          <a:effectRef idx="0">
+            <a:schemeClr val="accent2"/>
+          </a:effectRef>
+          <a:fontRef idx="minor">
+            <a:schemeClr val="tx1"/>
+          </a:fontRef>
+        </p:style>
+      </p:cxnSp>
+      <p:sp>
+        <p:nvSpPr>
+          <p:cNvPr id="77" name="Oval 76">
+            <a:extLst>
+              <a:ext uri="{FF2B5EF4-FFF2-40B4-BE49-F238E27FC236}">
+                <a16:creationId xmlns:a16="http://schemas.microsoft.com/office/drawing/2014/main" id="{09F5A7B3-FC21-40B6-BD34-DB13462D0E46}"/>
+              </a:ext>
+            </a:extLst>
+          </p:cNvPr>
+          <p:cNvSpPr/>
+          <p:nvPr/>
+        </p:nvSpPr>
+        <p:spPr>
+          <a:xfrm>
+            <a:off x="3740432" y="3901433"/>
+            <a:ext cx="334728" cy="203119"/>
+          </a:xfrm>
+          <a:prstGeom prst="ellipse">
+            <a:avLst/>
+          </a:prstGeom>
+        </p:spPr>
+        <p:style>
+          <a:lnRef idx="0">
+            <a:schemeClr val="accent5"/>
+          </a:lnRef>
+          <a:fillRef idx="3">
+            <a:schemeClr val="accent5"/>
+          </a:fillRef>
+          <a:effectRef idx="3">
+            <a:schemeClr val="accent5"/>
+          </a:effectRef>
+          <a:fontRef idx="minor">
+            <a:schemeClr val="lt1"/>
+          </a:fontRef>
+        </p:style>
+        <p:txBody>
+          <a:bodyPr rtlCol="0" anchor="ctr"/>
+          <a:lstStyle/>
+          <a:p>
+            <a:pPr algn="ctr"/>
+            <a:endParaRPr lang="en-IN">
+              <a:latin typeface="Segoe UI" panose="020B0502040204020203" pitchFamily="34" charset="0"/>
+              <a:cs typeface="Segoe UI" panose="020B0502040204020203" pitchFamily="34" charset="0"/>
+            </a:endParaRPr>
+          </a:p>
+        </p:txBody>
+      </p:sp>
+      <p:sp>
+        <p:nvSpPr>
+          <p:cNvPr id="78" name="Oval 77">
+            <a:extLst>
+              <a:ext uri="{FF2B5EF4-FFF2-40B4-BE49-F238E27FC236}">
+                <a16:creationId xmlns:a16="http://schemas.microsoft.com/office/drawing/2014/main" id="{2B860D40-658A-41B4-A160-F8B02C3C7BE4}"/>
+              </a:ext>
+            </a:extLst>
+          </p:cNvPr>
+          <p:cNvSpPr/>
+          <p:nvPr/>
+        </p:nvSpPr>
+        <p:spPr>
+          <a:xfrm>
+            <a:off x="3750592" y="4285903"/>
+            <a:ext cx="334728" cy="203119"/>
+          </a:xfrm>
+          <a:prstGeom prst="ellipse">
+            <a:avLst/>
+          </a:prstGeom>
+        </p:spPr>
+        <p:style>
+          <a:lnRef idx="0">
+            <a:schemeClr val="accent5"/>
+          </a:lnRef>
+          <a:fillRef idx="3">
+            <a:schemeClr val="accent5"/>
+          </a:fillRef>
+          <a:effectRef idx="3">
+            <a:schemeClr val="accent5"/>
+          </a:effectRef>
+          <a:fontRef idx="minor">
+            <a:schemeClr val="lt1"/>
+          </a:fontRef>
+        </p:style>
+        <p:txBody>
+          <a:bodyPr rtlCol="0" anchor="ctr"/>
+          <a:lstStyle/>
+          <a:p>
+            <a:pPr algn="ctr"/>
+            <a:endParaRPr lang="en-IN">
+              <a:latin typeface="Segoe UI" panose="020B0502040204020203" pitchFamily="34" charset="0"/>
+              <a:cs typeface="Segoe UI" panose="020B0502040204020203" pitchFamily="34" charset="0"/>
+            </a:endParaRPr>
+          </a:p>
+        </p:txBody>
+      </p:sp>
+      <p:cxnSp>
+        <p:nvCxnSpPr>
+          <p:cNvPr id="80" name="Straight Arrow Connector 79">
+            <a:extLst>
+              <a:ext uri="{FF2B5EF4-FFF2-40B4-BE49-F238E27FC236}">
+                <a16:creationId xmlns:a16="http://schemas.microsoft.com/office/drawing/2014/main" id="{29018953-0A47-4E2D-9298-0D5774852978}"/>
+              </a:ext>
+            </a:extLst>
+          </p:cNvPr>
+          <p:cNvCxnSpPr>
+            <a:cxnSpLocks/>
+            <a:stCxn id="77" idx="6"/>
+            <a:endCxn id="61" idx="2"/>
+          </p:cNvCxnSpPr>
+          <p:nvPr/>
+        </p:nvCxnSpPr>
+        <p:spPr>
+          <a:xfrm flipV="1">
+            <a:off x="4075160" y="3985896"/>
+            <a:ext cx="1928836" cy="17097"/>
+          </a:xfrm>
+          <a:prstGeom prst="straightConnector1">
+            <a:avLst/>
+          </a:prstGeom>
+          <a:ln w="19050">
+            <a:tailEnd type="triangle"/>
+          </a:ln>
+        </p:spPr>
+        <p:style>
+          <a:lnRef idx="1">
+            <a:schemeClr val="accent2"/>
+          </a:lnRef>
+          <a:fillRef idx="0">
+            <a:schemeClr val="accent2"/>
+          </a:fillRef>
+          <a:effectRef idx="0">
+            <a:schemeClr val="accent2"/>
+          </a:effectRef>
+          <a:fontRef idx="minor">
+            <a:schemeClr val="tx1"/>
+          </a:fontRef>
+        </p:style>
+      </p:cxnSp>
+      <p:cxnSp>
+        <p:nvCxnSpPr>
+          <p:cNvPr id="81" name="Straight Arrow Connector 80">
+            <a:extLst>
+              <a:ext uri="{FF2B5EF4-FFF2-40B4-BE49-F238E27FC236}">
+                <a16:creationId xmlns:a16="http://schemas.microsoft.com/office/drawing/2014/main" id="{1EA5CBCD-41FE-4BC4-84B3-DD2B69096672}"/>
+              </a:ext>
+            </a:extLst>
+          </p:cNvPr>
+          <p:cNvCxnSpPr>
+            <a:cxnSpLocks/>
+            <a:stCxn id="74" idx="2"/>
+            <a:endCxn id="77" idx="0"/>
+          </p:cNvCxnSpPr>
+          <p:nvPr/>
+        </p:nvCxnSpPr>
+        <p:spPr>
+          <a:xfrm>
+            <a:off x="3905132" y="3758040"/>
+            <a:ext cx="2664" cy="143393"/>
+          </a:xfrm>
+          <a:prstGeom prst="straightConnector1">
+            <a:avLst/>
+          </a:prstGeom>
+          <a:ln w="19050">
+            <a:tailEnd type="triangle"/>
+          </a:ln>
+        </p:spPr>
+        <p:style>
+          <a:lnRef idx="1">
+            <a:schemeClr val="accent2"/>
+          </a:lnRef>
+          <a:fillRef idx="0">
+            <a:schemeClr val="accent2"/>
+          </a:fillRef>
+          <a:effectRef idx="0">
+            <a:schemeClr val="accent2"/>
+          </a:effectRef>
+          <a:fontRef idx="minor">
+            <a:schemeClr val="tx1"/>
+          </a:fontRef>
+        </p:style>
+      </p:cxnSp>
+      <p:cxnSp>
+        <p:nvCxnSpPr>
+          <p:cNvPr id="82" name="Straight Arrow Connector 81">
+            <a:extLst>
+              <a:ext uri="{FF2B5EF4-FFF2-40B4-BE49-F238E27FC236}">
+                <a16:creationId xmlns:a16="http://schemas.microsoft.com/office/drawing/2014/main" id="{F907522C-BF4B-4234-A1B3-48892DC526E4}"/>
+              </a:ext>
+            </a:extLst>
+          </p:cNvPr>
+          <p:cNvCxnSpPr>
+            <a:cxnSpLocks/>
+            <a:stCxn id="77" idx="4"/>
+            <a:endCxn id="78" idx="0"/>
+          </p:cNvCxnSpPr>
+          <p:nvPr/>
+        </p:nvCxnSpPr>
+        <p:spPr>
+          <a:xfrm>
+            <a:off x="3907796" y="4104552"/>
+            <a:ext cx="10160" cy="181351"/>
+          </a:xfrm>
+          <a:prstGeom prst="straightConnector1">
+            <a:avLst/>
+          </a:prstGeom>
+          <a:ln w="19050">
+            <a:tailEnd type="triangle"/>
+          </a:ln>
+        </p:spPr>
+        <p:style>
+          <a:lnRef idx="1">
+            <a:schemeClr val="accent2"/>
+          </a:lnRef>
+          <a:fillRef idx="0">
+            <a:schemeClr val="accent2"/>
+          </a:fillRef>
+          <a:effectRef idx="0">
+            <a:schemeClr val="accent2"/>
+          </a:effectRef>
+          <a:fontRef idx="minor">
+            <a:schemeClr val="tx1"/>
+          </a:fontRef>
+        </p:style>
+      </p:cxnSp>
+      <p:cxnSp>
+        <p:nvCxnSpPr>
+          <p:cNvPr id="103" name="Connector: Elbow 102">
+            <a:extLst>
+              <a:ext uri="{FF2B5EF4-FFF2-40B4-BE49-F238E27FC236}">
+                <a16:creationId xmlns:a16="http://schemas.microsoft.com/office/drawing/2014/main" id="{7515F49E-5692-44DB-BA97-8ED9554B2D4E}"/>
+              </a:ext>
+            </a:extLst>
+          </p:cNvPr>
+          <p:cNvCxnSpPr>
+            <a:cxnSpLocks/>
+            <a:stCxn id="4" idx="3"/>
+            <a:endCxn id="5" idx="3"/>
+          </p:cNvCxnSpPr>
+          <p:nvPr/>
+        </p:nvCxnSpPr>
+        <p:spPr>
+          <a:xfrm>
+            <a:off x="3153965" y="456726"/>
+            <a:ext cx="229315" cy="1486376"/>
+          </a:xfrm>
+          <a:prstGeom prst="bentConnector3">
+            <a:avLst>
+              <a:gd name="adj1" fmla="val 199688"/>
+            </a:avLst>
+          </a:prstGeom>
+          <a:ln w="19050">
+            <a:tailEnd type="triangle"/>
+          </a:ln>
+        </p:spPr>
+        <p:style>
+          <a:lnRef idx="1">
+            <a:schemeClr val="accent2"/>
+          </a:lnRef>
+          <a:fillRef idx="0">
+            <a:schemeClr val="accent2"/>
+          </a:fillRef>
+          <a:effectRef idx="0">
+            <a:schemeClr val="accent2"/>
+          </a:effectRef>
+          <a:fontRef idx="minor">
+            <a:schemeClr val="tx1"/>
+          </a:fontRef>
+        </p:style>
+      </p:cxnSp>
+      <p:cxnSp>
+        <p:nvCxnSpPr>
+          <p:cNvPr id="105" name="Connector: Elbow 104">
+            <a:extLst>
+              <a:ext uri="{FF2B5EF4-FFF2-40B4-BE49-F238E27FC236}">
+                <a16:creationId xmlns:a16="http://schemas.microsoft.com/office/drawing/2014/main" id="{AEFC444C-CDC3-4C20-B5A1-FD9E822CDB82}"/>
+              </a:ext>
+            </a:extLst>
+          </p:cNvPr>
+          <p:cNvCxnSpPr>
+            <a:cxnSpLocks/>
+            <a:endCxn id="16" idx="0"/>
+          </p:cNvCxnSpPr>
+          <p:nvPr/>
+        </p:nvCxnSpPr>
+        <p:spPr>
+          <a:xfrm rot="5400000">
+            <a:off x="1284698" y="2349907"/>
+            <a:ext cx="972819" cy="484328"/>
+          </a:xfrm>
+          <a:prstGeom prst="bentConnector3">
+            <a:avLst>
+              <a:gd name="adj1" fmla="val -130"/>
+            </a:avLst>
+          </a:prstGeom>
+          <a:ln w="19050">
+            <a:headEnd type="triangle" w="med" len="med"/>
+            <a:tailEnd type="none" w="med" len="med"/>
+          </a:ln>
+        </p:spPr>
+        <p:style>
+          <a:lnRef idx="1">
+            <a:schemeClr val="accent2"/>
+          </a:lnRef>
+          <a:fillRef idx="0">
+            <a:schemeClr val="accent2"/>
+          </a:fillRef>
+          <a:effectRef idx="0">
+            <a:schemeClr val="accent2"/>
+          </a:effectRef>
+          <a:fontRef idx="minor">
+            <a:schemeClr val="tx1"/>
+          </a:fontRef>
+        </p:style>
+      </p:cxnSp>
+      <p:cxnSp>
+        <p:nvCxnSpPr>
+          <p:cNvPr id="114" name="Connector: Elbow 113">
+            <a:extLst>
+              <a:ext uri="{FF2B5EF4-FFF2-40B4-BE49-F238E27FC236}">
+                <a16:creationId xmlns:a16="http://schemas.microsoft.com/office/drawing/2014/main" id="{79B4FC4A-CD43-4AD9-B112-E34A8ACCA3C7}"/>
+              </a:ext>
+            </a:extLst>
+          </p:cNvPr>
+          <p:cNvCxnSpPr>
+            <a:cxnSpLocks/>
+            <a:endCxn id="74" idx="0"/>
+          </p:cNvCxnSpPr>
+          <p:nvPr/>
+        </p:nvCxnSpPr>
+        <p:spPr>
+          <a:xfrm rot="16200000" flipH="1">
+            <a:off x="3090829" y="2326993"/>
+            <a:ext cx="1106754" cy="521852"/>
+          </a:xfrm>
+          <a:prstGeom prst="bentConnector3">
+            <a:avLst>
+              <a:gd name="adj1" fmla="val 7772"/>
+            </a:avLst>
+          </a:prstGeom>
+          <a:ln w="19050">
+            <a:tailEnd type="triangle"/>
+          </a:ln>
+        </p:spPr>
+        <p:style>
+          <a:lnRef idx="1">
+            <a:schemeClr val="accent2"/>
+          </a:lnRef>
+          <a:fillRef idx="0">
+            <a:schemeClr val="accent2"/>
+          </a:fillRef>
+          <a:effectRef idx="0">
+            <a:schemeClr val="accent2"/>
+          </a:effectRef>
+          <a:fontRef idx="minor">
+            <a:schemeClr val="tx1"/>
+          </a:fontRef>
+        </p:style>
+      </p:cxnSp>
+      <p:cxnSp>
+        <p:nvCxnSpPr>
+          <p:cNvPr id="120" name="Connector: Elbow 119">
+            <a:extLst>
+              <a:ext uri="{FF2B5EF4-FFF2-40B4-BE49-F238E27FC236}">
+                <a16:creationId xmlns:a16="http://schemas.microsoft.com/office/drawing/2014/main" id="{4A531A50-5A06-4639-B8BE-C5BE5084D01B}"/>
+              </a:ext>
+            </a:extLst>
+          </p:cNvPr>
+          <p:cNvCxnSpPr>
+            <a:cxnSpLocks/>
+            <a:stCxn id="5" idx="1"/>
+            <a:endCxn id="4" idx="1"/>
+          </p:cNvCxnSpPr>
+          <p:nvPr/>
+        </p:nvCxnSpPr>
+        <p:spPr>
+          <a:xfrm rot="10800000" flipH="1">
+            <a:off x="2013267" y="456726"/>
+            <a:ext cx="229315" cy="1486376"/>
+          </a:xfrm>
+          <a:prstGeom prst="bentConnector3">
+            <a:avLst>
+              <a:gd name="adj1" fmla="val -99688"/>
+            </a:avLst>
+          </a:prstGeom>
+          <a:ln w="19050">
+            <a:tailEnd type="triangle"/>
+          </a:ln>
+        </p:spPr>
+        <p:style>
+          <a:lnRef idx="1">
+            <a:schemeClr val="accent2"/>
+          </a:lnRef>
+          <a:fillRef idx="0">
+            <a:schemeClr val="accent2"/>
+          </a:fillRef>
+          <a:effectRef idx="0">
+            <a:schemeClr val="accent2"/>
+          </a:effectRef>
+          <a:fontRef idx="minor">
+            <a:schemeClr val="tx1"/>
+          </a:fontRef>
+        </p:style>
+      </p:cxnSp>
+      <p:sp>
+        <p:nvSpPr>
+          <p:cNvPr id="155" name="Rectangle: Rounded Corners 154">
+            <a:extLst>
+              <a:ext uri="{FF2B5EF4-FFF2-40B4-BE49-F238E27FC236}">
+                <a16:creationId xmlns:a16="http://schemas.microsoft.com/office/drawing/2014/main" id="{C252D29B-3AB2-4C3C-B907-829BF03533F6}"/>
+              </a:ext>
+            </a:extLst>
+          </p:cNvPr>
+          <p:cNvSpPr/>
+          <p:nvPr/>
+        </p:nvSpPr>
+        <p:spPr>
+          <a:xfrm>
+            <a:off x="8731134" y="119143"/>
+            <a:ext cx="911382" cy="793750"/>
+          </a:xfrm>
+          <a:prstGeom prst="roundRect">
+            <a:avLst/>
+          </a:prstGeom>
+          <a:solidFill>
+            <a:schemeClr val="accent6">
+              <a:lumMod val="60000"/>
+              <a:lumOff val="40000"/>
+            </a:schemeClr>
+          </a:solidFill>
+        </p:spPr>
+        <p:style>
+          <a:lnRef idx="0">
+            <a:schemeClr val="accent5"/>
+          </a:lnRef>
+          <a:fillRef idx="3">
+            <a:schemeClr val="accent5"/>
+          </a:fillRef>
+          <a:effectRef idx="3">
+            <a:schemeClr val="accent5"/>
+          </a:effectRef>
+          <a:fontRef idx="minor">
+            <a:schemeClr val="lt1"/>
+          </a:fontRef>
+        </p:style>
+        <p:txBody>
+          <a:bodyPr rtlCol="0" anchor="ctr"/>
+          <a:lstStyle/>
+          <a:p>
+            <a:pPr algn="ctr"/>
+            <a:r>
+              <a:rPr lang="en-IN" sz="1600" dirty="0">
+                <a:latin typeface="Segoe UI" panose="020B0502040204020203" pitchFamily="34" charset="0"/>
+                <a:cs typeface="Segoe UI" panose="020B0502040204020203" pitchFamily="34" charset="0"/>
+              </a:rPr>
+              <a:t>Socket Client</a:t>
+            </a:r>
+          </a:p>
+        </p:txBody>
+      </p:sp>
+      <p:sp>
+        <p:nvSpPr>
+          <p:cNvPr id="156" name="Rectangle: Rounded Corners 155">
+            <a:extLst>
+              <a:ext uri="{FF2B5EF4-FFF2-40B4-BE49-F238E27FC236}">
+                <a16:creationId xmlns:a16="http://schemas.microsoft.com/office/drawing/2014/main" id="{4F5950D1-F650-42FC-92A5-FA5B526B9F7A}"/>
+              </a:ext>
+            </a:extLst>
+          </p:cNvPr>
+          <p:cNvSpPr/>
+          <p:nvPr/>
+        </p:nvSpPr>
+        <p:spPr>
+          <a:xfrm>
+            <a:off x="8501819" y="1397556"/>
+            <a:ext cx="1370012" cy="1209675"/>
+          </a:xfrm>
+          <a:prstGeom prst="roundRect">
+            <a:avLst/>
+          </a:prstGeom>
+          <a:solidFill>
+            <a:schemeClr val="accent2">
+              <a:lumMod val="60000"/>
+              <a:lumOff val="40000"/>
+            </a:schemeClr>
+          </a:solidFill>
+        </p:spPr>
+        <p:style>
+          <a:lnRef idx="0">
+            <a:schemeClr val="accent5"/>
+          </a:lnRef>
+          <a:fillRef idx="3">
+            <a:schemeClr val="accent5"/>
+          </a:fillRef>
+          <a:effectRef idx="3">
+            <a:schemeClr val="accent5"/>
+          </a:effectRef>
+          <a:fontRef idx="minor">
+            <a:schemeClr val="lt1"/>
+          </a:fontRef>
+        </p:style>
+        <p:txBody>
+          <a:bodyPr rtlCol="0" anchor="ctr"/>
+          <a:lstStyle/>
+          <a:p>
+            <a:pPr algn="ctr"/>
+            <a:r>
+              <a:rPr lang="en-IN" dirty="0">
+                <a:latin typeface="Segoe UI" panose="020B0502040204020203" pitchFamily="34" charset="0"/>
+                <a:cs typeface="Segoe UI" panose="020B0502040204020203" pitchFamily="34" charset="0"/>
+              </a:rPr>
+              <a:t>Socket Session</a:t>
+            </a:r>
+          </a:p>
+        </p:txBody>
+      </p:sp>
+      <p:sp>
+        <p:nvSpPr>
+          <p:cNvPr id="157" name="Rectangle: Rounded Corners 156">
+            <a:extLst>
+              <a:ext uri="{FF2B5EF4-FFF2-40B4-BE49-F238E27FC236}">
+                <a16:creationId xmlns:a16="http://schemas.microsoft.com/office/drawing/2014/main" id="{50B00332-3E41-4256-A448-6C44453F737A}"/>
+              </a:ext>
+            </a:extLst>
+          </p:cNvPr>
+          <p:cNvSpPr/>
+          <p:nvPr/>
+        </p:nvSpPr>
+        <p:spPr>
+          <a:xfrm>
+            <a:off x="7190248" y="3137773"/>
+            <a:ext cx="1654492" cy="616744"/>
+          </a:xfrm>
+          <a:prstGeom prst="roundRect">
+            <a:avLst/>
+          </a:prstGeom>
+        </p:spPr>
+        <p:style>
+          <a:lnRef idx="0">
+            <a:schemeClr val="accent5"/>
+          </a:lnRef>
+          <a:fillRef idx="3">
+            <a:schemeClr val="accent5"/>
+          </a:fillRef>
+          <a:effectRef idx="3">
+            <a:schemeClr val="accent5"/>
+          </a:effectRef>
+          <a:fontRef idx="minor">
+            <a:schemeClr val="lt1"/>
+          </a:fontRef>
+        </p:style>
+        <p:txBody>
+          <a:bodyPr rtlCol="0" anchor="ctr"/>
+          <a:lstStyle/>
+          <a:p>
+            <a:pPr algn="ctr"/>
+            <a:r>
+              <a:rPr lang="en-IN" sz="1600" dirty="0">
+                <a:latin typeface="Segoe UI" panose="020B0502040204020203" pitchFamily="34" charset="0"/>
+                <a:cs typeface="Segoe UI" panose="020B0502040204020203" pitchFamily="34" charset="0"/>
+              </a:rPr>
+              <a:t>Inbound Flux</a:t>
+            </a:r>
+          </a:p>
+        </p:txBody>
+      </p:sp>
+      <p:sp>
+        <p:nvSpPr>
+          <p:cNvPr id="158" name="Rectangle: Rounded Corners 157">
+            <a:extLst>
+              <a:ext uri="{FF2B5EF4-FFF2-40B4-BE49-F238E27FC236}">
+                <a16:creationId xmlns:a16="http://schemas.microsoft.com/office/drawing/2014/main" id="{7FFAD682-0836-4503-AB3E-6DC251AACC16}"/>
+              </a:ext>
+            </a:extLst>
+          </p:cNvPr>
+          <p:cNvSpPr/>
+          <p:nvPr/>
+        </p:nvSpPr>
+        <p:spPr>
+          <a:xfrm>
+            <a:off x="9566437" y="3200588"/>
+            <a:ext cx="1654492" cy="616744"/>
+          </a:xfrm>
+          <a:prstGeom prst="roundRect">
+            <a:avLst/>
+          </a:prstGeom>
+        </p:spPr>
+        <p:style>
+          <a:lnRef idx="0">
+            <a:schemeClr val="accent5"/>
+          </a:lnRef>
+          <a:fillRef idx="3">
+            <a:schemeClr val="accent5"/>
+          </a:fillRef>
+          <a:effectRef idx="3">
+            <a:schemeClr val="accent5"/>
+          </a:effectRef>
+          <a:fontRef idx="minor">
+            <a:schemeClr val="lt1"/>
+          </a:fontRef>
+        </p:style>
+        <p:txBody>
+          <a:bodyPr rtlCol="0" anchor="ctr"/>
+          <a:lstStyle/>
+          <a:p>
+            <a:pPr algn="ctr"/>
+            <a:r>
+              <a:rPr lang="en-IN" sz="1600" dirty="0">
+                <a:latin typeface="Segoe UI" panose="020B0502040204020203" pitchFamily="34" charset="0"/>
+                <a:cs typeface="Segoe UI" panose="020B0502040204020203" pitchFamily="34" charset="0"/>
+              </a:rPr>
+              <a:t>Outbound Flux</a:t>
+            </a:r>
+          </a:p>
+        </p:txBody>
+      </p:sp>
+      <p:cxnSp>
+        <p:nvCxnSpPr>
+          <p:cNvPr id="159" name="Connector: Elbow 158">
+            <a:extLst>
+              <a:ext uri="{FF2B5EF4-FFF2-40B4-BE49-F238E27FC236}">
+                <a16:creationId xmlns:a16="http://schemas.microsoft.com/office/drawing/2014/main" id="{80CB9C3A-5EAB-4E1E-BF1D-46A43D775677}"/>
+              </a:ext>
+            </a:extLst>
+          </p:cNvPr>
+          <p:cNvCxnSpPr>
+            <a:cxnSpLocks/>
+            <a:stCxn id="155" idx="3"/>
+            <a:endCxn id="156" idx="3"/>
+          </p:cNvCxnSpPr>
+          <p:nvPr/>
+        </p:nvCxnSpPr>
+        <p:spPr>
+          <a:xfrm>
+            <a:off x="9642516" y="516018"/>
+            <a:ext cx="229315" cy="1486376"/>
+          </a:xfrm>
+          <a:prstGeom prst="bentConnector3">
+            <a:avLst>
+              <a:gd name="adj1" fmla="val 199688"/>
+            </a:avLst>
+          </a:prstGeom>
+          <a:ln w="19050">
+            <a:headEnd type="triangle" w="med" len="med"/>
+            <a:tailEnd type="none" w="med" len="med"/>
+          </a:ln>
+        </p:spPr>
+        <p:style>
+          <a:lnRef idx="1">
+            <a:schemeClr val="accent2"/>
+          </a:lnRef>
+          <a:fillRef idx="0">
+            <a:schemeClr val="accent2"/>
+          </a:fillRef>
+          <a:effectRef idx="0">
+            <a:schemeClr val="accent2"/>
+          </a:effectRef>
+          <a:fontRef idx="minor">
+            <a:schemeClr val="tx1"/>
+          </a:fontRef>
+        </p:style>
+      </p:cxnSp>
+      <p:cxnSp>
+        <p:nvCxnSpPr>
+          <p:cNvPr id="160" name="Connector: Elbow 159">
+            <a:extLst>
+              <a:ext uri="{FF2B5EF4-FFF2-40B4-BE49-F238E27FC236}">
+                <a16:creationId xmlns:a16="http://schemas.microsoft.com/office/drawing/2014/main" id="{6374CE98-BDB1-4E9A-AC6C-C2CAAA3351E3}"/>
+              </a:ext>
+            </a:extLst>
+          </p:cNvPr>
+          <p:cNvCxnSpPr>
+            <a:cxnSpLocks/>
+            <a:endCxn id="157" idx="0"/>
+          </p:cNvCxnSpPr>
+          <p:nvPr/>
+        </p:nvCxnSpPr>
+        <p:spPr>
+          <a:xfrm rot="5400000">
+            <a:off x="7773249" y="2409199"/>
+            <a:ext cx="972819" cy="484328"/>
+          </a:xfrm>
+          <a:prstGeom prst="bentConnector3">
+            <a:avLst>
+              <a:gd name="adj1" fmla="val -130"/>
+            </a:avLst>
+          </a:prstGeom>
+          <a:ln w="19050">
+            <a:headEnd type="none" w="med" len="med"/>
+            <a:tailEnd type="triangle" w="med" len="med"/>
+          </a:ln>
+        </p:spPr>
+        <p:style>
+          <a:lnRef idx="1">
+            <a:schemeClr val="accent2"/>
+          </a:lnRef>
+          <a:fillRef idx="0">
+            <a:schemeClr val="accent2"/>
+          </a:fillRef>
+          <a:effectRef idx="0">
+            <a:schemeClr val="accent2"/>
+          </a:effectRef>
+          <a:fontRef idx="minor">
+            <a:schemeClr val="tx1"/>
+          </a:fontRef>
+        </p:style>
+      </p:cxnSp>
+      <p:cxnSp>
+        <p:nvCxnSpPr>
+          <p:cNvPr id="161" name="Connector: Elbow 160">
+            <a:extLst>
+              <a:ext uri="{FF2B5EF4-FFF2-40B4-BE49-F238E27FC236}">
+                <a16:creationId xmlns:a16="http://schemas.microsoft.com/office/drawing/2014/main" id="{1A9AC8FB-7800-44C1-B245-81441F067615}"/>
+              </a:ext>
+            </a:extLst>
+          </p:cNvPr>
+          <p:cNvCxnSpPr>
+            <a:cxnSpLocks/>
+            <a:endCxn id="158" idx="0"/>
+          </p:cNvCxnSpPr>
+          <p:nvPr/>
+        </p:nvCxnSpPr>
+        <p:spPr>
+          <a:xfrm rot="16200000" flipH="1">
+            <a:off x="9579380" y="2386285"/>
+            <a:ext cx="1106754" cy="521852"/>
+          </a:xfrm>
+          <a:prstGeom prst="bentConnector3">
+            <a:avLst>
+              <a:gd name="adj1" fmla="val 428"/>
+            </a:avLst>
+          </a:prstGeom>
+          <a:ln w="19050">
+            <a:headEnd type="triangle" w="med" len="med"/>
+            <a:tailEnd type="none" w="med" len="med"/>
+          </a:ln>
+        </p:spPr>
+        <p:style>
+          <a:lnRef idx="1">
+            <a:schemeClr val="accent2"/>
+          </a:lnRef>
+          <a:fillRef idx="0">
+            <a:schemeClr val="accent2"/>
+          </a:fillRef>
+          <a:effectRef idx="0">
+            <a:schemeClr val="accent2"/>
+          </a:effectRef>
+          <a:fontRef idx="minor">
+            <a:schemeClr val="tx1"/>
+          </a:fontRef>
+        </p:style>
+      </p:cxnSp>
+      <p:cxnSp>
+        <p:nvCxnSpPr>
+          <p:cNvPr id="162" name="Connector: Elbow 161">
+            <a:extLst>
+              <a:ext uri="{FF2B5EF4-FFF2-40B4-BE49-F238E27FC236}">
+                <a16:creationId xmlns:a16="http://schemas.microsoft.com/office/drawing/2014/main" id="{30B51B3E-B3ED-4301-8B8B-0592E5DCDB3F}"/>
+              </a:ext>
+            </a:extLst>
+          </p:cNvPr>
+          <p:cNvCxnSpPr>
+            <a:cxnSpLocks/>
+            <a:stCxn id="156" idx="1"/>
+            <a:endCxn id="155" idx="1"/>
+          </p:cNvCxnSpPr>
+          <p:nvPr/>
+        </p:nvCxnSpPr>
+        <p:spPr>
+          <a:xfrm rot="10800000" flipH="1">
+            <a:off x="8501818" y="516018"/>
+            <a:ext cx="229315" cy="1486376"/>
+          </a:xfrm>
+          <a:prstGeom prst="bentConnector3">
+            <a:avLst>
+              <a:gd name="adj1" fmla="val -99688"/>
+            </a:avLst>
+          </a:prstGeom>
+          <a:ln w="19050">
+            <a:headEnd type="triangle" w="med" len="med"/>
+            <a:tailEnd type="none" w="med" len="med"/>
+          </a:ln>
+        </p:spPr>
+        <p:style>
+          <a:lnRef idx="1">
+            <a:schemeClr val="accent2"/>
+          </a:lnRef>
+          <a:fillRef idx="0">
+            <a:schemeClr val="accent2"/>
+          </a:fillRef>
+          <a:effectRef idx="0">
+            <a:schemeClr val="accent2"/>
+          </a:effectRef>
+          <a:fontRef idx="minor">
+            <a:schemeClr val="tx1"/>
+          </a:fontRef>
+        </p:style>
+      </p:cxnSp>
+      <p:sp>
+        <p:nvSpPr>
+          <p:cNvPr id="35" name="Cylinder 34">
+            <a:extLst>
+              <a:ext uri="{FF2B5EF4-FFF2-40B4-BE49-F238E27FC236}">
+                <a16:creationId xmlns:a16="http://schemas.microsoft.com/office/drawing/2014/main" id="{AF4D9CCC-3B53-49BC-A4F6-94B8CA6F165B}"/>
+              </a:ext>
+            </a:extLst>
+          </p:cNvPr>
+          <p:cNvSpPr/>
+          <p:nvPr/>
+        </p:nvSpPr>
+        <p:spPr>
+          <a:xfrm rot="5400000">
+            <a:off x="10075643" y="4213258"/>
+            <a:ext cx="523875" cy="1654493"/>
+          </a:xfrm>
+          <a:prstGeom prst="can">
+            <a:avLst/>
+          </a:prstGeom>
+        </p:spPr>
+        <p:style>
+          <a:lnRef idx="0">
+            <a:schemeClr val="accent5"/>
+          </a:lnRef>
+          <a:fillRef idx="3">
+            <a:schemeClr val="accent5"/>
+          </a:fillRef>
+          <a:effectRef idx="3">
+            <a:schemeClr val="accent5"/>
+          </a:effectRef>
+          <a:fontRef idx="minor">
+            <a:schemeClr val="lt1"/>
+          </a:fontRef>
+        </p:style>
+        <p:txBody>
+          <a:bodyPr vert="vert270" rtlCol="0" anchor="ctr"/>
+          <a:lstStyle/>
+          <a:p>
+            <a:pPr algn="ctr"/>
+            <a:r>
+              <a:rPr lang="en-IN" dirty="0">
+                <a:latin typeface="Segoe UI" panose="020B0502040204020203" pitchFamily="34" charset="0"/>
+                <a:cs typeface="Segoe UI" panose="020B0502040204020203" pitchFamily="34" charset="0"/>
+              </a:rPr>
+              <a:t>Subscribe Channel  </a:t>
+            </a:r>
+          </a:p>
+        </p:txBody>
+      </p:sp>
+      <p:sp>
+        <p:nvSpPr>
+          <p:cNvPr id="41" name="Cylinder 40">
+            <a:extLst>
+              <a:ext uri="{FF2B5EF4-FFF2-40B4-BE49-F238E27FC236}">
+                <a16:creationId xmlns:a16="http://schemas.microsoft.com/office/drawing/2014/main" id="{6ACC623E-3EA7-4F06-B01D-12BCECD5E5FB}"/>
+              </a:ext>
+            </a:extLst>
+          </p:cNvPr>
+          <p:cNvSpPr/>
+          <p:nvPr/>
+        </p:nvSpPr>
+        <p:spPr>
+          <a:xfrm rot="5400000">
+            <a:off x="5834845" y="5725540"/>
+            <a:ext cx="348908" cy="1706111"/>
+          </a:xfrm>
+          <a:prstGeom prst="can">
+            <a:avLst/>
+          </a:prstGeom>
+          <a:solidFill>
+            <a:schemeClr val="tx1">
+              <a:lumMod val="50000"/>
+              <a:lumOff val="50000"/>
+            </a:schemeClr>
+          </a:solidFill>
+        </p:spPr>
+        <p:style>
+          <a:lnRef idx="0">
+            <a:schemeClr val="accent5"/>
+          </a:lnRef>
+          <a:fillRef idx="3">
+            <a:schemeClr val="accent5"/>
+          </a:fillRef>
+          <a:effectRef idx="3">
+            <a:schemeClr val="accent5"/>
+          </a:effectRef>
+          <a:fontRef idx="minor">
+            <a:schemeClr val="lt1"/>
+          </a:fontRef>
+        </p:style>
+        <p:txBody>
+          <a:bodyPr vert="vert270" rtlCol="0" anchor="ctr"/>
+          <a:lstStyle/>
+          <a:p>
+            <a:pPr algn="ctr"/>
+            <a:r>
+              <a:rPr lang="en-IN" dirty="0">
+                <a:latin typeface="Segoe UI" panose="020B0502040204020203" pitchFamily="34" charset="0"/>
+                <a:cs typeface="Segoe UI" panose="020B0502040204020203" pitchFamily="34" charset="0"/>
+              </a:rPr>
+              <a:t>Queue</a:t>
+            </a:r>
+          </a:p>
+        </p:txBody>
+      </p:sp>
+      <p:sp>
+        <p:nvSpPr>
+          <p:cNvPr id="42" name="Rectangle: Rounded Corners 41">
+            <a:extLst>
+              <a:ext uri="{FF2B5EF4-FFF2-40B4-BE49-F238E27FC236}">
+                <a16:creationId xmlns:a16="http://schemas.microsoft.com/office/drawing/2014/main" id="{3392EE0B-3B8E-4E81-B6CE-7AB4B4097389}"/>
+              </a:ext>
+            </a:extLst>
+          </p:cNvPr>
+          <p:cNvSpPr/>
+          <p:nvPr/>
+        </p:nvSpPr>
+        <p:spPr>
+          <a:xfrm>
+            <a:off x="5171394" y="5659747"/>
+            <a:ext cx="1654492" cy="616744"/>
+          </a:xfrm>
+          <a:prstGeom prst="roundRect">
+            <a:avLst/>
+          </a:prstGeom>
+          <a:solidFill>
+            <a:schemeClr val="tx1">
+              <a:lumMod val="50000"/>
+              <a:lumOff val="50000"/>
+            </a:schemeClr>
+          </a:solidFill>
+        </p:spPr>
+        <p:style>
+          <a:lnRef idx="0">
+            <a:schemeClr val="accent5"/>
+          </a:lnRef>
+          <a:fillRef idx="3">
+            <a:schemeClr val="accent5"/>
+          </a:fillRef>
+          <a:effectRef idx="3">
+            <a:schemeClr val="accent5"/>
+          </a:effectRef>
+          <a:fontRef idx="minor">
+            <a:schemeClr val="lt1"/>
+          </a:fontRef>
+        </p:style>
+        <p:txBody>
+          <a:bodyPr rtlCol="0" anchor="ctr"/>
+          <a:lstStyle/>
+          <a:p>
+            <a:pPr algn="ctr"/>
+            <a:r>
+              <a:rPr lang="en-IN" sz="2000" dirty="0">
+                <a:latin typeface="Segoe UI" panose="020B0502040204020203" pitchFamily="34" charset="0"/>
+                <a:cs typeface="Segoe UI" panose="020B0502040204020203" pitchFamily="34" charset="0"/>
+              </a:rPr>
+              <a:t>Exchange</a:t>
+            </a:r>
+          </a:p>
+        </p:txBody>
+      </p:sp>
+      <p:cxnSp>
+        <p:nvCxnSpPr>
+          <p:cNvPr id="44" name="Connector: Elbow 43">
+            <a:extLst>
+              <a:ext uri="{FF2B5EF4-FFF2-40B4-BE49-F238E27FC236}">
+                <a16:creationId xmlns:a16="http://schemas.microsoft.com/office/drawing/2014/main" id="{3B1F99CF-F154-401B-952C-39DB98E66A05}"/>
+              </a:ext>
+            </a:extLst>
+          </p:cNvPr>
+          <p:cNvCxnSpPr>
+            <a:cxnSpLocks/>
+            <a:stCxn id="57" idx="4"/>
+            <a:endCxn id="42" idx="1"/>
+          </p:cNvCxnSpPr>
+          <p:nvPr/>
+        </p:nvCxnSpPr>
+        <p:spPr>
+          <a:xfrm rot="16200000" flipH="1">
+            <a:off x="4279448" y="5076173"/>
+            <a:ext cx="652212" cy="1131679"/>
+          </a:xfrm>
+          <a:prstGeom prst="bentConnector4">
+            <a:avLst>
+              <a:gd name="adj1" fmla="val 35050"/>
+              <a:gd name="adj2" fmla="val 61573"/>
+            </a:avLst>
+          </a:prstGeom>
+          <a:ln w="19050">
+            <a:tailEnd type="triangle"/>
+          </a:ln>
+        </p:spPr>
+        <p:style>
+          <a:lnRef idx="1">
+            <a:schemeClr val="accent2"/>
+          </a:lnRef>
+          <a:fillRef idx="0">
+            <a:schemeClr val="accent2"/>
+          </a:fillRef>
+          <a:effectRef idx="0">
+            <a:schemeClr val="accent2"/>
+          </a:effectRef>
+          <a:fontRef idx="minor">
+            <a:schemeClr val="tx1"/>
+          </a:fontRef>
+        </p:style>
+      </p:cxnSp>
+      <p:cxnSp>
+        <p:nvCxnSpPr>
+          <p:cNvPr id="53" name="Connector: Elbow 52">
+            <a:extLst>
+              <a:ext uri="{FF2B5EF4-FFF2-40B4-BE49-F238E27FC236}">
+                <a16:creationId xmlns:a16="http://schemas.microsoft.com/office/drawing/2014/main" id="{357FF7CF-1FC8-40BF-83A4-93D132F36009}"/>
+              </a:ext>
+            </a:extLst>
+          </p:cNvPr>
+          <p:cNvCxnSpPr>
+            <a:cxnSpLocks/>
+            <a:stCxn id="41" idx="3"/>
+            <a:endCxn id="7" idx="4"/>
+          </p:cNvCxnSpPr>
+          <p:nvPr/>
+        </p:nvCxnSpPr>
+        <p:spPr>
+          <a:xfrm rot="10800000">
+            <a:off x="1676470" y="5315908"/>
+            <a:ext cx="3479774" cy="1262688"/>
+          </a:xfrm>
+          <a:prstGeom prst="bentConnector2">
+            <a:avLst/>
+          </a:prstGeom>
+          <a:ln w="19050">
+            <a:tailEnd type="triangle"/>
+          </a:ln>
+        </p:spPr>
+        <p:style>
+          <a:lnRef idx="1">
+            <a:schemeClr val="accent2"/>
+          </a:lnRef>
+          <a:fillRef idx="0">
+            <a:schemeClr val="accent2"/>
+          </a:fillRef>
+          <a:effectRef idx="0">
+            <a:schemeClr val="accent2"/>
+          </a:effectRef>
+          <a:fontRef idx="minor">
+            <a:schemeClr val="tx1"/>
+          </a:fontRef>
+        </p:style>
+      </p:cxnSp>
+      <p:sp>
+        <p:nvSpPr>
+          <p:cNvPr id="57" name="Cylinder 56">
+            <a:extLst>
+              <a:ext uri="{FF2B5EF4-FFF2-40B4-BE49-F238E27FC236}">
+                <a16:creationId xmlns:a16="http://schemas.microsoft.com/office/drawing/2014/main" id="{1B6A9227-7004-4D61-94D5-FB425B91491E}"/>
+              </a:ext>
+            </a:extLst>
+          </p:cNvPr>
+          <p:cNvSpPr/>
+          <p:nvPr/>
+        </p:nvSpPr>
+        <p:spPr>
+          <a:xfrm rot="5400000">
+            <a:off x="3777777" y="4030783"/>
+            <a:ext cx="523875" cy="2046372"/>
+          </a:xfrm>
+          <a:prstGeom prst="can">
+            <a:avLst/>
+          </a:prstGeom>
+        </p:spPr>
+        <p:style>
+          <a:lnRef idx="0">
+            <a:schemeClr val="accent5"/>
+          </a:lnRef>
+          <a:fillRef idx="3">
+            <a:schemeClr val="accent5"/>
+          </a:fillRef>
+          <a:effectRef idx="3">
+            <a:schemeClr val="accent5"/>
+          </a:effectRef>
+          <a:fontRef idx="minor">
+            <a:schemeClr val="lt1"/>
+          </a:fontRef>
+        </p:style>
+        <p:txBody>
+          <a:bodyPr vert="vert270" rtlCol="0" anchor="ctr"/>
+          <a:lstStyle/>
+          <a:p>
+            <a:pPr algn="ctr"/>
+            <a:r>
+              <a:rPr lang="en-IN" dirty="0">
+                <a:latin typeface="Segoe UI" panose="020B0502040204020203" pitchFamily="34" charset="0"/>
+                <a:cs typeface="Segoe UI" panose="020B0502040204020203" pitchFamily="34" charset="0"/>
+              </a:rPr>
+              <a:t>Publish Channel  </a:t>
+            </a:r>
+          </a:p>
+        </p:txBody>
+      </p:sp>
+      <p:cxnSp>
+        <p:nvCxnSpPr>
+          <p:cNvPr id="79" name="Straight Arrow Connector 78">
+            <a:extLst>
+              <a:ext uri="{FF2B5EF4-FFF2-40B4-BE49-F238E27FC236}">
+                <a16:creationId xmlns:a16="http://schemas.microsoft.com/office/drawing/2014/main" id="{D387F0F4-BFDE-437B-B1F3-B08B030CDEF4}"/>
+              </a:ext>
+            </a:extLst>
+          </p:cNvPr>
+          <p:cNvCxnSpPr>
+            <a:cxnSpLocks/>
+            <a:stCxn id="42" idx="2"/>
+            <a:endCxn id="41" idx="2"/>
+          </p:cNvCxnSpPr>
+          <p:nvPr/>
+        </p:nvCxnSpPr>
+        <p:spPr>
+          <a:xfrm>
+            <a:off x="5998640" y="6276491"/>
+            <a:ext cx="10659" cy="127651"/>
+          </a:xfrm>
+          <a:prstGeom prst="straightConnector1">
+            <a:avLst/>
+          </a:prstGeom>
+          <a:ln w="19050">
+            <a:tailEnd type="triangle"/>
+          </a:ln>
+        </p:spPr>
+        <p:style>
+          <a:lnRef idx="1">
+            <a:schemeClr val="accent2"/>
+          </a:lnRef>
+          <a:fillRef idx="0">
+            <a:schemeClr val="accent2"/>
+          </a:fillRef>
+          <a:effectRef idx="0">
+            <a:schemeClr val="accent2"/>
+          </a:effectRef>
+          <a:fontRef idx="minor">
+            <a:schemeClr val="tx1"/>
+          </a:fontRef>
+        </p:style>
+      </p:cxnSp>
+      <p:sp>
+        <p:nvSpPr>
+          <p:cNvPr id="83" name="Cylinder 82">
+            <a:extLst>
+              <a:ext uri="{FF2B5EF4-FFF2-40B4-BE49-F238E27FC236}">
+                <a16:creationId xmlns:a16="http://schemas.microsoft.com/office/drawing/2014/main" id="{FD24C65C-FDAF-404A-B3E4-5D6C9AFF8A5C}"/>
+              </a:ext>
+            </a:extLst>
+          </p:cNvPr>
+          <p:cNvSpPr/>
+          <p:nvPr/>
+        </p:nvSpPr>
+        <p:spPr>
+          <a:xfrm rot="5400000">
+            <a:off x="7847101" y="4008078"/>
+            <a:ext cx="523875" cy="2046372"/>
+          </a:xfrm>
+          <a:prstGeom prst="can">
+            <a:avLst/>
+          </a:prstGeom>
+        </p:spPr>
+        <p:style>
+          <a:lnRef idx="0">
+            <a:schemeClr val="accent5"/>
+          </a:lnRef>
+          <a:fillRef idx="3">
+            <a:schemeClr val="accent5"/>
+          </a:fillRef>
+          <a:effectRef idx="3">
+            <a:schemeClr val="accent5"/>
+          </a:effectRef>
+          <a:fontRef idx="minor">
+            <a:schemeClr val="lt1"/>
+          </a:fontRef>
+        </p:style>
+        <p:txBody>
+          <a:bodyPr vert="vert270" rtlCol="0" anchor="ctr"/>
+          <a:lstStyle/>
+          <a:p>
+            <a:pPr algn="ctr"/>
+            <a:r>
+              <a:rPr lang="en-IN" dirty="0">
+                <a:latin typeface="Segoe UI" panose="020B0502040204020203" pitchFamily="34" charset="0"/>
+                <a:cs typeface="Segoe UI" panose="020B0502040204020203" pitchFamily="34" charset="0"/>
+              </a:rPr>
+              <a:t>Publish Channel  </a:t>
+            </a:r>
+          </a:p>
+        </p:txBody>
+      </p:sp>
+      <p:cxnSp>
+        <p:nvCxnSpPr>
+          <p:cNvPr id="84" name="Connector: Elbow 83">
+            <a:extLst>
+              <a:ext uri="{FF2B5EF4-FFF2-40B4-BE49-F238E27FC236}">
+                <a16:creationId xmlns:a16="http://schemas.microsoft.com/office/drawing/2014/main" id="{71F6B040-BCD1-48D5-AF3A-457F3CFA7E5E}"/>
+              </a:ext>
+            </a:extLst>
+          </p:cNvPr>
+          <p:cNvCxnSpPr>
+            <a:cxnSpLocks/>
+            <a:stCxn id="83" idx="4"/>
+            <a:endCxn id="42" idx="3"/>
+          </p:cNvCxnSpPr>
+          <p:nvPr/>
+        </p:nvCxnSpPr>
+        <p:spPr>
+          <a:xfrm rot="5400000">
+            <a:off x="7130005" y="4989084"/>
+            <a:ext cx="674917" cy="1283153"/>
+          </a:xfrm>
+          <a:prstGeom prst="bentConnector4">
+            <a:avLst>
+              <a:gd name="adj1" fmla="val 33871"/>
+              <a:gd name="adj2" fmla="val 60207"/>
+            </a:avLst>
+          </a:prstGeom>
+          <a:ln w="19050">
+            <a:tailEnd type="triangle"/>
+          </a:ln>
+        </p:spPr>
+        <p:style>
+          <a:lnRef idx="1">
+            <a:schemeClr val="accent2"/>
+          </a:lnRef>
+          <a:fillRef idx="0">
+            <a:schemeClr val="accent2"/>
+          </a:fillRef>
+          <a:effectRef idx="0">
+            <a:schemeClr val="accent2"/>
+          </a:effectRef>
+          <a:fontRef idx="minor">
+            <a:schemeClr val="tx1"/>
+          </a:fontRef>
+        </p:style>
+      </p:cxnSp>
+      <p:cxnSp>
+        <p:nvCxnSpPr>
+          <p:cNvPr id="86" name="Connector: Elbow 85">
+            <a:extLst>
+              <a:ext uri="{FF2B5EF4-FFF2-40B4-BE49-F238E27FC236}">
+                <a16:creationId xmlns:a16="http://schemas.microsoft.com/office/drawing/2014/main" id="{9C8D8E79-D097-4BA3-8B6E-6707D8B99393}"/>
+              </a:ext>
+            </a:extLst>
+          </p:cNvPr>
+          <p:cNvCxnSpPr>
+            <a:cxnSpLocks/>
+            <a:stCxn id="41" idx="1"/>
+            <a:endCxn id="35" idx="4"/>
+          </p:cNvCxnSpPr>
+          <p:nvPr/>
+        </p:nvCxnSpPr>
+        <p:spPr>
+          <a:xfrm flipV="1">
+            <a:off x="6862355" y="5302442"/>
+            <a:ext cx="3475225" cy="1276154"/>
+          </a:xfrm>
+          <a:prstGeom prst="bentConnector2">
+            <a:avLst/>
+          </a:prstGeom>
+          <a:ln w="19050">
+            <a:tailEnd type="triangle"/>
+          </a:ln>
+        </p:spPr>
+        <p:style>
+          <a:lnRef idx="1">
+            <a:schemeClr val="accent2"/>
+          </a:lnRef>
+          <a:fillRef idx="0">
+            <a:schemeClr val="accent2"/>
+          </a:fillRef>
+          <a:effectRef idx="0">
+            <a:schemeClr val="accent2"/>
+          </a:effectRef>
+          <a:fontRef idx="minor">
+            <a:schemeClr val="tx1"/>
+          </a:fontRef>
+        </p:style>
+      </p:cxnSp>
+      <p:sp>
+        <p:nvSpPr>
+          <p:cNvPr id="49" name="Flowchart: Terminator 48">
+            <a:extLst>
+              <a:ext uri="{FF2B5EF4-FFF2-40B4-BE49-F238E27FC236}">
+                <a16:creationId xmlns:a16="http://schemas.microsoft.com/office/drawing/2014/main" id="{C571F7DC-995D-4812-B8DF-68716D48C770}"/>
+              </a:ext>
+            </a:extLst>
+          </p:cNvPr>
+          <p:cNvSpPr/>
+          <p:nvPr/>
+        </p:nvSpPr>
+        <p:spPr>
+          <a:xfrm>
+            <a:off x="3750592" y="1030123"/>
+            <a:ext cx="1752038" cy="214015"/>
+          </a:xfrm>
+          <a:prstGeom prst="flowChartTerminator">
+            <a:avLst/>
+          </a:prstGeom>
+          <a:noFill/>
+          <a:ln>
+            <a:noFill/>
+          </a:ln>
+        </p:spPr>
+        <p:style>
+          <a:lnRef idx="2">
+            <a:schemeClr val="accent1">
+              <a:shade val="50000"/>
+            </a:schemeClr>
+          </a:lnRef>
+          <a:fillRef idx="1">
+            <a:schemeClr val="accent1"/>
+          </a:fillRef>
+          <a:effectRef idx="0">
+            <a:schemeClr val="accent1"/>
+          </a:effectRef>
+          <a:fontRef idx="minor">
+            <a:schemeClr val="lt1"/>
+          </a:fontRef>
+        </p:style>
+        <p:txBody>
+          <a:bodyPr rtlCol="0" anchor="ctr"/>
+          <a:lstStyle/>
+          <a:p>
+            <a:pPr algn="ctr"/>
+            <a:r>
+              <a:rPr lang="en-IN" sz="1600" dirty="0">
+                <a:solidFill>
+                  <a:srgbClr val="7030A0"/>
+                </a:solidFill>
+                <a:latin typeface="Segoe UI" panose="020B0502040204020203" pitchFamily="34" charset="0"/>
+                <a:cs typeface="Segoe UI" panose="020B0502040204020203" pitchFamily="34" charset="0"/>
+              </a:rPr>
+              <a:t>HTTP SESSION</a:t>
+            </a:r>
+          </a:p>
+        </p:txBody>
+      </p:sp>
+      <p:sp>
+        <p:nvSpPr>
+          <p:cNvPr id="50" name="Flowchart: Terminator 49">
+            <a:extLst>
+              <a:ext uri="{FF2B5EF4-FFF2-40B4-BE49-F238E27FC236}">
+                <a16:creationId xmlns:a16="http://schemas.microsoft.com/office/drawing/2014/main" id="{EA24BCF5-2C75-49D7-A5A9-BE14175C44F4}"/>
+              </a:ext>
+            </a:extLst>
+          </p:cNvPr>
+          <p:cNvSpPr/>
+          <p:nvPr/>
+        </p:nvSpPr>
+        <p:spPr>
+          <a:xfrm>
+            <a:off x="3552326" y="1537332"/>
+            <a:ext cx="1939707" cy="237299"/>
+          </a:xfrm>
+          <a:prstGeom prst="flowChartTerminator">
+            <a:avLst/>
+          </a:prstGeom>
+          <a:noFill/>
+          <a:ln>
+            <a:noFill/>
+          </a:ln>
+        </p:spPr>
+        <p:style>
+          <a:lnRef idx="2">
+            <a:schemeClr val="accent1">
+              <a:shade val="50000"/>
+            </a:schemeClr>
+          </a:lnRef>
+          <a:fillRef idx="1">
+            <a:schemeClr val="accent1"/>
+          </a:fillRef>
+          <a:effectRef idx="0">
+            <a:schemeClr val="accent1"/>
+          </a:effectRef>
+          <a:fontRef idx="minor">
+            <a:schemeClr val="lt1"/>
+          </a:fontRef>
+        </p:style>
+        <p:txBody>
+          <a:bodyPr rtlCol="0" anchor="ctr"/>
+          <a:lstStyle/>
+          <a:p>
+            <a:pPr algn="ctr"/>
+            <a:r>
+              <a:rPr lang="en-IN" sz="1600" dirty="0">
+                <a:solidFill>
+                  <a:srgbClr val="7030A0"/>
+                </a:solidFill>
+                <a:latin typeface="Segoe UI" panose="020B0502040204020203" pitchFamily="34" charset="0"/>
+                <a:cs typeface="Segoe UI" panose="020B0502040204020203" pitchFamily="34" charset="0"/>
+              </a:rPr>
+              <a:t>SOCKET SESSION</a:t>
+            </a:r>
+          </a:p>
+        </p:txBody>
+      </p:sp>
+      <p:sp>
+        <p:nvSpPr>
           <p:cNvPr id="51" name="Flowchart: Terminator 50">
             <a:extLst>
               <a:ext uri="{FF2B5EF4-FFF2-40B4-BE49-F238E27FC236}">
@@ -5776,10 +10289,218 @@
           </a:p>
         </p:txBody>
       </p:sp>
+      <p:sp>
+        <p:nvSpPr>
+          <p:cNvPr id="56" name="Flowchart: Terminator 55">
+            <a:extLst>
+              <a:ext uri="{FF2B5EF4-FFF2-40B4-BE49-F238E27FC236}">
+                <a16:creationId xmlns:a16="http://schemas.microsoft.com/office/drawing/2014/main" id="{4873659F-C5E5-41A1-AD38-EB4BFC94A74B}"/>
+              </a:ext>
+            </a:extLst>
+          </p:cNvPr>
+          <p:cNvSpPr/>
+          <p:nvPr/>
+        </p:nvSpPr>
+        <p:spPr>
+          <a:xfrm>
+            <a:off x="6591445" y="1087624"/>
+            <a:ext cx="1752038" cy="214015"/>
+          </a:xfrm>
+          <a:prstGeom prst="flowChartTerminator">
+            <a:avLst/>
+          </a:prstGeom>
+          <a:noFill/>
+          <a:ln>
+            <a:noFill/>
+          </a:ln>
+        </p:spPr>
+        <p:style>
+          <a:lnRef idx="2">
+            <a:schemeClr val="accent1">
+              <a:shade val="50000"/>
+            </a:schemeClr>
+          </a:lnRef>
+          <a:fillRef idx="1">
+            <a:schemeClr val="accent1"/>
+          </a:fillRef>
+          <a:effectRef idx="0">
+            <a:schemeClr val="accent1"/>
+          </a:effectRef>
+          <a:fontRef idx="minor">
+            <a:schemeClr val="lt1"/>
+          </a:fontRef>
+        </p:style>
+        <p:txBody>
+          <a:bodyPr rtlCol="0" anchor="ctr"/>
+          <a:lstStyle/>
+          <a:p>
+            <a:pPr algn="ctr"/>
+            <a:r>
+              <a:rPr lang="en-IN" sz="1600" dirty="0">
+                <a:solidFill>
+                  <a:srgbClr val="7030A0"/>
+                </a:solidFill>
+                <a:latin typeface="Segoe UI" panose="020B0502040204020203" pitchFamily="34" charset="0"/>
+                <a:cs typeface="Segoe UI" panose="020B0502040204020203" pitchFamily="34" charset="0"/>
+              </a:rPr>
+              <a:t>HTTP SESSION</a:t>
+            </a:r>
+          </a:p>
+        </p:txBody>
+      </p:sp>
+      <p:sp>
+        <p:nvSpPr>
+          <p:cNvPr id="66" name="Flowchart: Terminator 65">
+            <a:extLst>
+              <a:ext uri="{FF2B5EF4-FFF2-40B4-BE49-F238E27FC236}">
+                <a16:creationId xmlns:a16="http://schemas.microsoft.com/office/drawing/2014/main" id="{0A0C74F5-9A5A-41D9-A2FC-8281ABA4D340}"/>
+              </a:ext>
+            </a:extLst>
+          </p:cNvPr>
+          <p:cNvSpPr/>
+          <p:nvPr/>
+        </p:nvSpPr>
+        <p:spPr>
+          <a:xfrm>
+            <a:off x="6349395" y="1679526"/>
+            <a:ext cx="1939707" cy="237299"/>
+          </a:xfrm>
+          <a:prstGeom prst="flowChartTerminator">
+            <a:avLst/>
+          </a:prstGeom>
+          <a:noFill/>
+          <a:ln>
+            <a:noFill/>
+          </a:ln>
+        </p:spPr>
+        <p:style>
+          <a:lnRef idx="2">
+            <a:schemeClr val="accent1">
+              <a:shade val="50000"/>
+            </a:schemeClr>
+          </a:lnRef>
+          <a:fillRef idx="1">
+            <a:schemeClr val="accent1"/>
+          </a:fillRef>
+          <a:effectRef idx="0">
+            <a:schemeClr val="accent1"/>
+          </a:effectRef>
+          <a:fontRef idx="minor">
+            <a:schemeClr val="lt1"/>
+          </a:fontRef>
+        </p:style>
+        <p:txBody>
+          <a:bodyPr rtlCol="0" anchor="ctr"/>
+          <a:lstStyle/>
+          <a:p>
+            <a:pPr algn="ctr"/>
+            <a:r>
+              <a:rPr lang="en-IN" sz="1600" dirty="0">
+                <a:solidFill>
+                  <a:srgbClr val="7030A0"/>
+                </a:solidFill>
+                <a:latin typeface="Segoe UI" panose="020B0502040204020203" pitchFamily="34" charset="0"/>
+                <a:cs typeface="Segoe UI" panose="020B0502040204020203" pitchFamily="34" charset="0"/>
+              </a:rPr>
+              <a:t>SOCKET SESSION</a:t>
+            </a:r>
+          </a:p>
+        </p:txBody>
+      </p:sp>
     </p:spTree>
     <p:extLst>
       <p:ext uri="{BB962C8B-B14F-4D97-AF65-F5344CB8AC3E}">
         <p14:creationId xmlns:p14="http://schemas.microsoft.com/office/powerpoint/2010/main" val="4054951635"/>
+      </p:ext>
+    </p:extLst>
+  </p:cSld>
+  <p:clrMapOvr>
+    <a:masterClrMapping/>
+  </p:clrMapOvr>
+</p:sld>
+</file>
+
+<file path=ppt/slides/slide13.xml><?xml version="1.0" encoding="utf-8"?>
+<p:sld xmlns:a="http://schemas.openxmlformats.org/drawingml/2006/main" xmlns:r="http://schemas.openxmlformats.org/officeDocument/2006/relationships" xmlns:p="http://schemas.openxmlformats.org/presentationml/2006/main">
+  <p:cSld>
+    <p:spTree>
+      <p:nvGrpSpPr>
+        <p:cNvPr id="1" name=""/>
+        <p:cNvGrpSpPr/>
+        <p:nvPr/>
+      </p:nvGrpSpPr>
+      <p:grpSpPr>
+        <a:xfrm>
+          <a:off x="0" y="0"/>
+          <a:ext cx="0" cy="0"/>
+          <a:chOff x="0" y="0"/>
+          <a:chExt cx="0" cy="0"/>
+        </a:xfrm>
+      </p:grpSpPr>
+      <p:pic>
+        <p:nvPicPr>
+          <p:cNvPr id="5" name="Picture 4">
+            <a:extLst>
+              <a:ext uri="{FF2B5EF4-FFF2-40B4-BE49-F238E27FC236}">
+                <a16:creationId xmlns:a16="http://schemas.microsoft.com/office/drawing/2014/main" id="{3616C2E8-78D3-4614-ACD3-95D0C4F8D518}"/>
+              </a:ext>
+            </a:extLst>
+          </p:cNvPr>
+          <p:cNvPicPr>
+            <a:picLocks noChangeAspect="1"/>
+          </p:cNvPicPr>
+          <p:nvPr/>
+        </p:nvPicPr>
+        <p:blipFill>
+          <a:blip r:embed="rId2"/>
+          <a:stretch>
+            <a:fillRect/>
+          </a:stretch>
+        </p:blipFill>
+        <p:spPr>
+          <a:xfrm>
+            <a:off x="132080" y="148076"/>
+            <a:ext cx="6328045" cy="3280924"/>
+          </a:xfrm>
+          <a:prstGeom prst="rect">
+            <a:avLst/>
+          </a:prstGeom>
+        </p:spPr>
+      </p:pic>
+      <p:pic>
+        <p:nvPicPr>
+          <p:cNvPr id="7" name="Picture 6">
+            <a:extLst>
+              <a:ext uri="{FF2B5EF4-FFF2-40B4-BE49-F238E27FC236}">
+                <a16:creationId xmlns:a16="http://schemas.microsoft.com/office/drawing/2014/main" id="{439084E6-5DBC-48AD-9890-616FA6666C98}"/>
+              </a:ext>
+            </a:extLst>
+          </p:cNvPr>
+          <p:cNvPicPr>
+            <a:picLocks noChangeAspect="1"/>
+          </p:cNvPicPr>
+          <p:nvPr/>
+        </p:nvPicPr>
+        <p:blipFill>
+          <a:blip r:embed="rId3"/>
+          <a:stretch>
+            <a:fillRect/>
+          </a:stretch>
+        </p:blipFill>
+        <p:spPr>
+          <a:xfrm>
+            <a:off x="86085" y="3577076"/>
+            <a:ext cx="6420033" cy="3280924"/>
+          </a:xfrm>
+          <a:prstGeom prst="rect">
+            <a:avLst/>
+          </a:prstGeom>
+        </p:spPr>
+      </p:pic>
+    </p:spTree>
+    <p:extLst>
+      <p:ext uri="{BB962C8B-B14F-4D97-AF65-F5344CB8AC3E}">
+        <p14:creationId xmlns:p14="http://schemas.microsoft.com/office/powerpoint/2010/main" val="2105572352"/>
       </p:ext>
     </p:extLst>
   </p:cSld>
@@ -6123,1742 +10844,70 @@
           <a:chExt cx="0" cy="0"/>
         </a:xfrm>
       </p:grpSpPr>
-      <p:sp>
-        <p:nvSpPr>
-          <p:cNvPr id="35" name="Rectangle: Rounded Corners 34">
-            <a:extLst>
-              <a:ext uri="{FF2B5EF4-FFF2-40B4-BE49-F238E27FC236}">
-                <a16:creationId xmlns:a16="http://schemas.microsoft.com/office/drawing/2014/main" id="{3B94AB0D-395C-4930-98F1-5C66BD441C26}"/>
-              </a:ext>
-            </a:extLst>
-          </p:cNvPr>
-          <p:cNvSpPr/>
-          <p:nvPr/>
-        </p:nvSpPr>
-        <p:spPr>
-          <a:xfrm>
-            <a:off x="266700" y="912893"/>
-            <a:ext cx="11487150" cy="5825964"/>
-          </a:xfrm>
-          <a:prstGeom prst="roundRect">
-            <a:avLst/>
-          </a:prstGeom>
-          <a:solidFill>
-            <a:schemeClr val="accent3">
-              <a:lumMod val="40000"/>
-              <a:lumOff val="60000"/>
-            </a:schemeClr>
-          </a:solidFill>
-          <a:ln>
-            <a:noFill/>
-          </a:ln>
-        </p:spPr>
-        <p:style>
-          <a:lnRef idx="2">
-            <a:schemeClr val="accent1">
-              <a:shade val="50000"/>
-            </a:schemeClr>
-          </a:lnRef>
-          <a:fillRef idx="1">
-            <a:schemeClr val="accent1"/>
-          </a:fillRef>
-          <a:effectRef idx="0">
-            <a:schemeClr val="accent1"/>
-          </a:effectRef>
-          <a:fontRef idx="minor">
-            <a:schemeClr val="lt1"/>
-          </a:fontRef>
-        </p:style>
-        <p:txBody>
-          <a:bodyPr rtlCol="0" anchor="ctr"/>
-          <a:lstStyle/>
-          <a:p>
-            <a:pPr algn="ctr"/>
-            <a:endParaRPr lang="en-IN" dirty="0">
-              <a:latin typeface="Segoe UI" panose="020B0502040204020203" pitchFamily="34" charset="0"/>
-              <a:cs typeface="Segoe UI" panose="020B0502040204020203" pitchFamily="34" charset="0"/>
-            </a:endParaRPr>
-          </a:p>
-        </p:txBody>
-      </p:sp>
-      <p:sp>
-        <p:nvSpPr>
-          <p:cNvPr id="10" name="Rectangle: Rounded Corners 9">
-            <a:extLst>
-              <a:ext uri="{FF2B5EF4-FFF2-40B4-BE49-F238E27FC236}">
-                <a16:creationId xmlns:a16="http://schemas.microsoft.com/office/drawing/2014/main" id="{64DC03ED-3E0D-4A1E-A2F7-4547D34BDA11}"/>
-              </a:ext>
-            </a:extLst>
-          </p:cNvPr>
-          <p:cNvSpPr/>
-          <p:nvPr/>
-        </p:nvSpPr>
-        <p:spPr>
-          <a:xfrm>
-            <a:off x="528298" y="1250476"/>
-            <a:ext cx="10962005" cy="5265055"/>
-          </a:xfrm>
-          <a:prstGeom prst="roundRect">
-            <a:avLst/>
-          </a:prstGeom>
-          <a:solidFill>
-            <a:schemeClr val="accent3">
-              <a:lumMod val="20000"/>
-              <a:lumOff val="80000"/>
-            </a:schemeClr>
-          </a:solidFill>
-          <a:ln>
-            <a:noFill/>
-          </a:ln>
-        </p:spPr>
-        <p:style>
-          <a:lnRef idx="2">
-            <a:schemeClr val="accent1">
-              <a:shade val="50000"/>
-            </a:schemeClr>
-          </a:lnRef>
-          <a:fillRef idx="1">
-            <a:schemeClr val="accent1"/>
-          </a:fillRef>
-          <a:effectRef idx="0">
-            <a:schemeClr val="accent1"/>
-          </a:effectRef>
-          <a:fontRef idx="minor">
-            <a:schemeClr val="lt1"/>
-          </a:fontRef>
-        </p:style>
-        <p:txBody>
-          <a:bodyPr rtlCol="0" anchor="ctr"/>
-          <a:lstStyle/>
-          <a:p>
-            <a:pPr algn="ctr"/>
-            <a:endParaRPr lang="en-IN" dirty="0">
-              <a:latin typeface="Segoe UI" panose="020B0502040204020203" pitchFamily="34" charset="0"/>
-              <a:cs typeface="Segoe UI" panose="020B0502040204020203" pitchFamily="34" charset="0"/>
-            </a:endParaRPr>
-          </a:p>
-        </p:txBody>
-      </p:sp>
-      <p:sp>
-        <p:nvSpPr>
-          <p:cNvPr id="4" name="Rectangle: Rounded Corners 3">
-            <a:extLst>
-              <a:ext uri="{FF2B5EF4-FFF2-40B4-BE49-F238E27FC236}">
-                <a16:creationId xmlns:a16="http://schemas.microsoft.com/office/drawing/2014/main" id="{80432144-D0B7-43DC-B0C9-AC8C9C9B5155}"/>
-              </a:ext>
-            </a:extLst>
-          </p:cNvPr>
-          <p:cNvSpPr/>
-          <p:nvPr/>
-        </p:nvSpPr>
-        <p:spPr>
-          <a:xfrm>
-            <a:off x="2242583" y="59851"/>
-            <a:ext cx="911382" cy="793750"/>
-          </a:xfrm>
-          <a:prstGeom prst="roundRect">
-            <a:avLst/>
-          </a:prstGeom>
-          <a:solidFill>
-            <a:schemeClr val="accent6">
-              <a:lumMod val="60000"/>
-              <a:lumOff val="40000"/>
-            </a:schemeClr>
-          </a:solidFill>
-        </p:spPr>
-        <p:style>
-          <a:lnRef idx="0">
-            <a:schemeClr val="accent5"/>
-          </a:lnRef>
-          <a:fillRef idx="3">
-            <a:schemeClr val="accent5"/>
-          </a:fillRef>
-          <a:effectRef idx="3">
-            <a:schemeClr val="accent5"/>
-          </a:effectRef>
-          <a:fontRef idx="minor">
-            <a:schemeClr val="lt1"/>
-          </a:fontRef>
-        </p:style>
-        <p:txBody>
-          <a:bodyPr rtlCol="0" anchor="ctr"/>
-          <a:lstStyle/>
-          <a:p>
-            <a:pPr algn="ctr"/>
-            <a:r>
-              <a:rPr lang="en-IN" sz="1600" dirty="0">
-                <a:latin typeface="Segoe UI" panose="020B0502040204020203" pitchFamily="34" charset="0"/>
-                <a:cs typeface="Segoe UI" panose="020B0502040204020203" pitchFamily="34" charset="0"/>
-              </a:rPr>
-              <a:t>Socket Client</a:t>
-            </a:r>
-          </a:p>
-        </p:txBody>
-      </p:sp>
-      <p:sp>
-        <p:nvSpPr>
-          <p:cNvPr id="5" name="Rectangle: Rounded Corners 4">
-            <a:extLst>
-              <a:ext uri="{FF2B5EF4-FFF2-40B4-BE49-F238E27FC236}">
-                <a16:creationId xmlns:a16="http://schemas.microsoft.com/office/drawing/2014/main" id="{0473BE43-4A8F-4968-A86A-132EBA32E177}"/>
-              </a:ext>
-            </a:extLst>
-          </p:cNvPr>
-          <p:cNvSpPr/>
-          <p:nvPr/>
-        </p:nvSpPr>
-        <p:spPr>
-          <a:xfrm>
-            <a:off x="2013268" y="1643064"/>
-            <a:ext cx="1370012" cy="1209675"/>
-          </a:xfrm>
-          <a:prstGeom prst="roundRect">
-            <a:avLst/>
-          </a:prstGeom>
-          <a:solidFill>
-            <a:schemeClr val="accent2">
-              <a:lumMod val="60000"/>
-              <a:lumOff val="40000"/>
-            </a:schemeClr>
-          </a:solidFill>
-        </p:spPr>
-        <p:style>
-          <a:lnRef idx="0">
-            <a:schemeClr val="accent5"/>
-          </a:lnRef>
-          <a:fillRef idx="3">
-            <a:schemeClr val="accent5"/>
-          </a:fillRef>
-          <a:effectRef idx="3">
-            <a:schemeClr val="accent5"/>
-          </a:effectRef>
-          <a:fontRef idx="minor">
-            <a:schemeClr val="lt1"/>
-          </a:fontRef>
-        </p:style>
-        <p:txBody>
-          <a:bodyPr rtlCol="0" anchor="ctr"/>
-          <a:lstStyle/>
-          <a:p>
-            <a:pPr algn="ctr"/>
-            <a:r>
-              <a:rPr lang="en-IN" dirty="0">
-                <a:latin typeface="Segoe UI" panose="020B0502040204020203" pitchFamily="34" charset="0"/>
-                <a:cs typeface="Segoe UI" panose="020B0502040204020203" pitchFamily="34" charset="0"/>
-              </a:rPr>
-              <a:t>Socket Session</a:t>
-            </a:r>
-          </a:p>
-        </p:txBody>
-      </p:sp>
-      <p:sp>
-        <p:nvSpPr>
-          <p:cNvPr id="7" name="Cylinder 6">
-            <a:extLst>
-              <a:ext uri="{FF2B5EF4-FFF2-40B4-BE49-F238E27FC236}">
-                <a16:creationId xmlns:a16="http://schemas.microsoft.com/office/drawing/2014/main" id="{CA61AFFB-ADDF-462E-8714-2D33425157FF}"/>
-              </a:ext>
-            </a:extLst>
-          </p:cNvPr>
-          <p:cNvSpPr/>
-          <p:nvPr/>
-        </p:nvSpPr>
-        <p:spPr>
-          <a:xfrm rot="5400000">
-            <a:off x="5652841" y="634760"/>
-            <a:ext cx="523875" cy="10400517"/>
-          </a:xfrm>
-          <a:prstGeom prst="can">
-            <a:avLst/>
-          </a:prstGeom>
-        </p:spPr>
-        <p:style>
-          <a:lnRef idx="0">
-            <a:schemeClr val="accent5"/>
-          </a:lnRef>
-          <a:fillRef idx="3">
-            <a:schemeClr val="accent5"/>
-          </a:fillRef>
-          <a:effectRef idx="3">
-            <a:schemeClr val="accent5"/>
-          </a:effectRef>
-          <a:fontRef idx="minor">
-            <a:schemeClr val="lt1"/>
-          </a:fontRef>
-        </p:style>
-        <p:txBody>
-          <a:bodyPr vert="vert270" rtlCol="0" anchor="ctr"/>
-          <a:lstStyle/>
-          <a:p>
-            <a:pPr algn="ctr"/>
-            <a:r>
-              <a:rPr lang="en-IN" dirty="0">
-                <a:latin typeface="Segoe UI" panose="020B0502040204020203" pitchFamily="34" charset="0"/>
-                <a:cs typeface="Segoe UI" panose="020B0502040204020203" pitchFamily="34" charset="0"/>
-              </a:rPr>
-              <a:t>Multicaster  </a:t>
-            </a:r>
-          </a:p>
-        </p:txBody>
-      </p:sp>
-      <p:sp>
-        <p:nvSpPr>
-          <p:cNvPr id="16" name="Rectangle: Rounded Corners 15">
-            <a:extLst>
-              <a:ext uri="{FF2B5EF4-FFF2-40B4-BE49-F238E27FC236}">
-                <a16:creationId xmlns:a16="http://schemas.microsoft.com/office/drawing/2014/main" id="{A96A5840-F1F7-4050-9486-9140C8A1BD32}"/>
-              </a:ext>
-            </a:extLst>
-          </p:cNvPr>
-          <p:cNvSpPr/>
-          <p:nvPr/>
-        </p:nvSpPr>
-        <p:spPr>
-          <a:xfrm>
-            <a:off x="701697" y="3383281"/>
-            <a:ext cx="1654492" cy="616744"/>
-          </a:xfrm>
-          <a:prstGeom prst="roundRect">
-            <a:avLst/>
-          </a:prstGeom>
-        </p:spPr>
-        <p:style>
-          <a:lnRef idx="0">
-            <a:schemeClr val="accent5"/>
-          </a:lnRef>
-          <a:fillRef idx="3">
-            <a:schemeClr val="accent5"/>
-          </a:fillRef>
-          <a:effectRef idx="3">
-            <a:schemeClr val="accent5"/>
-          </a:effectRef>
-          <a:fontRef idx="minor">
-            <a:schemeClr val="lt1"/>
-          </a:fontRef>
-        </p:style>
-        <p:txBody>
-          <a:bodyPr rtlCol="0" anchor="ctr"/>
-          <a:lstStyle/>
-          <a:p>
-            <a:pPr algn="ctr"/>
-            <a:r>
-              <a:rPr lang="en-IN" sz="1600" dirty="0">
-                <a:latin typeface="Segoe UI" panose="020B0502040204020203" pitchFamily="34" charset="0"/>
-                <a:cs typeface="Segoe UI" panose="020B0502040204020203" pitchFamily="34" charset="0"/>
-              </a:rPr>
-              <a:t>Outbound Flux</a:t>
-            </a:r>
-          </a:p>
-        </p:txBody>
-      </p:sp>
-      <p:cxnSp>
-        <p:nvCxnSpPr>
-          <p:cNvPr id="43" name="Straight Arrow Connector 42">
-            <a:extLst>
-              <a:ext uri="{FF2B5EF4-FFF2-40B4-BE49-F238E27FC236}">
-                <a16:creationId xmlns:a16="http://schemas.microsoft.com/office/drawing/2014/main" id="{A298E753-97F6-47ED-8AB1-1DE9A333811A}"/>
-              </a:ext>
-            </a:extLst>
-          </p:cNvPr>
-          <p:cNvCxnSpPr>
-            <a:cxnSpLocks/>
-            <a:endCxn id="16" idx="2"/>
-          </p:cNvCxnSpPr>
-          <p:nvPr/>
-        </p:nvCxnSpPr>
-        <p:spPr>
-          <a:xfrm flipV="1">
-            <a:off x="1528943" y="4000025"/>
-            <a:ext cx="0" cy="1590150"/>
-          </a:xfrm>
-          <a:prstGeom prst="straightConnector1">
-            <a:avLst/>
-          </a:prstGeom>
-          <a:ln w="19050">
-            <a:tailEnd type="triangle"/>
-          </a:ln>
-        </p:spPr>
-        <p:style>
-          <a:lnRef idx="1">
-            <a:schemeClr val="accent2"/>
-          </a:lnRef>
-          <a:fillRef idx="0">
-            <a:schemeClr val="accent2"/>
-          </a:fillRef>
-          <a:effectRef idx="0">
-            <a:schemeClr val="accent2"/>
-          </a:effectRef>
-          <a:fontRef idx="minor">
-            <a:schemeClr val="tx1"/>
-          </a:fontRef>
-        </p:style>
-      </p:cxnSp>
-      <p:cxnSp>
-        <p:nvCxnSpPr>
-          <p:cNvPr id="58" name="Straight Arrow Connector 57">
-            <a:extLst>
-              <a:ext uri="{FF2B5EF4-FFF2-40B4-BE49-F238E27FC236}">
-                <a16:creationId xmlns:a16="http://schemas.microsoft.com/office/drawing/2014/main" id="{9948B1C8-578E-43DC-AC7F-F1EBB88286B9}"/>
-              </a:ext>
-            </a:extLst>
-          </p:cNvPr>
-          <p:cNvCxnSpPr>
-            <a:cxnSpLocks/>
-            <a:stCxn id="60" idx="4"/>
-          </p:cNvCxnSpPr>
-          <p:nvPr/>
-        </p:nvCxnSpPr>
-        <p:spPr>
-          <a:xfrm flipH="1">
-            <a:off x="8078711" y="4776726"/>
-            <a:ext cx="12824" cy="796353"/>
-          </a:xfrm>
-          <a:prstGeom prst="straightConnector1">
-            <a:avLst/>
-          </a:prstGeom>
-          <a:ln w="19050">
-            <a:tailEnd type="triangle"/>
-          </a:ln>
-        </p:spPr>
-        <p:style>
-          <a:lnRef idx="1">
-            <a:schemeClr val="accent2"/>
-          </a:lnRef>
-          <a:fillRef idx="0">
-            <a:schemeClr val="accent2"/>
-          </a:fillRef>
-          <a:effectRef idx="0">
-            <a:schemeClr val="accent2"/>
-          </a:effectRef>
-          <a:fontRef idx="minor">
-            <a:schemeClr val="tx1"/>
-          </a:fontRef>
-        </p:style>
-      </p:cxnSp>
-      <p:sp>
-        <p:nvSpPr>
-          <p:cNvPr id="59" name="Oval 58">
-            <a:extLst>
-              <a:ext uri="{FF2B5EF4-FFF2-40B4-BE49-F238E27FC236}">
-                <a16:creationId xmlns:a16="http://schemas.microsoft.com/office/drawing/2014/main" id="{626321BE-B281-46EB-AC93-279F75EF18A0}"/>
-              </a:ext>
-            </a:extLst>
-          </p:cNvPr>
-          <p:cNvSpPr/>
-          <p:nvPr/>
-        </p:nvSpPr>
-        <p:spPr>
-          <a:xfrm>
-            <a:off x="7914011" y="4189137"/>
-            <a:ext cx="334728" cy="203119"/>
-          </a:xfrm>
-          <a:prstGeom prst="ellipse">
-            <a:avLst/>
-          </a:prstGeom>
-        </p:spPr>
-        <p:style>
-          <a:lnRef idx="0">
-            <a:schemeClr val="accent5"/>
-          </a:lnRef>
-          <a:fillRef idx="3">
-            <a:schemeClr val="accent5"/>
-          </a:fillRef>
-          <a:effectRef idx="3">
-            <a:schemeClr val="accent5"/>
-          </a:effectRef>
-          <a:fontRef idx="minor">
-            <a:schemeClr val="lt1"/>
-          </a:fontRef>
-        </p:style>
-        <p:txBody>
-          <a:bodyPr rtlCol="0" anchor="ctr"/>
-          <a:lstStyle/>
-          <a:p>
-            <a:pPr algn="ctr"/>
-            <a:endParaRPr lang="en-IN">
-              <a:latin typeface="Segoe UI" panose="020B0502040204020203" pitchFamily="34" charset="0"/>
-              <a:cs typeface="Segoe UI" panose="020B0502040204020203" pitchFamily="34" charset="0"/>
-            </a:endParaRPr>
-          </a:p>
-        </p:txBody>
-      </p:sp>
-      <p:sp>
-        <p:nvSpPr>
-          <p:cNvPr id="60" name="Oval 59">
-            <a:extLst>
-              <a:ext uri="{FF2B5EF4-FFF2-40B4-BE49-F238E27FC236}">
-                <a16:creationId xmlns:a16="http://schemas.microsoft.com/office/drawing/2014/main" id="{C2EAC74F-F12C-46E2-A9F7-4FE5B6F896C6}"/>
-              </a:ext>
-            </a:extLst>
-          </p:cNvPr>
-          <p:cNvSpPr/>
-          <p:nvPr/>
-        </p:nvSpPr>
-        <p:spPr>
-          <a:xfrm>
-            <a:off x="7924171" y="4573607"/>
-            <a:ext cx="334728" cy="203119"/>
-          </a:xfrm>
-          <a:prstGeom prst="ellipse">
-            <a:avLst/>
-          </a:prstGeom>
-        </p:spPr>
-        <p:style>
-          <a:lnRef idx="0">
-            <a:schemeClr val="accent5"/>
-          </a:lnRef>
-          <a:fillRef idx="3">
-            <a:schemeClr val="accent5"/>
-          </a:fillRef>
-          <a:effectRef idx="3">
-            <a:schemeClr val="accent5"/>
-          </a:effectRef>
-          <a:fontRef idx="minor">
-            <a:schemeClr val="lt1"/>
-          </a:fontRef>
-        </p:style>
-        <p:txBody>
-          <a:bodyPr rtlCol="0" anchor="ctr"/>
-          <a:lstStyle/>
-          <a:p>
-            <a:pPr algn="ctr"/>
-            <a:endParaRPr lang="en-IN">
-              <a:latin typeface="Segoe UI" panose="020B0502040204020203" pitchFamily="34" charset="0"/>
-              <a:cs typeface="Segoe UI" panose="020B0502040204020203" pitchFamily="34" charset="0"/>
-            </a:endParaRPr>
-          </a:p>
-        </p:txBody>
-      </p:sp>
-      <p:sp>
-        <p:nvSpPr>
-          <p:cNvPr id="61" name="Cylinder 60">
-            <a:extLst>
-              <a:ext uri="{FF2B5EF4-FFF2-40B4-BE49-F238E27FC236}">
-                <a16:creationId xmlns:a16="http://schemas.microsoft.com/office/drawing/2014/main" id="{AA1080D0-BCC8-4152-982B-63651F00B963}"/>
-              </a:ext>
-            </a:extLst>
-          </p:cNvPr>
-          <p:cNvSpPr/>
-          <p:nvPr/>
-        </p:nvSpPr>
-        <p:spPr>
-          <a:xfrm>
-            <a:off x="5965314" y="3969099"/>
-            <a:ext cx="983383" cy="643193"/>
-          </a:xfrm>
-          <a:prstGeom prst="can">
-            <a:avLst/>
-          </a:prstGeom>
-        </p:spPr>
-        <p:style>
-          <a:lnRef idx="0">
-            <a:schemeClr val="accent5"/>
-          </a:lnRef>
-          <a:fillRef idx="3">
-            <a:schemeClr val="accent5"/>
-          </a:fillRef>
-          <a:effectRef idx="3">
-            <a:schemeClr val="accent5"/>
-          </a:effectRef>
-          <a:fontRef idx="minor">
-            <a:schemeClr val="lt1"/>
-          </a:fontRef>
-        </p:style>
-        <p:txBody>
-          <a:bodyPr rtlCol="0" anchor="ctr"/>
-          <a:lstStyle/>
-          <a:p>
-            <a:pPr algn="ctr"/>
-            <a:r>
-              <a:rPr lang="en-IN" sz="1200" dirty="0">
-                <a:latin typeface="Segoe UI" panose="020B0502040204020203" pitchFamily="34" charset="0"/>
-                <a:cs typeface="Segoe UI" panose="020B0502040204020203" pitchFamily="34" charset="0"/>
-              </a:rPr>
-              <a:t>Socket Session DB</a:t>
-            </a:r>
-          </a:p>
-        </p:txBody>
-      </p:sp>
-      <p:cxnSp>
-        <p:nvCxnSpPr>
-          <p:cNvPr id="62" name="Straight Arrow Connector 61">
-            <a:extLst>
-              <a:ext uri="{FF2B5EF4-FFF2-40B4-BE49-F238E27FC236}">
-                <a16:creationId xmlns:a16="http://schemas.microsoft.com/office/drawing/2014/main" id="{3093FA57-C721-403A-8AFF-F6B43966E2A9}"/>
-              </a:ext>
-            </a:extLst>
-          </p:cNvPr>
-          <p:cNvCxnSpPr>
-            <a:cxnSpLocks/>
-            <a:stCxn id="59" idx="2"/>
-            <a:endCxn id="61" idx="4"/>
-          </p:cNvCxnSpPr>
-          <p:nvPr/>
-        </p:nvCxnSpPr>
-        <p:spPr>
-          <a:xfrm flipH="1" flipV="1">
-            <a:off x="6948697" y="4290696"/>
-            <a:ext cx="965314" cy="1"/>
-          </a:xfrm>
-          <a:prstGeom prst="straightConnector1">
-            <a:avLst/>
-          </a:prstGeom>
-          <a:ln w="19050">
-            <a:tailEnd type="triangle"/>
-          </a:ln>
-        </p:spPr>
-        <p:style>
-          <a:lnRef idx="1">
-            <a:schemeClr val="accent2"/>
-          </a:lnRef>
-          <a:fillRef idx="0">
-            <a:schemeClr val="accent2"/>
-          </a:fillRef>
-          <a:effectRef idx="0">
-            <a:schemeClr val="accent2"/>
-          </a:effectRef>
-          <a:fontRef idx="minor">
-            <a:schemeClr val="tx1"/>
-          </a:fontRef>
-        </p:style>
-      </p:cxnSp>
-      <p:cxnSp>
-        <p:nvCxnSpPr>
-          <p:cNvPr id="63" name="Straight Arrow Connector 62">
-            <a:extLst>
-              <a:ext uri="{FF2B5EF4-FFF2-40B4-BE49-F238E27FC236}">
-                <a16:creationId xmlns:a16="http://schemas.microsoft.com/office/drawing/2014/main" id="{55D61280-AE32-415F-987C-BF784D4EEF1A}"/>
-              </a:ext>
-            </a:extLst>
-          </p:cNvPr>
-          <p:cNvCxnSpPr>
-            <a:cxnSpLocks/>
-            <a:endCxn id="59" idx="0"/>
-          </p:cNvCxnSpPr>
-          <p:nvPr/>
-        </p:nvCxnSpPr>
-        <p:spPr>
-          <a:xfrm>
-            <a:off x="8078711" y="4045744"/>
-            <a:ext cx="2664" cy="143393"/>
-          </a:xfrm>
-          <a:prstGeom prst="straightConnector1">
-            <a:avLst/>
-          </a:prstGeom>
-          <a:ln w="19050">
-            <a:tailEnd type="triangle"/>
-          </a:ln>
-        </p:spPr>
-        <p:style>
-          <a:lnRef idx="1">
-            <a:schemeClr val="accent2"/>
-          </a:lnRef>
-          <a:fillRef idx="0">
-            <a:schemeClr val="accent2"/>
-          </a:fillRef>
-          <a:effectRef idx="0">
-            <a:schemeClr val="accent2"/>
-          </a:effectRef>
-          <a:fontRef idx="minor">
-            <a:schemeClr val="tx1"/>
-          </a:fontRef>
-        </p:style>
-      </p:cxnSp>
-      <p:cxnSp>
-        <p:nvCxnSpPr>
-          <p:cNvPr id="64" name="Straight Arrow Connector 63">
-            <a:extLst>
-              <a:ext uri="{FF2B5EF4-FFF2-40B4-BE49-F238E27FC236}">
-                <a16:creationId xmlns:a16="http://schemas.microsoft.com/office/drawing/2014/main" id="{6E03D7BA-7990-48DE-990D-8AA0CD59C55A}"/>
-              </a:ext>
-            </a:extLst>
-          </p:cNvPr>
-          <p:cNvCxnSpPr>
-            <a:cxnSpLocks/>
-            <a:stCxn id="59" idx="4"/>
-            <a:endCxn id="60" idx="0"/>
-          </p:cNvCxnSpPr>
-          <p:nvPr/>
-        </p:nvCxnSpPr>
-        <p:spPr>
-          <a:xfrm>
-            <a:off x="8081375" y="4392256"/>
-            <a:ext cx="10160" cy="181351"/>
-          </a:xfrm>
-          <a:prstGeom prst="straightConnector1">
-            <a:avLst/>
-          </a:prstGeom>
-          <a:ln w="19050">
-            <a:tailEnd type="triangle"/>
-          </a:ln>
-        </p:spPr>
-        <p:style>
-          <a:lnRef idx="1">
-            <a:schemeClr val="accent2"/>
-          </a:lnRef>
-          <a:fillRef idx="0">
-            <a:schemeClr val="accent2"/>
-          </a:fillRef>
-          <a:effectRef idx="0">
-            <a:schemeClr val="accent2"/>
-          </a:effectRef>
-          <a:fontRef idx="minor">
-            <a:schemeClr val="tx1"/>
-          </a:fontRef>
-        </p:style>
-      </p:cxnSp>
-      <p:cxnSp>
-        <p:nvCxnSpPr>
-          <p:cNvPr id="65" name="Straight Arrow Connector 64">
-            <a:extLst>
-              <a:ext uri="{FF2B5EF4-FFF2-40B4-BE49-F238E27FC236}">
-                <a16:creationId xmlns:a16="http://schemas.microsoft.com/office/drawing/2014/main" id="{8EC22292-00C4-4ED1-BD0D-4D23CB1D418C}"/>
-              </a:ext>
-            </a:extLst>
-          </p:cNvPr>
-          <p:cNvCxnSpPr>
-            <a:cxnSpLocks/>
-            <a:endCxn id="158" idx="2"/>
-          </p:cNvCxnSpPr>
-          <p:nvPr/>
-        </p:nvCxnSpPr>
-        <p:spPr>
-          <a:xfrm flipV="1">
-            <a:off x="10380859" y="4122132"/>
-            <a:ext cx="12824" cy="1468043"/>
-          </a:xfrm>
-          <a:prstGeom prst="straightConnector1">
-            <a:avLst/>
-          </a:prstGeom>
-          <a:ln w="19050">
-            <a:tailEnd type="triangle"/>
-          </a:ln>
-        </p:spPr>
-        <p:style>
-          <a:lnRef idx="1">
-            <a:schemeClr val="accent2"/>
-          </a:lnRef>
-          <a:fillRef idx="0">
-            <a:schemeClr val="accent2"/>
-          </a:fillRef>
-          <a:effectRef idx="0">
-            <a:schemeClr val="accent2"/>
-          </a:effectRef>
-          <a:fontRef idx="minor">
-            <a:schemeClr val="tx1"/>
-          </a:fontRef>
-        </p:style>
-      </p:cxnSp>
-      <p:sp>
-        <p:nvSpPr>
-          <p:cNvPr id="74" name="Rectangle: Rounded Corners 73">
-            <a:extLst>
-              <a:ext uri="{FF2B5EF4-FFF2-40B4-BE49-F238E27FC236}">
-                <a16:creationId xmlns:a16="http://schemas.microsoft.com/office/drawing/2014/main" id="{86D7ECCF-D162-45E2-826E-3DE4C6FD88DC}"/>
-              </a:ext>
-            </a:extLst>
-          </p:cNvPr>
-          <p:cNvSpPr/>
-          <p:nvPr/>
-        </p:nvSpPr>
-        <p:spPr>
-          <a:xfrm>
-            <a:off x="3077886" y="3446096"/>
-            <a:ext cx="1654492" cy="616744"/>
-          </a:xfrm>
-          <a:prstGeom prst="roundRect">
-            <a:avLst/>
-          </a:prstGeom>
-        </p:spPr>
-        <p:style>
-          <a:lnRef idx="0">
-            <a:schemeClr val="accent5"/>
-          </a:lnRef>
-          <a:fillRef idx="3">
-            <a:schemeClr val="accent5"/>
-          </a:fillRef>
-          <a:effectRef idx="3">
-            <a:schemeClr val="accent5"/>
-          </a:effectRef>
-          <a:fontRef idx="minor">
-            <a:schemeClr val="lt1"/>
-          </a:fontRef>
-        </p:style>
-        <p:txBody>
-          <a:bodyPr rtlCol="0" anchor="ctr"/>
-          <a:lstStyle/>
-          <a:p>
-            <a:pPr algn="ctr"/>
-            <a:r>
-              <a:rPr lang="en-IN" sz="1600" dirty="0">
-                <a:latin typeface="Segoe UI" panose="020B0502040204020203" pitchFamily="34" charset="0"/>
-                <a:cs typeface="Segoe UI" panose="020B0502040204020203" pitchFamily="34" charset="0"/>
-              </a:rPr>
-              <a:t>Inbound Flux</a:t>
-            </a:r>
-          </a:p>
-        </p:txBody>
-      </p:sp>
-      <p:cxnSp>
-        <p:nvCxnSpPr>
-          <p:cNvPr id="76" name="Straight Arrow Connector 75">
-            <a:extLst>
-              <a:ext uri="{FF2B5EF4-FFF2-40B4-BE49-F238E27FC236}">
-                <a16:creationId xmlns:a16="http://schemas.microsoft.com/office/drawing/2014/main" id="{4D203AF1-8960-4E83-83F5-4AB7E64F4C39}"/>
-              </a:ext>
-            </a:extLst>
-          </p:cNvPr>
-          <p:cNvCxnSpPr>
-            <a:cxnSpLocks/>
-            <a:stCxn id="78" idx="4"/>
-          </p:cNvCxnSpPr>
-          <p:nvPr/>
-        </p:nvCxnSpPr>
-        <p:spPr>
-          <a:xfrm>
-            <a:off x="3917956" y="4793822"/>
-            <a:ext cx="0" cy="796353"/>
-          </a:xfrm>
-          <a:prstGeom prst="straightConnector1">
-            <a:avLst/>
-          </a:prstGeom>
-          <a:ln w="19050">
-            <a:tailEnd type="triangle"/>
-          </a:ln>
-        </p:spPr>
-        <p:style>
-          <a:lnRef idx="1">
-            <a:schemeClr val="accent2"/>
-          </a:lnRef>
-          <a:fillRef idx="0">
-            <a:schemeClr val="accent2"/>
-          </a:fillRef>
-          <a:effectRef idx="0">
-            <a:schemeClr val="accent2"/>
-          </a:effectRef>
-          <a:fontRef idx="minor">
-            <a:schemeClr val="tx1"/>
-          </a:fontRef>
-        </p:style>
-      </p:cxnSp>
-      <p:sp>
-        <p:nvSpPr>
-          <p:cNvPr id="77" name="Oval 76">
-            <a:extLst>
-              <a:ext uri="{FF2B5EF4-FFF2-40B4-BE49-F238E27FC236}">
-                <a16:creationId xmlns:a16="http://schemas.microsoft.com/office/drawing/2014/main" id="{09F5A7B3-FC21-40B6-BD34-DB13462D0E46}"/>
-              </a:ext>
-            </a:extLst>
-          </p:cNvPr>
-          <p:cNvSpPr/>
-          <p:nvPr/>
-        </p:nvSpPr>
-        <p:spPr>
-          <a:xfrm>
-            <a:off x="3740432" y="4206233"/>
-            <a:ext cx="334728" cy="203119"/>
-          </a:xfrm>
-          <a:prstGeom prst="ellipse">
-            <a:avLst/>
-          </a:prstGeom>
-        </p:spPr>
-        <p:style>
-          <a:lnRef idx="0">
-            <a:schemeClr val="accent5"/>
-          </a:lnRef>
-          <a:fillRef idx="3">
-            <a:schemeClr val="accent5"/>
-          </a:fillRef>
-          <a:effectRef idx="3">
-            <a:schemeClr val="accent5"/>
-          </a:effectRef>
-          <a:fontRef idx="minor">
-            <a:schemeClr val="lt1"/>
-          </a:fontRef>
-        </p:style>
-        <p:txBody>
-          <a:bodyPr rtlCol="0" anchor="ctr"/>
-          <a:lstStyle/>
-          <a:p>
-            <a:pPr algn="ctr"/>
-            <a:endParaRPr lang="en-IN">
-              <a:latin typeface="Segoe UI" panose="020B0502040204020203" pitchFamily="34" charset="0"/>
-              <a:cs typeface="Segoe UI" panose="020B0502040204020203" pitchFamily="34" charset="0"/>
-            </a:endParaRPr>
-          </a:p>
-        </p:txBody>
-      </p:sp>
-      <p:sp>
-        <p:nvSpPr>
-          <p:cNvPr id="78" name="Oval 77">
-            <a:extLst>
-              <a:ext uri="{FF2B5EF4-FFF2-40B4-BE49-F238E27FC236}">
-                <a16:creationId xmlns:a16="http://schemas.microsoft.com/office/drawing/2014/main" id="{2B860D40-658A-41B4-A160-F8B02C3C7BE4}"/>
-              </a:ext>
-            </a:extLst>
-          </p:cNvPr>
-          <p:cNvSpPr/>
-          <p:nvPr/>
-        </p:nvSpPr>
-        <p:spPr>
-          <a:xfrm>
-            <a:off x="3750592" y="4590703"/>
-            <a:ext cx="334728" cy="203119"/>
-          </a:xfrm>
-          <a:prstGeom prst="ellipse">
-            <a:avLst/>
-          </a:prstGeom>
-        </p:spPr>
-        <p:style>
-          <a:lnRef idx="0">
-            <a:schemeClr val="accent5"/>
-          </a:lnRef>
-          <a:fillRef idx="3">
-            <a:schemeClr val="accent5"/>
-          </a:fillRef>
-          <a:effectRef idx="3">
-            <a:schemeClr val="accent5"/>
-          </a:effectRef>
-          <a:fontRef idx="minor">
-            <a:schemeClr val="lt1"/>
-          </a:fontRef>
-        </p:style>
-        <p:txBody>
-          <a:bodyPr rtlCol="0" anchor="ctr"/>
-          <a:lstStyle/>
-          <a:p>
-            <a:pPr algn="ctr"/>
-            <a:endParaRPr lang="en-IN">
-              <a:latin typeface="Segoe UI" panose="020B0502040204020203" pitchFamily="34" charset="0"/>
-              <a:cs typeface="Segoe UI" panose="020B0502040204020203" pitchFamily="34" charset="0"/>
-            </a:endParaRPr>
-          </a:p>
-        </p:txBody>
-      </p:sp>
-      <p:cxnSp>
-        <p:nvCxnSpPr>
-          <p:cNvPr id="80" name="Straight Arrow Connector 79">
-            <a:extLst>
-              <a:ext uri="{FF2B5EF4-FFF2-40B4-BE49-F238E27FC236}">
-                <a16:creationId xmlns:a16="http://schemas.microsoft.com/office/drawing/2014/main" id="{29018953-0A47-4E2D-9298-0D5774852978}"/>
-              </a:ext>
-            </a:extLst>
-          </p:cNvPr>
-          <p:cNvCxnSpPr>
-            <a:cxnSpLocks/>
-            <a:stCxn id="77" idx="6"/>
-            <a:endCxn id="61" idx="2"/>
-          </p:cNvCxnSpPr>
-          <p:nvPr/>
-        </p:nvCxnSpPr>
-        <p:spPr>
-          <a:xfrm flipV="1">
-            <a:off x="4075160" y="4290696"/>
-            <a:ext cx="1890154" cy="17097"/>
-          </a:xfrm>
-          <a:prstGeom prst="straightConnector1">
-            <a:avLst/>
-          </a:prstGeom>
-          <a:ln w="19050">
-            <a:tailEnd type="triangle"/>
-          </a:ln>
-        </p:spPr>
-        <p:style>
-          <a:lnRef idx="1">
-            <a:schemeClr val="accent2"/>
-          </a:lnRef>
-          <a:fillRef idx="0">
-            <a:schemeClr val="accent2"/>
-          </a:fillRef>
-          <a:effectRef idx="0">
-            <a:schemeClr val="accent2"/>
-          </a:effectRef>
-          <a:fontRef idx="minor">
-            <a:schemeClr val="tx1"/>
-          </a:fontRef>
-        </p:style>
-      </p:cxnSp>
-      <p:cxnSp>
-        <p:nvCxnSpPr>
-          <p:cNvPr id="81" name="Straight Arrow Connector 80">
-            <a:extLst>
-              <a:ext uri="{FF2B5EF4-FFF2-40B4-BE49-F238E27FC236}">
-                <a16:creationId xmlns:a16="http://schemas.microsoft.com/office/drawing/2014/main" id="{1EA5CBCD-41FE-4BC4-84B3-DD2B69096672}"/>
-              </a:ext>
-            </a:extLst>
-          </p:cNvPr>
-          <p:cNvCxnSpPr>
-            <a:cxnSpLocks/>
-            <a:stCxn id="74" idx="2"/>
-            <a:endCxn id="77" idx="0"/>
-          </p:cNvCxnSpPr>
-          <p:nvPr/>
-        </p:nvCxnSpPr>
-        <p:spPr>
-          <a:xfrm>
-            <a:off x="3905132" y="4062840"/>
-            <a:ext cx="2664" cy="143393"/>
-          </a:xfrm>
-          <a:prstGeom prst="straightConnector1">
-            <a:avLst/>
-          </a:prstGeom>
-          <a:ln w="19050">
-            <a:tailEnd type="triangle"/>
-          </a:ln>
-        </p:spPr>
-        <p:style>
-          <a:lnRef idx="1">
-            <a:schemeClr val="accent2"/>
-          </a:lnRef>
-          <a:fillRef idx="0">
-            <a:schemeClr val="accent2"/>
-          </a:fillRef>
-          <a:effectRef idx="0">
-            <a:schemeClr val="accent2"/>
-          </a:effectRef>
-          <a:fontRef idx="minor">
-            <a:schemeClr val="tx1"/>
-          </a:fontRef>
-        </p:style>
-      </p:cxnSp>
-      <p:cxnSp>
-        <p:nvCxnSpPr>
-          <p:cNvPr id="82" name="Straight Arrow Connector 81">
-            <a:extLst>
-              <a:ext uri="{FF2B5EF4-FFF2-40B4-BE49-F238E27FC236}">
-                <a16:creationId xmlns:a16="http://schemas.microsoft.com/office/drawing/2014/main" id="{F907522C-BF4B-4234-A1B3-48892DC526E4}"/>
-              </a:ext>
-            </a:extLst>
-          </p:cNvPr>
-          <p:cNvCxnSpPr>
-            <a:cxnSpLocks/>
-            <a:stCxn id="77" idx="4"/>
-            <a:endCxn id="78" idx="0"/>
-          </p:cNvCxnSpPr>
-          <p:nvPr/>
-        </p:nvCxnSpPr>
-        <p:spPr>
-          <a:xfrm>
-            <a:off x="3907796" y="4409352"/>
-            <a:ext cx="10160" cy="181351"/>
-          </a:xfrm>
-          <a:prstGeom prst="straightConnector1">
-            <a:avLst/>
-          </a:prstGeom>
-          <a:ln w="19050">
-            <a:tailEnd type="triangle"/>
-          </a:ln>
-        </p:spPr>
-        <p:style>
-          <a:lnRef idx="1">
-            <a:schemeClr val="accent2"/>
-          </a:lnRef>
-          <a:fillRef idx="0">
-            <a:schemeClr val="accent2"/>
-          </a:fillRef>
-          <a:effectRef idx="0">
-            <a:schemeClr val="accent2"/>
-          </a:effectRef>
-          <a:fontRef idx="minor">
-            <a:schemeClr val="tx1"/>
-          </a:fontRef>
-        </p:style>
-      </p:cxnSp>
-      <p:cxnSp>
-        <p:nvCxnSpPr>
-          <p:cNvPr id="103" name="Connector: Elbow 102">
-            <a:extLst>
-              <a:ext uri="{FF2B5EF4-FFF2-40B4-BE49-F238E27FC236}">
-                <a16:creationId xmlns:a16="http://schemas.microsoft.com/office/drawing/2014/main" id="{7515F49E-5692-44DB-BA97-8ED9554B2D4E}"/>
-              </a:ext>
-            </a:extLst>
-          </p:cNvPr>
-          <p:cNvCxnSpPr>
-            <a:cxnSpLocks/>
-            <a:stCxn id="4" idx="3"/>
-            <a:endCxn id="5" idx="3"/>
-          </p:cNvCxnSpPr>
-          <p:nvPr/>
-        </p:nvCxnSpPr>
-        <p:spPr>
-          <a:xfrm>
-            <a:off x="3153965" y="456726"/>
-            <a:ext cx="229315" cy="1791176"/>
-          </a:xfrm>
-          <a:prstGeom prst="bentConnector3">
-            <a:avLst>
-              <a:gd name="adj1" fmla="val 323745"/>
-            </a:avLst>
-          </a:prstGeom>
-          <a:ln w="19050">
-            <a:tailEnd type="triangle"/>
-          </a:ln>
-        </p:spPr>
-        <p:style>
-          <a:lnRef idx="1">
-            <a:schemeClr val="accent2"/>
-          </a:lnRef>
-          <a:fillRef idx="0">
-            <a:schemeClr val="accent2"/>
-          </a:fillRef>
-          <a:effectRef idx="0">
-            <a:schemeClr val="accent2"/>
-          </a:effectRef>
-          <a:fontRef idx="minor">
-            <a:schemeClr val="tx1"/>
-          </a:fontRef>
-        </p:style>
-      </p:cxnSp>
-      <p:cxnSp>
-        <p:nvCxnSpPr>
-          <p:cNvPr id="105" name="Connector: Elbow 104">
-            <a:extLst>
-              <a:ext uri="{FF2B5EF4-FFF2-40B4-BE49-F238E27FC236}">
-                <a16:creationId xmlns:a16="http://schemas.microsoft.com/office/drawing/2014/main" id="{AEFC444C-CDC3-4C20-B5A1-FD9E822CDB82}"/>
-              </a:ext>
-            </a:extLst>
-          </p:cNvPr>
-          <p:cNvCxnSpPr>
-            <a:cxnSpLocks/>
-            <a:endCxn id="16" idx="0"/>
-          </p:cNvCxnSpPr>
-          <p:nvPr/>
-        </p:nvCxnSpPr>
-        <p:spPr>
-          <a:xfrm rot="5400000">
-            <a:off x="1284698" y="2654707"/>
-            <a:ext cx="972819" cy="484328"/>
-          </a:xfrm>
-          <a:prstGeom prst="bentConnector3">
-            <a:avLst>
-              <a:gd name="adj1" fmla="val -130"/>
-            </a:avLst>
-          </a:prstGeom>
-          <a:ln w="19050">
-            <a:headEnd type="triangle" w="med" len="med"/>
-            <a:tailEnd type="none" w="med" len="med"/>
-          </a:ln>
-        </p:spPr>
-        <p:style>
-          <a:lnRef idx="1">
-            <a:schemeClr val="accent2"/>
-          </a:lnRef>
-          <a:fillRef idx="0">
-            <a:schemeClr val="accent2"/>
-          </a:fillRef>
-          <a:effectRef idx="0">
-            <a:schemeClr val="accent2"/>
-          </a:effectRef>
-          <a:fontRef idx="minor">
-            <a:schemeClr val="tx1"/>
-          </a:fontRef>
-        </p:style>
-      </p:cxnSp>
-      <p:cxnSp>
-        <p:nvCxnSpPr>
-          <p:cNvPr id="114" name="Connector: Elbow 113">
-            <a:extLst>
-              <a:ext uri="{FF2B5EF4-FFF2-40B4-BE49-F238E27FC236}">
-                <a16:creationId xmlns:a16="http://schemas.microsoft.com/office/drawing/2014/main" id="{79B4FC4A-CD43-4AD9-B112-E34A8ACCA3C7}"/>
-              </a:ext>
-            </a:extLst>
-          </p:cNvPr>
-          <p:cNvCxnSpPr>
-            <a:cxnSpLocks/>
-            <a:endCxn id="74" idx="0"/>
-          </p:cNvCxnSpPr>
-          <p:nvPr/>
-        </p:nvCxnSpPr>
-        <p:spPr>
-          <a:xfrm rot="16200000" flipH="1">
-            <a:off x="3090829" y="2631793"/>
-            <a:ext cx="1106754" cy="521852"/>
-          </a:xfrm>
-          <a:prstGeom prst="bentConnector3">
-            <a:avLst>
-              <a:gd name="adj1" fmla="val 7772"/>
-            </a:avLst>
-          </a:prstGeom>
-          <a:ln w="19050">
-            <a:tailEnd type="triangle"/>
-          </a:ln>
-        </p:spPr>
-        <p:style>
-          <a:lnRef idx="1">
-            <a:schemeClr val="accent2"/>
-          </a:lnRef>
-          <a:fillRef idx="0">
-            <a:schemeClr val="accent2"/>
-          </a:fillRef>
-          <a:effectRef idx="0">
-            <a:schemeClr val="accent2"/>
-          </a:effectRef>
-          <a:fontRef idx="minor">
-            <a:schemeClr val="tx1"/>
-          </a:fontRef>
-        </p:style>
-      </p:cxnSp>
-      <p:cxnSp>
-        <p:nvCxnSpPr>
-          <p:cNvPr id="120" name="Connector: Elbow 119">
-            <a:extLst>
-              <a:ext uri="{FF2B5EF4-FFF2-40B4-BE49-F238E27FC236}">
-                <a16:creationId xmlns:a16="http://schemas.microsoft.com/office/drawing/2014/main" id="{4A531A50-5A06-4639-B8BE-C5BE5084D01B}"/>
-              </a:ext>
-            </a:extLst>
-          </p:cNvPr>
-          <p:cNvCxnSpPr>
-            <a:cxnSpLocks/>
-            <a:stCxn id="5" idx="1"/>
-            <a:endCxn id="4" idx="1"/>
-          </p:cNvCxnSpPr>
-          <p:nvPr/>
-        </p:nvCxnSpPr>
-        <p:spPr>
-          <a:xfrm rot="10800000" flipH="1">
-            <a:off x="2013267" y="456726"/>
-            <a:ext cx="229315" cy="1791176"/>
-          </a:xfrm>
-          <a:prstGeom prst="bentConnector3">
-            <a:avLst>
-              <a:gd name="adj1" fmla="val -210453"/>
-            </a:avLst>
-          </a:prstGeom>
-          <a:ln w="19050">
-            <a:tailEnd type="triangle"/>
-          </a:ln>
-        </p:spPr>
-        <p:style>
-          <a:lnRef idx="1">
-            <a:schemeClr val="accent2"/>
-          </a:lnRef>
-          <a:fillRef idx="0">
-            <a:schemeClr val="accent2"/>
-          </a:fillRef>
-          <a:effectRef idx="0">
-            <a:schemeClr val="accent2"/>
-          </a:effectRef>
-          <a:fontRef idx="minor">
-            <a:schemeClr val="tx1"/>
-          </a:fontRef>
-        </p:style>
-      </p:cxnSp>
-      <p:sp>
-        <p:nvSpPr>
-          <p:cNvPr id="155" name="Rectangle: Rounded Corners 154">
-            <a:extLst>
-              <a:ext uri="{FF2B5EF4-FFF2-40B4-BE49-F238E27FC236}">
-                <a16:creationId xmlns:a16="http://schemas.microsoft.com/office/drawing/2014/main" id="{C252D29B-3AB2-4C3C-B907-829BF03533F6}"/>
-              </a:ext>
-            </a:extLst>
-          </p:cNvPr>
-          <p:cNvSpPr/>
-          <p:nvPr/>
-        </p:nvSpPr>
-        <p:spPr>
-          <a:xfrm>
-            <a:off x="8731134" y="119143"/>
-            <a:ext cx="911382" cy="793750"/>
-          </a:xfrm>
-          <a:prstGeom prst="roundRect">
-            <a:avLst/>
-          </a:prstGeom>
-          <a:solidFill>
-            <a:schemeClr val="accent6">
-              <a:lumMod val="60000"/>
-              <a:lumOff val="40000"/>
-            </a:schemeClr>
-          </a:solidFill>
-        </p:spPr>
-        <p:style>
-          <a:lnRef idx="0">
-            <a:schemeClr val="accent5"/>
-          </a:lnRef>
-          <a:fillRef idx="3">
-            <a:schemeClr val="accent5"/>
-          </a:fillRef>
-          <a:effectRef idx="3">
-            <a:schemeClr val="accent5"/>
-          </a:effectRef>
-          <a:fontRef idx="minor">
-            <a:schemeClr val="lt1"/>
-          </a:fontRef>
-        </p:style>
-        <p:txBody>
-          <a:bodyPr rtlCol="0" anchor="ctr"/>
-          <a:lstStyle/>
-          <a:p>
-            <a:pPr algn="ctr"/>
-            <a:r>
-              <a:rPr lang="en-IN" sz="1600" dirty="0">
-                <a:latin typeface="Segoe UI" panose="020B0502040204020203" pitchFamily="34" charset="0"/>
-                <a:cs typeface="Segoe UI" panose="020B0502040204020203" pitchFamily="34" charset="0"/>
-              </a:rPr>
-              <a:t>Socket Client</a:t>
-            </a:r>
-          </a:p>
-        </p:txBody>
-      </p:sp>
-      <p:sp>
-        <p:nvSpPr>
-          <p:cNvPr id="156" name="Rectangle: Rounded Corners 155">
-            <a:extLst>
-              <a:ext uri="{FF2B5EF4-FFF2-40B4-BE49-F238E27FC236}">
-                <a16:creationId xmlns:a16="http://schemas.microsoft.com/office/drawing/2014/main" id="{4F5950D1-F650-42FC-92A5-FA5B526B9F7A}"/>
-              </a:ext>
-            </a:extLst>
-          </p:cNvPr>
-          <p:cNvSpPr/>
-          <p:nvPr/>
-        </p:nvSpPr>
-        <p:spPr>
-          <a:xfrm>
-            <a:off x="8501819" y="1702356"/>
-            <a:ext cx="1370012" cy="1209675"/>
-          </a:xfrm>
-          <a:prstGeom prst="roundRect">
-            <a:avLst/>
-          </a:prstGeom>
-          <a:solidFill>
-            <a:schemeClr val="accent2">
-              <a:lumMod val="60000"/>
-              <a:lumOff val="40000"/>
-            </a:schemeClr>
-          </a:solidFill>
-        </p:spPr>
-        <p:style>
-          <a:lnRef idx="0">
-            <a:schemeClr val="accent5"/>
-          </a:lnRef>
-          <a:fillRef idx="3">
-            <a:schemeClr val="accent5"/>
-          </a:fillRef>
-          <a:effectRef idx="3">
-            <a:schemeClr val="accent5"/>
-          </a:effectRef>
-          <a:fontRef idx="minor">
-            <a:schemeClr val="lt1"/>
-          </a:fontRef>
-        </p:style>
-        <p:txBody>
-          <a:bodyPr rtlCol="0" anchor="ctr"/>
-          <a:lstStyle/>
-          <a:p>
-            <a:pPr algn="ctr"/>
-            <a:r>
-              <a:rPr lang="en-IN" dirty="0">
-                <a:latin typeface="Segoe UI" panose="020B0502040204020203" pitchFamily="34" charset="0"/>
-                <a:cs typeface="Segoe UI" panose="020B0502040204020203" pitchFamily="34" charset="0"/>
-              </a:rPr>
-              <a:t>Socket Session</a:t>
-            </a:r>
-          </a:p>
-        </p:txBody>
-      </p:sp>
-      <p:sp>
-        <p:nvSpPr>
-          <p:cNvPr id="157" name="Rectangle: Rounded Corners 156">
-            <a:extLst>
-              <a:ext uri="{FF2B5EF4-FFF2-40B4-BE49-F238E27FC236}">
-                <a16:creationId xmlns:a16="http://schemas.microsoft.com/office/drawing/2014/main" id="{50B00332-3E41-4256-A448-6C44453F737A}"/>
-              </a:ext>
-            </a:extLst>
-          </p:cNvPr>
-          <p:cNvSpPr/>
-          <p:nvPr/>
-        </p:nvSpPr>
-        <p:spPr>
-          <a:xfrm>
-            <a:off x="7190248" y="3442573"/>
-            <a:ext cx="1654492" cy="616744"/>
-          </a:xfrm>
-          <a:prstGeom prst="roundRect">
-            <a:avLst/>
-          </a:prstGeom>
-        </p:spPr>
-        <p:style>
-          <a:lnRef idx="0">
-            <a:schemeClr val="accent5"/>
-          </a:lnRef>
-          <a:fillRef idx="3">
-            <a:schemeClr val="accent5"/>
-          </a:fillRef>
-          <a:effectRef idx="3">
-            <a:schemeClr val="accent5"/>
-          </a:effectRef>
-          <a:fontRef idx="minor">
-            <a:schemeClr val="lt1"/>
-          </a:fontRef>
-        </p:style>
-        <p:txBody>
-          <a:bodyPr rtlCol="0" anchor="ctr"/>
-          <a:lstStyle/>
-          <a:p>
-            <a:pPr algn="ctr"/>
-            <a:r>
-              <a:rPr lang="en-IN" sz="1600" dirty="0">
-                <a:latin typeface="Segoe UI" panose="020B0502040204020203" pitchFamily="34" charset="0"/>
-                <a:cs typeface="Segoe UI" panose="020B0502040204020203" pitchFamily="34" charset="0"/>
-              </a:rPr>
-              <a:t>Inbound Flux</a:t>
-            </a:r>
-          </a:p>
-        </p:txBody>
-      </p:sp>
-      <p:sp>
-        <p:nvSpPr>
-          <p:cNvPr id="158" name="Rectangle: Rounded Corners 157">
-            <a:extLst>
-              <a:ext uri="{FF2B5EF4-FFF2-40B4-BE49-F238E27FC236}">
-                <a16:creationId xmlns:a16="http://schemas.microsoft.com/office/drawing/2014/main" id="{7FFAD682-0836-4503-AB3E-6DC251AACC16}"/>
-              </a:ext>
-            </a:extLst>
-          </p:cNvPr>
-          <p:cNvSpPr/>
-          <p:nvPr/>
-        </p:nvSpPr>
-        <p:spPr>
-          <a:xfrm>
-            <a:off x="9566437" y="3505388"/>
-            <a:ext cx="1654492" cy="616744"/>
-          </a:xfrm>
-          <a:prstGeom prst="roundRect">
-            <a:avLst/>
-          </a:prstGeom>
-        </p:spPr>
-        <p:style>
-          <a:lnRef idx="0">
-            <a:schemeClr val="accent5"/>
-          </a:lnRef>
-          <a:fillRef idx="3">
-            <a:schemeClr val="accent5"/>
-          </a:fillRef>
-          <a:effectRef idx="3">
-            <a:schemeClr val="accent5"/>
-          </a:effectRef>
-          <a:fontRef idx="minor">
-            <a:schemeClr val="lt1"/>
-          </a:fontRef>
-        </p:style>
-        <p:txBody>
-          <a:bodyPr rtlCol="0" anchor="ctr"/>
-          <a:lstStyle/>
-          <a:p>
-            <a:pPr algn="ctr"/>
-            <a:r>
-              <a:rPr lang="en-IN" sz="1600" dirty="0">
-                <a:latin typeface="Segoe UI" panose="020B0502040204020203" pitchFamily="34" charset="0"/>
-                <a:cs typeface="Segoe UI" panose="020B0502040204020203" pitchFamily="34" charset="0"/>
-              </a:rPr>
-              <a:t>Outbound Flux</a:t>
-            </a:r>
-          </a:p>
-        </p:txBody>
-      </p:sp>
-      <p:cxnSp>
-        <p:nvCxnSpPr>
-          <p:cNvPr id="159" name="Connector: Elbow 158">
-            <a:extLst>
-              <a:ext uri="{FF2B5EF4-FFF2-40B4-BE49-F238E27FC236}">
-                <a16:creationId xmlns:a16="http://schemas.microsoft.com/office/drawing/2014/main" id="{80CB9C3A-5EAB-4E1E-BF1D-46A43D775677}"/>
-              </a:ext>
-            </a:extLst>
-          </p:cNvPr>
-          <p:cNvCxnSpPr>
-            <a:cxnSpLocks/>
-            <a:stCxn id="155" idx="3"/>
-            <a:endCxn id="156" idx="3"/>
-          </p:cNvCxnSpPr>
-          <p:nvPr/>
-        </p:nvCxnSpPr>
-        <p:spPr>
-          <a:xfrm>
-            <a:off x="9642516" y="516018"/>
-            <a:ext cx="229315" cy="1791176"/>
-          </a:xfrm>
-          <a:prstGeom prst="bentConnector3">
-            <a:avLst>
-              <a:gd name="adj1" fmla="val 323745"/>
-            </a:avLst>
-          </a:prstGeom>
-          <a:ln w="19050">
-            <a:headEnd type="triangle" w="med" len="med"/>
-            <a:tailEnd type="none" w="med" len="med"/>
-          </a:ln>
-        </p:spPr>
-        <p:style>
-          <a:lnRef idx="1">
-            <a:schemeClr val="accent2"/>
-          </a:lnRef>
-          <a:fillRef idx="0">
-            <a:schemeClr val="accent2"/>
-          </a:fillRef>
-          <a:effectRef idx="0">
-            <a:schemeClr val="accent2"/>
-          </a:effectRef>
-          <a:fontRef idx="minor">
-            <a:schemeClr val="tx1"/>
-          </a:fontRef>
-        </p:style>
-      </p:cxnSp>
-      <p:cxnSp>
-        <p:nvCxnSpPr>
-          <p:cNvPr id="160" name="Connector: Elbow 159">
-            <a:extLst>
-              <a:ext uri="{FF2B5EF4-FFF2-40B4-BE49-F238E27FC236}">
-                <a16:creationId xmlns:a16="http://schemas.microsoft.com/office/drawing/2014/main" id="{6374CE98-BDB1-4E9A-AC6C-C2CAAA3351E3}"/>
-              </a:ext>
-            </a:extLst>
-          </p:cNvPr>
-          <p:cNvCxnSpPr>
-            <a:cxnSpLocks/>
-            <a:endCxn id="157" idx="0"/>
-          </p:cNvCxnSpPr>
-          <p:nvPr/>
-        </p:nvCxnSpPr>
-        <p:spPr>
-          <a:xfrm rot="5400000">
-            <a:off x="7773249" y="2713999"/>
-            <a:ext cx="972819" cy="484328"/>
-          </a:xfrm>
-          <a:prstGeom prst="bentConnector3">
-            <a:avLst>
-              <a:gd name="adj1" fmla="val -130"/>
-            </a:avLst>
-          </a:prstGeom>
-          <a:ln w="19050">
-            <a:headEnd type="none" w="med" len="med"/>
-            <a:tailEnd type="triangle" w="med" len="med"/>
-          </a:ln>
-        </p:spPr>
-        <p:style>
-          <a:lnRef idx="1">
-            <a:schemeClr val="accent2"/>
-          </a:lnRef>
-          <a:fillRef idx="0">
-            <a:schemeClr val="accent2"/>
-          </a:fillRef>
-          <a:effectRef idx="0">
-            <a:schemeClr val="accent2"/>
-          </a:effectRef>
-          <a:fontRef idx="minor">
-            <a:schemeClr val="tx1"/>
-          </a:fontRef>
-        </p:style>
-      </p:cxnSp>
-      <p:cxnSp>
-        <p:nvCxnSpPr>
-          <p:cNvPr id="161" name="Connector: Elbow 160">
-            <a:extLst>
-              <a:ext uri="{FF2B5EF4-FFF2-40B4-BE49-F238E27FC236}">
-                <a16:creationId xmlns:a16="http://schemas.microsoft.com/office/drawing/2014/main" id="{1A9AC8FB-7800-44C1-B245-81441F067615}"/>
-              </a:ext>
-            </a:extLst>
-          </p:cNvPr>
-          <p:cNvCxnSpPr>
-            <a:cxnSpLocks/>
-            <a:endCxn id="158" idx="0"/>
-          </p:cNvCxnSpPr>
-          <p:nvPr/>
-        </p:nvCxnSpPr>
-        <p:spPr>
-          <a:xfrm rot="16200000" flipH="1">
-            <a:off x="9579380" y="2691085"/>
-            <a:ext cx="1106754" cy="521852"/>
-          </a:xfrm>
-          <a:prstGeom prst="bentConnector3">
-            <a:avLst>
-              <a:gd name="adj1" fmla="val 428"/>
-            </a:avLst>
-          </a:prstGeom>
-          <a:ln w="19050">
-            <a:headEnd type="triangle" w="med" len="med"/>
-            <a:tailEnd type="none" w="med" len="med"/>
-          </a:ln>
-        </p:spPr>
-        <p:style>
-          <a:lnRef idx="1">
-            <a:schemeClr val="accent2"/>
-          </a:lnRef>
-          <a:fillRef idx="0">
-            <a:schemeClr val="accent2"/>
-          </a:fillRef>
-          <a:effectRef idx="0">
-            <a:schemeClr val="accent2"/>
-          </a:effectRef>
-          <a:fontRef idx="minor">
-            <a:schemeClr val="tx1"/>
-          </a:fontRef>
-        </p:style>
-      </p:cxnSp>
-      <p:cxnSp>
-        <p:nvCxnSpPr>
-          <p:cNvPr id="162" name="Connector: Elbow 161">
-            <a:extLst>
-              <a:ext uri="{FF2B5EF4-FFF2-40B4-BE49-F238E27FC236}">
-                <a16:creationId xmlns:a16="http://schemas.microsoft.com/office/drawing/2014/main" id="{30B51B3E-B3ED-4301-8B8B-0592E5DCDB3F}"/>
-              </a:ext>
-            </a:extLst>
-          </p:cNvPr>
-          <p:cNvCxnSpPr>
-            <a:cxnSpLocks/>
-            <a:stCxn id="156" idx="1"/>
-            <a:endCxn id="155" idx="1"/>
-          </p:cNvCxnSpPr>
-          <p:nvPr/>
-        </p:nvCxnSpPr>
-        <p:spPr>
-          <a:xfrm rot="10800000" flipH="1">
-            <a:off x="8501818" y="516018"/>
-            <a:ext cx="229315" cy="1791176"/>
-          </a:xfrm>
-          <a:prstGeom prst="bentConnector3">
-            <a:avLst>
-              <a:gd name="adj1" fmla="val -210453"/>
-            </a:avLst>
-          </a:prstGeom>
-          <a:ln w="19050">
-            <a:headEnd type="triangle" w="med" len="med"/>
-            <a:tailEnd type="none" w="med" len="med"/>
-          </a:ln>
-        </p:spPr>
-        <p:style>
-          <a:lnRef idx="1">
-            <a:schemeClr val="accent2"/>
-          </a:lnRef>
-          <a:fillRef idx="0">
-            <a:schemeClr val="accent2"/>
-          </a:fillRef>
-          <a:effectRef idx="0">
-            <a:schemeClr val="accent2"/>
-          </a:effectRef>
-          <a:fontRef idx="minor">
-            <a:schemeClr val="tx1"/>
-          </a:fontRef>
-        </p:style>
-      </p:cxnSp>
-      <p:sp>
-        <p:nvSpPr>
-          <p:cNvPr id="9" name="Flowchart: Terminator 8">
-            <a:extLst>
-              <a:ext uri="{FF2B5EF4-FFF2-40B4-BE49-F238E27FC236}">
-                <a16:creationId xmlns:a16="http://schemas.microsoft.com/office/drawing/2014/main" id="{5F777283-F13E-4BC9-A4B6-F77CB38FF0AD}"/>
-              </a:ext>
-            </a:extLst>
-          </p:cNvPr>
-          <p:cNvSpPr/>
-          <p:nvPr/>
-        </p:nvSpPr>
-        <p:spPr>
-          <a:xfrm>
-            <a:off x="5020237" y="934902"/>
-            <a:ext cx="1752038" cy="214015"/>
-          </a:xfrm>
-          <a:prstGeom prst="flowChartTerminator">
-            <a:avLst/>
-          </a:prstGeom>
-          <a:noFill/>
-          <a:ln>
-            <a:noFill/>
-          </a:ln>
-        </p:spPr>
-        <p:style>
-          <a:lnRef idx="2">
-            <a:schemeClr val="accent1">
-              <a:shade val="50000"/>
-            </a:schemeClr>
-          </a:lnRef>
-          <a:fillRef idx="1">
-            <a:schemeClr val="accent1"/>
-          </a:fillRef>
-          <a:effectRef idx="0">
-            <a:schemeClr val="accent1"/>
-          </a:effectRef>
-          <a:fontRef idx="minor">
-            <a:schemeClr val="lt1"/>
-          </a:fontRef>
-        </p:style>
-        <p:txBody>
-          <a:bodyPr rtlCol="0" anchor="ctr"/>
-          <a:lstStyle/>
-          <a:p>
-            <a:pPr algn="ctr"/>
-            <a:r>
-              <a:rPr lang="en-IN" sz="1600" dirty="0">
-                <a:solidFill>
-                  <a:srgbClr val="7030A0"/>
-                </a:solidFill>
-                <a:latin typeface="Segoe UI" panose="020B0502040204020203" pitchFamily="34" charset="0"/>
-                <a:cs typeface="Segoe UI" panose="020B0502040204020203" pitchFamily="34" charset="0"/>
-              </a:rPr>
-              <a:t>HTTP SESSION</a:t>
-            </a:r>
-          </a:p>
-        </p:txBody>
-      </p:sp>
-      <p:sp>
-        <p:nvSpPr>
-          <p:cNvPr id="41" name="Flowchart: Terminator 40">
-            <a:extLst>
-              <a:ext uri="{FF2B5EF4-FFF2-40B4-BE49-F238E27FC236}">
-                <a16:creationId xmlns:a16="http://schemas.microsoft.com/office/drawing/2014/main" id="{1C0D8E0B-18AB-4BB3-B884-77E8C32000B8}"/>
-              </a:ext>
-            </a:extLst>
-          </p:cNvPr>
-          <p:cNvSpPr/>
-          <p:nvPr/>
-        </p:nvSpPr>
-        <p:spPr>
-          <a:xfrm>
-            <a:off x="5008989" y="1405765"/>
-            <a:ext cx="1939707" cy="237299"/>
-          </a:xfrm>
-          <a:prstGeom prst="flowChartTerminator">
-            <a:avLst/>
-          </a:prstGeom>
-          <a:noFill/>
-          <a:ln>
-            <a:noFill/>
-          </a:ln>
-        </p:spPr>
-        <p:style>
-          <a:lnRef idx="2">
-            <a:schemeClr val="accent1">
-              <a:shade val="50000"/>
-            </a:schemeClr>
-          </a:lnRef>
-          <a:fillRef idx="1">
-            <a:schemeClr val="accent1"/>
-          </a:fillRef>
-          <a:effectRef idx="0">
-            <a:schemeClr val="accent1"/>
-          </a:effectRef>
-          <a:fontRef idx="minor">
-            <a:schemeClr val="lt1"/>
-          </a:fontRef>
-        </p:style>
-        <p:txBody>
-          <a:bodyPr rtlCol="0" anchor="ctr"/>
-          <a:lstStyle/>
-          <a:p>
-            <a:pPr algn="ctr"/>
-            <a:r>
-              <a:rPr lang="en-IN" sz="1600" dirty="0">
-                <a:solidFill>
-                  <a:srgbClr val="7030A0"/>
-                </a:solidFill>
-                <a:latin typeface="Segoe UI" panose="020B0502040204020203" pitchFamily="34" charset="0"/>
-                <a:cs typeface="Segoe UI" panose="020B0502040204020203" pitchFamily="34" charset="0"/>
-              </a:rPr>
-              <a:t>SOCKET SESSION</a:t>
-            </a:r>
-          </a:p>
-        </p:txBody>
-      </p:sp>
+      <p:pic>
+        <p:nvPicPr>
+          <p:cNvPr id="8" name="Picture 7">
+            <a:extLst>
+              <a:ext uri="{FF2B5EF4-FFF2-40B4-BE49-F238E27FC236}">
+                <a16:creationId xmlns:a16="http://schemas.microsoft.com/office/drawing/2014/main" id="{7261963E-5C20-4C36-9C92-5CDE6E4E169A}"/>
+              </a:ext>
+            </a:extLst>
+          </p:cNvPr>
+          <p:cNvPicPr>
+            <a:picLocks noChangeAspect="1"/>
+          </p:cNvPicPr>
+          <p:nvPr/>
+        </p:nvPicPr>
+        <p:blipFill>
+          <a:blip r:embed="rId2"/>
+          <a:stretch>
+            <a:fillRect/>
+          </a:stretch>
+        </p:blipFill>
+        <p:spPr>
+          <a:xfrm>
+            <a:off x="1423588" y="1650308"/>
+            <a:ext cx="3187864" cy="2216264"/>
+          </a:xfrm>
+          <a:prstGeom prst="rect">
+            <a:avLst/>
+          </a:prstGeom>
+        </p:spPr>
+      </p:pic>
+      <p:pic>
+        <p:nvPicPr>
+          <p:cNvPr id="10" name="Picture 9">
+            <a:extLst>
+              <a:ext uri="{FF2B5EF4-FFF2-40B4-BE49-F238E27FC236}">
+                <a16:creationId xmlns:a16="http://schemas.microsoft.com/office/drawing/2014/main" id="{98AFD966-CCE8-454C-AD3E-F79540CF6FCB}"/>
+              </a:ext>
+            </a:extLst>
+          </p:cNvPr>
+          <p:cNvPicPr>
+            <a:picLocks noChangeAspect="1"/>
+          </p:cNvPicPr>
+          <p:nvPr/>
+        </p:nvPicPr>
+        <p:blipFill>
+          <a:blip r:embed="rId3"/>
+          <a:stretch>
+            <a:fillRect/>
+          </a:stretch>
+        </p:blipFill>
+        <p:spPr>
+          <a:xfrm>
+            <a:off x="5579649" y="2058630"/>
+            <a:ext cx="3714941" cy="1562180"/>
+          </a:xfrm>
+          <a:prstGeom prst="rect">
+            <a:avLst/>
+          </a:prstGeom>
+        </p:spPr>
+      </p:pic>
     </p:spTree>
     <p:extLst>
       <p:ext uri="{BB962C8B-B14F-4D97-AF65-F5344CB8AC3E}">
-        <p14:creationId xmlns:p14="http://schemas.microsoft.com/office/powerpoint/2010/main" val="1701211029"/>
+        <p14:creationId xmlns:p14="http://schemas.microsoft.com/office/powerpoint/2010/main" val="2841804134"/>
       </p:ext>
     </p:extLst>
   </p:cSld>
@@ -7887,10 +10936,10 @@
       </p:grpSpPr>
       <p:sp>
         <p:nvSpPr>
-          <p:cNvPr id="35" name="Rectangle: Rounded Corners 34">
-            <a:extLst>
-              <a:ext uri="{FF2B5EF4-FFF2-40B4-BE49-F238E27FC236}">
-                <a16:creationId xmlns:a16="http://schemas.microsoft.com/office/drawing/2014/main" id="{CCB93A3A-2E55-49CE-9D59-9F88041609F6}"/>
+          <p:cNvPr id="51" name="Rectangle: Rounded Corners 50">
+            <a:extLst>
+              <a:ext uri="{FF2B5EF4-FFF2-40B4-BE49-F238E27FC236}">
+                <a16:creationId xmlns:a16="http://schemas.microsoft.com/office/drawing/2014/main" id="{F93D6E1C-8AFB-4238-9290-7188A0EB6D5C}"/>
               </a:ext>
             </a:extLst>
           </p:cNvPr>
@@ -7899,8 +10948,66 @@
         </p:nvSpPr>
         <p:spPr>
           <a:xfrm>
-            <a:off x="266700" y="912893"/>
-            <a:ext cx="11487150" cy="5825964"/>
+            <a:off x="76200" y="685800"/>
+            <a:ext cx="11801475" cy="6193342"/>
+          </a:xfrm>
+          <a:prstGeom prst="roundRect">
+            <a:avLst/>
+          </a:prstGeom>
+          <a:solidFill>
+            <a:schemeClr val="accent3">
+              <a:lumMod val="60000"/>
+              <a:lumOff val="40000"/>
+            </a:schemeClr>
+          </a:solidFill>
+          <a:ln>
+            <a:noFill/>
+          </a:ln>
+        </p:spPr>
+        <p:style>
+          <a:lnRef idx="2">
+            <a:schemeClr val="accent1">
+              <a:shade val="50000"/>
+            </a:schemeClr>
+          </a:lnRef>
+          <a:fillRef idx="1">
+            <a:schemeClr val="accent1"/>
+          </a:fillRef>
+          <a:effectRef idx="0">
+            <a:schemeClr val="accent1"/>
+          </a:effectRef>
+          <a:fontRef idx="minor">
+            <a:schemeClr val="lt1"/>
+          </a:fontRef>
+        </p:style>
+        <p:txBody>
+          <a:bodyPr rtlCol="0" anchor="ctr"/>
+          <a:lstStyle/>
+          <a:p>
+            <a:pPr algn="ctr"/>
+            <a:endParaRPr lang="en-IN" dirty="0">
+              <a:latin typeface="Segoe UI" panose="020B0502040204020203" pitchFamily="34" charset="0"/>
+              <a:cs typeface="Segoe UI" panose="020B0502040204020203" pitchFamily="34" charset="0"/>
+            </a:endParaRPr>
+          </a:p>
+        </p:txBody>
+      </p:sp>
+      <p:sp>
+        <p:nvSpPr>
+          <p:cNvPr id="42" name="Rectangle: Rounded Corners 41">
+            <a:extLst>
+              <a:ext uri="{FF2B5EF4-FFF2-40B4-BE49-F238E27FC236}">
+                <a16:creationId xmlns:a16="http://schemas.microsoft.com/office/drawing/2014/main" id="{117A09F0-24BF-493B-A3CF-448030ACCDBB}"/>
+              </a:ext>
+            </a:extLst>
+          </p:cNvPr>
+          <p:cNvSpPr/>
+          <p:nvPr/>
+        </p:nvSpPr>
+        <p:spPr>
+          <a:xfrm>
+            <a:off x="6461508" y="853601"/>
+            <a:ext cx="5265788" cy="4761191"/>
           </a:xfrm>
           <a:prstGeom prst="roundRect">
             <a:avLst/>
@@ -7945,10 +11052,10 @@
       </p:sp>
       <p:sp>
         <p:nvSpPr>
-          <p:cNvPr id="10" name="Rectangle: Rounded Corners 9">
-            <a:extLst>
-              <a:ext uri="{FF2B5EF4-FFF2-40B4-BE49-F238E27FC236}">
-                <a16:creationId xmlns:a16="http://schemas.microsoft.com/office/drawing/2014/main" id="{64DC03ED-3E0D-4A1E-A2F7-4547D34BDA11}"/>
+          <p:cNvPr id="35" name="Rectangle: Rounded Corners 34">
+            <a:extLst>
+              <a:ext uri="{FF2B5EF4-FFF2-40B4-BE49-F238E27FC236}">
+                <a16:creationId xmlns:a16="http://schemas.microsoft.com/office/drawing/2014/main" id="{3B94AB0D-395C-4930-98F1-5C66BD441C26}"/>
               </a:ext>
             </a:extLst>
           </p:cNvPr>
@@ -7957,8 +11064,66 @@
         </p:nvSpPr>
         <p:spPr>
           <a:xfrm>
-            <a:off x="528298" y="1250476"/>
-            <a:ext cx="10962005" cy="5265055"/>
+            <a:off x="220418" y="900778"/>
+            <a:ext cx="5637187" cy="4761191"/>
+          </a:xfrm>
+          <a:prstGeom prst="roundRect">
+            <a:avLst/>
+          </a:prstGeom>
+          <a:solidFill>
+            <a:schemeClr val="accent3">
+              <a:lumMod val="40000"/>
+              <a:lumOff val="60000"/>
+            </a:schemeClr>
+          </a:solidFill>
+          <a:ln>
+            <a:noFill/>
+          </a:ln>
+        </p:spPr>
+        <p:style>
+          <a:lnRef idx="2">
+            <a:schemeClr val="accent1">
+              <a:shade val="50000"/>
+            </a:schemeClr>
+          </a:lnRef>
+          <a:fillRef idx="1">
+            <a:schemeClr val="accent1"/>
+          </a:fillRef>
+          <a:effectRef idx="0">
+            <a:schemeClr val="accent1"/>
+          </a:effectRef>
+          <a:fontRef idx="minor">
+            <a:schemeClr val="lt1"/>
+          </a:fontRef>
+        </p:style>
+        <p:txBody>
+          <a:bodyPr rtlCol="0" anchor="ctr"/>
+          <a:lstStyle/>
+          <a:p>
+            <a:pPr algn="ctr"/>
+            <a:endParaRPr lang="en-IN" dirty="0">
+              <a:latin typeface="Segoe UI" panose="020B0502040204020203" pitchFamily="34" charset="0"/>
+              <a:cs typeface="Segoe UI" panose="020B0502040204020203" pitchFamily="34" charset="0"/>
+            </a:endParaRPr>
+          </a:p>
+        </p:txBody>
+      </p:sp>
+      <p:sp>
+        <p:nvSpPr>
+          <p:cNvPr id="39" name="Rectangle: Rounded Corners 38">
+            <a:extLst>
+              <a:ext uri="{FF2B5EF4-FFF2-40B4-BE49-F238E27FC236}">
+                <a16:creationId xmlns:a16="http://schemas.microsoft.com/office/drawing/2014/main" id="{444111FD-334A-4853-B7F2-2D873781FFE4}"/>
+              </a:ext>
+            </a:extLst>
+          </p:cNvPr>
+          <p:cNvSpPr/>
+          <p:nvPr/>
+        </p:nvSpPr>
+        <p:spPr>
+          <a:xfrm>
+            <a:off x="6611961" y="1243208"/>
+            <a:ext cx="5010933" cy="4177474"/>
           </a:xfrm>
           <a:prstGeom prst="roundRect">
             <a:avLst/>
@@ -8003,6 +11168,64 @@
       </p:sp>
       <p:sp>
         <p:nvSpPr>
+          <p:cNvPr id="10" name="Rectangle: Rounded Corners 9">
+            <a:extLst>
+              <a:ext uri="{FF2B5EF4-FFF2-40B4-BE49-F238E27FC236}">
+                <a16:creationId xmlns:a16="http://schemas.microsoft.com/office/drawing/2014/main" id="{64DC03ED-3E0D-4A1E-A2F7-4547D34BDA11}"/>
+              </a:ext>
+            </a:extLst>
+          </p:cNvPr>
+          <p:cNvSpPr/>
+          <p:nvPr/>
+        </p:nvSpPr>
+        <p:spPr>
+          <a:xfrm>
+            <a:off x="528298" y="1250476"/>
+            <a:ext cx="4965567" cy="4170205"/>
+          </a:xfrm>
+          <a:prstGeom prst="roundRect">
+            <a:avLst/>
+          </a:prstGeom>
+          <a:solidFill>
+            <a:schemeClr val="accent3">
+              <a:lumMod val="20000"/>
+              <a:lumOff val="80000"/>
+            </a:schemeClr>
+          </a:solidFill>
+          <a:ln>
+            <a:noFill/>
+          </a:ln>
+        </p:spPr>
+        <p:style>
+          <a:lnRef idx="2">
+            <a:schemeClr val="accent1">
+              <a:shade val="50000"/>
+            </a:schemeClr>
+          </a:lnRef>
+          <a:fillRef idx="1">
+            <a:schemeClr val="accent1"/>
+          </a:fillRef>
+          <a:effectRef idx="0">
+            <a:schemeClr val="accent1"/>
+          </a:effectRef>
+          <a:fontRef idx="minor">
+            <a:schemeClr val="lt1"/>
+          </a:fontRef>
+        </p:style>
+        <p:txBody>
+          <a:bodyPr rtlCol="0" anchor="ctr"/>
+          <a:lstStyle/>
+          <a:p>
+            <a:pPr algn="ctr"/>
+            <a:endParaRPr lang="en-IN" dirty="0">
+              <a:latin typeface="Segoe UI" panose="020B0502040204020203" pitchFamily="34" charset="0"/>
+              <a:cs typeface="Segoe UI" panose="020B0502040204020203" pitchFamily="34" charset="0"/>
+            </a:endParaRPr>
+          </a:p>
+        </p:txBody>
+      </p:sp>
+      <p:sp>
+        <p:nvSpPr>
           <p:cNvPr id="4" name="Rectangle: Rounded Corners 3">
             <a:extLst>
               <a:ext uri="{FF2B5EF4-FFF2-40B4-BE49-F238E27FC236}">
@@ -8016,7 +11239,7 @@
         <p:spPr>
           <a:xfrm>
             <a:off x="2242583" y="59851"/>
-            <a:ext cx="911382" cy="793750"/>
+            <a:ext cx="911382" cy="548725"/>
           </a:xfrm>
           <a:prstGeom prst="roundRect">
             <a:avLst/>
@@ -8108,7 +11331,7 @@
                 <a:latin typeface="Segoe UI" panose="020B0502040204020203" pitchFamily="34" charset="0"/>
                 <a:cs typeface="Segoe UI" panose="020B0502040204020203" pitchFamily="34" charset="0"/>
               </a:rPr>
-              <a:t>Socket Session</a:t>
+              <a:t>Socket Session Handler</a:t>
             </a:r>
           </a:p>
         </p:txBody>
@@ -8127,7 +11350,7 @@
         </p:nvSpPr>
         <p:spPr>
           <a:xfrm rot="5400000">
-            <a:off x="5652841" y="634760"/>
+            <a:off x="5715749" y="1112557"/>
             <a:ext cx="523875" cy="10400517"/>
           </a:xfrm>
           <a:prstGeom prst="can">
@@ -8158,7 +11381,7 @@
                 <a:latin typeface="Segoe UI" panose="020B0502040204020203" pitchFamily="34" charset="0"/>
                 <a:cs typeface="Segoe UI" panose="020B0502040204020203" pitchFamily="34" charset="0"/>
               </a:rPr>
-              <a:t>PubSubChannel (e.g FluxMessageChannel)  </a:t>
+              <a:t>Multiplexer  </a:t>
             </a:r>
           </a:p>
         </p:txBody>
@@ -8231,7 +11454,7 @@
         <p:spPr>
           <a:xfrm flipV="1">
             <a:off x="1528943" y="4000025"/>
-            <a:ext cx="0" cy="1590150"/>
+            <a:ext cx="0" cy="2050853"/>
           </a:xfrm>
           <a:prstGeom prst="straightConnector1">
             <a:avLst/>
@@ -8271,9 +11494,9 @@
           <p:nvPr/>
         </p:nvCxnSpPr>
         <p:spPr>
-          <a:xfrm flipH="1">
-            <a:off x="8078711" y="4776726"/>
-            <a:ext cx="12824" cy="796353"/>
+          <a:xfrm>
+            <a:off x="8091535" y="4776726"/>
+            <a:ext cx="0" cy="1274152"/>
           </a:xfrm>
           <a:prstGeom prst="straightConnector1">
             <a:avLst/>
@@ -8405,8 +11628,8 @@
         </p:nvSpPr>
         <p:spPr>
           <a:xfrm>
-            <a:off x="5953125" y="3969099"/>
-            <a:ext cx="995572" cy="643193"/>
+            <a:off x="5653691" y="3969099"/>
+            <a:ext cx="983383" cy="643193"/>
           </a:xfrm>
           <a:prstGeom prst="can">
             <a:avLst/>
@@ -8459,8 +11682,8 @@
         </p:nvCxnSpPr>
         <p:spPr>
           <a:xfrm flipH="1" flipV="1">
-            <a:off x="6948697" y="4290696"/>
-            <a:ext cx="965314" cy="1"/>
+            <a:off x="6637074" y="4290696"/>
+            <a:ext cx="1276937" cy="1"/>
           </a:xfrm>
           <a:prstGeom prst="straightConnector1">
             <a:avLst/>
@@ -8586,8 +11809,8 @@
         </p:nvCxnSpPr>
         <p:spPr>
           <a:xfrm flipV="1">
-            <a:off x="10380859" y="4122132"/>
-            <a:ext cx="12824" cy="1468043"/>
+            <a:off x="10380860" y="4122132"/>
+            <a:ext cx="12823" cy="1928746"/>
           </a:xfrm>
           <a:prstGeom prst="straightConnector1">
             <a:avLst/>
@@ -8679,7 +11902,7 @@
         <p:spPr>
           <a:xfrm>
             <a:off x="3917956" y="4793822"/>
-            <a:ext cx="0" cy="796353"/>
+            <a:ext cx="0" cy="1257056"/>
           </a:xfrm>
           <a:prstGeom prst="straightConnector1">
             <a:avLst/>
@@ -8816,7 +12039,7 @@
         <p:spPr>
           <a:xfrm flipV="1">
             <a:off x="4075160" y="4290696"/>
-            <a:ext cx="1877965" cy="17097"/>
+            <a:ext cx="1578531" cy="17097"/>
           </a:xfrm>
           <a:prstGeom prst="straightConnector1">
             <a:avLst/>
@@ -8944,12 +12167,12 @@
         </p:nvCxnSpPr>
         <p:spPr>
           <a:xfrm>
-            <a:off x="3153965" y="456726"/>
-            <a:ext cx="229315" cy="1791176"/>
+            <a:off x="3153965" y="334214"/>
+            <a:ext cx="229315" cy="1913688"/>
           </a:xfrm>
           <a:prstGeom prst="bentConnector3">
             <a:avLst>
-              <a:gd name="adj1" fmla="val 323745"/>
+              <a:gd name="adj1" fmla="val 199688"/>
             </a:avLst>
           </a:prstGeom>
           <a:ln w="19050">
@@ -9078,12 +12301,12 @@
         </p:nvCxnSpPr>
         <p:spPr>
           <a:xfrm rot="10800000" flipH="1">
-            <a:off x="2013267" y="456726"/>
-            <a:ext cx="229315" cy="1791176"/>
+            <a:off x="2013267" y="334214"/>
+            <a:ext cx="229315" cy="1913688"/>
           </a:xfrm>
           <a:prstGeom prst="bentConnector3">
             <a:avLst>
-              <a:gd name="adj1" fmla="val -210453"/>
+              <a:gd name="adj1" fmla="val -99688"/>
             </a:avLst>
           </a:prstGeom>
           <a:ln w="19050">
@@ -9119,8 +12342,8 @@
         </p:nvSpPr>
         <p:spPr>
           <a:xfrm>
-            <a:off x="8731134" y="119143"/>
-            <a:ext cx="911382" cy="793750"/>
+            <a:off x="8734470" y="24515"/>
+            <a:ext cx="911382" cy="541456"/>
           </a:xfrm>
           <a:prstGeom prst="roundRect">
             <a:avLst/>
@@ -9212,7 +12435,7 @@
                 <a:latin typeface="Segoe UI" panose="020B0502040204020203" pitchFamily="34" charset="0"/>
                 <a:cs typeface="Segoe UI" panose="020B0502040204020203" pitchFamily="34" charset="0"/>
               </a:rPr>
-              <a:t>Socket Session</a:t>
+              <a:t>Socket Session Handler</a:t>
             </a:r>
           </a:p>
         </p:txBody>
@@ -9335,12 +12558,12 @@
         </p:nvCxnSpPr>
         <p:spPr>
           <a:xfrm>
-            <a:off x="9642516" y="516018"/>
-            <a:ext cx="229315" cy="1791176"/>
+            <a:off x="9645852" y="295243"/>
+            <a:ext cx="225979" cy="2011951"/>
           </a:xfrm>
           <a:prstGeom prst="bentConnector3">
             <a:avLst>
-              <a:gd name="adj1" fmla="val 323745"/>
+              <a:gd name="adj1" fmla="val 201160"/>
             </a:avLst>
           </a:prstGeom>
           <a:ln w="19050">
@@ -9471,12 +12694,12 @@
         </p:nvCxnSpPr>
         <p:spPr>
           <a:xfrm rot="10800000" flipH="1">
-            <a:off x="8501818" y="516018"/>
-            <a:ext cx="229315" cy="1791176"/>
+            <a:off x="8501818" y="295244"/>
+            <a:ext cx="232651" cy="2011951"/>
           </a:xfrm>
           <a:prstGeom prst="bentConnector3">
             <a:avLst>
-              <a:gd name="adj1" fmla="val -210453"/>
+              <a:gd name="adj1" fmla="val -98259"/>
             </a:avLst>
           </a:prstGeom>
           <a:ln w="19050">
@@ -9501,10 +12724,10 @@
       </p:cxnSp>
       <p:sp>
         <p:nvSpPr>
-          <p:cNvPr id="38" name="Flowchart: Terminator 37">
-            <a:extLst>
-              <a:ext uri="{FF2B5EF4-FFF2-40B4-BE49-F238E27FC236}">
-                <a16:creationId xmlns:a16="http://schemas.microsoft.com/office/drawing/2014/main" id="{411BBBCD-BF9E-45A8-BD85-D56DD03B0FF5}"/>
+          <p:cNvPr id="9" name="Flowchart: Terminator 8">
+            <a:extLst>
+              <a:ext uri="{FF2B5EF4-FFF2-40B4-BE49-F238E27FC236}">
+                <a16:creationId xmlns:a16="http://schemas.microsoft.com/office/drawing/2014/main" id="{5F777283-F13E-4BC9-A4B6-F77CB38FF0AD}"/>
               </a:ext>
             </a:extLst>
           </p:cNvPr>
@@ -9513,7 +12736,7 @@
         </p:nvSpPr>
         <p:spPr>
           <a:xfrm>
-            <a:off x="5020237" y="934902"/>
+            <a:off x="1892167" y="955182"/>
             <a:ext cx="1752038" cy="214015"/>
           </a:xfrm>
           <a:prstGeom prst="flowChartTerminator">
@@ -9560,10 +12783,10 @@
       </p:sp>
       <p:sp>
         <p:nvSpPr>
-          <p:cNvPr id="39" name="Flowchart: Terminator 38">
-            <a:extLst>
-              <a:ext uri="{FF2B5EF4-FFF2-40B4-BE49-F238E27FC236}">
-                <a16:creationId xmlns:a16="http://schemas.microsoft.com/office/drawing/2014/main" id="{E5D05BCA-D94D-491E-A966-1FF82025EE2A}"/>
+          <p:cNvPr id="41" name="Flowchart: Terminator 40">
+            <a:extLst>
+              <a:ext uri="{FF2B5EF4-FFF2-40B4-BE49-F238E27FC236}">
+                <a16:creationId xmlns:a16="http://schemas.microsoft.com/office/drawing/2014/main" id="{1C0D8E0B-18AB-4BB3-B884-77E8C32000B8}"/>
               </a:ext>
             </a:extLst>
           </p:cNvPr>
@@ -9572,7 +12795,7 @@
         </p:nvSpPr>
         <p:spPr>
           <a:xfrm>
-            <a:off x="5008989" y="1405765"/>
+            <a:off x="1824666" y="1243207"/>
             <a:ext cx="1939707" cy="237299"/>
           </a:xfrm>
           <a:prstGeom prst="flowChartTerminator">
@@ -9617,10 +12840,187 @@
           </a:p>
         </p:txBody>
       </p:sp>
+      <p:sp>
+        <p:nvSpPr>
+          <p:cNvPr id="40" name="Flowchart: Terminator 39">
+            <a:extLst>
+              <a:ext uri="{FF2B5EF4-FFF2-40B4-BE49-F238E27FC236}">
+                <a16:creationId xmlns:a16="http://schemas.microsoft.com/office/drawing/2014/main" id="{A94AAE31-CBE3-4AF8-B486-4DBBE3A780AE}"/>
+              </a:ext>
+            </a:extLst>
+          </p:cNvPr>
+          <p:cNvSpPr/>
+          <p:nvPr/>
+        </p:nvSpPr>
+        <p:spPr>
+          <a:xfrm>
+            <a:off x="8280875" y="1265128"/>
+            <a:ext cx="1939707" cy="237299"/>
+          </a:xfrm>
+          <a:prstGeom prst="flowChartTerminator">
+            <a:avLst/>
+          </a:prstGeom>
+          <a:noFill/>
+          <a:ln>
+            <a:noFill/>
+          </a:ln>
+        </p:spPr>
+        <p:style>
+          <a:lnRef idx="2">
+            <a:schemeClr val="accent1">
+              <a:shade val="50000"/>
+            </a:schemeClr>
+          </a:lnRef>
+          <a:fillRef idx="1">
+            <a:schemeClr val="accent1"/>
+          </a:fillRef>
+          <a:effectRef idx="0">
+            <a:schemeClr val="accent1"/>
+          </a:effectRef>
+          <a:fontRef idx="minor">
+            <a:schemeClr val="lt1"/>
+          </a:fontRef>
+        </p:style>
+        <p:txBody>
+          <a:bodyPr rtlCol="0" anchor="ctr"/>
+          <a:lstStyle/>
+          <a:p>
+            <a:pPr algn="ctr"/>
+            <a:r>
+              <a:rPr lang="en-IN" sz="1600" dirty="0">
+                <a:solidFill>
+                  <a:srgbClr val="7030A0"/>
+                </a:solidFill>
+                <a:latin typeface="Segoe UI" panose="020B0502040204020203" pitchFamily="34" charset="0"/>
+                <a:cs typeface="Segoe UI" panose="020B0502040204020203" pitchFamily="34" charset="0"/>
+              </a:rPr>
+              <a:t>SOCKET SESSION</a:t>
+            </a:r>
+          </a:p>
+        </p:txBody>
+      </p:sp>
+      <p:sp>
+        <p:nvSpPr>
+          <p:cNvPr id="44" name="Flowchart: Terminator 43">
+            <a:extLst>
+              <a:ext uri="{FF2B5EF4-FFF2-40B4-BE49-F238E27FC236}">
+                <a16:creationId xmlns:a16="http://schemas.microsoft.com/office/drawing/2014/main" id="{C491C6A2-8E46-40DF-95E5-1F0DEA676661}"/>
+              </a:ext>
+            </a:extLst>
+          </p:cNvPr>
+          <p:cNvSpPr/>
+          <p:nvPr/>
+        </p:nvSpPr>
+        <p:spPr>
+          <a:xfrm>
+            <a:off x="8310806" y="964148"/>
+            <a:ext cx="1752038" cy="214015"/>
+          </a:xfrm>
+          <a:prstGeom prst="flowChartTerminator">
+            <a:avLst/>
+          </a:prstGeom>
+          <a:noFill/>
+          <a:ln>
+            <a:noFill/>
+          </a:ln>
+        </p:spPr>
+        <p:style>
+          <a:lnRef idx="2">
+            <a:schemeClr val="accent1">
+              <a:shade val="50000"/>
+            </a:schemeClr>
+          </a:lnRef>
+          <a:fillRef idx="1">
+            <a:schemeClr val="accent1"/>
+          </a:fillRef>
+          <a:effectRef idx="0">
+            <a:schemeClr val="accent1"/>
+          </a:effectRef>
+          <a:fontRef idx="minor">
+            <a:schemeClr val="lt1"/>
+          </a:fontRef>
+        </p:style>
+        <p:txBody>
+          <a:bodyPr rtlCol="0" anchor="ctr"/>
+          <a:lstStyle/>
+          <a:p>
+            <a:pPr algn="ctr"/>
+            <a:r>
+              <a:rPr lang="en-IN" sz="1600" dirty="0">
+                <a:solidFill>
+                  <a:srgbClr val="7030A0"/>
+                </a:solidFill>
+                <a:latin typeface="Segoe UI" panose="020B0502040204020203" pitchFamily="34" charset="0"/>
+                <a:cs typeface="Segoe UI" panose="020B0502040204020203" pitchFamily="34" charset="0"/>
+              </a:rPr>
+              <a:t>HTTP SESSION</a:t>
+            </a:r>
+          </a:p>
+        </p:txBody>
+      </p:sp>
+      <p:sp>
+        <p:nvSpPr>
+          <p:cNvPr id="56" name="Flowchart: Terminator 55">
+            <a:extLst>
+              <a:ext uri="{FF2B5EF4-FFF2-40B4-BE49-F238E27FC236}">
+                <a16:creationId xmlns:a16="http://schemas.microsoft.com/office/drawing/2014/main" id="{2B3592E2-A8E4-4DCA-82B5-E94CF0CB4E30}"/>
+              </a:ext>
+            </a:extLst>
+          </p:cNvPr>
+          <p:cNvSpPr/>
+          <p:nvPr/>
+        </p:nvSpPr>
+        <p:spPr>
+          <a:xfrm>
+            <a:off x="5202529" y="736223"/>
+            <a:ext cx="1752038" cy="214015"/>
+          </a:xfrm>
+          <a:prstGeom prst="flowChartTerminator">
+            <a:avLst/>
+          </a:prstGeom>
+          <a:noFill/>
+          <a:ln>
+            <a:noFill/>
+          </a:ln>
+        </p:spPr>
+        <p:style>
+          <a:lnRef idx="2">
+            <a:schemeClr val="accent1">
+              <a:shade val="50000"/>
+            </a:schemeClr>
+          </a:lnRef>
+          <a:fillRef idx="1">
+            <a:schemeClr val="accent1"/>
+          </a:fillRef>
+          <a:effectRef idx="0">
+            <a:schemeClr val="accent1"/>
+          </a:effectRef>
+          <a:fontRef idx="minor">
+            <a:schemeClr val="lt1"/>
+          </a:fontRef>
+        </p:style>
+        <p:txBody>
+          <a:bodyPr rtlCol="0" anchor="ctr"/>
+          <a:lstStyle/>
+          <a:p>
+            <a:pPr algn="ctr"/>
+            <a:r>
+              <a:rPr lang="en-IN" sz="1600" dirty="0">
+                <a:solidFill>
+                  <a:srgbClr val="7030A0"/>
+                </a:solidFill>
+                <a:latin typeface="Segoe UI" panose="020B0502040204020203" pitchFamily="34" charset="0"/>
+                <a:cs typeface="Segoe UI" panose="020B0502040204020203" pitchFamily="34" charset="0"/>
+              </a:rPr>
+              <a:t>JVM</a:t>
+            </a:r>
+          </a:p>
+        </p:txBody>
+      </p:sp>
     </p:spTree>
     <p:extLst>
       <p:ext uri="{BB962C8B-B14F-4D97-AF65-F5344CB8AC3E}">
-        <p14:creationId xmlns:p14="http://schemas.microsoft.com/office/powerpoint/2010/main" val="1252245034"/>
+        <p14:creationId xmlns:p14="http://schemas.microsoft.com/office/powerpoint/2010/main" val="1701211029"/>
       </p:ext>
     </p:extLst>
   </p:cSld>
@@ -9649,10 +13049,10 @@
       </p:grpSpPr>
       <p:sp>
         <p:nvSpPr>
-          <p:cNvPr id="66" name="Rectangle: Rounded Corners 65">
-            <a:extLst>
-              <a:ext uri="{FF2B5EF4-FFF2-40B4-BE49-F238E27FC236}">
-                <a16:creationId xmlns:a16="http://schemas.microsoft.com/office/drawing/2014/main" id="{3CDE43A4-ADD4-4F24-9A87-1F9A6C3E336C}"/>
+          <p:cNvPr id="51" name="Rectangle: Rounded Corners 50">
+            <a:extLst>
+              <a:ext uri="{FF2B5EF4-FFF2-40B4-BE49-F238E27FC236}">
+                <a16:creationId xmlns:a16="http://schemas.microsoft.com/office/drawing/2014/main" id="{F93D6E1C-8AFB-4238-9290-7188A0EB6D5C}"/>
               </a:ext>
             </a:extLst>
           </p:cNvPr>
@@ -9661,8 +13061,66 @@
         </p:nvSpPr>
         <p:spPr>
           <a:xfrm>
-            <a:off x="266700" y="912893"/>
-            <a:ext cx="11487150" cy="5825964"/>
+            <a:off x="76200" y="685800"/>
+            <a:ext cx="11801475" cy="6193342"/>
+          </a:xfrm>
+          <a:prstGeom prst="roundRect">
+            <a:avLst/>
+          </a:prstGeom>
+          <a:solidFill>
+            <a:schemeClr val="accent3">
+              <a:lumMod val="60000"/>
+              <a:lumOff val="40000"/>
+            </a:schemeClr>
+          </a:solidFill>
+          <a:ln>
+            <a:noFill/>
+          </a:ln>
+        </p:spPr>
+        <p:style>
+          <a:lnRef idx="2">
+            <a:schemeClr val="accent1">
+              <a:shade val="50000"/>
+            </a:schemeClr>
+          </a:lnRef>
+          <a:fillRef idx="1">
+            <a:schemeClr val="accent1"/>
+          </a:fillRef>
+          <a:effectRef idx="0">
+            <a:schemeClr val="accent1"/>
+          </a:effectRef>
+          <a:fontRef idx="minor">
+            <a:schemeClr val="lt1"/>
+          </a:fontRef>
+        </p:style>
+        <p:txBody>
+          <a:bodyPr rtlCol="0" anchor="ctr"/>
+          <a:lstStyle/>
+          <a:p>
+            <a:pPr algn="ctr"/>
+            <a:endParaRPr lang="en-IN" dirty="0">
+              <a:latin typeface="Segoe UI" panose="020B0502040204020203" pitchFamily="34" charset="0"/>
+              <a:cs typeface="Segoe UI" panose="020B0502040204020203" pitchFamily="34" charset="0"/>
+            </a:endParaRPr>
+          </a:p>
+        </p:txBody>
+      </p:sp>
+      <p:sp>
+        <p:nvSpPr>
+          <p:cNvPr id="42" name="Rectangle: Rounded Corners 41">
+            <a:extLst>
+              <a:ext uri="{FF2B5EF4-FFF2-40B4-BE49-F238E27FC236}">
+                <a16:creationId xmlns:a16="http://schemas.microsoft.com/office/drawing/2014/main" id="{117A09F0-24BF-493B-A3CF-448030ACCDBB}"/>
+              </a:ext>
+            </a:extLst>
+          </p:cNvPr>
+          <p:cNvSpPr/>
+          <p:nvPr/>
+        </p:nvSpPr>
+        <p:spPr>
+          <a:xfrm>
+            <a:off x="6461508" y="853601"/>
+            <a:ext cx="5265788" cy="4761191"/>
           </a:xfrm>
           <a:prstGeom prst="roundRect">
             <a:avLst/>
@@ -9707,10 +13165,10 @@
       </p:sp>
       <p:sp>
         <p:nvSpPr>
-          <p:cNvPr id="10" name="Rectangle: Rounded Corners 9">
-            <a:extLst>
-              <a:ext uri="{FF2B5EF4-FFF2-40B4-BE49-F238E27FC236}">
-                <a16:creationId xmlns:a16="http://schemas.microsoft.com/office/drawing/2014/main" id="{64DC03ED-3E0D-4A1E-A2F7-4547D34BDA11}"/>
+          <p:cNvPr id="35" name="Rectangle: Rounded Corners 34">
+            <a:extLst>
+              <a:ext uri="{FF2B5EF4-FFF2-40B4-BE49-F238E27FC236}">
+                <a16:creationId xmlns:a16="http://schemas.microsoft.com/office/drawing/2014/main" id="{3B94AB0D-395C-4930-98F1-5C66BD441C26}"/>
               </a:ext>
             </a:extLst>
           </p:cNvPr>
@@ -9719,8 +13177,66 @@
         </p:nvSpPr>
         <p:spPr>
           <a:xfrm>
-            <a:off x="528298" y="1250476"/>
-            <a:ext cx="10962005" cy="5404798"/>
+            <a:off x="220418" y="900778"/>
+            <a:ext cx="5637187" cy="4761191"/>
+          </a:xfrm>
+          <a:prstGeom prst="roundRect">
+            <a:avLst/>
+          </a:prstGeom>
+          <a:solidFill>
+            <a:schemeClr val="accent3">
+              <a:lumMod val="40000"/>
+              <a:lumOff val="60000"/>
+            </a:schemeClr>
+          </a:solidFill>
+          <a:ln>
+            <a:noFill/>
+          </a:ln>
+        </p:spPr>
+        <p:style>
+          <a:lnRef idx="2">
+            <a:schemeClr val="accent1">
+              <a:shade val="50000"/>
+            </a:schemeClr>
+          </a:lnRef>
+          <a:fillRef idx="1">
+            <a:schemeClr val="accent1"/>
+          </a:fillRef>
+          <a:effectRef idx="0">
+            <a:schemeClr val="accent1"/>
+          </a:effectRef>
+          <a:fontRef idx="minor">
+            <a:schemeClr val="lt1"/>
+          </a:fontRef>
+        </p:style>
+        <p:txBody>
+          <a:bodyPr rtlCol="0" anchor="ctr"/>
+          <a:lstStyle/>
+          <a:p>
+            <a:pPr algn="ctr"/>
+            <a:endParaRPr lang="en-IN" dirty="0">
+              <a:latin typeface="Segoe UI" panose="020B0502040204020203" pitchFamily="34" charset="0"/>
+              <a:cs typeface="Segoe UI" panose="020B0502040204020203" pitchFamily="34" charset="0"/>
+            </a:endParaRPr>
+          </a:p>
+        </p:txBody>
+      </p:sp>
+      <p:sp>
+        <p:nvSpPr>
+          <p:cNvPr id="39" name="Rectangle: Rounded Corners 38">
+            <a:extLst>
+              <a:ext uri="{FF2B5EF4-FFF2-40B4-BE49-F238E27FC236}">
+                <a16:creationId xmlns:a16="http://schemas.microsoft.com/office/drawing/2014/main" id="{444111FD-334A-4853-B7F2-2D873781FFE4}"/>
+              </a:ext>
+            </a:extLst>
+          </p:cNvPr>
+          <p:cNvSpPr/>
+          <p:nvPr/>
+        </p:nvSpPr>
+        <p:spPr>
+          <a:xfrm>
+            <a:off x="6611961" y="1243208"/>
+            <a:ext cx="5010933" cy="4177474"/>
           </a:xfrm>
           <a:prstGeom prst="roundRect">
             <a:avLst/>
@@ -9765,6 +13281,64 @@
       </p:sp>
       <p:sp>
         <p:nvSpPr>
+          <p:cNvPr id="10" name="Rectangle: Rounded Corners 9">
+            <a:extLst>
+              <a:ext uri="{FF2B5EF4-FFF2-40B4-BE49-F238E27FC236}">
+                <a16:creationId xmlns:a16="http://schemas.microsoft.com/office/drawing/2014/main" id="{64DC03ED-3E0D-4A1E-A2F7-4547D34BDA11}"/>
+              </a:ext>
+            </a:extLst>
+          </p:cNvPr>
+          <p:cNvSpPr/>
+          <p:nvPr/>
+        </p:nvSpPr>
+        <p:spPr>
+          <a:xfrm>
+            <a:off x="528298" y="1250476"/>
+            <a:ext cx="4965567" cy="4170205"/>
+          </a:xfrm>
+          <a:prstGeom prst="roundRect">
+            <a:avLst/>
+          </a:prstGeom>
+          <a:solidFill>
+            <a:schemeClr val="accent3">
+              <a:lumMod val="20000"/>
+              <a:lumOff val="80000"/>
+            </a:schemeClr>
+          </a:solidFill>
+          <a:ln>
+            <a:noFill/>
+          </a:ln>
+        </p:spPr>
+        <p:style>
+          <a:lnRef idx="2">
+            <a:schemeClr val="accent1">
+              <a:shade val="50000"/>
+            </a:schemeClr>
+          </a:lnRef>
+          <a:fillRef idx="1">
+            <a:schemeClr val="accent1"/>
+          </a:fillRef>
+          <a:effectRef idx="0">
+            <a:schemeClr val="accent1"/>
+          </a:effectRef>
+          <a:fontRef idx="minor">
+            <a:schemeClr val="lt1"/>
+          </a:fontRef>
+        </p:style>
+        <p:txBody>
+          <a:bodyPr rtlCol="0" anchor="ctr"/>
+          <a:lstStyle/>
+          <a:p>
+            <a:pPr algn="ctr"/>
+            <a:endParaRPr lang="en-IN" dirty="0">
+              <a:latin typeface="Segoe UI" panose="020B0502040204020203" pitchFamily="34" charset="0"/>
+              <a:cs typeface="Segoe UI" panose="020B0502040204020203" pitchFamily="34" charset="0"/>
+            </a:endParaRPr>
+          </a:p>
+        </p:txBody>
+      </p:sp>
+      <p:sp>
+        <p:nvSpPr>
           <p:cNvPr id="4" name="Rectangle: Rounded Corners 3">
             <a:extLst>
               <a:ext uri="{FF2B5EF4-FFF2-40B4-BE49-F238E27FC236}">
@@ -9778,7 +13352,7 @@
         <p:spPr>
           <a:xfrm>
             <a:off x="2242583" y="59851"/>
-            <a:ext cx="911382" cy="793750"/>
+            <a:ext cx="911382" cy="548725"/>
           </a:xfrm>
           <a:prstGeom prst="roundRect">
             <a:avLst/>
@@ -9870,7 +13444,7 @@
                 <a:latin typeface="Segoe UI" panose="020B0502040204020203" pitchFamily="34" charset="0"/>
                 <a:cs typeface="Segoe UI" panose="020B0502040204020203" pitchFamily="34" charset="0"/>
               </a:rPr>
-              <a:t>Socket Session</a:t>
+              <a:t>Socket Session Handler</a:t>
             </a:r>
           </a:p>
         </p:txBody>
@@ -9889,8 +13463,8 @@
         </p:nvSpPr>
         <p:spPr>
           <a:xfrm rot="5400000">
-            <a:off x="3417824" y="4793682"/>
-            <a:ext cx="523875" cy="2501775"/>
+            <a:off x="5715749" y="1112557"/>
+            <a:ext cx="523875" cy="10400517"/>
           </a:xfrm>
           <a:prstGeom prst="can">
             <a:avLst/>
@@ -9915,12 +13489,19 @@
           <a:lstStyle/>
           <a:p>
             <a:pPr algn="ctr"/>
+            <a:r>
+              <a:rPr lang="en-IN" dirty="0" err="1">
+                <a:latin typeface="Segoe UI" panose="020B0502040204020203" pitchFamily="34" charset="0"/>
+                <a:cs typeface="Segoe UI" panose="020B0502040204020203" pitchFamily="34" charset="0"/>
+              </a:rPr>
+              <a:t>Sinks.Many</a:t>
+            </a:r>
             <a:r>
               <a:rPr lang="en-IN" dirty="0">
                 <a:latin typeface="Segoe UI" panose="020B0502040204020203" pitchFamily="34" charset="0"/>
                 <a:cs typeface="Segoe UI" panose="020B0502040204020203" pitchFamily="34" charset="0"/>
               </a:rPr>
-              <a:t>Publish Channel  </a:t>
+              <a:t>  </a:t>
             </a:r>
           </a:p>
         </p:txBody>
@@ -9975,6 +13556,90 @@
           </a:p>
         </p:txBody>
       </p:sp>
+      <p:cxnSp>
+        <p:nvCxnSpPr>
+          <p:cNvPr id="43" name="Straight Arrow Connector 42">
+            <a:extLst>
+              <a:ext uri="{FF2B5EF4-FFF2-40B4-BE49-F238E27FC236}">
+                <a16:creationId xmlns:a16="http://schemas.microsoft.com/office/drawing/2014/main" id="{A298E753-97F6-47ED-8AB1-1DE9A333811A}"/>
+              </a:ext>
+            </a:extLst>
+          </p:cNvPr>
+          <p:cNvCxnSpPr>
+            <a:cxnSpLocks/>
+            <a:endCxn id="16" idx="2"/>
+          </p:cNvCxnSpPr>
+          <p:nvPr/>
+        </p:nvCxnSpPr>
+        <p:spPr>
+          <a:xfrm flipV="1">
+            <a:off x="1528943" y="4000025"/>
+            <a:ext cx="0" cy="2050853"/>
+          </a:xfrm>
+          <a:prstGeom prst="straightConnector1">
+            <a:avLst/>
+          </a:prstGeom>
+          <a:ln w="19050">
+            <a:tailEnd type="triangle"/>
+          </a:ln>
+        </p:spPr>
+        <p:style>
+          <a:lnRef idx="1">
+            <a:schemeClr val="accent2"/>
+          </a:lnRef>
+          <a:fillRef idx="0">
+            <a:schemeClr val="accent2"/>
+          </a:fillRef>
+          <a:effectRef idx="0">
+            <a:schemeClr val="accent2"/>
+          </a:effectRef>
+          <a:fontRef idx="minor">
+            <a:schemeClr val="tx1"/>
+          </a:fontRef>
+        </p:style>
+      </p:cxnSp>
+      <p:cxnSp>
+        <p:nvCxnSpPr>
+          <p:cNvPr id="58" name="Straight Arrow Connector 57">
+            <a:extLst>
+              <a:ext uri="{FF2B5EF4-FFF2-40B4-BE49-F238E27FC236}">
+                <a16:creationId xmlns:a16="http://schemas.microsoft.com/office/drawing/2014/main" id="{9948B1C8-578E-43DC-AC7F-F1EBB88286B9}"/>
+              </a:ext>
+            </a:extLst>
+          </p:cNvPr>
+          <p:cNvCxnSpPr>
+            <a:cxnSpLocks/>
+            <a:stCxn id="60" idx="4"/>
+          </p:cNvCxnSpPr>
+          <p:nvPr/>
+        </p:nvCxnSpPr>
+        <p:spPr>
+          <a:xfrm>
+            <a:off x="8091535" y="4776726"/>
+            <a:ext cx="0" cy="1274152"/>
+          </a:xfrm>
+          <a:prstGeom prst="straightConnector1">
+            <a:avLst/>
+          </a:prstGeom>
+          <a:ln w="19050">
+            <a:tailEnd type="triangle"/>
+          </a:ln>
+        </p:spPr>
+        <p:style>
+          <a:lnRef idx="1">
+            <a:schemeClr val="accent2"/>
+          </a:lnRef>
+          <a:fillRef idx="0">
+            <a:schemeClr val="accent2"/>
+          </a:fillRef>
+          <a:effectRef idx="0">
+            <a:schemeClr val="accent2"/>
+          </a:effectRef>
+          <a:fontRef idx="minor">
+            <a:schemeClr val="tx1"/>
+          </a:fontRef>
+        </p:style>
+      </p:cxnSp>
       <p:sp>
         <p:nvSpPr>
           <p:cNvPr id="59" name="Oval 58">
@@ -10083,8 +13748,8 @@
         </p:nvSpPr>
         <p:spPr>
           <a:xfrm>
-            <a:off x="5934617" y="3969099"/>
-            <a:ext cx="1014080" cy="643193"/>
+            <a:off x="5653691" y="3969099"/>
+            <a:ext cx="983383" cy="643193"/>
           </a:xfrm>
           <a:prstGeom prst="can">
             <a:avLst/>
@@ -10137,8 +13802,8 @@
         </p:nvCxnSpPr>
         <p:spPr>
           <a:xfrm flipH="1" flipV="1">
-            <a:off x="6948697" y="4290696"/>
-            <a:ext cx="965314" cy="1"/>
+            <a:off x="6637074" y="4290696"/>
+            <a:ext cx="1276937" cy="1"/>
           </a:xfrm>
           <a:prstGeom prst="straightConnector1">
             <a:avLst/>
@@ -10224,6 +13889,48 @@
           <a:xfrm>
             <a:off x="8081375" y="4392256"/>
             <a:ext cx="10160" cy="181351"/>
+          </a:xfrm>
+          <a:prstGeom prst="straightConnector1">
+            <a:avLst/>
+          </a:prstGeom>
+          <a:ln w="19050">
+            <a:tailEnd type="triangle"/>
+          </a:ln>
+        </p:spPr>
+        <p:style>
+          <a:lnRef idx="1">
+            <a:schemeClr val="accent2"/>
+          </a:lnRef>
+          <a:fillRef idx="0">
+            <a:schemeClr val="accent2"/>
+          </a:fillRef>
+          <a:effectRef idx="0">
+            <a:schemeClr val="accent2"/>
+          </a:effectRef>
+          <a:fontRef idx="minor">
+            <a:schemeClr val="tx1"/>
+          </a:fontRef>
+        </p:style>
+      </p:cxnSp>
+      <p:cxnSp>
+        <p:nvCxnSpPr>
+          <p:cNvPr id="65" name="Straight Arrow Connector 64">
+            <a:extLst>
+              <a:ext uri="{FF2B5EF4-FFF2-40B4-BE49-F238E27FC236}">
+                <a16:creationId xmlns:a16="http://schemas.microsoft.com/office/drawing/2014/main" id="{8EC22292-00C4-4ED1-BD0D-4D23CB1D418C}"/>
+              </a:ext>
+            </a:extLst>
+          </p:cNvPr>
+          <p:cNvCxnSpPr>
+            <a:cxnSpLocks/>
+            <a:endCxn id="158" idx="2"/>
+          </p:cNvCxnSpPr>
+          <p:nvPr/>
+        </p:nvCxnSpPr>
+        <p:spPr>
+          <a:xfrm flipV="1">
+            <a:off x="10380860" y="4122132"/>
+            <a:ext cx="12823" cy="1928746"/>
           </a:xfrm>
           <a:prstGeom prst="straightConnector1">
             <a:avLst/>
@@ -10297,6 +14004,48 @@
           </a:p>
         </p:txBody>
       </p:sp>
+      <p:cxnSp>
+        <p:nvCxnSpPr>
+          <p:cNvPr id="76" name="Straight Arrow Connector 75">
+            <a:extLst>
+              <a:ext uri="{FF2B5EF4-FFF2-40B4-BE49-F238E27FC236}">
+                <a16:creationId xmlns:a16="http://schemas.microsoft.com/office/drawing/2014/main" id="{4D203AF1-8960-4E83-83F5-4AB7E64F4C39}"/>
+              </a:ext>
+            </a:extLst>
+          </p:cNvPr>
+          <p:cNvCxnSpPr>
+            <a:cxnSpLocks/>
+            <a:stCxn id="78" idx="4"/>
+          </p:cNvCxnSpPr>
+          <p:nvPr/>
+        </p:nvCxnSpPr>
+        <p:spPr>
+          <a:xfrm>
+            <a:off x="3917956" y="4793822"/>
+            <a:ext cx="0" cy="1257056"/>
+          </a:xfrm>
+          <a:prstGeom prst="straightConnector1">
+            <a:avLst/>
+          </a:prstGeom>
+          <a:ln w="19050">
+            <a:tailEnd type="triangle"/>
+          </a:ln>
+        </p:spPr>
+        <p:style>
+          <a:lnRef idx="1">
+            <a:schemeClr val="accent2"/>
+          </a:lnRef>
+          <a:fillRef idx="0">
+            <a:schemeClr val="accent2"/>
+          </a:fillRef>
+          <a:effectRef idx="0">
+            <a:schemeClr val="accent2"/>
+          </a:effectRef>
+          <a:fontRef idx="minor">
+            <a:schemeClr val="tx1"/>
+          </a:fontRef>
+        </p:style>
+      </p:cxnSp>
       <p:sp>
         <p:nvSpPr>
           <p:cNvPr id="77" name="Oval 76">
@@ -10410,7 +14159,7 @@
         <p:spPr>
           <a:xfrm flipV="1">
             <a:off x="4075160" y="4290696"/>
-            <a:ext cx="1859457" cy="17097"/>
+            <a:ext cx="1578531" cy="17097"/>
           </a:xfrm>
           <a:prstGeom prst="straightConnector1">
             <a:avLst/>
@@ -10538,12 +14287,12 @@
         </p:nvCxnSpPr>
         <p:spPr>
           <a:xfrm>
-            <a:off x="3153965" y="456726"/>
-            <a:ext cx="229315" cy="1791176"/>
+            <a:off x="3153965" y="334214"/>
+            <a:ext cx="229315" cy="1913688"/>
           </a:xfrm>
           <a:prstGeom prst="bentConnector3">
             <a:avLst>
-              <a:gd name="adj1" fmla="val 323745"/>
+              <a:gd name="adj1" fmla="val 199688"/>
             </a:avLst>
           </a:prstGeom>
           <a:ln w="19050">
@@ -10672,12 +14421,12 @@
         </p:nvCxnSpPr>
         <p:spPr>
           <a:xfrm rot="10800000" flipH="1">
-            <a:off x="2013267" y="456726"/>
-            <a:ext cx="229315" cy="1791176"/>
+            <a:off x="2013267" y="334214"/>
+            <a:ext cx="229315" cy="1913688"/>
           </a:xfrm>
           <a:prstGeom prst="bentConnector3">
             <a:avLst>
-              <a:gd name="adj1" fmla="val -210453"/>
+              <a:gd name="adj1" fmla="val -99688"/>
             </a:avLst>
           </a:prstGeom>
           <a:ln w="19050">
@@ -10713,8 +14462,8 @@
         </p:nvSpPr>
         <p:spPr>
           <a:xfrm>
-            <a:off x="8731134" y="119143"/>
-            <a:ext cx="911382" cy="793750"/>
+            <a:off x="8734470" y="24515"/>
+            <a:ext cx="911382" cy="541456"/>
           </a:xfrm>
           <a:prstGeom prst="roundRect">
             <a:avLst/>
@@ -10806,7 +14555,7 @@
                 <a:latin typeface="Segoe UI" panose="020B0502040204020203" pitchFamily="34" charset="0"/>
                 <a:cs typeface="Segoe UI" panose="020B0502040204020203" pitchFamily="34" charset="0"/>
               </a:rPr>
-              <a:t>Socket Session</a:t>
+              <a:t>Socket Session Handler</a:t>
             </a:r>
           </a:p>
         </p:txBody>
@@ -10929,12 +14678,12 @@
         </p:nvCxnSpPr>
         <p:spPr>
           <a:xfrm>
-            <a:off x="9642516" y="516018"/>
-            <a:ext cx="229315" cy="1791176"/>
+            <a:off x="9645852" y="295243"/>
+            <a:ext cx="225979" cy="2011951"/>
           </a:xfrm>
           <a:prstGeom prst="bentConnector3">
             <a:avLst>
-              <a:gd name="adj1" fmla="val 323745"/>
+              <a:gd name="adj1" fmla="val 201160"/>
             </a:avLst>
           </a:prstGeom>
           <a:ln w="19050">
@@ -11065,12 +14814,12 @@
         </p:nvCxnSpPr>
         <p:spPr>
           <a:xfrm rot="10800000" flipH="1">
-            <a:off x="8501818" y="516018"/>
-            <a:ext cx="229315" cy="1791176"/>
+            <a:off x="8501818" y="295244"/>
+            <a:ext cx="232651" cy="2011951"/>
           </a:xfrm>
           <a:prstGeom prst="bentConnector3">
             <a:avLst>
-              <a:gd name="adj1" fmla="val -210453"/>
+              <a:gd name="adj1" fmla="val -98259"/>
             </a:avLst>
           </a:prstGeom>
           <a:ln w="19050">
@@ -11095,10 +14844,10 @@
       </p:cxnSp>
       <p:sp>
         <p:nvSpPr>
-          <p:cNvPr id="35" name="Cylinder 34">
-            <a:extLst>
-              <a:ext uri="{FF2B5EF4-FFF2-40B4-BE49-F238E27FC236}">
-                <a16:creationId xmlns:a16="http://schemas.microsoft.com/office/drawing/2014/main" id="{AF4D9CCC-3B53-49BC-A4F6-94B8CA6F165B}"/>
+          <p:cNvPr id="9" name="Flowchart: Terminator 8">
+            <a:extLst>
+              <a:ext uri="{FF2B5EF4-FFF2-40B4-BE49-F238E27FC236}">
+                <a16:creationId xmlns:a16="http://schemas.microsoft.com/office/drawing/2014/main" id="{5F777283-F13E-4BC9-A4B6-F77CB38FF0AD}"/>
               </a:ext>
             </a:extLst>
           </p:cNvPr>
@@ -11106,286 +14855,8 @@
           <p:nvPr/>
         </p:nvSpPr>
         <p:spPr>
-          <a:xfrm rot="5400000">
-            <a:off x="7784225" y="4933640"/>
-            <a:ext cx="523875" cy="2194929"/>
-          </a:xfrm>
-          <a:prstGeom prst="can">
-            <a:avLst/>
-          </a:prstGeom>
-        </p:spPr>
-        <p:style>
-          <a:lnRef idx="0">
-            <a:schemeClr val="accent5"/>
-          </a:lnRef>
-          <a:fillRef idx="3">
-            <a:schemeClr val="accent5"/>
-          </a:fillRef>
-          <a:effectRef idx="3">
-            <a:schemeClr val="accent5"/>
-          </a:effectRef>
-          <a:fontRef idx="minor">
-            <a:schemeClr val="lt1"/>
-          </a:fontRef>
-        </p:style>
-        <p:txBody>
-          <a:bodyPr vert="vert270" rtlCol="0" anchor="ctr"/>
-          <a:lstStyle/>
-          <a:p>
-            <a:pPr algn="ctr"/>
-            <a:r>
-              <a:rPr lang="en-IN" dirty="0">
-                <a:latin typeface="Segoe UI" panose="020B0502040204020203" pitchFamily="34" charset="0"/>
-                <a:cs typeface="Segoe UI" panose="020B0502040204020203" pitchFamily="34" charset="0"/>
-              </a:rPr>
-              <a:t>Subscribe Channel  </a:t>
-            </a:r>
-          </a:p>
-        </p:txBody>
-      </p:sp>
-      <p:sp>
-        <p:nvSpPr>
-          <p:cNvPr id="2" name="Arrow: Striped Right 1">
-            <a:extLst>
-              <a:ext uri="{FF2B5EF4-FFF2-40B4-BE49-F238E27FC236}">
-                <a16:creationId xmlns:a16="http://schemas.microsoft.com/office/drawing/2014/main" id="{91848BB8-0614-42CA-81FD-F42D66113481}"/>
-              </a:ext>
-            </a:extLst>
-          </p:cNvPr>
-          <p:cNvSpPr/>
-          <p:nvPr/>
-        </p:nvSpPr>
-        <p:spPr>
-          <a:xfrm>
-            <a:off x="5103879" y="5844065"/>
-            <a:ext cx="1716021" cy="414783"/>
-          </a:xfrm>
-          <a:prstGeom prst="stripedRightArrow">
-            <a:avLst/>
-          </a:prstGeom>
-        </p:spPr>
-        <p:style>
-          <a:lnRef idx="1">
-            <a:schemeClr val="dk1"/>
-          </a:lnRef>
-          <a:fillRef idx="2">
-            <a:schemeClr val="dk1"/>
-          </a:fillRef>
-          <a:effectRef idx="1">
-            <a:schemeClr val="dk1"/>
-          </a:effectRef>
-          <a:fontRef idx="minor">
-            <a:schemeClr val="dk1"/>
-          </a:fontRef>
-        </p:style>
-        <p:txBody>
-          <a:bodyPr rtlCol="0" anchor="ctr"/>
-          <a:lstStyle/>
-          <a:p>
-            <a:pPr algn="ctr"/>
-            <a:endParaRPr lang="en-IN" dirty="0">
-              <a:latin typeface="Segoe UI" panose="020B0502040204020203" pitchFamily="34" charset="0"/>
-              <a:cs typeface="Segoe UI" panose="020B0502040204020203" pitchFamily="34" charset="0"/>
-            </a:endParaRPr>
-          </a:p>
-        </p:txBody>
-      </p:sp>
-      <p:cxnSp>
-        <p:nvCxnSpPr>
-          <p:cNvPr id="38" name="Connector: Elbow 37">
-            <a:extLst>
-              <a:ext uri="{FF2B5EF4-FFF2-40B4-BE49-F238E27FC236}">
-                <a16:creationId xmlns:a16="http://schemas.microsoft.com/office/drawing/2014/main" id="{85A5F28B-7791-4356-99B9-6E87D587C97F}"/>
-              </a:ext>
-            </a:extLst>
-          </p:cNvPr>
-          <p:cNvCxnSpPr>
-            <a:cxnSpLocks/>
-            <a:stCxn id="16" idx="2"/>
-            <a:endCxn id="35" idx="4"/>
-          </p:cNvCxnSpPr>
-          <p:nvPr/>
-        </p:nvCxnSpPr>
-        <p:spPr>
-          <a:xfrm rot="16200000" flipH="1">
-            <a:off x="3641044" y="1887923"/>
-            <a:ext cx="2293017" cy="6517219"/>
-          </a:xfrm>
-          <a:prstGeom prst="bentConnector3">
-            <a:avLst>
-              <a:gd name="adj1" fmla="val 112345"/>
-            </a:avLst>
-          </a:prstGeom>
-          <a:ln w="19050">
-            <a:headEnd type="triangle" w="med" len="med"/>
-            <a:tailEnd type="none" w="med" len="med"/>
-          </a:ln>
-        </p:spPr>
-        <p:style>
-          <a:lnRef idx="1">
-            <a:schemeClr val="accent2"/>
-          </a:lnRef>
-          <a:fillRef idx="0">
-            <a:schemeClr val="accent2"/>
-          </a:fillRef>
-          <a:effectRef idx="0">
-            <a:schemeClr val="accent2"/>
-          </a:effectRef>
-          <a:fontRef idx="minor">
-            <a:schemeClr val="tx1"/>
-          </a:fontRef>
-        </p:style>
-      </p:cxnSp>
-      <p:cxnSp>
-        <p:nvCxnSpPr>
-          <p:cNvPr id="42" name="Connector: Elbow 41">
-            <a:extLst>
-              <a:ext uri="{FF2B5EF4-FFF2-40B4-BE49-F238E27FC236}">
-                <a16:creationId xmlns:a16="http://schemas.microsoft.com/office/drawing/2014/main" id="{3669EEAC-0E8C-4940-83BE-C4B838DB6514}"/>
-              </a:ext>
-            </a:extLst>
-          </p:cNvPr>
-          <p:cNvCxnSpPr>
-            <a:cxnSpLocks/>
-            <a:stCxn id="7" idx="2"/>
-            <a:endCxn id="60" idx="4"/>
-          </p:cNvCxnSpPr>
-          <p:nvPr/>
-        </p:nvCxnSpPr>
-        <p:spPr>
-          <a:xfrm rot="5400000" flipH="1" flipV="1">
-            <a:off x="5382695" y="3073792"/>
-            <a:ext cx="1005906" cy="4411774"/>
-          </a:xfrm>
-          <a:prstGeom prst="bentConnector3">
-            <a:avLst>
-              <a:gd name="adj1" fmla="val 50000"/>
-            </a:avLst>
-          </a:prstGeom>
-          <a:ln w="19050">
-            <a:headEnd type="triangle" w="med" len="med"/>
-            <a:tailEnd type="none" w="med" len="med"/>
-          </a:ln>
-        </p:spPr>
-        <p:style>
-          <a:lnRef idx="1">
-            <a:schemeClr val="accent2"/>
-          </a:lnRef>
-          <a:fillRef idx="0">
-            <a:schemeClr val="accent2"/>
-          </a:fillRef>
-          <a:effectRef idx="0">
-            <a:schemeClr val="accent2"/>
-          </a:effectRef>
-          <a:fontRef idx="minor">
-            <a:schemeClr val="tx1"/>
-          </a:fontRef>
-        </p:style>
-      </p:cxnSp>
-      <p:cxnSp>
-        <p:nvCxnSpPr>
-          <p:cNvPr id="47" name="Connector: Elbow 46">
-            <a:extLst>
-              <a:ext uri="{FF2B5EF4-FFF2-40B4-BE49-F238E27FC236}">
-                <a16:creationId xmlns:a16="http://schemas.microsoft.com/office/drawing/2014/main" id="{224D5AA7-832E-46D8-984A-74D4C55EA11E}"/>
-              </a:ext>
-            </a:extLst>
-          </p:cNvPr>
-          <p:cNvCxnSpPr>
-            <a:cxnSpLocks/>
-          </p:cNvCxnSpPr>
-          <p:nvPr/>
-        </p:nvCxnSpPr>
-        <p:spPr>
-          <a:xfrm rot="5400000">
-            <a:off x="8239243" y="4033827"/>
-            <a:ext cx="2170910" cy="2347521"/>
-          </a:xfrm>
-          <a:prstGeom prst="bentConnector3">
-            <a:avLst>
-              <a:gd name="adj1" fmla="val 112601"/>
-            </a:avLst>
-          </a:prstGeom>
-          <a:ln w="19050">
-            <a:headEnd type="triangle" w="med" len="med"/>
-            <a:tailEnd type="none" w="med" len="med"/>
-          </a:ln>
-        </p:spPr>
-        <p:style>
-          <a:lnRef idx="1">
-            <a:schemeClr val="accent2"/>
-          </a:lnRef>
-          <a:fillRef idx="0">
-            <a:schemeClr val="accent2"/>
-          </a:fillRef>
-          <a:effectRef idx="0">
-            <a:schemeClr val="accent2"/>
-          </a:effectRef>
-          <a:fontRef idx="minor">
-            <a:schemeClr val="tx1"/>
-          </a:fontRef>
-        </p:style>
-      </p:cxnSp>
-      <p:cxnSp>
-        <p:nvCxnSpPr>
-          <p:cNvPr id="51" name="Connector: Elbow 50">
-            <a:extLst>
-              <a:ext uri="{FF2B5EF4-FFF2-40B4-BE49-F238E27FC236}">
-                <a16:creationId xmlns:a16="http://schemas.microsoft.com/office/drawing/2014/main" id="{499DA2E9-B85B-4963-A099-8149796F74B7}"/>
-              </a:ext>
-            </a:extLst>
-          </p:cNvPr>
-          <p:cNvCxnSpPr>
-            <a:cxnSpLocks/>
-            <a:endCxn id="78" idx="4"/>
-          </p:cNvCxnSpPr>
-          <p:nvPr/>
-        </p:nvCxnSpPr>
-        <p:spPr>
-          <a:xfrm rot="5400000" flipH="1" flipV="1">
-            <a:off x="3152464" y="5024638"/>
-            <a:ext cx="996307" cy="534677"/>
-          </a:xfrm>
-          <a:prstGeom prst="bentConnector3">
-            <a:avLst>
-              <a:gd name="adj1" fmla="val 71033"/>
-            </a:avLst>
-          </a:prstGeom>
-          <a:ln w="19050">
-            <a:headEnd type="triangle" w="med" len="med"/>
-            <a:tailEnd type="none" w="med" len="med"/>
-          </a:ln>
-        </p:spPr>
-        <p:style>
-          <a:lnRef idx="1">
-            <a:schemeClr val="accent2"/>
-          </a:lnRef>
-          <a:fillRef idx="0">
-            <a:schemeClr val="accent2"/>
-          </a:fillRef>
-          <a:effectRef idx="0">
-            <a:schemeClr val="accent2"/>
-          </a:effectRef>
-          <a:fontRef idx="minor">
-            <a:schemeClr val="tx1"/>
-          </a:fontRef>
-        </p:style>
-      </p:cxnSp>
-      <p:sp>
-        <p:nvSpPr>
-          <p:cNvPr id="40" name="Flowchart: Terminator 39">
-            <a:extLst>
-              <a:ext uri="{FF2B5EF4-FFF2-40B4-BE49-F238E27FC236}">
-                <a16:creationId xmlns:a16="http://schemas.microsoft.com/office/drawing/2014/main" id="{F1F2827F-5CD8-4056-A9AA-30BEC40F188D}"/>
-              </a:ext>
-            </a:extLst>
-          </p:cNvPr>
-          <p:cNvSpPr/>
-          <p:nvPr/>
-        </p:nvSpPr>
-        <p:spPr>
-          <a:xfrm>
-            <a:off x="5020237" y="934902"/>
+          <a:xfrm>
+            <a:off x="1892167" y="955182"/>
             <a:ext cx="1752038" cy="214015"/>
           </a:xfrm>
           <a:prstGeom prst="flowChartTerminator">
@@ -11435,7 +14906,7 @@
           <p:cNvPr id="41" name="Flowchart: Terminator 40">
             <a:extLst>
               <a:ext uri="{FF2B5EF4-FFF2-40B4-BE49-F238E27FC236}">
-                <a16:creationId xmlns:a16="http://schemas.microsoft.com/office/drawing/2014/main" id="{79C22CE5-DB88-457F-AACE-235209210F25}"/>
+                <a16:creationId xmlns:a16="http://schemas.microsoft.com/office/drawing/2014/main" id="{1C0D8E0B-18AB-4BB3-B884-77E8C32000B8}"/>
               </a:ext>
             </a:extLst>
           </p:cNvPr>
@@ -11444,7 +14915,7 @@
         </p:nvSpPr>
         <p:spPr>
           <a:xfrm>
-            <a:off x="5008989" y="1405765"/>
+            <a:off x="1824666" y="1243207"/>
             <a:ext cx="1939707" cy="237299"/>
           </a:xfrm>
           <a:prstGeom prst="flowChartTerminator">
@@ -11489,10 +14960,187 @@
           </a:p>
         </p:txBody>
       </p:sp>
+      <p:sp>
+        <p:nvSpPr>
+          <p:cNvPr id="40" name="Flowchart: Terminator 39">
+            <a:extLst>
+              <a:ext uri="{FF2B5EF4-FFF2-40B4-BE49-F238E27FC236}">
+                <a16:creationId xmlns:a16="http://schemas.microsoft.com/office/drawing/2014/main" id="{A94AAE31-CBE3-4AF8-B486-4DBBE3A780AE}"/>
+              </a:ext>
+            </a:extLst>
+          </p:cNvPr>
+          <p:cNvSpPr/>
+          <p:nvPr/>
+        </p:nvSpPr>
+        <p:spPr>
+          <a:xfrm>
+            <a:off x="8280875" y="1265128"/>
+            <a:ext cx="1939707" cy="237299"/>
+          </a:xfrm>
+          <a:prstGeom prst="flowChartTerminator">
+            <a:avLst/>
+          </a:prstGeom>
+          <a:noFill/>
+          <a:ln>
+            <a:noFill/>
+          </a:ln>
+        </p:spPr>
+        <p:style>
+          <a:lnRef idx="2">
+            <a:schemeClr val="accent1">
+              <a:shade val="50000"/>
+            </a:schemeClr>
+          </a:lnRef>
+          <a:fillRef idx="1">
+            <a:schemeClr val="accent1"/>
+          </a:fillRef>
+          <a:effectRef idx="0">
+            <a:schemeClr val="accent1"/>
+          </a:effectRef>
+          <a:fontRef idx="minor">
+            <a:schemeClr val="lt1"/>
+          </a:fontRef>
+        </p:style>
+        <p:txBody>
+          <a:bodyPr rtlCol="0" anchor="ctr"/>
+          <a:lstStyle/>
+          <a:p>
+            <a:pPr algn="ctr"/>
+            <a:r>
+              <a:rPr lang="en-IN" sz="1600" dirty="0">
+                <a:solidFill>
+                  <a:srgbClr val="7030A0"/>
+                </a:solidFill>
+                <a:latin typeface="Segoe UI" panose="020B0502040204020203" pitchFamily="34" charset="0"/>
+                <a:cs typeface="Segoe UI" panose="020B0502040204020203" pitchFamily="34" charset="0"/>
+              </a:rPr>
+              <a:t>SOCKET SESSION</a:t>
+            </a:r>
+          </a:p>
+        </p:txBody>
+      </p:sp>
+      <p:sp>
+        <p:nvSpPr>
+          <p:cNvPr id="44" name="Flowchart: Terminator 43">
+            <a:extLst>
+              <a:ext uri="{FF2B5EF4-FFF2-40B4-BE49-F238E27FC236}">
+                <a16:creationId xmlns:a16="http://schemas.microsoft.com/office/drawing/2014/main" id="{C491C6A2-8E46-40DF-95E5-1F0DEA676661}"/>
+              </a:ext>
+            </a:extLst>
+          </p:cNvPr>
+          <p:cNvSpPr/>
+          <p:nvPr/>
+        </p:nvSpPr>
+        <p:spPr>
+          <a:xfrm>
+            <a:off x="8310806" y="964148"/>
+            <a:ext cx="1752038" cy="214015"/>
+          </a:xfrm>
+          <a:prstGeom prst="flowChartTerminator">
+            <a:avLst/>
+          </a:prstGeom>
+          <a:noFill/>
+          <a:ln>
+            <a:noFill/>
+          </a:ln>
+        </p:spPr>
+        <p:style>
+          <a:lnRef idx="2">
+            <a:schemeClr val="accent1">
+              <a:shade val="50000"/>
+            </a:schemeClr>
+          </a:lnRef>
+          <a:fillRef idx="1">
+            <a:schemeClr val="accent1"/>
+          </a:fillRef>
+          <a:effectRef idx="0">
+            <a:schemeClr val="accent1"/>
+          </a:effectRef>
+          <a:fontRef idx="minor">
+            <a:schemeClr val="lt1"/>
+          </a:fontRef>
+        </p:style>
+        <p:txBody>
+          <a:bodyPr rtlCol="0" anchor="ctr"/>
+          <a:lstStyle/>
+          <a:p>
+            <a:pPr algn="ctr"/>
+            <a:r>
+              <a:rPr lang="en-IN" sz="1600" dirty="0">
+                <a:solidFill>
+                  <a:srgbClr val="7030A0"/>
+                </a:solidFill>
+                <a:latin typeface="Segoe UI" panose="020B0502040204020203" pitchFamily="34" charset="0"/>
+                <a:cs typeface="Segoe UI" panose="020B0502040204020203" pitchFamily="34" charset="0"/>
+              </a:rPr>
+              <a:t>HTTP SESSION</a:t>
+            </a:r>
+          </a:p>
+        </p:txBody>
+      </p:sp>
+      <p:sp>
+        <p:nvSpPr>
+          <p:cNvPr id="56" name="Flowchart: Terminator 55">
+            <a:extLst>
+              <a:ext uri="{FF2B5EF4-FFF2-40B4-BE49-F238E27FC236}">
+                <a16:creationId xmlns:a16="http://schemas.microsoft.com/office/drawing/2014/main" id="{2B3592E2-A8E4-4DCA-82B5-E94CF0CB4E30}"/>
+              </a:ext>
+            </a:extLst>
+          </p:cNvPr>
+          <p:cNvSpPr/>
+          <p:nvPr/>
+        </p:nvSpPr>
+        <p:spPr>
+          <a:xfrm>
+            <a:off x="5202529" y="736223"/>
+            <a:ext cx="1752038" cy="214015"/>
+          </a:xfrm>
+          <a:prstGeom prst="flowChartTerminator">
+            <a:avLst/>
+          </a:prstGeom>
+          <a:noFill/>
+          <a:ln>
+            <a:noFill/>
+          </a:ln>
+        </p:spPr>
+        <p:style>
+          <a:lnRef idx="2">
+            <a:schemeClr val="accent1">
+              <a:shade val="50000"/>
+            </a:schemeClr>
+          </a:lnRef>
+          <a:fillRef idx="1">
+            <a:schemeClr val="accent1"/>
+          </a:fillRef>
+          <a:effectRef idx="0">
+            <a:schemeClr val="accent1"/>
+          </a:effectRef>
+          <a:fontRef idx="minor">
+            <a:schemeClr val="lt1"/>
+          </a:fontRef>
+        </p:style>
+        <p:txBody>
+          <a:bodyPr rtlCol="0" anchor="ctr"/>
+          <a:lstStyle/>
+          <a:p>
+            <a:pPr algn="ctr"/>
+            <a:r>
+              <a:rPr lang="en-IN" sz="1600" dirty="0">
+                <a:solidFill>
+                  <a:srgbClr val="7030A0"/>
+                </a:solidFill>
+                <a:latin typeface="Segoe UI" panose="020B0502040204020203" pitchFamily="34" charset="0"/>
+                <a:cs typeface="Segoe UI" panose="020B0502040204020203" pitchFamily="34" charset="0"/>
+              </a:rPr>
+              <a:t>JVM</a:t>
+            </a:r>
+          </a:p>
+        </p:txBody>
+      </p:sp>
     </p:spTree>
     <p:extLst>
       <p:ext uri="{BB962C8B-B14F-4D97-AF65-F5344CB8AC3E}">
-        <p14:creationId xmlns:p14="http://schemas.microsoft.com/office/powerpoint/2010/main" val="2510895838"/>
+        <p14:creationId xmlns:p14="http://schemas.microsoft.com/office/powerpoint/2010/main" val="2661012128"/>
       </p:ext>
     </p:extLst>
   </p:cSld>

--- a/designs.pptx
+++ b/designs.pptx
@@ -17,7 +17,8 @@
     <p:sldId id="268" r:id="rId11"/>
     <p:sldId id="269" r:id="rId12"/>
     <p:sldId id="265" r:id="rId13"/>
-    <p:sldId id="270" r:id="rId14"/>
+    <p:sldId id="271" r:id="rId14"/>
+    <p:sldId id="270" r:id="rId15"/>
   </p:sldIdLst>
   <p:sldSz cx="12192000" cy="6858000"/>
   <p:notesSz cx="6858000" cy="9144000"/>
@@ -273,7 +274,7 @@
           <a:p>
             <a:fld id="{C8AF34AE-9B36-471F-88F2-11C9A132E46D}" type="datetimeFigureOut">
               <a:rPr lang="en-IN" smtClean="0"/>
-              <a:t>08-02-2022</a:t>
+              <a:t>09-02-2022</a:t>
             </a:fld>
             <a:endParaRPr lang="en-IN"/>
           </a:p>
@@ -473,7 +474,7 @@
           <a:p>
             <a:fld id="{C8AF34AE-9B36-471F-88F2-11C9A132E46D}" type="datetimeFigureOut">
               <a:rPr lang="en-IN" smtClean="0"/>
-              <a:t>08-02-2022</a:t>
+              <a:t>09-02-2022</a:t>
             </a:fld>
             <a:endParaRPr lang="en-IN"/>
           </a:p>
@@ -683,7 +684,7 @@
           <a:p>
             <a:fld id="{C8AF34AE-9B36-471F-88F2-11C9A132E46D}" type="datetimeFigureOut">
               <a:rPr lang="en-IN" smtClean="0"/>
-              <a:t>08-02-2022</a:t>
+              <a:t>09-02-2022</a:t>
             </a:fld>
             <a:endParaRPr lang="en-IN"/>
           </a:p>
@@ -883,7 +884,7 @@
           <a:p>
             <a:fld id="{C8AF34AE-9B36-471F-88F2-11C9A132E46D}" type="datetimeFigureOut">
               <a:rPr lang="en-IN" smtClean="0"/>
-              <a:t>08-02-2022</a:t>
+              <a:t>09-02-2022</a:t>
             </a:fld>
             <a:endParaRPr lang="en-IN"/>
           </a:p>
@@ -1159,7 +1160,7 @@
           <a:p>
             <a:fld id="{C8AF34AE-9B36-471F-88F2-11C9A132E46D}" type="datetimeFigureOut">
               <a:rPr lang="en-IN" smtClean="0"/>
-              <a:t>08-02-2022</a:t>
+              <a:t>09-02-2022</a:t>
             </a:fld>
             <a:endParaRPr lang="en-IN"/>
           </a:p>
@@ -1427,7 +1428,7 @@
           <a:p>
             <a:fld id="{C8AF34AE-9B36-471F-88F2-11C9A132E46D}" type="datetimeFigureOut">
               <a:rPr lang="en-IN" smtClean="0"/>
-              <a:t>08-02-2022</a:t>
+              <a:t>09-02-2022</a:t>
             </a:fld>
             <a:endParaRPr lang="en-IN"/>
           </a:p>
@@ -1842,7 +1843,7 @@
           <a:p>
             <a:fld id="{C8AF34AE-9B36-471F-88F2-11C9A132E46D}" type="datetimeFigureOut">
               <a:rPr lang="en-IN" smtClean="0"/>
-              <a:t>08-02-2022</a:t>
+              <a:t>09-02-2022</a:t>
             </a:fld>
             <a:endParaRPr lang="en-IN"/>
           </a:p>
@@ -1984,7 +1985,7 @@
           <a:p>
             <a:fld id="{C8AF34AE-9B36-471F-88F2-11C9A132E46D}" type="datetimeFigureOut">
               <a:rPr lang="en-IN" smtClean="0"/>
-              <a:t>08-02-2022</a:t>
+              <a:t>09-02-2022</a:t>
             </a:fld>
             <a:endParaRPr lang="en-IN"/>
           </a:p>
@@ -2097,7 +2098,7 @@
           <a:p>
             <a:fld id="{C8AF34AE-9B36-471F-88F2-11C9A132E46D}" type="datetimeFigureOut">
               <a:rPr lang="en-IN" smtClean="0"/>
-              <a:t>08-02-2022</a:t>
+              <a:t>09-02-2022</a:t>
             </a:fld>
             <a:endParaRPr lang="en-IN"/>
           </a:p>
@@ -2410,7 +2411,7 @@
           <a:p>
             <a:fld id="{C8AF34AE-9B36-471F-88F2-11C9A132E46D}" type="datetimeFigureOut">
               <a:rPr lang="en-IN" smtClean="0"/>
-              <a:t>08-02-2022</a:t>
+              <a:t>09-02-2022</a:t>
             </a:fld>
             <a:endParaRPr lang="en-IN"/>
           </a:p>
@@ -2699,7 +2700,7 @@
           <a:p>
             <a:fld id="{C8AF34AE-9B36-471F-88F2-11C9A132E46D}" type="datetimeFigureOut">
               <a:rPr lang="en-IN" smtClean="0"/>
-              <a:t>08-02-2022</a:t>
+              <a:t>09-02-2022</a:t>
             </a:fld>
             <a:endParaRPr lang="en-IN"/>
           </a:p>
@@ -2942,7 +2943,7 @@
           <a:p>
             <a:fld id="{C8AF34AE-9B36-471F-88F2-11C9A132E46D}" type="datetimeFigureOut">
               <a:rPr lang="en-IN" smtClean="0"/>
-              <a:t>08-02-2022</a:t>
+              <a:t>09-02-2022</a:t>
             </a:fld>
             <a:endParaRPr lang="en-IN"/>
           </a:p>
@@ -10437,6 +10438,2714 @@
           <a:chExt cx="0" cy="0"/>
         </a:xfrm>
       </p:grpSpPr>
+      <p:sp>
+        <p:nvSpPr>
+          <p:cNvPr id="52" name="Rectangle: Rounded Corners 51">
+            <a:extLst>
+              <a:ext uri="{FF2B5EF4-FFF2-40B4-BE49-F238E27FC236}">
+                <a16:creationId xmlns:a16="http://schemas.microsoft.com/office/drawing/2014/main" id="{463BB116-A28A-4992-B8A5-DD95A19A08CD}"/>
+              </a:ext>
+            </a:extLst>
+          </p:cNvPr>
+          <p:cNvSpPr/>
+          <p:nvPr/>
+        </p:nvSpPr>
+        <p:spPr>
+          <a:xfrm>
+            <a:off x="76200" y="685799"/>
+            <a:ext cx="11801475" cy="4906397"/>
+          </a:xfrm>
+          <a:prstGeom prst="roundRect">
+            <a:avLst/>
+          </a:prstGeom>
+          <a:solidFill>
+            <a:schemeClr val="accent3">
+              <a:lumMod val="60000"/>
+              <a:lumOff val="40000"/>
+            </a:schemeClr>
+          </a:solidFill>
+          <a:ln>
+            <a:noFill/>
+          </a:ln>
+        </p:spPr>
+        <p:style>
+          <a:lnRef idx="2">
+            <a:schemeClr val="accent1">
+              <a:shade val="50000"/>
+            </a:schemeClr>
+          </a:lnRef>
+          <a:fillRef idx="1">
+            <a:schemeClr val="accent1"/>
+          </a:fillRef>
+          <a:effectRef idx="0">
+            <a:schemeClr val="accent1"/>
+          </a:effectRef>
+          <a:fontRef idx="minor">
+            <a:schemeClr val="lt1"/>
+          </a:fontRef>
+        </p:style>
+        <p:txBody>
+          <a:bodyPr rtlCol="0" anchor="ctr"/>
+          <a:lstStyle/>
+          <a:p>
+            <a:pPr algn="ctr"/>
+            <a:endParaRPr lang="en-IN" dirty="0">
+              <a:latin typeface="Segoe UI" panose="020B0502040204020203" pitchFamily="34" charset="0"/>
+              <a:cs typeface="Segoe UI" panose="020B0502040204020203" pitchFamily="34" charset="0"/>
+            </a:endParaRPr>
+          </a:p>
+        </p:txBody>
+      </p:sp>
+      <p:sp>
+        <p:nvSpPr>
+          <p:cNvPr id="54" name="Rectangle: Rounded Corners 53">
+            <a:extLst>
+              <a:ext uri="{FF2B5EF4-FFF2-40B4-BE49-F238E27FC236}">
+                <a16:creationId xmlns:a16="http://schemas.microsoft.com/office/drawing/2014/main" id="{720AAA10-F57F-4A47-97C9-721231148DDB}"/>
+              </a:ext>
+            </a:extLst>
+          </p:cNvPr>
+          <p:cNvSpPr/>
+          <p:nvPr/>
+        </p:nvSpPr>
+        <p:spPr>
+          <a:xfrm>
+            <a:off x="6733429" y="1015219"/>
+            <a:ext cx="5394379" cy="4567738"/>
+          </a:xfrm>
+          <a:prstGeom prst="roundRect">
+            <a:avLst/>
+          </a:prstGeom>
+          <a:solidFill>
+            <a:schemeClr val="accent3">
+              <a:lumMod val="40000"/>
+              <a:lumOff val="60000"/>
+            </a:schemeClr>
+          </a:solidFill>
+          <a:ln>
+            <a:noFill/>
+          </a:ln>
+        </p:spPr>
+        <p:style>
+          <a:lnRef idx="2">
+            <a:schemeClr val="accent1">
+              <a:shade val="50000"/>
+            </a:schemeClr>
+          </a:lnRef>
+          <a:fillRef idx="1">
+            <a:schemeClr val="accent1"/>
+          </a:fillRef>
+          <a:effectRef idx="0">
+            <a:schemeClr val="accent1"/>
+          </a:effectRef>
+          <a:fontRef idx="minor">
+            <a:schemeClr val="lt1"/>
+          </a:fontRef>
+        </p:style>
+        <p:txBody>
+          <a:bodyPr rtlCol="0" anchor="ctr"/>
+          <a:lstStyle/>
+          <a:p>
+            <a:pPr algn="ctr"/>
+            <a:endParaRPr lang="en-IN" dirty="0">
+              <a:latin typeface="Segoe UI" panose="020B0502040204020203" pitchFamily="34" charset="0"/>
+              <a:cs typeface="Segoe UI" panose="020B0502040204020203" pitchFamily="34" charset="0"/>
+            </a:endParaRPr>
+          </a:p>
+        </p:txBody>
+      </p:sp>
+      <p:sp>
+        <p:nvSpPr>
+          <p:cNvPr id="55" name="Rectangle: Rounded Corners 54">
+            <a:extLst>
+              <a:ext uri="{FF2B5EF4-FFF2-40B4-BE49-F238E27FC236}">
+                <a16:creationId xmlns:a16="http://schemas.microsoft.com/office/drawing/2014/main" id="{76A31B8A-363E-4555-93AD-CCB1D7C25881}"/>
+              </a:ext>
+            </a:extLst>
+          </p:cNvPr>
+          <p:cNvSpPr/>
+          <p:nvPr/>
+        </p:nvSpPr>
+        <p:spPr>
+          <a:xfrm>
+            <a:off x="6995027" y="1352802"/>
+            <a:ext cx="4917787" cy="4182530"/>
+          </a:xfrm>
+          <a:prstGeom prst="roundRect">
+            <a:avLst/>
+          </a:prstGeom>
+          <a:solidFill>
+            <a:schemeClr val="accent3">
+              <a:lumMod val="20000"/>
+              <a:lumOff val="80000"/>
+            </a:schemeClr>
+          </a:solidFill>
+          <a:ln>
+            <a:noFill/>
+          </a:ln>
+        </p:spPr>
+        <p:style>
+          <a:lnRef idx="2">
+            <a:schemeClr val="accent1">
+              <a:shade val="50000"/>
+            </a:schemeClr>
+          </a:lnRef>
+          <a:fillRef idx="1">
+            <a:schemeClr val="accent1"/>
+          </a:fillRef>
+          <a:effectRef idx="0">
+            <a:schemeClr val="accent1"/>
+          </a:effectRef>
+          <a:fontRef idx="minor">
+            <a:schemeClr val="lt1"/>
+          </a:fontRef>
+        </p:style>
+        <p:txBody>
+          <a:bodyPr rtlCol="0" anchor="ctr"/>
+          <a:lstStyle/>
+          <a:p>
+            <a:pPr algn="ctr"/>
+            <a:endParaRPr lang="en-IN" dirty="0">
+              <a:latin typeface="Segoe UI" panose="020B0502040204020203" pitchFamily="34" charset="0"/>
+              <a:cs typeface="Segoe UI" panose="020B0502040204020203" pitchFamily="34" charset="0"/>
+            </a:endParaRPr>
+          </a:p>
+        </p:txBody>
+      </p:sp>
+      <p:sp>
+        <p:nvSpPr>
+          <p:cNvPr id="90" name="Rectangle: Rounded Corners 89">
+            <a:extLst>
+              <a:ext uri="{FF2B5EF4-FFF2-40B4-BE49-F238E27FC236}">
+                <a16:creationId xmlns:a16="http://schemas.microsoft.com/office/drawing/2014/main" id="{5E662926-440E-47BB-9409-CA914CF71A5C}"/>
+              </a:ext>
+            </a:extLst>
+          </p:cNvPr>
+          <p:cNvSpPr/>
+          <p:nvPr/>
+        </p:nvSpPr>
+        <p:spPr>
+          <a:xfrm>
+            <a:off x="266700" y="932948"/>
+            <a:ext cx="5394379" cy="4567738"/>
+          </a:xfrm>
+          <a:prstGeom prst="roundRect">
+            <a:avLst/>
+          </a:prstGeom>
+          <a:solidFill>
+            <a:schemeClr val="accent3">
+              <a:lumMod val="40000"/>
+              <a:lumOff val="60000"/>
+            </a:schemeClr>
+          </a:solidFill>
+          <a:ln>
+            <a:noFill/>
+          </a:ln>
+        </p:spPr>
+        <p:style>
+          <a:lnRef idx="2">
+            <a:schemeClr val="accent1">
+              <a:shade val="50000"/>
+            </a:schemeClr>
+          </a:lnRef>
+          <a:fillRef idx="1">
+            <a:schemeClr val="accent1"/>
+          </a:fillRef>
+          <a:effectRef idx="0">
+            <a:schemeClr val="accent1"/>
+          </a:effectRef>
+          <a:fontRef idx="minor">
+            <a:schemeClr val="lt1"/>
+          </a:fontRef>
+        </p:style>
+        <p:txBody>
+          <a:bodyPr rtlCol="0" anchor="ctr"/>
+          <a:lstStyle/>
+          <a:p>
+            <a:pPr algn="ctr"/>
+            <a:endParaRPr lang="en-IN" dirty="0">
+              <a:latin typeface="Segoe UI" panose="020B0502040204020203" pitchFamily="34" charset="0"/>
+              <a:cs typeface="Segoe UI" panose="020B0502040204020203" pitchFamily="34" charset="0"/>
+            </a:endParaRPr>
+          </a:p>
+        </p:txBody>
+      </p:sp>
+      <p:sp>
+        <p:nvSpPr>
+          <p:cNvPr id="89" name="Rectangle: Rounded Corners 88">
+            <a:extLst>
+              <a:ext uri="{FF2B5EF4-FFF2-40B4-BE49-F238E27FC236}">
+                <a16:creationId xmlns:a16="http://schemas.microsoft.com/office/drawing/2014/main" id="{2C29E075-A922-45D5-B997-1E1CFDE53603}"/>
+              </a:ext>
+            </a:extLst>
+          </p:cNvPr>
+          <p:cNvSpPr/>
+          <p:nvPr/>
+        </p:nvSpPr>
+        <p:spPr>
+          <a:xfrm>
+            <a:off x="528299" y="5760595"/>
+            <a:ext cx="10962004" cy="1066129"/>
+          </a:xfrm>
+          <a:prstGeom prst="roundRect">
+            <a:avLst/>
+          </a:prstGeom>
+          <a:solidFill>
+            <a:schemeClr val="accent4">
+              <a:lumMod val="20000"/>
+              <a:lumOff val="80000"/>
+            </a:schemeClr>
+          </a:solidFill>
+          <a:ln>
+            <a:noFill/>
+          </a:ln>
+        </p:spPr>
+        <p:style>
+          <a:lnRef idx="2">
+            <a:schemeClr val="accent1">
+              <a:shade val="50000"/>
+            </a:schemeClr>
+          </a:lnRef>
+          <a:fillRef idx="1">
+            <a:schemeClr val="accent1"/>
+          </a:fillRef>
+          <a:effectRef idx="0">
+            <a:schemeClr val="accent1"/>
+          </a:effectRef>
+          <a:fontRef idx="minor">
+            <a:schemeClr val="lt1"/>
+          </a:fontRef>
+        </p:style>
+        <p:txBody>
+          <a:bodyPr rtlCol="0" anchor="ctr"/>
+          <a:lstStyle/>
+          <a:p>
+            <a:pPr algn="ctr"/>
+            <a:endParaRPr lang="en-IN" dirty="0">
+              <a:latin typeface="Segoe UI" panose="020B0502040204020203" pitchFamily="34" charset="0"/>
+              <a:cs typeface="Segoe UI" panose="020B0502040204020203" pitchFamily="34" charset="0"/>
+            </a:endParaRPr>
+          </a:p>
+        </p:txBody>
+      </p:sp>
+      <p:sp>
+        <p:nvSpPr>
+          <p:cNvPr id="10" name="Rectangle: Rounded Corners 9">
+            <a:extLst>
+              <a:ext uri="{FF2B5EF4-FFF2-40B4-BE49-F238E27FC236}">
+                <a16:creationId xmlns:a16="http://schemas.microsoft.com/office/drawing/2014/main" id="{64DC03ED-3E0D-4A1E-A2F7-4547D34BDA11}"/>
+              </a:ext>
+            </a:extLst>
+          </p:cNvPr>
+          <p:cNvSpPr/>
+          <p:nvPr/>
+        </p:nvSpPr>
+        <p:spPr>
+          <a:xfrm>
+            <a:off x="528298" y="1270531"/>
+            <a:ext cx="4917787" cy="4182530"/>
+          </a:xfrm>
+          <a:prstGeom prst="roundRect">
+            <a:avLst/>
+          </a:prstGeom>
+          <a:solidFill>
+            <a:schemeClr val="accent3">
+              <a:lumMod val="20000"/>
+              <a:lumOff val="80000"/>
+            </a:schemeClr>
+          </a:solidFill>
+          <a:ln>
+            <a:noFill/>
+          </a:ln>
+        </p:spPr>
+        <p:style>
+          <a:lnRef idx="2">
+            <a:schemeClr val="accent1">
+              <a:shade val="50000"/>
+            </a:schemeClr>
+          </a:lnRef>
+          <a:fillRef idx="1">
+            <a:schemeClr val="accent1"/>
+          </a:fillRef>
+          <a:effectRef idx="0">
+            <a:schemeClr val="accent1"/>
+          </a:effectRef>
+          <a:fontRef idx="minor">
+            <a:schemeClr val="lt1"/>
+          </a:fontRef>
+        </p:style>
+        <p:txBody>
+          <a:bodyPr rtlCol="0" anchor="ctr"/>
+          <a:lstStyle/>
+          <a:p>
+            <a:pPr algn="ctr"/>
+            <a:endParaRPr lang="en-IN" dirty="0">
+              <a:latin typeface="Segoe UI" panose="020B0502040204020203" pitchFamily="34" charset="0"/>
+              <a:cs typeface="Segoe UI" panose="020B0502040204020203" pitchFamily="34" charset="0"/>
+            </a:endParaRPr>
+          </a:p>
+        </p:txBody>
+      </p:sp>
+      <p:sp>
+        <p:nvSpPr>
+          <p:cNvPr id="4" name="Rectangle: Rounded Corners 3">
+            <a:extLst>
+              <a:ext uri="{FF2B5EF4-FFF2-40B4-BE49-F238E27FC236}">
+                <a16:creationId xmlns:a16="http://schemas.microsoft.com/office/drawing/2014/main" id="{80432144-D0B7-43DC-B0C9-AC8C9C9B5155}"/>
+              </a:ext>
+            </a:extLst>
+          </p:cNvPr>
+          <p:cNvSpPr/>
+          <p:nvPr/>
+        </p:nvSpPr>
+        <p:spPr>
+          <a:xfrm>
+            <a:off x="2242583" y="59851"/>
+            <a:ext cx="911382" cy="793750"/>
+          </a:xfrm>
+          <a:prstGeom prst="roundRect">
+            <a:avLst/>
+          </a:prstGeom>
+          <a:solidFill>
+            <a:schemeClr val="accent6">
+              <a:lumMod val="60000"/>
+              <a:lumOff val="40000"/>
+            </a:schemeClr>
+          </a:solidFill>
+        </p:spPr>
+        <p:style>
+          <a:lnRef idx="0">
+            <a:schemeClr val="accent5"/>
+          </a:lnRef>
+          <a:fillRef idx="3">
+            <a:schemeClr val="accent5"/>
+          </a:fillRef>
+          <a:effectRef idx="3">
+            <a:schemeClr val="accent5"/>
+          </a:effectRef>
+          <a:fontRef idx="minor">
+            <a:schemeClr val="lt1"/>
+          </a:fontRef>
+        </p:style>
+        <p:txBody>
+          <a:bodyPr rtlCol="0" anchor="ctr"/>
+          <a:lstStyle/>
+          <a:p>
+            <a:pPr algn="ctr"/>
+            <a:r>
+              <a:rPr lang="en-IN" sz="1600" dirty="0">
+                <a:latin typeface="Segoe UI" panose="020B0502040204020203" pitchFamily="34" charset="0"/>
+                <a:cs typeface="Segoe UI" panose="020B0502040204020203" pitchFamily="34" charset="0"/>
+              </a:rPr>
+              <a:t>Socket Client</a:t>
+            </a:r>
+          </a:p>
+        </p:txBody>
+      </p:sp>
+      <p:sp>
+        <p:nvSpPr>
+          <p:cNvPr id="5" name="Rectangle: Rounded Corners 4">
+            <a:extLst>
+              <a:ext uri="{FF2B5EF4-FFF2-40B4-BE49-F238E27FC236}">
+                <a16:creationId xmlns:a16="http://schemas.microsoft.com/office/drawing/2014/main" id="{0473BE43-4A8F-4968-A86A-132EBA32E177}"/>
+              </a:ext>
+            </a:extLst>
+          </p:cNvPr>
+          <p:cNvSpPr/>
+          <p:nvPr/>
+        </p:nvSpPr>
+        <p:spPr>
+          <a:xfrm>
+            <a:off x="2013268" y="1338264"/>
+            <a:ext cx="1370012" cy="1209675"/>
+          </a:xfrm>
+          <a:prstGeom prst="roundRect">
+            <a:avLst/>
+          </a:prstGeom>
+          <a:solidFill>
+            <a:schemeClr val="accent2">
+              <a:lumMod val="60000"/>
+              <a:lumOff val="40000"/>
+            </a:schemeClr>
+          </a:solidFill>
+        </p:spPr>
+        <p:style>
+          <a:lnRef idx="0">
+            <a:schemeClr val="accent5"/>
+          </a:lnRef>
+          <a:fillRef idx="3">
+            <a:schemeClr val="accent5"/>
+          </a:fillRef>
+          <a:effectRef idx="3">
+            <a:schemeClr val="accent5"/>
+          </a:effectRef>
+          <a:fontRef idx="minor">
+            <a:schemeClr val="lt1"/>
+          </a:fontRef>
+        </p:style>
+        <p:txBody>
+          <a:bodyPr rtlCol="0" anchor="ctr"/>
+          <a:lstStyle/>
+          <a:p>
+            <a:pPr algn="ctr"/>
+            <a:r>
+              <a:rPr lang="en-IN" dirty="0">
+                <a:latin typeface="Segoe UI" panose="020B0502040204020203" pitchFamily="34" charset="0"/>
+                <a:cs typeface="Segoe UI" panose="020B0502040204020203" pitchFamily="34" charset="0"/>
+              </a:rPr>
+              <a:t>Socket Session</a:t>
+            </a:r>
+          </a:p>
+        </p:txBody>
+      </p:sp>
+      <p:sp>
+        <p:nvSpPr>
+          <p:cNvPr id="7" name="Cylinder 6">
+            <a:extLst>
+              <a:ext uri="{FF2B5EF4-FFF2-40B4-BE49-F238E27FC236}">
+                <a16:creationId xmlns:a16="http://schemas.microsoft.com/office/drawing/2014/main" id="{CA61AFFB-ADDF-462E-8714-2D33425157FF}"/>
+              </a:ext>
+            </a:extLst>
+          </p:cNvPr>
+          <p:cNvSpPr/>
+          <p:nvPr/>
+        </p:nvSpPr>
+        <p:spPr>
+          <a:xfrm rot="5400000">
+            <a:off x="1414532" y="4092020"/>
+            <a:ext cx="523875" cy="1923900"/>
+          </a:xfrm>
+          <a:prstGeom prst="can">
+            <a:avLst/>
+          </a:prstGeom>
+        </p:spPr>
+        <p:style>
+          <a:lnRef idx="0">
+            <a:schemeClr val="accent5"/>
+          </a:lnRef>
+          <a:fillRef idx="3">
+            <a:schemeClr val="accent5"/>
+          </a:fillRef>
+          <a:effectRef idx="3">
+            <a:schemeClr val="accent5"/>
+          </a:effectRef>
+          <a:fontRef idx="minor">
+            <a:schemeClr val="lt1"/>
+          </a:fontRef>
+        </p:style>
+        <p:txBody>
+          <a:bodyPr vert="vert270" rtlCol="0" anchor="ctr"/>
+          <a:lstStyle/>
+          <a:p>
+            <a:pPr algn="ctr"/>
+            <a:r>
+              <a:rPr lang="en-IN" dirty="0">
+                <a:latin typeface="Segoe UI" panose="020B0502040204020203" pitchFamily="34" charset="0"/>
+                <a:cs typeface="Segoe UI" panose="020B0502040204020203" pitchFamily="34" charset="0"/>
+              </a:rPr>
+              <a:t>Subscribe Channel  </a:t>
+            </a:r>
+          </a:p>
+        </p:txBody>
+      </p:sp>
+      <p:sp>
+        <p:nvSpPr>
+          <p:cNvPr id="16" name="Rectangle: Rounded Corners 15">
+            <a:extLst>
+              <a:ext uri="{FF2B5EF4-FFF2-40B4-BE49-F238E27FC236}">
+                <a16:creationId xmlns:a16="http://schemas.microsoft.com/office/drawing/2014/main" id="{A96A5840-F1F7-4050-9486-9140C8A1BD32}"/>
+              </a:ext>
+            </a:extLst>
+          </p:cNvPr>
+          <p:cNvSpPr/>
+          <p:nvPr/>
+        </p:nvSpPr>
+        <p:spPr>
+          <a:xfrm>
+            <a:off x="701697" y="3078481"/>
+            <a:ext cx="1654492" cy="616744"/>
+          </a:xfrm>
+          <a:prstGeom prst="roundRect">
+            <a:avLst/>
+          </a:prstGeom>
+        </p:spPr>
+        <p:style>
+          <a:lnRef idx="0">
+            <a:schemeClr val="accent5"/>
+          </a:lnRef>
+          <a:fillRef idx="3">
+            <a:schemeClr val="accent5"/>
+          </a:fillRef>
+          <a:effectRef idx="3">
+            <a:schemeClr val="accent5"/>
+          </a:effectRef>
+          <a:fontRef idx="minor">
+            <a:schemeClr val="lt1"/>
+          </a:fontRef>
+        </p:style>
+        <p:txBody>
+          <a:bodyPr rtlCol="0" anchor="ctr"/>
+          <a:lstStyle/>
+          <a:p>
+            <a:pPr algn="ctr"/>
+            <a:r>
+              <a:rPr lang="en-IN" sz="1600" dirty="0">
+                <a:latin typeface="Segoe UI" panose="020B0502040204020203" pitchFamily="34" charset="0"/>
+                <a:cs typeface="Segoe UI" panose="020B0502040204020203" pitchFamily="34" charset="0"/>
+              </a:rPr>
+              <a:t>Outbound Flux</a:t>
+            </a:r>
+          </a:p>
+        </p:txBody>
+      </p:sp>
+      <p:cxnSp>
+        <p:nvCxnSpPr>
+          <p:cNvPr id="43" name="Straight Arrow Connector 42">
+            <a:extLst>
+              <a:ext uri="{FF2B5EF4-FFF2-40B4-BE49-F238E27FC236}">
+                <a16:creationId xmlns:a16="http://schemas.microsoft.com/office/drawing/2014/main" id="{A298E753-97F6-47ED-8AB1-1DE9A333811A}"/>
+              </a:ext>
+            </a:extLst>
+          </p:cNvPr>
+          <p:cNvCxnSpPr>
+            <a:cxnSpLocks/>
+            <a:endCxn id="16" idx="2"/>
+          </p:cNvCxnSpPr>
+          <p:nvPr/>
+        </p:nvCxnSpPr>
+        <p:spPr>
+          <a:xfrm flipV="1">
+            <a:off x="1528943" y="3695225"/>
+            <a:ext cx="0" cy="1150016"/>
+          </a:xfrm>
+          <a:prstGeom prst="straightConnector1">
+            <a:avLst/>
+          </a:prstGeom>
+          <a:ln w="19050">
+            <a:tailEnd type="triangle"/>
+          </a:ln>
+        </p:spPr>
+        <p:style>
+          <a:lnRef idx="1">
+            <a:schemeClr val="accent2"/>
+          </a:lnRef>
+          <a:fillRef idx="0">
+            <a:schemeClr val="accent2"/>
+          </a:fillRef>
+          <a:effectRef idx="0">
+            <a:schemeClr val="accent2"/>
+          </a:effectRef>
+          <a:fontRef idx="minor">
+            <a:schemeClr val="tx1"/>
+          </a:fontRef>
+        </p:style>
+      </p:cxnSp>
+      <p:cxnSp>
+        <p:nvCxnSpPr>
+          <p:cNvPr id="58" name="Straight Arrow Connector 57">
+            <a:extLst>
+              <a:ext uri="{FF2B5EF4-FFF2-40B4-BE49-F238E27FC236}">
+                <a16:creationId xmlns:a16="http://schemas.microsoft.com/office/drawing/2014/main" id="{9948B1C8-578E-43DC-AC7F-F1EBB88286B9}"/>
+              </a:ext>
+            </a:extLst>
+          </p:cNvPr>
+          <p:cNvCxnSpPr>
+            <a:cxnSpLocks/>
+          </p:cNvCxnSpPr>
+          <p:nvPr/>
+        </p:nvCxnSpPr>
+        <p:spPr>
+          <a:xfrm>
+            <a:off x="8091535" y="4405251"/>
+            <a:ext cx="0" cy="386780"/>
+          </a:xfrm>
+          <a:prstGeom prst="straightConnector1">
+            <a:avLst/>
+          </a:prstGeom>
+          <a:ln w="19050">
+            <a:tailEnd type="triangle"/>
+          </a:ln>
+        </p:spPr>
+        <p:style>
+          <a:lnRef idx="1">
+            <a:schemeClr val="accent2"/>
+          </a:lnRef>
+          <a:fillRef idx="0">
+            <a:schemeClr val="accent2"/>
+          </a:fillRef>
+          <a:effectRef idx="0">
+            <a:schemeClr val="accent2"/>
+          </a:effectRef>
+          <a:fontRef idx="minor">
+            <a:schemeClr val="tx1"/>
+          </a:fontRef>
+        </p:style>
+      </p:cxnSp>
+      <p:sp>
+        <p:nvSpPr>
+          <p:cNvPr id="59" name="Oval 58">
+            <a:extLst>
+              <a:ext uri="{FF2B5EF4-FFF2-40B4-BE49-F238E27FC236}">
+                <a16:creationId xmlns:a16="http://schemas.microsoft.com/office/drawing/2014/main" id="{626321BE-B281-46EB-AC93-279F75EF18A0}"/>
+              </a:ext>
+            </a:extLst>
+          </p:cNvPr>
+          <p:cNvSpPr/>
+          <p:nvPr/>
+        </p:nvSpPr>
+        <p:spPr>
+          <a:xfrm>
+            <a:off x="7914011" y="3884337"/>
+            <a:ext cx="334728" cy="203119"/>
+          </a:xfrm>
+          <a:prstGeom prst="ellipse">
+            <a:avLst/>
+          </a:prstGeom>
+        </p:spPr>
+        <p:style>
+          <a:lnRef idx="0">
+            <a:schemeClr val="accent5"/>
+          </a:lnRef>
+          <a:fillRef idx="3">
+            <a:schemeClr val="accent5"/>
+          </a:fillRef>
+          <a:effectRef idx="3">
+            <a:schemeClr val="accent5"/>
+          </a:effectRef>
+          <a:fontRef idx="minor">
+            <a:schemeClr val="lt1"/>
+          </a:fontRef>
+        </p:style>
+        <p:txBody>
+          <a:bodyPr rtlCol="0" anchor="ctr"/>
+          <a:lstStyle/>
+          <a:p>
+            <a:pPr algn="ctr"/>
+            <a:endParaRPr lang="en-IN">
+              <a:latin typeface="Segoe UI" panose="020B0502040204020203" pitchFamily="34" charset="0"/>
+              <a:cs typeface="Segoe UI" panose="020B0502040204020203" pitchFamily="34" charset="0"/>
+            </a:endParaRPr>
+          </a:p>
+        </p:txBody>
+      </p:sp>
+      <p:sp>
+        <p:nvSpPr>
+          <p:cNvPr id="60" name="Oval 59">
+            <a:extLst>
+              <a:ext uri="{FF2B5EF4-FFF2-40B4-BE49-F238E27FC236}">
+                <a16:creationId xmlns:a16="http://schemas.microsoft.com/office/drawing/2014/main" id="{C2EAC74F-F12C-46E2-A9F7-4FE5B6F896C6}"/>
+              </a:ext>
+            </a:extLst>
+          </p:cNvPr>
+          <p:cNvSpPr/>
+          <p:nvPr/>
+        </p:nvSpPr>
+        <p:spPr>
+          <a:xfrm>
+            <a:off x="7924171" y="4268807"/>
+            <a:ext cx="334728" cy="203119"/>
+          </a:xfrm>
+          <a:prstGeom prst="ellipse">
+            <a:avLst/>
+          </a:prstGeom>
+        </p:spPr>
+        <p:style>
+          <a:lnRef idx="0">
+            <a:schemeClr val="accent5"/>
+          </a:lnRef>
+          <a:fillRef idx="3">
+            <a:schemeClr val="accent5"/>
+          </a:fillRef>
+          <a:effectRef idx="3">
+            <a:schemeClr val="accent5"/>
+          </a:effectRef>
+          <a:fontRef idx="minor">
+            <a:schemeClr val="lt1"/>
+          </a:fontRef>
+        </p:style>
+        <p:txBody>
+          <a:bodyPr rtlCol="0" anchor="ctr"/>
+          <a:lstStyle/>
+          <a:p>
+            <a:pPr algn="ctr"/>
+            <a:endParaRPr lang="en-IN">
+              <a:latin typeface="Segoe UI" panose="020B0502040204020203" pitchFamily="34" charset="0"/>
+              <a:cs typeface="Segoe UI" panose="020B0502040204020203" pitchFamily="34" charset="0"/>
+            </a:endParaRPr>
+          </a:p>
+        </p:txBody>
+      </p:sp>
+      <p:sp>
+        <p:nvSpPr>
+          <p:cNvPr id="61" name="Cylinder 60">
+            <a:extLst>
+              <a:ext uri="{FF2B5EF4-FFF2-40B4-BE49-F238E27FC236}">
+                <a16:creationId xmlns:a16="http://schemas.microsoft.com/office/drawing/2014/main" id="{AA1080D0-BCC8-4152-982B-63651F00B963}"/>
+              </a:ext>
+            </a:extLst>
+          </p:cNvPr>
+          <p:cNvSpPr/>
+          <p:nvPr/>
+        </p:nvSpPr>
+        <p:spPr>
+          <a:xfrm>
+            <a:off x="6003996" y="3664299"/>
+            <a:ext cx="944701" cy="643193"/>
+          </a:xfrm>
+          <a:prstGeom prst="can">
+            <a:avLst/>
+          </a:prstGeom>
+        </p:spPr>
+        <p:style>
+          <a:lnRef idx="0">
+            <a:schemeClr val="accent5"/>
+          </a:lnRef>
+          <a:fillRef idx="3">
+            <a:schemeClr val="accent5"/>
+          </a:fillRef>
+          <a:effectRef idx="3">
+            <a:schemeClr val="accent5"/>
+          </a:effectRef>
+          <a:fontRef idx="minor">
+            <a:schemeClr val="lt1"/>
+          </a:fontRef>
+        </p:style>
+        <p:txBody>
+          <a:bodyPr rtlCol="0" anchor="ctr"/>
+          <a:lstStyle/>
+          <a:p>
+            <a:pPr algn="ctr"/>
+            <a:r>
+              <a:rPr lang="en-IN" sz="1200" dirty="0">
+                <a:latin typeface="Segoe UI" panose="020B0502040204020203" pitchFamily="34" charset="0"/>
+                <a:cs typeface="Segoe UI" panose="020B0502040204020203" pitchFamily="34" charset="0"/>
+              </a:rPr>
+              <a:t>Socket Session DB</a:t>
+            </a:r>
+          </a:p>
+        </p:txBody>
+      </p:sp>
+      <p:cxnSp>
+        <p:nvCxnSpPr>
+          <p:cNvPr id="62" name="Straight Arrow Connector 61">
+            <a:extLst>
+              <a:ext uri="{FF2B5EF4-FFF2-40B4-BE49-F238E27FC236}">
+                <a16:creationId xmlns:a16="http://schemas.microsoft.com/office/drawing/2014/main" id="{3093FA57-C721-403A-8AFF-F6B43966E2A9}"/>
+              </a:ext>
+            </a:extLst>
+          </p:cNvPr>
+          <p:cNvCxnSpPr>
+            <a:cxnSpLocks/>
+            <a:stCxn id="59" idx="2"/>
+            <a:endCxn id="61" idx="4"/>
+          </p:cNvCxnSpPr>
+          <p:nvPr/>
+        </p:nvCxnSpPr>
+        <p:spPr>
+          <a:xfrm flipH="1" flipV="1">
+            <a:off x="6948697" y="3985896"/>
+            <a:ext cx="965314" cy="1"/>
+          </a:xfrm>
+          <a:prstGeom prst="straightConnector1">
+            <a:avLst/>
+          </a:prstGeom>
+          <a:ln w="19050">
+            <a:tailEnd type="triangle"/>
+          </a:ln>
+        </p:spPr>
+        <p:style>
+          <a:lnRef idx="1">
+            <a:schemeClr val="accent2"/>
+          </a:lnRef>
+          <a:fillRef idx="0">
+            <a:schemeClr val="accent2"/>
+          </a:fillRef>
+          <a:effectRef idx="0">
+            <a:schemeClr val="accent2"/>
+          </a:effectRef>
+          <a:fontRef idx="minor">
+            <a:schemeClr val="tx1"/>
+          </a:fontRef>
+        </p:style>
+      </p:cxnSp>
+      <p:cxnSp>
+        <p:nvCxnSpPr>
+          <p:cNvPr id="63" name="Straight Arrow Connector 62">
+            <a:extLst>
+              <a:ext uri="{FF2B5EF4-FFF2-40B4-BE49-F238E27FC236}">
+                <a16:creationId xmlns:a16="http://schemas.microsoft.com/office/drawing/2014/main" id="{55D61280-AE32-415F-987C-BF784D4EEF1A}"/>
+              </a:ext>
+            </a:extLst>
+          </p:cNvPr>
+          <p:cNvCxnSpPr>
+            <a:cxnSpLocks/>
+            <a:endCxn id="59" idx="0"/>
+          </p:cNvCxnSpPr>
+          <p:nvPr/>
+        </p:nvCxnSpPr>
+        <p:spPr>
+          <a:xfrm>
+            <a:off x="8078711" y="3740944"/>
+            <a:ext cx="2664" cy="143393"/>
+          </a:xfrm>
+          <a:prstGeom prst="straightConnector1">
+            <a:avLst/>
+          </a:prstGeom>
+          <a:ln w="19050">
+            <a:tailEnd type="triangle"/>
+          </a:ln>
+        </p:spPr>
+        <p:style>
+          <a:lnRef idx="1">
+            <a:schemeClr val="accent2"/>
+          </a:lnRef>
+          <a:fillRef idx="0">
+            <a:schemeClr val="accent2"/>
+          </a:fillRef>
+          <a:effectRef idx="0">
+            <a:schemeClr val="accent2"/>
+          </a:effectRef>
+          <a:fontRef idx="minor">
+            <a:schemeClr val="tx1"/>
+          </a:fontRef>
+        </p:style>
+      </p:cxnSp>
+      <p:cxnSp>
+        <p:nvCxnSpPr>
+          <p:cNvPr id="64" name="Straight Arrow Connector 63">
+            <a:extLst>
+              <a:ext uri="{FF2B5EF4-FFF2-40B4-BE49-F238E27FC236}">
+                <a16:creationId xmlns:a16="http://schemas.microsoft.com/office/drawing/2014/main" id="{6E03D7BA-7990-48DE-990D-8AA0CD59C55A}"/>
+              </a:ext>
+            </a:extLst>
+          </p:cNvPr>
+          <p:cNvCxnSpPr>
+            <a:cxnSpLocks/>
+            <a:stCxn id="59" idx="4"/>
+            <a:endCxn id="60" idx="0"/>
+          </p:cNvCxnSpPr>
+          <p:nvPr/>
+        </p:nvCxnSpPr>
+        <p:spPr>
+          <a:xfrm>
+            <a:off x="8081375" y="4087456"/>
+            <a:ext cx="10160" cy="181351"/>
+          </a:xfrm>
+          <a:prstGeom prst="straightConnector1">
+            <a:avLst/>
+          </a:prstGeom>
+          <a:ln w="19050">
+            <a:tailEnd type="triangle"/>
+          </a:ln>
+        </p:spPr>
+        <p:style>
+          <a:lnRef idx="1">
+            <a:schemeClr val="accent2"/>
+          </a:lnRef>
+          <a:fillRef idx="0">
+            <a:schemeClr val="accent2"/>
+          </a:fillRef>
+          <a:effectRef idx="0">
+            <a:schemeClr val="accent2"/>
+          </a:effectRef>
+          <a:fontRef idx="minor">
+            <a:schemeClr val="tx1"/>
+          </a:fontRef>
+        </p:style>
+      </p:cxnSp>
+      <p:cxnSp>
+        <p:nvCxnSpPr>
+          <p:cNvPr id="65" name="Straight Arrow Connector 64">
+            <a:extLst>
+              <a:ext uri="{FF2B5EF4-FFF2-40B4-BE49-F238E27FC236}">
+                <a16:creationId xmlns:a16="http://schemas.microsoft.com/office/drawing/2014/main" id="{8EC22292-00C4-4ED1-BD0D-4D23CB1D418C}"/>
+              </a:ext>
+            </a:extLst>
+          </p:cNvPr>
+          <p:cNvCxnSpPr>
+            <a:cxnSpLocks/>
+            <a:endCxn id="158" idx="2"/>
+          </p:cNvCxnSpPr>
+          <p:nvPr/>
+        </p:nvCxnSpPr>
+        <p:spPr>
+          <a:xfrm flipV="1">
+            <a:off x="10393683" y="3817332"/>
+            <a:ext cx="0" cy="1027909"/>
+          </a:xfrm>
+          <a:prstGeom prst="straightConnector1">
+            <a:avLst/>
+          </a:prstGeom>
+          <a:ln w="19050">
+            <a:tailEnd type="triangle"/>
+          </a:ln>
+        </p:spPr>
+        <p:style>
+          <a:lnRef idx="1">
+            <a:schemeClr val="accent2"/>
+          </a:lnRef>
+          <a:fillRef idx="0">
+            <a:schemeClr val="accent2"/>
+          </a:fillRef>
+          <a:effectRef idx="0">
+            <a:schemeClr val="accent2"/>
+          </a:effectRef>
+          <a:fontRef idx="minor">
+            <a:schemeClr val="tx1"/>
+          </a:fontRef>
+        </p:style>
+      </p:cxnSp>
+      <p:sp>
+        <p:nvSpPr>
+          <p:cNvPr id="74" name="Rectangle: Rounded Corners 73">
+            <a:extLst>
+              <a:ext uri="{FF2B5EF4-FFF2-40B4-BE49-F238E27FC236}">
+                <a16:creationId xmlns:a16="http://schemas.microsoft.com/office/drawing/2014/main" id="{86D7ECCF-D162-45E2-826E-3DE4C6FD88DC}"/>
+              </a:ext>
+            </a:extLst>
+          </p:cNvPr>
+          <p:cNvSpPr/>
+          <p:nvPr/>
+        </p:nvSpPr>
+        <p:spPr>
+          <a:xfrm>
+            <a:off x="3077886" y="3141296"/>
+            <a:ext cx="1654492" cy="616744"/>
+          </a:xfrm>
+          <a:prstGeom prst="roundRect">
+            <a:avLst/>
+          </a:prstGeom>
+        </p:spPr>
+        <p:style>
+          <a:lnRef idx="0">
+            <a:schemeClr val="accent5"/>
+          </a:lnRef>
+          <a:fillRef idx="3">
+            <a:schemeClr val="accent5"/>
+          </a:fillRef>
+          <a:effectRef idx="3">
+            <a:schemeClr val="accent5"/>
+          </a:effectRef>
+          <a:fontRef idx="minor">
+            <a:schemeClr val="lt1"/>
+          </a:fontRef>
+        </p:style>
+        <p:txBody>
+          <a:bodyPr rtlCol="0" anchor="ctr"/>
+          <a:lstStyle/>
+          <a:p>
+            <a:pPr algn="ctr"/>
+            <a:r>
+              <a:rPr lang="en-IN" sz="1600" dirty="0">
+                <a:latin typeface="Segoe UI" panose="020B0502040204020203" pitchFamily="34" charset="0"/>
+                <a:cs typeface="Segoe UI" panose="020B0502040204020203" pitchFamily="34" charset="0"/>
+              </a:rPr>
+              <a:t>Inbound Flux</a:t>
+            </a:r>
+          </a:p>
+        </p:txBody>
+      </p:sp>
+      <p:cxnSp>
+        <p:nvCxnSpPr>
+          <p:cNvPr id="76" name="Straight Arrow Connector 75">
+            <a:extLst>
+              <a:ext uri="{FF2B5EF4-FFF2-40B4-BE49-F238E27FC236}">
+                <a16:creationId xmlns:a16="http://schemas.microsoft.com/office/drawing/2014/main" id="{4D203AF1-8960-4E83-83F5-4AB7E64F4C39}"/>
+              </a:ext>
+            </a:extLst>
+          </p:cNvPr>
+          <p:cNvCxnSpPr>
+            <a:cxnSpLocks/>
+          </p:cNvCxnSpPr>
+          <p:nvPr/>
+        </p:nvCxnSpPr>
+        <p:spPr>
+          <a:xfrm>
+            <a:off x="3917956" y="4422347"/>
+            <a:ext cx="0" cy="369684"/>
+          </a:xfrm>
+          <a:prstGeom prst="straightConnector1">
+            <a:avLst/>
+          </a:prstGeom>
+          <a:ln w="19050">
+            <a:tailEnd type="triangle"/>
+          </a:ln>
+        </p:spPr>
+        <p:style>
+          <a:lnRef idx="1">
+            <a:schemeClr val="accent2"/>
+          </a:lnRef>
+          <a:fillRef idx="0">
+            <a:schemeClr val="accent2"/>
+          </a:fillRef>
+          <a:effectRef idx="0">
+            <a:schemeClr val="accent2"/>
+          </a:effectRef>
+          <a:fontRef idx="minor">
+            <a:schemeClr val="tx1"/>
+          </a:fontRef>
+        </p:style>
+      </p:cxnSp>
+      <p:sp>
+        <p:nvSpPr>
+          <p:cNvPr id="77" name="Oval 76">
+            <a:extLst>
+              <a:ext uri="{FF2B5EF4-FFF2-40B4-BE49-F238E27FC236}">
+                <a16:creationId xmlns:a16="http://schemas.microsoft.com/office/drawing/2014/main" id="{09F5A7B3-FC21-40B6-BD34-DB13462D0E46}"/>
+              </a:ext>
+            </a:extLst>
+          </p:cNvPr>
+          <p:cNvSpPr/>
+          <p:nvPr/>
+        </p:nvSpPr>
+        <p:spPr>
+          <a:xfrm>
+            <a:off x="3740432" y="3901433"/>
+            <a:ext cx="334728" cy="203119"/>
+          </a:xfrm>
+          <a:prstGeom prst="ellipse">
+            <a:avLst/>
+          </a:prstGeom>
+        </p:spPr>
+        <p:style>
+          <a:lnRef idx="0">
+            <a:schemeClr val="accent5"/>
+          </a:lnRef>
+          <a:fillRef idx="3">
+            <a:schemeClr val="accent5"/>
+          </a:fillRef>
+          <a:effectRef idx="3">
+            <a:schemeClr val="accent5"/>
+          </a:effectRef>
+          <a:fontRef idx="minor">
+            <a:schemeClr val="lt1"/>
+          </a:fontRef>
+        </p:style>
+        <p:txBody>
+          <a:bodyPr rtlCol="0" anchor="ctr"/>
+          <a:lstStyle/>
+          <a:p>
+            <a:pPr algn="ctr"/>
+            <a:endParaRPr lang="en-IN">
+              <a:latin typeface="Segoe UI" panose="020B0502040204020203" pitchFamily="34" charset="0"/>
+              <a:cs typeface="Segoe UI" panose="020B0502040204020203" pitchFamily="34" charset="0"/>
+            </a:endParaRPr>
+          </a:p>
+        </p:txBody>
+      </p:sp>
+      <p:sp>
+        <p:nvSpPr>
+          <p:cNvPr id="78" name="Oval 77">
+            <a:extLst>
+              <a:ext uri="{FF2B5EF4-FFF2-40B4-BE49-F238E27FC236}">
+                <a16:creationId xmlns:a16="http://schemas.microsoft.com/office/drawing/2014/main" id="{2B860D40-658A-41B4-A160-F8B02C3C7BE4}"/>
+              </a:ext>
+            </a:extLst>
+          </p:cNvPr>
+          <p:cNvSpPr/>
+          <p:nvPr/>
+        </p:nvSpPr>
+        <p:spPr>
+          <a:xfrm>
+            <a:off x="3750592" y="4285903"/>
+            <a:ext cx="334728" cy="203119"/>
+          </a:xfrm>
+          <a:prstGeom prst="ellipse">
+            <a:avLst/>
+          </a:prstGeom>
+        </p:spPr>
+        <p:style>
+          <a:lnRef idx="0">
+            <a:schemeClr val="accent5"/>
+          </a:lnRef>
+          <a:fillRef idx="3">
+            <a:schemeClr val="accent5"/>
+          </a:fillRef>
+          <a:effectRef idx="3">
+            <a:schemeClr val="accent5"/>
+          </a:effectRef>
+          <a:fontRef idx="minor">
+            <a:schemeClr val="lt1"/>
+          </a:fontRef>
+        </p:style>
+        <p:txBody>
+          <a:bodyPr rtlCol="0" anchor="ctr"/>
+          <a:lstStyle/>
+          <a:p>
+            <a:pPr algn="ctr"/>
+            <a:endParaRPr lang="en-IN">
+              <a:latin typeface="Segoe UI" panose="020B0502040204020203" pitchFamily="34" charset="0"/>
+              <a:cs typeface="Segoe UI" panose="020B0502040204020203" pitchFamily="34" charset="0"/>
+            </a:endParaRPr>
+          </a:p>
+        </p:txBody>
+      </p:sp>
+      <p:cxnSp>
+        <p:nvCxnSpPr>
+          <p:cNvPr id="80" name="Straight Arrow Connector 79">
+            <a:extLst>
+              <a:ext uri="{FF2B5EF4-FFF2-40B4-BE49-F238E27FC236}">
+                <a16:creationId xmlns:a16="http://schemas.microsoft.com/office/drawing/2014/main" id="{29018953-0A47-4E2D-9298-0D5774852978}"/>
+              </a:ext>
+            </a:extLst>
+          </p:cNvPr>
+          <p:cNvCxnSpPr>
+            <a:cxnSpLocks/>
+            <a:stCxn id="77" idx="6"/>
+            <a:endCxn id="61" idx="2"/>
+          </p:cNvCxnSpPr>
+          <p:nvPr/>
+        </p:nvCxnSpPr>
+        <p:spPr>
+          <a:xfrm flipV="1">
+            <a:off x="4075160" y="3985896"/>
+            <a:ext cx="1928836" cy="17097"/>
+          </a:xfrm>
+          <a:prstGeom prst="straightConnector1">
+            <a:avLst/>
+          </a:prstGeom>
+          <a:ln w="19050">
+            <a:tailEnd type="triangle"/>
+          </a:ln>
+        </p:spPr>
+        <p:style>
+          <a:lnRef idx="1">
+            <a:schemeClr val="accent2"/>
+          </a:lnRef>
+          <a:fillRef idx="0">
+            <a:schemeClr val="accent2"/>
+          </a:fillRef>
+          <a:effectRef idx="0">
+            <a:schemeClr val="accent2"/>
+          </a:effectRef>
+          <a:fontRef idx="minor">
+            <a:schemeClr val="tx1"/>
+          </a:fontRef>
+        </p:style>
+      </p:cxnSp>
+      <p:cxnSp>
+        <p:nvCxnSpPr>
+          <p:cNvPr id="81" name="Straight Arrow Connector 80">
+            <a:extLst>
+              <a:ext uri="{FF2B5EF4-FFF2-40B4-BE49-F238E27FC236}">
+                <a16:creationId xmlns:a16="http://schemas.microsoft.com/office/drawing/2014/main" id="{1EA5CBCD-41FE-4BC4-84B3-DD2B69096672}"/>
+              </a:ext>
+            </a:extLst>
+          </p:cNvPr>
+          <p:cNvCxnSpPr>
+            <a:cxnSpLocks/>
+            <a:stCxn id="74" idx="2"/>
+            <a:endCxn id="77" idx="0"/>
+          </p:cNvCxnSpPr>
+          <p:nvPr/>
+        </p:nvCxnSpPr>
+        <p:spPr>
+          <a:xfrm>
+            <a:off x="3905132" y="3758040"/>
+            <a:ext cx="2664" cy="143393"/>
+          </a:xfrm>
+          <a:prstGeom prst="straightConnector1">
+            <a:avLst/>
+          </a:prstGeom>
+          <a:ln w="19050">
+            <a:tailEnd type="triangle"/>
+          </a:ln>
+        </p:spPr>
+        <p:style>
+          <a:lnRef idx="1">
+            <a:schemeClr val="accent2"/>
+          </a:lnRef>
+          <a:fillRef idx="0">
+            <a:schemeClr val="accent2"/>
+          </a:fillRef>
+          <a:effectRef idx="0">
+            <a:schemeClr val="accent2"/>
+          </a:effectRef>
+          <a:fontRef idx="minor">
+            <a:schemeClr val="tx1"/>
+          </a:fontRef>
+        </p:style>
+      </p:cxnSp>
+      <p:cxnSp>
+        <p:nvCxnSpPr>
+          <p:cNvPr id="82" name="Straight Arrow Connector 81">
+            <a:extLst>
+              <a:ext uri="{FF2B5EF4-FFF2-40B4-BE49-F238E27FC236}">
+                <a16:creationId xmlns:a16="http://schemas.microsoft.com/office/drawing/2014/main" id="{F907522C-BF4B-4234-A1B3-48892DC526E4}"/>
+              </a:ext>
+            </a:extLst>
+          </p:cNvPr>
+          <p:cNvCxnSpPr>
+            <a:cxnSpLocks/>
+            <a:stCxn id="77" idx="4"/>
+            <a:endCxn id="78" idx="0"/>
+          </p:cNvCxnSpPr>
+          <p:nvPr/>
+        </p:nvCxnSpPr>
+        <p:spPr>
+          <a:xfrm>
+            <a:off x="3907796" y="4104552"/>
+            <a:ext cx="10160" cy="181351"/>
+          </a:xfrm>
+          <a:prstGeom prst="straightConnector1">
+            <a:avLst/>
+          </a:prstGeom>
+          <a:ln w="19050">
+            <a:tailEnd type="triangle"/>
+          </a:ln>
+        </p:spPr>
+        <p:style>
+          <a:lnRef idx="1">
+            <a:schemeClr val="accent2"/>
+          </a:lnRef>
+          <a:fillRef idx="0">
+            <a:schemeClr val="accent2"/>
+          </a:fillRef>
+          <a:effectRef idx="0">
+            <a:schemeClr val="accent2"/>
+          </a:effectRef>
+          <a:fontRef idx="minor">
+            <a:schemeClr val="tx1"/>
+          </a:fontRef>
+        </p:style>
+      </p:cxnSp>
+      <p:cxnSp>
+        <p:nvCxnSpPr>
+          <p:cNvPr id="103" name="Connector: Elbow 102">
+            <a:extLst>
+              <a:ext uri="{FF2B5EF4-FFF2-40B4-BE49-F238E27FC236}">
+                <a16:creationId xmlns:a16="http://schemas.microsoft.com/office/drawing/2014/main" id="{7515F49E-5692-44DB-BA97-8ED9554B2D4E}"/>
+              </a:ext>
+            </a:extLst>
+          </p:cNvPr>
+          <p:cNvCxnSpPr>
+            <a:cxnSpLocks/>
+            <a:stCxn id="4" idx="3"/>
+            <a:endCxn id="5" idx="3"/>
+          </p:cNvCxnSpPr>
+          <p:nvPr/>
+        </p:nvCxnSpPr>
+        <p:spPr>
+          <a:xfrm>
+            <a:off x="3153965" y="456726"/>
+            <a:ext cx="229315" cy="1486376"/>
+          </a:xfrm>
+          <a:prstGeom prst="bentConnector3">
+            <a:avLst>
+              <a:gd name="adj1" fmla="val 199688"/>
+            </a:avLst>
+          </a:prstGeom>
+          <a:ln w="19050">
+            <a:tailEnd type="triangle"/>
+          </a:ln>
+        </p:spPr>
+        <p:style>
+          <a:lnRef idx="1">
+            <a:schemeClr val="accent2"/>
+          </a:lnRef>
+          <a:fillRef idx="0">
+            <a:schemeClr val="accent2"/>
+          </a:fillRef>
+          <a:effectRef idx="0">
+            <a:schemeClr val="accent2"/>
+          </a:effectRef>
+          <a:fontRef idx="minor">
+            <a:schemeClr val="tx1"/>
+          </a:fontRef>
+        </p:style>
+      </p:cxnSp>
+      <p:cxnSp>
+        <p:nvCxnSpPr>
+          <p:cNvPr id="105" name="Connector: Elbow 104">
+            <a:extLst>
+              <a:ext uri="{FF2B5EF4-FFF2-40B4-BE49-F238E27FC236}">
+                <a16:creationId xmlns:a16="http://schemas.microsoft.com/office/drawing/2014/main" id="{AEFC444C-CDC3-4C20-B5A1-FD9E822CDB82}"/>
+              </a:ext>
+            </a:extLst>
+          </p:cNvPr>
+          <p:cNvCxnSpPr>
+            <a:cxnSpLocks/>
+            <a:endCxn id="16" idx="0"/>
+          </p:cNvCxnSpPr>
+          <p:nvPr/>
+        </p:nvCxnSpPr>
+        <p:spPr>
+          <a:xfrm rot="5400000">
+            <a:off x="1284698" y="2349907"/>
+            <a:ext cx="972819" cy="484328"/>
+          </a:xfrm>
+          <a:prstGeom prst="bentConnector3">
+            <a:avLst>
+              <a:gd name="adj1" fmla="val -130"/>
+            </a:avLst>
+          </a:prstGeom>
+          <a:ln w="19050">
+            <a:headEnd type="triangle" w="med" len="med"/>
+            <a:tailEnd type="none" w="med" len="med"/>
+          </a:ln>
+        </p:spPr>
+        <p:style>
+          <a:lnRef idx="1">
+            <a:schemeClr val="accent2"/>
+          </a:lnRef>
+          <a:fillRef idx="0">
+            <a:schemeClr val="accent2"/>
+          </a:fillRef>
+          <a:effectRef idx="0">
+            <a:schemeClr val="accent2"/>
+          </a:effectRef>
+          <a:fontRef idx="minor">
+            <a:schemeClr val="tx1"/>
+          </a:fontRef>
+        </p:style>
+      </p:cxnSp>
+      <p:cxnSp>
+        <p:nvCxnSpPr>
+          <p:cNvPr id="114" name="Connector: Elbow 113">
+            <a:extLst>
+              <a:ext uri="{FF2B5EF4-FFF2-40B4-BE49-F238E27FC236}">
+                <a16:creationId xmlns:a16="http://schemas.microsoft.com/office/drawing/2014/main" id="{79B4FC4A-CD43-4AD9-B112-E34A8ACCA3C7}"/>
+              </a:ext>
+            </a:extLst>
+          </p:cNvPr>
+          <p:cNvCxnSpPr>
+            <a:cxnSpLocks/>
+            <a:endCxn id="74" idx="0"/>
+          </p:cNvCxnSpPr>
+          <p:nvPr/>
+        </p:nvCxnSpPr>
+        <p:spPr>
+          <a:xfrm rot="16200000" flipH="1">
+            <a:off x="3090829" y="2326993"/>
+            <a:ext cx="1106754" cy="521852"/>
+          </a:xfrm>
+          <a:prstGeom prst="bentConnector3">
+            <a:avLst>
+              <a:gd name="adj1" fmla="val 7772"/>
+            </a:avLst>
+          </a:prstGeom>
+          <a:ln w="19050">
+            <a:tailEnd type="triangle"/>
+          </a:ln>
+        </p:spPr>
+        <p:style>
+          <a:lnRef idx="1">
+            <a:schemeClr val="accent2"/>
+          </a:lnRef>
+          <a:fillRef idx="0">
+            <a:schemeClr val="accent2"/>
+          </a:fillRef>
+          <a:effectRef idx="0">
+            <a:schemeClr val="accent2"/>
+          </a:effectRef>
+          <a:fontRef idx="minor">
+            <a:schemeClr val="tx1"/>
+          </a:fontRef>
+        </p:style>
+      </p:cxnSp>
+      <p:cxnSp>
+        <p:nvCxnSpPr>
+          <p:cNvPr id="120" name="Connector: Elbow 119">
+            <a:extLst>
+              <a:ext uri="{FF2B5EF4-FFF2-40B4-BE49-F238E27FC236}">
+                <a16:creationId xmlns:a16="http://schemas.microsoft.com/office/drawing/2014/main" id="{4A531A50-5A06-4639-B8BE-C5BE5084D01B}"/>
+              </a:ext>
+            </a:extLst>
+          </p:cNvPr>
+          <p:cNvCxnSpPr>
+            <a:cxnSpLocks/>
+            <a:stCxn id="5" idx="1"/>
+            <a:endCxn id="4" idx="1"/>
+          </p:cNvCxnSpPr>
+          <p:nvPr/>
+        </p:nvCxnSpPr>
+        <p:spPr>
+          <a:xfrm rot="10800000" flipH="1">
+            <a:off x="2013267" y="456726"/>
+            <a:ext cx="229315" cy="1486376"/>
+          </a:xfrm>
+          <a:prstGeom prst="bentConnector3">
+            <a:avLst>
+              <a:gd name="adj1" fmla="val -99688"/>
+            </a:avLst>
+          </a:prstGeom>
+          <a:ln w="19050">
+            <a:tailEnd type="triangle"/>
+          </a:ln>
+        </p:spPr>
+        <p:style>
+          <a:lnRef idx="1">
+            <a:schemeClr val="accent2"/>
+          </a:lnRef>
+          <a:fillRef idx="0">
+            <a:schemeClr val="accent2"/>
+          </a:fillRef>
+          <a:effectRef idx="0">
+            <a:schemeClr val="accent2"/>
+          </a:effectRef>
+          <a:fontRef idx="minor">
+            <a:schemeClr val="tx1"/>
+          </a:fontRef>
+        </p:style>
+      </p:cxnSp>
+      <p:sp>
+        <p:nvSpPr>
+          <p:cNvPr id="155" name="Rectangle: Rounded Corners 154">
+            <a:extLst>
+              <a:ext uri="{FF2B5EF4-FFF2-40B4-BE49-F238E27FC236}">
+                <a16:creationId xmlns:a16="http://schemas.microsoft.com/office/drawing/2014/main" id="{C252D29B-3AB2-4C3C-B907-829BF03533F6}"/>
+              </a:ext>
+            </a:extLst>
+          </p:cNvPr>
+          <p:cNvSpPr/>
+          <p:nvPr/>
+        </p:nvSpPr>
+        <p:spPr>
+          <a:xfrm>
+            <a:off x="8731134" y="119143"/>
+            <a:ext cx="911382" cy="793750"/>
+          </a:xfrm>
+          <a:prstGeom prst="roundRect">
+            <a:avLst/>
+          </a:prstGeom>
+          <a:solidFill>
+            <a:schemeClr val="accent6">
+              <a:lumMod val="60000"/>
+              <a:lumOff val="40000"/>
+            </a:schemeClr>
+          </a:solidFill>
+        </p:spPr>
+        <p:style>
+          <a:lnRef idx="0">
+            <a:schemeClr val="accent5"/>
+          </a:lnRef>
+          <a:fillRef idx="3">
+            <a:schemeClr val="accent5"/>
+          </a:fillRef>
+          <a:effectRef idx="3">
+            <a:schemeClr val="accent5"/>
+          </a:effectRef>
+          <a:fontRef idx="minor">
+            <a:schemeClr val="lt1"/>
+          </a:fontRef>
+        </p:style>
+        <p:txBody>
+          <a:bodyPr rtlCol="0" anchor="ctr"/>
+          <a:lstStyle/>
+          <a:p>
+            <a:pPr algn="ctr"/>
+            <a:r>
+              <a:rPr lang="en-IN" sz="1600" dirty="0">
+                <a:latin typeface="Segoe UI" panose="020B0502040204020203" pitchFamily="34" charset="0"/>
+                <a:cs typeface="Segoe UI" panose="020B0502040204020203" pitchFamily="34" charset="0"/>
+              </a:rPr>
+              <a:t>Socket Client</a:t>
+            </a:r>
+          </a:p>
+        </p:txBody>
+      </p:sp>
+      <p:sp>
+        <p:nvSpPr>
+          <p:cNvPr id="156" name="Rectangle: Rounded Corners 155">
+            <a:extLst>
+              <a:ext uri="{FF2B5EF4-FFF2-40B4-BE49-F238E27FC236}">
+                <a16:creationId xmlns:a16="http://schemas.microsoft.com/office/drawing/2014/main" id="{4F5950D1-F650-42FC-92A5-FA5B526B9F7A}"/>
+              </a:ext>
+            </a:extLst>
+          </p:cNvPr>
+          <p:cNvSpPr/>
+          <p:nvPr/>
+        </p:nvSpPr>
+        <p:spPr>
+          <a:xfrm>
+            <a:off x="8501819" y="1397556"/>
+            <a:ext cx="1370012" cy="1209675"/>
+          </a:xfrm>
+          <a:prstGeom prst="roundRect">
+            <a:avLst/>
+          </a:prstGeom>
+          <a:solidFill>
+            <a:schemeClr val="accent2">
+              <a:lumMod val="60000"/>
+              <a:lumOff val="40000"/>
+            </a:schemeClr>
+          </a:solidFill>
+        </p:spPr>
+        <p:style>
+          <a:lnRef idx="0">
+            <a:schemeClr val="accent5"/>
+          </a:lnRef>
+          <a:fillRef idx="3">
+            <a:schemeClr val="accent5"/>
+          </a:fillRef>
+          <a:effectRef idx="3">
+            <a:schemeClr val="accent5"/>
+          </a:effectRef>
+          <a:fontRef idx="minor">
+            <a:schemeClr val="lt1"/>
+          </a:fontRef>
+        </p:style>
+        <p:txBody>
+          <a:bodyPr rtlCol="0" anchor="ctr"/>
+          <a:lstStyle/>
+          <a:p>
+            <a:pPr algn="ctr"/>
+            <a:r>
+              <a:rPr lang="en-IN" dirty="0">
+                <a:latin typeface="Segoe UI" panose="020B0502040204020203" pitchFamily="34" charset="0"/>
+                <a:cs typeface="Segoe UI" panose="020B0502040204020203" pitchFamily="34" charset="0"/>
+              </a:rPr>
+              <a:t>Socket Session</a:t>
+            </a:r>
+          </a:p>
+        </p:txBody>
+      </p:sp>
+      <p:sp>
+        <p:nvSpPr>
+          <p:cNvPr id="157" name="Rectangle: Rounded Corners 156">
+            <a:extLst>
+              <a:ext uri="{FF2B5EF4-FFF2-40B4-BE49-F238E27FC236}">
+                <a16:creationId xmlns:a16="http://schemas.microsoft.com/office/drawing/2014/main" id="{50B00332-3E41-4256-A448-6C44453F737A}"/>
+              </a:ext>
+            </a:extLst>
+          </p:cNvPr>
+          <p:cNvSpPr/>
+          <p:nvPr/>
+        </p:nvSpPr>
+        <p:spPr>
+          <a:xfrm>
+            <a:off x="7190248" y="3137773"/>
+            <a:ext cx="1654492" cy="616744"/>
+          </a:xfrm>
+          <a:prstGeom prst="roundRect">
+            <a:avLst/>
+          </a:prstGeom>
+        </p:spPr>
+        <p:style>
+          <a:lnRef idx="0">
+            <a:schemeClr val="accent5"/>
+          </a:lnRef>
+          <a:fillRef idx="3">
+            <a:schemeClr val="accent5"/>
+          </a:fillRef>
+          <a:effectRef idx="3">
+            <a:schemeClr val="accent5"/>
+          </a:effectRef>
+          <a:fontRef idx="minor">
+            <a:schemeClr val="lt1"/>
+          </a:fontRef>
+        </p:style>
+        <p:txBody>
+          <a:bodyPr rtlCol="0" anchor="ctr"/>
+          <a:lstStyle/>
+          <a:p>
+            <a:pPr algn="ctr"/>
+            <a:r>
+              <a:rPr lang="en-IN" sz="1600" dirty="0">
+                <a:latin typeface="Segoe UI" panose="020B0502040204020203" pitchFamily="34" charset="0"/>
+                <a:cs typeface="Segoe UI" panose="020B0502040204020203" pitchFamily="34" charset="0"/>
+              </a:rPr>
+              <a:t>Inbound Flux</a:t>
+            </a:r>
+          </a:p>
+        </p:txBody>
+      </p:sp>
+      <p:sp>
+        <p:nvSpPr>
+          <p:cNvPr id="158" name="Rectangle: Rounded Corners 157">
+            <a:extLst>
+              <a:ext uri="{FF2B5EF4-FFF2-40B4-BE49-F238E27FC236}">
+                <a16:creationId xmlns:a16="http://schemas.microsoft.com/office/drawing/2014/main" id="{7FFAD682-0836-4503-AB3E-6DC251AACC16}"/>
+              </a:ext>
+            </a:extLst>
+          </p:cNvPr>
+          <p:cNvSpPr/>
+          <p:nvPr/>
+        </p:nvSpPr>
+        <p:spPr>
+          <a:xfrm>
+            <a:off x="9566437" y="3200588"/>
+            <a:ext cx="1654492" cy="616744"/>
+          </a:xfrm>
+          <a:prstGeom prst="roundRect">
+            <a:avLst/>
+          </a:prstGeom>
+        </p:spPr>
+        <p:style>
+          <a:lnRef idx="0">
+            <a:schemeClr val="accent5"/>
+          </a:lnRef>
+          <a:fillRef idx="3">
+            <a:schemeClr val="accent5"/>
+          </a:fillRef>
+          <a:effectRef idx="3">
+            <a:schemeClr val="accent5"/>
+          </a:effectRef>
+          <a:fontRef idx="minor">
+            <a:schemeClr val="lt1"/>
+          </a:fontRef>
+        </p:style>
+        <p:txBody>
+          <a:bodyPr rtlCol="0" anchor="ctr"/>
+          <a:lstStyle/>
+          <a:p>
+            <a:pPr algn="ctr"/>
+            <a:r>
+              <a:rPr lang="en-IN" sz="1600" dirty="0">
+                <a:latin typeface="Segoe UI" panose="020B0502040204020203" pitchFamily="34" charset="0"/>
+                <a:cs typeface="Segoe UI" panose="020B0502040204020203" pitchFamily="34" charset="0"/>
+              </a:rPr>
+              <a:t>Outbound Flux</a:t>
+            </a:r>
+          </a:p>
+        </p:txBody>
+      </p:sp>
+      <p:cxnSp>
+        <p:nvCxnSpPr>
+          <p:cNvPr id="159" name="Connector: Elbow 158">
+            <a:extLst>
+              <a:ext uri="{FF2B5EF4-FFF2-40B4-BE49-F238E27FC236}">
+                <a16:creationId xmlns:a16="http://schemas.microsoft.com/office/drawing/2014/main" id="{80CB9C3A-5EAB-4E1E-BF1D-46A43D775677}"/>
+              </a:ext>
+            </a:extLst>
+          </p:cNvPr>
+          <p:cNvCxnSpPr>
+            <a:cxnSpLocks/>
+            <a:stCxn id="155" idx="3"/>
+            <a:endCxn id="156" idx="3"/>
+          </p:cNvCxnSpPr>
+          <p:nvPr/>
+        </p:nvCxnSpPr>
+        <p:spPr>
+          <a:xfrm>
+            <a:off x="9642516" y="516018"/>
+            <a:ext cx="229315" cy="1486376"/>
+          </a:xfrm>
+          <a:prstGeom prst="bentConnector3">
+            <a:avLst>
+              <a:gd name="adj1" fmla="val 199688"/>
+            </a:avLst>
+          </a:prstGeom>
+          <a:ln w="19050">
+            <a:headEnd type="triangle" w="med" len="med"/>
+            <a:tailEnd type="none" w="med" len="med"/>
+          </a:ln>
+        </p:spPr>
+        <p:style>
+          <a:lnRef idx="1">
+            <a:schemeClr val="accent2"/>
+          </a:lnRef>
+          <a:fillRef idx="0">
+            <a:schemeClr val="accent2"/>
+          </a:fillRef>
+          <a:effectRef idx="0">
+            <a:schemeClr val="accent2"/>
+          </a:effectRef>
+          <a:fontRef idx="minor">
+            <a:schemeClr val="tx1"/>
+          </a:fontRef>
+        </p:style>
+      </p:cxnSp>
+      <p:cxnSp>
+        <p:nvCxnSpPr>
+          <p:cNvPr id="160" name="Connector: Elbow 159">
+            <a:extLst>
+              <a:ext uri="{FF2B5EF4-FFF2-40B4-BE49-F238E27FC236}">
+                <a16:creationId xmlns:a16="http://schemas.microsoft.com/office/drawing/2014/main" id="{6374CE98-BDB1-4E9A-AC6C-C2CAAA3351E3}"/>
+              </a:ext>
+            </a:extLst>
+          </p:cNvPr>
+          <p:cNvCxnSpPr>
+            <a:cxnSpLocks/>
+            <a:endCxn id="157" idx="0"/>
+          </p:cNvCxnSpPr>
+          <p:nvPr/>
+        </p:nvCxnSpPr>
+        <p:spPr>
+          <a:xfrm rot="5400000">
+            <a:off x="7773249" y="2409199"/>
+            <a:ext cx="972819" cy="484328"/>
+          </a:xfrm>
+          <a:prstGeom prst="bentConnector3">
+            <a:avLst>
+              <a:gd name="adj1" fmla="val -130"/>
+            </a:avLst>
+          </a:prstGeom>
+          <a:ln w="19050">
+            <a:headEnd type="none" w="med" len="med"/>
+            <a:tailEnd type="triangle" w="med" len="med"/>
+          </a:ln>
+        </p:spPr>
+        <p:style>
+          <a:lnRef idx="1">
+            <a:schemeClr val="accent2"/>
+          </a:lnRef>
+          <a:fillRef idx="0">
+            <a:schemeClr val="accent2"/>
+          </a:fillRef>
+          <a:effectRef idx="0">
+            <a:schemeClr val="accent2"/>
+          </a:effectRef>
+          <a:fontRef idx="minor">
+            <a:schemeClr val="tx1"/>
+          </a:fontRef>
+        </p:style>
+      </p:cxnSp>
+      <p:cxnSp>
+        <p:nvCxnSpPr>
+          <p:cNvPr id="161" name="Connector: Elbow 160">
+            <a:extLst>
+              <a:ext uri="{FF2B5EF4-FFF2-40B4-BE49-F238E27FC236}">
+                <a16:creationId xmlns:a16="http://schemas.microsoft.com/office/drawing/2014/main" id="{1A9AC8FB-7800-44C1-B245-81441F067615}"/>
+              </a:ext>
+            </a:extLst>
+          </p:cNvPr>
+          <p:cNvCxnSpPr>
+            <a:cxnSpLocks/>
+            <a:endCxn id="158" idx="0"/>
+          </p:cNvCxnSpPr>
+          <p:nvPr/>
+        </p:nvCxnSpPr>
+        <p:spPr>
+          <a:xfrm rot="16200000" flipH="1">
+            <a:off x="9579380" y="2386285"/>
+            <a:ext cx="1106754" cy="521852"/>
+          </a:xfrm>
+          <a:prstGeom prst="bentConnector3">
+            <a:avLst>
+              <a:gd name="adj1" fmla="val 428"/>
+            </a:avLst>
+          </a:prstGeom>
+          <a:ln w="19050">
+            <a:headEnd type="triangle" w="med" len="med"/>
+            <a:tailEnd type="none" w="med" len="med"/>
+          </a:ln>
+        </p:spPr>
+        <p:style>
+          <a:lnRef idx="1">
+            <a:schemeClr val="accent2"/>
+          </a:lnRef>
+          <a:fillRef idx="0">
+            <a:schemeClr val="accent2"/>
+          </a:fillRef>
+          <a:effectRef idx="0">
+            <a:schemeClr val="accent2"/>
+          </a:effectRef>
+          <a:fontRef idx="minor">
+            <a:schemeClr val="tx1"/>
+          </a:fontRef>
+        </p:style>
+      </p:cxnSp>
+      <p:cxnSp>
+        <p:nvCxnSpPr>
+          <p:cNvPr id="162" name="Connector: Elbow 161">
+            <a:extLst>
+              <a:ext uri="{FF2B5EF4-FFF2-40B4-BE49-F238E27FC236}">
+                <a16:creationId xmlns:a16="http://schemas.microsoft.com/office/drawing/2014/main" id="{30B51B3E-B3ED-4301-8B8B-0592E5DCDB3F}"/>
+              </a:ext>
+            </a:extLst>
+          </p:cNvPr>
+          <p:cNvCxnSpPr>
+            <a:cxnSpLocks/>
+            <a:stCxn id="156" idx="1"/>
+            <a:endCxn id="155" idx="1"/>
+          </p:cNvCxnSpPr>
+          <p:nvPr/>
+        </p:nvCxnSpPr>
+        <p:spPr>
+          <a:xfrm rot="10800000" flipH="1">
+            <a:off x="8501818" y="516018"/>
+            <a:ext cx="229315" cy="1486376"/>
+          </a:xfrm>
+          <a:prstGeom prst="bentConnector3">
+            <a:avLst>
+              <a:gd name="adj1" fmla="val -99688"/>
+            </a:avLst>
+          </a:prstGeom>
+          <a:ln w="19050">
+            <a:headEnd type="triangle" w="med" len="med"/>
+            <a:tailEnd type="none" w="med" len="med"/>
+          </a:ln>
+        </p:spPr>
+        <p:style>
+          <a:lnRef idx="1">
+            <a:schemeClr val="accent2"/>
+          </a:lnRef>
+          <a:fillRef idx="0">
+            <a:schemeClr val="accent2"/>
+          </a:fillRef>
+          <a:effectRef idx="0">
+            <a:schemeClr val="accent2"/>
+          </a:effectRef>
+          <a:fontRef idx="minor">
+            <a:schemeClr val="tx1"/>
+          </a:fontRef>
+        </p:style>
+      </p:cxnSp>
+      <p:sp>
+        <p:nvSpPr>
+          <p:cNvPr id="35" name="Cylinder 34">
+            <a:extLst>
+              <a:ext uri="{FF2B5EF4-FFF2-40B4-BE49-F238E27FC236}">
+                <a16:creationId xmlns:a16="http://schemas.microsoft.com/office/drawing/2014/main" id="{AF4D9CCC-3B53-49BC-A4F6-94B8CA6F165B}"/>
+              </a:ext>
+            </a:extLst>
+          </p:cNvPr>
+          <p:cNvSpPr/>
+          <p:nvPr/>
+        </p:nvSpPr>
+        <p:spPr>
+          <a:xfrm rot="5400000">
+            <a:off x="10075643" y="4213258"/>
+            <a:ext cx="523875" cy="1654493"/>
+          </a:xfrm>
+          <a:prstGeom prst="can">
+            <a:avLst/>
+          </a:prstGeom>
+        </p:spPr>
+        <p:style>
+          <a:lnRef idx="0">
+            <a:schemeClr val="accent5"/>
+          </a:lnRef>
+          <a:fillRef idx="3">
+            <a:schemeClr val="accent5"/>
+          </a:fillRef>
+          <a:effectRef idx="3">
+            <a:schemeClr val="accent5"/>
+          </a:effectRef>
+          <a:fontRef idx="minor">
+            <a:schemeClr val="lt1"/>
+          </a:fontRef>
+        </p:style>
+        <p:txBody>
+          <a:bodyPr vert="vert270" rtlCol="0" anchor="ctr"/>
+          <a:lstStyle/>
+          <a:p>
+            <a:pPr algn="ctr"/>
+            <a:r>
+              <a:rPr lang="en-IN" dirty="0">
+                <a:latin typeface="Segoe UI" panose="020B0502040204020203" pitchFamily="34" charset="0"/>
+                <a:cs typeface="Segoe UI" panose="020B0502040204020203" pitchFamily="34" charset="0"/>
+              </a:rPr>
+              <a:t>Subscribe Channel  </a:t>
+            </a:r>
+          </a:p>
+        </p:txBody>
+      </p:sp>
+      <p:sp>
+        <p:nvSpPr>
+          <p:cNvPr id="41" name="Cylinder 40">
+            <a:extLst>
+              <a:ext uri="{FF2B5EF4-FFF2-40B4-BE49-F238E27FC236}">
+                <a16:creationId xmlns:a16="http://schemas.microsoft.com/office/drawing/2014/main" id="{6ACC623E-3EA7-4F06-B01D-12BCECD5E5FB}"/>
+              </a:ext>
+            </a:extLst>
+          </p:cNvPr>
+          <p:cNvSpPr/>
+          <p:nvPr/>
+        </p:nvSpPr>
+        <p:spPr>
+          <a:xfrm rot="5400000">
+            <a:off x="5834845" y="5725540"/>
+            <a:ext cx="348908" cy="1706111"/>
+          </a:xfrm>
+          <a:prstGeom prst="can">
+            <a:avLst/>
+          </a:prstGeom>
+          <a:solidFill>
+            <a:schemeClr val="tx1">
+              <a:lumMod val="50000"/>
+              <a:lumOff val="50000"/>
+            </a:schemeClr>
+          </a:solidFill>
+        </p:spPr>
+        <p:style>
+          <a:lnRef idx="0">
+            <a:schemeClr val="accent5"/>
+          </a:lnRef>
+          <a:fillRef idx="3">
+            <a:schemeClr val="accent5"/>
+          </a:fillRef>
+          <a:effectRef idx="3">
+            <a:schemeClr val="accent5"/>
+          </a:effectRef>
+          <a:fontRef idx="minor">
+            <a:schemeClr val="lt1"/>
+          </a:fontRef>
+        </p:style>
+        <p:txBody>
+          <a:bodyPr vert="vert270" rtlCol="0" anchor="ctr"/>
+          <a:lstStyle/>
+          <a:p>
+            <a:pPr algn="ctr"/>
+            <a:r>
+              <a:rPr lang="en-IN" dirty="0">
+                <a:latin typeface="Segoe UI" panose="020B0502040204020203" pitchFamily="34" charset="0"/>
+                <a:cs typeface="Segoe UI" panose="020B0502040204020203" pitchFamily="34" charset="0"/>
+              </a:rPr>
+              <a:t>Partition(s)</a:t>
+            </a:r>
+          </a:p>
+        </p:txBody>
+      </p:sp>
+      <p:sp>
+        <p:nvSpPr>
+          <p:cNvPr id="42" name="Rectangle: Rounded Corners 41">
+            <a:extLst>
+              <a:ext uri="{FF2B5EF4-FFF2-40B4-BE49-F238E27FC236}">
+                <a16:creationId xmlns:a16="http://schemas.microsoft.com/office/drawing/2014/main" id="{3392EE0B-3B8E-4E81-B6CE-7AB4B4097389}"/>
+              </a:ext>
+            </a:extLst>
+          </p:cNvPr>
+          <p:cNvSpPr/>
+          <p:nvPr/>
+        </p:nvSpPr>
+        <p:spPr>
+          <a:xfrm>
+            <a:off x="5171394" y="5659747"/>
+            <a:ext cx="1654492" cy="616744"/>
+          </a:xfrm>
+          <a:prstGeom prst="roundRect">
+            <a:avLst/>
+          </a:prstGeom>
+          <a:solidFill>
+            <a:schemeClr val="tx1">
+              <a:lumMod val="50000"/>
+              <a:lumOff val="50000"/>
+            </a:schemeClr>
+          </a:solidFill>
+        </p:spPr>
+        <p:style>
+          <a:lnRef idx="0">
+            <a:schemeClr val="accent5"/>
+          </a:lnRef>
+          <a:fillRef idx="3">
+            <a:schemeClr val="accent5"/>
+          </a:fillRef>
+          <a:effectRef idx="3">
+            <a:schemeClr val="accent5"/>
+          </a:effectRef>
+          <a:fontRef idx="minor">
+            <a:schemeClr val="lt1"/>
+          </a:fontRef>
+        </p:style>
+        <p:txBody>
+          <a:bodyPr rtlCol="0" anchor="ctr"/>
+          <a:lstStyle/>
+          <a:p>
+            <a:pPr algn="ctr"/>
+            <a:r>
+              <a:rPr lang="en-IN" sz="2000" dirty="0">
+                <a:latin typeface="Segoe UI" panose="020B0502040204020203" pitchFamily="34" charset="0"/>
+                <a:cs typeface="Segoe UI" panose="020B0502040204020203" pitchFamily="34" charset="0"/>
+              </a:rPr>
+              <a:t>Topic</a:t>
+            </a:r>
+          </a:p>
+        </p:txBody>
+      </p:sp>
+      <p:cxnSp>
+        <p:nvCxnSpPr>
+          <p:cNvPr id="44" name="Connector: Elbow 43">
+            <a:extLst>
+              <a:ext uri="{FF2B5EF4-FFF2-40B4-BE49-F238E27FC236}">
+                <a16:creationId xmlns:a16="http://schemas.microsoft.com/office/drawing/2014/main" id="{3B1F99CF-F154-401B-952C-39DB98E66A05}"/>
+              </a:ext>
+            </a:extLst>
+          </p:cNvPr>
+          <p:cNvCxnSpPr>
+            <a:cxnSpLocks/>
+            <a:stCxn id="57" idx="4"/>
+            <a:endCxn id="42" idx="1"/>
+          </p:cNvCxnSpPr>
+          <p:nvPr/>
+        </p:nvCxnSpPr>
+        <p:spPr>
+          <a:xfrm rot="16200000" flipH="1">
+            <a:off x="4279448" y="5076173"/>
+            <a:ext cx="652212" cy="1131679"/>
+          </a:xfrm>
+          <a:prstGeom prst="bentConnector4">
+            <a:avLst>
+              <a:gd name="adj1" fmla="val 35050"/>
+              <a:gd name="adj2" fmla="val 61573"/>
+            </a:avLst>
+          </a:prstGeom>
+          <a:ln w="19050">
+            <a:tailEnd type="triangle"/>
+          </a:ln>
+        </p:spPr>
+        <p:style>
+          <a:lnRef idx="1">
+            <a:schemeClr val="accent2"/>
+          </a:lnRef>
+          <a:fillRef idx="0">
+            <a:schemeClr val="accent2"/>
+          </a:fillRef>
+          <a:effectRef idx="0">
+            <a:schemeClr val="accent2"/>
+          </a:effectRef>
+          <a:fontRef idx="minor">
+            <a:schemeClr val="tx1"/>
+          </a:fontRef>
+        </p:style>
+      </p:cxnSp>
+      <p:cxnSp>
+        <p:nvCxnSpPr>
+          <p:cNvPr id="53" name="Connector: Elbow 52">
+            <a:extLst>
+              <a:ext uri="{FF2B5EF4-FFF2-40B4-BE49-F238E27FC236}">
+                <a16:creationId xmlns:a16="http://schemas.microsoft.com/office/drawing/2014/main" id="{357FF7CF-1FC8-40BF-83A4-93D132F36009}"/>
+              </a:ext>
+            </a:extLst>
+          </p:cNvPr>
+          <p:cNvCxnSpPr>
+            <a:cxnSpLocks/>
+            <a:stCxn id="41" idx="3"/>
+            <a:endCxn id="7" idx="4"/>
+          </p:cNvCxnSpPr>
+          <p:nvPr/>
+        </p:nvCxnSpPr>
+        <p:spPr>
+          <a:xfrm rot="10800000">
+            <a:off x="1676470" y="5315908"/>
+            <a:ext cx="3479774" cy="1262688"/>
+          </a:xfrm>
+          <a:prstGeom prst="bentConnector2">
+            <a:avLst/>
+          </a:prstGeom>
+          <a:ln w="19050">
+            <a:tailEnd type="triangle"/>
+          </a:ln>
+        </p:spPr>
+        <p:style>
+          <a:lnRef idx="1">
+            <a:schemeClr val="accent2"/>
+          </a:lnRef>
+          <a:fillRef idx="0">
+            <a:schemeClr val="accent2"/>
+          </a:fillRef>
+          <a:effectRef idx="0">
+            <a:schemeClr val="accent2"/>
+          </a:effectRef>
+          <a:fontRef idx="minor">
+            <a:schemeClr val="tx1"/>
+          </a:fontRef>
+        </p:style>
+      </p:cxnSp>
+      <p:sp>
+        <p:nvSpPr>
+          <p:cNvPr id="57" name="Cylinder 56">
+            <a:extLst>
+              <a:ext uri="{FF2B5EF4-FFF2-40B4-BE49-F238E27FC236}">
+                <a16:creationId xmlns:a16="http://schemas.microsoft.com/office/drawing/2014/main" id="{1B6A9227-7004-4D61-94D5-FB425B91491E}"/>
+              </a:ext>
+            </a:extLst>
+          </p:cNvPr>
+          <p:cNvSpPr/>
+          <p:nvPr/>
+        </p:nvSpPr>
+        <p:spPr>
+          <a:xfrm rot="5400000">
+            <a:off x="3777777" y="4030783"/>
+            <a:ext cx="523875" cy="2046372"/>
+          </a:xfrm>
+          <a:prstGeom prst="can">
+            <a:avLst/>
+          </a:prstGeom>
+        </p:spPr>
+        <p:style>
+          <a:lnRef idx="0">
+            <a:schemeClr val="accent5"/>
+          </a:lnRef>
+          <a:fillRef idx="3">
+            <a:schemeClr val="accent5"/>
+          </a:fillRef>
+          <a:effectRef idx="3">
+            <a:schemeClr val="accent5"/>
+          </a:effectRef>
+          <a:fontRef idx="minor">
+            <a:schemeClr val="lt1"/>
+          </a:fontRef>
+        </p:style>
+        <p:txBody>
+          <a:bodyPr vert="vert270" rtlCol="0" anchor="ctr"/>
+          <a:lstStyle/>
+          <a:p>
+            <a:pPr algn="ctr"/>
+            <a:r>
+              <a:rPr lang="en-IN" dirty="0">
+                <a:latin typeface="Segoe UI" panose="020B0502040204020203" pitchFamily="34" charset="0"/>
+                <a:cs typeface="Segoe UI" panose="020B0502040204020203" pitchFamily="34" charset="0"/>
+              </a:rPr>
+              <a:t>Publish Channel  </a:t>
+            </a:r>
+          </a:p>
+        </p:txBody>
+      </p:sp>
+      <p:cxnSp>
+        <p:nvCxnSpPr>
+          <p:cNvPr id="79" name="Straight Arrow Connector 78">
+            <a:extLst>
+              <a:ext uri="{FF2B5EF4-FFF2-40B4-BE49-F238E27FC236}">
+                <a16:creationId xmlns:a16="http://schemas.microsoft.com/office/drawing/2014/main" id="{D387F0F4-BFDE-437B-B1F3-B08B030CDEF4}"/>
+              </a:ext>
+            </a:extLst>
+          </p:cNvPr>
+          <p:cNvCxnSpPr>
+            <a:cxnSpLocks/>
+            <a:stCxn id="42" idx="2"/>
+            <a:endCxn id="41" idx="2"/>
+          </p:cNvCxnSpPr>
+          <p:nvPr/>
+        </p:nvCxnSpPr>
+        <p:spPr>
+          <a:xfrm>
+            <a:off x="5998640" y="6276491"/>
+            <a:ext cx="10659" cy="127651"/>
+          </a:xfrm>
+          <a:prstGeom prst="straightConnector1">
+            <a:avLst/>
+          </a:prstGeom>
+          <a:ln w="19050">
+            <a:tailEnd type="triangle"/>
+          </a:ln>
+        </p:spPr>
+        <p:style>
+          <a:lnRef idx="1">
+            <a:schemeClr val="accent2"/>
+          </a:lnRef>
+          <a:fillRef idx="0">
+            <a:schemeClr val="accent2"/>
+          </a:fillRef>
+          <a:effectRef idx="0">
+            <a:schemeClr val="accent2"/>
+          </a:effectRef>
+          <a:fontRef idx="minor">
+            <a:schemeClr val="tx1"/>
+          </a:fontRef>
+        </p:style>
+      </p:cxnSp>
+      <p:sp>
+        <p:nvSpPr>
+          <p:cNvPr id="83" name="Cylinder 82">
+            <a:extLst>
+              <a:ext uri="{FF2B5EF4-FFF2-40B4-BE49-F238E27FC236}">
+                <a16:creationId xmlns:a16="http://schemas.microsoft.com/office/drawing/2014/main" id="{FD24C65C-FDAF-404A-B3E4-5D6C9AFF8A5C}"/>
+              </a:ext>
+            </a:extLst>
+          </p:cNvPr>
+          <p:cNvSpPr/>
+          <p:nvPr/>
+        </p:nvSpPr>
+        <p:spPr>
+          <a:xfrm rot="5400000">
+            <a:off x="7847101" y="4008078"/>
+            <a:ext cx="523875" cy="2046372"/>
+          </a:xfrm>
+          <a:prstGeom prst="can">
+            <a:avLst/>
+          </a:prstGeom>
+        </p:spPr>
+        <p:style>
+          <a:lnRef idx="0">
+            <a:schemeClr val="accent5"/>
+          </a:lnRef>
+          <a:fillRef idx="3">
+            <a:schemeClr val="accent5"/>
+          </a:fillRef>
+          <a:effectRef idx="3">
+            <a:schemeClr val="accent5"/>
+          </a:effectRef>
+          <a:fontRef idx="minor">
+            <a:schemeClr val="lt1"/>
+          </a:fontRef>
+        </p:style>
+        <p:txBody>
+          <a:bodyPr vert="vert270" rtlCol="0" anchor="ctr"/>
+          <a:lstStyle/>
+          <a:p>
+            <a:pPr algn="ctr"/>
+            <a:r>
+              <a:rPr lang="en-IN" dirty="0">
+                <a:latin typeface="Segoe UI" panose="020B0502040204020203" pitchFamily="34" charset="0"/>
+                <a:cs typeface="Segoe UI" panose="020B0502040204020203" pitchFamily="34" charset="0"/>
+              </a:rPr>
+              <a:t>Publish Channel  </a:t>
+            </a:r>
+          </a:p>
+        </p:txBody>
+      </p:sp>
+      <p:cxnSp>
+        <p:nvCxnSpPr>
+          <p:cNvPr id="84" name="Connector: Elbow 83">
+            <a:extLst>
+              <a:ext uri="{FF2B5EF4-FFF2-40B4-BE49-F238E27FC236}">
+                <a16:creationId xmlns:a16="http://schemas.microsoft.com/office/drawing/2014/main" id="{71F6B040-BCD1-48D5-AF3A-457F3CFA7E5E}"/>
+              </a:ext>
+            </a:extLst>
+          </p:cNvPr>
+          <p:cNvCxnSpPr>
+            <a:cxnSpLocks/>
+            <a:stCxn id="83" idx="4"/>
+            <a:endCxn id="42" idx="3"/>
+          </p:cNvCxnSpPr>
+          <p:nvPr/>
+        </p:nvCxnSpPr>
+        <p:spPr>
+          <a:xfrm rot="5400000">
+            <a:off x="7130005" y="4989084"/>
+            <a:ext cx="674917" cy="1283153"/>
+          </a:xfrm>
+          <a:prstGeom prst="bentConnector4">
+            <a:avLst>
+              <a:gd name="adj1" fmla="val 33871"/>
+              <a:gd name="adj2" fmla="val 60207"/>
+            </a:avLst>
+          </a:prstGeom>
+          <a:ln w="19050">
+            <a:tailEnd type="triangle"/>
+          </a:ln>
+        </p:spPr>
+        <p:style>
+          <a:lnRef idx="1">
+            <a:schemeClr val="accent2"/>
+          </a:lnRef>
+          <a:fillRef idx="0">
+            <a:schemeClr val="accent2"/>
+          </a:fillRef>
+          <a:effectRef idx="0">
+            <a:schemeClr val="accent2"/>
+          </a:effectRef>
+          <a:fontRef idx="minor">
+            <a:schemeClr val="tx1"/>
+          </a:fontRef>
+        </p:style>
+      </p:cxnSp>
+      <p:cxnSp>
+        <p:nvCxnSpPr>
+          <p:cNvPr id="86" name="Connector: Elbow 85">
+            <a:extLst>
+              <a:ext uri="{FF2B5EF4-FFF2-40B4-BE49-F238E27FC236}">
+                <a16:creationId xmlns:a16="http://schemas.microsoft.com/office/drawing/2014/main" id="{9C8D8E79-D097-4BA3-8B6E-6707D8B99393}"/>
+              </a:ext>
+            </a:extLst>
+          </p:cNvPr>
+          <p:cNvCxnSpPr>
+            <a:cxnSpLocks/>
+            <a:stCxn id="41" idx="1"/>
+            <a:endCxn id="35" idx="4"/>
+          </p:cNvCxnSpPr>
+          <p:nvPr/>
+        </p:nvCxnSpPr>
+        <p:spPr>
+          <a:xfrm flipV="1">
+            <a:off x="6862355" y="5302442"/>
+            <a:ext cx="3475225" cy="1276154"/>
+          </a:xfrm>
+          <a:prstGeom prst="bentConnector2">
+            <a:avLst/>
+          </a:prstGeom>
+          <a:ln w="19050">
+            <a:tailEnd type="triangle"/>
+          </a:ln>
+        </p:spPr>
+        <p:style>
+          <a:lnRef idx="1">
+            <a:schemeClr val="accent2"/>
+          </a:lnRef>
+          <a:fillRef idx="0">
+            <a:schemeClr val="accent2"/>
+          </a:fillRef>
+          <a:effectRef idx="0">
+            <a:schemeClr val="accent2"/>
+          </a:effectRef>
+          <a:fontRef idx="minor">
+            <a:schemeClr val="tx1"/>
+          </a:fontRef>
+        </p:style>
+      </p:cxnSp>
+      <p:sp>
+        <p:nvSpPr>
+          <p:cNvPr id="49" name="Flowchart: Terminator 48">
+            <a:extLst>
+              <a:ext uri="{FF2B5EF4-FFF2-40B4-BE49-F238E27FC236}">
+                <a16:creationId xmlns:a16="http://schemas.microsoft.com/office/drawing/2014/main" id="{C571F7DC-995D-4812-B8DF-68716D48C770}"/>
+              </a:ext>
+            </a:extLst>
+          </p:cNvPr>
+          <p:cNvSpPr/>
+          <p:nvPr/>
+        </p:nvSpPr>
+        <p:spPr>
+          <a:xfrm>
+            <a:off x="3750592" y="1030123"/>
+            <a:ext cx="1752038" cy="214015"/>
+          </a:xfrm>
+          <a:prstGeom prst="flowChartTerminator">
+            <a:avLst/>
+          </a:prstGeom>
+          <a:noFill/>
+          <a:ln>
+            <a:noFill/>
+          </a:ln>
+        </p:spPr>
+        <p:style>
+          <a:lnRef idx="2">
+            <a:schemeClr val="accent1">
+              <a:shade val="50000"/>
+            </a:schemeClr>
+          </a:lnRef>
+          <a:fillRef idx="1">
+            <a:schemeClr val="accent1"/>
+          </a:fillRef>
+          <a:effectRef idx="0">
+            <a:schemeClr val="accent1"/>
+          </a:effectRef>
+          <a:fontRef idx="minor">
+            <a:schemeClr val="lt1"/>
+          </a:fontRef>
+        </p:style>
+        <p:txBody>
+          <a:bodyPr rtlCol="0" anchor="ctr"/>
+          <a:lstStyle/>
+          <a:p>
+            <a:pPr algn="ctr"/>
+            <a:r>
+              <a:rPr lang="en-IN" sz="1600" dirty="0">
+                <a:solidFill>
+                  <a:srgbClr val="7030A0"/>
+                </a:solidFill>
+                <a:latin typeface="Segoe UI" panose="020B0502040204020203" pitchFamily="34" charset="0"/>
+                <a:cs typeface="Segoe UI" panose="020B0502040204020203" pitchFamily="34" charset="0"/>
+              </a:rPr>
+              <a:t>HTTP SESSION</a:t>
+            </a:r>
+          </a:p>
+        </p:txBody>
+      </p:sp>
+      <p:sp>
+        <p:nvSpPr>
+          <p:cNvPr id="50" name="Flowchart: Terminator 49">
+            <a:extLst>
+              <a:ext uri="{FF2B5EF4-FFF2-40B4-BE49-F238E27FC236}">
+                <a16:creationId xmlns:a16="http://schemas.microsoft.com/office/drawing/2014/main" id="{EA24BCF5-2C75-49D7-A5A9-BE14175C44F4}"/>
+              </a:ext>
+            </a:extLst>
+          </p:cNvPr>
+          <p:cNvSpPr/>
+          <p:nvPr/>
+        </p:nvSpPr>
+        <p:spPr>
+          <a:xfrm>
+            <a:off x="3552326" y="1537332"/>
+            <a:ext cx="1939707" cy="237299"/>
+          </a:xfrm>
+          <a:prstGeom prst="flowChartTerminator">
+            <a:avLst/>
+          </a:prstGeom>
+          <a:noFill/>
+          <a:ln>
+            <a:noFill/>
+          </a:ln>
+        </p:spPr>
+        <p:style>
+          <a:lnRef idx="2">
+            <a:schemeClr val="accent1">
+              <a:shade val="50000"/>
+            </a:schemeClr>
+          </a:lnRef>
+          <a:fillRef idx="1">
+            <a:schemeClr val="accent1"/>
+          </a:fillRef>
+          <a:effectRef idx="0">
+            <a:schemeClr val="accent1"/>
+          </a:effectRef>
+          <a:fontRef idx="minor">
+            <a:schemeClr val="lt1"/>
+          </a:fontRef>
+        </p:style>
+        <p:txBody>
+          <a:bodyPr rtlCol="0" anchor="ctr"/>
+          <a:lstStyle/>
+          <a:p>
+            <a:pPr algn="ctr"/>
+            <a:r>
+              <a:rPr lang="en-IN" sz="1600" dirty="0">
+                <a:solidFill>
+                  <a:srgbClr val="7030A0"/>
+                </a:solidFill>
+                <a:latin typeface="Segoe UI" panose="020B0502040204020203" pitchFamily="34" charset="0"/>
+                <a:cs typeface="Segoe UI" panose="020B0502040204020203" pitchFamily="34" charset="0"/>
+              </a:rPr>
+              <a:t>SOCKET SESSION</a:t>
+            </a:r>
+          </a:p>
+        </p:txBody>
+      </p:sp>
+      <p:sp>
+        <p:nvSpPr>
+          <p:cNvPr id="51" name="Flowchart: Terminator 50">
+            <a:extLst>
+              <a:ext uri="{FF2B5EF4-FFF2-40B4-BE49-F238E27FC236}">
+                <a16:creationId xmlns:a16="http://schemas.microsoft.com/office/drawing/2014/main" id="{EB5E7744-A08C-4DA7-A639-6D323C1941D5}"/>
+              </a:ext>
+            </a:extLst>
+          </p:cNvPr>
+          <p:cNvSpPr/>
+          <p:nvPr/>
+        </p:nvSpPr>
+        <p:spPr>
+          <a:xfrm>
+            <a:off x="539788" y="6578039"/>
+            <a:ext cx="1136681" cy="196340"/>
+          </a:xfrm>
+          <a:prstGeom prst="flowChartTerminator">
+            <a:avLst/>
+          </a:prstGeom>
+          <a:noFill/>
+          <a:ln>
+            <a:noFill/>
+          </a:ln>
+        </p:spPr>
+        <p:style>
+          <a:lnRef idx="2">
+            <a:schemeClr val="accent1">
+              <a:shade val="50000"/>
+            </a:schemeClr>
+          </a:lnRef>
+          <a:fillRef idx="1">
+            <a:schemeClr val="accent1"/>
+          </a:fillRef>
+          <a:effectRef idx="0">
+            <a:schemeClr val="accent1"/>
+          </a:effectRef>
+          <a:fontRef idx="minor">
+            <a:schemeClr val="lt1"/>
+          </a:fontRef>
+        </p:style>
+        <p:txBody>
+          <a:bodyPr rtlCol="0" anchor="ctr"/>
+          <a:lstStyle/>
+          <a:p>
+            <a:pPr algn="ctr"/>
+            <a:r>
+              <a:rPr lang="en-IN" sz="1600" dirty="0">
+                <a:solidFill>
+                  <a:srgbClr val="7030A0"/>
+                </a:solidFill>
+                <a:latin typeface="Segoe UI" panose="020B0502040204020203" pitchFamily="34" charset="0"/>
+                <a:cs typeface="Segoe UI" panose="020B0502040204020203" pitchFamily="34" charset="0"/>
+              </a:rPr>
+              <a:t>Kafka</a:t>
+            </a:r>
+          </a:p>
+        </p:txBody>
+      </p:sp>
+      <p:sp>
+        <p:nvSpPr>
+          <p:cNvPr id="56" name="Flowchart: Terminator 55">
+            <a:extLst>
+              <a:ext uri="{FF2B5EF4-FFF2-40B4-BE49-F238E27FC236}">
+                <a16:creationId xmlns:a16="http://schemas.microsoft.com/office/drawing/2014/main" id="{4873659F-C5E5-41A1-AD38-EB4BFC94A74B}"/>
+              </a:ext>
+            </a:extLst>
+          </p:cNvPr>
+          <p:cNvSpPr/>
+          <p:nvPr/>
+        </p:nvSpPr>
+        <p:spPr>
+          <a:xfrm>
+            <a:off x="6591445" y="1087624"/>
+            <a:ext cx="1752038" cy="214015"/>
+          </a:xfrm>
+          <a:prstGeom prst="flowChartTerminator">
+            <a:avLst/>
+          </a:prstGeom>
+          <a:noFill/>
+          <a:ln>
+            <a:noFill/>
+          </a:ln>
+        </p:spPr>
+        <p:style>
+          <a:lnRef idx="2">
+            <a:schemeClr val="accent1">
+              <a:shade val="50000"/>
+            </a:schemeClr>
+          </a:lnRef>
+          <a:fillRef idx="1">
+            <a:schemeClr val="accent1"/>
+          </a:fillRef>
+          <a:effectRef idx="0">
+            <a:schemeClr val="accent1"/>
+          </a:effectRef>
+          <a:fontRef idx="minor">
+            <a:schemeClr val="lt1"/>
+          </a:fontRef>
+        </p:style>
+        <p:txBody>
+          <a:bodyPr rtlCol="0" anchor="ctr"/>
+          <a:lstStyle/>
+          <a:p>
+            <a:pPr algn="ctr"/>
+            <a:r>
+              <a:rPr lang="en-IN" sz="1600" dirty="0">
+                <a:solidFill>
+                  <a:srgbClr val="7030A0"/>
+                </a:solidFill>
+                <a:latin typeface="Segoe UI" panose="020B0502040204020203" pitchFamily="34" charset="0"/>
+                <a:cs typeface="Segoe UI" panose="020B0502040204020203" pitchFamily="34" charset="0"/>
+              </a:rPr>
+              <a:t>HTTP SESSION</a:t>
+            </a:r>
+          </a:p>
+        </p:txBody>
+      </p:sp>
+      <p:sp>
+        <p:nvSpPr>
+          <p:cNvPr id="66" name="Flowchart: Terminator 65">
+            <a:extLst>
+              <a:ext uri="{FF2B5EF4-FFF2-40B4-BE49-F238E27FC236}">
+                <a16:creationId xmlns:a16="http://schemas.microsoft.com/office/drawing/2014/main" id="{0A0C74F5-9A5A-41D9-A2FC-8281ABA4D340}"/>
+              </a:ext>
+            </a:extLst>
+          </p:cNvPr>
+          <p:cNvSpPr/>
+          <p:nvPr/>
+        </p:nvSpPr>
+        <p:spPr>
+          <a:xfrm>
+            <a:off x="6349395" y="1679526"/>
+            <a:ext cx="1939707" cy="237299"/>
+          </a:xfrm>
+          <a:prstGeom prst="flowChartTerminator">
+            <a:avLst/>
+          </a:prstGeom>
+          <a:noFill/>
+          <a:ln>
+            <a:noFill/>
+          </a:ln>
+        </p:spPr>
+        <p:style>
+          <a:lnRef idx="2">
+            <a:schemeClr val="accent1">
+              <a:shade val="50000"/>
+            </a:schemeClr>
+          </a:lnRef>
+          <a:fillRef idx="1">
+            <a:schemeClr val="accent1"/>
+          </a:fillRef>
+          <a:effectRef idx="0">
+            <a:schemeClr val="accent1"/>
+          </a:effectRef>
+          <a:fontRef idx="minor">
+            <a:schemeClr val="lt1"/>
+          </a:fontRef>
+        </p:style>
+        <p:txBody>
+          <a:bodyPr rtlCol="0" anchor="ctr"/>
+          <a:lstStyle/>
+          <a:p>
+            <a:pPr algn="ctr"/>
+            <a:r>
+              <a:rPr lang="en-IN" sz="1600" dirty="0">
+                <a:solidFill>
+                  <a:srgbClr val="7030A0"/>
+                </a:solidFill>
+                <a:latin typeface="Segoe UI" panose="020B0502040204020203" pitchFamily="34" charset="0"/>
+                <a:cs typeface="Segoe UI" panose="020B0502040204020203" pitchFamily="34" charset="0"/>
+              </a:rPr>
+              <a:t>SOCKET SESSION</a:t>
+            </a:r>
+          </a:p>
+        </p:txBody>
+      </p:sp>
+      <p:sp>
+        <p:nvSpPr>
+          <p:cNvPr id="67" name="Cylinder 66">
+            <a:extLst>
+              <a:ext uri="{FF2B5EF4-FFF2-40B4-BE49-F238E27FC236}">
+                <a16:creationId xmlns:a16="http://schemas.microsoft.com/office/drawing/2014/main" id="{5523ECA5-F334-479E-ADAF-499C072D967C}"/>
+              </a:ext>
+            </a:extLst>
+          </p:cNvPr>
+          <p:cNvSpPr/>
+          <p:nvPr/>
+        </p:nvSpPr>
+        <p:spPr>
+          <a:xfrm rot="5400000">
+            <a:off x="5967517" y="5954936"/>
+            <a:ext cx="348908" cy="1706111"/>
+          </a:xfrm>
+          <a:prstGeom prst="can">
+            <a:avLst/>
+          </a:prstGeom>
+          <a:solidFill>
+            <a:schemeClr val="tx1">
+              <a:lumMod val="50000"/>
+              <a:lumOff val="50000"/>
+            </a:schemeClr>
+          </a:solidFill>
+        </p:spPr>
+        <p:style>
+          <a:lnRef idx="0">
+            <a:schemeClr val="accent5"/>
+          </a:lnRef>
+          <a:fillRef idx="3">
+            <a:schemeClr val="accent5"/>
+          </a:fillRef>
+          <a:effectRef idx="3">
+            <a:schemeClr val="accent5"/>
+          </a:effectRef>
+          <a:fontRef idx="minor">
+            <a:schemeClr val="lt1"/>
+          </a:fontRef>
+        </p:style>
+        <p:txBody>
+          <a:bodyPr vert="vert270" rtlCol="0" anchor="ctr"/>
+          <a:lstStyle/>
+          <a:p>
+            <a:pPr algn="ctr"/>
+            <a:r>
+              <a:rPr lang="en-IN" dirty="0">
+                <a:latin typeface="Segoe UI" panose="020B0502040204020203" pitchFamily="34" charset="0"/>
+                <a:cs typeface="Segoe UI" panose="020B0502040204020203" pitchFamily="34" charset="0"/>
+              </a:rPr>
+              <a:t>Partition(s)</a:t>
+            </a:r>
+          </a:p>
+        </p:txBody>
+      </p:sp>
+    </p:spTree>
+    <p:extLst>
+      <p:ext uri="{BB962C8B-B14F-4D97-AF65-F5344CB8AC3E}">
+        <p14:creationId xmlns:p14="http://schemas.microsoft.com/office/powerpoint/2010/main" val="3559318206"/>
+      </p:ext>
+    </p:extLst>
+  </p:cSld>
+  <p:clrMapOvr>
+    <a:masterClrMapping/>
+  </p:clrMapOvr>
+</p:sld>
+</file>
+
+<file path=ppt/slides/slide14.xml><?xml version="1.0" encoding="utf-8"?>
+<p:sld xmlns:a="http://schemas.openxmlformats.org/drawingml/2006/main" xmlns:r="http://schemas.openxmlformats.org/officeDocument/2006/relationships" xmlns:p="http://schemas.openxmlformats.org/presentationml/2006/main">
+  <p:cSld>
+    <p:spTree>
+      <p:nvGrpSpPr>
+        <p:cNvPr id="1" name=""/>
+        <p:cNvGrpSpPr/>
+        <p:nvPr/>
+      </p:nvGrpSpPr>
+      <p:grpSpPr>
+        <a:xfrm>
+          <a:off x="0" y="0"/>
+          <a:ext cx="0" cy="0"/>
+          <a:chOff x="0" y="0"/>
+          <a:chExt cx="0" cy="0"/>
+        </a:xfrm>
+      </p:grpSpPr>
       <p:pic>
         <p:nvPicPr>
           <p:cNvPr id="5" name="Picture 4">
